--- a/ABneBA_Presentation.pptx
+++ b/ABneBA_Presentation.pptx
@@ -7,10 +7,12 @@
   <p:sldIdLst>
     <p:sldId id="256" r:id="rId2"/>
     <p:sldId id="257" r:id="rId3"/>
-    <p:sldId id="258" r:id="rId4"/>
-    <p:sldId id="261" r:id="rId5"/>
-    <p:sldId id="259" r:id="rId6"/>
-    <p:sldId id="260" r:id="rId7"/>
+    <p:sldId id="262" r:id="rId4"/>
+    <p:sldId id="258" r:id="rId5"/>
+    <p:sldId id="263" r:id="rId6"/>
+    <p:sldId id="261" r:id="rId7"/>
+    <p:sldId id="259" r:id="rId8"/>
+    <p:sldId id="260" r:id="rId9"/>
   </p:sldIdLst>
   <p:sldSz cx="12192000" cy="6858000"/>
   <p:notesSz cx="6858000" cy="9144000"/>
@@ -109,6 +111,11 @@
       </a:defRPr>
     </a:lvl9pPr>
   </p:defaultTextStyle>
+  <p:extLst>
+    <p:ext uri="{EFAFB233-063F-42B5-8137-9DF3F51BA10A}">
+      <p15:sldGuideLst xmlns:p15="http://schemas.microsoft.com/office/powerpoint/2012/main"/>
+    </p:ext>
+  </p:extLst>
 </p:presentation>
 </file>
 
@@ -259,7 +266,7 @@
           <a:p>
             <a:fld id="{3302DFA9-062C-49B1-A7BC-577CBFFE1383}" type="datetimeFigureOut">
               <a:rPr lang="ko-KR" altLang="en-US" smtClean="0"/>
-              <a:t>2020-11-13</a:t>
+              <a:t>2020-11-14</a:t>
             </a:fld>
             <a:endParaRPr lang="ko-KR" altLang="en-US"/>
           </a:p>
@@ -457,7 +464,7 @@
           <a:p>
             <a:fld id="{3302DFA9-062C-49B1-A7BC-577CBFFE1383}" type="datetimeFigureOut">
               <a:rPr lang="ko-KR" altLang="en-US" smtClean="0"/>
-              <a:t>2020-11-13</a:t>
+              <a:t>2020-11-14</a:t>
             </a:fld>
             <a:endParaRPr lang="ko-KR" altLang="en-US"/>
           </a:p>
@@ -665,7 +672,7 @@
           <a:p>
             <a:fld id="{3302DFA9-062C-49B1-A7BC-577CBFFE1383}" type="datetimeFigureOut">
               <a:rPr lang="ko-KR" altLang="en-US" smtClean="0"/>
-              <a:t>2020-11-13</a:t>
+              <a:t>2020-11-14</a:t>
             </a:fld>
             <a:endParaRPr lang="ko-KR" altLang="en-US"/>
           </a:p>
@@ -863,7 +870,7 @@
           <a:p>
             <a:fld id="{3302DFA9-062C-49B1-A7BC-577CBFFE1383}" type="datetimeFigureOut">
               <a:rPr lang="ko-KR" altLang="en-US" smtClean="0"/>
-              <a:t>2020-11-13</a:t>
+              <a:t>2020-11-14</a:t>
             </a:fld>
             <a:endParaRPr lang="ko-KR" altLang="en-US"/>
           </a:p>
@@ -1138,7 +1145,7 @@
           <a:p>
             <a:fld id="{3302DFA9-062C-49B1-A7BC-577CBFFE1383}" type="datetimeFigureOut">
               <a:rPr lang="ko-KR" altLang="en-US" smtClean="0"/>
-              <a:t>2020-11-13</a:t>
+              <a:t>2020-11-14</a:t>
             </a:fld>
             <a:endParaRPr lang="ko-KR" altLang="en-US"/>
           </a:p>
@@ -1403,7 +1410,7 @@
           <a:p>
             <a:fld id="{3302DFA9-062C-49B1-A7BC-577CBFFE1383}" type="datetimeFigureOut">
               <a:rPr lang="ko-KR" altLang="en-US" smtClean="0"/>
-              <a:t>2020-11-13</a:t>
+              <a:t>2020-11-14</a:t>
             </a:fld>
             <a:endParaRPr lang="ko-KR" altLang="en-US"/>
           </a:p>
@@ -1815,7 +1822,7 @@
           <a:p>
             <a:fld id="{3302DFA9-062C-49B1-A7BC-577CBFFE1383}" type="datetimeFigureOut">
               <a:rPr lang="ko-KR" altLang="en-US" smtClean="0"/>
-              <a:t>2020-11-13</a:t>
+              <a:t>2020-11-14</a:t>
             </a:fld>
             <a:endParaRPr lang="ko-KR" altLang="en-US"/>
           </a:p>
@@ -1956,7 +1963,7 @@
           <a:p>
             <a:fld id="{3302DFA9-062C-49B1-A7BC-577CBFFE1383}" type="datetimeFigureOut">
               <a:rPr lang="ko-KR" altLang="en-US" smtClean="0"/>
-              <a:t>2020-11-13</a:t>
+              <a:t>2020-11-14</a:t>
             </a:fld>
             <a:endParaRPr lang="ko-KR" altLang="en-US"/>
           </a:p>
@@ -2069,7 +2076,7 @@
           <a:p>
             <a:fld id="{3302DFA9-062C-49B1-A7BC-577CBFFE1383}" type="datetimeFigureOut">
               <a:rPr lang="ko-KR" altLang="en-US" smtClean="0"/>
-              <a:t>2020-11-13</a:t>
+              <a:t>2020-11-14</a:t>
             </a:fld>
             <a:endParaRPr lang="ko-KR" altLang="en-US"/>
           </a:p>
@@ -2380,7 +2387,7 @@
           <a:p>
             <a:fld id="{3302DFA9-062C-49B1-A7BC-577CBFFE1383}" type="datetimeFigureOut">
               <a:rPr lang="ko-KR" altLang="en-US" smtClean="0"/>
-              <a:t>2020-11-13</a:t>
+              <a:t>2020-11-14</a:t>
             </a:fld>
             <a:endParaRPr lang="ko-KR" altLang="en-US"/>
           </a:p>
@@ -2668,7 +2675,7 @@
           <a:p>
             <a:fld id="{3302DFA9-062C-49B1-A7BC-577CBFFE1383}" type="datetimeFigureOut">
               <a:rPr lang="ko-KR" altLang="en-US" smtClean="0"/>
-              <a:t>2020-11-13</a:t>
+              <a:t>2020-11-14</a:t>
             </a:fld>
             <a:endParaRPr lang="ko-KR" altLang="en-US"/>
           </a:p>
@@ -2914,7 +2921,7 @@
           <a:p>
             <a:fld id="{3302DFA9-062C-49B1-A7BC-577CBFFE1383}" type="datetimeFigureOut">
               <a:rPr lang="ko-KR" altLang="en-US" smtClean="0"/>
-              <a:t>2020-11-13</a:t>
+              <a:t>2020-11-14</a:t>
             </a:fld>
             <a:endParaRPr lang="ko-KR" altLang="en-US"/>
           </a:p>
@@ -3660,8 +3667,8 @@
         </p:nvSpPr>
         <p:spPr>
           <a:xfrm>
-            <a:off x="8807135" y="690880"/>
-            <a:ext cx="1871025" cy="1323439"/>
+            <a:off x="7743381" y="690880"/>
+            <a:ext cx="2934779" cy="707886"/>
           </a:xfrm>
           <a:prstGeom prst="rect">
             <a:avLst/>
@@ -3683,20 +3690,7 @@
                 <a:latin typeface="경기천년바탕 Bold" panose="02020803020101020101" pitchFamily="18" charset="-127"/>
                 <a:ea typeface="경기천년바탕 Bold" panose="02020803020101020101" pitchFamily="18" charset="-127"/>
               </a:rPr>
-              <a:t>Back</a:t>
-            </a:r>
-          </a:p>
-          <a:p>
-            <a:pPr algn="r"/>
-            <a:r>
-              <a:rPr lang="en-US" altLang="ko-KR" sz="4000" dirty="0">
-                <a:solidFill>
-                  <a:schemeClr val="bg1"/>
-                </a:solidFill>
-                <a:latin typeface="경기천년바탕 Bold" panose="02020803020101020101" pitchFamily="18" charset="-127"/>
-                <a:ea typeface="경기천년바탕 Bold" panose="02020803020101020101" pitchFamily="18" charset="-127"/>
-              </a:rPr>
-              <a:t>Ground</a:t>
+              <a:t>Background</a:t>
             </a:r>
             <a:endParaRPr lang="ko-KR" altLang="en-US" sz="4000" dirty="0">
               <a:solidFill>
@@ -3843,6 +3837,94 @@
           <p:cNvPr id="3" name="TextBox 2">
             <a:extLst>
               <a:ext uri="{FF2B5EF4-FFF2-40B4-BE49-F238E27FC236}">
+                <a16:creationId xmlns:a16="http://schemas.microsoft.com/office/drawing/2014/main" id="{D5603856-A2CB-466B-A605-9D7907A9E91C}"/>
+              </a:ext>
+            </a:extLst>
+          </p:cNvPr>
+          <p:cNvSpPr txBox="1"/>
+          <p:nvPr/>
+        </p:nvSpPr>
+        <p:spPr>
+          <a:xfrm>
+            <a:off x="2726422" y="939567"/>
+            <a:ext cx="646331" cy="923330"/>
+          </a:xfrm>
+          <a:prstGeom prst="rect">
+            <a:avLst/>
+          </a:prstGeom>
+          <a:noFill/>
+        </p:spPr>
+        <p:txBody>
+          <a:bodyPr wrap="none" rtlCol="0">
+            <a:spAutoFit/>
+          </a:bodyPr>
+          <a:lstStyle/>
+          <a:p>
+            <a:r>
+              <a:rPr lang="ko-KR" altLang="en-US" dirty="0">
+                <a:solidFill>
+                  <a:schemeClr val="bg1"/>
+                </a:solidFill>
+              </a:rPr>
+              <a:t>배경</a:t>
+            </a:r>
+            <a:endParaRPr lang="en-US" altLang="ko-KR" dirty="0">
+              <a:solidFill>
+                <a:schemeClr val="bg1"/>
+              </a:solidFill>
+            </a:endParaRPr>
+          </a:p>
+          <a:p>
+            <a:endParaRPr lang="en-US" altLang="ko-KR" dirty="0">
+              <a:solidFill>
+                <a:schemeClr val="bg1"/>
+              </a:solidFill>
+            </a:endParaRPr>
+          </a:p>
+          <a:p>
+            <a:endParaRPr lang="ko-KR" altLang="en-US" dirty="0">
+              <a:solidFill>
+                <a:schemeClr val="bg1"/>
+              </a:solidFill>
+            </a:endParaRPr>
+          </a:p>
+        </p:txBody>
+      </p:sp>
+    </p:spTree>
+    <p:extLst>
+      <p:ext uri="{BB962C8B-B14F-4D97-AF65-F5344CB8AC3E}">
+        <p14:creationId xmlns:p14="http://schemas.microsoft.com/office/powerpoint/2010/main" val="2190907564"/>
+      </p:ext>
+    </p:extLst>
+  </p:cSld>
+  <p:clrMapOvr>
+    <a:masterClrMapping/>
+  </p:clrMapOvr>
+</p:sld>
+</file>
+
+<file path=ppt/slides/slide4.xml><?xml version="1.0" encoding="utf-8"?>
+<p:sld xmlns:a="http://schemas.openxmlformats.org/drawingml/2006/main" xmlns:r="http://schemas.openxmlformats.org/officeDocument/2006/relationships" xmlns:p="http://schemas.openxmlformats.org/presentationml/2006/main">
+  <p:cSld>
+    <p:spTree>
+      <p:nvGrpSpPr>
+        <p:cNvPr id="1" name=""/>
+        <p:cNvGrpSpPr/>
+        <p:nvPr/>
+      </p:nvGrpSpPr>
+      <p:grpSpPr>
+        <a:xfrm>
+          <a:off x="0" y="0"/>
+          <a:ext cx="0" cy="0"/>
+          <a:chOff x="0" y="0"/>
+          <a:chExt cx="0" cy="0"/>
+        </a:xfrm>
+      </p:grpSpPr>
+      <p:sp>
+        <p:nvSpPr>
+          <p:cNvPr id="3" name="TextBox 2">
+            <a:extLst>
+              <a:ext uri="{FF2B5EF4-FFF2-40B4-BE49-F238E27FC236}">
                 <a16:creationId xmlns:a16="http://schemas.microsoft.com/office/drawing/2014/main" id="{54864A9D-4DB4-48B5-8888-6B62293FB5B2}"/>
               </a:ext>
             </a:extLst>
@@ -4013,7 +4095,118 @@
 </p:sld>
 </file>
 
-<file path=ppt/slides/slide4.xml><?xml version="1.0" encoding="utf-8"?>
+<file path=ppt/slides/slide5.xml><?xml version="1.0" encoding="utf-8"?>
+<p:sld xmlns:a="http://schemas.openxmlformats.org/drawingml/2006/main" xmlns:r="http://schemas.openxmlformats.org/officeDocument/2006/relationships" xmlns:p="http://schemas.openxmlformats.org/presentationml/2006/main">
+  <p:cSld>
+    <p:spTree>
+      <p:nvGrpSpPr>
+        <p:cNvPr id="1" name=""/>
+        <p:cNvGrpSpPr/>
+        <p:nvPr/>
+      </p:nvGrpSpPr>
+      <p:grpSpPr>
+        <a:xfrm>
+          <a:off x="0" y="0"/>
+          <a:ext cx="0" cy="0"/>
+          <a:chOff x="0" y="0"/>
+          <a:chExt cx="0" cy="0"/>
+        </a:xfrm>
+      </p:grpSpPr>
+      <p:sp>
+        <p:nvSpPr>
+          <p:cNvPr id="3" name="TextBox 2">
+            <a:extLst>
+              <a:ext uri="{FF2B5EF4-FFF2-40B4-BE49-F238E27FC236}">
+                <a16:creationId xmlns:a16="http://schemas.microsoft.com/office/drawing/2014/main" id="{D5603856-A2CB-466B-A605-9D7907A9E91C}"/>
+              </a:ext>
+            </a:extLst>
+          </p:cNvPr>
+          <p:cNvSpPr txBox="1"/>
+          <p:nvPr/>
+        </p:nvSpPr>
+        <p:spPr>
+          <a:xfrm>
+            <a:off x="2239861" y="998290"/>
+            <a:ext cx="2722220" cy="1200329"/>
+          </a:xfrm>
+          <a:prstGeom prst="rect">
+            <a:avLst/>
+          </a:prstGeom>
+          <a:noFill/>
+        </p:spPr>
+        <p:txBody>
+          <a:bodyPr wrap="none" rtlCol="0">
+            <a:spAutoFit/>
+          </a:bodyPr>
+          <a:lstStyle/>
+          <a:p>
+            <a:r>
+              <a:rPr lang="ko-KR" altLang="en-US" dirty="0">
+                <a:solidFill>
+                  <a:schemeClr val="bg1"/>
+                </a:solidFill>
+              </a:rPr>
+              <a:t>콘셉트</a:t>
+            </a:r>
+            <a:endParaRPr lang="en-US" altLang="ko-KR">
+              <a:solidFill>
+                <a:schemeClr val="bg1"/>
+              </a:solidFill>
+            </a:endParaRPr>
+          </a:p>
+          <a:p>
+            <a:endParaRPr lang="en-US" altLang="ko-KR" dirty="0">
+              <a:solidFill>
+                <a:schemeClr val="bg1"/>
+              </a:solidFill>
+            </a:endParaRPr>
+          </a:p>
+          <a:p>
+            <a:r>
+              <a:rPr lang="en-US" altLang="ko-KR" dirty="0">
+                <a:solidFill>
+                  <a:schemeClr val="bg1"/>
+                </a:solidFill>
+              </a:rPr>
+              <a:t>AI </a:t>
+            </a:r>
+            <a:r>
+              <a:rPr lang="ko-KR" altLang="en-US" dirty="0">
+                <a:solidFill>
+                  <a:schemeClr val="bg1"/>
+                </a:solidFill>
+              </a:rPr>
+              <a:t>개발자들을 위한 게임</a:t>
+            </a:r>
+            <a:endParaRPr lang="en-US" altLang="ko-KR" dirty="0">
+              <a:solidFill>
+                <a:schemeClr val="bg1"/>
+              </a:solidFill>
+            </a:endParaRPr>
+          </a:p>
+          <a:p>
+            <a:endParaRPr lang="ko-KR" altLang="en-US" dirty="0">
+              <a:solidFill>
+                <a:schemeClr val="bg1"/>
+              </a:solidFill>
+            </a:endParaRPr>
+          </a:p>
+        </p:txBody>
+      </p:sp>
+    </p:spTree>
+    <p:extLst>
+      <p:ext uri="{BB962C8B-B14F-4D97-AF65-F5344CB8AC3E}">
+        <p14:creationId xmlns:p14="http://schemas.microsoft.com/office/powerpoint/2010/main" val="399156418"/>
+      </p:ext>
+    </p:extLst>
+  </p:cSld>
+  <p:clrMapOvr>
+    <a:masterClrMapping/>
+  </p:clrMapOvr>
+</p:sld>
+</file>
+
+<file path=ppt/slides/slide6.xml><?xml version="1.0" encoding="utf-8"?>
 <p:sld xmlns:a="http://schemas.openxmlformats.org/drawingml/2006/main" xmlns:r="http://schemas.openxmlformats.org/officeDocument/2006/relationships" xmlns:p="http://schemas.openxmlformats.org/presentationml/2006/main">
   <p:cSld>
     <p:spTree>
@@ -4205,7 +4398,7 @@
 </p:sld>
 </file>
 
-<file path=ppt/slides/slide5.xml><?xml version="1.0" encoding="utf-8"?>
+<file path=ppt/slides/slide7.xml><?xml version="1.0" encoding="utf-8"?>
 <p:sld xmlns:a="http://schemas.openxmlformats.org/drawingml/2006/main" xmlns:r="http://schemas.openxmlformats.org/officeDocument/2006/relationships" xmlns:p="http://schemas.openxmlformats.org/presentationml/2006/main">
   <p:cSld>
     <p:spTree>
@@ -4384,7 +4577,7 @@
 </p:sld>
 </file>
 
-<file path=ppt/slides/slide6.xml><?xml version="1.0" encoding="utf-8"?>
+<file path=ppt/slides/slide8.xml><?xml version="1.0" encoding="utf-8"?>
 <p:sld xmlns:a="http://schemas.openxmlformats.org/drawingml/2006/main" xmlns:r="http://schemas.openxmlformats.org/officeDocument/2006/relationships" xmlns:p="http://schemas.openxmlformats.org/presentationml/2006/main">
   <p:cSld>
     <p:spTree>

--- a/ABneBA_Presentation.pptx
+++ b/ABneBA_Presentation.pptx
@@ -11,7 +11,8 @@
     <p:sldId id="261" r:id="rId5"/>
     <p:sldId id="259" r:id="rId6"/>
     <p:sldId id="262" r:id="rId7"/>
-    <p:sldId id="260" r:id="rId8"/>
+    <p:sldId id="263" r:id="rId8"/>
+    <p:sldId id="260" r:id="rId9"/>
   </p:sldIdLst>
   <p:sldSz cx="12192000" cy="6858000"/>
   <p:notesSz cx="6858000" cy="9144000"/>
@@ -110,6 +111,11 @@
       </a:defRPr>
     </a:lvl9pPr>
   </p:defaultTextStyle>
+  <p:extLst>
+    <p:ext uri="{EFAFB233-063F-42B5-8137-9DF3F51BA10A}">
+      <p15:sldGuideLst xmlns:p15="http://schemas.microsoft.com/office/powerpoint/2012/main"/>
+    </p:ext>
+  </p:extLst>
 </p:presentation>
 </file>
 
@@ -260,7 +266,7 @@
           <a:p>
             <a:fld id="{3302DFA9-062C-49B1-A7BC-577CBFFE1383}" type="datetimeFigureOut">
               <a:rPr lang="ko-KR" altLang="en-US" smtClean="0"/>
-              <a:t>2020-11-13</a:t>
+              <a:t>2020-11-14</a:t>
             </a:fld>
             <a:endParaRPr lang="ko-KR" altLang="en-US"/>
           </a:p>
@@ -458,7 +464,7 @@
           <a:p>
             <a:fld id="{3302DFA9-062C-49B1-A7BC-577CBFFE1383}" type="datetimeFigureOut">
               <a:rPr lang="ko-KR" altLang="en-US" smtClean="0"/>
-              <a:t>2020-11-13</a:t>
+              <a:t>2020-11-14</a:t>
             </a:fld>
             <a:endParaRPr lang="ko-KR" altLang="en-US"/>
           </a:p>
@@ -666,7 +672,7 @@
           <a:p>
             <a:fld id="{3302DFA9-062C-49B1-A7BC-577CBFFE1383}" type="datetimeFigureOut">
               <a:rPr lang="ko-KR" altLang="en-US" smtClean="0"/>
-              <a:t>2020-11-13</a:t>
+              <a:t>2020-11-14</a:t>
             </a:fld>
             <a:endParaRPr lang="ko-KR" altLang="en-US"/>
           </a:p>
@@ -864,7 +870,7 @@
           <a:p>
             <a:fld id="{3302DFA9-062C-49B1-A7BC-577CBFFE1383}" type="datetimeFigureOut">
               <a:rPr lang="ko-KR" altLang="en-US" smtClean="0"/>
-              <a:t>2020-11-13</a:t>
+              <a:t>2020-11-14</a:t>
             </a:fld>
             <a:endParaRPr lang="ko-KR" altLang="en-US"/>
           </a:p>
@@ -1139,7 +1145,7 @@
           <a:p>
             <a:fld id="{3302DFA9-062C-49B1-A7BC-577CBFFE1383}" type="datetimeFigureOut">
               <a:rPr lang="ko-KR" altLang="en-US" smtClean="0"/>
-              <a:t>2020-11-13</a:t>
+              <a:t>2020-11-14</a:t>
             </a:fld>
             <a:endParaRPr lang="ko-KR" altLang="en-US"/>
           </a:p>
@@ -1404,7 +1410,7 @@
           <a:p>
             <a:fld id="{3302DFA9-062C-49B1-A7BC-577CBFFE1383}" type="datetimeFigureOut">
               <a:rPr lang="ko-KR" altLang="en-US" smtClean="0"/>
-              <a:t>2020-11-13</a:t>
+              <a:t>2020-11-14</a:t>
             </a:fld>
             <a:endParaRPr lang="ko-KR" altLang="en-US"/>
           </a:p>
@@ -1816,7 +1822,7 @@
           <a:p>
             <a:fld id="{3302DFA9-062C-49B1-A7BC-577CBFFE1383}" type="datetimeFigureOut">
               <a:rPr lang="ko-KR" altLang="en-US" smtClean="0"/>
-              <a:t>2020-11-13</a:t>
+              <a:t>2020-11-14</a:t>
             </a:fld>
             <a:endParaRPr lang="ko-KR" altLang="en-US"/>
           </a:p>
@@ -1957,7 +1963,7 @@
           <a:p>
             <a:fld id="{3302DFA9-062C-49B1-A7BC-577CBFFE1383}" type="datetimeFigureOut">
               <a:rPr lang="ko-KR" altLang="en-US" smtClean="0"/>
-              <a:t>2020-11-13</a:t>
+              <a:t>2020-11-14</a:t>
             </a:fld>
             <a:endParaRPr lang="ko-KR" altLang="en-US"/>
           </a:p>
@@ -2070,7 +2076,7 @@
           <a:p>
             <a:fld id="{3302DFA9-062C-49B1-A7BC-577CBFFE1383}" type="datetimeFigureOut">
               <a:rPr lang="ko-KR" altLang="en-US" smtClean="0"/>
-              <a:t>2020-11-13</a:t>
+              <a:t>2020-11-14</a:t>
             </a:fld>
             <a:endParaRPr lang="ko-KR" altLang="en-US"/>
           </a:p>
@@ -2381,7 +2387,7 @@
           <a:p>
             <a:fld id="{3302DFA9-062C-49B1-A7BC-577CBFFE1383}" type="datetimeFigureOut">
               <a:rPr lang="ko-KR" altLang="en-US" smtClean="0"/>
-              <a:t>2020-11-13</a:t>
+              <a:t>2020-11-14</a:t>
             </a:fld>
             <a:endParaRPr lang="ko-KR" altLang="en-US"/>
           </a:p>
@@ -2669,7 +2675,7 @@
           <a:p>
             <a:fld id="{3302DFA9-062C-49B1-A7BC-577CBFFE1383}" type="datetimeFigureOut">
               <a:rPr lang="ko-KR" altLang="en-US" smtClean="0"/>
-              <a:t>2020-11-13</a:t>
+              <a:t>2020-11-14</a:t>
             </a:fld>
             <a:endParaRPr lang="ko-KR" altLang="en-US"/>
           </a:p>
@@ -2915,7 +2921,7 @@
           <a:p>
             <a:fld id="{3302DFA9-062C-49B1-A7BC-577CBFFE1383}" type="datetimeFigureOut">
               <a:rPr lang="ko-KR" altLang="en-US" smtClean="0"/>
-              <a:t>2020-11-13</a:t>
+              <a:t>2020-11-14</a:t>
             </a:fld>
             <a:endParaRPr lang="ko-KR" altLang="en-US"/>
           </a:p>
@@ -4778,7 +4784,7 @@
         </p:nvSpPr>
         <p:spPr>
           <a:xfrm>
-            <a:off x="9683089" y="602382"/>
+            <a:off x="9683089" y="409877"/>
             <a:ext cx="1630576" cy="1015663"/>
           </a:xfrm>
           <a:prstGeom prst="rect">
@@ -4827,7 +4833,7 @@
         </p:nvSpPr>
         <p:spPr>
           <a:xfrm>
-            <a:off x="3993233" y="1618045"/>
+            <a:off x="3511970" y="2003056"/>
             <a:ext cx="7152640" cy="4145682"/>
           </a:xfrm>
           <a:prstGeom prst="roundRect">
@@ -4893,7 +4899,10 @@
             </a:avLst>
           </a:prstGeom>
           <a:solidFill>
-            <a:schemeClr val="bg1"/>
+            <a:schemeClr val="accent4">
+              <a:lumMod val="20000"/>
+              <a:lumOff val="80000"/>
+            </a:schemeClr>
           </a:solidFill>
           <a:ln>
             <a:noFill/>
@@ -4938,7 +4947,7 @@
         </p:nvSpPr>
         <p:spPr>
           <a:xfrm>
-            <a:off x="5517662" y="2179255"/>
+            <a:off x="5036399" y="2564266"/>
             <a:ext cx="3060700" cy="3060700"/>
           </a:xfrm>
           <a:prstGeom prst="ellipse">
@@ -4992,7 +5001,7 @@
         </p:nvSpPr>
         <p:spPr>
           <a:xfrm>
-            <a:off x="8417358" y="1603809"/>
+            <a:off x="7936095" y="1988820"/>
             <a:ext cx="2531462" cy="1323439"/>
           </a:xfrm>
           <a:prstGeom prst="rect">
@@ -5045,7 +5054,7 @@
         </p:nvSpPr>
         <p:spPr>
           <a:xfrm>
-            <a:off x="6461954" y="3232551"/>
+            <a:off x="5980691" y="3617562"/>
             <a:ext cx="1172116" cy="954107"/>
           </a:xfrm>
           <a:prstGeom prst="rect">
@@ -5107,7 +5116,7 @@
         </p:nvCxnSpPr>
         <p:spPr>
           <a:xfrm>
-            <a:off x="3416300" y="3670300"/>
+            <a:off x="2935037" y="4055311"/>
             <a:ext cx="2438400" cy="0"/>
           </a:xfrm>
           <a:prstGeom prst="line">
@@ -5149,7 +5158,7 @@
         </p:nvSpPr>
         <p:spPr>
           <a:xfrm>
-            <a:off x="1024965" y="3232551"/>
+            <a:off x="543702" y="3617562"/>
             <a:ext cx="2206053" cy="954107"/>
           </a:xfrm>
           <a:prstGeom prst="rect">
@@ -5197,6 +5206,42 @@
           </a:p>
         </p:txBody>
       </p:sp>
+      <p:pic>
+        <p:nvPicPr>
+          <p:cNvPr id="4" name="그림 3">
+            <a:extLst>
+              <a:ext uri="{FF2B5EF4-FFF2-40B4-BE49-F238E27FC236}">
+                <a16:creationId xmlns:a16="http://schemas.microsoft.com/office/drawing/2014/main" id="{A6DCDCEE-F55F-43AC-896C-D4DC0765F814}"/>
+              </a:ext>
+            </a:extLst>
+          </p:cNvPr>
+          <p:cNvPicPr>
+            <a:picLocks noChangeAspect="1"/>
+          </p:cNvPicPr>
+          <p:nvPr/>
+        </p:nvPicPr>
+        <p:blipFill>
+          <a:blip r:embed="rId2">
+            <a:extLst>
+              <a:ext uri="{28A0092B-C50C-407E-A947-70E740481C1C}">
+                <a14:useLocalDpi xmlns:a14="http://schemas.microsoft.com/office/drawing/2010/main" val="0"/>
+              </a:ext>
+            </a:extLst>
+          </a:blip>
+          <a:stretch>
+            <a:fillRect/>
+          </a:stretch>
+        </p:blipFill>
+        <p:spPr>
+          <a:xfrm>
+            <a:off x="296031" y="340996"/>
+            <a:ext cx="1164608" cy="767460"/>
+          </a:xfrm>
+          <a:prstGeom prst="rect">
+            <a:avLst/>
+          </a:prstGeom>
+        </p:spPr>
+      </p:pic>
     </p:spTree>
     <p:extLst>
       <p:ext uri="{BB962C8B-B14F-4D97-AF65-F5344CB8AC3E}">
@@ -5211,6 +5256,780 @@
 </file>
 
 <file path=ppt/slides/slide7.xml><?xml version="1.0" encoding="utf-8"?>
+<p:sld xmlns:a="http://schemas.openxmlformats.org/drawingml/2006/main" xmlns:r="http://schemas.openxmlformats.org/officeDocument/2006/relationships" xmlns:p="http://schemas.openxmlformats.org/presentationml/2006/main">
+  <p:cSld>
+    <p:spTree>
+      <p:nvGrpSpPr>
+        <p:cNvPr id="1" name=""/>
+        <p:cNvGrpSpPr/>
+        <p:nvPr/>
+      </p:nvGrpSpPr>
+      <p:grpSpPr>
+        <a:xfrm>
+          <a:off x="0" y="0"/>
+          <a:ext cx="0" cy="0"/>
+          <a:chOff x="0" y="0"/>
+          <a:chExt cx="0" cy="0"/>
+        </a:xfrm>
+      </p:grpSpPr>
+      <p:sp>
+        <p:nvSpPr>
+          <p:cNvPr id="16" name="직사각형 15">
+            <a:extLst>
+              <a:ext uri="{FF2B5EF4-FFF2-40B4-BE49-F238E27FC236}">
+                <a16:creationId xmlns:a16="http://schemas.microsoft.com/office/drawing/2014/main" id="{EE139C5A-0E66-45D6-BE19-DF9714CAAFBF}"/>
+              </a:ext>
+            </a:extLst>
+          </p:cNvPr>
+          <p:cNvSpPr/>
+          <p:nvPr/>
+        </p:nvSpPr>
+        <p:spPr>
+          <a:xfrm>
+            <a:off x="1034047" y="1425540"/>
+            <a:ext cx="3177535" cy="5432459"/>
+          </a:xfrm>
+          <a:prstGeom prst="rect">
+            <a:avLst/>
+          </a:prstGeom>
+          <a:solidFill>
+            <a:schemeClr val="bg1"/>
+          </a:solidFill>
+          <a:ln>
+            <a:solidFill>
+              <a:schemeClr val="tx1"/>
+            </a:solidFill>
+          </a:ln>
+        </p:spPr>
+        <p:style>
+          <a:lnRef idx="2">
+            <a:schemeClr val="accent1">
+              <a:shade val="50000"/>
+            </a:schemeClr>
+          </a:lnRef>
+          <a:fillRef idx="1">
+            <a:schemeClr val="accent1"/>
+          </a:fillRef>
+          <a:effectRef idx="0">
+            <a:schemeClr val="accent1"/>
+          </a:effectRef>
+          <a:fontRef idx="minor">
+            <a:schemeClr val="lt1"/>
+          </a:fontRef>
+        </p:style>
+        <p:txBody>
+          <a:bodyPr rtlCol="0" anchor="ctr"/>
+          <a:lstStyle/>
+          <a:p>
+            <a:pPr algn="ctr"/>
+            <a:endParaRPr lang="ko-KR" altLang="en-US" dirty="0"/>
+          </a:p>
+        </p:txBody>
+      </p:sp>
+      <p:sp>
+        <p:nvSpPr>
+          <p:cNvPr id="14" name="직사각형 13">
+            <a:extLst>
+              <a:ext uri="{FF2B5EF4-FFF2-40B4-BE49-F238E27FC236}">
+                <a16:creationId xmlns:a16="http://schemas.microsoft.com/office/drawing/2014/main" id="{A7184F2A-D2D1-42C1-BDD5-57500BC97FB7}"/>
+              </a:ext>
+            </a:extLst>
+          </p:cNvPr>
+          <p:cNvSpPr/>
+          <p:nvPr/>
+        </p:nvSpPr>
+        <p:spPr>
+          <a:xfrm rot="16200000">
+            <a:off x="2366210" y="2820202"/>
+            <a:ext cx="1694046" cy="952901"/>
+          </a:xfrm>
+          <a:prstGeom prst="rect">
+            <a:avLst/>
+          </a:prstGeom>
+          <a:solidFill>
+            <a:schemeClr val="bg1"/>
+          </a:solidFill>
+          <a:ln>
+            <a:noFill/>
+          </a:ln>
+        </p:spPr>
+        <p:style>
+          <a:lnRef idx="2">
+            <a:schemeClr val="accent1">
+              <a:shade val="50000"/>
+            </a:schemeClr>
+          </a:lnRef>
+          <a:fillRef idx="1">
+            <a:schemeClr val="accent1"/>
+          </a:fillRef>
+          <a:effectRef idx="0">
+            <a:schemeClr val="accent1"/>
+          </a:effectRef>
+          <a:fontRef idx="minor">
+            <a:schemeClr val="lt1"/>
+          </a:fontRef>
+        </p:style>
+        <p:txBody>
+          <a:bodyPr rtlCol="0" anchor="ctr"/>
+          <a:lstStyle/>
+          <a:p>
+            <a:pPr algn="ctr"/>
+            <a:endParaRPr lang="ko-KR" altLang="en-US"/>
+          </a:p>
+        </p:txBody>
+      </p:sp>
+      <p:sp>
+        <p:nvSpPr>
+          <p:cNvPr id="13" name="직사각형 12">
+            <a:extLst>
+              <a:ext uri="{FF2B5EF4-FFF2-40B4-BE49-F238E27FC236}">
+                <a16:creationId xmlns:a16="http://schemas.microsoft.com/office/drawing/2014/main" id="{5CAFCFA8-2806-40F5-8164-9496CC6B7B64}"/>
+              </a:ext>
+            </a:extLst>
+          </p:cNvPr>
+          <p:cNvSpPr/>
+          <p:nvPr/>
+        </p:nvSpPr>
+        <p:spPr>
+          <a:xfrm rot="5400000">
+            <a:off x="1300393" y="2820202"/>
+            <a:ext cx="1694046" cy="952901"/>
+          </a:xfrm>
+          <a:prstGeom prst="rect">
+            <a:avLst/>
+          </a:prstGeom>
+          <a:solidFill>
+            <a:schemeClr val="bg1"/>
+          </a:solidFill>
+          <a:ln>
+            <a:noFill/>
+          </a:ln>
+        </p:spPr>
+        <p:style>
+          <a:lnRef idx="2">
+            <a:schemeClr val="accent1">
+              <a:shade val="50000"/>
+            </a:schemeClr>
+          </a:lnRef>
+          <a:fillRef idx="1">
+            <a:schemeClr val="accent1"/>
+          </a:fillRef>
+          <a:effectRef idx="0">
+            <a:schemeClr val="accent1"/>
+          </a:effectRef>
+          <a:fontRef idx="minor">
+            <a:schemeClr val="lt1"/>
+          </a:fontRef>
+        </p:style>
+        <p:txBody>
+          <a:bodyPr rtlCol="0" anchor="ctr"/>
+          <a:lstStyle/>
+          <a:p>
+            <a:pPr algn="ctr"/>
+            <a:endParaRPr lang="ko-KR" altLang="en-US"/>
+          </a:p>
+        </p:txBody>
+      </p:sp>
+      <p:sp>
+        <p:nvSpPr>
+          <p:cNvPr id="3" name="TextBox 2">
+            <a:extLst>
+              <a:ext uri="{FF2B5EF4-FFF2-40B4-BE49-F238E27FC236}">
+                <a16:creationId xmlns:a16="http://schemas.microsoft.com/office/drawing/2014/main" id="{54864A9D-4DB4-48B5-8888-6B62293FB5B2}"/>
+              </a:ext>
+            </a:extLst>
+          </p:cNvPr>
+          <p:cNvSpPr txBox="1"/>
+          <p:nvPr/>
+        </p:nvSpPr>
+        <p:spPr>
+          <a:xfrm>
+            <a:off x="9670266" y="409877"/>
+            <a:ext cx="1643399" cy="1015663"/>
+          </a:xfrm>
+          <a:prstGeom prst="rect">
+            <a:avLst/>
+          </a:prstGeom>
+          <a:noFill/>
+        </p:spPr>
+        <p:txBody>
+          <a:bodyPr wrap="none" rtlCol="0">
+            <a:spAutoFit/>
+          </a:bodyPr>
+          <a:lstStyle/>
+          <a:p>
+            <a:pPr algn="r"/>
+            <a:r>
+              <a:rPr lang="en-US" altLang="ko-KR" sz="6000" dirty="0">
+                <a:solidFill>
+                  <a:schemeClr val="bg1"/>
+                </a:solidFill>
+                <a:latin typeface="경기천년바탕 Bold" panose="02020803020101020101" pitchFamily="18" charset="-127"/>
+                <a:ea typeface="경기천년바탕 Bold" panose="02020803020101020101" pitchFamily="18" charset="-127"/>
+              </a:rPr>
+              <a:t>Unit</a:t>
+            </a:r>
+            <a:endParaRPr lang="ko-KR" altLang="en-US" sz="6000" dirty="0">
+              <a:solidFill>
+                <a:schemeClr val="bg1"/>
+              </a:solidFill>
+              <a:latin typeface="경기천년바탕 Bold" panose="02020803020101020101" pitchFamily="18" charset="-127"/>
+              <a:ea typeface="경기천년바탕 Bold" panose="02020803020101020101" pitchFamily="18" charset="-127"/>
+            </a:endParaRPr>
+          </a:p>
+        </p:txBody>
+      </p:sp>
+      <p:sp>
+        <p:nvSpPr>
+          <p:cNvPr id="9" name="L 도형 8">
+            <a:extLst>
+              <a:ext uri="{FF2B5EF4-FFF2-40B4-BE49-F238E27FC236}">
+                <a16:creationId xmlns:a16="http://schemas.microsoft.com/office/drawing/2014/main" id="{84B1B958-581A-4B20-90C9-DF550356EE42}"/>
+              </a:ext>
+            </a:extLst>
+          </p:cNvPr>
+          <p:cNvSpPr/>
+          <p:nvPr/>
+        </p:nvSpPr>
+        <p:spPr>
+          <a:xfrm rot="10800000">
+            <a:off x="11145873" y="340996"/>
+            <a:ext cx="680318" cy="680318"/>
+          </a:xfrm>
+          <a:prstGeom prst="corner">
+            <a:avLst>
+              <a:gd name="adj1" fmla="val 10000"/>
+              <a:gd name="adj2" fmla="val 8667"/>
+            </a:avLst>
+          </a:prstGeom>
+          <a:solidFill>
+            <a:schemeClr val="accent4">
+              <a:lumMod val="20000"/>
+              <a:lumOff val="80000"/>
+            </a:schemeClr>
+          </a:solidFill>
+          <a:ln>
+            <a:noFill/>
+          </a:ln>
+        </p:spPr>
+        <p:style>
+          <a:lnRef idx="2">
+            <a:schemeClr val="accent1">
+              <a:shade val="50000"/>
+            </a:schemeClr>
+          </a:lnRef>
+          <a:fillRef idx="1">
+            <a:schemeClr val="accent1"/>
+          </a:fillRef>
+          <a:effectRef idx="0">
+            <a:schemeClr val="accent1"/>
+          </a:effectRef>
+          <a:fontRef idx="minor">
+            <a:schemeClr val="lt1"/>
+          </a:fontRef>
+        </p:style>
+        <p:txBody>
+          <a:bodyPr rtlCol="0" anchor="ctr"/>
+          <a:lstStyle/>
+          <a:p>
+            <a:pPr algn="ctr"/>
+            <a:endParaRPr lang="ko-KR" altLang="en-US"/>
+          </a:p>
+        </p:txBody>
+      </p:sp>
+      <p:pic>
+        <p:nvPicPr>
+          <p:cNvPr id="4" name="그림 3" descr="텍스트이(가) 표시된 사진&#10;&#10;자동 생성된 설명">
+            <a:extLst>
+              <a:ext uri="{FF2B5EF4-FFF2-40B4-BE49-F238E27FC236}">
+                <a16:creationId xmlns:a16="http://schemas.microsoft.com/office/drawing/2014/main" id="{54D550A5-6B23-47AC-82C7-AE16D4EDDE45}"/>
+              </a:ext>
+            </a:extLst>
+          </p:cNvPr>
+          <p:cNvPicPr>
+            <a:picLocks noChangeAspect="1"/>
+          </p:cNvPicPr>
+          <p:nvPr/>
+        </p:nvPicPr>
+        <p:blipFill>
+          <a:blip r:embed="rId2">
+            <a:lum bright="70000" contrast="-70000"/>
+            <a:extLst>
+              <a:ext uri="{28A0092B-C50C-407E-A947-70E740481C1C}">
+                <a14:useLocalDpi xmlns:a14="http://schemas.microsoft.com/office/drawing/2010/main" val="0"/>
+              </a:ext>
+            </a:extLst>
+          </a:blip>
+          <a:stretch>
+            <a:fillRect/>
+          </a:stretch>
+        </p:blipFill>
+        <p:spPr>
+          <a:xfrm>
+            <a:off x="588684" y="300830"/>
+            <a:ext cx="346444" cy="815701"/>
+          </a:xfrm>
+          <a:prstGeom prst="rect">
+            <a:avLst/>
+          </a:prstGeom>
+        </p:spPr>
+      </p:pic>
+      <p:pic>
+        <p:nvPicPr>
+          <p:cNvPr id="7" name="그림 6" descr="그리기, 옅은이(가) 표시된 사진&#10;&#10;자동 생성된 설명">
+            <a:extLst>
+              <a:ext uri="{FF2B5EF4-FFF2-40B4-BE49-F238E27FC236}">
+                <a16:creationId xmlns:a16="http://schemas.microsoft.com/office/drawing/2014/main" id="{1054F2A4-7C39-40FE-95DB-1F82ECB8F24B}"/>
+              </a:ext>
+            </a:extLst>
+          </p:cNvPr>
+          <p:cNvPicPr>
+            <a:picLocks noChangeAspect="1"/>
+          </p:cNvPicPr>
+          <p:nvPr/>
+        </p:nvPicPr>
+        <p:blipFill>
+          <a:blip r:embed="rId3">
+            <a:extLst>
+              <a:ext uri="{28A0092B-C50C-407E-A947-70E740481C1C}">
+                <a14:useLocalDpi xmlns:a14="http://schemas.microsoft.com/office/drawing/2010/main" val="0"/>
+              </a:ext>
+            </a:extLst>
+          </a:blip>
+          <a:stretch>
+            <a:fillRect/>
+          </a:stretch>
+        </p:blipFill>
+        <p:spPr>
+          <a:xfrm>
+            <a:off x="1737725" y="2599890"/>
+            <a:ext cx="787302" cy="1371429"/>
+          </a:xfrm>
+          <a:prstGeom prst="rect">
+            <a:avLst/>
+          </a:prstGeom>
+        </p:spPr>
+      </p:pic>
+      <p:pic>
+        <p:nvPicPr>
+          <p:cNvPr id="11" name="그림 10" descr="옅은, 그리기이(가) 표시된 사진&#10;&#10;자동 생성된 설명">
+            <a:extLst>
+              <a:ext uri="{FF2B5EF4-FFF2-40B4-BE49-F238E27FC236}">
+                <a16:creationId xmlns:a16="http://schemas.microsoft.com/office/drawing/2014/main" id="{7ADEA54B-5422-4AC7-A1B1-953CEB90BDC6}"/>
+              </a:ext>
+            </a:extLst>
+          </p:cNvPr>
+          <p:cNvPicPr>
+            <a:picLocks noChangeAspect="1"/>
+          </p:cNvPicPr>
+          <p:nvPr/>
+        </p:nvPicPr>
+        <p:blipFill>
+          <a:blip r:embed="rId4">
+            <a:extLst>
+              <a:ext uri="{28A0092B-C50C-407E-A947-70E740481C1C}">
+                <a14:useLocalDpi xmlns:a14="http://schemas.microsoft.com/office/drawing/2010/main" val="0"/>
+              </a:ext>
+            </a:extLst>
+          </a:blip>
+          <a:stretch>
+            <a:fillRect/>
+          </a:stretch>
+        </p:blipFill>
+        <p:spPr>
+          <a:xfrm rot="10800000">
+            <a:off x="2819582" y="2621986"/>
+            <a:ext cx="787302" cy="1371429"/>
+          </a:xfrm>
+          <a:prstGeom prst="rect">
+            <a:avLst/>
+          </a:prstGeom>
+        </p:spPr>
+      </p:pic>
+      <p:sp>
+        <p:nvSpPr>
+          <p:cNvPr id="15" name="TextBox 14">
+            <a:extLst>
+              <a:ext uri="{FF2B5EF4-FFF2-40B4-BE49-F238E27FC236}">
+                <a16:creationId xmlns:a16="http://schemas.microsoft.com/office/drawing/2014/main" id="{70716103-A98A-4B2B-A5DF-965F601D51AB}"/>
+              </a:ext>
+            </a:extLst>
+          </p:cNvPr>
+          <p:cNvSpPr txBox="1"/>
+          <p:nvPr/>
+        </p:nvSpPr>
+        <p:spPr>
+          <a:xfrm>
+            <a:off x="1547132" y="4342064"/>
+            <a:ext cx="2153470" cy="1569660"/>
+          </a:xfrm>
+          <a:prstGeom prst="rect">
+            <a:avLst/>
+          </a:prstGeom>
+          <a:noFill/>
+        </p:spPr>
+        <p:txBody>
+          <a:bodyPr wrap="square" rtlCol="0">
+            <a:spAutoFit/>
+          </a:bodyPr>
+          <a:lstStyle/>
+          <a:p>
+            <a:pPr algn="ctr"/>
+            <a:r>
+              <a:rPr lang="en-US" altLang="ko-KR" sz="3200" dirty="0">
+                <a:latin typeface="경기천년바탕 Bold" panose="02020803020101020101" pitchFamily="18" charset="-127"/>
+                <a:ea typeface="경기천년바탕 Bold" panose="02020803020101020101" pitchFamily="18" charset="-127"/>
+              </a:rPr>
+              <a:t>Blue </a:t>
+            </a:r>
+          </a:p>
+          <a:p>
+            <a:pPr algn="ctr"/>
+            <a:r>
+              <a:rPr lang="en-US" altLang="ko-KR" sz="3200" dirty="0">
+                <a:latin typeface="경기천년바탕 Bold" panose="02020803020101020101" pitchFamily="18" charset="-127"/>
+                <a:ea typeface="경기천년바탕 Bold" panose="02020803020101020101" pitchFamily="18" charset="-127"/>
+              </a:rPr>
+              <a:t>vs </a:t>
+            </a:r>
+          </a:p>
+          <a:p>
+            <a:pPr algn="ctr"/>
+            <a:r>
+              <a:rPr lang="en-US" altLang="ko-KR" sz="3200" dirty="0">
+                <a:latin typeface="경기천년바탕 Bold" panose="02020803020101020101" pitchFamily="18" charset="-127"/>
+                <a:ea typeface="경기천년바탕 Bold" panose="02020803020101020101" pitchFamily="18" charset="-127"/>
+              </a:rPr>
+              <a:t>Red</a:t>
+            </a:r>
+            <a:endParaRPr lang="ko-KR" altLang="en-US" sz="3200" dirty="0">
+              <a:latin typeface="경기천년바탕 Bold" panose="02020803020101020101" pitchFamily="18" charset="-127"/>
+              <a:ea typeface="경기천년바탕 Bold" panose="02020803020101020101" pitchFamily="18" charset="-127"/>
+            </a:endParaRPr>
+          </a:p>
+        </p:txBody>
+      </p:sp>
+      <p:sp>
+        <p:nvSpPr>
+          <p:cNvPr id="25" name="TextBox 24">
+            <a:extLst>
+              <a:ext uri="{FF2B5EF4-FFF2-40B4-BE49-F238E27FC236}">
+                <a16:creationId xmlns:a16="http://schemas.microsoft.com/office/drawing/2014/main" id="{D89795FE-DBCF-476D-9181-40AA68BE846F}"/>
+              </a:ext>
+            </a:extLst>
+          </p:cNvPr>
+          <p:cNvSpPr txBox="1"/>
+          <p:nvPr/>
+        </p:nvSpPr>
+        <p:spPr>
+          <a:xfrm>
+            <a:off x="5771256" y="2245947"/>
+            <a:ext cx="5958682" cy="707886"/>
+          </a:xfrm>
+          <a:prstGeom prst="rect">
+            <a:avLst/>
+          </a:prstGeom>
+          <a:noFill/>
+        </p:spPr>
+        <p:txBody>
+          <a:bodyPr wrap="none" rtlCol="0">
+            <a:spAutoFit/>
+          </a:bodyPr>
+          <a:lstStyle/>
+          <a:p>
+            <a:r>
+              <a:rPr lang="en-US" altLang="ko-KR" sz="4000" dirty="0">
+                <a:solidFill>
+                  <a:schemeClr val="bg1"/>
+                </a:solidFill>
+                <a:latin typeface="경기천년바탕 Regular" panose="02020503020101020101" pitchFamily="18" charset="-127"/>
+                <a:ea typeface="경기천년바탕 Regular" panose="02020503020101020101" pitchFamily="18" charset="-127"/>
+              </a:rPr>
+              <a:t>: </a:t>
+            </a:r>
+            <a:r>
+              <a:rPr lang="ko-KR" altLang="ko-KR" sz="2400" dirty="0">
+                <a:solidFill>
+                  <a:schemeClr val="bg1"/>
+                </a:solidFill>
+                <a:effectLst/>
+                <a:latin typeface="경기천년바탕 Regular" panose="02020503020101020101" pitchFamily="18" charset="-127"/>
+                <a:ea typeface="경기천년바탕 Regular" panose="02020503020101020101" pitchFamily="18" charset="-127"/>
+                <a:cs typeface="Times New Roman" panose="02020603050405020304" pitchFamily="18" charset="0"/>
+              </a:rPr>
+              <a:t>안전지대 범위</a:t>
+            </a:r>
+            <a:r>
+              <a:rPr lang="en-GB" altLang="ko-KR" sz="2400" dirty="0">
+                <a:solidFill>
+                  <a:schemeClr val="bg1"/>
+                </a:solidFill>
+                <a:effectLst/>
+                <a:latin typeface="경기천년바탕 Regular" panose="02020503020101020101" pitchFamily="18" charset="-127"/>
+                <a:ea typeface="경기천년바탕 Regular" panose="02020503020101020101" pitchFamily="18" charset="-127"/>
+                <a:cs typeface="Times New Roman" panose="02020603050405020304" pitchFamily="18" charset="0"/>
+              </a:rPr>
+              <a:t>, </a:t>
+            </a:r>
+            <a:r>
+              <a:rPr lang="ko-KR" altLang="ko-KR" sz="2400" dirty="0">
+                <a:solidFill>
+                  <a:schemeClr val="bg1"/>
+                </a:solidFill>
+                <a:effectLst/>
+                <a:latin typeface="경기천년바탕 Regular" panose="02020503020101020101" pitchFamily="18" charset="-127"/>
+                <a:ea typeface="경기천년바탕 Regular" panose="02020503020101020101" pitchFamily="18" charset="-127"/>
+                <a:cs typeface="Times New Roman" panose="02020603050405020304" pitchFamily="18" charset="0"/>
+              </a:rPr>
+              <a:t>보이는 적</a:t>
+            </a:r>
+            <a:r>
+              <a:rPr lang="en-GB" altLang="ko-KR" sz="2400" dirty="0">
+                <a:solidFill>
+                  <a:schemeClr val="bg1"/>
+                </a:solidFill>
+                <a:effectLst/>
+                <a:latin typeface="경기천년바탕 Regular" panose="02020503020101020101" pitchFamily="18" charset="-127"/>
+                <a:ea typeface="경기천년바탕 Regular" panose="02020503020101020101" pitchFamily="18" charset="-127"/>
+                <a:cs typeface="Times New Roman" panose="02020603050405020304" pitchFamily="18" charset="0"/>
+              </a:rPr>
+              <a:t>, </a:t>
+            </a:r>
+            <a:r>
+              <a:rPr lang="ko-KR" altLang="ko-KR" sz="2400" dirty="0">
+                <a:solidFill>
+                  <a:schemeClr val="bg1"/>
+                </a:solidFill>
+                <a:effectLst/>
+                <a:latin typeface="경기천년바탕 Regular" panose="02020503020101020101" pitchFamily="18" charset="-127"/>
+                <a:ea typeface="경기천년바탕 Regular" panose="02020503020101020101" pitchFamily="18" charset="-127"/>
+                <a:cs typeface="Times New Roman" panose="02020603050405020304" pitchFamily="18" charset="0"/>
+              </a:rPr>
+              <a:t>전체 아군</a:t>
+            </a:r>
+            <a:r>
+              <a:rPr lang="en-GB" altLang="ko-KR" sz="2400" dirty="0">
+                <a:solidFill>
+                  <a:schemeClr val="bg1"/>
+                </a:solidFill>
+                <a:effectLst/>
+                <a:latin typeface="경기천년바탕 Regular" panose="02020503020101020101" pitchFamily="18" charset="-127"/>
+                <a:ea typeface="경기천년바탕 Regular" panose="02020503020101020101" pitchFamily="18" charset="-127"/>
+                <a:cs typeface="Times New Roman" panose="02020603050405020304" pitchFamily="18" charset="0"/>
+              </a:rPr>
+              <a:t>, </a:t>
+            </a:r>
+            <a:r>
+              <a:rPr lang="ko-KR" altLang="ko-KR" sz="2400" dirty="0">
+                <a:solidFill>
+                  <a:schemeClr val="bg1"/>
+                </a:solidFill>
+                <a:effectLst/>
+                <a:latin typeface="경기천년바탕 Regular" panose="02020503020101020101" pitchFamily="18" charset="-127"/>
+                <a:ea typeface="경기천년바탕 Regular" panose="02020503020101020101" pitchFamily="18" charset="-127"/>
+                <a:cs typeface="Times New Roman" panose="02020603050405020304" pitchFamily="18" charset="0"/>
+              </a:rPr>
+              <a:t>아이템</a:t>
+            </a:r>
+            <a:endParaRPr lang="ko-KR" altLang="en-US" sz="4000" dirty="0">
+              <a:solidFill>
+                <a:schemeClr val="bg1"/>
+              </a:solidFill>
+              <a:latin typeface="경기천년바탕 Regular" panose="02020503020101020101" pitchFamily="18" charset="-127"/>
+              <a:ea typeface="경기천년바탕 Regular" panose="02020503020101020101" pitchFamily="18" charset="-127"/>
+            </a:endParaRPr>
+          </a:p>
+        </p:txBody>
+      </p:sp>
+      <p:pic>
+        <p:nvPicPr>
+          <p:cNvPr id="27" name="그림 26">
+            <a:extLst>
+              <a:ext uri="{FF2B5EF4-FFF2-40B4-BE49-F238E27FC236}">
+                <a16:creationId xmlns:a16="http://schemas.microsoft.com/office/drawing/2014/main" id="{58B7C862-B621-4ACD-A02C-3707883190ED}"/>
+              </a:ext>
+            </a:extLst>
+          </p:cNvPr>
+          <p:cNvPicPr>
+            <a:picLocks noChangeAspect="1"/>
+          </p:cNvPicPr>
+          <p:nvPr/>
+        </p:nvPicPr>
+        <p:blipFill>
+          <a:blip r:embed="rId5">
+            <a:extLst>
+              <a:ext uri="{28A0092B-C50C-407E-A947-70E740481C1C}">
+                <a14:useLocalDpi xmlns:a14="http://schemas.microsoft.com/office/drawing/2010/main" val="0"/>
+              </a:ext>
+            </a:extLst>
+          </a:blip>
+          <a:stretch>
+            <a:fillRect/>
+          </a:stretch>
+        </p:blipFill>
+        <p:spPr>
+          <a:xfrm>
+            <a:off x="4506811" y="2336599"/>
+            <a:ext cx="1082204" cy="574283"/>
+          </a:xfrm>
+          <a:prstGeom prst="rect">
+            <a:avLst/>
+          </a:prstGeom>
+        </p:spPr>
+      </p:pic>
+      <p:pic>
+        <p:nvPicPr>
+          <p:cNvPr id="29" name="그림 28">
+            <a:extLst>
+              <a:ext uri="{FF2B5EF4-FFF2-40B4-BE49-F238E27FC236}">
+                <a16:creationId xmlns:a16="http://schemas.microsoft.com/office/drawing/2014/main" id="{1DDC151A-2A28-4C5A-9048-9E566EA1A209}"/>
+              </a:ext>
+            </a:extLst>
+          </p:cNvPr>
+          <p:cNvPicPr>
+            <a:picLocks noChangeAspect="1"/>
+          </p:cNvPicPr>
+          <p:nvPr/>
+        </p:nvPicPr>
+        <p:blipFill>
+          <a:blip r:embed="rId6">
+            <a:extLst>
+              <a:ext uri="{28A0092B-C50C-407E-A947-70E740481C1C}">
+                <a14:useLocalDpi xmlns:a14="http://schemas.microsoft.com/office/drawing/2010/main" val="0"/>
+              </a:ext>
+            </a:extLst>
+          </a:blip>
+          <a:stretch>
+            <a:fillRect/>
+          </a:stretch>
+        </p:blipFill>
+        <p:spPr>
+          <a:xfrm>
+            <a:off x="4615739" y="3477716"/>
+            <a:ext cx="864348" cy="864348"/>
+          </a:xfrm>
+          <a:prstGeom prst="rect">
+            <a:avLst/>
+          </a:prstGeom>
+        </p:spPr>
+      </p:pic>
+      <p:sp>
+        <p:nvSpPr>
+          <p:cNvPr id="31" name="TextBox 30">
+            <a:extLst>
+              <a:ext uri="{FF2B5EF4-FFF2-40B4-BE49-F238E27FC236}">
+                <a16:creationId xmlns:a16="http://schemas.microsoft.com/office/drawing/2014/main" id="{042A34AB-FD27-45F9-9DB0-88BC948AC8C1}"/>
+              </a:ext>
+            </a:extLst>
+          </p:cNvPr>
+          <p:cNvSpPr txBox="1"/>
+          <p:nvPr/>
+        </p:nvSpPr>
+        <p:spPr>
+          <a:xfrm>
+            <a:off x="5771256" y="3511404"/>
+            <a:ext cx="2488182" cy="707886"/>
+          </a:xfrm>
+          <a:prstGeom prst="rect">
+            <a:avLst/>
+          </a:prstGeom>
+          <a:noFill/>
+        </p:spPr>
+        <p:txBody>
+          <a:bodyPr wrap="none" rtlCol="0">
+            <a:spAutoFit/>
+          </a:bodyPr>
+          <a:lstStyle/>
+          <a:p>
+            <a:r>
+              <a:rPr lang="en-US" altLang="ko-KR" sz="4000" dirty="0">
+                <a:solidFill>
+                  <a:schemeClr val="bg1"/>
+                </a:solidFill>
+                <a:latin typeface="경기천년바탕 Regular" panose="02020503020101020101" pitchFamily="18" charset="-127"/>
+                <a:ea typeface="경기천년바탕 Regular" panose="02020503020101020101" pitchFamily="18" charset="-127"/>
+              </a:rPr>
+              <a:t>: </a:t>
+            </a:r>
+            <a:r>
+              <a:rPr lang="ko-KR" altLang="en-US" sz="2400" dirty="0">
+                <a:solidFill>
+                  <a:schemeClr val="bg1"/>
+                </a:solidFill>
+                <a:latin typeface="경기천년바탕 Regular" panose="02020503020101020101" pitchFamily="18" charset="-127"/>
+                <a:ea typeface="경기천년바탕 Regular" panose="02020503020101020101" pitchFamily="18" charset="-127"/>
+                <a:cs typeface="Times New Roman" panose="02020603050405020304" pitchFamily="18" charset="0"/>
+              </a:rPr>
+              <a:t>체력</a:t>
+            </a:r>
+            <a:r>
+              <a:rPr lang="en-US" altLang="ko-KR" sz="2400" dirty="0">
+                <a:solidFill>
+                  <a:schemeClr val="bg1"/>
+                </a:solidFill>
+                <a:latin typeface="경기천년바탕 Regular" panose="02020503020101020101" pitchFamily="18" charset="-127"/>
+                <a:ea typeface="경기천년바탕 Regular" panose="02020503020101020101" pitchFamily="18" charset="-127"/>
+                <a:cs typeface="Times New Roman" panose="02020603050405020304" pitchFamily="18" charset="0"/>
+              </a:rPr>
+              <a:t>, </a:t>
+            </a:r>
+            <a:r>
+              <a:rPr lang="ko-KR" altLang="en-US" sz="2400" dirty="0">
+                <a:solidFill>
+                  <a:schemeClr val="bg1"/>
+                </a:solidFill>
+                <a:latin typeface="경기천년바탕 Regular" panose="02020503020101020101" pitchFamily="18" charset="-127"/>
+                <a:ea typeface="경기천년바탕 Regular" panose="02020503020101020101" pitchFamily="18" charset="-127"/>
+                <a:cs typeface="Times New Roman" panose="02020603050405020304" pitchFamily="18" charset="0"/>
+              </a:rPr>
+              <a:t>위치</a:t>
+            </a:r>
+            <a:r>
+              <a:rPr lang="en-US" altLang="ko-KR" sz="2400" dirty="0">
+                <a:solidFill>
+                  <a:schemeClr val="bg1"/>
+                </a:solidFill>
+                <a:latin typeface="경기천년바탕 Regular" panose="02020503020101020101" pitchFamily="18" charset="-127"/>
+                <a:ea typeface="경기천년바탕 Regular" panose="02020503020101020101" pitchFamily="18" charset="-127"/>
+                <a:cs typeface="Times New Roman" panose="02020603050405020304" pitchFamily="18" charset="0"/>
+              </a:rPr>
+              <a:t>, </a:t>
+            </a:r>
+            <a:r>
+              <a:rPr lang="ko-KR" altLang="en-US" sz="2400" dirty="0">
+                <a:solidFill>
+                  <a:schemeClr val="bg1"/>
+                </a:solidFill>
+                <a:latin typeface="경기천년바탕 Regular" panose="02020503020101020101" pitchFamily="18" charset="-127"/>
+                <a:ea typeface="경기천년바탕 Regular" panose="02020503020101020101" pitchFamily="18" charset="-127"/>
+                <a:cs typeface="Times New Roman" panose="02020603050405020304" pitchFamily="18" charset="0"/>
+              </a:rPr>
+              <a:t>방향</a:t>
+            </a:r>
+            <a:endParaRPr lang="ko-KR" altLang="en-US" sz="4000" dirty="0">
+              <a:solidFill>
+                <a:schemeClr val="bg1"/>
+              </a:solidFill>
+              <a:latin typeface="경기천년바탕 Regular" panose="02020503020101020101" pitchFamily="18" charset="-127"/>
+              <a:ea typeface="경기천년바탕 Regular" panose="02020503020101020101" pitchFamily="18" charset="-127"/>
+            </a:endParaRPr>
+          </a:p>
+        </p:txBody>
+      </p:sp>
+    </p:spTree>
+    <p:extLst>
+      <p:ext uri="{BB962C8B-B14F-4D97-AF65-F5344CB8AC3E}">
+        <p14:creationId xmlns:p14="http://schemas.microsoft.com/office/powerpoint/2010/main" val="3388670824"/>
+      </p:ext>
+    </p:extLst>
+  </p:cSld>
+  <p:clrMapOvr>
+    <a:masterClrMapping/>
+  </p:clrMapOvr>
+</p:sld>
+</file>
+
+<file path=ppt/slides/slide8.xml><?xml version="1.0" encoding="utf-8"?>
 <p:sld xmlns:a="http://schemas.openxmlformats.org/drawingml/2006/main" xmlns:r="http://schemas.openxmlformats.org/officeDocument/2006/relationships" xmlns:p="http://schemas.openxmlformats.org/presentationml/2006/main">
   <p:cSld>
     <p:spTree>

--- a/ABneBA_Presentation.pptx
+++ b/ABneBA_Presentation.pptx
@@ -12,7 +12,9 @@
     <p:sldId id="259" r:id="rId6"/>
     <p:sldId id="262" r:id="rId7"/>
     <p:sldId id="263" r:id="rId8"/>
-    <p:sldId id="260" r:id="rId9"/>
+    <p:sldId id="264" r:id="rId9"/>
+    <p:sldId id="265" r:id="rId10"/>
+    <p:sldId id="260" r:id="rId11"/>
   </p:sldIdLst>
   <p:sldSz cx="12192000" cy="6858000"/>
   <p:notesSz cx="6858000" cy="9144000"/>
@@ -3636,6 +3638,198 @@
 </p:sld>
 </file>
 
+<file path=ppt/slides/slide10.xml><?xml version="1.0" encoding="utf-8"?>
+<p:sld xmlns:a="http://schemas.openxmlformats.org/drawingml/2006/main" xmlns:r="http://schemas.openxmlformats.org/officeDocument/2006/relationships" xmlns:p="http://schemas.openxmlformats.org/presentationml/2006/main">
+  <p:cSld>
+    <p:spTree>
+      <p:nvGrpSpPr>
+        <p:cNvPr id="1" name=""/>
+        <p:cNvGrpSpPr/>
+        <p:nvPr/>
+      </p:nvGrpSpPr>
+      <p:grpSpPr>
+        <a:xfrm>
+          <a:off x="0" y="0"/>
+          <a:ext cx="0" cy="0"/>
+          <a:chOff x="0" y="0"/>
+          <a:chExt cx="0" cy="0"/>
+        </a:xfrm>
+      </p:grpSpPr>
+      <p:sp>
+        <p:nvSpPr>
+          <p:cNvPr id="3" name="TextBox 2">
+            <a:extLst>
+              <a:ext uri="{FF2B5EF4-FFF2-40B4-BE49-F238E27FC236}">
+                <a16:creationId xmlns:a16="http://schemas.microsoft.com/office/drawing/2014/main" id="{54864A9D-4DB4-48B5-8888-6B62293FB5B2}"/>
+              </a:ext>
+            </a:extLst>
+          </p:cNvPr>
+          <p:cNvSpPr txBox="1"/>
+          <p:nvPr/>
+        </p:nvSpPr>
+        <p:spPr>
+          <a:xfrm>
+            <a:off x="9228661" y="690880"/>
+            <a:ext cx="1449499" cy="1323439"/>
+          </a:xfrm>
+          <a:prstGeom prst="rect">
+            <a:avLst/>
+          </a:prstGeom>
+          <a:noFill/>
+        </p:spPr>
+        <p:txBody>
+          <a:bodyPr wrap="none" rtlCol="0">
+            <a:spAutoFit/>
+          </a:bodyPr>
+          <a:lstStyle/>
+          <a:p>
+            <a:pPr algn="r"/>
+            <a:r>
+              <a:rPr lang="en-US" altLang="ko-KR" sz="4000" dirty="0">
+                <a:solidFill>
+                  <a:schemeClr val="bg1"/>
+                </a:solidFill>
+                <a:latin typeface="경기천년바탕 Bold" panose="02020803020101020101" pitchFamily="18" charset="-127"/>
+                <a:ea typeface="경기천년바탕 Bold" panose="02020803020101020101" pitchFamily="18" charset="-127"/>
+              </a:rPr>
+              <a:t>Game</a:t>
+            </a:r>
+          </a:p>
+          <a:p>
+            <a:pPr algn="r"/>
+            <a:r>
+              <a:rPr lang="en-US" altLang="ko-KR" sz="4000" dirty="0">
+                <a:solidFill>
+                  <a:schemeClr val="bg1"/>
+                </a:solidFill>
+                <a:latin typeface="경기천년바탕 Bold" panose="02020803020101020101" pitchFamily="18" charset="-127"/>
+                <a:ea typeface="경기천년바탕 Bold" panose="02020803020101020101" pitchFamily="18" charset="-127"/>
+              </a:rPr>
+              <a:t>Play</a:t>
+            </a:r>
+            <a:endParaRPr lang="ko-KR" altLang="en-US" sz="4000" dirty="0">
+              <a:solidFill>
+                <a:schemeClr val="bg1"/>
+              </a:solidFill>
+              <a:latin typeface="경기천년바탕 Bold" panose="02020803020101020101" pitchFamily="18" charset="-127"/>
+              <a:ea typeface="경기천년바탕 Bold" panose="02020803020101020101" pitchFamily="18" charset="-127"/>
+            </a:endParaRPr>
+          </a:p>
+        </p:txBody>
+      </p:sp>
+      <p:cxnSp>
+        <p:nvCxnSpPr>
+          <p:cNvPr id="7" name="직선 연결선 6">
+            <a:extLst>
+              <a:ext uri="{FF2B5EF4-FFF2-40B4-BE49-F238E27FC236}">
+                <a16:creationId xmlns:a16="http://schemas.microsoft.com/office/drawing/2014/main" id="{B2227533-9D88-454D-AC67-D68053A27CD7}"/>
+              </a:ext>
+            </a:extLst>
+          </p:cNvPr>
+          <p:cNvCxnSpPr>
+            <a:cxnSpLocks/>
+          </p:cNvCxnSpPr>
+          <p:nvPr/>
+        </p:nvCxnSpPr>
+        <p:spPr>
+          <a:xfrm>
+            <a:off x="10769600" y="690880"/>
+            <a:ext cx="0" cy="1361440"/>
+          </a:xfrm>
+          <a:prstGeom prst="line">
+            <a:avLst/>
+          </a:prstGeom>
+          <a:ln w="28575">
+            <a:solidFill>
+              <a:schemeClr val="accent4">
+                <a:lumMod val="20000"/>
+                <a:lumOff val="80000"/>
+              </a:schemeClr>
+            </a:solidFill>
+          </a:ln>
+        </p:spPr>
+        <p:style>
+          <a:lnRef idx="1">
+            <a:schemeClr val="accent1"/>
+          </a:lnRef>
+          <a:fillRef idx="0">
+            <a:schemeClr val="accent1"/>
+          </a:fillRef>
+          <a:effectRef idx="0">
+            <a:schemeClr val="accent1"/>
+          </a:effectRef>
+          <a:fontRef idx="minor">
+            <a:schemeClr val="tx1"/>
+          </a:fontRef>
+        </p:style>
+      </p:cxnSp>
+      <p:sp>
+        <p:nvSpPr>
+          <p:cNvPr id="8" name="직사각형 7">
+            <a:extLst>
+              <a:ext uri="{FF2B5EF4-FFF2-40B4-BE49-F238E27FC236}">
+                <a16:creationId xmlns:a16="http://schemas.microsoft.com/office/drawing/2014/main" id="{7DEB157B-44B9-4EE4-953D-C895E6E13DBB}"/>
+              </a:ext>
+            </a:extLst>
+          </p:cNvPr>
+          <p:cNvSpPr/>
+          <p:nvPr/>
+        </p:nvSpPr>
+        <p:spPr>
+          <a:xfrm>
+            <a:off x="0" y="0"/>
+            <a:ext cx="4307836" cy="6858000"/>
+          </a:xfrm>
+          <a:prstGeom prst="rect">
+            <a:avLst/>
+          </a:prstGeom>
+          <a:solidFill>
+            <a:schemeClr val="bg1"/>
+          </a:solidFill>
+          <a:ln>
+            <a:solidFill>
+              <a:schemeClr val="tx1"/>
+            </a:solidFill>
+          </a:ln>
+        </p:spPr>
+        <p:style>
+          <a:lnRef idx="2">
+            <a:schemeClr val="accent1">
+              <a:shade val="50000"/>
+            </a:schemeClr>
+          </a:lnRef>
+          <a:fillRef idx="1">
+            <a:schemeClr val="accent1"/>
+          </a:fillRef>
+          <a:effectRef idx="0">
+            <a:schemeClr val="accent1"/>
+          </a:effectRef>
+          <a:fontRef idx="minor">
+            <a:schemeClr val="lt1"/>
+          </a:fontRef>
+        </p:style>
+        <p:txBody>
+          <a:bodyPr rtlCol="0" anchor="ctr"/>
+          <a:lstStyle/>
+          <a:p>
+            <a:pPr algn="ctr"/>
+            <a:endParaRPr lang="ko-KR" altLang="en-US"/>
+          </a:p>
+        </p:txBody>
+      </p:sp>
+    </p:spTree>
+    <p:extLst>
+      <p:ext uri="{BB962C8B-B14F-4D97-AF65-F5344CB8AC3E}">
+        <p14:creationId xmlns:p14="http://schemas.microsoft.com/office/powerpoint/2010/main" val="1944586640"/>
+      </p:ext>
+    </p:extLst>
+  </p:cSld>
+  <p:clrMapOvr>
+    <a:masterClrMapping/>
+  </p:clrMapOvr>
+</p:sld>
+</file>
+
 <file path=ppt/slides/slide2.xml><?xml version="1.0" encoding="utf-8"?>
 <p:sld xmlns:a="http://schemas.openxmlformats.org/drawingml/2006/main" xmlns:r="http://schemas.openxmlformats.org/officeDocument/2006/relationships" xmlns:p="http://schemas.openxmlformats.org/presentationml/2006/main">
   <p:cSld>
@@ -4231,6 +4425,60 @@
       </p:grpSpPr>
       <p:sp>
         <p:nvSpPr>
+          <p:cNvPr id="2" name="직사각형 1">
+            <a:extLst>
+              <a:ext uri="{FF2B5EF4-FFF2-40B4-BE49-F238E27FC236}">
+                <a16:creationId xmlns:a16="http://schemas.microsoft.com/office/drawing/2014/main" id="{A03741BF-0ED7-41AD-87A2-95631D18B70A}"/>
+              </a:ext>
+            </a:extLst>
+          </p:cNvPr>
+          <p:cNvSpPr/>
+          <p:nvPr/>
+        </p:nvSpPr>
+        <p:spPr>
+          <a:xfrm>
+            <a:off x="955035" y="642218"/>
+            <a:ext cx="3177535" cy="6045200"/>
+          </a:xfrm>
+          <a:prstGeom prst="rect">
+            <a:avLst/>
+          </a:prstGeom>
+          <a:solidFill>
+            <a:schemeClr val="tx1">
+              <a:alpha val="44000"/>
+            </a:schemeClr>
+          </a:solidFill>
+          <a:ln>
+            <a:noFill/>
+          </a:ln>
+        </p:spPr>
+        <p:style>
+          <a:lnRef idx="2">
+            <a:schemeClr val="accent1">
+              <a:shade val="50000"/>
+            </a:schemeClr>
+          </a:lnRef>
+          <a:fillRef idx="1">
+            <a:schemeClr val="accent1"/>
+          </a:fillRef>
+          <a:effectRef idx="0">
+            <a:schemeClr val="accent1"/>
+          </a:effectRef>
+          <a:fontRef idx="minor">
+            <a:schemeClr val="lt1"/>
+          </a:fontRef>
+        </p:style>
+        <p:txBody>
+          <a:bodyPr rtlCol="0" anchor="ctr"/>
+          <a:lstStyle/>
+          <a:p>
+            <a:pPr algn="ctr"/>
+            <a:endParaRPr lang="ko-KR" altLang="en-US" dirty="0"/>
+          </a:p>
+        </p:txBody>
+      </p:sp>
+      <p:sp>
+        <p:nvSpPr>
           <p:cNvPr id="3" name="TextBox 2">
             <a:extLst>
               <a:ext uri="{FF2B5EF4-FFF2-40B4-BE49-F238E27FC236}">
@@ -4338,8 +4586,8 @@
         </p:nvSpPr>
         <p:spPr>
           <a:xfrm>
-            <a:off x="1130300" y="812800"/>
-            <a:ext cx="3177535" cy="6045200"/>
+            <a:off x="-375910" y="-254000"/>
+            <a:ext cx="4683746" cy="7112000"/>
           </a:xfrm>
           <a:prstGeom prst="rect">
             <a:avLst/>
@@ -5206,42 +5454,6 @@
           </a:p>
         </p:txBody>
       </p:sp>
-      <p:pic>
-        <p:nvPicPr>
-          <p:cNvPr id="4" name="그림 3">
-            <a:extLst>
-              <a:ext uri="{FF2B5EF4-FFF2-40B4-BE49-F238E27FC236}">
-                <a16:creationId xmlns:a16="http://schemas.microsoft.com/office/drawing/2014/main" id="{A6DCDCEE-F55F-43AC-896C-D4DC0765F814}"/>
-              </a:ext>
-            </a:extLst>
-          </p:cNvPr>
-          <p:cNvPicPr>
-            <a:picLocks noChangeAspect="1"/>
-          </p:cNvPicPr>
-          <p:nvPr/>
-        </p:nvPicPr>
-        <p:blipFill>
-          <a:blip r:embed="rId2">
-            <a:extLst>
-              <a:ext uri="{28A0092B-C50C-407E-A947-70E740481C1C}">
-                <a14:useLocalDpi xmlns:a14="http://schemas.microsoft.com/office/drawing/2010/main" val="0"/>
-              </a:ext>
-            </a:extLst>
-          </a:blip>
-          <a:stretch>
-            <a:fillRect/>
-          </a:stretch>
-        </p:blipFill>
-        <p:spPr>
-          <a:xfrm>
-            <a:off x="296031" y="340996"/>
-            <a:ext cx="1164608" cy="767460"/>
-          </a:xfrm>
-          <a:prstGeom prst="rect">
-            <a:avLst/>
-          </a:prstGeom>
-        </p:spPr>
-      </p:pic>
     </p:spTree>
     <p:extLst>
       <p:ext uri="{BB962C8B-B14F-4D97-AF65-F5344CB8AC3E}">
@@ -5274,10 +5486,10 @@
       </p:grpSpPr>
       <p:sp>
         <p:nvSpPr>
-          <p:cNvPr id="16" name="직사각형 15">
-            <a:extLst>
-              <a:ext uri="{FF2B5EF4-FFF2-40B4-BE49-F238E27FC236}">
-                <a16:creationId xmlns:a16="http://schemas.microsoft.com/office/drawing/2014/main" id="{EE139C5A-0E66-45D6-BE19-DF9714CAAFBF}"/>
+          <p:cNvPr id="39" name="직사각형 38">
+            <a:extLst>
+              <a:ext uri="{FF2B5EF4-FFF2-40B4-BE49-F238E27FC236}">
+                <a16:creationId xmlns:a16="http://schemas.microsoft.com/office/drawing/2014/main" id="{431B6FBD-CE86-40BA-83F9-8518690E9963}"/>
               </a:ext>
             </a:extLst>
           </p:cNvPr>
@@ -5286,19 +5498,19 @@
         </p:nvSpPr>
         <p:spPr>
           <a:xfrm>
-            <a:off x="1034047" y="1425540"/>
-            <a:ext cx="3177535" cy="5432459"/>
+            <a:off x="851806" y="1196690"/>
+            <a:ext cx="3177535" cy="5182845"/>
           </a:xfrm>
           <a:prstGeom prst="rect">
             <a:avLst/>
           </a:prstGeom>
           <a:solidFill>
-            <a:schemeClr val="bg1"/>
+            <a:schemeClr val="tx1">
+              <a:alpha val="44000"/>
+            </a:schemeClr>
           </a:solidFill>
           <a:ln>
-            <a:solidFill>
-              <a:schemeClr val="tx1"/>
-            </a:solidFill>
+            <a:noFill/>
           </a:ln>
         </p:spPr>
         <p:style>
@@ -5328,10 +5540,10 @@
       </p:sp>
       <p:sp>
         <p:nvSpPr>
-          <p:cNvPr id="14" name="직사각형 13">
-            <a:extLst>
-              <a:ext uri="{FF2B5EF4-FFF2-40B4-BE49-F238E27FC236}">
-                <a16:creationId xmlns:a16="http://schemas.microsoft.com/office/drawing/2014/main" id="{A7184F2A-D2D1-42C1-BDD5-57500BC97FB7}"/>
+          <p:cNvPr id="16" name="직사각형 15">
+            <a:extLst>
+              <a:ext uri="{FF2B5EF4-FFF2-40B4-BE49-F238E27FC236}">
+                <a16:creationId xmlns:a16="http://schemas.microsoft.com/office/drawing/2014/main" id="{EE139C5A-0E66-45D6-BE19-DF9714CAAFBF}"/>
               </a:ext>
             </a:extLst>
           </p:cNvPr>
@@ -5339,9 +5551,9 @@
           <p:nvPr/>
         </p:nvSpPr>
         <p:spPr>
-          <a:xfrm rot="16200000">
-            <a:off x="2366210" y="2820202"/>
-            <a:ext cx="1694046" cy="952901"/>
+          <a:xfrm>
+            <a:off x="1034047" y="1425540"/>
+            <a:ext cx="3177535" cy="5042637"/>
           </a:xfrm>
           <a:prstGeom prst="rect">
             <a:avLst/>
@@ -5350,7 +5562,9 @@
             <a:schemeClr val="bg1"/>
           </a:solidFill>
           <a:ln>
-            <a:noFill/>
+            <a:solidFill>
+              <a:schemeClr val="tx1"/>
+            </a:solidFill>
           </a:ln>
         </p:spPr>
         <p:style>
@@ -5374,16 +5588,16 @@
           <a:lstStyle/>
           <a:p>
             <a:pPr algn="ctr"/>
-            <a:endParaRPr lang="ko-KR" altLang="en-US"/>
-          </a:p>
-        </p:txBody>
-      </p:sp>
-      <p:sp>
-        <p:nvSpPr>
-          <p:cNvPr id="13" name="직사각형 12">
-            <a:extLst>
-              <a:ext uri="{FF2B5EF4-FFF2-40B4-BE49-F238E27FC236}">
-                <a16:creationId xmlns:a16="http://schemas.microsoft.com/office/drawing/2014/main" id="{5CAFCFA8-2806-40F5-8164-9496CC6B7B64}"/>
+            <a:endParaRPr lang="ko-KR" altLang="en-US" dirty="0"/>
+          </a:p>
+        </p:txBody>
+      </p:sp>
+      <p:sp>
+        <p:nvSpPr>
+          <p:cNvPr id="14" name="직사각형 13">
+            <a:extLst>
+              <a:ext uri="{FF2B5EF4-FFF2-40B4-BE49-F238E27FC236}">
+                <a16:creationId xmlns:a16="http://schemas.microsoft.com/office/drawing/2014/main" id="{A7184F2A-D2D1-42C1-BDD5-57500BC97FB7}"/>
               </a:ext>
             </a:extLst>
           </p:cNvPr>
@@ -5391,8 +5605,8 @@
           <p:nvPr/>
         </p:nvSpPr>
         <p:spPr>
-          <a:xfrm rot="5400000">
-            <a:off x="1300393" y="2820202"/>
+          <a:xfrm rot="16200000">
+            <a:off x="2366210" y="2820202"/>
             <a:ext cx="1694046" cy="952901"/>
           </a:xfrm>
           <a:prstGeom prst="rect">
@@ -5432,81 +5646,26 @@
       </p:sp>
       <p:sp>
         <p:nvSpPr>
-          <p:cNvPr id="3" name="TextBox 2">
-            <a:extLst>
-              <a:ext uri="{FF2B5EF4-FFF2-40B4-BE49-F238E27FC236}">
-                <a16:creationId xmlns:a16="http://schemas.microsoft.com/office/drawing/2014/main" id="{54864A9D-4DB4-48B5-8888-6B62293FB5B2}"/>
-              </a:ext>
-            </a:extLst>
-          </p:cNvPr>
-          <p:cNvSpPr txBox="1"/>
+          <p:cNvPr id="13" name="직사각형 12">
+            <a:extLst>
+              <a:ext uri="{FF2B5EF4-FFF2-40B4-BE49-F238E27FC236}">
+                <a16:creationId xmlns:a16="http://schemas.microsoft.com/office/drawing/2014/main" id="{5CAFCFA8-2806-40F5-8164-9496CC6B7B64}"/>
+              </a:ext>
+            </a:extLst>
+          </p:cNvPr>
+          <p:cNvSpPr/>
           <p:nvPr/>
         </p:nvSpPr>
         <p:spPr>
-          <a:xfrm>
-            <a:off x="9670266" y="409877"/>
-            <a:ext cx="1643399" cy="1015663"/>
+          <a:xfrm rot="5400000">
+            <a:off x="1300393" y="2820202"/>
+            <a:ext cx="1694046" cy="952901"/>
           </a:xfrm>
           <a:prstGeom prst="rect">
             <a:avLst/>
           </a:prstGeom>
-          <a:noFill/>
-        </p:spPr>
-        <p:txBody>
-          <a:bodyPr wrap="none" rtlCol="0">
-            <a:spAutoFit/>
-          </a:bodyPr>
-          <a:lstStyle/>
-          <a:p>
-            <a:pPr algn="r"/>
-            <a:r>
-              <a:rPr lang="en-US" altLang="ko-KR" sz="6000" dirty="0">
-                <a:solidFill>
-                  <a:schemeClr val="bg1"/>
-                </a:solidFill>
-                <a:latin typeface="경기천년바탕 Bold" panose="02020803020101020101" pitchFamily="18" charset="-127"/>
-                <a:ea typeface="경기천년바탕 Bold" panose="02020803020101020101" pitchFamily="18" charset="-127"/>
-              </a:rPr>
-              <a:t>Unit</a:t>
-            </a:r>
-            <a:endParaRPr lang="ko-KR" altLang="en-US" sz="6000" dirty="0">
-              <a:solidFill>
-                <a:schemeClr val="bg1"/>
-              </a:solidFill>
-              <a:latin typeface="경기천년바탕 Bold" panose="02020803020101020101" pitchFamily="18" charset="-127"/>
-              <a:ea typeface="경기천년바탕 Bold" panose="02020803020101020101" pitchFamily="18" charset="-127"/>
-            </a:endParaRPr>
-          </a:p>
-        </p:txBody>
-      </p:sp>
-      <p:sp>
-        <p:nvSpPr>
-          <p:cNvPr id="9" name="L 도형 8">
-            <a:extLst>
-              <a:ext uri="{FF2B5EF4-FFF2-40B4-BE49-F238E27FC236}">
-                <a16:creationId xmlns:a16="http://schemas.microsoft.com/office/drawing/2014/main" id="{84B1B958-581A-4B20-90C9-DF550356EE42}"/>
-              </a:ext>
-            </a:extLst>
-          </p:cNvPr>
-          <p:cNvSpPr/>
-          <p:nvPr/>
-        </p:nvSpPr>
-        <p:spPr>
-          <a:xfrm rot="10800000">
-            <a:off x="11145873" y="340996"/>
-            <a:ext cx="680318" cy="680318"/>
-          </a:xfrm>
-          <a:prstGeom prst="corner">
-            <a:avLst>
-              <a:gd name="adj1" fmla="val 10000"/>
-              <a:gd name="adj2" fmla="val 8667"/>
-            </a:avLst>
-          </a:prstGeom>
           <a:solidFill>
-            <a:schemeClr val="accent4">
-              <a:lumMod val="20000"/>
-              <a:lumOff val="80000"/>
-            </a:schemeClr>
+            <a:schemeClr val="bg1"/>
           </a:solidFill>
           <a:ln>
             <a:noFill/>
@@ -5537,12 +5696,119 @@
           </a:p>
         </p:txBody>
       </p:sp>
+      <p:sp>
+        <p:nvSpPr>
+          <p:cNvPr id="3" name="TextBox 2">
+            <a:extLst>
+              <a:ext uri="{FF2B5EF4-FFF2-40B4-BE49-F238E27FC236}">
+                <a16:creationId xmlns:a16="http://schemas.microsoft.com/office/drawing/2014/main" id="{54864A9D-4DB4-48B5-8888-6B62293FB5B2}"/>
+              </a:ext>
+            </a:extLst>
+          </p:cNvPr>
+          <p:cNvSpPr txBox="1"/>
+          <p:nvPr/>
+        </p:nvSpPr>
+        <p:spPr>
+          <a:xfrm>
+            <a:off x="9670266" y="409877"/>
+            <a:ext cx="1643399" cy="1015663"/>
+          </a:xfrm>
+          <a:prstGeom prst="rect">
+            <a:avLst/>
+          </a:prstGeom>
+          <a:noFill/>
+        </p:spPr>
+        <p:txBody>
+          <a:bodyPr wrap="none" rtlCol="0">
+            <a:spAutoFit/>
+          </a:bodyPr>
+          <a:lstStyle/>
+          <a:p>
+            <a:pPr algn="r"/>
+            <a:r>
+              <a:rPr lang="en-US" altLang="ko-KR" sz="6000" dirty="0">
+                <a:solidFill>
+                  <a:schemeClr val="bg1"/>
+                </a:solidFill>
+                <a:latin typeface="경기천년바탕 Bold" panose="02020803020101020101" pitchFamily="18" charset="-127"/>
+                <a:ea typeface="경기천년바탕 Bold" panose="02020803020101020101" pitchFamily="18" charset="-127"/>
+              </a:rPr>
+              <a:t>Unit</a:t>
+            </a:r>
+            <a:endParaRPr lang="ko-KR" altLang="en-US" sz="6000" dirty="0">
+              <a:solidFill>
+                <a:schemeClr val="bg1"/>
+              </a:solidFill>
+              <a:latin typeface="경기천년바탕 Bold" panose="02020803020101020101" pitchFamily="18" charset="-127"/>
+              <a:ea typeface="경기천년바탕 Bold" panose="02020803020101020101" pitchFamily="18" charset="-127"/>
+            </a:endParaRPr>
+          </a:p>
+        </p:txBody>
+      </p:sp>
+      <p:sp>
+        <p:nvSpPr>
+          <p:cNvPr id="9" name="L 도형 8">
+            <a:extLst>
+              <a:ext uri="{FF2B5EF4-FFF2-40B4-BE49-F238E27FC236}">
+                <a16:creationId xmlns:a16="http://schemas.microsoft.com/office/drawing/2014/main" id="{84B1B958-581A-4B20-90C9-DF550356EE42}"/>
+              </a:ext>
+            </a:extLst>
+          </p:cNvPr>
+          <p:cNvSpPr/>
+          <p:nvPr/>
+        </p:nvSpPr>
+        <p:spPr>
+          <a:xfrm rot="10800000">
+            <a:off x="11145873" y="340996"/>
+            <a:ext cx="680318" cy="680318"/>
+          </a:xfrm>
+          <a:prstGeom prst="corner">
+            <a:avLst>
+              <a:gd name="adj1" fmla="val 10000"/>
+              <a:gd name="adj2" fmla="val 8667"/>
+            </a:avLst>
+          </a:prstGeom>
+          <a:solidFill>
+            <a:schemeClr val="accent4">
+              <a:lumMod val="20000"/>
+              <a:lumOff val="80000"/>
+            </a:schemeClr>
+          </a:solidFill>
+          <a:ln>
+            <a:noFill/>
+          </a:ln>
+        </p:spPr>
+        <p:style>
+          <a:lnRef idx="2">
+            <a:schemeClr val="accent1">
+              <a:shade val="50000"/>
+            </a:schemeClr>
+          </a:lnRef>
+          <a:fillRef idx="1">
+            <a:schemeClr val="accent1"/>
+          </a:fillRef>
+          <a:effectRef idx="0">
+            <a:schemeClr val="accent1"/>
+          </a:effectRef>
+          <a:fontRef idx="minor">
+            <a:schemeClr val="lt1"/>
+          </a:fontRef>
+        </p:style>
+        <p:txBody>
+          <a:bodyPr rtlCol="0" anchor="ctr"/>
+          <a:lstStyle/>
+          <a:p>
+            <a:pPr algn="ctr"/>
+            <a:endParaRPr lang="ko-KR" altLang="en-US"/>
+          </a:p>
+        </p:txBody>
+      </p:sp>
       <p:pic>
         <p:nvPicPr>
-          <p:cNvPr id="4" name="그림 3" descr="텍스트이(가) 표시된 사진&#10;&#10;자동 생성된 설명">
-            <a:extLst>
-              <a:ext uri="{FF2B5EF4-FFF2-40B4-BE49-F238E27FC236}">
-                <a16:creationId xmlns:a16="http://schemas.microsoft.com/office/drawing/2014/main" id="{54D550A5-6B23-47AC-82C7-AE16D4EDDE45}"/>
+          <p:cNvPr id="7" name="그림 6" descr="그리기, 옅은이(가) 표시된 사진&#10;&#10;자동 생성된 설명">
+            <a:extLst>
+              <a:ext uri="{FF2B5EF4-FFF2-40B4-BE49-F238E27FC236}">
+                <a16:creationId xmlns:a16="http://schemas.microsoft.com/office/drawing/2014/main" id="{1054F2A4-7C39-40FE-95DB-1F82ECB8F24B}"/>
               </a:ext>
             </a:extLst>
           </p:cNvPr>
@@ -5553,7 +5819,6 @@
         </p:nvPicPr>
         <p:blipFill>
           <a:blip r:embed="rId2">
-            <a:lum bright="70000" contrast="-70000"/>
             <a:extLst>
               <a:ext uri="{28A0092B-C50C-407E-A947-70E740481C1C}">
                 <a14:useLocalDpi xmlns:a14="http://schemas.microsoft.com/office/drawing/2010/main" val="0"/>
@@ -5566,79 +5831,7 @@
         </p:blipFill>
         <p:spPr>
           <a:xfrm>
-            <a:off x="588684" y="300830"/>
-            <a:ext cx="346444" cy="815701"/>
-          </a:xfrm>
-          <a:prstGeom prst="rect">
-            <a:avLst/>
-          </a:prstGeom>
-        </p:spPr>
-      </p:pic>
-      <p:pic>
-        <p:nvPicPr>
-          <p:cNvPr id="7" name="그림 6" descr="그리기, 옅은이(가) 표시된 사진&#10;&#10;자동 생성된 설명">
-            <a:extLst>
-              <a:ext uri="{FF2B5EF4-FFF2-40B4-BE49-F238E27FC236}">
-                <a16:creationId xmlns:a16="http://schemas.microsoft.com/office/drawing/2014/main" id="{1054F2A4-7C39-40FE-95DB-1F82ECB8F24B}"/>
-              </a:ext>
-            </a:extLst>
-          </p:cNvPr>
-          <p:cNvPicPr>
-            <a:picLocks noChangeAspect="1"/>
-          </p:cNvPicPr>
-          <p:nvPr/>
-        </p:nvPicPr>
-        <p:blipFill>
-          <a:blip r:embed="rId3">
-            <a:extLst>
-              <a:ext uri="{28A0092B-C50C-407E-A947-70E740481C1C}">
-                <a14:useLocalDpi xmlns:a14="http://schemas.microsoft.com/office/drawing/2010/main" val="0"/>
-              </a:ext>
-            </a:extLst>
-          </a:blip>
-          <a:stretch>
-            <a:fillRect/>
-          </a:stretch>
-        </p:blipFill>
-        <p:spPr>
-          <a:xfrm>
             <a:off x="1737725" y="2599890"/>
-            <a:ext cx="787302" cy="1371429"/>
-          </a:xfrm>
-          <a:prstGeom prst="rect">
-            <a:avLst/>
-          </a:prstGeom>
-        </p:spPr>
-      </p:pic>
-      <p:pic>
-        <p:nvPicPr>
-          <p:cNvPr id="11" name="그림 10" descr="옅은, 그리기이(가) 표시된 사진&#10;&#10;자동 생성된 설명">
-            <a:extLst>
-              <a:ext uri="{FF2B5EF4-FFF2-40B4-BE49-F238E27FC236}">
-                <a16:creationId xmlns:a16="http://schemas.microsoft.com/office/drawing/2014/main" id="{7ADEA54B-5422-4AC7-A1B1-953CEB90BDC6}"/>
-              </a:ext>
-            </a:extLst>
-          </p:cNvPr>
-          <p:cNvPicPr>
-            <a:picLocks noChangeAspect="1"/>
-          </p:cNvPicPr>
-          <p:nvPr/>
-        </p:nvPicPr>
-        <p:blipFill>
-          <a:blip r:embed="rId4">
-            <a:extLst>
-              <a:ext uri="{28A0092B-C50C-407E-A947-70E740481C1C}">
-                <a14:useLocalDpi xmlns:a14="http://schemas.microsoft.com/office/drawing/2010/main" val="0"/>
-              </a:ext>
-            </a:extLst>
-          </a:blip>
-          <a:stretch>
-            <a:fillRect/>
-          </a:stretch>
-        </p:blipFill>
-        <p:spPr>
-          <a:xfrm rot="10800000">
-            <a:off x="2819582" y="2621986"/>
             <a:ext cx="787302" cy="1371429"/>
           </a:xfrm>
           <a:prstGeom prst="rect">
@@ -5856,7 +6049,7 @@
           <p:nvPr/>
         </p:nvPicPr>
         <p:blipFill>
-          <a:blip r:embed="rId5">
+          <a:blip r:embed="rId3">
             <a:extLst>
               <a:ext uri="{28A0092B-C50C-407E-A947-70E740481C1C}">
                 <a14:useLocalDpi xmlns:a14="http://schemas.microsoft.com/office/drawing/2010/main" val="0"/>
@@ -5892,7 +6085,7 @@
           <p:nvPr/>
         </p:nvPicPr>
         <p:blipFill>
-          <a:blip r:embed="rId6">
+          <a:blip r:embed="rId4">
             <a:extLst>
               <a:ext uri="{28A0092B-C50C-407E-A947-70E740481C1C}">
                 <a14:useLocalDpi xmlns:a14="http://schemas.microsoft.com/office/drawing/2010/main" val="0"/>
@@ -6012,6 +6205,270 @@
               </a:solidFill>
               <a:latin typeface="경기천년바탕 Regular" panose="02020503020101020101" pitchFamily="18" charset="-127"/>
               <a:ea typeface="경기천년바탕 Regular" panose="02020503020101020101" pitchFamily="18" charset="-127"/>
+            </a:endParaRPr>
+          </a:p>
+        </p:txBody>
+      </p:sp>
+      <p:pic>
+        <p:nvPicPr>
+          <p:cNvPr id="33" name="그림 32">
+            <a:extLst>
+              <a:ext uri="{FF2B5EF4-FFF2-40B4-BE49-F238E27FC236}">
+                <a16:creationId xmlns:a16="http://schemas.microsoft.com/office/drawing/2014/main" id="{1B667C1B-0604-4B34-8B86-BE352DA57FA3}"/>
+              </a:ext>
+            </a:extLst>
+          </p:cNvPr>
+          <p:cNvPicPr>
+            <a:picLocks noChangeAspect="1"/>
+          </p:cNvPicPr>
+          <p:nvPr/>
+        </p:nvPicPr>
+        <p:blipFill>
+          <a:blip r:embed="rId5">
+            <a:extLst>
+              <a:ext uri="{28A0092B-C50C-407E-A947-70E740481C1C}">
+                <a14:useLocalDpi xmlns:a14="http://schemas.microsoft.com/office/drawing/2010/main" val="0"/>
+              </a:ext>
+            </a:extLst>
+          </a:blip>
+          <a:stretch>
+            <a:fillRect/>
+          </a:stretch>
+        </p:blipFill>
+        <p:spPr>
+          <a:xfrm>
+            <a:off x="4602157" y="4627576"/>
+            <a:ext cx="986858" cy="998635"/>
+          </a:xfrm>
+          <a:prstGeom prst="rect">
+            <a:avLst/>
+          </a:prstGeom>
+        </p:spPr>
+      </p:pic>
+      <p:sp>
+        <p:nvSpPr>
+          <p:cNvPr id="35" name="TextBox 34">
+            <a:extLst>
+              <a:ext uri="{FF2B5EF4-FFF2-40B4-BE49-F238E27FC236}">
+                <a16:creationId xmlns:a16="http://schemas.microsoft.com/office/drawing/2014/main" id="{8300528D-C158-43F6-8466-A9367A287C9F}"/>
+              </a:ext>
+            </a:extLst>
+          </p:cNvPr>
+          <p:cNvSpPr txBox="1"/>
+          <p:nvPr/>
+        </p:nvSpPr>
+        <p:spPr>
+          <a:xfrm>
+            <a:off x="5771256" y="4913020"/>
+            <a:ext cx="3409908" cy="707886"/>
+          </a:xfrm>
+          <a:prstGeom prst="rect">
+            <a:avLst/>
+          </a:prstGeom>
+          <a:noFill/>
+        </p:spPr>
+        <p:txBody>
+          <a:bodyPr wrap="none" rtlCol="0">
+            <a:spAutoFit/>
+          </a:bodyPr>
+          <a:lstStyle/>
+          <a:p>
+            <a:r>
+              <a:rPr lang="en-US" altLang="ko-KR" sz="4000" dirty="0">
+                <a:solidFill>
+                  <a:schemeClr val="bg1"/>
+                </a:solidFill>
+                <a:latin typeface="경기천년바탕 Regular" panose="02020503020101020101" pitchFamily="18" charset="-127"/>
+                <a:ea typeface="경기천년바탕 Regular" panose="02020503020101020101" pitchFamily="18" charset="-127"/>
+              </a:rPr>
+              <a:t>: </a:t>
+            </a:r>
+            <a:r>
+              <a:rPr lang="ko-KR" altLang="en-US" sz="2400" dirty="0">
+                <a:solidFill>
+                  <a:schemeClr val="bg1"/>
+                </a:solidFill>
+                <a:latin typeface="경기천년바탕 Regular" panose="02020503020101020101" pitchFamily="18" charset="-127"/>
+                <a:ea typeface="경기천년바탕 Regular" panose="02020503020101020101" pitchFamily="18" charset="-127"/>
+                <a:cs typeface="Times New Roman" panose="02020603050405020304" pitchFamily="18" charset="0"/>
+              </a:rPr>
+              <a:t>이동</a:t>
+            </a:r>
+            <a:r>
+              <a:rPr lang="en-US" altLang="ko-KR" sz="2400" dirty="0">
+                <a:solidFill>
+                  <a:schemeClr val="bg1"/>
+                </a:solidFill>
+                <a:latin typeface="경기천년바탕 Regular" panose="02020503020101020101" pitchFamily="18" charset="-127"/>
+                <a:ea typeface="경기천년바탕 Regular" panose="02020503020101020101" pitchFamily="18" charset="-127"/>
+                <a:cs typeface="Times New Roman" panose="02020603050405020304" pitchFamily="18" charset="0"/>
+              </a:rPr>
+              <a:t>, </a:t>
+            </a:r>
+            <a:r>
+              <a:rPr lang="ko-KR" altLang="en-US" sz="2400" dirty="0">
+                <a:solidFill>
+                  <a:schemeClr val="bg1"/>
+                </a:solidFill>
+                <a:latin typeface="경기천년바탕 Regular" panose="02020503020101020101" pitchFamily="18" charset="-127"/>
+                <a:ea typeface="경기천년바탕 Regular" panose="02020503020101020101" pitchFamily="18" charset="-127"/>
+                <a:cs typeface="Times New Roman" panose="02020603050405020304" pitchFamily="18" charset="0"/>
+              </a:rPr>
+              <a:t>회전</a:t>
+            </a:r>
+            <a:r>
+              <a:rPr lang="en-US" altLang="ko-KR" sz="2400" dirty="0">
+                <a:solidFill>
+                  <a:schemeClr val="bg1"/>
+                </a:solidFill>
+                <a:latin typeface="경기천년바탕 Regular" panose="02020503020101020101" pitchFamily="18" charset="-127"/>
+                <a:ea typeface="경기천년바탕 Regular" panose="02020503020101020101" pitchFamily="18" charset="-127"/>
+                <a:cs typeface="Times New Roman" panose="02020603050405020304" pitchFamily="18" charset="0"/>
+              </a:rPr>
+              <a:t>, </a:t>
+            </a:r>
+            <a:r>
+              <a:rPr lang="ko-KR" altLang="en-US" sz="2400" dirty="0">
+                <a:solidFill>
+                  <a:schemeClr val="bg1"/>
+                </a:solidFill>
+                <a:latin typeface="경기천년바탕 Regular" panose="02020503020101020101" pitchFamily="18" charset="-127"/>
+                <a:ea typeface="경기천년바탕 Regular" panose="02020503020101020101" pitchFamily="18" charset="-127"/>
+                <a:cs typeface="Times New Roman" panose="02020603050405020304" pitchFamily="18" charset="0"/>
+              </a:rPr>
+              <a:t>아이템 사용</a:t>
+            </a:r>
+            <a:endParaRPr lang="ko-KR" altLang="en-US" sz="4000" dirty="0">
+              <a:solidFill>
+                <a:schemeClr val="bg1"/>
+              </a:solidFill>
+              <a:latin typeface="경기천년바탕 Regular" panose="02020503020101020101" pitchFamily="18" charset="-127"/>
+              <a:ea typeface="경기천년바탕 Regular" panose="02020503020101020101" pitchFamily="18" charset="-127"/>
+            </a:endParaRPr>
+          </a:p>
+        </p:txBody>
+      </p:sp>
+      <p:pic>
+        <p:nvPicPr>
+          <p:cNvPr id="41" name="그림 40">
+            <a:extLst>
+              <a:ext uri="{FF2B5EF4-FFF2-40B4-BE49-F238E27FC236}">
+                <a16:creationId xmlns:a16="http://schemas.microsoft.com/office/drawing/2014/main" id="{B9FA92A1-2362-4B64-8BDE-7D522BBC4E55}"/>
+              </a:ext>
+            </a:extLst>
+          </p:cNvPr>
+          <p:cNvPicPr>
+            <a:picLocks noChangeAspect="1"/>
+          </p:cNvPicPr>
+          <p:nvPr/>
+        </p:nvPicPr>
+        <p:blipFill>
+          <a:blip r:embed="rId6">
+            <a:extLst>
+              <a:ext uri="{28A0092B-C50C-407E-A947-70E740481C1C}">
+                <a14:useLocalDpi xmlns:a14="http://schemas.microsoft.com/office/drawing/2010/main" val="0"/>
+              </a:ext>
+            </a:extLst>
+          </a:blip>
+          <a:stretch>
+            <a:fillRect/>
+          </a:stretch>
+        </p:blipFill>
+        <p:spPr>
+          <a:xfrm rot="5400000">
+            <a:off x="2862589" y="3287785"/>
+            <a:ext cx="150167" cy="600666"/>
+          </a:xfrm>
+          <a:prstGeom prst="rect">
+            <a:avLst/>
+          </a:prstGeom>
+        </p:spPr>
+      </p:pic>
+      <p:pic>
+        <p:nvPicPr>
+          <p:cNvPr id="11" name="그림 10" descr="옅은, 그리기이(가) 표시된 사진&#10;&#10;자동 생성된 설명">
+            <a:extLst>
+              <a:ext uri="{FF2B5EF4-FFF2-40B4-BE49-F238E27FC236}">
+                <a16:creationId xmlns:a16="http://schemas.microsoft.com/office/drawing/2014/main" id="{7ADEA54B-5422-4AC7-A1B1-953CEB90BDC6}"/>
+              </a:ext>
+            </a:extLst>
+          </p:cNvPr>
+          <p:cNvPicPr>
+            <a:picLocks noChangeAspect="1"/>
+          </p:cNvPicPr>
+          <p:nvPr/>
+        </p:nvPicPr>
+        <p:blipFill>
+          <a:blip r:embed="rId7">
+            <a:extLst>
+              <a:ext uri="{28A0092B-C50C-407E-A947-70E740481C1C}">
+                <a14:useLocalDpi xmlns:a14="http://schemas.microsoft.com/office/drawing/2010/main" val="0"/>
+              </a:ext>
+            </a:extLst>
+          </a:blip>
+          <a:stretch>
+            <a:fillRect/>
+          </a:stretch>
+        </p:blipFill>
+        <p:spPr>
+          <a:xfrm rot="10800000">
+            <a:off x="2819582" y="2621986"/>
+            <a:ext cx="787302" cy="1371429"/>
+          </a:xfrm>
+          <a:prstGeom prst="rect">
+            <a:avLst/>
+          </a:prstGeom>
+        </p:spPr>
+      </p:pic>
+      <p:sp>
+        <p:nvSpPr>
+          <p:cNvPr id="43" name="TextBox 42">
+            <a:extLst>
+              <a:ext uri="{FF2B5EF4-FFF2-40B4-BE49-F238E27FC236}">
+                <a16:creationId xmlns:a16="http://schemas.microsoft.com/office/drawing/2014/main" id="{D88D76A6-E04F-49A3-B2E7-88CFA83712DE}"/>
+              </a:ext>
+            </a:extLst>
+          </p:cNvPr>
+          <p:cNvSpPr txBox="1"/>
+          <p:nvPr/>
+        </p:nvSpPr>
+        <p:spPr>
+          <a:xfrm>
+            <a:off x="1536214" y="4629156"/>
+            <a:ext cx="2153470" cy="1077218"/>
+          </a:xfrm>
+          <a:prstGeom prst="rect">
+            <a:avLst/>
+          </a:prstGeom>
+          <a:noFill/>
+        </p:spPr>
+        <p:txBody>
+          <a:bodyPr wrap="square" rtlCol="0">
+            <a:spAutoFit/>
+          </a:bodyPr>
+          <a:lstStyle/>
+          <a:p>
+            <a:pPr algn="ctr"/>
+            <a:r>
+              <a:rPr lang="en-US" altLang="ko-KR" sz="3200" dirty="0">
+                <a:latin typeface="경기천년바탕 Bold" panose="02020803020101020101" pitchFamily="18" charset="-127"/>
+                <a:ea typeface="경기천년바탕 Bold" panose="02020803020101020101" pitchFamily="18" charset="-127"/>
+              </a:rPr>
+              <a:t>Red with</a:t>
+            </a:r>
+          </a:p>
+          <a:p>
+            <a:pPr algn="ctr"/>
+            <a:r>
+              <a:rPr lang="en-US" altLang="ko-KR" sz="3200" dirty="0">
+                <a:latin typeface="경기천년바탕 Bold" panose="02020803020101020101" pitchFamily="18" charset="-127"/>
+                <a:ea typeface="경기천년바탕 Bold" panose="02020803020101020101" pitchFamily="18" charset="-127"/>
+              </a:rPr>
+              <a:t>Pistol</a:t>
+            </a:r>
+            <a:endParaRPr lang="ko-KR" altLang="en-US" sz="3200" dirty="0">
+              <a:latin typeface="경기천년바탕 Bold" panose="02020803020101020101" pitchFamily="18" charset="-127"/>
+              <a:ea typeface="경기천년바탕 Bold" panose="02020803020101020101" pitchFamily="18" charset="-127"/>
             </a:endParaRPr>
           </a:p>
         </p:txBody>
@@ -6026,6 +6483,238 @@
   <p:clrMapOvr>
     <a:masterClrMapping/>
   </p:clrMapOvr>
+  <p:timing>
+    <p:tnLst>
+      <p:par>
+        <p:cTn id="1" dur="indefinite" restart="never" nodeType="tmRoot">
+          <p:childTnLst>
+            <p:seq concurrent="1" nextAc="seek">
+              <p:cTn id="2" dur="indefinite" nodeType="mainSeq">
+                <p:childTnLst>
+                  <p:par>
+                    <p:cTn id="3" fill="hold">
+                      <p:stCondLst>
+                        <p:cond delay="indefinite"/>
+                      </p:stCondLst>
+                      <p:childTnLst>
+                        <p:par>
+                          <p:cTn id="4" fill="hold">
+                            <p:stCondLst>
+                              <p:cond delay="0"/>
+                            </p:stCondLst>
+                            <p:childTnLst>
+                              <p:par>
+                                <p:cTn id="5" presetID="10" presetClass="exit" presetSubtype="0" fill="hold" nodeType="clickEffect">
+                                  <p:stCondLst>
+                                    <p:cond delay="0"/>
+                                  </p:stCondLst>
+                                  <p:childTnLst>
+                                    <p:animEffect transition="out" filter="fade">
+                                      <p:cBhvr>
+                                        <p:cTn id="6" dur="500"/>
+                                        <p:tgtEl>
+                                          <p:spTgt spid="7"/>
+                                        </p:tgtEl>
+                                      </p:cBhvr>
+                                    </p:animEffect>
+                                    <p:set>
+                                      <p:cBhvr>
+                                        <p:cTn id="7" dur="1" fill="hold">
+                                          <p:stCondLst>
+                                            <p:cond delay="499"/>
+                                          </p:stCondLst>
+                                        </p:cTn>
+                                        <p:tgtEl>
+                                          <p:spTgt spid="7"/>
+                                        </p:tgtEl>
+                                        <p:attrNameLst>
+                                          <p:attrName>style.visibility</p:attrName>
+                                        </p:attrNameLst>
+                                      </p:cBhvr>
+                                      <p:to>
+                                        <p:strVal val="hidden"/>
+                                      </p:to>
+                                    </p:set>
+                                  </p:childTnLst>
+                                </p:cTn>
+                              </p:par>
+                            </p:childTnLst>
+                          </p:cTn>
+                        </p:par>
+                        <p:par>
+                          <p:cTn id="8" fill="hold">
+                            <p:stCondLst>
+                              <p:cond delay="500"/>
+                            </p:stCondLst>
+                            <p:childTnLst>
+                              <p:par>
+                                <p:cTn id="9" presetID="42" presetClass="path" presetSubtype="0" accel="50000" decel="50000" fill="hold" nodeType="afterEffect">
+                                  <p:stCondLst>
+                                    <p:cond delay="0"/>
+                                  </p:stCondLst>
+                                  <p:childTnLst>
+                                    <p:animMotion origin="layout" path="M -1.66667E-6 2.59259E-6 L -0.06015 -0.00093 " pathEditMode="relative" rAng="0" ptsTypes="AA">
+                                      <p:cBhvr>
+                                        <p:cTn id="10" dur="2000" fill="hold"/>
+                                        <p:tgtEl>
+                                          <p:spTgt spid="11"/>
+                                        </p:tgtEl>
+                                        <p:attrNameLst>
+                                          <p:attrName>ppt_x</p:attrName>
+                                          <p:attrName>ppt_y</p:attrName>
+                                        </p:attrNameLst>
+                                      </p:cBhvr>
+                                      <p:rCtr x="-3008" y="-46"/>
+                                    </p:animMotion>
+                                  </p:childTnLst>
+                                </p:cTn>
+                              </p:par>
+                            </p:childTnLst>
+                          </p:cTn>
+                        </p:par>
+                        <p:par>
+                          <p:cTn id="11" fill="hold">
+                            <p:stCondLst>
+                              <p:cond delay="2500"/>
+                            </p:stCondLst>
+                            <p:childTnLst>
+                              <p:par>
+                                <p:cTn id="12" presetID="10" presetClass="entr" presetSubtype="0" fill="hold" nodeType="afterEffect">
+                                  <p:stCondLst>
+                                    <p:cond delay="0"/>
+                                  </p:stCondLst>
+                                  <p:childTnLst>
+                                    <p:set>
+                                      <p:cBhvr>
+                                        <p:cTn id="13" dur="1" fill="hold">
+                                          <p:stCondLst>
+                                            <p:cond delay="0"/>
+                                          </p:stCondLst>
+                                        </p:cTn>
+                                        <p:tgtEl>
+                                          <p:spTgt spid="41"/>
+                                        </p:tgtEl>
+                                        <p:attrNameLst>
+                                          <p:attrName>style.visibility</p:attrName>
+                                        </p:attrNameLst>
+                                      </p:cBhvr>
+                                      <p:to>
+                                        <p:strVal val="visible"/>
+                                      </p:to>
+                                    </p:set>
+                                    <p:animEffect transition="in" filter="fade">
+                                      <p:cBhvr>
+                                        <p:cTn id="14" dur="500"/>
+                                        <p:tgtEl>
+                                          <p:spTgt spid="41"/>
+                                        </p:tgtEl>
+                                      </p:cBhvr>
+                                    </p:animEffect>
+                                  </p:childTnLst>
+                                </p:cTn>
+                              </p:par>
+                              <p:par>
+                                <p:cTn id="15" presetID="10" presetClass="exit" presetSubtype="0" fill="hold" grpId="0" nodeType="withEffect">
+                                  <p:stCondLst>
+                                    <p:cond delay="0"/>
+                                  </p:stCondLst>
+                                  <p:childTnLst>
+                                    <p:animEffect transition="out" filter="fade">
+                                      <p:cBhvr>
+                                        <p:cTn id="16" dur="500"/>
+                                        <p:tgtEl>
+                                          <p:spTgt spid="15"/>
+                                        </p:tgtEl>
+                                      </p:cBhvr>
+                                    </p:animEffect>
+                                    <p:set>
+                                      <p:cBhvr>
+                                        <p:cTn id="17" dur="1" fill="hold">
+                                          <p:stCondLst>
+                                            <p:cond delay="499"/>
+                                          </p:stCondLst>
+                                        </p:cTn>
+                                        <p:tgtEl>
+                                          <p:spTgt spid="15"/>
+                                        </p:tgtEl>
+                                        <p:attrNameLst>
+                                          <p:attrName>style.visibility</p:attrName>
+                                        </p:attrNameLst>
+                                      </p:cBhvr>
+                                      <p:to>
+                                        <p:strVal val="hidden"/>
+                                      </p:to>
+                                    </p:set>
+                                  </p:childTnLst>
+                                </p:cTn>
+                              </p:par>
+                              <p:par>
+                                <p:cTn id="18" presetID="10" presetClass="entr" presetSubtype="0" fill="hold" grpId="0" nodeType="withEffect">
+                                  <p:stCondLst>
+                                    <p:cond delay="0"/>
+                                  </p:stCondLst>
+                                  <p:childTnLst>
+                                    <p:set>
+                                      <p:cBhvr>
+                                        <p:cTn id="19" dur="1" fill="hold">
+                                          <p:stCondLst>
+                                            <p:cond delay="0"/>
+                                          </p:stCondLst>
+                                        </p:cTn>
+                                        <p:tgtEl>
+                                          <p:spTgt spid="43"/>
+                                        </p:tgtEl>
+                                        <p:attrNameLst>
+                                          <p:attrName>style.visibility</p:attrName>
+                                        </p:attrNameLst>
+                                      </p:cBhvr>
+                                      <p:to>
+                                        <p:strVal val="visible"/>
+                                      </p:to>
+                                    </p:set>
+                                    <p:animEffect transition="in" filter="fade">
+                                      <p:cBhvr>
+                                        <p:cTn id="20" dur="500"/>
+                                        <p:tgtEl>
+                                          <p:spTgt spid="43"/>
+                                        </p:tgtEl>
+                                      </p:cBhvr>
+                                    </p:animEffect>
+                                  </p:childTnLst>
+                                </p:cTn>
+                              </p:par>
+                            </p:childTnLst>
+                          </p:cTn>
+                        </p:par>
+                      </p:childTnLst>
+                    </p:cTn>
+                  </p:par>
+                </p:childTnLst>
+              </p:cTn>
+              <p:prevCondLst>
+                <p:cond evt="onPrev" delay="0">
+                  <p:tgtEl>
+                    <p:sldTgt/>
+                  </p:tgtEl>
+                </p:cond>
+              </p:prevCondLst>
+              <p:nextCondLst>
+                <p:cond evt="onNext" delay="0">
+                  <p:tgtEl>
+                    <p:sldTgt/>
+                  </p:tgtEl>
+                </p:cond>
+              </p:nextCondLst>
+            </p:seq>
+          </p:childTnLst>
+        </p:cTn>
+      </p:par>
+    </p:tnLst>
+    <p:bldLst>
+      <p:bldP spid="15" grpId="0"/>
+      <p:bldP spid="43" grpId="0"/>
+    </p:bldLst>
+  </p:timing>
 </p:sld>
 </file>
 
@@ -6060,8 +6749,8 @@
         </p:nvSpPr>
         <p:spPr>
           <a:xfrm>
-            <a:off x="9228661" y="690880"/>
-            <a:ext cx="1449499" cy="1323439"/>
+            <a:off x="9606146" y="409877"/>
+            <a:ext cx="1707519" cy="1015663"/>
           </a:xfrm>
           <a:prstGeom prst="rect">
             <a:avLst/>
@@ -6076,29 +6765,16 @@
           <a:p>
             <a:pPr algn="r"/>
             <a:r>
-              <a:rPr lang="en-US" altLang="ko-KR" sz="4000" dirty="0">
+              <a:rPr lang="en-US" altLang="ko-KR" sz="6000" dirty="0">
                 <a:solidFill>
                   <a:schemeClr val="bg1"/>
                 </a:solidFill>
                 <a:latin typeface="경기천년바탕 Bold" panose="02020803020101020101" pitchFamily="18" charset="-127"/>
                 <a:ea typeface="경기천년바탕 Bold" panose="02020803020101020101" pitchFamily="18" charset="-127"/>
               </a:rPr>
-              <a:t>Game</a:t>
-            </a:r>
-          </a:p>
-          <a:p>
-            <a:pPr algn="r"/>
-            <a:r>
-              <a:rPr lang="en-US" altLang="ko-KR" sz="4000" dirty="0">
-                <a:solidFill>
-                  <a:schemeClr val="bg1"/>
-                </a:solidFill>
-                <a:latin typeface="경기천년바탕 Bold" panose="02020803020101020101" pitchFamily="18" charset="-127"/>
-                <a:ea typeface="경기천년바탕 Bold" panose="02020803020101020101" pitchFamily="18" charset="-127"/>
-              </a:rPr>
-              <a:t>Play</a:t>
-            </a:r>
-            <a:endParaRPr lang="ko-KR" altLang="en-US" sz="4000" dirty="0">
+              <a:t>Item</a:t>
+            </a:r>
+            <a:endParaRPr lang="ko-KR" altLang="en-US" sz="6000" dirty="0">
               <a:solidFill>
                 <a:schemeClr val="bg1"/>
               </a:solidFill>
@@ -6108,58 +6784,12 @@
           </a:p>
         </p:txBody>
       </p:sp>
-      <p:cxnSp>
-        <p:nvCxnSpPr>
-          <p:cNvPr id="7" name="직선 연결선 6">
-            <a:extLst>
-              <a:ext uri="{FF2B5EF4-FFF2-40B4-BE49-F238E27FC236}">
-                <a16:creationId xmlns:a16="http://schemas.microsoft.com/office/drawing/2014/main" id="{B2227533-9D88-454D-AC67-D68053A27CD7}"/>
-              </a:ext>
-            </a:extLst>
-          </p:cNvPr>
-          <p:cNvCxnSpPr>
-            <a:cxnSpLocks/>
-          </p:cNvCxnSpPr>
-          <p:nvPr/>
-        </p:nvCxnSpPr>
-        <p:spPr>
-          <a:xfrm>
-            <a:off x="10769600" y="690880"/>
-            <a:ext cx="0" cy="1361440"/>
-          </a:xfrm>
-          <a:prstGeom prst="line">
-            <a:avLst/>
-          </a:prstGeom>
-          <a:ln w="28575">
-            <a:solidFill>
-              <a:schemeClr val="accent4">
-                <a:lumMod val="20000"/>
-                <a:lumOff val="80000"/>
-              </a:schemeClr>
-            </a:solidFill>
-          </a:ln>
-        </p:spPr>
-        <p:style>
-          <a:lnRef idx="1">
-            <a:schemeClr val="accent1"/>
-          </a:lnRef>
-          <a:fillRef idx="0">
-            <a:schemeClr val="accent1"/>
-          </a:fillRef>
-          <a:effectRef idx="0">
-            <a:schemeClr val="accent1"/>
-          </a:effectRef>
-          <a:fontRef idx="minor">
-            <a:schemeClr val="tx1"/>
-          </a:fontRef>
-        </p:style>
-      </p:cxnSp>
-      <p:sp>
-        <p:nvSpPr>
-          <p:cNvPr id="8" name="직사각형 7">
-            <a:extLst>
-              <a:ext uri="{FF2B5EF4-FFF2-40B4-BE49-F238E27FC236}">
-                <a16:creationId xmlns:a16="http://schemas.microsoft.com/office/drawing/2014/main" id="{7DEB157B-44B9-4EE4-953D-C895E6E13DBB}"/>
+      <p:sp>
+        <p:nvSpPr>
+          <p:cNvPr id="9" name="L 도형 8">
+            <a:extLst>
+              <a:ext uri="{FF2B5EF4-FFF2-40B4-BE49-F238E27FC236}">
+                <a16:creationId xmlns:a16="http://schemas.microsoft.com/office/drawing/2014/main" id="{84B1B958-581A-4B20-90C9-DF550356EE42}"/>
               </a:ext>
             </a:extLst>
           </p:cNvPr>
@@ -6167,20 +6797,24 @@
           <p:nvPr/>
         </p:nvSpPr>
         <p:spPr>
-          <a:xfrm>
-            <a:off x="0" y="0"/>
-            <a:ext cx="4307836" cy="6858000"/>
-          </a:xfrm>
-          <a:prstGeom prst="rect">
-            <a:avLst/>
+          <a:xfrm rot="10800000">
+            <a:off x="11145873" y="340996"/>
+            <a:ext cx="680318" cy="680318"/>
+          </a:xfrm>
+          <a:prstGeom prst="corner">
+            <a:avLst>
+              <a:gd name="adj1" fmla="val 10000"/>
+              <a:gd name="adj2" fmla="val 8667"/>
+            </a:avLst>
           </a:prstGeom>
           <a:solidFill>
-            <a:schemeClr val="bg1"/>
+            <a:schemeClr val="accent4">
+              <a:lumMod val="20000"/>
+              <a:lumOff val="80000"/>
+            </a:schemeClr>
           </a:solidFill>
           <a:ln>
-            <a:solidFill>
-              <a:schemeClr val="tx1"/>
-            </a:solidFill>
+            <a:noFill/>
           </a:ln>
         </p:spPr>
         <p:style>
@@ -6208,10 +6842,654 @@
           </a:p>
         </p:txBody>
       </p:sp>
+      <p:pic>
+        <p:nvPicPr>
+          <p:cNvPr id="4" name="그림 3">
+            <a:extLst>
+              <a:ext uri="{FF2B5EF4-FFF2-40B4-BE49-F238E27FC236}">
+                <a16:creationId xmlns:a16="http://schemas.microsoft.com/office/drawing/2014/main" id="{2B8D24F6-E464-48E9-8180-9D474EB3C0BC}"/>
+              </a:ext>
+            </a:extLst>
+          </p:cNvPr>
+          <p:cNvPicPr>
+            <a:picLocks noChangeAspect="1"/>
+          </p:cNvPicPr>
+          <p:nvPr/>
+        </p:nvPicPr>
+        <p:blipFill>
+          <a:blip r:embed="rId2">
+            <a:extLst>
+              <a:ext uri="{28A0092B-C50C-407E-A947-70E740481C1C}">
+                <a14:useLocalDpi xmlns:a14="http://schemas.microsoft.com/office/drawing/2010/main" val="0"/>
+              </a:ext>
+            </a:extLst>
+          </a:blip>
+          <a:stretch>
+            <a:fillRect/>
+          </a:stretch>
+        </p:blipFill>
+        <p:spPr>
+          <a:xfrm>
+            <a:off x="2864452" y="2055399"/>
+            <a:ext cx="1053968" cy="1130159"/>
+          </a:xfrm>
+          <a:prstGeom prst="rect">
+            <a:avLst/>
+          </a:prstGeom>
+          <a:effectLst>
+            <a:outerShdw blurRad="50800" dist="38100" algn="l" rotWithShape="0">
+              <a:prstClr val="black">
+                <a:alpha val="40000"/>
+              </a:prstClr>
+            </a:outerShdw>
+          </a:effectLst>
+        </p:spPr>
+      </p:pic>
+      <p:pic>
+        <p:nvPicPr>
+          <p:cNvPr id="6" name="그림 5" descr="옅은이(가) 표시된 사진&#10;&#10;자동 생성된 설명">
+            <a:extLst>
+              <a:ext uri="{FF2B5EF4-FFF2-40B4-BE49-F238E27FC236}">
+                <a16:creationId xmlns:a16="http://schemas.microsoft.com/office/drawing/2014/main" id="{E3A49390-A601-4693-8484-9B10C6F83C9F}"/>
+              </a:ext>
+            </a:extLst>
+          </p:cNvPr>
+          <p:cNvPicPr>
+            <a:picLocks noChangeAspect="1"/>
+          </p:cNvPicPr>
+          <p:nvPr/>
+        </p:nvPicPr>
+        <p:blipFill>
+          <a:blip r:embed="rId3">
+            <a:extLst>
+              <a:ext uri="{28A0092B-C50C-407E-A947-70E740481C1C}">
+                <a14:useLocalDpi xmlns:a14="http://schemas.microsoft.com/office/drawing/2010/main" val="0"/>
+              </a:ext>
+            </a:extLst>
+          </a:blip>
+          <a:stretch>
+            <a:fillRect/>
+          </a:stretch>
+        </p:blipFill>
+        <p:spPr>
+          <a:xfrm>
+            <a:off x="2864452" y="4441994"/>
+            <a:ext cx="1053968" cy="1130159"/>
+          </a:xfrm>
+          <a:prstGeom prst="rect">
+            <a:avLst/>
+          </a:prstGeom>
+          <a:effectLst>
+            <a:outerShdw blurRad="50800" dist="38100" algn="l" rotWithShape="0">
+              <a:prstClr val="black">
+                <a:alpha val="40000"/>
+              </a:prstClr>
+            </a:outerShdw>
+          </a:effectLst>
+        </p:spPr>
+      </p:pic>
+      <p:pic>
+        <p:nvPicPr>
+          <p:cNvPr id="17" name="그림 16" descr="게임이(가) 표시된 사진&#10;&#10;자동 생성된 설명">
+            <a:extLst>
+              <a:ext uri="{FF2B5EF4-FFF2-40B4-BE49-F238E27FC236}">
+                <a16:creationId xmlns:a16="http://schemas.microsoft.com/office/drawing/2014/main" id="{0F50BAEE-FB7C-47EB-ABA7-3C6B7CC11BF3}"/>
+              </a:ext>
+            </a:extLst>
+          </p:cNvPr>
+          <p:cNvPicPr>
+            <a:picLocks noChangeAspect="1"/>
+          </p:cNvPicPr>
+          <p:nvPr/>
+        </p:nvPicPr>
+        <p:blipFill>
+          <a:blip r:embed="rId4">
+            <a:extLst>
+              <a:ext uri="{28A0092B-C50C-407E-A947-70E740481C1C}">
+                <a14:useLocalDpi xmlns:a14="http://schemas.microsoft.com/office/drawing/2010/main" val="0"/>
+              </a:ext>
+            </a:extLst>
+          </a:blip>
+          <a:stretch>
+            <a:fillRect/>
+          </a:stretch>
+        </p:blipFill>
+        <p:spPr>
+          <a:xfrm>
+            <a:off x="2864452" y="3185558"/>
+            <a:ext cx="1053968" cy="1130159"/>
+          </a:xfrm>
+          <a:prstGeom prst="rect">
+            <a:avLst/>
+          </a:prstGeom>
+          <a:effectLst>
+            <a:outerShdw blurRad="50800" dist="38100" algn="l" rotWithShape="0">
+              <a:prstClr val="black">
+                <a:alpha val="40000"/>
+              </a:prstClr>
+            </a:outerShdw>
+          </a:effectLst>
+        </p:spPr>
+      </p:pic>
+      <p:sp>
+        <p:nvSpPr>
+          <p:cNvPr id="18" name="TextBox 17">
+            <a:extLst>
+              <a:ext uri="{FF2B5EF4-FFF2-40B4-BE49-F238E27FC236}">
+                <a16:creationId xmlns:a16="http://schemas.microsoft.com/office/drawing/2014/main" id="{A3F3BD14-B60A-45F1-8692-9F43A08D304C}"/>
+              </a:ext>
+            </a:extLst>
+          </p:cNvPr>
+          <p:cNvSpPr txBox="1"/>
+          <p:nvPr/>
+        </p:nvSpPr>
+        <p:spPr>
+          <a:xfrm>
+            <a:off x="4154344" y="2266535"/>
+            <a:ext cx="5451802" cy="707886"/>
+          </a:xfrm>
+          <a:prstGeom prst="rect">
+            <a:avLst/>
+          </a:prstGeom>
+          <a:noFill/>
+        </p:spPr>
+        <p:txBody>
+          <a:bodyPr wrap="square" rtlCol="0">
+            <a:spAutoFit/>
+          </a:bodyPr>
+          <a:lstStyle/>
+          <a:p>
+            <a:r>
+              <a:rPr lang="en-US" altLang="ko-KR" sz="4000" dirty="0">
+                <a:solidFill>
+                  <a:schemeClr val="bg1"/>
+                </a:solidFill>
+                <a:latin typeface="경기천년바탕 Regular" panose="02020503020101020101" pitchFamily="18" charset="-127"/>
+                <a:ea typeface="경기천년바탕 Regular" panose="02020503020101020101" pitchFamily="18" charset="-127"/>
+              </a:rPr>
+              <a:t>: </a:t>
+            </a:r>
+            <a:r>
+              <a:rPr lang="ko-KR" altLang="en-US" sz="2400" dirty="0">
+                <a:solidFill>
+                  <a:schemeClr val="bg1"/>
+                </a:solidFill>
+                <a:latin typeface="경기천년바탕 Regular" panose="02020503020101020101" pitchFamily="18" charset="-127"/>
+                <a:ea typeface="경기천년바탕 Regular" panose="02020503020101020101" pitchFamily="18" charset="-127"/>
+                <a:cs typeface="Times New Roman" panose="02020603050405020304" pitchFamily="18" charset="0"/>
+              </a:rPr>
+              <a:t>섬광탄 </a:t>
+            </a:r>
+            <a:r>
+              <a:rPr lang="en-US" altLang="ko-KR" sz="2400" dirty="0">
+                <a:solidFill>
+                  <a:schemeClr val="bg1"/>
+                </a:solidFill>
+                <a:latin typeface="경기천년바탕 Regular" panose="02020503020101020101" pitchFamily="18" charset="-127"/>
+                <a:ea typeface="경기천년바탕 Regular" panose="02020503020101020101" pitchFamily="18" charset="-127"/>
+                <a:cs typeface="Times New Roman" panose="02020603050405020304" pitchFamily="18" charset="0"/>
+              </a:rPr>
+              <a:t>– </a:t>
+            </a:r>
+            <a:r>
+              <a:rPr lang="ko-KR" altLang="en-US" sz="2400" dirty="0">
+                <a:solidFill>
+                  <a:schemeClr val="bg1"/>
+                </a:solidFill>
+                <a:latin typeface="경기천년바탕 Regular" panose="02020503020101020101" pitchFamily="18" charset="-127"/>
+                <a:ea typeface="경기천년바탕 Regular" panose="02020503020101020101" pitchFamily="18" charset="-127"/>
+                <a:cs typeface="Times New Roman" panose="02020603050405020304" pitchFamily="18" charset="0"/>
+              </a:rPr>
+              <a:t>피격  적 유닛의 시야 제한</a:t>
+            </a:r>
+            <a:endParaRPr lang="ko-KR" altLang="en-US" sz="4000" dirty="0">
+              <a:solidFill>
+                <a:schemeClr val="bg1"/>
+              </a:solidFill>
+              <a:latin typeface="경기천년바탕 Regular" panose="02020503020101020101" pitchFamily="18" charset="-127"/>
+              <a:ea typeface="경기천년바탕 Regular" panose="02020503020101020101" pitchFamily="18" charset="-127"/>
+            </a:endParaRPr>
+          </a:p>
+        </p:txBody>
+      </p:sp>
+      <p:sp>
+        <p:nvSpPr>
+          <p:cNvPr id="19" name="TextBox 18">
+            <a:extLst>
+              <a:ext uri="{FF2B5EF4-FFF2-40B4-BE49-F238E27FC236}">
+                <a16:creationId xmlns:a16="http://schemas.microsoft.com/office/drawing/2014/main" id="{69F40EAE-D42F-4CFB-9B82-20DAC56FC3B9}"/>
+              </a:ext>
+            </a:extLst>
+          </p:cNvPr>
+          <p:cNvSpPr txBox="1"/>
+          <p:nvPr/>
+        </p:nvSpPr>
+        <p:spPr>
+          <a:xfrm>
+            <a:off x="4154344" y="3443843"/>
+            <a:ext cx="5451802" cy="707886"/>
+          </a:xfrm>
+          <a:prstGeom prst="rect">
+            <a:avLst/>
+          </a:prstGeom>
+          <a:noFill/>
+        </p:spPr>
+        <p:txBody>
+          <a:bodyPr wrap="square" rtlCol="0">
+            <a:spAutoFit/>
+          </a:bodyPr>
+          <a:lstStyle/>
+          <a:p>
+            <a:r>
+              <a:rPr lang="en-US" altLang="ko-KR" sz="4000" dirty="0">
+                <a:solidFill>
+                  <a:schemeClr val="bg1"/>
+                </a:solidFill>
+                <a:latin typeface="경기천년바탕 Regular" panose="02020503020101020101" pitchFamily="18" charset="-127"/>
+                <a:ea typeface="경기천년바탕 Regular" panose="02020503020101020101" pitchFamily="18" charset="-127"/>
+              </a:rPr>
+              <a:t>: </a:t>
+            </a:r>
+            <a:r>
+              <a:rPr lang="ko-KR" altLang="en-US" sz="2400" dirty="0">
+                <a:solidFill>
+                  <a:schemeClr val="bg1"/>
+                </a:solidFill>
+                <a:latin typeface="경기천년바탕 Regular" panose="02020503020101020101" pitchFamily="18" charset="-127"/>
+                <a:ea typeface="경기천년바탕 Regular" panose="02020503020101020101" pitchFamily="18" charset="-127"/>
+                <a:cs typeface="Times New Roman" panose="02020603050405020304" pitchFamily="18" charset="0"/>
+              </a:rPr>
+              <a:t>연막탄 </a:t>
+            </a:r>
+            <a:r>
+              <a:rPr lang="en-US" altLang="ko-KR" sz="2400" dirty="0">
+                <a:solidFill>
+                  <a:schemeClr val="bg1"/>
+                </a:solidFill>
+                <a:latin typeface="경기천년바탕 Regular" panose="02020503020101020101" pitchFamily="18" charset="-127"/>
+                <a:ea typeface="경기천년바탕 Regular" panose="02020503020101020101" pitchFamily="18" charset="-127"/>
+                <a:cs typeface="Times New Roman" panose="02020603050405020304" pitchFamily="18" charset="0"/>
+              </a:rPr>
+              <a:t>– </a:t>
+            </a:r>
+            <a:r>
+              <a:rPr lang="ko-KR" altLang="en-US" sz="2400" dirty="0">
+                <a:solidFill>
+                  <a:schemeClr val="bg1"/>
+                </a:solidFill>
+                <a:latin typeface="경기천년바탕 Regular" panose="02020503020101020101" pitchFamily="18" charset="-127"/>
+                <a:ea typeface="경기천년바탕 Regular" panose="02020503020101020101" pitchFamily="18" charset="-127"/>
+                <a:cs typeface="Times New Roman" panose="02020603050405020304" pitchFamily="18" charset="0"/>
+              </a:rPr>
+              <a:t>피격 범위 내 유닛의 시야 제한</a:t>
+            </a:r>
+            <a:r>
+              <a:rPr lang="en-US" altLang="ko-KR" sz="2400" dirty="0">
+                <a:solidFill>
+                  <a:schemeClr val="bg1"/>
+                </a:solidFill>
+                <a:latin typeface="경기천년바탕 Regular" panose="02020503020101020101" pitchFamily="18" charset="-127"/>
+                <a:ea typeface="경기천년바탕 Regular" panose="02020503020101020101" pitchFamily="18" charset="-127"/>
+                <a:cs typeface="Times New Roman" panose="02020603050405020304" pitchFamily="18" charset="0"/>
+              </a:rPr>
+              <a:t>  </a:t>
+            </a:r>
+            <a:endParaRPr lang="ko-KR" altLang="en-US" sz="4000" dirty="0">
+              <a:solidFill>
+                <a:schemeClr val="bg1"/>
+              </a:solidFill>
+              <a:latin typeface="경기천년바탕 Regular" panose="02020503020101020101" pitchFamily="18" charset="-127"/>
+              <a:ea typeface="경기천년바탕 Regular" panose="02020503020101020101" pitchFamily="18" charset="-127"/>
+            </a:endParaRPr>
+          </a:p>
+        </p:txBody>
+      </p:sp>
+      <p:sp>
+        <p:nvSpPr>
+          <p:cNvPr id="20" name="TextBox 19">
+            <a:extLst>
+              <a:ext uri="{FF2B5EF4-FFF2-40B4-BE49-F238E27FC236}">
+                <a16:creationId xmlns:a16="http://schemas.microsoft.com/office/drawing/2014/main" id="{DC03AA0E-28A2-40C9-A6A8-BF867CB23A63}"/>
+              </a:ext>
+            </a:extLst>
+          </p:cNvPr>
+          <p:cNvSpPr txBox="1"/>
+          <p:nvPr/>
+        </p:nvSpPr>
+        <p:spPr>
+          <a:xfrm>
+            <a:off x="4154345" y="4621151"/>
+            <a:ext cx="4398961" cy="707886"/>
+          </a:xfrm>
+          <a:prstGeom prst="rect">
+            <a:avLst/>
+          </a:prstGeom>
+          <a:noFill/>
+        </p:spPr>
+        <p:txBody>
+          <a:bodyPr wrap="none" rtlCol="0">
+            <a:spAutoFit/>
+          </a:bodyPr>
+          <a:lstStyle/>
+          <a:p>
+            <a:r>
+              <a:rPr lang="en-US" altLang="ko-KR" sz="4000" dirty="0">
+                <a:solidFill>
+                  <a:schemeClr val="bg1"/>
+                </a:solidFill>
+                <a:latin typeface="경기천년바탕 Regular" panose="02020503020101020101" pitchFamily="18" charset="-127"/>
+                <a:ea typeface="경기천년바탕 Regular" panose="02020503020101020101" pitchFamily="18" charset="-127"/>
+              </a:rPr>
+              <a:t>: </a:t>
+            </a:r>
+            <a:r>
+              <a:rPr lang="ko-KR" altLang="en-US" sz="2400" dirty="0">
+                <a:solidFill>
+                  <a:schemeClr val="bg1"/>
+                </a:solidFill>
+                <a:latin typeface="경기천년바탕 Regular" panose="02020503020101020101" pitchFamily="18" charset="-127"/>
+                <a:ea typeface="경기천년바탕 Regular" panose="02020503020101020101" pitchFamily="18" charset="-127"/>
+                <a:cs typeface="Times New Roman" panose="02020603050405020304" pitchFamily="18" charset="0"/>
+              </a:rPr>
+              <a:t>수류탄 </a:t>
+            </a:r>
+            <a:r>
+              <a:rPr lang="en-US" altLang="ko-KR" sz="2400" dirty="0">
+                <a:solidFill>
+                  <a:schemeClr val="bg1"/>
+                </a:solidFill>
+                <a:latin typeface="경기천년바탕 Regular" panose="02020503020101020101" pitchFamily="18" charset="-127"/>
+                <a:ea typeface="경기천년바탕 Regular" panose="02020503020101020101" pitchFamily="18" charset="-127"/>
+                <a:cs typeface="Times New Roman" panose="02020603050405020304" pitchFamily="18" charset="0"/>
+              </a:rPr>
+              <a:t>– </a:t>
+            </a:r>
+            <a:r>
+              <a:rPr lang="ko-KR" altLang="en-US" sz="2400" dirty="0">
+                <a:solidFill>
+                  <a:schemeClr val="bg1"/>
+                </a:solidFill>
+                <a:latin typeface="경기천년바탕 Regular" panose="02020503020101020101" pitchFamily="18" charset="-127"/>
+                <a:ea typeface="경기천년바탕 Regular" panose="02020503020101020101" pitchFamily="18" charset="-127"/>
+                <a:cs typeface="Times New Roman" panose="02020603050405020304" pitchFamily="18" charset="0"/>
+              </a:rPr>
+              <a:t>피격 적 유닛에 데미지</a:t>
+            </a:r>
+            <a:endParaRPr lang="ko-KR" altLang="en-US" sz="4000" dirty="0">
+              <a:solidFill>
+                <a:schemeClr val="bg1"/>
+              </a:solidFill>
+              <a:latin typeface="경기천년바탕 Regular" panose="02020503020101020101" pitchFamily="18" charset="-127"/>
+              <a:ea typeface="경기천년바탕 Regular" panose="02020503020101020101" pitchFamily="18" charset="-127"/>
+            </a:endParaRPr>
+          </a:p>
+        </p:txBody>
+      </p:sp>
     </p:spTree>
     <p:extLst>
       <p:ext uri="{BB962C8B-B14F-4D97-AF65-F5344CB8AC3E}">
-        <p14:creationId xmlns:p14="http://schemas.microsoft.com/office/powerpoint/2010/main" val="1944586640"/>
+        <p14:creationId xmlns:p14="http://schemas.microsoft.com/office/powerpoint/2010/main" val="2590619000"/>
+      </p:ext>
+    </p:extLst>
+  </p:cSld>
+  <p:clrMapOvr>
+    <a:masterClrMapping/>
+  </p:clrMapOvr>
+</p:sld>
+</file>
+
+<file path=ppt/slides/slide9.xml><?xml version="1.0" encoding="utf-8"?>
+<p:sld xmlns:a="http://schemas.openxmlformats.org/drawingml/2006/main" xmlns:r="http://schemas.openxmlformats.org/officeDocument/2006/relationships" xmlns:p="http://schemas.openxmlformats.org/presentationml/2006/main">
+  <p:cSld>
+    <p:spTree>
+      <p:nvGrpSpPr>
+        <p:cNvPr id="1" name=""/>
+        <p:cNvGrpSpPr/>
+        <p:nvPr/>
+      </p:nvGrpSpPr>
+      <p:grpSpPr>
+        <a:xfrm>
+          <a:off x="0" y="0"/>
+          <a:ext cx="0" cy="0"/>
+          <a:chOff x="0" y="0"/>
+          <a:chExt cx="0" cy="0"/>
+        </a:xfrm>
+      </p:grpSpPr>
+      <p:sp>
+        <p:nvSpPr>
+          <p:cNvPr id="3" name="TextBox 2">
+            <a:extLst>
+              <a:ext uri="{FF2B5EF4-FFF2-40B4-BE49-F238E27FC236}">
+                <a16:creationId xmlns:a16="http://schemas.microsoft.com/office/drawing/2014/main" id="{54864A9D-4DB4-48B5-8888-6B62293FB5B2}"/>
+              </a:ext>
+            </a:extLst>
+          </p:cNvPr>
+          <p:cNvSpPr txBox="1"/>
+          <p:nvPr/>
+        </p:nvSpPr>
+        <p:spPr>
+          <a:xfrm>
+            <a:off x="9606146" y="409877"/>
+            <a:ext cx="1707519" cy="1015663"/>
+          </a:xfrm>
+          <a:prstGeom prst="rect">
+            <a:avLst/>
+          </a:prstGeom>
+          <a:noFill/>
+        </p:spPr>
+        <p:txBody>
+          <a:bodyPr wrap="none" rtlCol="0">
+            <a:spAutoFit/>
+          </a:bodyPr>
+          <a:lstStyle/>
+          <a:p>
+            <a:pPr algn="r"/>
+            <a:r>
+              <a:rPr lang="en-US" altLang="ko-KR" sz="6000" dirty="0">
+                <a:solidFill>
+                  <a:schemeClr val="bg1"/>
+                </a:solidFill>
+                <a:latin typeface="경기천년바탕 Bold" panose="02020803020101020101" pitchFamily="18" charset="-127"/>
+                <a:ea typeface="경기천년바탕 Bold" panose="02020803020101020101" pitchFamily="18" charset="-127"/>
+              </a:rPr>
+              <a:t>Item</a:t>
+            </a:r>
+            <a:endParaRPr lang="ko-KR" altLang="en-US" sz="6000" dirty="0">
+              <a:solidFill>
+                <a:schemeClr val="bg1"/>
+              </a:solidFill>
+              <a:latin typeface="경기천년바탕 Bold" panose="02020803020101020101" pitchFamily="18" charset="-127"/>
+              <a:ea typeface="경기천년바탕 Bold" panose="02020803020101020101" pitchFamily="18" charset="-127"/>
+            </a:endParaRPr>
+          </a:p>
+        </p:txBody>
+      </p:sp>
+      <p:sp>
+        <p:nvSpPr>
+          <p:cNvPr id="9" name="L 도형 8">
+            <a:extLst>
+              <a:ext uri="{FF2B5EF4-FFF2-40B4-BE49-F238E27FC236}">
+                <a16:creationId xmlns:a16="http://schemas.microsoft.com/office/drawing/2014/main" id="{84B1B958-581A-4B20-90C9-DF550356EE42}"/>
+              </a:ext>
+            </a:extLst>
+          </p:cNvPr>
+          <p:cNvSpPr/>
+          <p:nvPr/>
+        </p:nvSpPr>
+        <p:spPr>
+          <a:xfrm rot="10800000">
+            <a:off x="11145873" y="340996"/>
+            <a:ext cx="680318" cy="680318"/>
+          </a:xfrm>
+          <a:prstGeom prst="corner">
+            <a:avLst>
+              <a:gd name="adj1" fmla="val 10000"/>
+              <a:gd name="adj2" fmla="val 8667"/>
+            </a:avLst>
+          </a:prstGeom>
+          <a:solidFill>
+            <a:schemeClr val="accent4">
+              <a:lumMod val="20000"/>
+              <a:lumOff val="80000"/>
+            </a:schemeClr>
+          </a:solidFill>
+          <a:ln>
+            <a:noFill/>
+          </a:ln>
+        </p:spPr>
+        <p:style>
+          <a:lnRef idx="2">
+            <a:schemeClr val="accent1">
+              <a:shade val="50000"/>
+            </a:schemeClr>
+          </a:lnRef>
+          <a:fillRef idx="1">
+            <a:schemeClr val="accent1"/>
+          </a:fillRef>
+          <a:effectRef idx="0">
+            <a:schemeClr val="accent1"/>
+          </a:effectRef>
+          <a:fontRef idx="minor">
+            <a:schemeClr val="lt1"/>
+          </a:fontRef>
+        </p:style>
+        <p:txBody>
+          <a:bodyPr rtlCol="0" anchor="ctr"/>
+          <a:lstStyle/>
+          <a:p>
+            <a:pPr algn="ctr"/>
+            <a:endParaRPr lang="ko-KR" altLang="en-US"/>
+          </a:p>
+        </p:txBody>
+      </p:sp>
+      <p:pic>
+        <p:nvPicPr>
+          <p:cNvPr id="10" name="그림 9">
+            <a:extLst>
+              <a:ext uri="{FF2B5EF4-FFF2-40B4-BE49-F238E27FC236}">
+                <a16:creationId xmlns:a16="http://schemas.microsoft.com/office/drawing/2014/main" id="{B7B00ED8-8226-477E-9209-AE49381139BA}"/>
+              </a:ext>
+            </a:extLst>
+          </p:cNvPr>
+          <p:cNvPicPr>
+            <a:picLocks noChangeAspect="1"/>
+          </p:cNvPicPr>
+          <p:nvPr/>
+        </p:nvPicPr>
+        <p:blipFill>
+          <a:blip r:embed="rId2">
+            <a:extLst>
+              <a:ext uri="{28A0092B-C50C-407E-A947-70E740481C1C}">
+                <a14:useLocalDpi xmlns:a14="http://schemas.microsoft.com/office/drawing/2010/main" val="0"/>
+              </a:ext>
+            </a:extLst>
+          </a:blip>
+          <a:stretch>
+            <a:fillRect/>
+          </a:stretch>
+        </p:blipFill>
+        <p:spPr>
+          <a:xfrm>
+            <a:off x="3767238" y="3225685"/>
+            <a:ext cx="1307936" cy="888889"/>
+          </a:xfrm>
+          <a:prstGeom prst="rect">
+            <a:avLst/>
+          </a:prstGeom>
+          <a:effectLst>
+            <a:outerShdw blurRad="50800" dist="38100" algn="l" rotWithShape="0">
+              <a:prstClr val="black">
+                <a:alpha val="40000"/>
+              </a:prstClr>
+            </a:outerShdw>
+          </a:effectLst>
+        </p:spPr>
+      </p:pic>
+      <p:sp>
+        <p:nvSpPr>
+          <p:cNvPr id="18" name="TextBox 17">
+            <a:extLst>
+              <a:ext uri="{FF2B5EF4-FFF2-40B4-BE49-F238E27FC236}">
+                <a16:creationId xmlns:a16="http://schemas.microsoft.com/office/drawing/2014/main" id="{A3F3BD14-B60A-45F1-8692-9F43A08D304C}"/>
+              </a:ext>
+            </a:extLst>
+          </p:cNvPr>
+          <p:cNvSpPr txBox="1"/>
+          <p:nvPr/>
+        </p:nvSpPr>
+        <p:spPr>
+          <a:xfrm>
+            <a:off x="5184114" y="3161685"/>
+            <a:ext cx="5451802" cy="707886"/>
+          </a:xfrm>
+          <a:prstGeom prst="rect">
+            <a:avLst/>
+          </a:prstGeom>
+          <a:noFill/>
+        </p:spPr>
+        <p:txBody>
+          <a:bodyPr wrap="square" rtlCol="0">
+            <a:spAutoFit/>
+          </a:bodyPr>
+          <a:lstStyle/>
+          <a:p>
+            <a:r>
+              <a:rPr lang="en-US" altLang="ko-KR" sz="4000" dirty="0">
+                <a:solidFill>
+                  <a:schemeClr val="bg1"/>
+                </a:solidFill>
+                <a:latin typeface="경기천년바탕 Regular" panose="02020503020101020101" pitchFamily="18" charset="-127"/>
+                <a:ea typeface="경기천년바탕 Regular" panose="02020503020101020101" pitchFamily="18" charset="-127"/>
+              </a:rPr>
+              <a:t>: </a:t>
+            </a:r>
+            <a:r>
+              <a:rPr lang="ko-KR" altLang="en-US" sz="2400" dirty="0">
+                <a:solidFill>
+                  <a:schemeClr val="bg1"/>
+                </a:solidFill>
+                <a:latin typeface="경기천년바탕 Regular" panose="02020503020101020101" pitchFamily="18" charset="-127"/>
+                <a:ea typeface="경기천년바탕 Regular" panose="02020503020101020101" pitchFamily="18" charset="-127"/>
+                <a:cs typeface="Times New Roman" panose="02020603050405020304" pitchFamily="18" charset="0"/>
+              </a:rPr>
+              <a:t>권총 </a:t>
+            </a:r>
+            <a:r>
+              <a:rPr lang="en-US" altLang="ko-KR" sz="2400" dirty="0">
+                <a:solidFill>
+                  <a:schemeClr val="bg1"/>
+                </a:solidFill>
+                <a:latin typeface="경기천년바탕 Regular" panose="02020503020101020101" pitchFamily="18" charset="-127"/>
+                <a:ea typeface="경기천년바탕 Regular" panose="02020503020101020101" pitchFamily="18" charset="-127"/>
+                <a:cs typeface="Times New Roman" panose="02020603050405020304" pitchFamily="18" charset="0"/>
+              </a:rPr>
+              <a:t>– </a:t>
+            </a:r>
+            <a:r>
+              <a:rPr lang="ko-KR" altLang="en-US" sz="2400" dirty="0" err="1">
+                <a:solidFill>
+                  <a:schemeClr val="bg1"/>
+                </a:solidFill>
+                <a:latin typeface="경기천년바탕 Regular" panose="02020503020101020101" pitchFamily="18" charset="-127"/>
+                <a:ea typeface="경기천년바탕 Regular" panose="02020503020101020101" pitchFamily="18" charset="-127"/>
+                <a:cs typeface="Times New Roman" panose="02020603050405020304" pitchFamily="18" charset="0"/>
+              </a:rPr>
+              <a:t>어쩌구저쩌구</a:t>
+            </a:r>
+            <a:endParaRPr lang="ko-KR" altLang="en-US" sz="4000" dirty="0">
+              <a:solidFill>
+                <a:schemeClr val="bg1"/>
+              </a:solidFill>
+              <a:latin typeface="경기천년바탕 Regular" panose="02020503020101020101" pitchFamily="18" charset="-127"/>
+              <a:ea typeface="경기천년바탕 Regular" panose="02020503020101020101" pitchFamily="18" charset="-127"/>
+            </a:endParaRPr>
+          </a:p>
+        </p:txBody>
+      </p:sp>
+    </p:spTree>
+    <p:extLst>
+      <p:ext uri="{BB962C8B-B14F-4D97-AF65-F5344CB8AC3E}">
+        <p14:creationId xmlns:p14="http://schemas.microsoft.com/office/powerpoint/2010/main" val="2261778805"/>
       </p:ext>
     </p:extLst>
   </p:cSld>

--- a/ABneBA_Presentation.pptx
+++ b/ABneBA_Presentation.pptx
@@ -7,14 +7,16 @@
   <p:sldIdLst>
     <p:sldId id="256" r:id="rId2"/>
     <p:sldId id="257" r:id="rId3"/>
-    <p:sldId id="258" r:id="rId4"/>
-    <p:sldId id="261" r:id="rId5"/>
-    <p:sldId id="259" r:id="rId6"/>
-    <p:sldId id="262" r:id="rId7"/>
-    <p:sldId id="263" r:id="rId8"/>
-    <p:sldId id="264" r:id="rId9"/>
-    <p:sldId id="265" r:id="rId10"/>
-    <p:sldId id="260" r:id="rId11"/>
+    <p:sldId id="266" r:id="rId4"/>
+    <p:sldId id="258" r:id="rId5"/>
+    <p:sldId id="267" r:id="rId6"/>
+    <p:sldId id="261" r:id="rId7"/>
+    <p:sldId id="259" r:id="rId8"/>
+    <p:sldId id="262" r:id="rId9"/>
+    <p:sldId id="263" r:id="rId10"/>
+    <p:sldId id="264" r:id="rId11"/>
+    <p:sldId id="265" r:id="rId12"/>
+    <p:sldId id="260" r:id="rId13"/>
   </p:sldIdLst>
   <p:sldSz cx="12192000" cy="6858000"/>
   <p:notesSz cx="6858000" cy="9144000"/>
@@ -3669,6 +3671,787 @@
         </p:nvSpPr>
         <p:spPr>
           <a:xfrm>
+            <a:off x="9606146" y="409877"/>
+            <a:ext cx="1707519" cy="1015663"/>
+          </a:xfrm>
+          <a:prstGeom prst="rect">
+            <a:avLst/>
+          </a:prstGeom>
+          <a:noFill/>
+        </p:spPr>
+        <p:txBody>
+          <a:bodyPr wrap="none" rtlCol="0">
+            <a:spAutoFit/>
+          </a:bodyPr>
+          <a:lstStyle/>
+          <a:p>
+            <a:pPr algn="r"/>
+            <a:r>
+              <a:rPr lang="en-US" altLang="ko-KR" sz="6000" dirty="0">
+                <a:solidFill>
+                  <a:schemeClr val="bg1"/>
+                </a:solidFill>
+                <a:latin typeface="경기천년바탕 Bold" panose="02020803020101020101" pitchFamily="18" charset="-127"/>
+                <a:ea typeface="경기천년바탕 Bold" panose="02020803020101020101" pitchFamily="18" charset="-127"/>
+              </a:rPr>
+              <a:t>Item</a:t>
+            </a:r>
+            <a:endParaRPr lang="ko-KR" altLang="en-US" sz="6000" dirty="0">
+              <a:solidFill>
+                <a:schemeClr val="bg1"/>
+              </a:solidFill>
+              <a:latin typeface="경기천년바탕 Bold" panose="02020803020101020101" pitchFamily="18" charset="-127"/>
+              <a:ea typeface="경기천년바탕 Bold" panose="02020803020101020101" pitchFamily="18" charset="-127"/>
+            </a:endParaRPr>
+          </a:p>
+        </p:txBody>
+      </p:sp>
+      <p:sp>
+        <p:nvSpPr>
+          <p:cNvPr id="9" name="L 도형 8">
+            <a:extLst>
+              <a:ext uri="{FF2B5EF4-FFF2-40B4-BE49-F238E27FC236}">
+                <a16:creationId xmlns:a16="http://schemas.microsoft.com/office/drawing/2014/main" id="{84B1B958-581A-4B20-90C9-DF550356EE42}"/>
+              </a:ext>
+            </a:extLst>
+          </p:cNvPr>
+          <p:cNvSpPr/>
+          <p:nvPr/>
+        </p:nvSpPr>
+        <p:spPr>
+          <a:xfrm rot="10800000">
+            <a:off x="11145873" y="340996"/>
+            <a:ext cx="680318" cy="680318"/>
+          </a:xfrm>
+          <a:prstGeom prst="corner">
+            <a:avLst>
+              <a:gd name="adj1" fmla="val 10000"/>
+              <a:gd name="adj2" fmla="val 8667"/>
+            </a:avLst>
+          </a:prstGeom>
+          <a:solidFill>
+            <a:schemeClr val="accent4">
+              <a:lumMod val="20000"/>
+              <a:lumOff val="80000"/>
+            </a:schemeClr>
+          </a:solidFill>
+          <a:ln>
+            <a:noFill/>
+          </a:ln>
+        </p:spPr>
+        <p:style>
+          <a:lnRef idx="2">
+            <a:schemeClr val="accent1">
+              <a:shade val="50000"/>
+            </a:schemeClr>
+          </a:lnRef>
+          <a:fillRef idx="1">
+            <a:schemeClr val="accent1"/>
+          </a:fillRef>
+          <a:effectRef idx="0">
+            <a:schemeClr val="accent1"/>
+          </a:effectRef>
+          <a:fontRef idx="minor">
+            <a:schemeClr val="lt1"/>
+          </a:fontRef>
+        </p:style>
+        <p:txBody>
+          <a:bodyPr rtlCol="0" anchor="ctr"/>
+          <a:lstStyle/>
+          <a:p>
+            <a:pPr algn="ctr"/>
+            <a:endParaRPr lang="ko-KR" altLang="en-US"/>
+          </a:p>
+        </p:txBody>
+      </p:sp>
+      <p:pic>
+        <p:nvPicPr>
+          <p:cNvPr id="4" name="그림 3">
+            <a:extLst>
+              <a:ext uri="{FF2B5EF4-FFF2-40B4-BE49-F238E27FC236}">
+                <a16:creationId xmlns:a16="http://schemas.microsoft.com/office/drawing/2014/main" id="{2B8D24F6-E464-48E9-8180-9D474EB3C0BC}"/>
+              </a:ext>
+            </a:extLst>
+          </p:cNvPr>
+          <p:cNvPicPr>
+            <a:picLocks noChangeAspect="1"/>
+          </p:cNvPicPr>
+          <p:nvPr/>
+        </p:nvPicPr>
+        <p:blipFill>
+          <a:blip r:embed="rId2">
+            <a:extLst>
+              <a:ext uri="{28A0092B-C50C-407E-A947-70E740481C1C}">
+                <a14:useLocalDpi xmlns:a14="http://schemas.microsoft.com/office/drawing/2010/main" val="0"/>
+              </a:ext>
+            </a:extLst>
+          </a:blip>
+          <a:stretch>
+            <a:fillRect/>
+          </a:stretch>
+        </p:blipFill>
+        <p:spPr>
+          <a:xfrm>
+            <a:off x="2864452" y="2055399"/>
+            <a:ext cx="1053968" cy="1130159"/>
+          </a:xfrm>
+          <a:prstGeom prst="rect">
+            <a:avLst/>
+          </a:prstGeom>
+          <a:effectLst>
+            <a:outerShdw blurRad="50800" dist="38100" algn="l" rotWithShape="0">
+              <a:prstClr val="black">
+                <a:alpha val="40000"/>
+              </a:prstClr>
+            </a:outerShdw>
+          </a:effectLst>
+        </p:spPr>
+      </p:pic>
+      <p:pic>
+        <p:nvPicPr>
+          <p:cNvPr id="6" name="그림 5" descr="옅은이(가) 표시된 사진&#10;&#10;자동 생성된 설명">
+            <a:extLst>
+              <a:ext uri="{FF2B5EF4-FFF2-40B4-BE49-F238E27FC236}">
+                <a16:creationId xmlns:a16="http://schemas.microsoft.com/office/drawing/2014/main" id="{E3A49390-A601-4693-8484-9B10C6F83C9F}"/>
+              </a:ext>
+            </a:extLst>
+          </p:cNvPr>
+          <p:cNvPicPr>
+            <a:picLocks noChangeAspect="1"/>
+          </p:cNvPicPr>
+          <p:nvPr/>
+        </p:nvPicPr>
+        <p:blipFill>
+          <a:blip r:embed="rId3">
+            <a:extLst>
+              <a:ext uri="{28A0092B-C50C-407E-A947-70E740481C1C}">
+                <a14:useLocalDpi xmlns:a14="http://schemas.microsoft.com/office/drawing/2010/main" val="0"/>
+              </a:ext>
+            </a:extLst>
+          </a:blip>
+          <a:stretch>
+            <a:fillRect/>
+          </a:stretch>
+        </p:blipFill>
+        <p:spPr>
+          <a:xfrm>
+            <a:off x="2864452" y="4441994"/>
+            <a:ext cx="1053968" cy="1130159"/>
+          </a:xfrm>
+          <a:prstGeom prst="rect">
+            <a:avLst/>
+          </a:prstGeom>
+          <a:effectLst>
+            <a:outerShdw blurRad="50800" dist="38100" algn="l" rotWithShape="0">
+              <a:prstClr val="black">
+                <a:alpha val="40000"/>
+              </a:prstClr>
+            </a:outerShdw>
+          </a:effectLst>
+        </p:spPr>
+      </p:pic>
+      <p:pic>
+        <p:nvPicPr>
+          <p:cNvPr id="17" name="그림 16" descr="게임이(가) 표시된 사진&#10;&#10;자동 생성된 설명">
+            <a:extLst>
+              <a:ext uri="{FF2B5EF4-FFF2-40B4-BE49-F238E27FC236}">
+                <a16:creationId xmlns:a16="http://schemas.microsoft.com/office/drawing/2014/main" id="{0F50BAEE-FB7C-47EB-ABA7-3C6B7CC11BF3}"/>
+              </a:ext>
+            </a:extLst>
+          </p:cNvPr>
+          <p:cNvPicPr>
+            <a:picLocks noChangeAspect="1"/>
+          </p:cNvPicPr>
+          <p:nvPr/>
+        </p:nvPicPr>
+        <p:blipFill>
+          <a:blip r:embed="rId4">
+            <a:extLst>
+              <a:ext uri="{28A0092B-C50C-407E-A947-70E740481C1C}">
+                <a14:useLocalDpi xmlns:a14="http://schemas.microsoft.com/office/drawing/2010/main" val="0"/>
+              </a:ext>
+            </a:extLst>
+          </a:blip>
+          <a:stretch>
+            <a:fillRect/>
+          </a:stretch>
+        </p:blipFill>
+        <p:spPr>
+          <a:xfrm>
+            <a:off x="2864452" y="3185558"/>
+            <a:ext cx="1053968" cy="1130159"/>
+          </a:xfrm>
+          <a:prstGeom prst="rect">
+            <a:avLst/>
+          </a:prstGeom>
+          <a:effectLst>
+            <a:outerShdw blurRad="50800" dist="38100" algn="l" rotWithShape="0">
+              <a:prstClr val="black">
+                <a:alpha val="40000"/>
+              </a:prstClr>
+            </a:outerShdw>
+          </a:effectLst>
+        </p:spPr>
+      </p:pic>
+      <p:sp>
+        <p:nvSpPr>
+          <p:cNvPr id="18" name="TextBox 17">
+            <a:extLst>
+              <a:ext uri="{FF2B5EF4-FFF2-40B4-BE49-F238E27FC236}">
+                <a16:creationId xmlns:a16="http://schemas.microsoft.com/office/drawing/2014/main" id="{A3F3BD14-B60A-45F1-8692-9F43A08D304C}"/>
+              </a:ext>
+            </a:extLst>
+          </p:cNvPr>
+          <p:cNvSpPr txBox="1"/>
+          <p:nvPr/>
+        </p:nvSpPr>
+        <p:spPr>
+          <a:xfrm>
+            <a:off x="4154344" y="2266535"/>
+            <a:ext cx="5451802" cy="707886"/>
+          </a:xfrm>
+          <a:prstGeom prst="rect">
+            <a:avLst/>
+          </a:prstGeom>
+          <a:noFill/>
+        </p:spPr>
+        <p:txBody>
+          <a:bodyPr wrap="square" rtlCol="0">
+            <a:spAutoFit/>
+          </a:bodyPr>
+          <a:lstStyle/>
+          <a:p>
+            <a:r>
+              <a:rPr lang="en-US" altLang="ko-KR" sz="4000" dirty="0">
+                <a:solidFill>
+                  <a:schemeClr val="bg1"/>
+                </a:solidFill>
+                <a:latin typeface="경기천년바탕 Regular" panose="02020503020101020101" pitchFamily="18" charset="-127"/>
+                <a:ea typeface="경기천년바탕 Regular" panose="02020503020101020101" pitchFamily="18" charset="-127"/>
+              </a:rPr>
+              <a:t>: </a:t>
+            </a:r>
+            <a:r>
+              <a:rPr lang="ko-KR" altLang="en-US" sz="2400" dirty="0">
+                <a:solidFill>
+                  <a:schemeClr val="bg1"/>
+                </a:solidFill>
+                <a:latin typeface="경기천년바탕 Regular" panose="02020503020101020101" pitchFamily="18" charset="-127"/>
+                <a:ea typeface="경기천년바탕 Regular" panose="02020503020101020101" pitchFamily="18" charset="-127"/>
+                <a:cs typeface="Times New Roman" panose="02020603050405020304" pitchFamily="18" charset="0"/>
+              </a:rPr>
+              <a:t>섬광탄 </a:t>
+            </a:r>
+            <a:r>
+              <a:rPr lang="en-US" altLang="ko-KR" sz="2400" dirty="0">
+                <a:solidFill>
+                  <a:schemeClr val="bg1"/>
+                </a:solidFill>
+                <a:latin typeface="경기천년바탕 Regular" panose="02020503020101020101" pitchFamily="18" charset="-127"/>
+                <a:ea typeface="경기천년바탕 Regular" panose="02020503020101020101" pitchFamily="18" charset="-127"/>
+                <a:cs typeface="Times New Roman" panose="02020603050405020304" pitchFamily="18" charset="0"/>
+              </a:rPr>
+              <a:t>– </a:t>
+            </a:r>
+            <a:r>
+              <a:rPr lang="ko-KR" altLang="en-US" sz="2400" dirty="0">
+                <a:solidFill>
+                  <a:schemeClr val="bg1"/>
+                </a:solidFill>
+                <a:latin typeface="경기천년바탕 Regular" panose="02020503020101020101" pitchFamily="18" charset="-127"/>
+                <a:ea typeface="경기천년바탕 Regular" panose="02020503020101020101" pitchFamily="18" charset="-127"/>
+                <a:cs typeface="Times New Roman" panose="02020603050405020304" pitchFamily="18" charset="0"/>
+              </a:rPr>
+              <a:t>피격  적 유닛의 시야 제한</a:t>
+            </a:r>
+            <a:endParaRPr lang="ko-KR" altLang="en-US" sz="4000" dirty="0">
+              <a:solidFill>
+                <a:schemeClr val="bg1"/>
+              </a:solidFill>
+              <a:latin typeface="경기천년바탕 Regular" panose="02020503020101020101" pitchFamily="18" charset="-127"/>
+              <a:ea typeface="경기천년바탕 Regular" panose="02020503020101020101" pitchFamily="18" charset="-127"/>
+            </a:endParaRPr>
+          </a:p>
+        </p:txBody>
+      </p:sp>
+      <p:sp>
+        <p:nvSpPr>
+          <p:cNvPr id="19" name="TextBox 18">
+            <a:extLst>
+              <a:ext uri="{FF2B5EF4-FFF2-40B4-BE49-F238E27FC236}">
+                <a16:creationId xmlns:a16="http://schemas.microsoft.com/office/drawing/2014/main" id="{69F40EAE-D42F-4CFB-9B82-20DAC56FC3B9}"/>
+              </a:ext>
+            </a:extLst>
+          </p:cNvPr>
+          <p:cNvSpPr txBox="1"/>
+          <p:nvPr/>
+        </p:nvSpPr>
+        <p:spPr>
+          <a:xfrm>
+            <a:off x="4154344" y="3443843"/>
+            <a:ext cx="5451802" cy="707886"/>
+          </a:xfrm>
+          <a:prstGeom prst="rect">
+            <a:avLst/>
+          </a:prstGeom>
+          <a:noFill/>
+        </p:spPr>
+        <p:txBody>
+          <a:bodyPr wrap="square" rtlCol="0">
+            <a:spAutoFit/>
+          </a:bodyPr>
+          <a:lstStyle/>
+          <a:p>
+            <a:r>
+              <a:rPr lang="en-US" altLang="ko-KR" sz="4000" dirty="0">
+                <a:solidFill>
+                  <a:schemeClr val="bg1"/>
+                </a:solidFill>
+                <a:latin typeface="경기천년바탕 Regular" panose="02020503020101020101" pitchFamily="18" charset="-127"/>
+                <a:ea typeface="경기천년바탕 Regular" panose="02020503020101020101" pitchFamily="18" charset="-127"/>
+              </a:rPr>
+              <a:t>: </a:t>
+            </a:r>
+            <a:r>
+              <a:rPr lang="ko-KR" altLang="en-US" sz="2400" dirty="0">
+                <a:solidFill>
+                  <a:schemeClr val="bg1"/>
+                </a:solidFill>
+                <a:latin typeface="경기천년바탕 Regular" panose="02020503020101020101" pitchFamily="18" charset="-127"/>
+                <a:ea typeface="경기천년바탕 Regular" panose="02020503020101020101" pitchFamily="18" charset="-127"/>
+                <a:cs typeface="Times New Roman" panose="02020603050405020304" pitchFamily="18" charset="0"/>
+              </a:rPr>
+              <a:t>연막탄 </a:t>
+            </a:r>
+            <a:r>
+              <a:rPr lang="en-US" altLang="ko-KR" sz="2400" dirty="0">
+                <a:solidFill>
+                  <a:schemeClr val="bg1"/>
+                </a:solidFill>
+                <a:latin typeface="경기천년바탕 Regular" panose="02020503020101020101" pitchFamily="18" charset="-127"/>
+                <a:ea typeface="경기천년바탕 Regular" panose="02020503020101020101" pitchFamily="18" charset="-127"/>
+                <a:cs typeface="Times New Roman" panose="02020603050405020304" pitchFamily="18" charset="0"/>
+              </a:rPr>
+              <a:t>– </a:t>
+            </a:r>
+            <a:r>
+              <a:rPr lang="ko-KR" altLang="en-US" sz="2400" dirty="0">
+                <a:solidFill>
+                  <a:schemeClr val="bg1"/>
+                </a:solidFill>
+                <a:latin typeface="경기천년바탕 Regular" panose="02020503020101020101" pitchFamily="18" charset="-127"/>
+                <a:ea typeface="경기천년바탕 Regular" panose="02020503020101020101" pitchFamily="18" charset="-127"/>
+                <a:cs typeface="Times New Roman" panose="02020603050405020304" pitchFamily="18" charset="0"/>
+              </a:rPr>
+              <a:t>피격 범위 내 유닛의 시야 제한</a:t>
+            </a:r>
+            <a:r>
+              <a:rPr lang="en-US" altLang="ko-KR" sz="2400" dirty="0">
+                <a:solidFill>
+                  <a:schemeClr val="bg1"/>
+                </a:solidFill>
+                <a:latin typeface="경기천년바탕 Regular" panose="02020503020101020101" pitchFamily="18" charset="-127"/>
+                <a:ea typeface="경기천년바탕 Regular" panose="02020503020101020101" pitchFamily="18" charset="-127"/>
+                <a:cs typeface="Times New Roman" panose="02020603050405020304" pitchFamily="18" charset="0"/>
+              </a:rPr>
+              <a:t>  </a:t>
+            </a:r>
+            <a:endParaRPr lang="ko-KR" altLang="en-US" sz="4000" dirty="0">
+              <a:solidFill>
+                <a:schemeClr val="bg1"/>
+              </a:solidFill>
+              <a:latin typeface="경기천년바탕 Regular" panose="02020503020101020101" pitchFamily="18" charset="-127"/>
+              <a:ea typeface="경기천년바탕 Regular" panose="02020503020101020101" pitchFamily="18" charset="-127"/>
+            </a:endParaRPr>
+          </a:p>
+        </p:txBody>
+      </p:sp>
+      <p:sp>
+        <p:nvSpPr>
+          <p:cNvPr id="20" name="TextBox 19">
+            <a:extLst>
+              <a:ext uri="{FF2B5EF4-FFF2-40B4-BE49-F238E27FC236}">
+                <a16:creationId xmlns:a16="http://schemas.microsoft.com/office/drawing/2014/main" id="{DC03AA0E-28A2-40C9-A6A8-BF867CB23A63}"/>
+              </a:ext>
+            </a:extLst>
+          </p:cNvPr>
+          <p:cNvSpPr txBox="1"/>
+          <p:nvPr/>
+        </p:nvSpPr>
+        <p:spPr>
+          <a:xfrm>
+            <a:off x="4154345" y="4621151"/>
+            <a:ext cx="4398961" cy="707886"/>
+          </a:xfrm>
+          <a:prstGeom prst="rect">
+            <a:avLst/>
+          </a:prstGeom>
+          <a:noFill/>
+        </p:spPr>
+        <p:txBody>
+          <a:bodyPr wrap="none" rtlCol="0">
+            <a:spAutoFit/>
+          </a:bodyPr>
+          <a:lstStyle/>
+          <a:p>
+            <a:r>
+              <a:rPr lang="en-US" altLang="ko-KR" sz="4000" dirty="0">
+                <a:solidFill>
+                  <a:schemeClr val="bg1"/>
+                </a:solidFill>
+                <a:latin typeface="경기천년바탕 Regular" panose="02020503020101020101" pitchFamily="18" charset="-127"/>
+                <a:ea typeface="경기천년바탕 Regular" panose="02020503020101020101" pitchFamily="18" charset="-127"/>
+              </a:rPr>
+              <a:t>: </a:t>
+            </a:r>
+            <a:r>
+              <a:rPr lang="ko-KR" altLang="en-US" sz="2400" dirty="0">
+                <a:solidFill>
+                  <a:schemeClr val="bg1"/>
+                </a:solidFill>
+                <a:latin typeface="경기천년바탕 Regular" panose="02020503020101020101" pitchFamily="18" charset="-127"/>
+                <a:ea typeface="경기천년바탕 Regular" panose="02020503020101020101" pitchFamily="18" charset="-127"/>
+                <a:cs typeface="Times New Roman" panose="02020603050405020304" pitchFamily="18" charset="0"/>
+              </a:rPr>
+              <a:t>수류탄 </a:t>
+            </a:r>
+            <a:r>
+              <a:rPr lang="en-US" altLang="ko-KR" sz="2400" dirty="0">
+                <a:solidFill>
+                  <a:schemeClr val="bg1"/>
+                </a:solidFill>
+                <a:latin typeface="경기천년바탕 Regular" panose="02020503020101020101" pitchFamily="18" charset="-127"/>
+                <a:ea typeface="경기천년바탕 Regular" panose="02020503020101020101" pitchFamily="18" charset="-127"/>
+                <a:cs typeface="Times New Roman" panose="02020603050405020304" pitchFamily="18" charset="0"/>
+              </a:rPr>
+              <a:t>– </a:t>
+            </a:r>
+            <a:r>
+              <a:rPr lang="ko-KR" altLang="en-US" sz="2400" dirty="0">
+                <a:solidFill>
+                  <a:schemeClr val="bg1"/>
+                </a:solidFill>
+                <a:latin typeface="경기천년바탕 Regular" panose="02020503020101020101" pitchFamily="18" charset="-127"/>
+                <a:ea typeface="경기천년바탕 Regular" panose="02020503020101020101" pitchFamily="18" charset="-127"/>
+                <a:cs typeface="Times New Roman" panose="02020603050405020304" pitchFamily="18" charset="0"/>
+              </a:rPr>
+              <a:t>피격 적 유닛에 데미지</a:t>
+            </a:r>
+            <a:endParaRPr lang="ko-KR" altLang="en-US" sz="4000" dirty="0">
+              <a:solidFill>
+                <a:schemeClr val="bg1"/>
+              </a:solidFill>
+              <a:latin typeface="경기천년바탕 Regular" panose="02020503020101020101" pitchFamily="18" charset="-127"/>
+              <a:ea typeface="경기천년바탕 Regular" panose="02020503020101020101" pitchFamily="18" charset="-127"/>
+            </a:endParaRPr>
+          </a:p>
+        </p:txBody>
+      </p:sp>
+    </p:spTree>
+    <p:extLst>
+      <p:ext uri="{BB962C8B-B14F-4D97-AF65-F5344CB8AC3E}">
+        <p14:creationId xmlns:p14="http://schemas.microsoft.com/office/powerpoint/2010/main" val="2590619000"/>
+      </p:ext>
+    </p:extLst>
+  </p:cSld>
+  <p:clrMapOvr>
+    <a:masterClrMapping/>
+  </p:clrMapOvr>
+</p:sld>
+</file>
+
+<file path=ppt/slides/slide11.xml><?xml version="1.0" encoding="utf-8"?>
+<p:sld xmlns:a="http://schemas.openxmlformats.org/drawingml/2006/main" xmlns:r="http://schemas.openxmlformats.org/officeDocument/2006/relationships" xmlns:p="http://schemas.openxmlformats.org/presentationml/2006/main">
+  <p:cSld>
+    <p:spTree>
+      <p:nvGrpSpPr>
+        <p:cNvPr id="1" name=""/>
+        <p:cNvGrpSpPr/>
+        <p:nvPr/>
+      </p:nvGrpSpPr>
+      <p:grpSpPr>
+        <a:xfrm>
+          <a:off x="0" y="0"/>
+          <a:ext cx="0" cy="0"/>
+          <a:chOff x="0" y="0"/>
+          <a:chExt cx="0" cy="0"/>
+        </a:xfrm>
+      </p:grpSpPr>
+      <p:sp>
+        <p:nvSpPr>
+          <p:cNvPr id="3" name="TextBox 2">
+            <a:extLst>
+              <a:ext uri="{FF2B5EF4-FFF2-40B4-BE49-F238E27FC236}">
+                <a16:creationId xmlns:a16="http://schemas.microsoft.com/office/drawing/2014/main" id="{54864A9D-4DB4-48B5-8888-6B62293FB5B2}"/>
+              </a:ext>
+            </a:extLst>
+          </p:cNvPr>
+          <p:cNvSpPr txBox="1"/>
+          <p:nvPr/>
+        </p:nvSpPr>
+        <p:spPr>
+          <a:xfrm>
+            <a:off x="9606146" y="409877"/>
+            <a:ext cx="1707519" cy="1015663"/>
+          </a:xfrm>
+          <a:prstGeom prst="rect">
+            <a:avLst/>
+          </a:prstGeom>
+          <a:noFill/>
+        </p:spPr>
+        <p:txBody>
+          <a:bodyPr wrap="none" rtlCol="0">
+            <a:spAutoFit/>
+          </a:bodyPr>
+          <a:lstStyle/>
+          <a:p>
+            <a:pPr algn="r"/>
+            <a:r>
+              <a:rPr lang="en-US" altLang="ko-KR" sz="6000" dirty="0">
+                <a:solidFill>
+                  <a:schemeClr val="bg1"/>
+                </a:solidFill>
+                <a:latin typeface="경기천년바탕 Bold" panose="02020803020101020101" pitchFamily="18" charset="-127"/>
+                <a:ea typeface="경기천년바탕 Bold" panose="02020803020101020101" pitchFamily="18" charset="-127"/>
+              </a:rPr>
+              <a:t>Item</a:t>
+            </a:r>
+            <a:endParaRPr lang="ko-KR" altLang="en-US" sz="6000" dirty="0">
+              <a:solidFill>
+                <a:schemeClr val="bg1"/>
+              </a:solidFill>
+              <a:latin typeface="경기천년바탕 Bold" panose="02020803020101020101" pitchFamily="18" charset="-127"/>
+              <a:ea typeface="경기천년바탕 Bold" panose="02020803020101020101" pitchFamily="18" charset="-127"/>
+            </a:endParaRPr>
+          </a:p>
+        </p:txBody>
+      </p:sp>
+      <p:sp>
+        <p:nvSpPr>
+          <p:cNvPr id="9" name="L 도형 8">
+            <a:extLst>
+              <a:ext uri="{FF2B5EF4-FFF2-40B4-BE49-F238E27FC236}">
+                <a16:creationId xmlns:a16="http://schemas.microsoft.com/office/drawing/2014/main" id="{84B1B958-581A-4B20-90C9-DF550356EE42}"/>
+              </a:ext>
+            </a:extLst>
+          </p:cNvPr>
+          <p:cNvSpPr/>
+          <p:nvPr/>
+        </p:nvSpPr>
+        <p:spPr>
+          <a:xfrm rot="10800000">
+            <a:off x="11145873" y="340996"/>
+            <a:ext cx="680318" cy="680318"/>
+          </a:xfrm>
+          <a:prstGeom prst="corner">
+            <a:avLst>
+              <a:gd name="adj1" fmla="val 10000"/>
+              <a:gd name="adj2" fmla="val 8667"/>
+            </a:avLst>
+          </a:prstGeom>
+          <a:solidFill>
+            <a:schemeClr val="accent4">
+              <a:lumMod val="20000"/>
+              <a:lumOff val="80000"/>
+            </a:schemeClr>
+          </a:solidFill>
+          <a:ln>
+            <a:noFill/>
+          </a:ln>
+        </p:spPr>
+        <p:style>
+          <a:lnRef idx="2">
+            <a:schemeClr val="accent1">
+              <a:shade val="50000"/>
+            </a:schemeClr>
+          </a:lnRef>
+          <a:fillRef idx="1">
+            <a:schemeClr val="accent1"/>
+          </a:fillRef>
+          <a:effectRef idx="0">
+            <a:schemeClr val="accent1"/>
+          </a:effectRef>
+          <a:fontRef idx="minor">
+            <a:schemeClr val="lt1"/>
+          </a:fontRef>
+        </p:style>
+        <p:txBody>
+          <a:bodyPr rtlCol="0" anchor="ctr"/>
+          <a:lstStyle/>
+          <a:p>
+            <a:pPr algn="ctr"/>
+            <a:endParaRPr lang="ko-KR" altLang="en-US"/>
+          </a:p>
+        </p:txBody>
+      </p:sp>
+      <p:pic>
+        <p:nvPicPr>
+          <p:cNvPr id="10" name="그림 9">
+            <a:extLst>
+              <a:ext uri="{FF2B5EF4-FFF2-40B4-BE49-F238E27FC236}">
+                <a16:creationId xmlns:a16="http://schemas.microsoft.com/office/drawing/2014/main" id="{B7B00ED8-8226-477E-9209-AE49381139BA}"/>
+              </a:ext>
+            </a:extLst>
+          </p:cNvPr>
+          <p:cNvPicPr>
+            <a:picLocks noChangeAspect="1"/>
+          </p:cNvPicPr>
+          <p:nvPr/>
+        </p:nvPicPr>
+        <p:blipFill>
+          <a:blip r:embed="rId2">
+            <a:extLst>
+              <a:ext uri="{28A0092B-C50C-407E-A947-70E740481C1C}">
+                <a14:useLocalDpi xmlns:a14="http://schemas.microsoft.com/office/drawing/2010/main" val="0"/>
+              </a:ext>
+            </a:extLst>
+          </a:blip>
+          <a:stretch>
+            <a:fillRect/>
+          </a:stretch>
+        </p:blipFill>
+        <p:spPr>
+          <a:xfrm>
+            <a:off x="3767238" y="3225685"/>
+            <a:ext cx="1307936" cy="888889"/>
+          </a:xfrm>
+          <a:prstGeom prst="rect">
+            <a:avLst/>
+          </a:prstGeom>
+          <a:effectLst>
+            <a:outerShdw blurRad="50800" dist="38100" algn="l" rotWithShape="0">
+              <a:prstClr val="black">
+                <a:alpha val="40000"/>
+              </a:prstClr>
+            </a:outerShdw>
+          </a:effectLst>
+        </p:spPr>
+      </p:pic>
+      <p:sp>
+        <p:nvSpPr>
+          <p:cNvPr id="18" name="TextBox 17">
+            <a:extLst>
+              <a:ext uri="{FF2B5EF4-FFF2-40B4-BE49-F238E27FC236}">
+                <a16:creationId xmlns:a16="http://schemas.microsoft.com/office/drawing/2014/main" id="{A3F3BD14-B60A-45F1-8692-9F43A08D304C}"/>
+              </a:ext>
+            </a:extLst>
+          </p:cNvPr>
+          <p:cNvSpPr txBox="1"/>
+          <p:nvPr/>
+        </p:nvSpPr>
+        <p:spPr>
+          <a:xfrm>
+            <a:off x="5184114" y="3161685"/>
+            <a:ext cx="5451802" cy="707886"/>
+          </a:xfrm>
+          <a:prstGeom prst="rect">
+            <a:avLst/>
+          </a:prstGeom>
+          <a:noFill/>
+        </p:spPr>
+        <p:txBody>
+          <a:bodyPr wrap="square" rtlCol="0">
+            <a:spAutoFit/>
+          </a:bodyPr>
+          <a:lstStyle/>
+          <a:p>
+            <a:r>
+              <a:rPr lang="en-US" altLang="ko-KR" sz="4000" dirty="0">
+                <a:solidFill>
+                  <a:schemeClr val="bg1"/>
+                </a:solidFill>
+                <a:latin typeface="경기천년바탕 Regular" panose="02020503020101020101" pitchFamily="18" charset="-127"/>
+                <a:ea typeface="경기천년바탕 Regular" panose="02020503020101020101" pitchFamily="18" charset="-127"/>
+              </a:rPr>
+              <a:t>: </a:t>
+            </a:r>
+            <a:r>
+              <a:rPr lang="ko-KR" altLang="en-US" sz="2400" dirty="0">
+                <a:solidFill>
+                  <a:schemeClr val="bg1"/>
+                </a:solidFill>
+                <a:latin typeface="경기천년바탕 Regular" panose="02020503020101020101" pitchFamily="18" charset="-127"/>
+                <a:ea typeface="경기천년바탕 Regular" panose="02020503020101020101" pitchFamily="18" charset="-127"/>
+                <a:cs typeface="Times New Roman" panose="02020603050405020304" pitchFamily="18" charset="0"/>
+              </a:rPr>
+              <a:t>권총 </a:t>
+            </a:r>
+            <a:r>
+              <a:rPr lang="en-US" altLang="ko-KR" sz="2400" dirty="0">
+                <a:solidFill>
+                  <a:schemeClr val="bg1"/>
+                </a:solidFill>
+                <a:latin typeface="경기천년바탕 Regular" panose="02020503020101020101" pitchFamily="18" charset="-127"/>
+                <a:ea typeface="경기천년바탕 Regular" panose="02020503020101020101" pitchFamily="18" charset="-127"/>
+                <a:cs typeface="Times New Roman" panose="02020603050405020304" pitchFamily="18" charset="0"/>
+              </a:rPr>
+              <a:t>– </a:t>
+            </a:r>
+            <a:r>
+              <a:rPr lang="ko-KR" altLang="en-US" sz="2400" dirty="0" err="1">
+                <a:solidFill>
+                  <a:schemeClr val="bg1"/>
+                </a:solidFill>
+                <a:latin typeface="경기천년바탕 Regular" panose="02020503020101020101" pitchFamily="18" charset="-127"/>
+                <a:ea typeface="경기천년바탕 Regular" panose="02020503020101020101" pitchFamily="18" charset="-127"/>
+                <a:cs typeface="Times New Roman" panose="02020603050405020304" pitchFamily="18" charset="0"/>
+              </a:rPr>
+              <a:t>어쩌구저쩌구</a:t>
+            </a:r>
+            <a:endParaRPr lang="ko-KR" altLang="en-US" sz="4000" dirty="0">
+              <a:solidFill>
+                <a:schemeClr val="bg1"/>
+              </a:solidFill>
+              <a:latin typeface="경기천년바탕 Regular" panose="02020503020101020101" pitchFamily="18" charset="-127"/>
+              <a:ea typeface="경기천년바탕 Regular" panose="02020503020101020101" pitchFamily="18" charset="-127"/>
+            </a:endParaRPr>
+          </a:p>
+        </p:txBody>
+      </p:sp>
+    </p:spTree>
+    <p:extLst>
+      <p:ext uri="{BB962C8B-B14F-4D97-AF65-F5344CB8AC3E}">
+        <p14:creationId xmlns:p14="http://schemas.microsoft.com/office/powerpoint/2010/main" val="2261778805"/>
+      </p:ext>
+    </p:extLst>
+  </p:cSld>
+  <p:clrMapOvr>
+    <a:masterClrMapping/>
+  </p:clrMapOvr>
+</p:sld>
+</file>
+
+<file path=ppt/slides/slide12.xml><?xml version="1.0" encoding="utf-8"?>
+<p:sld xmlns:a="http://schemas.openxmlformats.org/drawingml/2006/main" xmlns:r="http://schemas.openxmlformats.org/officeDocument/2006/relationships" xmlns:p="http://schemas.openxmlformats.org/presentationml/2006/main">
+  <p:cSld>
+    <p:spTree>
+      <p:nvGrpSpPr>
+        <p:cNvPr id="1" name=""/>
+        <p:cNvGrpSpPr/>
+        <p:nvPr/>
+      </p:nvGrpSpPr>
+      <p:grpSpPr>
+        <a:xfrm>
+          <a:off x="0" y="0"/>
+          <a:ext cx="0" cy="0"/>
+          <a:chOff x="0" y="0"/>
+          <a:chExt cx="0" cy="0"/>
+        </a:xfrm>
+      </p:grpSpPr>
+      <p:sp>
+        <p:nvSpPr>
+          <p:cNvPr id="3" name="TextBox 2">
+            <a:extLst>
+              <a:ext uri="{FF2B5EF4-FFF2-40B4-BE49-F238E27FC236}">
+                <a16:creationId xmlns:a16="http://schemas.microsoft.com/office/drawing/2014/main" id="{54864A9D-4DB4-48B5-8888-6B62293FB5B2}"/>
+              </a:ext>
+            </a:extLst>
+          </p:cNvPr>
+          <p:cNvSpPr txBox="1"/>
+          <p:nvPr/>
+        </p:nvSpPr>
+        <p:spPr>
+          <a:xfrm>
             <a:off x="9228661" y="690880"/>
             <a:ext cx="1449499" cy="1323439"/>
           </a:xfrm>
@@ -4041,118 +4824,10 @@
       </p:grpSpPr>
       <p:sp>
         <p:nvSpPr>
-          <p:cNvPr id="3" name="TextBox 2">
-            <a:extLst>
-              <a:ext uri="{FF2B5EF4-FFF2-40B4-BE49-F238E27FC236}">
-                <a16:creationId xmlns:a16="http://schemas.microsoft.com/office/drawing/2014/main" id="{54864A9D-4DB4-48B5-8888-6B62293FB5B2}"/>
-              </a:ext>
-            </a:extLst>
-          </p:cNvPr>
-          <p:cNvSpPr txBox="1"/>
-          <p:nvPr/>
-        </p:nvSpPr>
-        <p:spPr>
-          <a:xfrm>
-            <a:off x="8816753" y="690880"/>
-            <a:ext cx="1861407" cy="1323439"/>
-          </a:xfrm>
-          <a:prstGeom prst="rect">
-            <a:avLst/>
-          </a:prstGeom>
-          <a:noFill/>
-        </p:spPr>
-        <p:txBody>
-          <a:bodyPr wrap="none" rtlCol="0">
-            <a:spAutoFit/>
-          </a:bodyPr>
-          <a:lstStyle/>
-          <a:p>
-            <a:pPr algn="r"/>
-            <a:r>
-              <a:rPr lang="en-US" altLang="ko-KR" sz="4000" dirty="0">
-                <a:solidFill>
-                  <a:schemeClr val="bg1"/>
-                </a:solidFill>
-                <a:latin typeface="경기천년바탕 Bold" panose="02020803020101020101" pitchFamily="18" charset="-127"/>
-                <a:ea typeface="경기천년바탕 Bold" panose="02020803020101020101" pitchFamily="18" charset="-127"/>
-              </a:rPr>
-              <a:t>About</a:t>
-            </a:r>
-          </a:p>
-          <a:p>
-            <a:pPr algn="r"/>
-            <a:r>
-              <a:rPr lang="en-US" altLang="ko-KR" sz="4000" dirty="0">
-                <a:solidFill>
-                  <a:schemeClr val="bg1"/>
-                </a:solidFill>
-                <a:latin typeface="경기천년바탕 Bold" panose="02020803020101020101" pitchFamily="18" charset="-127"/>
-                <a:ea typeface="경기천년바탕 Bold" panose="02020803020101020101" pitchFamily="18" charset="-127"/>
-              </a:rPr>
-              <a:t>Service</a:t>
-            </a:r>
-            <a:endParaRPr lang="ko-KR" altLang="en-US" sz="4000" dirty="0">
-              <a:solidFill>
-                <a:schemeClr val="bg1"/>
-              </a:solidFill>
-              <a:latin typeface="경기천년바탕 Bold" panose="02020803020101020101" pitchFamily="18" charset="-127"/>
-              <a:ea typeface="경기천년바탕 Bold" panose="02020803020101020101" pitchFamily="18" charset="-127"/>
-            </a:endParaRPr>
-          </a:p>
-        </p:txBody>
-      </p:sp>
-      <p:cxnSp>
-        <p:nvCxnSpPr>
-          <p:cNvPr id="7" name="직선 연결선 6">
-            <a:extLst>
-              <a:ext uri="{FF2B5EF4-FFF2-40B4-BE49-F238E27FC236}">
-                <a16:creationId xmlns:a16="http://schemas.microsoft.com/office/drawing/2014/main" id="{B2227533-9D88-454D-AC67-D68053A27CD7}"/>
-              </a:ext>
-            </a:extLst>
-          </p:cNvPr>
-          <p:cNvCxnSpPr>
-            <a:cxnSpLocks/>
-          </p:cNvCxnSpPr>
-          <p:nvPr/>
-        </p:nvCxnSpPr>
-        <p:spPr>
-          <a:xfrm>
-            <a:off x="10769600" y="690880"/>
-            <a:ext cx="0" cy="1361440"/>
-          </a:xfrm>
-          <a:prstGeom prst="line">
-            <a:avLst/>
-          </a:prstGeom>
-          <a:ln w="28575">
-            <a:solidFill>
-              <a:schemeClr val="accent4">
-                <a:lumMod val="20000"/>
-                <a:lumOff val="80000"/>
-              </a:schemeClr>
-            </a:solidFill>
-          </a:ln>
-        </p:spPr>
-        <p:style>
-          <a:lnRef idx="1">
-            <a:schemeClr val="accent1"/>
-          </a:lnRef>
-          <a:fillRef idx="0">
-            <a:schemeClr val="accent1"/>
-          </a:fillRef>
-          <a:effectRef idx="0">
-            <a:schemeClr val="accent1"/>
-          </a:effectRef>
-          <a:fontRef idx="minor">
-            <a:schemeClr val="tx1"/>
-          </a:fontRef>
-        </p:style>
-      </p:cxnSp>
-      <p:sp>
-        <p:nvSpPr>
-          <p:cNvPr id="8" name="직사각형 7">
-            <a:extLst>
-              <a:ext uri="{FF2B5EF4-FFF2-40B4-BE49-F238E27FC236}">
-                <a16:creationId xmlns:a16="http://schemas.microsoft.com/office/drawing/2014/main" id="{7DEB157B-44B9-4EE4-953D-C895E6E13DBB}"/>
+          <p:cNvPr id="2" name="직사각형 1">
+            <a:extLst>
+              <a:ext uri="{FF2B5EF4-FFF2-40B4-BE49-F238E27FC236}">
+                <a16:creationId xmlns:a16="http://schemas.microsoft.com/office/drawing/2014/main" id="{6323164C-9256-4D75-84A9-D40A65BE6D60}"/>
               </a:ext>
             </a:extLst>
           </p:cNvPr>
@@ -4161,8 +4836,8 @@
         </p:nvSpPr>
         <p:spPr>
           <a:xfrm>
-            <a:off x="0" y="0"/>
-            <a:ext cx="4307836" cy="6858000"/>
+            <a:off x="0" y="1514764"/>
+            <a:ext cx="12192000" cy="5343236"/>
           </a:xfrm>
           <a:prstGeom prst="rect">
             <a:avLst/>
@@ -4197,14 +4872,56 @@
           <a:lstStyle/>
           <a:p>
             <a:pPr algn="ctr"/>
-            <a:endParaRPr lang="ko-KR" altLang="en-US"/>
+            <a:endParaRPr lang="ko-KR" altLang="en-US" dirty="0"/>
+          </a:p>
+        </p:txBody>
+      </p:sp>
+      <p:sp>
+        <p:nvSpPr>
+          <p:cNvPr id="3" name="TextBox 2">
+            <a:extLst>
+              <a:ext uri="{FF2B5EF4-FFF2-40B4-BE49-F238E27FC236}">
+                <a16:creationId xmlns:a16="http://schemas.microsoft.com/office/drawing/2014/main" id="{EADA109E-75E8-4233-9622-88615CD66F17}"/>
+              </a:ext>
+            </a:extLst>
+          </p:cNvPr>
+          <p:cNvSpPr txBox="1"/>
+          <p:nvPr/>
+        </p:nvSpPr>
+        <p:spPr>
+          <a:xfrm>
+            <a:off x="831272" y="2013527"/>
+            <a:ext cx="646331" cy="923330"/>
+          </a:xfrm>
+          <a:prstGeom prst="rect">
+            <a:avLst/>
+          </a:prstGeom>
+          <a:noFill/>
+        </p:spPr>
+        <p:txBody>
+          <a:bodyPr wrap="none" rtlCol="0">
+            <a:spAutoFit/>
+          </a:bodyPr>
+          <a:lstStyle/>
+          <a:p>
+            <a:r>
+              <a:rPr lang="ko-KR" altLang="en-US" dirty="0"/>
+              <a:t>배경</a:t>
+            </a:r>
+            <a:endParaRPr lang="en-US" altLang="ko-KR" dirty="0"/>
+          </a:p>
+          <a:p>
+            <a:endParaRPr lang="en-US" altLang="ko-KR" dirty="0"/>
+          </a:p>
+          <a:p>
+            <a:endParaRPr lang="ko-KR" altLang="en-US" dirty="0"/>
           </a:p>
         </p:txBody>
       </p:sp>
     </p:spTree>
     <p:extLst>
       <p:ext uri="{BB962C8B-B14F-4D97-AF65-F5344CB8AC3E}">
-        <p14:creationId xmlns:p14="http://schemas.microsoft.com/office/powerpoint/2010/main" val="2863498691"/>
+        <p14:creationId xmlns:p14="http://schemas.microsoft.com/office/powerpoint/2010/main" val="2142321764"/>
       </p:ext>
     </p:extLst>
   </p:cSld>
@@ -4245,8 +4962,8 @@
         </p:nvSpPr>
         <p:spPr>
           <a:xfrm>
-            <a:off x="8779435" y="690880"/>
-            <a:ext cx="1898725" cy="1323439"/>
+            <a:off x="8816753" y="690880"/>
+            <a:ext cx="1861407" cy="1323439"/>
           </a:xfrm>
           <a:prstGeom prst="rect">
             <a:avLst/>
@@ -4268,7 +4985,7 @@
                 <a:latin typeface="경기천년바탕 Bold" panose="02020803020101020101" pitchFamily="18" charset="-127"/>
                 <a:ea typeface="경기천년바탕 Bold" panose="02020803020101020101" pitchFamily="18" charset="-127"/>
               </a:rPr>
-              <a:t>AI</a:t>
+              <a:t>About</a:t>
             </a:r>
           </a:p>
           <a:p>
@@ -4281,7 +4998,7 @@
                 <a:latin typeface="경기천년바탕 Bold" panose="02020803020101020101" pitchFamily="18" charset="-127"/>
                 <a:ea typeface="경기천년바탕 Bold" panose="02020803020101020101" pitchFamily="18" charset="-127"/>
               </a:rPr>
-              <a:t>Feature</a:t>
+              <a:t>Service</a:t>
             </a:r>
             <a:endParaRPr lang="ko-KR" altLang="en-US" sz="4000" dirty="0">
               <a:solidFill>
@@ -4396,7 +5113,7 @@
     </p:spTree>
     <p:extLst>
       <p:ext uri="{BB962C8B-B14F-4D97-AF65-F5344CB8AC3E}">
-        <p14:creationId xmlns:p14="http://schemas.microsoft.com/office/powerpoint/2010/main" val="989949219"/>
+        <p14:creationId xmlns:p14="http://schemas.microsoft.com/office/powerpoint/2010/main" val="2863498691"/>
       </p:ext>
     </p:extLst>
   </p:cSld>
@@ -4428,7 +5145,7 @@
           <p:cNvPr id="2" name="직사각형 1">
             <a:extLst>
               <a:ext uri="{FF2B5EF4-FFF2-40B4-BE49-F238E27FC236}">
-                <a16:creationId xmlns:a16="http://schemas.microsoft.com/office/drawing/2014/main" id="{A03741BF-0ED7-41AD-87A2-95631D18B70A}"/>
+                <a16:creationId xmlns:a16="http://schemas.microsoft.com/office/drawing/2014/main" id="{6323164C-9256-4D75-84A9-D40A65BE6D60}"/>
               </a:ext>
             </a:extLst>
           </p:cNvPr>
@@ -4437,19 +5154,19 @@
         </p:nvSpPr>
         <p:spPr>
           <a:xfrm>
-            <a:off x="955035" y="642218"/>
-            <a:ext cx="3177535" cy="6045200"/>
+            <a:off x="0" y="1514764"/>
+            <a:ext cx="12192000" cy="5343236"/>
           </a:xfrm>
           <a:prstGeom prst="rect">
             <a:avLst/>
           </a:prstGeom>
           <a:solidFill>
-            <a:schemeClr val="tx1">
-              <a:alpha val="44000"/>
-            </a:schemeClr>
+            <a:schemeClr val="bg1"/>
           </a:solidFill>
           <a:ln>
-            <a:noFill/>
+            <a:solidFill>
+              <a:schemeClr val="tx1"/>
+            </a:solidFill>
           </a:ln>
         </p:spPr>
         <p:style>
@@ -4482,7 +5199,7 @@
           <p:cNvPr id="3" name="TextBox 2">
             <a:extLst>
               <a:ext uri="{FF2B5EF4-FFF2-40B4-BE49-F238E27FC236}">
-                <a16:creationId xmlns:a16="http://schemas.microsoft.com/office/drawing/2014/main" id="{54864A9D-4DB4-48B5-8888-6B62293FB5B2}"/>
+                <a16:creationId xmlns:a16="http://schemas.microsoft.com/office/drawing/2014/main" id="{EADA109E-75E8-4233-9622-88615CD66F17}"/>
               </a:ext>
             </a:extLst>
           </p:cNvPr>
@@ -4491,8 +5208,8 @@
         </p:nvSpPr>
         <p:spPr>
           <a:xfrm>
-            <a:off x="7674957" y="642218"/>
-            <a:ext cx="2977803" cy="707886"/>
+            <a:off x="831272" y="2013527"/>
+            <a:ext cx="5870518" cy="1754326"/>
           </a:xfrm>
           <a:prstGeom prst="rect">
             <a:avLst/>
@@ -4505,493 +5222,115 @@
           </a:bodyPr>
           <a:lstStyle/>
           <a:p>
-            <a:pPr algn="r"/>
-            <a:r>
-              <a:rPr lang="en-US" altLang="ko-KR" sz="4000" dirty="0">
-                <a:solidFill>
-                  <a:schemeClr val="bg1"/>
-                </a:solidFill>
-                <a:latin typeface="경기천년바탕 Bold" panose="02020803020101020101" pitchFamily="18" charset="-127"/>
-                <a:ea typeface="경기천년바탕 Bold" panose="02020803020101020101" pitchFamily="18" charset="-127"/>
-              </a:rPr>
-              <a:t>Components</a:t>
-            </a:r>
-            <a:endParaRPr lang="ko-KR" altLang="en-US" sz="4000" dirty="0">
-              <a:solidFill>
-                <a:schemeClr val="bg1"/>
-              </a:solidFill>
-              <a:latin typeface="경기천년바탕 Bold" panose="02020803020101020101" pitchFamily="18" charset="-127"/>
-              <a:ea typeface="경기천년바탕 Bold" panose="02020803020101020101" pitchFamily="18" charset="-127"/>
-            </a:endParaRPr>
-          </a:p>
-        </p:txBody>
-      </p:sp>
-      <p:cxnSp>
-        <p:nvCxnSpPr>
-          <p:cNvPr id="7" name="직선 연결선 6">
-            <a:extLst>
-              <a:ext uri="{FF2B5EF4-FFF2-40B4-BE49-F238E27FC236}">
-                <a16:creationId xmlns:a16="http://schemas.microsoft.com/office/drawing/2014/main" id="{B2227533-9D88-454D-AC67-D68053A27CD7}"/>
-              </a:ext>
-            </a:extLst>
-          </p:cNvPr>
-          <p:cNvCxnSpPr>
-            <a:cxnSpLocks/>
-          </p:cNvCxnSpPr>
-          <p:nvPr/>
-        </p:nvCxnSpPr>
-        <p:spPr>
-          <a:xfrm>
-            <a:off x="10769600" y="690880"/>
-            <a:ext cx="0" cy="707886"/>
-          </a:xfrm>
-          <a:prstGeom prst="line">
-            <a:avLst/>
-          </a:prstGeom>
-          <a:ln w="28575">
-            <a:solidFill>
-              <a:schemeClr val="accent4">
-                <a:lumMod val="20000"/>
-                <a:lumOff val="80000"/>
-              </a:schemeClr>
-            </a:solidFill>
-          </a:ln>
-        </p:spPr>
-        <p:style>
-          <a:lnRef idx="1">
-            <a:schemeClr val="accent1"/>
-          </a:lnRef>
-          <a:fillRef idx="0">
-            <a:schemeClr val="accent1"/>
-          </a:fillRef>
-          <a:effectRef idx="0">
-            <a:schemeClr val="accent1"/>
-          </a:effectRef>
-          <a:fontRef idx="minor">
-            <a:schemeClr val="tx1"/>
-          </a:fontRef>
-        </p:style>
-      </p:cxnSp>
-      <p:sp>
-        <p:nvSpPr>
-          <p:cNvPr id="8" name="직사각형 7">
-            <a:extLst>
-              <a:ext uri="{FF2B5EF4-FFF2-40B4-BE49-F238E27FC236}">
-                <a16:creationId xmlns:a16="http://schemas.microsoft.com/office/drawing/2014/main" id="{7DEB157B-44B9-4EE4-953D-C895E6E13DBB}"/>
-              </a:ext>
-            </a:extLst>
-          </p:cNvPr>
-          <p:cNvSpPr/>
-          <p:nvPr/>
-        </p:nvSpPr>
-        <p:spPr>
-          <a:xfrm>
-            <a:off x="-375910" y="-254000"/>
-            <a:ext cx="4683746" cy="7112000"/>
-          </a:xfrm>
-          <a:prstGeom prst="rect">
-            <a:avLst/>
-          </a:prstGeom>
-          <a:solidFill>
-            <a:schemeClr val="bg1"/>
-          </a:solidFill>
-          <a:ln>
-            <a:solidFill>
-              <a:schemeClr val="tx1"/>
-            </a:solidFill>
-          </a:ln>
-        </p:spPr>
-        <p:style>
-          <a:lnRef idx="2">
-            <a:schemeClr val="accent1">
-              <a:shade val="50000"/>
-            </a:schemeClr>
-          </a:lnRef>
-          <a:fillRef idx="1">
-            <a:schemeClr val="accent1"/>
-          </a:fillRef>
-          <a:effectRef idx="0">
-            <a:schemeClr val="accent1"/>
-          </a:effectRef>
-          <a:fontRef idx="minor">
-            <a:schemeClr val="lt1"/>
-          </a:fontRef>
-        </p:style>
-        <p:txBody>
-          <a:bodyPr rtlCol="0" anchor="ctr"/>
-          <a:lstStyle/>
-          <a:p>
-            <a:pPr algn="ctr"/>
-            <a:endParaRPr lang="ko-KR" altLang="en-US" dirty="0"/>
-          </a:p>
-        </p:txBody>
-      </p:sp>
-      <p:pic>
-        <p:nvPicPr>
-          <p:cNvPr id="4" name="그림 3">
-            <a:extLst>
-              <a:ext uri="{FF2B5EF4-FFF2-40B4-BE49-F238E27FC236}">
-                <a16:creationId xmlns:a16="http://schemas.microsoft.com/office/drawing/2014/main" id="{7220B5E4-F5D6-49DA-9AA0-B8650ACAD1A1}"/>
-              </a:ext>
-            </a:extLst>
-          </p:cNvPr>
-          <p:cNvPicPr>
-            <a:picLocks noChangeAspect="1"/>
-          </p:cNvPicPr>
-          <p:nvPr/>
-        </p:nvPicPr>
-        <p:blipFill>
-          <a:blip r:embed="rId2">
-            <a:extLst>
-              <a:ext uri="{28A0092B-C50C-407E-A947-70E740481C1C}">
-                <a14:useLocalDpi xmlns:a14="http://schemas.microsoft.com/office/drawing/2010/main" val="0"/>
-              </a:ext>
-            </a:extLst>
-          </a:blip>
-          <a:stretch>
-            <a:fillRect/>
-          </a:stretch>
-        </p:blipFill>
-        <p:spPr>
-          <a:xfrm>
-            <a:off x="2509321" y="3521050"/>
-            <a:ext cx="1334494" cy="918056"/>
-          </a:xfrm>
-          <a:prstGeom prst="rect">
-            <a:avLst/>
-          </a:prstGeom>
-        </p:spPr>
-      </p:pic>
-      <p:pic>
-        <p:nvPicPr>
-          <p:cNvPr id="6" name="그림 5" descr="텍스트이(가) 표시된 사진&#10;&#10;자동 생성된 설명">
-            <a:extLst>
-              <a:ext uri="{FF2B5EF4-FFF2-40B4-BE49-F238E27FC236}">
-                <a16:creationId xmlns:a16="http://schemas.microsoft.com/office/drawing/2014/main" id="{6C5D2FB5-380F-4AA8-AF3E-E54CB159B7B0}"/>
-              </a:ext>
-            </a:extLst>
-          </p:cNvPr>
-          <p:cNvPicPr>
-            <a:picLocks noChangeAspect="1"/>
-          </p:cNvPicPr>
-          <p:nvPr/>
-        </p:nvPicPr>
-        <p:blipFill>
-          <a:blip r:embed="rId3">
-            <a:extLst>
-              <a:ext uri="{28A0092B-C50C-407E-A947-70E740481C1C}">
-                <a14:useLocalDpi xmlns:a14="http://schemas.microsoft.com/office/drawing/2010/main" val="0"/>
-              </a:ext>
-            </a:extLst>
-          </a:blip>
-          <a:stretch>
-            <a:fillRect/>
-          </a:stretch>
-        </p:blipFill>
-        <p:spPr>
-          <a:xfrm>
-            <a:off x="2807572" y="1398766"/>
-            <a:ext cx="579302" cy="1363965"/>
-          </a:xfrm>
-          <a:prstGeom prst="rect">
-            <a:avLst/>
-          </a:prstGeom>
-        </p:spPr>
-      </p:pic>
-      <p:pic>
-        <p:nvPicPr>
-          <p:cNvPr id="10" name="그림 9">
-            <a:extLst>
-              <a:ext uri="{FF2B5EF4-FFF2-40B4-BE49-F238E27FC236}">
-                <a16:creationId xmlns:a16="http://schemas.microsoft.com/office/drawing/2014/main" id="{7E44967B-F43A-42B8-A7B9-7F63946F1F0E}"/>
-              </a:ext>
-            </a:extLst>
-          </p:cNvPr>
-          <p:cNvPicPr>
-            <a:picLocks noChangeAspect="1"/>
-          </p:cNvPicPr>
-          <p:nvPr/>
-        </p:nvPicPr>
-        <p:blipFill>
-          <a:blip r:embed="rId4">
-            <a:extLst>
-              <a:ext uri="{28A0092B-C50C-407E-A947-70E740481C1C}">
-                <a14:useLocalDpi xmlns:a14="http://schemas.microsoft.com/office/drawing/2010/main" val="0"/>
-              </a:ext>
-            </a:extLst>
-          </a:blip>
-          <a:stretch>
-            <a:fillRect/>
-          </a:stretch>
-        </p:blipFill>
-        <p:spPr>
-          <a:xfrm>
-            <a:off x="2350631" y="5197425"/>
-            <a:ext cx="1493184" cy="983987"/>
-          </a:xfrm>
-          <a:prstGeom prst="rect">
-            <a:avLst/>
-          </a:prstGeom>
-        </p:spPr>
-      </p:pic>
-      <p:sp>
-        <p:nvSpPr>
-          <p:cNvPr id="11" name="TextBox 10">
-            <a:extLst>
-              <a:ext uri="{FF2B5EF4-FFF2-40B4-BE49-F238E27FC236}">
-                <a16:creationId xmlns:a16="http://schemas.microsoft.com/office/drawing/2014/main" id="{45FF138F-8CC9-4502-AA05-4731302E3102}"/>
-              </a:ext>
-            </a:extLst>
-          </p:cNvPr>
-          <p:cNvSpPr txBox="1"/>
-          <p:nvPr/>
-        </p:nvSpPr>
-        <p:spPr>
-          <a:xfrm>
-            <a:off x="4546600" y="2239511"/>
-            <a:ext cx="3505195" cy="523220"/>
-          </a:xfrm>
-          <a:prstGeom prst="rect">
-            <a:avLst/>
-          </a:prstGeom>
-          <a:noFill/>
-        </p:spPr>
-        <p:txBody>
-          <a:bodyPr wrap="square" rtlCol="0">
-            <a:spAutoFit/>
-          </a:bodyPr>
-          <a:lstStyle/>
-          <a:p>
-            <a:r>
-              <a:rPr lang="ko-KR" altLang="en-US" sz="2800" dirty="0">
-                <a:solidFill>
-                  <a:schemeClr val="bg1"/>
-                </a:solidFill>
-                <a:latin typeface="경기천년바탕 Regular" panose="02020503020101020101" pitchFamily="18" charset="-127"/>
-                <a:ea typeface="경기천년바탕 Regular" panose="02020503020101020101" pitchFamily="18" charset="-127"/>
-              </a:rPr>
-              <a:t>이동 및 공격 수행</a:t>
-            </a:r>
-          </a:p>
-        </p:txBody>
-      </p:sp>
-      <p:sp>
-        <p:nvSpPr>
-          <p:cNvPr id="13" name="TextBox 12">
-            <a:extLst>
-              <a:ext uri="{FF2B5EF4-FFF2-40B4-BE49-F238E27FC236}">
-                <a16:creationId xmlns:a16="http://schemas.microsoft.com/office/drawing/2014/main" id="{0DBACF02-8F7F-4C54-B976-1C7883B47754}"/>
-              </a:ext>
-            </a:extLst>
-          </p:cNvPr>
-          <p:cNvSpPr txBox="1"/>
-          <p:nvPr/>
-        </p:nvSpPr>
-        <p:spPr>
-          <a:xfrm>
-            <a:off x="4546600" y="3833660"/>
-            <a:ext cx="4876800" cy="523220"/>
-          </a:xfrm>
-          <a:prstGeom prst="rect">
-            <a:avLst/>
-          </a:prstGeom>
-          <a:noFill/>
-        </p:spPr>
-        <p:txBody>
-          <a:bodyPr wrap="square" rtlCol="0">
-            <a:spAutoFit/>
-          </a:bodyPr>
-          <a:lstStyle/>
-          <a:p>
-            <a:r>
-              <a:rPr lang="ko-KR" altLang="en-US" sz="2800" dirty="0">
-                <a:solidFill>
-                  <a:schemeClr val="bg1"/>
-                </a:solidFill>
-                <a:latin typeface="경기천년바탕 Regular" panose="02020503020101020101" pitchFamily="18" charset="-127"/>
-                <a:ea typeface="경기천년바탕 Regular" panose="02020503020101020101" pitchFamily="18" charset="-127"/>
-              </a:rPr>
-              <a:t>공격력 </a:t>
-            </a:r>
-            <a:r>
-              <a:rPr lang="ko-KR" altLang="en-US" sz="2800">
-                <a:solidFill>
-                  <a:schemeClr val="bg1"/>
-                </a:solidFill>
-                <a:latin typeface="경기천년바탕 Regular" panose="02020503020101020101" pitchFamily="18" charset="-127"/>
-                <a:ea typeface="경기천년바탕 Regular" panose="02020503020101020101" pitchFamily="18" charset="-127"/>
-              </a:rPr>
-              <a:t>결정 및 특수 효과 발동 </a:t>
-            </a:r>
-            <a:endParaRPr lang="ko-KR" altLang="en-US" sz="2800" dirty="0">
-              <a:solidFill>
-                <a:schemeClr val="bg1"/>
-              </a:solidFill>
-              <a:latin typeface="경기천년바탕 Regular" panose="02020503020101020101" pitchFamily="18" charset="-127"/>
-              <a:ea typeface="경기천년바탕 Regular" panose="02020503020101020101" pitchFamily="18" charset="-127"/>
-            </a:endParaRPr>
-          </a:p>
-        </p:txBody>
-      </p:sp>
-      <p:sp>
-        <p:nvSpPr>
-          <p:cNvPr id="15" name="TextBox 14">
-            <a:extLst>
-              <a:ext uri="{FF2B5EF4-FFF2-40B4-BE49-F238E27FC236}">
-                <a16:creationId xmlns:a16="http://schemas.microsoft.com/office/drawing/2014/main" id="{95BE4910-8BD2-41D4-B33B-F386A105C310}"/>
-              </a:ext>
-            </a:extLst>
-          </p:cNvPr>
-          <p:cNvSpPr txBox="1"/>
-          <p:nvPr/>
-        </p:nvSpPr>
-        <p:spPr>
-          <a:xfrm>
-            <a:off x="4546600" y="5427809"/>
-            <a:ext cx="3505195" cy="523220"/>
-          </a:xfrm>
-          <a:prstGeom prst="rect">
-            <a:avLst/>
-          </a:prstGeom>
-          <a:noFill/>
-        </p:spPr>
-        <p:txBody>
-          <a:bodyPr wrap="square" rtlCol="0">
-            <a:spAutoFit/>
-          </a:bodyPr>
-          <a:lstStyle/>
-          <a:p>
-            <a:r>
-              <a:rPr lang="ko-KR" altLang="en-US" sz="2800" dirty="0">
-                <a:solidFill>
-                  <a:schemeClr val="bg1"/>
-                </a:solidFill>
-                <a:latin typeface="경기천년바탕 Regular" panose="02020503020101020101" pitchFamily="18" charset="-127"/>
-                <a:ea typeface="경기천년바탕 Regular" panose="02020503020101020101" pitchFamily="18" charset="-127"/>
-              </a:rPr>
-              <a:t>유닛의 이동 범위 제한</a:t>
-            </a:r>
-          </a:p>
-        </p:txBody>
-      </p:sp>
-      <p:sp>
-        <p:nvSpPr>
-          <p:cNvPr id="17" name="TextBox 16">
-            <a:extLst>
-              <a:ext uri="{FF2B5EF4-FFF2-40B4-BE49-F238E27FC236}">
-                <a16:creationId xmlns:a16="http://schemas.microsoft.com/office/drawing/2014/main" id="{3BFE8FED-DA9B-4511-BC39-B9F2F0C76DF7}"/>
-              </a:ext>
-            </a:extLst>
-          </p:cNvPr>
-          <p:cNvSpPr txBox="1"/>
-          <p:nvPr/>
-        </p:nvSpPr>
-        <p:spPr>
-          <a:xfrm>
-            <a:off x="1684077" y="1468138"/>
-            <a:ext cx="939681" cy="584775"/>
-          </a:xfrm>
-          <a:prstGeom prst="rect">
-            <a:avLst/>
-          </a:prstGeom>
-          <a:noFill/>
-        </p:spPr>
-        <p:txBody>
-          <a:bodyPr wrap="none" rtlCol="0">
-            <a:spAutoFit/>
-          </a:bodyPr>
-          <a:lstStyle/>
-          <a:p>
-            <a:r>
-              <a:rPr lang="ko-KR" altLang="en-US" sz="3200" dirty="0">
-                <a:latin typeface="경기천년바탕 Bold" panose="02020803020101020101" pitchFamily="18" charset="-127"/>
-                <a:ea typeface="경기천년바탕 Bold" panose="02020803020101020101" pitchFamily="18" charset="-127"/>
-              </a:rPr>
-              <a:t>유닛</a:t>
-            </a:r>
-          </a:p>
-        </p:txBody>
-      </p:sp>
-      <p:sp>
-        <p:nvSpPr>
-          <p:cNvPr id="19" name="TextBox 18">
-            <a:extLst>
-              <a:ext uri="{FF2B5EF4-FFF2-40B4-BE49-F238E27FC236}">
-                <a16:creationId xmlns:a16="http://schemas.microsoft.com/office/drawing/2014/main" id="{37F1D6B4-1446-403A-83A7-E1C830764439}"/>
-              </a:ext>
-            </a:extLst>
-          </p:cNvPr>
-          <p:cNvSpPr txBox="1"/>
-          <p:nvPr/>
-        </p:nvSpPr>
-        <p:spPr>
-          <a:xfrm>
-            <a:off x="1666098" y="2936275"/>
-            <a:ext cx="1326004" cy="584775"/>
-          </a:xfrm>
-          <a:prstGeom prst="rect">
-            <a:avLst/>
-          </a:prstGeom>
-          <a:noFill/>
-        </p:spPr>
-        <p:txBody>
-          <a:bodyPr wrap="none" rtlCol="0">
-            <a:spAutoFit/>
-          </a:bodyPr>
-          <a:lstStyle/>
-          <a:p>
-            <a:r>
-              <a:rPr lang="ko-KR" altLang="en-US" sz="3200" dirty="0">
-                <a:latin typeface="경기천년바탕 Bold" panose="02020803020101020101" pitchFamily="18" charset="-127"/>
-                <a:ea typeface="경기천년바탕 Bold" panose="02020803020101020101" pitchFamily="18" charset="-127"/>
-              </a:rPr>
-              <a:t>아이템</a:t>
-            </a:r>
-          </a:p>
-        </p:txBody>
-      </p:sp>
-      <p:sp>
-        <p:nvSpPr>
-          <p:cNvPr id="23" name="TextBox 22">
-            <a:extLst>
-              <a:ext uri="{FF2B5EF4-FFF2-40B4-BE49-F238E27FC236}">
-                <a16:creationId xmlns:a16="http://schemas.microsoft.com/office/drawing/2014/main" id="{F49D1ED0-26E8-4396-946A-9E78055BA840}"/>
-              </a:ext>
-            </a:extLst>
-          </p:cNvPr>
-          <p:cNvSpPr txBox="1"/>
-          <p:nvPr/>
-        </p:nvSpPr>
-        <p:spPr>
-          <a:xfrm>
-            <a:off x="1700185" y="4604749"/>
-            <a:ext cx="570990" cy="584775"/>
-          </a:xfrm>
-          <a:prstGeom prst="rect">
-            <a:avLst/>
-          </a:prstGeom>
-          <a:noFill/>
-        </p:spPr>
-        <p:txBody>
-          <a:bodyPr wrap="none" rtlCol="0">
-            <a:spAutoFit/>
-          </a:bodyPr>
-          <a:lstStyle/>
-          <a:p>
-            <a:r>
-              <a:rPr lang="ko-KR" altLang="en-US" sz="3200" dirty="0">
-                <a:latin typeface="경기천년바탕 Bold" panose="02020803020101020101" pitchFamily="18" charset="-127"/>
-                <a:ea typeface="경기천년바탕 Bold" panose="02020803020101020101" pitchFamily="18" charset="-127"/>
-              </a:rPr>
-              <a:t>맵</a:t>
-            </a:r>
+            <a:r>
+              <a:rPr lang="ko-KR" altLang="en-US" dirty="0"/>
+              <a:t>콘셉트</a:t>
+            </a:r>
+            <a:r>
+              <a:rPr lang="en-US" altLang="ko-KR" dirty="0"/>
+              <a:t>: </a:t>
+            </a:r>
+            <a:r>
+              <a:rPr lang="ko-KR" altLang="en-US" dirty="0"/>
+              <a:t>다수 유닛의 군단을 유저가 만든 </a:t>
+            </a:r>
+            <a:r>
+              <a:rPr lang="en-US" altLang="ko-KR" dirty="0"/>
+              <a:t>AI</a:t>
+            </a:r>
+            <a:r>
+              <a:rPr lang="ko-KR" altLang="en-US" dirty="0"/>
+              <a:t>가 제어하는</a:t>
+            </a:r>
+            <a:endParaRPr lang="en-US" altLang="ko-KR" dirty="0"/>
+          </a:p>
+          <a:p>
+            <a:r>
+              <a:rPr lang="en-US" altLang="ko-KR" dirty="0"/>
+              <a:t>	</a:t>
+            </a:r>
+            <a:r>
+              <a:rPr lang="ko-KR" altLang="en-US" dirty="0"/>
+              <a:t>실시간 전략 </a:t>
+            </a:r>
+            <a:r>
+              <a:rPr lang="ko-KR" altLang="en-US" dirty="0" err="1"/>
+              <a:t>배틀로얄</a:t>
+            </a:r>
+            <a:r>
+              <a:rPr lang="ko-KR" altLang="en-US" dirty="0"/>
+              <a:t> 슈팅게임</a:t>
+            </a:r>
+            <a:endParaRPr lang="en-US" altLang="ko-KR" dirty="0"/>
+          </a:p>
+          <a:p>
+            <a:endParaRPr lang="en-US" altLang="ko-KR" dirty="0"/>
+          </a:p>
+          <a:p>
+            <a:r>
+              <a:rPr lang="ko-KR" altLang="en-US" dirty="0"/>
+              <a:t>환경 및 인터페이스</a:t>
+            </a:r>
+            <a:r>
+              <a:rPr lang="en-US" altLang="ko-KR" dirty="0"/>
+              <a:t>:</a:t>
+            </a:r>
+          </a:p>
+          <a:p>
+            <a:r>
+              <a:rPr lang="ko-KR" altLang="en-US" dirty="0"/>
+              <a:t>유저가 빨간 팀과 파란 팀의 </a:t>
+            </a:r>
+            <a:r>
+              <a:rPr lang="en-US" altLang="ko-KR" dirty="0"/>
+              <a:t>AI</a:t>
+            </a:r>
+            <a:r>
+              <a:rPr lang="ko-KR" altLang="en-US" dirty="0"/>
+              <a:t>를 </a:t>
+            </a:r>
+            <a:r>
+              <a:rPr lang="en-US" altLang="ko-KR" dirty="0" err="1"/>
+              <a:t>js</a:t>
+            </a:r>
+            <a:r>
+              <a:rPr lang="ko-KR" altLang="en-US" dirty="0"/>
+              <a:t>파일로 입력</a:t>
+            </a:r>
+            <a:r>
+              <a:rPr lang="en-US" altLang="ko-KR" dirty="0"/>
+              <a:t>.</a:t>
+            </a:r>
+          </a:p>
+          <a:p>
+            <a:r>
+              <a:rPr lang="en-US" altLang="ko-KR" dirty="0" err="1"/>
+              <a:t>PixiJS</a:t>
+            </a:r>
+            <a:r>
+              <a:rPr lang="ko-KR" altLang="en-US" dirty="0"/>
+              <a:t> 기반 인터페이스에서 입력된 </a:t>
+            </a:r>
+            <a:r>
+              <a:rPr lang="en-US" altLang="ko-KR" dirty="0"/>
+              <a:t>AI</a:t>
+            </a:r>
+            <a:r>
+              <a:rPr lang="ko-KR" altLang="en-US" dirty="0"/>
+              <a:t>를 실행</a:t>
+            </a:r>
+            <a:r>
+              <a:rPr lang="en-US" altLang="ko-KR"/>
+              <a:t>.</a:t>
+            </a:r>
+            <a:endParaRPr lang="en-US" altLang="ko-KR" dirty="0"/>
           </a:p>
         </p:txBody>
       </p:sp>
     </p:spTree>
     <p:extLst>
       <p:ext uri="{BB962C8B-B14F-4D97-AF65-F5344CB8AC3E}">
-        <p14:creationId xmlns:p14="http://schemas.microsoft.com/office/powerpoint/2010/main" val="2242853402"/>
+        <p14:creationId xmlns:p14="http://schemas.microsoft.com/office/powerpoint/2010/main" val="351795209"/>
       </p:ext>
     </p:extLst>
   </p:cSld>
@@ -5032,8 +5371,8 @@
         </p:nvSpPr>
         <p:spPr>
           <a:xfrm>
-            <a:off x="9683089" y="409877"/>
-            <a:ext cx="1630576" cy="1015663"/>
+            <a:off x="8779435" y="690880"/>
+            <a:ext cx="1898725" cy="1323439"/>
           </a:xfrm>
           <a:prstGeom prst="rect">
             <a:avLst/>
@@ -5048,16 +5387,29 @@
           <a:p>
             <a:pPr algn="r"/>
             <a:r>
-              <a:rPr lang="en-US" altLang="ko-KR" sz="6000" dirty="0">
+              <a:rPr lang="en-US" altLang="ko-KR" sz="4000" dirty="0">
                 <a:solidFill>
                   <a:schemeClr val="bg1"/>
                 </a:solidFill>
                 <a:latin typeface="경기천년바탕 Bold" panose="02020803020101020101" pitchFamily="18" charset="-127"/>
                 <a:ea typeface="경기천년바탕 Bold" panose="02020803020101020101" pitchFamily="18" charset="-127"/>
               </a:rPr>
-              <a:t>Map</a:t>
-            </a:r>
-            <a:endParaRPr lang="ko-KR" altLang="en-US" sz="6000" dirty="0">
+              <a:t>AI</a:t>
+            </a:r>
+          </a:p>
+          <a:p>
+            <a:pPr algn="r"/>
+            <a:r>
+              <a:rPr lang="en-US" altLang="ko-KR" sz="4000" dirty="0">
+                <a:solidFill>
+                  <a:schemeClr val="bg1"/>
+                </a:solidFill>
+                <a:latin typeface="경기천년바탕 Bold" panose="02020803020101020101" pitchFamily="18" charset="-127"/>
+                <a:ea typeface="경기천년바탕 Bold" panose="02020803020101020101" pitchFamily="18" charset="-127"/>
+              </a:rPr>
+              <a:t>Feature</a:t>
+            </a:r>
+            <a:endParaRPr lang="ko-KR" altLang="en-US" sz="4000" dirty="0">
               <a:solidFill>
                 <a:schemeClr val="bg1"/>
               </a:solidFill>
@@ -5067,12 +5419,58 @@
           </a:p>
         </p:txBody>
       </p:sp>
-      <p:sp>
-        <p:nvSpPr>
-          <p:cNvPr id="2" name="사각형: 둥근 모서리 1">
-            <a:extLst>
-              <a:ext uri="{FF2B5EF4-FFF2-40B4-BE49-F238E27FC236}">
-                <a16:creationId xmlns:a16="http://schemas.microsoft.com/office/drawing/2014/main" id="{77393A65-BBFF-4BAD-B931-8263D8928880}"/>
+      <p:cxnSp>
+        <p:nvCxnSpPr>
+          <p:cNvPr id="7" name="직선 연결선 6">
+            <a:extLst>
+              <a:ext uri="{FF2B5EF4-FFF2-40B4-BE49-F238E27FC236}">
+                <a16:creationId xmlns:a16="http://schemas.microsoft.com/office/drawing/2014/main" id="{B2227533-9D88-454D-AC67-D68053A27CD7}"/>
+              </a:ext>
+            </a:extLst>
+          </p:cNvPr>
+          <p:cNvCxnSpPr>
+            <a:cxnSpLocks/>
+          </p:cNvCxnSpPr>
+          <p:nvPr/>
+        </p:nvCxnSpPr>
+        <p:spPr>
+          <a:xfrm>
+            <a:off x="10769600" y="690880"/>
+            <a:ext cx="0" cy="1361440"/>
+          </a:xfrm>
+          <a:prstGeom prst="line">
+            <a:avLst/>
+          </a:prstGeom>
+          <a:ln w="28575">
+            <a:solidFill>
+              <a:schemeClr val="accent4">
+                <a:lumMod val="20000"/>
+                <a:lumOff val="80000"/>
+              </a:schemeClr>
+            </a:solidFill>
+          </a:ln>
+        </p:spPr>
+        <p:style>
+          <a:lnRef idx="1">
+            <a:schemeClr val="accent1"/>
+          </a:lnRef>
+          <a:fillRef idx="0">
+            <a:schemeClr val="accent1"/>
+          </a:fillRef>
+          <a:effectRef idx="0">
+            <a:schemeClr val="accent1"/>
+          </a:effectRef>
+          <a:fontRef idx="minor">
+            <a:schemeClr val="tx1"/>
+          </a:fontRef>
+        </p:style>
+      </p:cxnSp>
+      <p:sp>
+        <p:nvSpPr>
+          <p:cNvPr id="8" name="직사각형 7">
+            <a:extLst>
+              <a:ext uri="{FF2B5EF4-FFF2-40B4-BE49-F238E27FC236}">
+                <a16:creationId xmlns:a16="http://schemas.microsoft.com/office/drawing/2014/main" id="{7DEB157B-44B9-4EE4-953D-C895E6E13DBB}"/>
               </a:ext>
             </a:extLst>
           </p:cNvPr>
@@ -5081,21 +5479,19 @@
         </p:nvSpPr>
         <p:spPr>
           <a:xfrm>
-            <a:off x="3511970" y="2003056"/>
-            <a:ext cx="7152640" cy="4145682"/>
-          </a:xfrm>
-          <a:prstGeom prst="roundRect">
-            <a:avLst>
-              <a:gd name="adj" fmla="val 124"/>
-            </a:avLst>
+            <a:off x="0" y="0"/>
+            <a:ext cx="4307836" cy="6858000"/>
+          </a:xfrm>
+          <a:prstGeom prst="rect">
+            <a:avLst/>
           </a:prstGeom>
           <a:solidFill>
-            <a:schemeClr val="bg1">
-              <a:lumMod val="65000"/>
-            </a:schemeClr>
+            <a:schemeClr val="bg1"/>
           </a:solidFill>
           <a:ln>
-            <a:noFill/>
+            <a:solidFill>
+              <a:schemeClr val="tx1"/>
+            </a:solidFill>
           </a:ln>
         </p:spPr>
         <p:style>
@@ -5119,16 +5515,46 @@
           <a:lstStyle/>
           <a:p>
             <a:pPr algn="ctr"/>
-            <a:endParaRPr lang="ko-KR" altLang="en-US" dirty="0"/>
-          </a:p>
-        </p:txBody>
-      </p:sp>
-      <p:sp>
-        <p:nvSpPr>
-          <p:cNvPr id="9" name="L 도형 8">
-            <a:extLst>
-              <a:ext uri="{FF2B5EF4-FFF2-40B4-BE49-F238E27FC236}">
-                <a16:creationId xmlns:a16="http://schemas.microsoft.com/office/drawing/2014/main" id="{84B1B958-581A-4B20-90C9-DF550356EE42}"/>
+            <a:endParaRPr lang="ko-KR" altLang="en-US"/>
+          </a:p>
+        </p:txBody>
+      </p:sp>
+    </p:spTree>
+    <p:extLst>
+      <p:ext uri="{BB962C8B-B14F-4D97-AF65-F5344CB8AC3E}">
+        <p14:creationId xmlns:p14="http://schemas.microsoft.com/office/powerpoint/2010/main" val="989949219"/>
+      </p:ext>
+    </p:extLst>
+  </p:cSld>
+  <p:clrMapOvr>
+    <a:masterClrMapping/>
+  </p:clrMapOvr>
+</p:sld>
+</file>
+
+<file path=ppt/slides/slide7.xml><?xml version="1.0" encoding="utf-8"?>
+<p:sld xmlns:a="http://schemas.openxmlformats.org/drawingml/2006/main" xmlns:r="http://schemas.openxmlformats.org/officeDocument/2006/relationships" xmlns:p="http://schemas.openxmlformats.org/presentationml/2006/main">
+  <p:cSld>
+    <p:spTree>
+      <p:nvGrpSpPr>
+        <p:cNvPr id="1" name=""/>
+        <p:cNvGrpSpPr/>
+        <p:nvPr/>
+      </p:nvGrpSpPr>
+      <p:grpSpPr>
+        <a:xfrm>
+          <a:off x="0" y="0"/>
+          <a:ext cx="0" cy="0"/>
+          <a:chOff x="0" y="0"/>
+          <a:chExt cx="0" cy="0"/>
+        </a:xfrm>
+      </p:grpSpPr>
+      <p:sp>
+        <p:nvSpPr>
+          <p:cNvPr id="2" name="직사각형 1">
+            <a:extLst>
+              <a:ext uri="{FF2B5EF4-FFF2-40B4-BE49-F238E27FC236}">
+                <a16:creationId xmlns:a16="http://schemas.microsoft.com/office/drawing/2014/main" id="{A03741BF-0ED7-41AD-87A2-95631D18B70A}"/>
               </a:ext>
             </a:extLst>
           </p:cNvPr>
@@ -5136,20 +5562,16 @@
           <p:nvPr/>
         </p:nvSpPr>
         <p:spPr>
-          <a:xfrm rot="10800000">
-            <a:off x="11145873" y="340996"/>
-            <a:ext cx="680318" cy="680318"/>
-          </a:xfrm>
-          <a:prstGeom prst="corner">
-            <a:avLst>
-              <a:gd name="adj1" fmla="val 10000"/>
-              <a:gd name="adj2" fmla="val 8667"/>
-            </a:avLst>
+          <a:xfrm>
+            <a:off x="955035" y="642218"/>
+            <a:ext cx="3177535" cy="6045200"/>
+          </a:xfrm>
+          <a:prstGeom prst="rect">
+            <a:avLst/>
           </a:prstGeom>
           <a:solidFill>
-            <a:schemeClr val="accent4">
-              <a:lumMod val="20000"/>
-              <a:lumOff val="80000"/>
+            <a:schemeClr val="tx1">
+              <a:alpha val="44000"/>
             </a:schemeClr>
           </a:solidFill>
           <a:ln>
@@ -5177,16 +5599,111 @@
           <a:lstStyle/>
           <a:p>
             <a:pPr algn="ctr"/>
-            <a:endParaRPr lang="ko-KR" altLang="en-US"/>
-          </a:p>
-        </p:txBody>
-      </p:sp>
-      <p:sp>
-        <p:nvSpPr>
-          <p:cNvPr id="12" name="타원 11">
-            <a:extLst>
-              <a:ext uri="{FF2B5EF4-FFF2-40B4-BE49-F238E27FC236}">
-                <a16:creationId xmlns:a16="http://schemas.microsoft.com/office/drawing/2014/main" id="{89A454A3-FF7C-42FE-83F7-84A7ABE1BD3D}"/>
+            <a:endParaRPr lang="ko-KR" altLang="en-US" dirty="0"/>
+          </a:p>
+        </p:txBody>
+      </p:sp>
+      <p:sp>
+        <p:nvSpPr>
+          <p:cNvPr id="3" name="TextBox 2">
+            <a:extLst>
+              <a:ext uri="{FF2B5EF4-FFF2-40B4-BE49-F238E27FC236}">
+                <a16:creationId xmlns:a16="http://schemas.microsoft.com/office/drawing/2014/main" id="{54864A9D-4DB4-48B5-8888-6B62293FB5B2}"/>
+              </a:ext>
+            </a:extLst>
+          </p:cNvPr>
+          <p:cNvSpPr txBox="1"/>
+          <p:nvPr/>
+        </p:nvSpPr>
+        <p:spPr>
+          <a:xfrm>
+            <a:off x="7674957" y="642218"/>
+            <a:ext cx="2977803" cy="707886"/>
+          </a:xfrm>
+          <a:prstGeom prst="rect">
+            <a:avLst/>
+          </a:prstGeom>
+          <a:noFill/>
+        </p:spPr>
+        <p:txBody>
+          <a:bodyPr wrap="none" rtlCol="0">
+            <a:spAutoFit/>
+          </a:bodyPr>
+          <a:lstStyle/>
+          <a:p>
+            <a:pPr algn="r"/>
+            <a:r>
+              <a:rPr lang="en-US" altLang="ko-KR" sz="4000" dirty="0">
+                <a:solidFill>
+                  <a:schemeClr val="bg1"/>
+                </a:solidFill>
+                <a:latin typeface="경기천년바탕 Bold" panose="02020803020101020101" pitchFamily="18" charset="-127"/>
+                <a:ea typeface="경기천년바탕 Bold" panose="02020803020101020101" pitchFamily="18" charset="-127"/>
+              </a:rPr>
+              <a:t>Components</a:t>
+            </a:r>
+            <a:endParaRPr lang="ko-KR" altLang="en-US" sz="4000" dirty="0">
+              <a:solidFill>
+                <a:schemeClr val="bg1"/>
+              </a:solidFill>
+              <a:latin typeface="경기천년바탕 Bold" panose="02020803020101020101" pitchFamily="18" charset="-127"/>
+              <a:ea typeface="경기천년바탕 Bold" panose="02020803020101020101" pitchFamily="18" charset="-127"/>
+            </a:endParaRPr>
+          </a:p>
+        </p:txBody>
+      </p:sp>
+      <p:cxnSp>
+        <p:nvCxnSpPr>
+          <p:cNvPr id="7" name="직선 연결선 6">
+            <a:extLst>
+              <a:ext uri="{FF2B5EF4-FFF2-40B4-BE49-F238E27FC236}">
+                <a16:creationId xmlns:a16="http://schemas.microsoft.com/office/drawing/2014/main" id="{B2227533-9D88-454D-AC67-D68053A27CD7}"/>
+              </a:ext>
+            </a:extLst>
+          </p:cNvPr>
+          <p:cNvCxnSpPr>
+            <a:cxnSpLocks/>
+          </p:cNvCxnSpPr>
+          <p:nvPr/>
+        </p:nvCxnSpPr>
+        <p:spPr>
+          <a:xfrm>
+            <a:off x="10769600" y="690880"/>
+            <a:ext cx="0" cy="707886"/>
+          </a:xfrm>
+          <a:prstGeom prst="line">
+            <a:avLst/>
+          </a:prstGeom>
+          <a:ln w="28575">
+            <a:solidFill>
+              <a:schemeClr val="accent4">
+                <a:lumMod val="20000"/>
+                <a:lumOff val="80000"/>
+              </a:schemeClr>
+            </a:solidFill>
+          </a:ln>
+        </p:spPr>
+        <p:style>
+          <a:lnRef idx="1">
+            <a:schemeClr val="accent1"/>
+          </a:lnRef>
+          <a:fillRef idx="0">
+            <a:schemeClr val="accent1"/>
+          </a:fillRef>
+          <a:effectRef idx="0">
+            <a:schemeClr val="accent1"/>
+          </a:effectRef>
+          <a:fontRef idx="minor">
+            <a:schemeClr val="tx1"/>
+          </a:fontRef>
+        </p:style>
+      </p:cxnSp>
+      <p:sp>
+        <p:nvSpPr>
+          <p:cNvPr id="8" name="직사각형 7">
+            <a:extLst>
+              <a:ext uri="{FF2B5EF4-FFF2-40B4-BE49-F238E27FC236}">
+                <a16:creationId xmlns:a16="http://schemas.microsoft.com/office/drawing/2014/main" id="{7DEB157B-44B9-4EE4-953D-C895E6E13DBB}"/>
               </a:ext>
             </a:extLst>
           </p:cNvPr>
@@ -5195,19 +5712,19 @@
         </p:nvSpPr>
         <p:spPr>
           <a:xfrm>
-            <a:off x="5036399" y="2564266"/>
-            <a:ext cx="3060700" cy="3060700"/>
-          </a:xfrm>
-          <a:prstGeom prst="ellipse">
+            <a:off x="-375910" y="-254000"/>
+            <a:ext cx="4683746" cy="7112000"/>
+          </a:xfrm>
+          <a:prstGeom prst="rect">
             <a:avLst/>
           </a:prstGeom>
           <a:solidFill>
-            <a:srgbClr val="D7FBFD">
-              <a:alpha val="58824"/>
-            </a:srgbClr>
+            <a:schemeClr val="bg1"/>
           </a:solidFill>
           <a:ln>
-            <a:noFill/>
+            <a:solidFill>
+              <a:schemeClr val="tx1"/>
+            </a:solidFill>
           </a:ln>
         </p:spPr>
         <p:style>
@@ -5231,6 +5748,615 @@
           <a:lstStyle/>
           <a:p>
             <a:pPr algn="ctr"/>
+            <a:endParaRPr lang="ko-KR" altLang="en-US" dirty="0"/>
+          </a:p>
+        </p:txBody>
+      </p:sp>
+      <p:pic>
+        <p:nvPicPr>
+          <p:cNvPr id="4" name="그림 3">
+            <a:extLst>
+              <a:ext uri="{FF2B5EF4-FFF2-40B4-BE49-F238E27FC236}">
+                <a16:creationId xmlns:a16="http://schemas.microsoft.com/office/drawing/2014/main" id="{7220B5E4-F5D6-49DA-9AA0-B8650ACAD1A1}"/>
+              </a:ext>
+            </a:extLst>
+          </p:cNvPr>
+          <p:cNvPicPr>
+            <a:picLocks noChangeAspect="1"/>
+          </p:cNvPicPr>
+          <p:nvPr/>
+        </p:nvPicPr>
+        <p:blipFill>
+          <a:blip r:embed="rId2">
+            <a:extLst>
+              <a:ext uri="{28A0092B-C50C-407E-A947-70E740481C1C}">
+                <a14:useLocalDpi xmlns:a14="http://schemas.microsoft.com/office/drawing/2010/main" val="0"/>
+              </a:ext>
+            </a:extLst>
+          </a:blip>
+          <a:stretch>
+            <a:fillRect/>
+          </a:stretch>
+        </p:blipFill>
+        <p:spPr>
+          <a:xfrm>
+            <a:off x="2509321" y="3521050"/>
+            <a:ext cx="1334494" cy="918056"/>
+          </a:xfrm>
+          <a:prstGeom prst="rect">
+            <a:avLst/>
+          </a:prstGeom>
+        </p:spPr>
+      </p:pic>
+      <p:pic>
+        <p:nvPicPr>
+          <p:cNvPr id="6" name="그림 5" descr="텍스트이(가) 표시된 사진&#10;&#10;자동 생성된 설명">
+            <a:extLst>
+              <a:ext uri="{FF2B5EF4-FFF2-40B4-BE49-F238E27FC236}">
+                <a16:creationId xmlns:a16="http://schemas.microsoft.com/office/drawing/2014/main" id="{6C5D2FB5-380F-4AA8-AF3E-E54CB159B7B0}"/>
+              </a:ext>
+            </a:extLst>
+          </p:cNvPr>
+          <p:cNvPicPr>
+            <a:picLocks noChangeAspect="1"/>
+          </p:cNvPicPr>
+          <p:nvPr/>
+        </p:nvPicPr>
+        <p:blipFill>
+          <a:blip r:embed="rId3">
+            <a:extLst>
+              <a:ext uri="{28A0092B-C50C-407E-A947-70E740481C1C}">
+                <a14:useLocalDpi xmlns:a14="http://schemas.microsoft.com/office/drawing/2010/main" val="0"/>
+              </a:ext>
+            </a:extLst>
+          </a:blip>
+          <a:stretch>
+            <a:fillRect/>
+          </a:stretch>
+        </p:blipFill>
+        <p:spPr>
+          <a:xfrm>
+            <a:off x="2807572" y="1398766"/>
+            <a:ext cx="579302" cy="1363965"/>
+          </a:xfrm>
+          <a:prstGeom prst="rect">
+            <a:avLst/>
+          </a:prstGeom>
+        </p:spPr>
+      </p:pic>
+      <p:pic>
+        <p:nvPicPr>
+          <p:cNvPr id="10" name="그림 9">
+            <a:extLst>
+              <a:ext uri="{FF2B5EF4-FFF2-40B4-BE49-F238E27FC236}">
+                <a16:creationId xmlns:a16="http://schemas.microsoft.com/office/drawing/2014/main" id="{7E44967B-F43A-42B8-A7B9-7F63946F1F0E}"/>
+              </a:ext>
+            </a:extLst>
+          </p:cNvPr>
+          <p:cNvPicPr>
+            <a:picLocks noChangeAspect="1"/>
+          </p:cNvPicPr>
+          <p:nvPr/>
+        </p:nvPicPr>
+        <p:blipFill>
+          <a:blip r:embed="rId4">
+            <a:extLst>
+              <a:ext uri="{28A0092B-C50C-407E-A947-70E740481C1C}">
+                <a14:useLocalDpi xmlns:a14="http://schemas.microsoft.com/office/drawing/2010/main" val="0"/>
+              </a:ext>
+            </a:extLst>
+          </a:blip>
+          <a:stretch>
+            <a:fillRect/>
+          </a:stretch>
+        </p:blipFill>
+        <p:spPr>
+          <a:xfrm>
+            <a:off x="2350631" y="5197425"/>
+            <a:ext cx="1493184" cy="983987"/>
+          </a:xfrm>
+          <a:prstGeom prst="rect">
+            <a:avLst/>
+          </a:prstGeom>
+        </p:spPr>
+      </p:pic>
+      <p:sp>
+        <p:nvSpPr>
+          <p:cNvPr id="11" name="TextBox 10">
+            <a:extLst>
+              <a:ext uri="{FF2B5EF4-FFF2-40B4-BE49-F238E27FC236}">
+                <a16:creationId xmlns:a16="http://schemas.microsoft.com/office/drawing/2014/main" id="{45FF138F-8CC9-4502-AA05-4731302E3102}"/>
+              </a:ext>
+            </a:extLst>
+          </p:cNvPr>
+          <p:cNvSpPr txBox="1"/>
+          <p:nvPr/>
+        </p:nvSpPr>
+        <p:spPr>
+          <a:xfrm>
+            <a:off x="4546600" y="2239511"/>
+            <a:ext cx="3505195" cy="523220"/>
+          </a:xfrm>
+          <a:prstGeom prst="rect">
+            <a:avLst/>
+          </a:prstGeom>
+          <a:noFill/>
+        </p:spPr>
+        <p:txBody>
+          <a:bodyPr wrap="square" rtlCol="0">
+            <a:spAutoFit/>
+          </a:bodyPr>
+          <a:lstStyle/>
+          <a:p>
+            <a:r>
+              <a:rPr lang="ko-KR" altLang="en-US" sz="2800" dirty="0">
+                <a:solidFill>
+                  <a:schemeClr val="bg1"/>
+                </a:solidFill>
+                <a:latin typeface="경기천년바탕 Regular" panose="02020503020101020101" pitchFamily="18" charset="-127"/>
+                <a:ea typeface="경기천년바탕 Regular" panose="02020503020101020101" pitchFamily="18" charset="-127"/>
+              </a:rPr>
+              <a:t>이동 및 공격 수행</a:t>
+            </a:r>
+          </a:p>
+        </p:txBody>
+      </p:sp>
+      <p:sp>
+        <p:nvSpPr>
+          <p:cNvPr id="13" name="TextBox 12">
+            <a:extLst>
+              <a:ext uri="{FF2B5EF4-FFF2-40B4-BE49-F238E27FC236}">
+                <a16:creationId xmlns:a16="http://schemas.microsoft.com/office/drawing/2014/main" id="{0DBACF02-8F7F-4C54-B976-1C7883B47754}"/>
+              </a:ext>
+            </a:extLst>
+          </p:cNvPr>
+          <p:cNvSpPr txBox="1"/>
+          <p:nvPr/>
+        </p:nvSpPr>
+        <p:spPr>
+          <a:xfrm>
+            <a:off x="4546600" y="3833660"/>
+            <a:ext cx="4876800" cy="523220"/>
+          </a:xfrm>
+          <a:prstGeom prst="rect">
+            <a:avLst/>
+          </a:prstGeom>
+          <a:noFill/>
+        </p:spPr>
+        <p:txBody>
+          <a:bodyPr wrap="square" rtlCol="0">
+            <a:spAutoFit/>
+          </a:bodyPr>
+          <a:lstStyle/>
+          <a:p>
+            <a:r>
+              <a:rPr lang="ko-KR" altLang="en-US" sz="2800" dirty="0">
+                <a:solidFill>
+                  <a:schemeClr val="bg1"/>
+                </a:solidFill>
+                <a:latin typeface="경기천년바탕 Regular" panose="02020503020101020101" pitchFamily="18" charset="-127"/>
+                <a:ea typeface="경기천년바탕 Regular" panose="02020503020101020101" pitchFamily="18" charset="-127"/>
+              </a:rPr>
+              <a:t>공격력 </a:t>
+            </a:r>
+            <a:r>
+              <a:rPr lang="ko-KR" altLang="en-US" sz="2800">
+                <a:solidFill>
+                  <a:schemeClr val="bg1"/>
+                </a:solidFill>
+                <a:latin typeface="경기천년바탕 Regular" panose="02020503020101020101" pitchFamily="18" charset="-127"/>
+                <a:ea typeface="경기천년바탕 Regular" panose="02020503020101020101" pitchFamily="18" charset="-127"/>
+              </a:rPr>
+              <a:t>결정 및 특수 효과 발동 </a:t>
+            </a:r>
+            <a:endParaRPr lang="ko-KR" altLang="en-US" sz="2800" dirty="0">
+              <a:solidFill>
+                <a:schemeClr val="bg1"/>
+              </a:solidFill>
+              <a:latin typeface="경기천년바탕 Regular" panose="02020503020101020101" pitchFamily="18" charset="-127"/>
+              <a:ea typeface="경기천년바탕 Regular" panose="02020503020101020101" pitchFamily="18" charset="-127"/>
+            </a:endParaRPr>
+          </a:p>
+        </p:txBody>
+      </p:sp>
+      <p:sp>
+        <p:nvSpPr>
+          <p:cNvPr id="15" name="TextBox 14">
+            <a:extLst>
+              <a:ext uri="{FF2B5EF4-FFF2-40B4-BE49-F238E27FC236}">
+                <a16:creationId xmlns:a16="http://schemas.microsoft.com/office/drawing/2014/main" id="{95BE4910-8BD2-41D4-B33B-F386A105C310}"/>
+              </a:ext>
+            </a:extLst>
+          </p:cNvPr>
+          <p:cNvSpPr txBox="1"/>
+          <p:nvPr/>
+        </p:nvSpPr>
+        <p:spPr>
+          <a:xfrm>
+            <a:off x="4546600" y="5427809"/>
+            <a:ext cx="3505195" cy="523220"/>
+          </a:xfrm>
+          <a:prstGeom prst="rect">
+            <a:avLst/>
+          </a:prstGeom>
+          <a:noFill/>
+        </p:spPr>
+        <p:txBody>
+          <a:bodyPr wrap="square" rtlCol="0">
+            <a:spAutoFit/>
+          </a:bodyPr>
+          <a:lstStyle/>
+          <a:p>
+            <a:r>
+              <a:rPr lang="ko-KR" altLang="en-US" sz="2800" dirty="0">
+                <a:solidFill>
+                  <a:schemeClr val="bg1"/>
+                </a:solidFill>
+                <a:latin typeface="경기천년바탕 Regular" panose="02020503020101020101" pitchFamily="18" charset="-127"/>
+                <a:ea typeface="경기천년바탕 Regular" panose="02020503020101020101" pitchFamily="18" charset="-127"/>
+              </a:rPr>
+              <a:t>유닛의 이동 범위 제한</a:t>
+            </a:r>
+          </a:p>
+        </p:txBody>
+      </p:sp>
+      <p:sp>
+        <p:nvSpPr>
+          <p:cNvPr id="17" name="TextBox 16">
+            <a:extLst>
+              <a:ext uri="{FF2B5EF4-FFF2-40B4-BE49-F238E27FC236}">
+                <a16:creationId xmlns:a16="http://schemas.microsoft.com/office/drawing/2014/main" id="{3BFE8FED-DA9B-4511-BC39-B9F2F0C76DF7}"/>
+              </a:ext>
+            </a:extLst>
+          </p:cNvPr>
+          <p:cNvSpPr txBox="1"/>
+          <p:nvPr/>
+        </p:nvSpPr>
+        <p:spPr>
+          <a:xfrm>
+            <a:off x="1684077" y="1468138"/>
+            <a:ext cx="939681" cy="584775"/>
+          </a:xfrm>
+          <a:prstGeom prst="rect">
+            <a:avLst/>
+          </a:prstGeom>
+          <a:noFill/>
+        </p:spPr>
+        <p:txBody>
+          <a:bodyPr wrap="none" rtlCol="0">
+            <a:spAutoFit/>
+          </a:bodyPr>
+          <a:lstStyle/>
+          <a:p>
+            <a:r>
+              <a:rPr lang="ko-KR" altLang="en-US" sz="3200" dirty="0">
+                <a:latin typeface="경기천년바탕 Bold" panose="02020803020101020101" pitchFamily="18" charset="-127"/>
+                <a:ea typeface="경기천년바탕 Bold" panose="02020803020101020101" pitchFamily="18" charset="-127"/>
+              </a:rPr>
+              <a:t>유닛</a:t>
+            </a:r>
+          </a:p>
+        </p:txBody>
+      </p:sp>
+      <p:sp>
+        <p:nvSpPr>
+          <p:cNvPr id="19" name="TextBox 18">
+            <a:extLst>
+              <a:ext uri="{FF2B5EF4-FFF2-40B4-BE49-F238E27FC236}">
+                <a16:creationId xmlns:a16="http://schemas.microsoft.com/office/drawing/2014/main" id="{37F1D6B4-1446-403A-83A7-E1C830764439}"/>
+              </a:ext>
+            </a:extLst>
+          </p:cNvPr>
+          <p:cNvSpPr txBox="1"/>
+          <p:nvPr/>
+        </p:nvSpPr>
+        <p:spPr>
+          <a:xfrm>
+            <a:off x="1666098" y="2936275"/>
+            <a:ext cx="1326004" cy="584775"/>
+          </a:xfrm>
+          <a:prstGeom prst="rect">
+            <a:avLst/>
+          </a:prstGeom>
+          <a:noFill/>
+        </p:spPr>
+        <p:txBody>
+          <a:bodyPr wrap="none" rtlCol="0">
+            <a:spAutoFit/>
+          </a:bodyPr>
+          <a:lstStyle/>
+          <a:p>
+            <a:r>
+              <a:rPr lang="ko-KR" altLang="en-US" sz="3200" dirty="0">
+                <a:latin typeface="경기천년바탕 Bold" panose="02020803020101020101" pitchFamily="18" charset="-127"/>
+                <a:ea typeface="경기천년바탕 Bold" panose="02020803020101020101" pitchFamily="18" charset="-127"/>
+              </a:rPr>
+              <a:t>아이템</a:t>
+            </a:r>
+          </a:p>
+        </p:txBody>
+      </p:sp>
+      <p:sp>
+        <p:nvSpPr>
+          <p:cNvPr id="23" name="TextBox 22">
+            <a:extLst>
+              <a:ext uri="{FF2B5EF4-FFF2-40B4-BE49-F238E27FC236}">
+                <a16:creationId xmlns:a16="http://schemas.microsoft.com/office/drawing/2014/main" id="{F49D1ED0-26E8-4396-946A-9E78055BA840}"/>
+              </a:ext>
+            </a:extLst>
+          </p:cNvPr>
+          <p:cNvSpPr txBox="1"/>
+          <p:nvPr/>
+        </p:nvSpPr>
+        <p:spPr>
+          <a:xfrm>
+            <a:off x="1700185" y="4604749"/>
+            <a:ext cx="570990" cy="584775"/>
+          </a:xfrm>
+          <a:prstGeom prst="rect">
+            <a:avLst/>
+          </a:prstGeom>
+          <a:noFill/>
+        </p:spPr>
+        <p:txBody>
+          <a:bodyPr wrap="none" rtlCol="0">
+            <a:spAutoFit/>
+          </a:bodyPr>
+          <a:lstStyle/>
+          <a:p>
+            <a:r>
+              <a:rPr lang="ko-KR" altLang="en-US" sz="3200" dirty="0">
+                <a:latin typeface="경기천년바탕 Bold" panose="02020803020101020101" pitchFamily="18" charset="-127"/>
+                <a:ea typeface="경기천년바탕 Bold" panose="02020803020101020101" pitchFamily="18" charset="-127"/>
+              </a:rPr>
+              <a:t>맵</a:t>
+            </a:r>
+          </a:p>
+        </p:txBody>
+      </p:sp>
+    </p:spTree>
+    <p:extLst>
+      <p:ext uri="{BB962C8B-B14F-4D97-AF65-F5344CB8AC3E}">
+        <p14:creationId xmlns:p14="http://schemas.microsoft.com/office/powerpoint/2010/main" val="2242853402"/>
+      </p:ext>
+    </p:extLst>
+  </p:cSld>
+  <p:clrMapOvr>
+    <a:masterClrMapping/>
+  </p:clrMapOvr>
+</p:sld>
+</file>
+
+<file path=ppt/slides/slide8.xml><?xml version="1.0" encoding="utf-8"?>
+<p:sld xmlns:a="http://schemas.openxmlformats.org/drawingml/2006/main" xmlns:r="http://schemas.openxmlformats.org/officeDocument/2006/relationships" xmlns:p="http://schemas.openxmlformats.org/presentationml/2006/main">
+  <p:cSld>
+    <p:spTree>
+      <p:nvGrpSpPr>
+        <p:cNvPr id="1" name=""/>
+        <p:cNvGrpSpPr/>
+        <p:nvPr/>
+      </p:nvGrpSpPr>
+      <p:grpSpPr>
+        <a:xfrm>
+          <a:off x="0" y="0"/>
+          <a:ext cx="0" cy="0"/>
+          <a:chOff x="0" y="0"/>
+          <a:chExt cx="0" cy="0"/>
+        </a:xfrm>
+      </p:grpSpPr>
+      <p:sp>
+        <p:nvSpPr>
+          <p:cNvPr id="3" name="TextBox 2">
+            <a:extLst>
+              <a:ext uri="{FF2B5EF4-FFF2-40B4-BE49-F238E27FC236}">
+                <a16:creationId xmlns:a16="http://schemas.microsoft.com/office/drawing/2014/main" id="{54864A9D-4DB4-48B5-8888-6B62293FB5B2}"/>
+              </a:ext>
+            </a:extLst>
+          </p:cNvPr>
+          <p:cNvSpPr txBox="1"/>
+          <p:nvPr/>
+        </p:nvSpPr>
+        <p:spPr>
+          <a:xfrm>
+            <a:off x="9683089" y="409877"/>
+            <a:ext cx="1630576" cy="1015663"/>
+          </a:xfrm>
+          <a:prstGeom prst="rect">
+            <a:avLst/>
+          </a:prstGeom>
+          <a:noFill/>
+        </p:spPr>
+        <p:txBody>
+          <a:bodyPr wrap="none" rtlCol="0">
+            <a:spAutoFit/>
+          </a:bodyPr>
+          <a:lstStyle/>
+          <a:p>
+            <a:pPr algn="r"/>
+            <a:r>
+              <a:rPr lang="en-US" altLang="ko-KR" sz="6000" dirty="0">
+                <a:solidFill>
+                  <a:schemeClr val="bg1"/>
+                </a:solidFill>
+                <a:latin typeface="경기천년바탕 Bold" panose="02020803020101020101" pitchFamily="18" charset="-127"/>
+                <a:ea typeface="경기천년바탕 Bold" panose="02020803020101020101" pitchFamily="18" charset="-127"/>
+              </a:rPr>
+              <a:t>Map</a:t>
+            </a:r>
+            <a:endParaRPr lang="ko-KR" altLang="en-US" sz="6000" dirty="0">
+              <a:solidFill>
+                <a:schemeClr val="bg1"/>
+              </a:solidFill>
+              <a:latin typeface="경기천년바탕 Bold" panose="02020803020101020101" pitchFamily="18" charset="-127"/>
+              <a:ea typeface="경기천년바탕 Bold" panose="02020803020101020101" pitchFamily="18" charset="-127"/>
+            </a:endParaRPr>
+          </a:p>
+        </p:txBody>
+      </p:sp>
+      <p:sp>
+        <p:nvSpPr>
+          <p:cNvPr id="2" name="사각형: 둥근 모서리 1">
+            <a:extLst>
+              <a:ext uri="{FF2B5EF4-FFF2-40B4-BE49-F238E27FC236}">
+                <a16:creationId xmlns:a16="http://schemas.microsoft.com/office/drawing/2014/main" id="{77393A65-BBFF-4BAD-B931-8263D8928880}"/>
+              </a:ext>
+            </a:extLst>
+          </p:cNvPr>
+          <p:cNvSpPr/>
+          <p:nvPr/>
+        </p:nvSpPr>
+        <p:spPr>
+          <a:xfrm>
+            <a:off x="3511970" y="2003056"/>
+            <a:ext cx="7152640" cy="4145682"/>
+          </a:xfrm>
+          <a:prstGeom prst="roundRect">
+            <a:avLst>
+              <a:gd name="adj" fmla="val 124"/>
+            </a:avLst>
+          </a:prstGeom>
+          <a:solidFill>
+            <a:schemeClr val="bg1">
+              <a:lumMod val="65000"/>
+            </a:schemeClr>
+          </a:solidFill>
+          <a:ln>
+            <a:noFill/>
+          </a:ln>
+        </p:spPr>
+        <p:style>
+          <a:lnRef idx="2">
+            <a:schemeClr val="accent1">
+              <a:shade val="50000"/>
+            </a:schemeClr>
+          </a:lnRef>
+          <a:fillRef idx="1">
+            <a:schemeClr val="accent1"/>
+          </a:fillRef>
+          <a:effectRef idx="0">
+            <a:schemeClr val="accent1"/>
+          </a:effectRef>
+          <a:fontRef idx="minor">
+            <a:schemeClr val="lt1"/>
+          </a:fontRef>
+        </p:style>
+        <p:txBody>
+          <a:bodyPr rtlCol="0" anchor="ctr"/>
+          <a:lstStyle/>
+          <a:p>
+            <a:pPr algn="ctr"/>
+            <a:endParaRPr lang="ko-KR" altLang="en-US" dirty="0"/>
+          </a:p>
+        </p:txBody>
+      </p:sp>
+      <p:sp>
+        <p:nvSpPr>
+          <p:cNvPr id="9" name="L 도형 8">
+            <a:extLst>
+              <a:ext uri="{FF2B5EF4-FFF2-40B4-BE49-F238E27FC236}">
+                <a16:creationId xmlns:a16="http://schemas.microsoft.com/office/drawing/2014/main" id="{84B1B958-581A-4B20-90C9-DF550356EE42}"/>
+              </a:ext>
+            </a:extLst>
+          </p:cNvPr>
+          <p:cNvSpPr/>
+          <p:nvPr/>
+        </p:nvSpPr>
+        <p:spPr>
+          <a:xfrm rot="10800000">
+            <a:off x="11145873" y="340996"/>
+            <a:ext cx="680318" cy="680318"/>
+          </a:xfrm>
+          <a:prstGeom prst="corner">
+            <a:avLst>
+              <a:gd name="adj1" fmla="val 10000"/>
+              <a:gd name="adj2" fmla="val 8667"/>
+            </a:avLst>
+          </a:prstGeom>
+          <a:solidFill>
+            <a:schemeClr val="accent4">
+              <a:lumMod val="20000"/>
+              <a:lumOff val="80000"/>
+            </a:schemeClr>
+          </a:solidFill>
+          <a:ln>
+            <a:noFill/>
+          </a:ln>
+        </p:spPr>
+        <p:style>
+          <a:lnRef idx="2">
+            <a:schemeClr val="accent1">
+              <a:shade val="50000"/>
+            </a:schemeClr>
+          </a:lnRef>
+          <a:fillRef idx="1">
+            <a:schemeClr val="accent1"/>
+          </a:fillRef>
+          <a:effectRef idx="0">
+            <a:schemeClr val="accent1"/>
+          </a:effectRef>
+          <a:fontRef idx="minor">
+            <a:schemeClr val="lt1"/>
+          </a:fontRef>
+        </p:style>
+        <p:txBody>
+          <a:bodyPr rtlCol="0" anchor="ctr"/>
+          <a:lstStyle/>
+          <a:p>
+            <a:pPr algn="ctr"/>
+            <a:endParaRPr lang="ko-KR" altLang="en-US"/>
+          </a:p>
+        </p:txBody>
+      </p:sp>
+      <p:sp>
+        <p:nvSpPr>
+          <p:cNvPr id="12" name="타원 11">
+            <a:extLst>
+              <a:ext uri="{FF2B5EF4-FFF2-40B4-BE49-F238E27FC236}">
+                <a16:creationId xmlns:a16="http://schemas.microsoft.com/office/drawing/2014/main" id="{89A454A3-FF7C-42FE-83F7-84A7ABE1BD3D}"/>
+              </a:ext>
+            </a:extLst>
+          </p:cNvPr>
+          <p:cNvSpPr/>
+          <p:nvPr/>
+        </p:nvSpPr>
+        <p:spPr>
+          <a:xfrm>
+            <a:off x="5036399" y="2564266"/>
+            <a:ext cx="3060700" cy="3060700"/>
+          </a:xfrm>
+          <a:prstGeom prst="ellipse">
+            <a:avLst/>
+          </a:prstGeom>
+          <a:solidFill>
+            <a:srgbClr val="D7FBFD">
+              <a:alpha val="58824"/>
+            </a:srgbClr>
+          </a:solidFill>
+          <a:ln>
+            <a:noFill/>
+          </a:ln>
+        </p:spPr>
+        <p:style>
+          <a:lnRef idx="2">
+            <a:schemeClr val="accent1">
+              <a:shade val="50000"/>
+            </a:schemeClr>
+          </a:lnRef>
+          <a:fillRef idx="1">
+            <a:schemeClr val="accent1"/>
+          </a:fillRef>
+          <a:effectRef idx="0">
+            <a:schemeClr val="accent1"/>
+          </a:effectRef>
+          <a:fontRef idx="minor">
+            <a:schemeClr val="lt1"/>
+          </a:fontRef>
+        </p:style>
+        <p:txBody>
+          <a:bodyPr rtlCol="0" anchor="ctr"/>
+          <a:lstStyle/>
+          <a:p>
+            <a:pPr algn="ctr"/>
             <a:endParaRPr lang="ko-KR" altLang="en-US"/>
           </a:p>
         </p:txBody>
@@ -5467,7 +6593,7 @@
 </p:sld>
 </file>
 
-<file path=ppt/slides/slide7.xml><?xml version="1.0" encoding="utf-8"?>
+<file path=ppt/slides/slide9.xml><?xml version="1.0" encoding="utf-8"?>
 <p:sld xmlns:a="http://schemas.openxmlformats.org/drawingml/2006/main" xmlns:r="http://schemas.openxmlformats.org/officeDocument/2006/relationships" xmlns:p="http://schemas.openxmlformats.org/presentationml/2006/main">
   <p:cSld>
     <p:spTree>
@@ -6715,787 +7841,6 @@
       <p:bldP spid="43" grpId="0"/>
     </p:bldLst>
   </p:timing>
-</p:sld>
-</file>
-
-<file path=ppt/slides/slide8.xml><?xml version="1.0" encoding="utf-8"?>
-<p:sld xmlns:a="http://schemas.openxmlformats.org/drawingml/2006/main" xmlns:r="http://schemas.openxmlformats.org/officeDocument/2006/relationships" xmlns:p="http://schemas.openxmlformats.org/presentationml/2006/main">
-  <p:cSld>
-    <p:spTree>
-      <p:nvGrpSpPr>
-        <p:cNvPr id="1" name=""/>
-        <p:cNvGrpSpPr/>
-        <p:nvPr/>
-      </p:nvGrpSpPr>
-      <p:grpSpPr>
-        <a:xfrm>
-          <a:off x="0" y="0"/>
-          <a:ext cx="0" cy="0"/>
-          <a:chOff x="0" y="0"/>
-          <a:chExt cx="0" cy="0"/>
-        </a:xfrm>
-      </p:grpSpPr>
-      <p:sp>
-        <p:nvSpPr>
-          <p:cNvPr id="3" name="TextBox 2">
-            <a:extLst>
-              <a:ext uri="{FF2B5EF4-FFF2-40B4-BE49-F238E27FC236}">
-                <a16:creationId xmlns:a16="http://schemas.microsoft.com/office/drawing/2014/main" id="{54864A9D-4DB4-48B5-8888-6B62293FB5B2}"/>
-              </a:ext>
-            </a:extLst>
-          </p:cNvPr>
-          <p:cNvSpPr txBox="1"/>
-          <p:nvPr/>
-        </p:nvSpPr>
-        <p:spPr>
-          <a:xfrm>
-            <a:off x="9606146" y="409877"/>
-            <a:ext cx="1707519" cy="1015663"/>
-          </a:xfrm>
-          <a:prstGeom prst="rect">
-            <a:avLst/>
-          </a:prstGeom>
-          <a:noFill/>
-        </p:spPr>
-        <p:txBody>
-          <a:bodyPr wrap="none" rtlCol="0">
-            <a:spAutoFit/>
-          </a:bodyPr>
-          <a:lstStyle/>
-          <a:p>
-            <a:pPr algn="r"/>
-            <a:r>
-              <a:rPr lang="en-US" altLang="ko-KR" sz="6000" dirty="0">
-                <a:solidFill>
-                  <a:schemeClr val="bg1"/>
-                </a:solidFill>
-                <a:latin typeface="경기천년바탕 Bold" panose="02020803020101020101" pitchFamily="18" charset="-127"/>
-                <a:ea typeface="경기천년바탕 Bold" panose="02020803020101020101" pitchFamily="18" charset="-127"/>
-              </a:rPr>
-              <a:t>Item</a:t>
-            </a:r>
-            <a:endParaRPr lang="ko-KR" altLang="en-US" sz="6000" dirty="0">
-              <a:solidFill>
-                <a:schemeClr val="bg1"/>
-              </a:solidFill>
-              <a:latin typeface="경기천년바탕 Bold" panose="02020803020101020101" pitchFamily="18" charset="-127"/>
-              <a:ea typeface="경기천년바탕 Bold" panose="02020803020101020101" pitchFamily="18" charset="-127"/>
-            </a:endParaRPr>
-          </a:p>
-        </p:txBody>
-      </p:sp>
-      <p:sp>
-        <p:nvSpPr>
-          <p:cNvPr id="9" name="L 도형 8">
-            <a:extLst>
-              <a:ext uri="{FF2B5EF4-FFF2-40B4-BE49-F238E27FC236}">
-                <a16:creationId xmlns:a16="http://schemas.microsoft.com/office/drawing/2014/main" id="{84B1B958-581A-4B20-90C9-DF550356EE42}"/>
-              </a:ext>
-            </a:extLst>
-          </p:cNvPr>
-          <p:cNvSpPr/>
-          <p:nvPr/>
-        </p:nvSpPr>
-        <p:spPr>
-          <a:xfrm rot="10800000">
-            <a:off x="11145873" y="340996"/>
-            <a:ext cx="680318" cy="680318"/>
-          </a:xfrm>
-          <a:prstGeom prst="corner">
-            <a:avLst>
-              <a:gd name="adj1" fmla="val 10000"/>
-              <a:gd name="adj2" fmla="val 8667"/>
-            </a:avLst>
-          </a:prstGeom>
-          <a:solidFill>
-            <a:schemeClr val="accent4">
-              <a:lumMod val="20000"/>
-              <a:lumOff val="80000"/>
-            </a:schemeClr>
-          </a:solidFill>
-          <a:ln>
-            <a:noFill/>
-          </a:ln>
-        </p:spPr>
-        <p:style>
-          <a:lnRef idx="2">
-            <a:schemeClr val="accent1">
-              <a:shade val="50000"/>
-            </a:schemeClr>
-          </a:lnRef>
-          <a:fillRef idx="1">
-            <a:schemeClr val="accent1"/>
-          </a:fillRef>
-          <a:effectRef idx="0">
-            <a:schemeClr val="accent1"/>
-          </a:effectRef>
-          <a:fontRef idx="minor">
-            <a:schemeClr val="lt1"/>
-          </a:fontRef>
-        </p:style>
-        <p:txBody>
-          <a:bodyPr rtlCol="0" anchor="ctr"/>
-          <a:lstStyle/>
-          <a:p>
-            <a:pPr algn="ctr"/>
-            <a:endParaRPr lang="ko-KR" altLang="en-US"/>
-          </a:p>
-        </p:txBody>
-      </p:sp>
-      <p:pic>
-        <p:nvPicPr>
-          <p:cNvPr id="4" name="그림 3">
-            <a:extLst>
-              <a:ext uri="{FF2B5EF4-FFF2-40B4-BE49-F238E27FC236}">
-                <a16:creationId xmlns:a16="http://schemas.microsoft.com/office/drawing/2014/main" id="{2B8D24F6-E464-48E9-8180-9D474EB3C0BC}"/>
-              </a:ext>
-            </a:extLst>
-          </p:cNvPr>
-          <p:cNvPicPr>
-            <a:picLocks noChangeAspect="1"/>
-          </p:cNvPicPr>
-          <p:nvPr/>
-        </p:nvPicPr>
-        <p:blipFill>
-          <a:blip r:embed="rId2">
-            <a:extLst>
-              <a:ext uri="{28A0092B-C50C-407E-A947-70E740481C1C}">
-                <a14:useLocalDpi xmlns:a14="http://schemas.microsoft.com/office/drawing/2010/main" val="0"/>
-              </a:ext>
-            </a:extLst>
-          </a:blip>
-          <a:stretch>
-            <a:fillRect/>
-          </a:stretch>
-        </p:blipFill>
-        <p:spPr>
-          <a:xfrm>
-            <a:off x="2864452" y="2055399"/>
-            <a:ext cx="1053968" cy="1130159"/>
-          </a:xfrm>
-          <a:prstGeom prst="rect">
-            <a:avLst/>
-          </a:prstGeom>
-          <a:effectLst>
-            <a:outerShdw blurRad="50800" dist="38100" algn="l" rotWithShape="0">
-              <a:prstClr val="black">
-                <a:alpha val="40000"/>
-              </a:prstClr>
-            </a:outerShdw>
-          </a:effectLst>
-        </p:spPr>
-      </p:pic>
-      <p:pic>
-        <p:nvPicPr>
-          <p:cNvPr id="6" name="그림 5" descr="옅은이(가) 표시된 사진&#10;&#10;자동 생성된 설명">
-            <a:extLst>
-              <a:ext uri="{FF2B5EF4-FFF2-40B4-BE49-F238E27FC236}">
-                <a16:creationId xmlns:a16="http://schemas.microsoft.com/office/drawing/2014/main" id="{E3A49390-A601-4693-8484-9B10C6F83C9F}"/>
-              </a:ext>
-            </a:extLst>
-          </p:cNvPr>
-          <p:cNvPicPr>
-            <a:picLocks noChangeAspect="1"/>
-          </p:cNvPicPr>
-          <p:nvPr/>
-        </p:nvPicPr>
-        <p:blipFill>
-          <a:blip r:embed="rId3">
-            <a:extLst>
-              <a:ext uri="{28A0092B-C50C-407E-A947-70E740481C1C}">
-                <a14:useLocalDpi xmlns:a14="http://schemas.microsoft.com/office/drawing/2010/main" val="0"/>
-              </a:ext>
-            </a:extLst>
-          </a:blip>
-          <a:stretch>
-            <a:fillRect/>
-          </a:stretch>
-        </p:blipFill>
-        <p:spPr>
-          <a:xfrm>
-            <a:off x="2864452" y="4441994"/>
-            <a:ext cx="1053968" cy="1130159"/>
-          </a:xfrm>
-          <a:prstGeom prst="rect">
-            <a:avLst/>
-          </a:prstGeom>
-          <a:effectLst>
-            <a:outerShdw blurRad="50800" dist="38100" algn="l" rotWithShape="0">
-              <a:prstClr val="black">
-                <a:alpha val="40000"/>
-              </a:prstClr>
-            </a:outerShdw>
-          </a:effectLst>
-        </p:spPr>
-      </p:pic>
-      <p:pic>
-        <p:nvPicPr>
-          <p:cNvPr id="17" name="그림 16" descr="게임이(가) 표시된 사진&#10;&#10;자동 생성된 설명">
-            <a:extLst>
-              <a:ext uri="{FF2B5EF4-FFF2-40B4-BE49-F238E27FC236}">
-                <a16:creationId xmlns:a16="http://schemas.microsoft.com/office/drawing/2014/main" id="{0F50BAEE-FB7C-47EB-ABA7-3C6B7CC11BF3}"/>
-              </a:ext>
-            </a:extLst>
-          </p:cNvPr>
-          <p:cNvPicPr>
-            <a:picLocks noChangeAspect="1"/>
-          </p:cNvPicPr>
-          <p:nvPr/>
-        </p:nvPicPr>
-        <p:blipFill>
-          <a:blip r:embed="rId4">
-            <a:extLst>
-              <a:ext uri="{28A0092B-C50C-407E-A947-70E740481C1C}">
-                <a14:useLocalDpi xmlns:a14="http://schemas.microsoft.com/office/drawing/2010/main" val="0"/>
-              </a:ext>
-            </a:extLst>
-          </a:blip>
-          <a:stretch>
-            <a:fillRect/>
-          </a:stretch>
-        </p:blipFill>
-        <p:spPr>
-          <a:xfrm>
-            <a:off x="2864452" y="3185558"/>
-            <a:ext cx="1053968" cy="1130159"/>
-          </a:xfrm>
-          <a:prstGeom prst="rect">
-            <a:avLst/>
-          </a:prstGeom>
-          <a:effectLst>
-            <a:outerShdw blurRad="50800" dist="38100" algn="l" rotWithShape="0">
-              <a:prstClr val="black">
-                <a:alpha val="40000"/>
-              </a:prstClr>
-            </a:outerShdw>
-          </a:effectLst>
-        </p:spPr>
-      </p:pic>
-      <p:sp>
-        <p:nvSpPr>
-          <p:cNvPr id="18" name="TextBox 17">
-            <a:extLst>
-              <a:ext uri="{FF2B5EF4-FFF2-40B4-BE49-F238E27FC236}">
-                <a16:creationId xmlns:a16="http://schemas.microsoft.com/office/drawing/2014/main" id="{A3F3BD14-B60A-45F1-8692-9F43A08D304C}"/>
-              </a:ext>
-            </a:extLst>
-          </p:cNvPr>
-          <p:cNvSpPr txBox="1"/>
-          <p:nvPr/>
-        </p:nvSpPr>
-        <p:spPr>
-          <a:xfrm>
-            <a:off x="4154344" y="2266535"/>
-            <a:ext cx="5451802" cy="707886"/>
-          </a:xfrm>
-          <a:prstGeom prst="rect">
-            <a:avLst/>
-          </a:prstGeom>
-          <a:noFill/>
-        </p:spPr>
-        <p:txBody>
-          <a:bodyPr wrap="square" rtlCol="0">
-            <a:spAutoFit/>
-          </a:bodyPr>
-          <a:lstStyle/>
-          <a:p>
-            <a:r>
-              <a:rPr lang="en-US" altLang="ko-KR" sz="4000" dirty="0">
-                <a:solidFill>
-                  <a:schemeClr val="bg1"/>
-                </a:solidFill>
-                <a:latin typeface="경기천년바탕 Regular" panose="02020503020101020101" pitchFamily="18" charset="-127"/>
-                <a:ea typeface="경기천년바탕 Regular" panose="02020503020101020101" pitchFamily="18" charset="-127"/>
-              </a:rPr>
-              <a:t>: </a:t>
-            </a:r>
-            <a:r>
-              <a:rPr lang="ko-KR" altLang="en-US" sz="2400" dirty="0">
-                <a:solidFill>
-                  <a:schemeClr val="bg1"/>
-                </a:solidFill>
-                <a:latin typeface="경기천년바탕 Regular" panose="02020503020101020101" pitchFamily="18" charset="-127"/>
-                <a:ea typeface="경기천년바탕 Regular" panose="02020503020101020101" pitchFamily="18" charset="-127"/>
-                <a:cs typeface="Times New Roman" panose="02020603050405020304" pitchFamily="18" charset="0"/>
-              </a:rPr>
-              <a:t>섬광탄 </a:t>
-            </a:r>
-            <a:r>
-              <a:rPr lang="en-US" altLang="ko-KR" sz="2400" dirty="0">
-                <a:solidFill>
-                  <a:schemeClr val="bg1"/>
-                </a:solidFill>
-                <a:latin typeface="경기천년바탕 Regular" panose="02020503020101020101" pitchFamily="18" charset="-127"/>
-                <a:ea typeface="경기천년바탕 Regular" panose="02020503020101020101" pitchFamily="18" charset="-127"/>
-                <a:cs typeface="Times New Roman" panose="02020603050405020304" pitchFamily="18" charset="0"/>
-              </a:rPr>
-              <a:t>– </a:t>
-            </a:r>
-            <a:r>
-              <a:rPr lang="ko-KR" altLang="en-US" sz="2400" dirty="0">
-                <a:solidFill>
-                  <a:schemeClr val="bg1"/>
-                </a:solidFill>
-                <a:latin typeface="경기천년바탕 Regular" panose="02020503020101020101" pitchFamily="18" charset="-127"/>
-                <a:ea typeface="경기천년바탕 Regular" panose="02020503020101020101" pitchFamily="18" charset="-127"/>
-                <a:cs typeface="Times New Roman" panose="02020603050405020304" pitchFamily="18" charset="0"/>
-              </a:rPr>
-              <a:t>피격  적 유닛의 시야 제한</a:t>
-            </a:r>
-            <a:endParaRPr lang="ko-KR" altLang="en-US" sz="4000" dirty="0">
-              <a:solidFill>
-                <a:schemeClr val="bg1"/>
-              </a:solidFill>
-              <a:latin typeface="경기천년바탕 Regular" panose="02020503020101020101" pitchFamily="18" charset="-127"/>
-              <a:ea typeface="경기천년바탕 Regular" panose="02020503020101020101" pitchFamily="18" charset="-127"/>
-            </a:endParaRPr>
-          </a:p>
-        </p:txBody>
-      </p:sp>
-      <p:sp>
-        <p:nvSpPr>
-          <p:cNvPr id="19" name="TextBox 18">
-            <a:extLst>
-              <a:ext uri="{FF2B5EF4-FFF2-40B4-BE49-F238E27FC236}">
-                <a16:creationId xmlns:a16="http://schemas.microsoft.com/office/drawing/2014/main" id="{69F40EAE-D42F-4CFB-9B82-20DAC56FC3B9}"/>
-              </a:ext>
-            </a:extLst>
-          </p:cNvPr>
-          <p:cNvSpPr txBox="1"/>
-          <p:nvPr/>
-        </p:nvSpPr>
-        <p:spPr>
-          <a:xfrm>
-            <a:off x="4154344" y="3443843"/>
-            <a:ext cx="5451802" cy="707886"/>
-          </a:xfrm>
-          <a:prstGeom prst="rect">
-            <a:avLst/>
-          </a:prstGeom>
-          <a:noFill/>
-        </p:spPr>
-        <p:txBody>
-          <a:bodyPr wrap="square" rtlCol="0">
-            <a:spAutoFit/>
-          </a:bodyPr>
-          <a:lstStyle/>
-          <a:p>
-            <a:r>
-              <a:rPr lang="en-US" altLang="ko-KR" sz="4000" dirty="0">
-                <a:solidFill>
-                  <a:schemeClr val="bg1"/>
-                </a:solidFill>
-                <a:latin typeface="경기천년바탕 Regular" panose="02020503020101020101" pitchFamily="18" charset="-127"/>
-                <a:ea typeface="경기천년바탕 Regular" panose="02020503020101020101" pitchFamily="18" charset="-127"/>
-              </a:rPr>
-              <a:t>: </a:t>
-            </a:r>
-            <a:r>
-              <a:rPr lang="ko-KR" altLang="en-US" sz="2400" dirty="0">
-                <a:solidFill>
-                  <a:schemeClr val="bg1"/>
-                </a:solidFill>
-                <a:latin typeface="경기천년바탕 Regular" panose="02020503020101020101" pitchFamily="18" charset="-127"/>
-                <a:ea typeface="경기천년바탕 Regular" panose="02020503020101020101" pitchFamily="18" charset="-127"/>
-                <a:cs typeface="Times New Roman" panose="02020603050405020304" pitchFamily="18" charset="0"/>
-              </a:rPr>
-              <a:t>연막탄 </a:t>
-            </a:r>
-            <a:r>
-              <a:rPr lang="en-US" altLang="ko-KR" sz="2400" dirty="0">
-                <a:solidFill>
-                  <a:schemeClr val="bg1"/>
-                </a:solidFill>
-                <a:latin typeface="경기천년바탕 Regular" panose="02020503020101020101" pitchFamily="18" charset="-127"/>
-                <a:ea typeface="경기천년바탕 Regular" panose="02020503020101020101" pitchFamily="18" charset="-127"/>
-                <a:cs typeface="Times New Roman" panose="02020603050405020304" pitchFamily="18" charset="0"/>
-              </a:rPr>
-              <a:t>– </a:t>
-            </a:r>
-            <a:r>
-              <a:rPr lang="ko-KR" altLang="en-US" sz="2400" dirty="0">
-                <a:solidFill>
-                  <a:schemeClr val="bg1"/>
-                </a:solidFill>
-                <a:latin typeface="경기천년바탕 Regular" panose="02020503020101020101" pitchFamily="18" charset="-127"/>
-                <a:ea typeface="경기천년바탕 Regular" panose="02020503020101020101" pitchFamily="18" charset="-127"/>
-                <a:cs typeface="Times New Roman" panose="02020603050405020304" pitchFamily="18" charset="0"/>
-              </a:rPr>
-              <a:t>피격 범위 내 유닛의 시야 제한</a:t>
-            </a:r>
-            <a:r>
-              <a:rPr lang="en-US" altLang="ko-KR" sz="2400" dirty="0">
-                <a:solidFill>
-                  <a:schemeClr val="bg1"/>
-                </a:solidFill>
-                <a:latin typeface="경기천년바탕 Regular" panose="02020503020101020101" pitchFamily="18" charset="-127"/>
-                <a:ea typeface="경기천년바탕 Regular" panose="02020503020101020101" pitchFamily="18" charset="-127"/>
-                <a:cs typeface="Times New Roman" panose="02020603050405020304" pitchFamily="18" charset="0"/>
-              </a:rPr>
-              <a:t>  </a:t>
-            </a:r>
-            <a:endParaRPr lang="ko-KR" altLang="en-US" sz="4000" dirty="0">
-              <a:solidFill>
-                <a:schemeClr val="bg1"/>
-              </a:solidFill>
-              <a:latin typeface="경기천년바탕 Regular" panose="02020503020101020101" pitchFamily="18" charset="-127"/>
-              <a:ea typeface="경기천년바탕 Regular" panose="02020503020101020101" pitchFamily="18" charset="-127"/>
-            </a:endParaRPr>
-          </a:p>
-        </p:txBody>
-      </p:sp>
-      <p:sp>
-        <p:nvSpPr>
-          <p:cNvPr id="20" name="TextBox 19">
-            <a:extLst>
-              <a:ext uri="{FF2B5EF4-FFF2-40B4-BE49-F238E27FC236}">
-                <a16:creationId xmlns:a16="http://schemas.microsoft.com/office/drawing/2014/main" id="{DC03AA0E-28A2-40C9-A6A8-BF867CB23A63}"/>
-              </a:ext>
-            </a:extLst>
-          </p:cNvPr>
-          <p:cNvSpPr txBox="1"/>
-          <p:nvPr/>
-        </p:nvSpPr>
-        <p:spPr>
-          <a:xfrm>
-            <a:off x="4154345" y="4621151"/>
-            <a:ext cx="4398961" cy="707886"/>
-          </a:xfrm>
-          <a:prstGeom prst="rect">
-            <a:avLst/>
-          </a:prstGeom>
-          <a:noFill/>
-        </p:spPr>
-        <p:txBody>
-          <a:bodyPr wrap="none" rtlCol="0">
-            <a:spAutoFit/>
-          </a:bodyPr>
-          <a:lstStyle/>
-          <a:p>
-            <a:r>
-              <a:rPr lang="en-US" altLang="ko-KR" sz="4000" dirty="0">
-                <a:solidFill>
-                  <a:schemeClr val="bg1"/>
-                </a:solidFill>
-                <a:latin typeface="경기천년바탕 Regular" panose="02020503020101020101" pitchFamily="18" charset="-127"/>
-                <a:ea typeface="경기천년바탕 Regular" panose="02020503020101020101" pitchFamily="18" charset="-127"/>
-              </a:rPr>
-              <a:t>: </a:t>
-            </a:r>
-            <a:r>
-              <a:rPr lang="ko-KR" altLang="en-US" sz="2400" dirty="0">
-                <a:solidFill>
-                  <a:schemeClr val="bg1"/>
-                </a:solidFill>
-                <a:latin typeface="경기천년바탕 Regular" panose="02020503020101020101" pitchFamily="18" charset="-127"/>
-                <a:ea typeface="경기천년바탕 Regular" panose="02020503020101020101" pitchFamily="18" charset="-127"/>
-                <a:cs typeface="Times New Roman" panose="02020603050405020304" pitchFamily="18" charset="0"/>
-              </a:rPr>
-              <a:t>수류탄 </a:t>
-            </a:r>
-            <a:r>
-              <a:rPr lang="en-US" altLang="ko-KR" sz="2400" dirty="0">
-                <a:solidFill>
-                  <a:schemeClr val="bg1"/>
-                </a:solidFill>
-                <a:latin typeface="경기천년바탕 Regular" panose="02020503020101020101" pitchFamily="18" charset="-127"/>
-                <a:ea typeface="경기천년바탕 Regular" panose="02020503020101020101" pitchFamily="18" charset="-127"/>
-                <a:cs typeface="Times New Roman" panose="02020603050405020304" pitchFamily="18" charset="0"/>
-              </a:rPr>
-              <a:t>– </a:t>
-            </a:r>
-            <a:r>
-              <a:rPr lang="ko-KR" altLang="en-US" sz="2400" dirty="0">
-                <a:solidFill>
-                  <a:schemeClr val="bg1"/>
-                </a:solidFill>
-                <a:latin typeface="경기천년바탕 Regular" panose="02020503020101020101" pitchFamily="18" charset="-127"/>
-                <a:ea typeface="경기천년바탕 Regular" panose="02020503020101020101" pitchFamily="18" charset="-127"/>
-                <a:cs typeface="Times New Roman" panose="02020603050405020304" pitchFamily="18" charset="0"/>
-              </a:rPr>
-              <a:t>피격 적 유닛에 데미지</a:t>
-            </a:r>
-            <a:endParaRPr lang="ko-KR" altLang="en-US" sz="4000" dirty="0">
-              <a:solidFill>
-                <a:schemeClr val="bg1"/>
-              </a:solidFill>
-              <a:latin typeface="경기천년바탕 Regular" panose="02020503020101020101" pitchFamily="18" charset="-127"/>
-              <a:ea typeface="경기천년바탕 Regular" panose="02020503020101020101" pitchFamily="18" charset="-127"/>
-            </a:endParaRPr>
-          </a:p>
-        </p:txBody>
-      </p:sp>
-    </p:spTree>
-    <p:extLst>
-      <p:ext uri="{BB962C8B-B14F-4D97-AF65-F5344CB8AC3E}">
-        <p14:creationId xmlns:p14="http://schemas.microsoft.com/office/powerpoint/2010/main" val="2590619000"/>
-      </p:ext>
-    </p:extLst>
-  </p:cSld>
-  <p:clrMapOvr>
-    <a:masterClrMapping/>
-  </p:clrMapOvr>
-</p:sld>
-</file>
-
-<file path=ppt/slides/slide9.xml><?xml version="1.0" encoding="utf-8"?>
-<p:sld xmlns:a="http://schemas.openxmlformats.org/drawingml/2006/main" xmlns:r="http://schemas.openxmlformats.org/officeDocument/2006/relationships" xmlns:p="http://schemas.openxmlformats.org/presentationml/2006/main">
-  <p:cSld>
-    <p:spTree>
-      <p:nvGrpSpPr>
-        <p:cNvPr id="1" name=""/>
-        <p:cNvGrpSpPr/>
-        <p:nvPr/>
-      </p:nvGrpSpPr>
-      <p:grpSpPr>
-        <a:xfrm>
-          <a:off x="0" y="0"/>
-          <a:ext cx="0" cy="0"/>
-          <a:chOff x="0" y="0"/>
-          <a:chExt cx="0" cy="0"/>
-        </a:xfrm>
-      </p:grpSpPr>
-      <p:sp>
-        <p:nvSpPr>
-          <p:cNvPr id="3" name="TextBox 2">
-            <a:extLst>
-              <a:ext uri="{FF2B5EF4-FFF2-40B4-BE49-F238E27FC236}">
-                <a16:creationId xmlns:a16="http://schemas.microsoft.com/office/drawing/2014/main" id="{54864A9D-4DB4-48B5-8888-6B62293FB5B2}"/>
-              </a:ext>
-            </a:extLst>
-          </p:cNvPr>
-          <p:cNvSpPr txBox="1"/>
-          <p:nvPr/>
-        </p:nvSpPr>
-        <p:spPr>
-          <a:xfrm>
-            <a:off x="9606146" y="409877"/>
-            <a:ext cx="1707519" cy="1015663"/>
-          </a:xfrm>
-          <a:prstGeom prst="rect">
-            <a:avLst/>
-          </a:prstGeom>
-          <a:noFill/>
-        </p:spPr>
-        <p:txBody>
-          <a:bodyPr wrap="none" rtlCol="0">
-            <a:spAutoFit/>
-          </a:bodyPr>
-          <a:lstStyle/>
-          <a:p>
-            <a:pPr algn="r"/>
-            <a:r>
-              <a:rPr lang="en-US" altLang="ko-KR" sz="6000" dirty="0">
-                <a:solidFill>
-                  <a:schemeClr val="bg1"/>
-                </a:solidFill>
-                <a:latin typeface="경기천년바탕 Bold" panose="02020803020101020101" pitchFamily="18" charset="-127"/>
-                <a:ea typeface="경기천년바탕 Bold" panose="02020803020101020101" pitchFamily="18" charset="-127"/>
-              </a:rPr>
-              <a:t>Item</a:t>
-            </a:r>
-            <a:endParaRPr lang="ko-KR" altLang="en-US" sz="6000" dirty="0">
-              <a:solidFill>
-                <a:schemeClr val="bg1"/>
-              </a:solidFill>
-              <a:latin typeface="경기천년바탕 Bold" panose="02020803020101020101" pitchFamily="18" charset="-127"/>
-              <a:ea typeface="경기천년바탕 Bold" panose="02020803020101020101" pitchFamily="18" charset="-127"/>
-            </a:endParaRPr>
-          </a:p>
-        </p:txBody>
-      </p:sp>
-      <p:sp>
-        <p:nvSpPr>
-          <p:cNvPr id="9" name="L 도형 8">
-            <a:extLst>
-              <a:ext uri="{FF2B5EF4-FFF2-40B4-BE49-F238E27FC236}">
-                <a16:creationId xmlns:a16="http://schemas.microsoft.com/office/drawing/2014/main" id="{84B1B958-581A-4B20-90C9-DF550356EE42}"/>
-              </a:ext>
-            </a:extLst>
-          </p:cNvPr>
-          <p:cNvSpPr/>
-          <p:nvPr/>
-        </p:nvSpPr>
-        <p:spPr>
-          <a:xfrm rot="10800000">
-            <a:off x="11145873" y="340996"/>
-            <a:ext cx="680318" cy="680318"/>
-          </a:xfrm>
-          <a:prstGeom prst="corner">
-            <a:avLst>
-              <a:gd name="adj1" fmla="val 10000"/>
-              <a:gd name="adj2" fmla="val 8667"/>
-            </a:avLst>
-          </a:prstGeom>
-          <a:solidFill>
-            <a:schemeClr val="accent4">
-              <a:lumMod val="20000"/>
-              <a:lumOff val="80000"/>
-            </a:schemeClr>
-          </a:solidFill>
-          <a:ln>
-            <a:noFill/>
-          </a:ln>
-        </p:spPr>
-        <p:style>
-          <a:lnRef idx="2">
-            <a:schemeClr val="accent1">
-              <a:shade val="50000"/>
-            </a:schemeClr>
-          </a:lnRef>
-          <a:fillRef idx="1">
-            <a:schemeClr val="accent1"/>
-          </a:fillRef>
-          <a:effectRef idx="0">
-            <a:schemeClr val="accent1"/>
-          </a:effectRef>
-          <a:fontRef idx="minor">
-            <a:schemeClr val="lt1"/>
-          </a:fontRef>
-        </p:style>
-        <p:txBody>
-          <a:bodyPr rtlCol="0" anchor="ctr"/>
-          <a:lstStyle/>
-          <a:p>
-            <a:pPr algn="ctr"/>
-            <a:endParaRPr lang="ko-KR" altLang="en-US"/>
-          </a:p>
-        </p:txBody>
-      </p:sp>
-      <p:pic>
-        <p:nvPicPr>
-          <p:cNvPr id="10" name="그림 9">
-            <a:extLst>
-              <a:ext uri="{FF2B5EF4-FFF2-40B4-BE49-F238E27FC236}">
-                <a16:creationId xmlns:a16="http://schemas.microsoft.com/office/drawing/2014/main" id="{B7B00ED8-8226-477E-9209-AE49381139BA}"/>
-              </a:ext>
-            </a:extLst>
-          </p:cNvPr>
-          <p:cNvPicPr>
-            <a:picLocks noChangeAspect="1"/>
-          </p:cNvPicPr>
-          <p:nvPr/>
-        </p:nvPicPr>
-        <p:blipFill>
-          <a:blip r:embed="rId2">
-            <a:extLst>
-              <a:ext uri="{28A0092B-C50C-407E-A947-70E740481C1C}">
-                <a14:useLocalDpi xmlns:a14="http://schemas.microsoft.com/office/drawing/2010/main" val="0"/>
-              </a:ext>
-            </a:extLst>
-          </a:blip>
-          <a:stretch>
-            <a:fillRect/>
-          </a:stretch>
-        </p:blipFill>
-        <p:spPr>
-          <a:xfrm>
-            <a:off x="3767238" y="3225685"/>
-            <a:ext cx="1307936" cy="888889"/>
-          </a:xfrm>
-          <a:prstGeom prst="rect">
-            <a:avLst/>
-          </a:prstGeom>
-          <a:effectLst>
-            <a:outerShdw blurRad="50800" dist="38100" algn="l" rotWithShape="0">
-              <a:prstClr val="black">
-                <a:alpha val="40000"/>
-              </a:prstClr>
-            </a:outerShdw>
-          </a:effectLst>
-        </p:spPr>
-      </p:pic>
-      <p:sp>
-        <p:nvSpPr>
-          <p:cNvPr id="18" name="TextBox 17">
-            <a:extLst>
-              <a:ext uri="{FF2B5EF4-FFF2-40B4-BE49-F238E27FC236}">
-                <a16:creationId xmlns:a16="http://schemas.microsoft.com/office/drawing/2014/main" id="{A3F3BD14-B60A-45F1-8692-9F43A08D304C}"/>
-              </a:ext>
-            </a:extLst>
-          </p:cNvPr>
-          <p:cNvSpPr txBox="1"/>
-          <p:nvPr/>
-        </p:nvSpPr>
-        <p:spPr>
-          <a:xfrm>
-            <a:off x="5184114" y="3161685"/>
-            <a:ext cx="5451802" cy="707886"/>
-          </a:xfrm>
-          <a:prstGeom prst="rect">
-            <a:avLst/>
-          </a:prstGeom>
-          <a:noFill/>
-        </p:spPr>
-        <p:txBody>
-          <a:bodyPr wrap="square" rtlCol="0">
-            <a:spAutoFit/>
-          </a:bodyPr>
-          <a:lstStyle/>
-          <a:p>
-            <a:r>
-              <a:rPr lang="en-US" altLang="ko-KR" sz="4000" dirty="0">
-                <a:solidFill>
-                  <a:schemeClr val="bg1"/>
-                </a:solidFill>
-                <a:latin typeface="경기천년바탕 Regular" panose="02020503020101020101" pitchFamily="18" charset="-127"/>
-                <a:ea typeface="경기천년바탕 Regular" panose="02020503020101020101" pitchFamily="18" charset="-127"/>
-              </a:rPr>
-              <a:t>: </a:t>
-            </a:r>
-            <a:r>
-              <a:rPr lang="ko-KR" altLang="en-US" sz="2400" dirty="0">
-                <a:solidFill>
-                  <a:schemeClr val="bg1"/>
-                </a:solidFill>
-                <a:latin typeface="경기천년바탕 Regular" panose="02020503020101020101" pitchFamily="18" charset="-127"/>
-                <a:ea typeface="경기천년바탕 Regular" panose="02020503020101020101" pitchFamily="18" charset="-127"/>
-                <a:cs typeface="Times New Roman" panose="02020603050405020304" pitchFamily="18" charset="0"/>
-              </a:rPr>
-              <a:t>권총 </a:t>
-            </a:r>
-            <a:r>
-              <a:rPr lang="en-US" altLang="ko-KR" sz="2400" dirty="0">
-                <a:solidFill>
-                  <a:schemeClr val="bg1"/>
-                </a:solidFill>
-                <a:latin typeface="경기천년바탕 Regular" panose="02020503020101020101" pitchFamily="18" charset="-127"/>
-                <a:ea typeface="경기천년바탕 Regular" panose="02020503020101020101" pitchFamily="18" charset="-127"/>
-                <a:cs typeface="Times New Roman" panose="02020603050405020304" pitchFamily="18" charset="0"/>
-              </a:rPr>
-              <a:t>– </a:t>
-            </a:r>
-            <a:r>
-              <a:rPr lang="ko-KR" altLang="en-US" sz="2400" dirty="0" err="1">
-                <a:solidFill>
-                  <a:schemeClr val="bg1"/>
-                </a:solidFill>
-                <a:latin typeface="경기천년바탕 Regular" panose="02020503020101020101" pitchFamily="18" charset="-127"/>
-                <a:ea typeface="경기천년바탕 Regular" panose="02020503020101020101" pitchFamily="18" charset="-127"/>
-                <a:cs typeface="Times New Roman" panose="02020603050405020304" pitchFamily="18" charset="0"/>
-              </a:rPr>
-              <a:t>어쩌구저쩌구</a:t>
-            </a:r>
-            <a:endParaRPr lang="ko-KR" altLang="en-US" sz="4000" dirty="0">
-              <a:solidFill>
-                <a:schemeClr val="bg1"/>
-              </a:solidFill>
-              <a:latin typeface="경기천년바탕 Regular" panose="02020503020101020101" pitchFamily="18" charset="-127"/>
-              <a:ea typeface="경기천년바탕 Regular" panose="02020503020101020101" pitchFamily="18" charset="-127"/>
-            </a:endParaRPr>
-          </a:p>
-        </p:txBody>
-      </p:sp>
-    </p:spTree>
-    <p:extLst>
-      <p:ext uri="{BB962C8B-B14F-4D97-AF65-F5344CB8AC3E}">
-        <p14:creationId xmlns:p14="http://schemas.microsoft.com/office/powerpoint/2010/main" val="2261778805"/>
-      </p:ext>
-    </p:extLst>
-  </p:cSld>
-  <p:clrMapOvr>
-    <a:masterClrMapping/>
-  </p:clrMapOvr>
 </p:sld>
 </file>
 

--- a/ABneBA_Presentation.pptx
+++ b/ABneBA_Presentation.pptx
@@ -11,12 +11,14 @@
     <p:sldId id="258" r:id="rId5"/>
     <p:sldId id="267" r:id="rId6"/>
     <p:sldId id="261" r:id="rId7"/>
-    <p:sldId id="259" r:id="rId8"/>
-    <p:sldId id="262" r:id="rId9"/>
-    <p:sldId id="263" r:id="rId10"/>
-    <p:sldId id="264" r:id="rId11"/>
-    <p:sldId id="265" r:id="rId12"/>
-    <p:sldId id="260" r:id="rId13"/>
+    <p:sldId id="268" r:id="rId8"/>
+    <p:sldId id="259" r:id="rId9"/>
+    <p:sldId id="262" r:id="rId10"/>
+    <p:sldId id="263" r:id="rId11"/>
+    <p:sldId id="269" r:id="rId12"/>
+    <p:sldId id="264" r:id="rId13"/>
+    <p:sldId id="265" r:id="rId14"/>
+    <p:sldId id="260" r:id="rId15"/>
   </p:sldIdLst>
   <p:sldSz cx="12192000" cy="6858000"/>
   <p:notesSz cx="6858000" cy="9144000"/>
@@ -3659,80 +3661,27 @@
       </p:grpSpPr>
       <p:sp>
         <p:nvSpPr>
-          <p:cNvPr id="3" name="TextBox 2">
-            <a:extLst>
-              <a:ext uri="{FF2B5EF4-FFF2-40B4-BE49-F238E27FC236}">
-                <a16:creationId xmlns:a16="http://schemas.microsoft.com/office/drawing/2014/main" id="{54864A9D-4DB4-48B5-8888-6B62293FB5B2}"/>
-              </a:ext>
-            </a:extLst>
-          </p:cNvPr>
-          <p:cNvSpPr txBox="1"/>
+          <p:cNvPr id="39" name="직사각형 38">
+            <a:extLst>
+              <a:ext uri="{FF2B5EF4-FFF2-40B4-BE49-F238E27FC236}">
+                <a16:creationId xmlns:a16="http://schemas.microsoft.com/office/drawing/2014/main" id="{431B6FBD-CE86-40BA-83F9-8518690E9963}"/>
+              </a:ext>
+            </a:extLst>
+          </p:cNvPr>
+          <p:cNvSpPr/>
           <p:nvPr/>
         </p:nvSpPr>
         <p:spPr>
           <a:xfrm>
-            <a:off x="9606146" y="409877"/>
-            <a:ext cx="1707519" cy="1015663"/>
+            <a:off x="851806" y="1196690"/>
+            <a:ext cx="3177535" cy="5182845"/>
           </a:xfrm>
           <a:prstGeom prst="rect">
             <a:avLst/>
           </a:prstGeom>
-          <a:noFill/>
-        </p:spPr>
-        <p:txBody>
-          <a:bodyPr wrap="none" rtlCol="0">
-            <a:spAutoFit/>
-          </a:bodyPr>
-          <a:lstStyle/>
-          <a:p>
-            <a:pPr algn="r"/>
-            <a:r>
-              <a:rPr lang="en-US" altLang="ko-KR" sz="6000" dirty="0">
-                <a:solidFill>
-                  <a:schemeClr val="bg1"/>
-                </a:solidFill>
-                <a:latin typeface="경기천년바탕 Bold" panose="02020803020101020101" pitchFamily="18" charset="-127"/>
-                <a:ea typeface="경기천년바탕 Bold" panose="02020803020101020101" pitchFamily="18" charset="-127"/>
-              </a:rPr>
-              <a:t>Item</a:t>
-            </a:r>
-            <a:endParaRPr lang="ko-KR" altLang="en-US" sz="6000" dirty="0">
-              <a:solidFill>
-                <a:schemeClr val="bg1"/>
-              </a:solidFill>
-              <a:latin typeface="경기천년바탕 Bold" panose="02020803020101020101" pitchFamily="18" charset="-127"/>
-              <a:ea typeface="경기천년바탕 Bold" panose="02020803020101020101" pitchFamily="18" charset="-127"/>
-            </a:endParaRPr>
-          </a:p>
-        </p:txBody>
-      </p:sp>
-      <p:sp>
-        <p:nvSpPr>
-          <p:cNvPr id="9" name="L 도형 8">
-            <a:extLst>
-              <a:ext uri="{FF2B5EF4-FFF2-40B4-BE49-F238E27FC236}">
-                <a16:creationId xmlns:a16="http://schemas.microsoft.com/office/drawing/2014/main" id="{84B1B958-581A-4B20-90C9-DF550356EE42}"/>
-              </a:ext>
-            </a:extLst>
-          </p:cNvPr>
-          <p:cNvSpPr/>
-          <p:nvPr/>
-        </p:nvSpPr>
-        <p:spPr>
-          <a:xfrm rot="10800000">
-            <a:off x="11145873" y="340996"/>
-            <a:ext cx="680318" cy="680318"/>
-          </a:xfrm>
-          <a:prstGeom prst="corner">
-            <a:avLst>
-              <a:gd name="adj1" fmla="val 10000"/>
-              <a:gd name="adj2" fmla="val 8667"/>
-            </a:avLst>
-          </a:prstGeom>
           <a:solidFill>
-            <a:schemeClr val="accent4">
-              <a:lumMod val="20000"/>
-              <a:lumOff val="80000"/>
+            <a:schemeClr val="tx1">
+              <a:alpha val="44000"/>
             </a:schemeClr>
           </a:solidFill>
           <a:ln>
@@ -3760,16 +3709,281 @@
           <a:lstStyle/>
           <a:p>
             <a:pPr algn="ctr"/>
+            <a:endParaRPr lang="ko-KR" altLang="en-US" dirty="0"/>
+          </a:p>
+        </p:txBody>
+      </p:sp>
+      <p:sp>
+        <p:nvSpPr>
+          <p:cNvPr id="16" name="직사각형 15">
+            <a:extLst>
+              <a:ext uri="{FF2B5EF4-FFF2-40B4-BE49-F238E27FC236}">
+                <a16:creationId xmlns:a16="http://schemas.microsoft.com/office/drawing/2014/main" id="{EE139C5A-0E66-45D6-BE19-DF9714CAAFBF}"/>
+              </a:ext>
+            </a:extLst>
+          </p:cNvPr>
+          <p:cNvSpPr/>
+          <p:nvPr/>
+        </p:nvSpPr>
+        <p:spPr>
+          <a:xfrm>
+            <a:off x="1034047" y="1425540"/>
+            <a:ext cx="3177535" cy="5042637"/>
+          </a:xfrm>
+          <a:prstGeom prst="rect">
+            <a:avLst/>
+          </a:prstGeom>
+          <a:solidFill>
+            <a:schemeClr val="bg1"/>
+          </a:solidFill>
+          <a:ln>
+            <a:solidFill>
+              <a:schemeClr val="tx1"/>
+            </a:solidFill>
+          </a:ln>
+        </p:spPr>
+        <p:style>
+          <a:lnRef idx="2">
+            <a:schemeClr val="accent1">
+              <a:shade val="50000"/>
+            </a:schemeClr>
+          </a:lnRef>
+          <a:fillRef idx="1">
+            <a:schemeClr val="accent1"/>
+          </a:fillRef>
+          <a:effectRef idx="0">
+            <a:schemeClr val="accent1"/>
+          </a:effectRef>
+          <a:fontRef idx="minor">
+            <a:schemeClr val="lt1"/>
+          </a:fontRef>
+        </p:style>
+        <p:txBody>
+          <a:bodyPr rtlCol="0" anchor="ctr"/>
+          <a:lstStyle/>
+          <a:p>
+            <a:pPr algn="ctr"/>
+            <a:endParaRPr lang="ko-KR" altLang="en-US" dirty="0"/>
+          </a:p>
+        </p:txBody>
+      </p:sp>
+      <p:sp>
+        <p:nvSpPr>
+          <p:cNvPr id="14" name="직사각형 13">
+            <a:extLst>
+              <a:ext uri="{FF2B5EF4-FFF2-40B4-BE49-F238E27FC236}">
+                <a16:creationId xmlns:a16="http://schemas.microsoft.com/office/drawing/2014/main" id="{A7184F2A-D2D1-42C1-BDD5-57500BC97FB7}"/>
+              </a:ext>
+            </a:extLst>
+          </p:cNvPr>
+          <p:cNvSpPr/>
+          <p:nvPr/>
+        </p:nvSpPr>
+        <p:spPr>
+          <a:xfrm rot="16200000">
+            <a:off x="2366210" y="2820202"/>
+            <a:ext cx="1694046" cy="952901"/>
+          </a:xfrm>
+          <a:prstGeom prst="rect">
+            <a:avLst/>
+          </a:prstGeom>
+          <a:solidFill>
+            <a:schemeClr val="bg1"/>
+          </a:solidFill>
+          <a:ln>
+            <a:noFill/>
+          </a:ln>
+        </p:spPr>
+        <p:style>
+          <a:lnRef idx="2">
+            <a:schemeClr val="accent1">
+              <a:shade val="50000"/>
+            </a:schemeClr>
+          </a:lnRef>
+          <a:fillRef idx="1">
+            <a:schemeClr val="accent1"/>
+          </a:fillRef>
+          <a:effectRef idx="0">
+            <a:schemeClr val="accent1"/>
+          </a:effectRef>
+          <a:fontRef idx="minor">
+            <a:schemeClr val="lt1"/>
+          </a:fontRef>
+        </p:style>
+        <p:txBody>
+          <a:bodyPr rtlCol="0" anchor="ctr"/>
+          <a:lstStyle/>
+          <a:p>
+            <a:pPr algn="ctr"/>
+            <a:endParaRPr lang="ko-KR" altLang="en-US"/>
+          </a:p>
+        </p:txBody>
+      </p:sp>
+      <p:sp>
+        <p:nvSpPr>
+          <p:cNvPr id="13" name="직사각형 12">
+            <a:extLst>
+              <a:ext uri="{FF2B5EF4-FFF2-40B4-BE49-F238E27FC236}">
+                <a16:creationId xmlns:a16="http://schemas.microsoft.com/office/drawing/2014/main" id="{5CAFCFA8-2806-40F5-8164-9496CC6B7B64}"/>
+              </a:ext>
+            </a:extLst>
+          </p:cNvPr>
+          <p:cNvSpPr/>
+          <p:nvPr/>
+        </p:nvSpPr>
+        <p:spPr>
+          <a:xfrm rot="5400000">
+            <a:off x="1300393" y="2820202"/>
+            <a:ext cx="1694046" cy="952901"/>
+          </a:xfrm>
+          <a:prstGeom prst="rect">
+            <a:avLst/>
+          </a:prstGeom>
+          <a:solidFill>
+            <a:schemeClr val="bg1"/>
+          </a:solidFill>
+          <a:ln>
+            <a:noFill/>
+          </a:ln>
+        </p:spPr>
+        <p:style>
+          <a:lnRef idx="2">
+            <a:schemeClr val="accent1">
+              <a:shade val="50000"/>
+            </a:schemeClr>
+          </a:lnRef>
+          <a:fillRef idx="1">
+            <a:schemeClr val="accent1"/>
+          </a:fillRef>
+          <a:effectRef idx="0">
+            <a:schemeClr val="accent1"/>
+          </a:effectRef>
+          <a:fontRef idx="minor">
+            <a:schemeClr val="lt1"/>
+          </a:fontRef>
+        </p:style>
+        <p:txBody>
+          <a:bodyPr rtlCol="0" anchor="ctr"/>
+          <a:lstStyle/>
+          <a:p>
+            <a:pPr algn="ctr"/>
+            <a:endParaRPr lang="ko-KR" altLang="en-US"/>
+          </a:p>
+        </p:txBody>
+      </p:sp>
+      <p:sp>
+        <p:nvSpPr>
+          <p:cNvPr id="3" name="TextBox 2">
+            <a:extLst>
+              <a:ext uri="{FF2B5EF4-FFF2-40B4-BE49-F238E27FC236}">
+                <a16:creationId xmlns:a16="http://schemas.microsoft.com/office/drawing/2014/main" id="{54864A9D-4DB4-48B5-8888-6B62293FB5B2}"/>
+              </a:ext>
+            </a:extLst>
+          </p:cNvPr>
+          <p:cNvSpPr txBox="1"/>
+          <p:nvPr/>
+        </p:nvSpPr>
+        <p:spPr>
+          <a:xfrm>
+            <a:off x="9670266" y="409877"/>
+            <a:ext cx="1643399" cy="1015663"/>
+          </a:xfrm>
+          <a:prstGeom prst="rect">
+            <a:avLst/>
+          </a:prstGeom>
+          <a:noFill/>
+        </p:spPr>
+        <p:txBody>
+          <a:bodyPr wrap="none" rtlCol="0">
+            <a:spAutoFit/>
+          </a:bodyPr>
+          <a:lstStyle/>
+          <a:p>
+            <a:pPr algn="r"/>
+            <a:r>
+              <a:rPr lang="en-US" altLang="ko-KR" sz="6000" dirty="0">
+                <a:solidFill>
+                  <a:schemeClr val="bg1"/>
+                </a:solidFill>
+                <a:latin typeface="경기천년바탕 Bold" panose="02020803020101020101" pitchFamily="18" charset="-127"/>
+                <a:ea typeface="경기천년바탕 Bold" panose="02020803020101020101" pitchFamily="18" charset="-127"/>
+              </a:rPr>
+              <a:t>Unit</a:t>
+            </a:r>
+            <a:endParaRPr lang="ko-KR" altLang="en-US" sz="6000" dirty="0">
+              <a:solidFill>
+                <a:schemeClr val="bg1"/>
+              </a:solidFill>
+              <a:latin typeface="경기천년바탕 Bold" panose="02020803020101020101" pitchFamily="18" charset="-127"/>
+              <a:ea typeface="경기천년바탕 Bold" panose="02020803020101020101" pitchFamily="18" charset="-127"/>
+            </a:endParaRPr>
+          </a:p>
+        </p:txBody>
+      </p:sp>
+      <p:sp>
+        <p:nvSpPr>
+          <p:cNvPr id="9" name="L 도형 8">
+            <a:extLst>
+              <a:ext uri="{FF2B5EF4-FFF2-40B4-BE49-F238E27FC236}">
+                <a16:creationId xmlns:a16="http://schemas.microsoft.com/office/drawing/2014/main" id="{84B1B958-581A-4B20-90C9-DF550356EE42}"/>
+              </a:ext>
+            </a:extLst>
+          </p:cNvPr>
+          <p:cNvSpPr/>
+          <p:nvPr/>
+        </p:nvSpPr>
+        <p:spPr>
+          <a:xfrm rot="10800000">
+            <a:off x="11145873" y="340996"/>
+            <a:ext cx="680318" cy="680318"/>
+          </a:xfrm>
+          <a:prstGeom prst="corner">
+            <a:avLst>
+              <a:gd name="adj1" fmla="val 10000"/>
+              <a:gd name="adj2" fmla="val 8667"/>
+            </a:avLst>
+          </a:prstGeom>
+          <a:solidFill>
+            <a:schemeClr val="accent4">
+              <a:lumMod val="20000"/>
+              <a:lumOff val="80000"/>
+            </a:schemeClr>
+          </a:solidFill>
+          <a:ln>
+            <a:noFill/>
+          </a:ln>
+        </p:spPr>
+        <p:style>
+          <a:lnRef idx="2">
+            <a:schemeClr val="accent1">
+              <a:shade val="50000"/>
+            </a:schemeClr>
+          </a:lnRef>
+          <a:fillRef idx="1">
+            <a:schemeClr val="accent1"/>
+          </a:fillRef>
+          <a:effectRef idx="0">
+            <a:schemeClr val="accent1"/>
+          </a:effectRef>
+          <a:fontRef idx="minor">
+            <a:schemeClr val="lt1"/>
+          </a:fontRef>
+        </p:style>
+        <p:txBody>
+          <a:bodyPr rtlCol="0" anchor="ctr"/>
+          <a:lstStyle/>
+          <a:p>
+            <a:pPr algn="ctr"/>
             <a:endParaRPr lang="ko-KR" altLang="en-US"/>
           </a:p>
         </p:txBody>
       </p:sp>
       <p:pic>
         <p:nvPicPr>
-          <p:cNvPr id="4" name="그림 3">
-            <a:extLst>
-              <a:ext uri="{FF2B5EF4-FFF2-40B4-BE49-F238E27FC236}">
-                <a16:creationId xmlns:a16="http://schemas.microsoft.com/office/drawing/2014/main" id="{2B8D24F6-E464-48E9-8180-9D474EB3C0BC}"/>
+          <p:cNvPr id="7" name="그림 6" descr="그리기, 옅은이(가) 표시된 사진&#10;&#10;자동 생성된 설명">
+            <a:extLst>
+              <a:ext uri="{FF2B5EF4-FFF2-40B4-BE49-F238E27FC236}">
+                <a16:creationId xmlns:a16="http://schemas.microsoft.com/office/drawing/2014/main" id="{1054F2A4-7C39-40FE-95DB-1F82ECB8F24B}"/>
               </a:ext>
             </a:extLst>
           </p:cNvPr>
@@ -3792,27 +4006,215 @@
         </p:blipFill>
         <p:spPr>
           <a:xfrm>
-            <a:off x="2864452" y="2055399"/>
-            <a:ext cx="1053968" cy="1130159"/>
+            <a:off x="1737725" y="2599890"/>
+            <a:ext cx="787302" cy="1371429"/>
           </a:xfrm>
           <a:prstGeom prst="rect">
             <a:avLst/>
           </a:prstGeom>
-          <a:effectLst>
-            <a:outerShdw blurRad="50800" dist="38100" algn="l" rotWithShape="0">
-              <a:prstClr val="black">
-                <a:alpha val="40000"/>
-              </a:prstClr>
-            </a:outerShdw>
-          </a:effectLst>
         </p:spPr>
       </p:pic>
+      <p:sp>
+        <p:nvSpPr>
+          <p:cNvPr id="15" name="TextBox 14">
+            <a:extLst>
+              <a:ext uri="{FF2B5EF4-FFF2-40B4-BE49-F238E27FC236}">
+                <a16:creationId xmlns:a16="http://schemas.microsoft.com/office/drawing/2014/main" id="{70716103-A98A-4B2B-A5DF-965F601D51AB}"/>
+              </a:ext>
+            </a:extLst>
+          </p:cNvPr>
+          <p:cNvSpPr txBox="1"/>
+          <p:nvPr/>
+        </p:nvSpPr>
+        <p:spPr>
+          <a:xfrm>
+            <a:off x="1547132" y="4342064"/>
+            <a:ext cx="2153470" cy="1569660"/>
+          </a:xfrm>
+          <a:prstGeom prst="rect">
+            <a:avLst/>
+          </a:prstGeom>
+          <a:noFill/>
+        </p:spPr>
+        <p:txBody>
+          <a:bodyPr wrap="square" rtlCol="0">
+            <a:spAutoFit/>
+          </a:bodyPr>
+          <a:lstStyle/>
+          <a:p>
+            <a:pPr algn="ctr"/>
+            <a:r>
+              <a:rPr lang="en-US" altLang="ko-KR" sz="3200" dirty="0">
+                <a:latin typeface="경기천년바탕 Bold" panose="02020803020101020101" pitchFamily="18" charset="-127"/>
+                <a:ea typeface="경기천년바탕 Bold" panose="02020803020101020101" pitchFamily="18" charset="-127"/>
+              </a:rPr>
+              <a:t>Blue </a:t>
+            </a:r>
+          </a:p>
+          <a:p>
+            <a:pPr algn="ctr"/>
+            <a:r>
+              <a:rPr lang="en-US" altLang="ko-KR" sz="3200" dirty="0">
+                <a:latin typeface="경기천년바탕 Bold" panose="02020803020101020101" pitchFamily="18" charset="-127"/>
+                <a:ea typeface="경기천년바탕 Bold" panose="02020803020101020101" pitchFamily="18" charset="-127"/>
+              </a:rPr>
+              <a:t>vs </a:t>
+            </a:r>
+          </a:p>
+          <a:p>
+            <a:pPr algn="ctr"/>
+            <a:r>
+              <a:rPr lang="en-US" altLang="ko-KR" sz="3200" dirty="0">
+                <a:latin typeface="경기천년바탕 Bold" panose="02020803020101020101" pitchFamily="18" charset="-127"/>
+                <a:ea typeface="경기천년바탕 Bold" panose="02020803020101020101" pitchFamily="18" charset="-127"/>
+              </a:rPr>
+              <a:t>Red</a:t>
+            </a:r>
+            <a:endParaRPr lang="ko-KR" altLang="en-US" sz="3200" dirty="0">
+              <a:latin typeface="경기천년바탕 Bold" panose="02020803020101020101" pitchFamily="18" charset="-127"/>
+              <a:ea typeface="경기천년바탕 Bold" panose="02020803020101020101" pitchFamily="18" charset="-127"/>
+            </a:endParaRPr>
+          </a:p>
+        </p:txBody>
+      </p:sp>
+      <p:sp>
+        <p:nvSpPr>
+          <p:cNvPr id="25" name="TextBox 24">
+            <a:extLst>
+              <a:ext uri="{FF2B5EF4-FFF2-40B4-BE49-F238E27FC236}">
+                <a16:creationId xmlns:a16="http://schemas.microsoft.com/office/drawing/2014/main" id="{D89795FE-DBCF-476D-9181-40AA68BE846F}"/>
+              </a:ext>
+            </a:extLst>
+          </p:cNvPr>
+          <p:cNvSpPr txBox="1"/>
+          <p:nvPr/>
+        </p:nvSpPr>
+        <p:spPr>
+          <a:xfrm>
+            <a:off x="5771256" y="2245947"/>
+            <a:ext cx="5958682" cy="707886"/>
+          </a:xfrm>
+          <a:prstGeom prst="rect">
+            <a:avLst/>
+          </a:prstGeom>
+          <a:noFill/>
+        </p:spPr>
+        <p:txBody>
+          <a:bodyPr wrap="none" rtlCol="0">
+            <a:spAutoFit/>
+          </a:bodyPr>
+          <a:lstStyle/>
+          <a:p>
+            <a:r>
+              <a:rPr lang="en-US" altLang="ko-KR" sz="4000" dirty="0">
+                <a:solidFill>
+                  <a:schemeClr val="bg1"/>
+                </a:solidFill>
+                <a:latin typeface="경기천년바탕 Regular" panose="02020503020101020101" pitchFamily="18" charset="-127"/>
+                <a:ea typeface="경기천년바탕 Regular" panose="02020503020101020101" pitchFamily="18" charset="-127"/>
+              </a:rPr>
+              <a:t>: </a:t>
+            </a:r>
+            <a:r>
+              <a:rPr lang="ko-KR" altLang="ko-KR" sz="2400" dirty="0">
+                <a:solidFill>
+                  <a:schemeClr val="bg1"/>
+                </a:solidFill>
+                <a:effectLst/>
+                <a:latin typeface="경기천년바탕 Regular" panose="02020503020101020101" pitchFamily="18" charset="-127"/>
+                <a:ea typeface="경기천년바탕 Regular" panose="02020503020101020101" pitchFamily="18" charset="-127"/>
+                <a:cs typeface="Times New Roman" panose="02020603050405020304" pitchFamily="18" charset="0"/>
+              </a:rPr>
+              <a:t>안전지대 범위</a:t>
+            </a:r>
+            <a:r>
+              <a:rPr lang="en-GB" altLang="ko-KR" sz="2400" dirty="0">
+                <a:solidFill>
+                  <a:schemeClr val="bg1"/>
+                </a:solidFill>
+                <a:effectLst/>
+                <a:latin typeface="경기천년바탕 Regular" panose="02020503020101020101" pitchFamily="18" charset="-127"/>
+                <a:ea typeface="경기천년바탕 Regular" panose="02020503020101020101" pitchFamily="18" charset="-127"/>
+                <a:cs typeface="Times New Roman" panose="02020603050405020304" pitchFamily="18" charset="0"/>
+              </a:rPr>
+              <a:t>, </a:t>
+            </a:r>
+            <a:r>
+              <a:rPr lang="ko-KR" altLang="ko-KR" sz="2400" dirty="0">
+                <a:solidFill>
+                  <a:schemeClr val="bg1"/>
+                </a:solidFill>
+                <a:effectLst/>
+                <a:latin typeface="경기천년바탕 Regular" panose="02020503020101020101" pitchFamily="18" charset="-127"/>
+                <a:ea typeface="경기천년바탕 Regular" panose="02020503020101020101" pitchFamily="18" charset="-127"/>
+                <a:cs typeface="Times New Roman" panose="02020603050405020304" pitchFamily="18" charset="0"/>
+              </a:rPr>
+              <a:t>보이는 적</a:t>
+            </a:r>
+            <a:r>
+              <a:rPr lang="en-GB" altLang="ko-KR" sz="2400" dirty="0">
+                <a:solidFill>
+                  <a:schemeClr val="bg1"/>
+                </a:solidFill>
+                <a:effectLst/>
+                <a:latin typeface="경기천년바탕 Regular" panose="02020503020101020101" pitchFamily="18" charset="-127"/>
+                <a:ea typeface="경기천년바탕 Regular" panose="02020503020101020101" pitchFamily="18" charset="-127"/>
+                <a:cs typeface="Times New Roman" panose="02020603050405020304" pitchFamily="18" charset="0"/>
+              </a:rPr>
+              <a:t>, </a:t>
+            </a:r>
+            <a:r>
+              <a:rPr lang="ko-KR" altLang="ko-KR" sz="2400" dirty="0">
+                <a:solidFill>
+                  <a:schemeClr val="bg1"/>
+                </a:solidFill>
+                <a:effectLst/>
+                <a:latin typeface="경기천년바탕 Regular" panose="02020503020101020101" pitchFamily="18" charset="-127"/>
+                <a:ea typeface="경기천년바탕 Regular" panose="02020503020101020101" pitchFamily="18" charset="-127"/>
+                <a:cs typeface="Times New Roman" panose="02020603050405020304" pitchFamily="18" charset="0"/>
+              </a:rPr>
+              <a:t>전체 아군</a:t>
+            </a:r>
+            <a:r>
+              <a:rPr lang="en-GB" altLang="ko-KR" sz="2400" dirty="0">
+                <a:solidFill>
+                  <a:schemeClr val="bg1"/>
+                </a:solidFill>
+                <a:effectLst/>
+                <a:latin typeface="경기천년바탕 Regular" panose="02020503020101020101" pitchFamily="18" charset="-127"/>
+                <a:ea typeface="경기천년바탕 Regular" panose="02020503020101020101" pitchFamily="18" charset="-127"/>
+                <a:cs typeface="Times New Roman" panose="02020603050405020304" pitchFamily="18" charset="0"/>
+              </a:rPr>
+              <a:t>, </a:t>
+            </a:r>
+            <a:r>
+              <a:rPr lang="ko-KR" altLang="ko-KR" sz="2400" dirty="0">
+                <a:solidFill>
+                  <a:schemeClr val="bg1"/>
+                </a:solidFill>
+                <a:effectLst/>
+                <a:latin typeface="경기천년바탕 Regular" panose="02020503020101020101" pitchFamily="18" charset="-127"/>
+                <a:ea typeface="경기천년바탕 Regular" panose="02020503020101020101" pitchFamily="18" charset="-127"/>
+                <a:cs typeface="Times New Roman" panose="02020603050405020304" pitchFamily="18" charset="0"/>
+              </a:rPr>
+              <a:t>아이템</a:t>
+            </a:r>
+            <a:endParaRPr lang="ko-KR" altLang="en-US" sz="4000" dirty="0">
+              <a:solidFill>
+                <a:schemeClr val="bg1"/>
+              </a:solidFill>
+              <a:latin typeface="경기천년바탕 Regular" panose="02020503020101020101" pitchFamily="18" charset="-127"/>
+              <a:ea typeface="경기천년바탕 Regular" panose="02020503020101020101" pitchFamily="18" charset="-127"/>
+            </a:endParaRPr>
+          </a:p>
+        </p:txBody>
+      </p:sp>
       <p:pic>
         <p:nvPicPr>
-          <p:cNvPr id="6" name="그림 5" descr="옅은이(가) 표시된 사진&#10;&#10;자동 생성된 설명">
-            <a:extLst>
-              <a:ext uri="{FF2B5EF4-FFF2-40B4-BE49-F238E27FC236}">
-                <a16:creationId xmlns:a16="http://schemas.microsoft.com/office/drawing/2014/main" id="{E3A49390-A601-4693-8484-9B10C6F83C9F}"/>
+          <p:cNvPr id="27" name="그림 26">
+            <a:extLst>
+              <a:ext uri="{FF2B5EF4-FFF2-40B4-BE49-F238E27FC236}">
+                <a16:creationId xmlns:a16="http://schemas.microsoft.com/office/drawing/2014/main" id="{58B7C862-B621-4ACD-A02C-3707883190ED}"/>
               </a:ext>
             </a:extLst>
           </p:cNvPr>
@@ -3835,27 +4237,20 @@
         </p:blipFill>
         <p:spPr>
           <a:xfrm>
-            <a:off x="2864452" y="4441994"/>
-            <a:ext cx="1053968" cy="1130159"/>
+            <a:off x="4506811" y="2336599"/>
+            <a:ext cx="1082204" cy="574283"/>
           </a:xfrm>
           <a:prstGeom prst="rect">
             <a:avLst/>
           </a:prstGeom>
-          <a:effectLst>
-            <a:outerShdw blurRad="50800" dist="38100" algn="l" rotWithShape="0">
-              <a:prstClr val="black">
-                <a:alpha val="40000"/>
-              </a:prstClr>
-            </a:outerShdw>
-          </a:effectLst>
         </p:spPr>
       </p:pic>
       <p:pic>
         <p:nvPicPr>
-          <p:cNvPr id="17" name="그림 16" descr="게임이(가) 표시된 사진&#10;&#10;자동 생성된 설명">
-            <a:extLst>
-              <a:ext uri="{FF2B5EF4-FFF2-40B4-BE49-F238E27FC236}">
-                <a16:creationId xmlns:a16="http://schemas.microsoft.com/office/drawing/2014/main" id="{0F50BAEE-FB7C-47EB-ABA7-3C6B7CC11BF3}"/>
+          <p:cNvPr id="29" name="그림 28">
+            <a:extLst>
+              <a:ext uri="{FF2B5EF4-FFF2-40B4-BE49-F238E27FC236}">
+                <a16:creationId xmlns:a16="http://schemas.microsoft.com/office/drawing/2014/main" id="{1DDC151A-2A28-4C5A-9048-9E566EA1A209}"/>
               </a:ext>
             </a:extLst>
           </p:cNvPr>
@@ -3878,27 +4273,20 @@
         </p:blipFill>
         <p:spPr>
           <a:xfrm>
-            <a:off x="2864452" y="3185558"/>
-            <a:ext cx="1053968" cy="1130159"/>
+            <a:off x="4615739" y="3477716"/>
+            <a:ext cx="864348" cy="864348"/>
           </a:xfrm>
           <a:prstGeom prst="rect">
             <a:avLst/>
           </a:prstGeom>
-          <a:effectLst>
-            <a:outerShdw blurRad="50800" dist="38100" algn="l" rotWithShape="0">
-              <a:prstClr val="black">
-                <a:alpha val="40000"/>
-              </a:prstClr>
-            </a:outerShdw>
-          </a:effectLst>
         </p:spPr>
       </p:pic>
       <p:sp>
         <p:nvSpPr>
-          <p:cNvPr id="18" name="TextBox 17">
-            <a:extLst>
-              <a:ext uri="{FF2B5EF4-FFF2-40B4-BE49-F238E27FC236}">
-                <a16:creationId xmlns:a16="http://schemas.microsoft.com/office/drawing/2014/main" id="{A3F3BD14-B60A-45F1-8692-9F43A08D304C}"/>
+          <p:cNvPr id="31" name="TextBox 30">
+            <a:extLst>
+              <a:ext uri="{FF2B5EF4-FFF2-40B4-BE49-F238E27FC236}">
+                <a16:creationId xmlns:a16="http://schemas.microsoft.com/office/drawing/2014/main" id="{042A34AB-FD27-45F9-9DB0-88BC948AC8C1}"/>
               </a:ext>
             </a:extLst>
           </p:cNvPr>
@@ -3907,8 +4295,8 @@
         </p:nvSpPr>
         <p:spPr>
           <a:xfrm>
-            <a:off x="4154344" y="2266535"/>
-            <a:ext cx="5451802" cy="707886"/>
+            <a:off x="5771256" y="3511404"/>
+            <a:ext cx="2488182" cy="707886"/>
           </a:xfrm>
           <a:prstGeom prst="rect">
             <a:avLst/>
@@ -3916,7 +4304,7 @@
           <a:noFill/>
         </p:spPr>
         <p:txBody>
-          <a:bodyPr wrap="square" rtlCol="0">
+          <a:bodyPr wrap="none" rtlCol="0">
             <a:spAutoFit/>
           </a:bodyPr>
           <a:lstStyle/>
@@ -3940,7 +4328,7 @@
                 <a:ea typeface="경기천년바탕 Regular" panose="02020503020101020101" pitchFamily="18" charset="-127"/>
                 <a:cs typeface="Times New Roman" panose="02020603050405020304" pitchFamily="18" charset="0"/>
               </a:rPr>
-              <a:t>섬광탄 </a:t>
+              <a:t>체력</a:t>
             </a:r>
             <a:r>
               <a:rPr lang="en-US" altLang="ko-KR" sz="2400" dirty="0">
@@ -3951,7 +4339,7 @@
                 <a:ea typeface="경기천년바탕 Regular" panose="02020503020101020101" pitchFamily="18" charset="-127"/>
                 <a:cs typeface="Times New Roman" panose="02020603050405020304" pitchFamily="18" charset="0"/>
               </a:rPr>
-              <a:t>– </a:t>
+              <a:t>, </a:t>
             </a:r>
             <a:r>
               <a:rPr lang="ko-KR" altLang="en-US" sz="2400" dirty="0">
@@ -3962,7 +4350,29 @@
                 <a:ea typeface="경기천년바탕 Regular" panose="02020503020101020101" pitchFamily="18" charset="-127"/>
                 <a:cs typeface="Times New Roman" panose="02020603050405020304" pitchFamily="18" charset="0"/>
               </a:rPr>
-              <a:t>피격  적 유닛의 시야 제한</a:t>
+              <a:t>위치</a:t>
+            </a:r>
+            <a:r>
+              <a:rPr lang="en-US" altLang="ko-KR" sz="2400" dirty="0">
+                <a:solidFill>
+                  <a:schemeClr val="bg1"/>
+                </a:solidFill>
+                <a:latin typeface="경기천년바탕 Regular" panose="02020503020101020101" pitchFamily="18" charset="-127"/>
+                <a:ea typeface="경기천년바탕 Regular" panose="02020503020101020101" pitchFamily="18" charset="-127"/>
+                <a:cs typeface="Times New Roman" panose="02020603050405020304" pitchFamily="18" charset="0"/>
+              </a:rPr>
+              <a:t>, </a:t>
+            </a:r>
+            <a:r>
+              <a:rPr lang="ko-KR" altLang="en-US" sz="2400" dirty="0">
+                <a:solidFill>
+                  <a:schemeClr val="bg1"/>
+                </a:solidFill>
+                <a:latin typeface="경기천년바탕 Regular" panose="02020503020101020101" pitchFamily="18" charset="-127"/>
+                <a:ea typeface="경기천년바탕 Regular" panose="02020503020101020101" pitchFamily="18" charset="-127"/>
+                <a:cs typeface="Times New Roman" panose="02020603050405020304" pitchFamily="18" charset="0"/>
+              </a:rPr>
+              <a:t>방향</a:t>
             </a:r>
             <a:endParaRPr lang="ko-KR" altLang="en-US" sz="4000" dirty="0">
               <a:solidFill>
@@ -3974,12 +4384,48 @@
           </a:p>
         </p:txBody>
       </p:sp>
-      <p:sp>
-        <p:nvSpPr>
-          <p:cNvPr id="19" name="TextBox 18">
-            <a:extLst>
-              <a:ext uri="{FF2B5EF4-FFF2-40B4-BE49-F238E27FC236}">
-                <a16:creationId xmlns:a16="http://schemas.microsoft.com/office/drawing/2014/main" id="{69F40EAE-D42F-4CFB-9B82-20DAC56FC3B9}"/>
+      <p:pic>
+        <p:nvPicPr>
+          <p:cNvPr id="33" name="그림 32">
+            <a:extLst>
+              <a:ext uri="{FF2B5EF4-FFF2-40B4-BE49-F238E27FC236}">
+                <a16:creationId xmlns:a16="http://schemas.microsoft.com/office/drawing/2014/main" id="{1B667C1B-0604-4B34-8B86-BE352DA57FA3}"/>
+              </a:ext>
+            </a:extLst>
+          </p:cNvPr>
+          <p:cNvPicPr>
+            <a:picLocks noChangeAspect="1"/>
+          </p:cNvPicPr>
+          <p:nvPr/>
+        </p:nvPicPr>
+        <p:blipFill>
+          <a:blip r:embed="rId5">
+            <a:extLst>
+              <a:ext uri="{28A0092B-C50C-407E-A947-70E740481C1C}">
+                <a14:useLocalDpi xmlns:a14="http://schemas.microsoft.com/office/drawing/2010/main" val="0"/>
+              </a:ext>
+            </a:extLst>
+          </a:blip>
+          <a:stretch>
+            <a:fillRect/>
+          </a:stretch>
+        </p:blipFill>
+        <p:spPr>
+          <a:xfrm>
+            <a:off x="4602157" y="4627576"/>
+            <a:ext cx="986858" cy="998635"/>
+          </a:xfrm>
+          <a:prstGeom prst="rect">
+            <a:avLst/>
+          </a:prstGeom>
+        </p:spPr>
+      </p:pic>
+      <p:sp>
+        <p:nvSpPr>
+          <p:cNvPr id="35" name="TextBox 34">
+            <a:extLst>
+              <a:ext uri="{FF2B5EF4-FFF2-40B4-BE49-F238E27FC236}">
+                <a16:creationId xmlns:a16="http://schemas.microsoft.com/office/drawing/2014/main" id="{8300528D-C158-43F6-8466-A9367A287C9F}"/>
               </a:ext>
             </a:extLst>
           </p:cNvPr>
@@ -3988,8 +4434,8 @@
         </p:nvSpPr>
         <p:spPr>
           <a:xfrm>
-            <a:off x="4154344" y="3443843"/>
-            <a:ext cx="5451802" cy="707886"/>
+            <a:off x="5771256" y="4913020"/>
+            <a:ext cx="3409908" cy="707886"/>
           </a:xfrm>
           <a:prstGeom prst="rect">
             <a:avLst/>
@@ -3997,7 +4443,7 @@
           <a:noFill/>
         </p:spPr>
         <p:txBody>
-          <a:bodyPr wrap="square" rtlCol="0">
+          <a:bodyPr wrap="none" rtlCol="0">
             <a:spAutoFit/>
           </a:bodyPr>
           <a:lstStyle/>
@@ -4021,7 +4467,7 @@
                 <a:ea typeface="경기천년바탕 Regular" panose="02020503020101020101" pitchFamily="18" charset="-127"/>
                 <a:cs typeface="Times New Roman" panose="02020603050405020304" pitchFamily="18" charset="0"/>
               </a:rPr>
-              <a:t>연막탄 </a:t>
+              <a:t>이동</a:t>
             </a:r>
             <a:r>
               <a:rPr lang="en-US" altLang="ko-KR" sz="2400" dirty="0">
@@ -4032,7 +4478,7 @@
                 <a:ea typeface="경기천년바탕 Regular" panose="02020503020101020101" pitchFamily="18" charset="-127"/>
                 <a:cs typeface="Times New Roman" panose="02020603050405020304" pitchFamily="18" charset="0"/>
               </a:rPr>
-              <a:t>– </a:t>
+              <a:t>, </a:t>
             </a:r>
             <a:r>
               <a:rPr lang="ko-KR" altLang="en-US" sz="2400" dirty="0">
@@ -4043,7 +4489,7 @@
                 <a:ea typeface="경기천년바탕 Regular" panose="02020503020101020101" pitchFamily="18" charset="-127"/>
                 <a:cs typeface="Times New Roman" panose="02020603050405020304" pitchFamily="18" charset="0"/>
               </a:rPr>
-              <a:t>피격 범위 내 유닛의 시야 제한</a:t>
+              <a:t>회전</a:t>
             </a:r>
             <a:r>
               <a:rPr lang="en-US" altLang="ko-KR" sz="2400" dirty="0">
@@ -4054,7 +4500,18 @@
                 <a:ea typeface="경기천년바탕 Regular" panose="02020503020101020101" pitchFamily="18" charset="-127"/>
                 <a:cs typeface="Times New Roman" panose="02020603050405020304" pitchFamily="18" charset="0"/>
               </a:rPr>
-              <a:t>  </a:t>
+              <a:t>, </a:t>
+            </a:r>
+            <a:r>
+              <a:rPr lang="ko-KR" altLang="en-US" sz="2400" dirty="0">
+                <a:solidFill>
+                  <a:schemeClr val="bg1"/>
+                </a:solidFill>
+                <a:latin typeface="경기천년바탕 Regular" panose="02020503020101020101" pitchFamily="18" charset="-127"/>
+                <a:ea typeface="경기천년바탕 Regular" panose="02020503020101020101" pitchFamily="18" charset="-127"/>
+                <a:cs typeface="Times New Roman" panose="02020603050405020304" pitchFamily="18" charset="0"/>
+              </a:rPr>
+              <a:t>아이템 사용</a:t>
             </a:r>
             <a:endParaRPr lang="ko-KR" altLang="en-US" sz="4000" dirty="0">
               <a:solidFill>
@@ -4066,91 +4523,46 @@
           </a:p>
         </p:txBody>
       </p:sp>
-      <p:sp>
-        <p:nvSpPr>
-          <p:cNvPr id="20" name="TextBox 19">
-            <a:extLst>
-              <a:ext uri="{FF2B5EF4-FFF2-40B4-BE49-F238E27FC236}">
-                <a16:creationId xmlns:a16="http://schemas.microsoft.com/office/drawing/2014/main" id="{DC03AA0E-28A2-40C9-A6A8-BF867CB23A63}"/>
-              </a:ext>
-            </a:extLst>
-          </p:cNvPr>
-          <p:cNvSpPr txBox="1"/>
+      <p:pic>
+        <p:nvPicPr>
+          <p:cNvPr id="11" name="그림 10" descr="옅은, 그리기이(가) 표시된 사진&#10;&#10;자동 생성된 설명">
+            <a:extLst>
+              <a:ext uri="{FF2B5EF4-FFF2-40B4-BE49-F238E27FC236}">
+                <a16:creationId xmlns:a16="http://schemas.microsoft.com/office/drawing/2014/main" id="{7ADEA54B-5422-4AC7-A1B1-953CEB90BDC6}"/>
+              </a:ext>
+            </a:extLst>
+          </p:cNvPr>
+          <p:cNvPicPr>
+            <a:picLocks noChangeAspect="1"/>
+          </p:cNvPicPr>
           <p:nvPr/>
-        </p:nvSpPr>
-        <p:spPr>
-          <a:xfrm>
-            <a:off x="4154345" y="4621151"/>
-            <a:ext cx="4398961" cy="707886"/>
+        </p:nvPicPr>
+        <p:blipFill>
+          <a:blip r:embed="rId6">
+            <a:extLst>
+              <a:ext uri="{28A0092B-C50C-407E-A947-70E740481C1C}">
+                <a14:useLocalDpi xmlns:a14="http://schemas.microsoft.com/office/drawing/2010/main" val="0"/>
+              </a:ext>
+            </a:extLst>
+          </a:blip>
+          <a:stretch>
+            <a:fillRect/>
+          </a:stretch>
+        </p:blipFill>
+        <p:spPr>
+          <a:xfrm rot="10800000">
+            <a:off x="2819582" y="2621986"/>
+            <a:ext cx="787302" cy="1371429"/>
           </a:xfrm>
           <a:prstGeom prst="rect">
             <a:avLst/>
           </a:prstGeom>
-          <a:noFill/>
-        </p:spPr>
-        <p:txBody>
-          <a:bodyPr wrap="none" rtlCol="0">
-            <a:spAutoFit/>
-          </a:bodyPr>
-          <a:lstStyle/>
-          <a:p>
-            <a:r>
-              <a:rPr lang="en-US" altLang="ko-KR" sz="4000" dirty="0">
-                <a:solidFill>
-                  <a:schemeClr val="bg1"/>
-                </a:solidFill>
-                <a:latin typeface="경기천년바탕 Regular" panose="02020503020101020101" pitchFamily="18" charset="-127"/>
-                <a:ea typeface="경기천년바탕 Regular" panose="02020503020101020101" pitchFamily="18" charset="-127"/>
-              </a:rPr>
-              <a:t>: </a:t>
-            </a:r>
-            <a:r>
-              <a:rPr lang="ko-KR" altLang="en-US" sz="2400" dirty="0">
-                <a:solidFill>
-                  <a:schemeClr val="bg1"/>
-                </a:solidFill>
-                <a:latin typeface="경기천년바탕 Regular" panose="02020503020101020101" pitchFamily="18" charset="-127"/>
-                <a:ea typeface="경기천년바탕 Regular" panose="02020503020101020101" pitchFamily="18" charset="-127"/>
-                <a:cs typeface="Times New Roman" panose="02020603050405020304" pitchFamily="18" charset="0"/>
-              </a:rPr>
-              <a:t>수류탄 </a:t>
-            </a:r>
-            <a:r>
-              <a:rPr lang="en-US" altLang="ko-KR" sz="2400" dirty="0">
-                <a:solidFill>
-                  <a:schemeClr val="bg1"/>
-                </a:solidFill>
-                <a:latin typeface="경기천년바탕 Regular" panose="02020503020101020101" pitchFamily="18" charset="-127"/>
-                <a:ea typeface="경기천년바탕 Regular" panose="02020503020101020101" pitchFamily="18" charset="-127"/>
-                <a:cs typeface="Times New Roman" panose="02020603050405020304" pitchFamily="18" charset="0"/>
-              </a:rPr>
-              <a:t>– </a:t>
-            </a:r>
-            <a:r>
-              <a:rPr lang="ko-KR" altLang="en-US" sz="2400" dirty="0">
-                <a:solidFill>
-                  <a:schemeClr val="bg1"/>
-                </a:solidFill>
-                <a:latin typeface="경기천년바탕 Regular" panose="02020503020101020101" pitchFamily="18" charset="-127"/>
-                <a:ea typeface="경기천년바탕 Regular" panose="02020503020101020101" pitchFamily="18" charset="-127"/>
-                <a:cs typeface="Times New Roman" panose="02020603050405020304" pitchFamily="18" charset="0"/>
-              </a:rPr>
-              <a:t>피격 적 유닛에 데미지</a:t>
-            </a:r>
-            <a:endParaRPr lang="ko-KR" altLang="en-US" sz="4000" dirty="0">
-              <a:solidFill>
-                <a:schemeClr val="bg1"/>
-              </a:solidFill>
-              <a:latin typeface="경기천년바탕 Regular" panose="02020503020101020101" pitchFamily="18" charset="-127"/>
-              <a:ea typeface="경기천년바탕 Regular" panose="02020503020101020101" pitchFamily="18" charset="-127"/>
-            </a:endParaRPr>
-          </a:p>
-        </p:txBody>
-      </p:sp>
+        </p:spPr>
+      </p:pic>
     </p:spTree>
     <p:extLst>
       <p:ext uri="{BB962C8B-B14F-4D97-AF65-F5344CB8AC3E}">
-        <p14:creationId xmlns:p14="http://schemas.microsoft.com/office/powerpoint/2010/main" val="2590619000"/>
+        <p14:creationId xmlns:p14="http://schemas.microsoft.com/office/powerpoint/2010/main" val="3388670824"/>
       </p:ext>
     </p:extLst>
   </p:cSld>
@@ -4179,80 +4591,27 @@
       </p:grpSpPr>
       <p:sp>
         <p:nvSpPr>
-          <p:cNvPr id="3" name="TextBox 2">
-            <a:extLst>
-              <a:ext uri="{FF2B5EF4-FFF2-40B4-BE49-F238E27FC236}">
-                <a16:creationId xmlns:a16="http://schemas.microsoft.com/office/drawing/2014/main" id="{54864A9D-4DB4-48B5-8888-6B62293FB5B2}"/>
-              </a:ext>
-            </a:extLst>
-          </p:cNvPr>
-          <p:cNvSpPr txBox="1"/>
+          <p:cNvPr id="39" name="직사각형 38">
+            <a:extLst>
+              <a:ext uri="{FF2B5EF4-FFF2-40B4-BE49-F238E27FC236}">
+                <a16:creationId xmlns:a16="http://schemas.microsoft.com/office/drawing/2014/main" id="{431B6FBD-CE86-40BA-83F9-8518690E9963}"/>
+              </a:ext>
+            </a:extLst>
+          </p:cNvPr>
+          <p:cNvSpPr/>
           <p:nvPr/>
         </p:nvSpPr>
         <p:spPr>
           <a:xfrm>
-            <a:off x="9606146" y="409877"/>
-            <a:ext cx="1707519" cy="1015663"/>
+            <a:off x="851806" y="1196690"/>
+            <a:ext cx="3177535" cy="5182845"/>
           </a:xfrm>
           <a:prstGeom prst="rect">
             <a:avLst/>
           </a:prstGeom>
-          <a:noFill/>
-        </p:spPr>
-        <p:txBody>
-          <a:bodyPr wrap="none" rtlCol="0">
-            <a:spAutoFit/>
-          </a:bodyPr>
-          <a:lstStyle/>
-          <a:p>
-            <a:pPr algn="r"/>
-            <a:r>
-              <a:rPr lang="en-US" altLang="ko-KR" sz="6000" dirty="0">
-                <a:solidFill>
-                  <a:schemeClr val="bg1"/>
-                </a:solidFill>
-                <a:latin typeface="경기천년바탕 Bold" panose="02020803020101020101" pitchFamily="18" charset="-127"/>
-                <a:ea typeface="경기천년바탕 Bold" panose="02020803020101020101" pitchFamily="18" charset="-127"/>
-              </a:rPr>
-              <a:t>Item</a:t>
-            </a:r>
-            <a:endParaRPr lang="ko-KR" altLang="en-US" sz="6000" dirty="0">
-              <a:solidFill>
-                <a:schemeClr val="bg1"/>
-              </a:solidFill>
-              <a:latin typeface="경기천년바탕 Bold" panose="02020803020101020101" pitchFamily="18" charset="-127"/>
-              <a:ea typeface="경기천년바탕 Bold" panose="02020803020101020101" pitchFamily="18" charset="-127"/>
-            </a:endParaRPr>
-          </a:p>
-        </p:txBody>
-      </p:sp>
-      <p:sp>
-        <p:nvSpPr>
-          <p:cNvPr id="9" name="L 도형 8">
-            <a:extLst>
-              <a:ext uri="{FF2B5EF4-FFF2-40B4-BE49-F238E27FC236}">
-                <a16:creationId xmlns:a16="http://schemas.microsoft.com/office/drawing/2014/main" id="{84B1B958-581A-4B20-90C9-DF550356EE42}"/>
-              </a:ext>
-            </a:extLst>
-          </p:cNvPr>
-          <p:cNvSpPr/>
-          <p:nvPr/>
-        </p:nvSpPr>
-        <p:spPr>
-          <a:xfrm rot="10800000">
-            <a:off x="11145873" y="340996"/>
-            <a:ext cx="680318" cy="680318"/>
-          </a:xfrm>
-          <a:prstGeom prst="corner">
-            <a:avLst>
-              <a:gd name="adj1" fmla="val 10000"/>
-              <a:gd name="adj2" fmla="val 8667"/>
-            </a:avLst>
-          </a:prstGeom>
           <a:solidFill>
-            <a:schemeClr val="accent4">
-              <a:lumMod val="20000"/>
-              <a:lumOff val="80000"/>
+            <a:schemeClr val="tx1">
+              <a:alpha val="44000"/>
             </a:schemeClr>
           </a:solidFill>
           <a:ln>
@@ -4280,6 +4639,1499 @@
           <a:lstStyle/>
           <a:p>
             <a:pPr algn="ctr"/>
+            <a:endParaRPr lang="ko-KR" altLang="en-US" dirty="0"/>
+          </a:p>
+        </p:txBody>
+      </p:sp>
+      <p:sp>
+        <p:nvSpPr>
+          <p:cNvPr id="16" name="직사각형 15">
+            <a:extLst>
+              <a:ext uri="{FF2B5EF4-FFF2-40B4-BE49-F238E27FC236}">
+                <a16:creationId xmlns:a16="http://schemas.microsoft.com/office/drawing/2014/main" id="{EE139C5A-0E66-45D6-BE19-DF9714CAAFBF}"/>
+              </a:ext>
+            </a:extLst>
+          </p:cNvPr>
+          <p:cNvSpPr/>
+          <p:nvPr/>
+        </p:nvSpPr>
+        <p:spPr>
+          <a:xfrm>
+            <a:off x="1034047" y="1425540"/>
+            <a:ext cx="3177535" cy="5042637"/>
+          </a:xfrm>
+          <a:prstGeom prst="rect">
+            <a:avLst/>
+          </a:prstGeom>
+          <a:solidFill>
+            <a:schemeClr val="bg1"/>
+          </a:solidFill>
+          <a:ln>
+            <a:solidFill>
+              <a:schemeClr val="tx1"/>
+            </a:solidFill>
+          </a:ln>
+        </p:spPr>
+        <p:style>
+          <a:lnRef idx="2">
+            <a:schemeClr val="accent1">
+              <a:shade val="50000"/>
+            </a:schemeClr>
+          </a:lnRef>
+          <a:fillRef idx="1">
+            <a:schemeClr val="accent1"/>
+          </a:fillRef>
+          <a:effectRef idx="0">
+            <a:schemeClr val="accent1"/>
+          </a:effectRef>
+          <a:fontRef idx="minor">
+            <a:schemeClr val="lt1"/>
+          </a:fontRef>
+        </p:style>
+        <p:txBody>
+          <a:bodyPr rtlCol="0" anchor="ctr"/>
+          <a:lstStyle/>
+          <a:p>
+            <a:pPr algn="ctr"/>
+            <a:endParaRPr lang="ko-KR" altLang="en-US" dirty="0"/>
+          </a:p>
+        </p:txBody>
+      </p:sp>
+      <p:sp>
+        <p:nvSpPr>
+          <p:cNvPr id="14" name="직사각형 13">
+            <a:extLst>
+              <a:ext uri="{FF2B5EF4-FFF2-40B4-BE49-F238E27FC236}">
+                <a16:creationId xmlns:a16="http://schemas.microsoft.com/office/drawing/2014/main" id="{A7184F2A-D2D1-42C1-BDD5-57500BC97FB7}"/>
+              </a:ext>
+            </a:extLst>
+          </p:cNvPr>
+          <p:cNvSpPr/>
+          <p:nvPr/>
+        </p:nvSpPr>
+        <p:spPr>
+          <a:xfrm rot="16200000">
+            <a:off x="2366210" y="2820202"/>
+            <a:ext cx="1694046" cy="952901"/>
+          </a:xfrm>
+          <a:prstGeom prst="rect">
+            <a:avLst/>
+          </a:prstGeom>
+          <a:solidFill>
+            <a:schemeClr val="bg1"/>
+          </a:solidFill>
+          <a:ln>
+            <a:noFill/>
+          </a:ln>
+        </p:spPr>
+        <p:style>
+          <a:lnRef idx="2">
+            <a:schemeClr val="accent1">
+              <a:shade val="50000"/>
+            </a:schemeClr>
+          </a:lnRef>
+          <a:fillRef idx="1">
+            <a:schemeClr val="accent1"/>
+          </a:fillRef>
+          <a:effectRef idx="0">
+            <a:schemeClr val="accent1"/>
+          </a:effectRef>
+          <a:fontRef idx="minor">
+            <a:schemeClr val="lt1"/>
+          </a:fontRef>
+        </p:style>
+        <p:txBody>
+          <a:bodyPr rtlCol="0" anchor="ctr"/>
+          <a:lstStyle/>
+          <a:p>
+            <a:pPr algn="ctr"/>
+            <a:endParaRPr lang="ko-KR" altLang="en-US"/>
+          </a:p>
+        </p:txBody>
+      </p:sp>
+      <p:sp>
+        <p:nvSpPr>
+          <p:cNvPr id="13" name="직사각형 12">
+            <a:extLst>
+              <a:ext uri="{FF2B5EF4-FFF2-40B4-BE49-F238E27FC236}">
+                <a16:creationId xmlns:a16="http://schemas.microsoft.com/office/drawing/2014/main" id="{5CAFCFA8-2806-40F5-8164-9496CC6B7B64}"/>
+              </a:ext>
+            </a:extLst>
+          </p:cNvPr>
+          <p:cNvSpPr/>
+          <p:nvPr/>
+        </p:nvSpPr>
+        <p:spPr>
+          <a:xfrm rot="5400000">
+            <a:off x="1300393" y="2820202"/>
+            <a:ext cx="1694046" cy="952901"/>
+          </a:xfrm>
+          <a:prstGeom prst="rect">
+            <a:avLst/>
+          </a:prstGeom>
+          <a:solidFill>
+            <a:schemeClr val="bg1"/>
+          </a:solidFill>
+          <a:ln>
+            <a:noFill/>
+          </a:ln>
+        </p:spPr>
+        <p:style>
+          <a:lnRef idx="2">
+            <a:schemeClr val="accent1">
+              <a:shade val="50000"/>
+            </a:schemeClr>
+          </a:lnRef>
+          <a:fillRef idx="1">
+            <a:schemeClr val="accent1"/>
+          </a:fillRef>
+          <a:effectRef idx="0">
+            <a:schemeClr val="accent1"/>
+          </a:effectRef>
+          <a:fontRef idx="minor">
+            <a:schemeClr val="lt1"/>
+          </a:fontRef>
+        </p:style>
+        <p:txBody>
+          <a:bodyPr rtlCol="0" anchor="ctr"/>
+          <a:lstStyle/>
+          <a:p>
+            <a:pPr algn="ctr"/>
+            <a:endParaRPr lang="ko-KR" altLang="en-US"/>
+          </a:p>
+        </p:txBody>
+      </p:sp>
+      <p:sp>
+        <p:nvSpPr>
+          <p:cNvPr id="3" name="TextBox 2">
+            <a:extLst>
+              <a:ext uri="{FF2B5EF4-FFF2-40B4-BE49-F238E27FC236}">
+                <a16:creationId xmlns:a16="http://schemas.microsoft.com/office/drawing/2014/main" id="{54864A9D-4DB4-48B5-8888-6B62293FB5B2}"/>
+              </a:ext>
+            </a:extLst>
+          </p:cNvPr>
+          <p:cNvSpPr txBox="1"/>
+          <p:nvPr/>
+        </p:nvSpPr>
+        <p:spPr>
+          <a:xfrm>
+            <a:off x="9670266" y="409877"/>
+            <a:ext cx="1643399" cy="1015663"/>
+          </a:xfrm>
+          <a:prstGeom prst="rect">
+            <a:avLst/>
+          </a:prstGeom>
+          <a:noFill/>
+        </p:spPr>
+        <p:txBody>
+          <a:bodyPr wrap="none" rtlCol="0">
+            <a:spAutoFit/>
+          </a:bodyPr>
+          <a:lstStyle/>
+          <a:p>
+            <a:pPr algn="r"/>
+            <a:r>
+              <a:rPr lang="en-US" altLang="ko-KR" sz="6000" dirty="0">
+                <a:solidFill>
+                  <a:schemeClr val="bg1"/>
+                </a:solidFill>
+                <a:latin typeface="경기천년바탕 Bold" panose="02020803020101020101" pitchFamily="18" charset="-127"/>
+                <a:ea typeface="경기천년바탕 Bold" panose="02020803020101020101" pitchFamily="18" charset="-127"/>
+              </a:rPr>
+              <a:t>Unit</a:t>
+            </a:r>
+            <a:endParaRPr lang="ko-KR" altLang="en-US" sz="6000" dirty="0">
+              <a:solidFill>
+                <a:schemeClr val="bg1"/>
+              </a:solidFill>
+              <a:latin typeface="경기천년바탕 Bold" panose="02020803020101020101" pitchFamily="18" charset="-127"/>
+              <a:ea typeface="경기천년바탕 Bold" panose="02020803020101020101" pitchFamily="18" charset="-127"/>
+            </a:endParaRPr>
+          </a:p>
+        </p:txBody>
+      </p:sp>
+      <p:sp>
+        <p:nvSpPr>
+          <p:cNvPr id="9" name="L 도형 8">
+            <a:extLst>
+              <a:ext uri="{FF2B5EF4-FFF2-40B4-BE49-F238E27FC236}">
+                <a16:creationId xmlns:a16="http://schemas.microsoft.com/office/drawing/2014/main" id="{84B1B958-581A-4B20-90C9-DF550356EE42}"/>
+              </a:ext>
+            </a:extLst>
+          </p:cNvPr>
+          <p:cNvSpPr/>
+          <p:nvPr/>
+        </p:nvSpPr>
+        <p:spPr>
+          <a:xfrm rot="10800000">
+            <a:off x="11145873" y="340996"/>
+            <a:ext cx="680318" cy="680318"/>
+          </a:xfrm>
+          <a:prstGeom prst="corner">
+            <a:avLst>
+              <a:gd name="adj1" fmla="val 10000"/>
+              <a:gd name="adj2" fmla="val 8667"/>
+            </a:avLst>
+          </a:prstGeom>
+          <a:solidFill>
+            <a:schemeClr val="accent4">
+              <a:lumMod val="20000"/>
+              <a:lumOff val="80000"/>
+            </a:schemeClr>
+          </a:solidFill>
+          <a:ln>
+            <a:noFill/>
+          </a:ln>
+        </p:spPr>
+        <p:style>
+          <a:lnRef idx="2">
+            <a:schemeClr val="accent1">
+              <a:shade val="50000"/>
+            </a:schemeClr>
+          </a:lnRef>
+          <a:fillRef idx="1">
+            <a:schemeClr val="accent1"/>
+          </a:fillRef>
+          <a:effectRef idx="0">
+            <a:schemeClr val="accent1"/>
+          </a:effectRef>
+          <a:fontRef idx="minor">
+            <a:schemeClr val="lt1"/>
+          </a:fontRef>
+        </p:style>
+        <p:txBody>
+          <a:bodyPr rtlCol="0" anchor="ctr"/>
+          <a:lstStyle/>
+          <a:p>
+            <a:pPr algn="ctr"/>
+            <a:endParaRPr lang="ko-KR" altLang="en-US"/>
+          </a:p>
+        </p:txBody>
+      </p:sp>
+      <p:sp>
+        <p:nvSpPr>
+          <p:cNvPr id="25" name="TextBox 24">
+            <a:extLst>
+              <a:ext uri="{FF2B5EF4-FFF2-40B4-BE49-F238E27FC236}">
+                <a16:creationId xmlns:a16="http://schemas.microsoft.com/office/drawing/2014/main" id="{D89795FE-DBCF-476D-9181-40AA68BE846F}"/>
+              </a:ext>
+            </a:extLst>
+          </p:cNvPr>
+          <p:cNvSpPr txBox="1"/>
+          <p:nvPr/>
+        </p:nvSpPr>
+        <p:spPr>
+          <a:xfrm>
+            <a:off x="5771256" y="2245947"/>
+            <a:ext cx="5958682" cy="707886"/>
+          </a:xfrm>
+          <a:prstGeom prst="rect">
+            <a:avLst/>
+          </a:prstGeom>
+          <a:noFill/>
+        </p:spPr>
+        <p:txBody>
+          <a:bodyPr wrap="none" rtlCol="0">
+            <a:spAutoFit/>
+          </a:bodyPr>
+          <a:lstStyle/>
+          <a:p>
+            <a:r>
+              <a:rPr lang="en-US" altLang="ko-KR" sz="4000" dirty="0">
+                <a:solidFill>
+                  <a:schemeClr val="bg1"/>
+                </a:solidFill>
+                <a:latin typeface="경기천년바탕 Regular" panose="02020503020101020101" pitchFamily="18" charset="-127"/>
+                <a:ea typeface="경기천년바탕 Regular" panose="02020503020101020101" pitchFamily="18" charset="-127"/>
+              </a:rPr>
+              <a:t>: </a:t>
+            </a:r>
+            <a:r>
+              <a:rPr lang="ko-KR" altLang="ko-KR" sz="2400" dirty="0">
+                <a:solidFill>
+                  <a:schemeClr val="bg1"/>
+                </a:solidFill>
+                <a:effectLst/>
+                <a:latin typeface="경기천년바탕 Regular" panose="02020503020101020101" pitchFamily="18" charset="-127"/>
+                <a:ea typeface="경기천년바탕 Regular" panose="02020503020101020101" pitchFamily="18" charset="-127"/>
+                <a:cs typeface="Times New Roman" panose="02020603050405020304" pitchFamily="18" charset="0"/>
+              </a:rPr>
+              <a:t>안전지대 범위</a:t>
+            </a:r>
+            <a:r>
+              <a:rPr lang="en-GB" altLang="ko-KR" sz="2400" dirty="0">
+                <a:solidFill>
+                  <a:schemeClr val="bg1"/>
+                </a:solidFill>
+                <a:effectLst/>
+                <a:latin typeface="경기천년바탕 Regular" panose="02020503020101020101" pitchFamily="18" charset="-127"/>
+                <a:ea typeface="경기천년바탕 Regular" panose="02020503020101020101" pitchFamily="18" charset="-127"/>
+                <a:cs typeface="Times New Roman" panose="02020603050405020304" pitchFamily="18" charset="0"/>
+              </a:rPr>
+              <a:t>, </a:t>
+            </a:r>
+            <a:r>
+              <a:rPr lang="ko-KR" altLang="ko-KR" sz="2400" dirty="0">
+                <a:solidFill>
+                  <a:schemeClr val="bg1"/>
+                </a:solidFill>
+                <a:effectLst/>
+                <a:latin typeface="경기천년바탕 Regular" panose="02020503020101020101" pitchFamily="18" charset="-127"/>
+                <a:ea typeface="경기천년바탕 Regular" panose="02020503020101020101" pitchFamily="18" charset="-127"/>
+                <a:cs typeface="Times New Roman" panose="02020603050405020304" pitchFamily="18" charset="0"/>
+              </a:rPr>
+              <a:t>보이는 적</a:t>
+            </a:r>
+            <a:r>
+              <a:rPr lang="en-GB" altLang="ko-KR" sz="2400" dirty="0">
+                <a:solidFill>
+                  <a:schemeClr val="bg1"/>
+                </a:solidFill>
+                <a:effectLst/>
+                <a:latin typeface="경기천년바탕 Regular" panose="02020503020101020101" pitchFamily="18" charset="-127"/>
+                <a:ea typeface="경기천년바탕 Regular" panose="02020503020101020101" pitchFamily="18" charset="-127"/>
+                <a:cs typeface="Times New Roman" panose="02020603050405020304" pitchFamily="18" charset="0"/>
+              </a:rPr>
+              <a:t>, </a:t>
+            </a:r>
+            <a:r>
+              <a:rPr lang="ko-KR" altLang="ko-KR" sz="2400" dirty="0">
+                <a:solidFill>
+                  <a:schemeClr val="bg1"/>
+                </a:solidFill>
+                <a:effectLst/>
+                <a:latin typeface="경기천년바탕 Regular" panose="02020503020101020101" pitchFamily="18" charset="-127"/>
+                <a:ea typeface="경기천년바탕 Regular" panose="02020503020101020101" pitchFamily="18" charset="-127"/>
+                <a:cs typeface="Times New Roman" panose="02020603050405020304" pitchFamily="18" charset="0"/>
+              </a:rPr>
+              <a:t>전체 아군</a:t>
+            </a:r>
+            <a:r>
+              <a:rPr lang="en-GB" altLang="ko-KR" sz="2400" dirty="0">
+                <a:solidFill>
+                  <a:schemeClr val="bg1"/>
+                </a:solidFill>
+                <a:effectLst/>
+                <a:latin typeface="경기천년바탕 Regular" panose="02020503020101020101" pitchFamily="18" charset="-127"/>
+                <a:ea typeface="경기천년바탕 Regular" panose="02020503020101020101" pitchFamily="18" charset="-127"/>
+                <a:cs typeface="Times New Roman" panose="02020603050405020304" pitchFamily="18" charset="0"/>
+              </a:rPr>
+              <a:t>, </a:t>
+            </a:r>
+            <a:r>
+              <a:rPr lang="ko-KR" altLang="ko-KR" sz="2400" dirty="0">
+                <a:solidFill>
+                  <a:schemeClr val="bg1"/>
+                </a:solidFill>
+                <a:effectLst/>
+                <a:latin typeface="경기천년바탕 Regular" panose="02020503020101020101" pitchFamily="18" charset="-127"/>
+                <a:ea typeface="경기천년바탕 Regular" panose="02020503020101020101" pitchFamily="18" charset="-127"/>
+                <a:cs typeface="Times New Roman" panose="02020603050405020304" pitchFamily="18" charset="0"/>
+              </a:rPr>
+              <a:t>아이템</a:t>
+            </a:r>
+            <a:endParaRPr lang="ko-KR" altLang="en-US" sz="4000" dirty="0">
+              <a:solidFill>
+                <a:schemeClr val="bg1"/>
+              </a:solidFill>
+              <a:latin typeface="경기천년바탕 Regular" panose="02020503020101020101" pitchFamily="18" charset="-127"/>
+              <a:ea typeface="경기천년바탕 Regular" panose="02020503020101020101" pitchFamily="18" charset="-127"/>
+            </a:endParaRPr>
+          </a:p>
+        </p:txBody>
+      </p:sp>
+      <p:pic>
+        <p:nvPicPr>
+          <p:cNvPr id="27" name="그림 26">
+            <a:extLst>
+              <a:ext uri="{FF2B5EF4-FFF2-40B4-BE49-F238E27FC236}">
+                <a16:creationId xmlns:a16="http://schemas.microsoft.com/office/drawing/2014/main" id="{58B7C862-B621-4ACD-A02C-3707883190ED}"/>
+              </a:ext>
+            </a:extLst>
+          </p:cNvPr>
+          <p:cNvPicPr>
+            <a:picLocks noChangeAspect="1"/>
+          </p:cNvPicPr>
+          <p:nvPr/>
+        </p:nvPicPr>
+        <p:blipFill>
+          <a:blip r:embed="rId2">
+            <a:extLst>
+              <a:ext uri="{28A0092B-C50C-407E-A947-70E740481C1C}">
+                <a14:useLocalDpi xmlns:a14="http://schemas.microsoft.com/office/drawing/2010/main" val="0"/>
+              </a:ext>
+            </a:extLst>
+          </a:blip>
+          <a:stretch>
+            <a:fillRect/>
+          </a:stretch>
+        </p:blipFill>
+        <p:spPr>
+          <a:xfrm>
+            <a:off x="4506811" y="2336599"/>
+            <a:ext cx="1082204" cy="574283"/>
+          </a:xfrm>
+          <a:prstGeom prst="rect">
+            <a:avLst/>
+          </a:prstGeom>
+        </p:spPr>
+      </p:pic>
+      <p:pic>
+        <p:nvPicPr>
+          <p:cNvPr id="29" name="그림 28">
+            <a:extLst>
+              <a:ext uri="{FF2B5EF4-FFF2-40B4-BE49-F238E27FC236}">
+                <a16:creationId xmlns:a16="http://schemas.microsoft.com/office/drawing/2014/main" id="{1DDC151A-2A28-4C5A-9048-9E566EA1A209}"/>
+              </a:ext>
+            </a:extLst>
+          </p:cNvPr>
+          <p:cNvPicPr>
+            <a:picLocks noChangeAspect="1"/>
+          </p:cNvPicPr>
+          <p:nvPr/>
+        </p:nvPicPr>
+        <p:blipFill>
+          <a:blip r:embed="rId3">
+            <a:extLst>
+              <a:ext uri="{28A0092B-C50C-407E-A947-70E740481C1C}">
+                <a14:useLocalDpi xmlns:a14="http://schemas.microsoft.com/office/drawing/2010/main" val="0"/>
+              </a:ext>
+            </a:extLst>
+          </a:blip>
+          <a:stretch>
+            <a:fillRect/>
+          </a:stretch>
+        </p:blipFill>
+        <p:spPr>
+          <a:xfrm>
+            <a:off x="4615739" y="3477716"/>
+            <a:ext cx="864348" cy="864348"/>
+          </a:xfrm>
+          <a:prstGeom prst="rect">
+            <a:avLst/>
+          </a:prstGeom>
+        </p:spPr>
+      </p:pic>
+      <p:sp>
+        <p:nvSpPr>
+          <p:cNvPr id="31" name="TextBox 30">
+            <a:extLst>
+              <a:ext uri="{FF2B5EF4-FFF2-40B4-BE49-F238E27FC236}">
+                <a16:creationId xmlns:a16="http://schemas.microsoft.com/office/drawing/2014/main" id="{042A34AB-FD27-45F9-9DB0-88BC948AC8C1}"/>
+              </a:ext>
+            </a:extLst>
+          </p:cNvPr>
+          <p:cNvSpPr txBox="1"/>
+          <p:nvPr/>
+        </p:nvSpPr>
+        <p:spPr>
+          <a:xfrm>
+            <a:off x="5771256" y="3511404"/>
+            <a:ext cx="2488182" cy="707886"/>
+          </a:xfrm>
+          <a:prstGeom prst="rect">
+            <a:avLst/>
+          </a:prstGeom>
+          <a:noFill/>
+        </p:spPr>
+        <p:txBody>
+          <a:bodyPr wrap="none" rtlCol="0">
+            <a:spAutoFit/>
+          </a:bodyPr>
+          <a:lstStyle/>
+          <a:p>
+            <a:r>
+              <a:rPr lang="en-US" altLang="ko-KR" sz="4000" dirty="0">
+                <a:solidFill>
+                  <a:schemeClr val="bg1"/>
+                </a:solidFill>
+                <a:latin typeface="경기천년바탕 Regular" panose="02020503020101020101" pitchFamily="18" charset="-127"/>
+                <a:ea typeface="경기천년바탕 Regular" panose="02020503020101020101" pitchFamily="18" charset="-127"/>
+              </a:rPr>
+              <a:t>: </a:t>
+            </a:r>
+            <a:r>
+              <a:rPr lang="ko-KR" altLang="en-US" sz="2400" dirty="0">
+                <a:solidFill>
+                  <a:schemeClr val="bg1"/>
+                </a:solidFill>
+                <a:latin typeface="경기천년바탕 Regular" panose="02020503020101020101" pitchFamily="18" charset="-127"/>
+                <a:ea typeface="경기천년바탕 Regular" panose="02020503020101020101" pitchFamily="18" charset="-127"/>
+                <a:cs typeface="Times New Roman" panose="02020603050405020304" pitchFamily="18" charset="0"/>
+              </a:rPr>
+              <a:t>체력</a:t>
+            </a:r>
+            <a:r>
+              <a:rPr lang="en-US" altLang="ko-KR" sz="2400" dirty="0">
+                <a:solidFill>
+                  <a:schemeClr val="bg1"/>
+                </a:solidFill>
+                <a:latin typeface="경기천년바탕 Regular" panose="02020503020101020101" pitchFamily="18" charset="-127"/>
+                <a:ea typeface="경기천년바탕 Regular" panose="02020503020101020101" pitchFamily="18" charset="-127"/>
+                <a:cs typeface="Times New Roman" panose="02020603050405020304" pitchFamily="18" charset="0"/>
+              </a:rPr>
+              <a:t>, </a:t>
+            </a:r>
+            <a:r>
+              <a:rPr lang="ko-KR" altLang="en-US" sz="2400" dirty="0">
+                <a:solidFill>
+                  <a:schemeClr val="bg1"/>
+                </a:solidFill>
+                <a:latin typeface="경기천년바탕 Regular" panose="02020503020101020101" pitchFamily="18" charset="-127"/>
+                <a:ea typeface="경기천년바탕 Regular" panose="02020503020101020101" pitchFamily="18" charset="-127"/>
+                <a:cs typeface="Times New Roman" panose="02020603050405020304" pitchFamily="18" charset="0"/>
+              </a:rPr>
+              <a:t>위치</a:t>
+            </a:r>
+            <a:r>
+              <a:rPr lang="en-US" altLang="ko-KR" sz="2400" dirty="0">
+                <a:solidFill>
+                  <a:schemeClr val="bg1"/>
+                </a:solidFill>
+                <a:latin typeface="경기천년바탕 Regular" panose="02020503020101020101" pitchFamily="18" charset="-127"/>
+                <a:ea typeface="경기천년바탕 Regular" panose="02020503020101020101" pitchFamily="18" charset="-127"/>
+                <a:cs typeface="Times New Roman" panose="02020603050405020304" pitchFamily="18" charset="0"/>
+              </a:rPr>
+              <a:t>, </a:t>
+            </a:r>
+            <a:r>
+              <a:rPr lang="ko-KR" altLang="en-US" sz="2400" dirty="0">
+                <a:solidFill>
+                  <a:schemeClr val="bg1"/>
+                </a:solidFill>
+                <a:latin typeface="경기천년바탕 Regular" panose="02020503020101020101" pitchFamily="18" charset="-127"/>
+                <a:ea typeface="경기천년바탕 Regular" panose="02020503020101020101" pitchFamily="18" charset="-127"/>
+                <a:cs typeface="Times New Roman" panose="02020603050405020304" pitchFamily="18" charset="0"/>
+              </a:rPr>
+              <a:t>방향</a:t>
+            </a:r>
+            <a:endParaRPr lang="ko-KR" altLang="en-US" sz="4000" dirty="0">
+              <a:solidFill>
+                <a:schemeClr val="bg1"/>
+              </a:solidFill>
+              <a:latin typeface="경기천년바탕 Regular" panose="02020503020101020101" pitchFamily="18" charset="-127"/>
+              <a:ea typeface="경기천년바탕 Regular" panose="02020503020101020101" pitchFamily="18" charset="-127"/>
+            </a:endParaRPr>
+          </a:p>
+        </p:txBody>
+      </p:sp>
+      <p:pic>
+        <p:nvPicPr>
+          <p:cNvPr id="33" name="그림 32">
+            <a:extLst>
+              <a:ext uri="{FF2B5EF4-FFF2-40B4-BE49-F238E27FC236}">
+                <a16:creationId xmlns:a16="http://schemas.microsoft.com/office/drawing/2014/main" id="{1B667C1B-0604-4B34-8B86-BE352DA57FA3}"/>
+              </a:ext>
+            </a:extLst>
+          </p:cNvPr>
+          <p:cNvPicPr>
+            <a:picLocks noChangeAspect="1"/>
+          </p:cNvPicPr>
+          <p:nvPr/>
+        </p:nvPicPr>
+        <p:blipFill>
+          <a:blip r:embed="rId4">
+            <a:extLst>
+              <a:ext uri="{28A0092B-C50C-407E-A947-70E740481C1C}">
+                <a14:useLocalDpi xmlns:a14="http://schemas.microsoft.com/office/drawing/2010/main" val="0"/>
+              </a:ext>
+            </a:extLst>
+          </a:blip>
+          <a:stretch>
+            <a:fillRect/>
+          </a:stretch>
+        </p:blipFill>
+        <p:spPr>
+          <a:xfrm>
+            <a:off x="4602157" y="4627576"/>
+            <a:ext cx="986858" cy="998635"/>
+          </a:xfrm>
+          <a:prstGeom prst="rect">
+            <a:avLst/>
+          </a:prstGeom>
+        </p:spPr>
+      </p:pic>
+      <p:sp>
+        <p:nvSpPr>
+          <p:cNvPr id="35" name="TextBox 34">
+            <a:extLst>
+              <a:ext uri="{FF2B5EF4-FFF2-40B4-BE49-F238E27FC236}">
+                <a16:creationId xmlns:a16="http://schemas.microsoft.com/office/drawing/2014/main" id="{8300528D-C158-43F6-8466-A9367A287C9F}"/>
+              </a:ext>
+            </a:extLst>
+          </p:cNvPr>
+          <p:cNvSpPr txBox="1"/>
+          <p:nvPr/>
+        </p:nvSpPr>
+        <p:spPr>
+          <a:xfrm>
+            <a:off x="5771256" y="4913020"/>
+            <a:ext cx="3409908" cy="707886"/>
+          </a:xfrm>
+          <a:prstGeom prst="rect">
+            <a:avLst/>
+          </a:prstGeom>
+          <a:noFill/>
+        </p:spPr>
+        <p:txBody>
+          <a:bodyPr wrap="none" rtlCol="0">
+            <a:spAutoFit/>
+          </a:bodyPr>
+          <a:lstStyle/>
+          <a:p>
+            <a:r>
+              <a:rPr lang="en-US" altLang="ko-KR" sz="4000" dirty="0">
+                <a:solidFill>
+                  <a:schemeClr val="bg1"/>
+                </a:solidFill>
+                <a:latin typeface="경기천년바탕 Regular" panose="02020503020101020101" pitchFamily="18" charset="-127"/>
+                <a:ea typeface="경기천년바탕 Regular" panose="02020503020101020101" pitchFamily="18" charset="-127"/>
+              </a:rPr>
+              <a:t>: </a:t>
+            </a:r>
+            <a:r>
+              <a:rPr lang="ko-KR" altLang="en-US" sz="2400" dirty="0">
+                <a:solidFill>
+                  <a:schemeClr val="bg1"/>
+                </a:solidFill>
+                <a:latin typeface="경기천년바탕 Regular" panose="02020503020101020101" pitchFamily="18" charset="-127"/>
+                <a:ea typeface="경기천년바탕 Regular" panose="02020503020101020101" pitchFamily="18" charset="-127"/>
+                <a:cs typeface="Times New Roman" panose="02020603050405020304" pitchFamily="18" charset="0"/>
+              </a:rPr>
+              <a:t>이동</a:t>
+            </a:r>
+            <a:r>
+              <a:rPr lang="en-US" altLang="ko-KR" sz="2400" dirty="0">
+                <a:solidFill>
+                  <a:schemeClr val="bg1"/>
+                </a:solidFill>
+                <a:latin typeface="경기천년바탕 Regular" panose="02020503020101020101" pitchFamily="18" charset="-127"/>
+                <a:ea typeface="경기천년바탕 Regular" panose="02020503020101020101" pitchFamily="18" charset="-127"/>
+                <a:cs typeface="Times New Roman" panose="02020603050405020304" pitchFamily="18" charset="0"/>
+              </a:rPr>
+              <a:t>, </a:t>
+            </a:r>
+            <a:r>
+              <a:rPr lang="ko-KR" altLang="en-US" sz="2400" dirty="0">
+                <a:solidFill>
+                  <a:schemeClr val="bg1"/>
+                </a:solidFill>
+                <a:latin typeface="경기천년바탕 Regular" panose="02020503020101020101" pitchFamily="18" charset="-127"/>
+                <a:ea typeface="경기천년바탕 Regular" panose="02020503020101020101" pitchFamily="18" charset="-127"/>
+                <a:cs typeface="Times New Roman" panose="02020603050405020304" pitchFamily="18" charset="0"/>
+              </a:rPr>
+              <a:t>회전</a:t>
+            </a:r>
+            <a:r>
+              <a:rPr lang="en-US" altLang="ko-KR" sz="2400" dirty="0">
+                <a:solidFill>
+                  <a:schemeClr val="bg1"/>
+                </a:solidFill>
+                <a:latin typeface="경기천년바탕 Regular" panose="02020503020101020101" pitchFamily="18" charset="-127"/>
+                <a:ea typeface="경기천년바탕 Regular" panose="02020503020101020101" pitchFamily="18" charset="-127"/>
+                <a:cs typeface="Times New Roman" panose="02020603050405020304" pitchFamily="18" charset="0"/>
+              </a:rPr>
+              <a:t>, </a:t>
+            </a:r>
+            <a:r>
+              <a:rPr lang="ko-KR" altLang="en-US" sz="2400" dirty="0">
+                <a:solidFill>
+                  <a:schemeClr val="bg1"/>
+                </a:solidFill>
+                <a:latin typeface="경기천년바탕 Regular" panose="02020503020101020101" pitchFamily="18" charset="-127"/>
+                <a:ea typeface="경기천년바탕 Regular" panose="02020503020101020101" pitchFamily="18" charset="-127"/>
+                <a:cs typeface="Times New Roman" panose="02020603050405020304" pitchFamily="18" charset="0"/>
+              </a:rPr>
+              <a:t>아이템 사용</a:t>
+            </a:r>
+            <a:endParaRPr lang="ko-KR" altLang="en-US" sz="4000" dirty="0">
+              <a:solidFill>
+                <a:schemeClr val="bg1"/>
+              </a:solidFill>
+              <a:latin typeface="경기천년바탕 Regular" panose="02020503020101020101" pitchFamily="18" charset="-127"/>
+              <a:ea typeface="경기천년바탕 Regular" panose="02020503020101020101" pitchFamily="18" charset="-127"/>
+            </a:endParaRPr>
+          </a:p>
+        </p:txBody>
+      </p:sp>
+      <p:pic>
+        <p:nvPicPr>
+          <p:cNvPr id="41" name="그림 40">
+            <a:extLst>
+              <a:ext uri="{FF2B5EF4-FFF2-40B4-BE49-F238E27FC236}">
+                <a16:creationId xmlns:a16="http://schemas.microsoft.com/office/drawing/2014/main" id="{B9FA92A1-2362-4B64-8BDE-7D522BBC4E55}"/>
+              </a:ext>
+            </a:extLst>
+          </p:cNvPr>
+          <p:cNvPicPr>
+            <a:picLocks noChangeAspect="1"/>
+          </p:cNvPicPr>
+          <p:nvPr/>
+        </p:nvPicPr>
+        <p:blipFill>
+          <a:blip r:embed="rId5">
+            <a:extLst>
+              <a:ext uri="{28A0092B-C50C-407E-A947-70E740481C1C}">
+                <a14:useLocalDpi xmlns:a14="http://schemas.microsoft.com/office/drawing/2010/main" val="0"/>
+              </a:ext>
+            </a:extLst>
+          </a:blip>
+          <a:stretch>
+            <a:fillRect/>
+          </a:stretch>
+        </p:blipFill>
+        <p:spPr>
+          <a:xfrm rot="5400000">
+            <a:off x="2862589" y="3287785"/>
+            <a:ext cx="150167" cy="600666"/>
+          </a:xfrm>
+          <a:prstGeom prst="rect">
+            <a:avLst/>
+          </a:prstGeom>
+        </p:spPr>
+      </p:pic>
+      <p:pic>
+        <p:nvPicPr>
+          <p:cNvPr id="11" name="그림 10" descr="옅은, 그리기이(가) 표시된 사진&#10;&#10;자동 생성된 설명">
+            <a:extLst>
+              <a:ext uri="{FF2B5EF4-FFF2-40B4-BE49-F238E27FC236}">
+                <a16:creationId xmlns:a16="http://schemas.microsoft.com/office/drawing/2014/main" id="{7ADEA54B-5422-4AC7-A1B1-953CEB90BDC6}"/>
+              </a:ext>
+            </a:extLst>
+          </p:cNvPr>
+          <p:cNvPicPr>
+            <a:picLocks noChangeAspect="1"/>
+          </p:cNvPicPr>
+          <p:nvPr/>
+        </p:nvPicPr>
+        <p:blipFill>
+          <a:blip r:embed="rId6">
+            <a:extLst>
+              <a:ext uri="{28A0092B-C50C-407E-A947-70E740481C1C}">
+                <a14:useLocalDpi xmlns:a14="http://schemas.microsoft.com/office/drawing/2010/main" val="0"/>
+              </a:ext>
+            </a:extLst>
+          </a:blip>
+          <a:stretch>
+            <a:fillRect/>
+          </a:stretch>
+        </p:blipFill>
+        <p:spPr>
+          <a:xfrm rot="10800000">
+            <a:off x="2031853" y="2621986"/>
+            <a:ext cx="787302" cy="1371429"/>
+          </a:xfrm>
+          <a:prstGeom prst="rect">
+            <a:avLst/>
+          </a:prstGeom>
+        </p:spPr>
+      </p:pic>
+      <p:sp>
+        <p:nvSpPr>
+          <p:cNvPr id="43" name="TextBox 42">
+            <a:extLst>
+              <a:ext uri="{FF2B5EF4-FFF2-40B4-BE49-F238E27FC236}">
+                <a16:creationId xmlns:a16="http://schemas.microsoft.com/office/drawing/2014/main" id="{D88D76A6-E04F-49A3-B2E7-88CFA83712DE}"/>
+              </a:ext>
+            </a:extLst>
+          </p:cNvPr>
+          <p:cNvSpPr txBox="1"/>
+          <p:nvPr/>
+        </p:nvSpPr>
+        <p:spPr>
+          <a:xfrm>
+            <a:off x="1536214" y="4629156"/>
+            <a:ext cx="2153470" cy="1077218"/>
+          </a:xfrm>
+          <a:prstGeom prst="rect">
+            <a:avLst/>
+          </a:prstGeom>
+          <a:noFill/>
+        </p:spPr>
+        <p:txBody>
+          <a:bodyPr wrap="square" rtlCol="0">
+            <a:spAutoFit/>
+          </a:bodyPr>
+          <a:lstStyle/>
+          <a:p>
+            <a:pPr algn="ctr"/>
+            <a:r>
+              <a:rPr lang="en-US" altLang="ko-KR" sz="3200" dirty="0">
+                <a:latin typeface="경기천년바탕 Bold" panose="02020803020101020101" pitchFamily="18" charset="-127"/>
+                <a:ea typeface="경기천년바탕 Bold" panose="02020803020101020101" pitchFamily="18" charset="-127"/>
+              </a:rPr>
+              <a:t>Red with</a:t>
+            </a:r>
+          </a:p>
+          <a:p>
+            <a:pPr algn="ctr"/>
+            <a:r>
+              <a:rPr lang="en-US" altLang="ko-KR" sz="3200" dirty="0">
+                <a:latin typeface="경기천년바탕 Bold" panose="02020803020101020101" pitchFamily="18" charset="-127"/>
+                <a:ea typeface="경기천년바탕 Bold" panose="02020803020101020101" pitchFamily="18" charset="-127"/>
+              </a:rPr>
+              <a:t>Pistol</a:t>
+            </a:r>
+            <a:endParaRPr lang="ko-KR" altLang="en-US" sz="3200" dirty="0">
+              <a:latin typeface="경기천년바탕 Bold" panose="02020803020101020101" pitchFamily="18" charset="-127"/>
+              <a:ea typeface="경기천년바탕 Bold" panose="02020803020101020101" pitchFamily="18" charset="-127"/>
+            </a:endParaRPr>
+          </a:p>
+        </p:txBody>
+      </p:sp>
+    </p:spTree>
+    <p:extLst>
+      <p:ext uri="{BB962C8B-B14F-4D97-AF65-F5344CB8AC3E}">
+        <p14:creationId xmlns:p14="http://schemas.microsoft.com/office/powerpoint/2010/main" val="774141447"/>
+      </p:ext>
+    </p:extLst>
+  </p:cSld>
+  <p:clrMapOvr>
+    <a:masterClrMapping/>
+  </p:clrMapOvr>
+</p:sld>
+</file>
+
+<file path=ppt/slides/slide12.xml><?xml version="1.0" encoding="utf-8"?>
+<p:sld xmlns:a="http://schemas.openxmlformats.org/drawingml/2006/main" xmlns:r="http://schemas.openxmlformats.org/officeDocument/2006/relationships" xmlns:p="http://schemas.openxmlformats.org/presentationml/2006/main">
+  <p:cSld>
+    <p:spTree>
+      <p:nvGrpSpPr>
+        <p:cNvPr id="1" name=""/>
+        <p:cNvGrpSpPr/>
+        <p:nvPr/>
+      </p:nvGrpSpPr>
+      <p:grpSpPr>
+        <a:xfrm>
+          <a:off x="0" y="0"/>
+          <a:ext cx="0" cy="0"/>
+          <a:chOff x="0" y="0"/>
+          <a:chExt cx="0" cy="0"/>
+        </a:xfrm>
+      </p:grpSpPr>
+      <p:sp>
+        <p:nvSpPr>
+          <p:cNvPr id="3" name="TextBox 2">
+            <a:extLst>
+              <a:ext uri="{FF2B5EF4-FFF2-40B4-BE49-F238E27FC236}">
+                <a16:creationId xmlns:a16="http://schemas.microsoft.com/office/drawing/2014/main" id="{54864A9D-4DB4-48B5-8888-6B62293FB5B2}"/>
+              </a:ext>
+            </a:extLst>
+          </p:cNvPr>
+          <p:cNvSpPr txBox="1"/>
+          <p:nvPr/>
+        </p:nvSpPr>
+        <p:spPr>
+          <a:xfrm>
+            <a:off x="9606146" y="409877"/>
+            <a:ext cx="1707519" cy="1015663"/>
+          </a:xfrm>
+          <a:prstGeom prst="rect">
+            <a:avLst/>
+          </a:prstGeom>
+          <a:noFill/>
+        </p:spPr>
+        <p:txBody>
+          <a:bodyPr wrap="none" rtlCol="0">
+            <a:spAutoFit/>
+          </a:bodyPr>
+          <a:lstStyle/>
+          <a:p>
+            <a:pPr algn="r"/>
+            <a:r>
+              <a:rPr lang="en-US" altLang="ko-KR" sz="6000" dirty="0">
+                <a:solidFill>
+                  <a:schemeClr val="bg1"/>
+                </a:solidFill>
+                <a:latin typeface="경기천년바탕 Bold" panose="02020803020101020101" pitchFamily="18" charset="-127"/>
+                <a:ea typeface="경기천년바탕 Bold" panose="02020803020101020101" pitchFamily="18" charset="-127"/>
+              </a:rPr>
+              <a:t>Item</a:t>
+            </a:r>
+            <a:endParaRPr lang="ko-KR" altLang="en-US" sz="6000" dirty="0">
+              <a:solidFill>
+                <a:schemeClr val="bg1"/>
+              </a:solidFill>
+              <a:latin typeface="경기천년바탕 Bold" panose="02020803020101020101" pitchFamily="18" charset="-127"/>
+              <a:ea typeface="경기천년바탕 Bold" panose="02020803020101020101" pitchFamily="18" charset="-127"/>
+            </a:endParaRPr>
+          </a:p>
+        </p:txBody>
+      </p:sp>
+      <p:sp>
+        <p:nvSpPr>
+          <p:cNvPr id="9" name="L 도형 8">
+            <a:extLst>
+              <a:ext uri="{FF2B5EF4-FFF2-40B4-BE49-F238E27FC236}">
+                <a16:creationId xmlns:a16="http://schemas.microsoft.com/office/drawing/2014/main" id="{84B1B958-581A-4B20-90C9-DF550356EE42}"/>
+              </a:ext>
+            </a:extLst>
+          </p:cNvPr>
+          <p:cNvSpPr/>
+          <p:nvPr/>
+        </p:nvSpPr>
+        <p:spPr>
+          <a:xfrm rot="10800000">
+            <a:off x="11145873" y="340996"/>
+            <a:ext cx="680318" cy="680318"/>
+          </a:xfrm>
+          <a:prstGeom prst="corner">
+            <a:avLst>
+              <a:gd name="adj1" fmla="val 10000"/>
+              <a:gd name="adj2" fmla="val 8667"/>
+            </a:avLst>
+          </a:prstGeom>
+          <a:solidFill>
+            <a:schemeClr val="accent4">
+              <a:lumMod val="20000"/>
+              <a:lumOff val="80000"/>
+            </a:schemeClr>
+          </a:solidFill>
+          <a:ln>
+            <a:noFill/>
+          </a:ln>
+        </p:spPr>
+        <p:style>
+          <a:lnRef idx="2">
+            <a:schemeClr val="accent1">
+              <a:shade val="50000"/>
+            </a:schemeClr>
+          </a:lnRef>
+          <a:fillRef idx="1">
+            <a:schemeClr val="accent1"/>
+          </a:fillRef>
+          <a:effectRef idx="0">
+            <a:schemeClr val="accent1"/>
+          </a:effectRef>
+          <a:fontRef idx="minor">
+            <a:schemeClr val="lt1"/>
+          </a:fontRef>
+        </p:style>
+        <p:txBody>
+          <a:bodyPr rtlCol="0" anchor="ctr"/>
+          <a:lstStyle/>
+          <a:p>
+            <a:pPr algn="ctr"/>
+            <a:endParaRPr lang="ko-KR" altLang="en-US"/>
+          </a:p>
+        </p:txBody>
+      </p:sp>
+      <p:pic>
+        <p:nvPicPr>
+          <p:cNvPr id="4" name="그림 3">
+            <a:extLst>
+              <a:ext uri="{FF2B5EF4-FFF2-40B4-BE49-F238E27FC236}">
+                <a16:creationId xmlns:a16="http://schemas.microsoft.com/office/drawing/2014/main" id="{2B8D24F6-E464-48E9-8180-9D474EB3C0BC}"/>
+              </a:ext>
+            </a:extLst>
+          </p:cNvPr>
+          <p:cNvPicPr>
+            <a:picLocks noChangeAspect="1"/>
+          </p:cNvPicPr>
+          <p:nvPr/>
+        </p:nvPicPr>
+        <p:blipFill>
+          <a:blip r:embed="rId2">
+            <a:extLst>
+              <a:ext uri="{28A0092B-C50C-407E-A947-70E740481C1C}">
+                <a14:useLocalDpi xmlns:a14="http://schemas.microsoft.com/office/drawing/2010/main" val="0"/>
+              </a:ext>
+            </a:extLst>
+          </a:blip>
+          <a:stretch>
+            <a:fillRect/>
+          </a:stretch>
+        </p:blipFill>
+        <p:spPr>
+          <a:xfrm>
+            <a:off x="2864452" y="2055399"/>
+            <a:ext cx="1053968" cy="1130159"/>
+          </a:xfrm>
+          <a:prstGeom prst="rect">
+            <a:avLst/>
+          </a:prstGeom>
+          <a:effectLst>
+            <a:outerShdw blurRad="50800" dist="38100" algn="l" rotWithShape="0">
+              <a:prstClr val="black">
+                <a:alpha val="40000"/>
+              </a:prstClr>
+            </a:outerShdw>
+          </a:effectLst>
+        </p:spPr>
+      </p:pic>
+      <p:pic>
+        <p:nvPicPr>
+          <p:cNvPr id="6" name="그림 5" descr="옅은이(가) 표시된 사진&#10;&#10;자동 생성된 설명">
+            <a:extLst>
+              <a:ext uri="{FF2B5EF4-FFF2-40B4-BE49-F238E27FC236}">
+                <a16:creationId xmlns:a16="http://schemas.microsoft.com/office/drawing/2014/main" id="{E3A49390-A601-4693-8484-9B10C6F83C9F}"/>
+              </a:ext>
+            </a:extLst>
+          </p:cNvPr>
+          <p:cNvPicPr>
+            <a:picLocks noChangeAspect="1"/>
+          </p:cNvPicPr>
+          <p:nvPr/>
+        </p:nvPicPr>
+        <p:blipFill>
+          <a:blip r:embed="rId3">
+            <a:extLst>
+              <a:ext uri="{28A0092B-C50C-407E-A947-70E740481C1C}">
+                <a14:useLocalDpi xmlns:a14="http://schemas.microsoft.com/office/drawing/2010/main" val="0"/>
+              </a:ext>
+            </a:extLst>
+          </a:blip>
+          <a:stretch>
+            <a:fillRect/>
+          </a:stretch>
+        </p:blipFill>
+        <p:spPr>
+          <a:xfrm>
+            <a:off x="2864452" y="4441994"/>
+            <a:ext cx="1053968" cy="1130159"/>
+          </a:xfrm>
+          <a:prstGeom prst="rect">
+            <a:avLst/>
+          </a:prstGeom>
+          <a:effectLst>
+            <a:outerShdw blurRad="50800" dist="38100" algn="l" rotWithShape="0">
+              <a:prstClr val="black">
+                <a:alpha val="40000"/>
+              </a:prstClr>
+            </a:outerShdw>
+          </a:effectLst>
+        </p:spPr>
+      </p:pic>
+      <p:pic>
+        <p:nvPicPr>
+          <p:cNvPr id="17" name="그림 16" descr="게임이(가) 표시된 사진&#10;&#10;자동 생성된 설명">
+            <a:extLst>
+              <a:ext uri="{FF2B5EF4-FFF2-40B4-BE49-F238E27FC236}">
+                <a16:creationId xmlns:a16="http://schemas.microsoft.com/office/drawing/2014/main" id="{0F50BAEE-FB7C-47EB-ABA7-3C6B7CC11BF3}"/>
+              </a:ext>
+            </a:extLst>
+          </p:cNvPr>
+          <p:cNvPicPr>
+            <a:picLocks noChangeAspect="1"/>
+          </p:cNvPicPr>
+          <p:nvPr/>
+        </p:nvPicPr>
+        <p:blipFill>
+          <a:blip r:embed="rId4">
+            <a:extLst>
+              <a:ext uri="{28A0092B-C50C-407E-A947-70E740481C1C}">
+                <a14:useLocalDpi xmlns:a14="http://schemas.microsoft.com/office/drawing/2010/main" val="0"/>
+              </a:ext>
+            </a:extLst>
+          </a:blip>
+          <a:stretch>
+            <a:fillRect/>
+          </a:stretch>
+        </p:blipFill>
+        <p:spPr>
+          <a:xfrm>
+            <a:off x="2864452" y="3185558"/>
+            <a:ext cx="1053968" cy="1130159"/>
+          </a:xfrm>
+          <a:prstGeom prst="rect">
+            <a:avLst/>
+          </a:prstGeom>
+          <a:effectLst>
+            <a:outerShdw blurRad="50800" dist="38100" algn="l" rotWithShape="0">
+              <a:prstClr val="black">
+                <a:alpha val="40000"/>
+              </a:prstClr>
+            </a:outerShdw>
+          </a:effectLst>
+        </p:spPr>
+      </p:pic>
+      <p:sp>
+        <p:nvSpPr>
+          <p:cNvPr id="18" name="TextBox 17">
+            <a:extLst>
+              <a:ext uri="{FF2B5EF4-FFF2-40B4-BE49-F238E27FC236}">
+                <a16:creationId xmlns:a16="http://schemas.microsoft.com/office/drawing/2014/main" id="{A3F3BD14-B60A-45F1-8692-9F43A08D304C}"/>
+              </a:ext>
+            </a:extLst>
+          </p:cNvPr>
+          <p:cNvSpPr txBox="1"/>
+          <p:nvPr/>
+        </p:nvSpPr>
+        <p:spPr>
+          <a:xfrm>
+            <a:off x="4154344" y="2266535"/>
+            <a:ext cx="5451802" cy="707886"/>
+          </a:xfrm>
+          <a:prstGeom prst="rect">
+            <a:avLst/>
+          </a:prstGeom>
+          <a:noFill/>
+        </p:spPr>
+        <p:txBody>
+          <a:bodyPr wrap="square" rtlCol="0">
+            <a:spAutoFit/>
+          </a:bodyPr>
+          <a:lstStyle/>
+          <a:p>
+            <a:r>
+              <a:rPr lang="en-US" altLang="ko-KR" sz="4000" dirty="0">
+                <a:solidFill>
+                  <a:schemeClr val="bg1"/>
+                </a:solidFill>
+                <a:latin typeface="경기천년바탕 Regular" panose="02020503020101020101" pitchFamily="18" charset="-127"/>
+                <a:ea typeface="경기천년바탕 Regular" panose="02020503020101020101" pitchFamily="18" charset="-127"/>
+              </a:rPr>
+              <a:t>: </a:t>
+            </a:r>
+            <a:r>
+              <a:rPr lang="ko-KR" altLang="en-US" sz="2400" dirty="0">
+                <a:solidFill>
+                  <a:schemeClr val="bg1"/>
+                </a:solidFill>
+                <a:latin typeface="경기천년바탕 Regular" panose="02020503020101020101" pitchFamily="18" charset="-127"/>
+                <a:ea typeface="경기천년바탕 Regular" panose="02020503020101020101" pitchFamily="18" charset="-127"/>
+                <a:cs typeface="Times New Roman" panose="02020603050405020304" pitchFamily="18" charset="0"/>
+              </a:rPr>
+              <a:t>섬광탄 </a:t>
+            </a:r>
+            <a:r>
+              <a:rPr lang="en-US" altLang="ko-KR" sz="2400" dirty="0">
+                <a:solidFill>
+                  <a:schemeClr val="bg1"/>
+                </a:solidFill>
+                <a:latin typeface="경기천년바탕 Regular" panose="02020503020101020101" pitchFamily="18" charset="-127"/>
+                <a:ea typeface="경기천년바탕 Regular" panose="02020503020101020101" pitchFamily="18" charset="-127"/>
+                <a:cs typeface="Times New Roman" panose="02020603050405020304" pitchFamily="18" charset="0"/>
+              </a:rPr>
+              <a:t>– </a:t>
+            </a:r>
+            <a:r>
+              <a:rPr lang="ko-KR" altLang="en-US" sz="2400" dirty="0">
+                <a:solidFill>
+                  <a:schemeClr val="bg1"/>
+                </a:solidFill>
+                <a:latin typeface="경기천년바탕 Regular" panose="02020503020101020101" pitchFamily="18" charset="-127"/>
+                <a:ea typeface="경기천년바탕 Regular" panose="02020503020101020101" pitchFamily="18" charset="-127"/>
+                <a:cs typeface="Times New Roman" panose="02020603050405020304" pitchFamily="18" charset="0"/>
+              </a:rPr>
+              <a:t>피격  적 유닛의 시야 제한</a:t>
+            </a:r>
+            <a:endParaRPr lang="ko-KR" altLang="en-US" sz="4000" dirty="0">
+              <a:solidFill>
+                <a:schemeClr val="bg1"/>
+              </a:solidFill>
+              <a:latin typeface="경기천년바탕 Regular" panose="02020503020101020101" pitchFamily="18" charset="-127"/>
+              <a:ea typeface="경기천년바탕 Regular" panose="02020503020101020101" pitchFamily="18" charset="-127"/>
+            </a:endParaRPr>
+          </a:p>
+        </p:txBody>
+      </p:sp>
+      <p:sp>
+        <p:nvSpPr>
+          <p:cNvPr id="19" name="TextBox 18">
+            <a:extLst>
+              <a:ext uri="{FF2B5EF4-FFF2-40B4-BE49-F238E27FC236}">
+                <a16:creationId xmlns:a16="http://schemas.microsoft.com/office/drawing/2014/main" id="{69F40EAE-D42F-4CFB-9B82-20DAC56FC3B9}"/>
+              </a:ext>
+            </a:extLst>
+          </p:cNvPr>
+          <p:cNvSpPr txBox="1"/>
+          <p:nvPr/>
+        </p:nvSpPr>
+        <p:spPr>
+          <a:xfrm>
+            <a:off x="4154344" y="3443843"/>
+            <a:ext cx="5451802" cy="707886"/>
+          </a:xfrm>
+          <a:prstGeom prst="rect">
+            <a:avLst/>
+          </a:prstGeom>
+          <a:noFill/>
+        </p:spPr>
+        <p:txBody>
+          <a:bodyPr wrap="square" rtlCol="0">
+            <a:spAutoFit/>
+          </a:bodyPr>
+          <a:lstStyle/>
+          <a:p>
+            <a:r>
+              <a:rPr lang="en-US" altLang="ko-KR" sz="4000" dirty="0">
+                <a:solidFill>
+                  <a:schemeClr val="bg1"/>
+                </a:solidFill>
+                <a:latin typeface="경기천년바탕 Regular" panose="02020503020101020101" pitchFamily="18" charset="-127"/>
+                <a:ea typeface="경기천년바탕 Regular" panose="02020503020101020101" pitchFamily="18" charset="-127"/>
+              </a:rPr>
+              <a:t>: </a:t>
+            </a:r>
+            <a:r>
+              <a:rPr lang="ko-KR" altLang="en-US" sz="2400" dirty="0">
+                <a:solidFill>
+                  <a:schemeClr val="bg1"/>
+                </a:solidFill>
+                <a:latin typeface="경기천년바탕 Regular" panose="02020503020101020101" pitchFamily="18" charset="-127"/>
+                <a:ea typeface="경기천년바탕 Regular" panose="02020503020101020101" pitchFamily="18" charset="-127"/>
+                <a:cs typeface="Times New Roman" panose="02020603050405020304" pitchFamily="18" charset="0"/>
+              </a:rPr>
+              <a:t>연막탄 </a:t>
+            </a:r>
+            <a:r>
+              <a:rPr lang="en-US" altLang="ko-KR" sz="2400" dirty="0">
+                <a:solidFill>
+                  <a:schemeClr val="bg1"/>
+                </a:solidFill>
+                <a:latin typeface="경기천년바탕 Regular" panose="02020503020101020101" pitchFamily="18" charset="-127"/>
+                <a:ea typeface="경기천년바탕 Regular" panose="02020503020101020101" pitchFamily="18" charset="-127"/>
+                <a:cs typeface="Times New Roman" panose="02020603050405020304" pitchFamily="18" charset="0"/>
+              </a:rPr>
+              <a:t>– </a:t>
+            </a:r>
+            <a:r>
+              <a:rPr lang="ko-KR" altLang="en-US" sz="2400" dirty="0">
+                <a:solidFill>
+                  <a:schemeClr val="bg1"/>
+                </a:solidFill>
+                <a:latin typeface="경기천년바탕 Regular" panose="02020503020101020101" pitchFamily="18" charset="-127"/>
+                <a:ea typeface="경기천년바탕 Regular" panose="02020503020101020101" pitchFamily="18" charset="-127"/>
+                <a:cs typeface="Times New Roman" panose="02020603050405020304" pitchFamily="18" charset="0"/>
+              </a:rPr>
+              <a:t>피격 범위 내 유닛의 시야 제한</a:t>
+            </a:r>
+            <a:r>
+              <a:rPr lang="en-US" altLang="ko-KR" sz="2400" dirty="0">
+                <a:solidFill>
+                  <a:schemeClr val="bg1"/>
+                </a:solidFill>
+                <a:latin typeface="경기천년바탕 Regular" panose="02020503020101020101" pitchFamily="18" charset="-127"/>
+                <a:ea typeface="경기천년바탕 Regular" panose="02020503020101020101" pitchFamily="18" charset="-127"/>
+                <a:cs typeface="Times New Roman" panose="02020603050405020304" pitchFamily="18" charset="0"/>
+              </a:rPr>
+              <a:t>  </a:t>
+            </a:r>
+            <a:endParaRPr lang="ko-KR" altLang="en-US" sz="4000" dirty="0">
+              <a:solidFill>
+                <a:schemeClr val="bg1"/>
+              </a:solidFill>
+              <a:latin typeface="경기천년바탕 Regular" panose="02020503020101020101" pitchFamily="18" charset="-127"/>
+              <a:ea typeface="경기천년바탕 Regular" panose="02020503020101020101" pitchFamily="18" charset="-127"/>
+            </a:endParaRPr>
+          </a:p>
+        </p:txBody>
+      </p:sp>
+      <p:sp>
+        <p:nvSpPr>
+          <p:cNvPr id="20" name="TextBox 19">
+            <a:extLst>
+              <a:ext uri="{FF2B5EF4-FFF2-40B4-BE49-F238E27FC236}">
+                <a16:creationId xmlns:a16="http://schemas.microsoft.com/office/drawing/2014/main" id="{DC03AA0E-28A2-40C9-A6A8-BF867CB23A63}"/>
+              </a:ext>
+            </a:extLst>
+          </p:cNvPr>
+          <p:cNvSpPr txBox="1"/>
+          <p:nvPr/>
+        </p:nvSpPr>
+        <p:spPr>
+          <a:xfrm>
+            <a:off x="4154345" y="4621151"/>
+            <a:ext cx="4398961" cy="707886"/>
+          </a:xfrm>
+          <a:prstGeom prst="rect">
+            <a:avLst/>
+          </a:prstGeom>
+          <a:noFill/>
+        </p:spPr>
+        <p:txBody>
+          <a:bodyPr wrap="none" rtlCol="0">
+            <a:spAutoFit/>
+          </a:bodyPr>
+          <a:lstStyle/>
+          <a:p>
+            <a:r>
+              <a:rPr lang="en-US" altLang="ko-KR" sz="4000" dirty="0">
+                <a:solidFill>
+                  <a:schemeClr val="bg1"/>
+                </a:solidFill>
+                <a:latin typeface="경기천년바탕 Regular" panose="02020503020101020101" pitchFamily="18" charset="-127"/>
+                <a:ea typeface="경기천년바탕 Regular" panose="02020503020101020101" pitchFamily="18" charset="-127"/>
+              </a:rPr>
+              <a:t>: </a:t>
+            </a:r>
+            <a:r>
+              <a:rPr lang="ko-KR" altLang="en-US" sz="2400" dirty="0">
+                <a:solidFill>
+                  <a:schemeClr val="bg1"/>
+                </a:solidFill>
+                <a:latin typeface="경기천년바탕 Regular" panose="02020503020101020101" pitchFamily="18" charset="-127"/>
+                <a:ea typeface="경기천년바탕 Regular" panose="02020503020101020101" pitchFamily="18" charset="-127"/>
+                <a:cs typeface="Times New Roman" panose="02020603050405020304" pitchFamily="18" charset="0"/>
+              </a:rPr>
+              <a:t>수류탄 </a:t>
+            </a:r>
+            <a:r>
+              <a:rPr lang="en-US" altLang="ko-KR" sz="2400" dirty="0">
+                <a:solidFill>
+                  <a:schemeClr val="bg1"/>
+                </a:solidFill>
+                <a:latin typeface="경기천년바탕 Regular" panose="02020503020101020101" pitchFamily="18" charset="-127"/>
+                <a:ea typeface="경기천년바탕 Regular" panose="02020503020101020101" pitchFamily="18" charset="-127"/>
+                <a:cs typeface="Times New Roman" panose="02020603050405020304" pitchFamily="18" charset="0"/>
+              </a:rPr>
+              <a:t>– </a:t>
+            </a:r>
+            <a:r>
+              <a:rPr lang="ko-KR" altLang="en-US" sz="2400" dirty="0">
+                <a:solidFill>
+                  <a:schemeClr val="bg1"/>
+                </a:solidFill>
+                <a:latin typeface="경기천년바탕 Regular" panose="02020503020101020101" pitchFamily="18" charset="-127"/>
+                <a:ea typeface="경기천년바탕 Regular" panose="02020503020101020101" pitchFamily="18" charset="-127"/>
+                <a:cs typeface="Times New Roman" panose="02020603050405020304" pitchFamily="18" charset="0"/>
+              </a:rPr>
+              <a:t>피격 적 유닛에 데미지</a:t>
+            </a:r>
+            <a:endParaRPr lang="ko-KR" altLang="en-US" sz="4000" dirty="0">
+              <a:solidFill>
+                <a:schemeClr val="bg1"/>
+              </a:solidFill>
+              <a:latin typeface="경기천년바탕 Regular" panose="02020503020101020101" pitchFamily="18" charset="-127"/>
+              <a:ea typeface="경기천년바탕 Regular" panose="02020503020101020101" pitchFamily="18" charset="-127"/>
+            </a:endParaRPr>
+          </a:p>
+        </p:txBody>
+      </p:sp>
+    </p:spTree>
+    <p:extLst>
+      <p:ext uri="{BB962C8B-B14F-4D97-AF65-F5344CB8AC3E}">
+        <p14:creationId xmlns:p14="http://schemas.microsoft.com/office/powerpoint/2010/main" val="2590619000"/>
+      </p:ext>
+    </p:extLst>
+  </p:cSld>
+  <p:clrMapOvr>
+    <a:masterClrMapping/>
+  </p:clrMapOvr>
+</p:sld>
+</file>
+
+<file path=ppt/slides/slide13.xml><?xml version="1.0" encoding="utf-8"?>
+<p:sld xmlns:a="http://schemas.openxmlformats.org/drawingml/2006/main" xmlns:r="http://schemas.openxmlformats.org/officeDocument/2006/relationships" xmlns:p="http://schemas.openxmlformats.org/presentationml/2006/main">
+  <p:cSld>
+    <p:spTree>
+      <p:nvGrpSpPr>
+        <p:cNvPr id="1" name=""/>
+        <p:cNvGrpSpPr/>
+        <p:nvPr/>
+      </p:nvGrpSpPr>
+      <p:grpSpPr>
+        <a:xfrm>
+          <a:off x="0" y="0"/>
+          <a:ext cx="0" cy="0"/>
+          <a:chOff x="0" y="0"/>
+          <a:chExt cx="0" cy="0"/>
+        </a:xfrm>
+      </p:grpSpPr>
+      <p:sp>
+        <p:nvSpPr>
+          <p:cNvPr id="3" name="TextBox 2">
+            <a:extLst>
+              <a:ext uri="{FF2B5EF4-FFF2-40B4-BE49-F238E27FC236}">
+                <a16:creationId xmlns:a16="http://schemas.microsoft.com/office/drawing/2014/main" id="{54864A9D-4DB4-48B5-8888-6B62293FB5B2}"/>
+              </a:ext>
+            </a:extLst>
+          </p:cNvPr>
+          <p:cNvSpPr txBox="1"/>
+          <p:nvPr/>
+        </p:nvSpPr>
+        <p:spPr>
+          <a:xfrm>
+            <a:off x="9606146" y="409877"/>
+            <a:ext cx="1707519" cy="1015663"/>
+          </a:xfrm>
+          <a:prstGeom prst="rect">
+            <a:avLst/>
+          </a:prstGeom>
+          <a:noFill/>
+        </p:spPr>
+        <p:txBody>
+          <a:bodyPr wrap="none" rtlCol="0">
+            <a:spAutoFit/>
+          </a:bodyPr>
+          <a:lstStyle/>
+          <a:p>
+            <a:pPr algn="r"/>
+            <a:r>
+              <a:rPr lang="en-US" altLang="ko-KR" sz="6000" dirty="0">
+                <a:solidFill>
+                  <a:schemeClr val="bg1"/>
+                </a:solidFill>
+                <a:latin typeface="경기천년바탕 Bold" panose="02020803020101020101" pitchFamily="18" charset="-127"/>
+                <a:ea typeface="경기천년바탕 Bold" panose="02020803020101020101" pitchFamily="18" charset="-127"/>
+              </a:rPr>
+              <a:t>Item</a:t>
+            </a:r>
+            <a:endParaRPr lang="ko-KR" altLang="en-US" sz="6000" dirty="0">
+              <a:solidFill>
+                <a:schemeClr val="bg1"/>
+              </a:solidFill>
+              <a:latin typeface="경기천년바탕 Bold" panose="02020803020101020101" pitchFamily="18" charset="-127"/>
+              <a:ea typeface="경기천년바탕 Bold" panose="02020803020101020101" pitchFamily="18" charset="-127"/>
+            </a:endParaRPr>
+          </a:p>
+        </p:txBody>
+      </p:sp>
+      <p:sp>
+        <p:nvSpPr>
+          <p:cNvPr id="9" name="L 도형 8">
+            <a:extLst>
+              <a:ext uri="{FF2B5EF4-FFF2-40B4-BE49-F238E27FC236}">
+                <a16:creationId xmlns:a16="http://schemas.microsoft.com/office/drawing/2014/main" id="{84B1B958-581A-4B20-90C9-DF550356EE42}"/>
+              </a:ext>
+            </a:extLst>
+          </p:cNvPr>
+          <p:cNvSpPr/>
+          <p:nvPr/>
+        </p:nvSpPr>
+        <p:spPr>
+          <a:xfrm rot="10800000">
+            <a:off x="11145873" y="340996"/>
+            <a:ext cx="680318" cy="680318"/>
+          </a:xfrm>
+          <a:prstGeom prst="corner">
+            <a:avLst>
+              <a:gd name="adj1" fmla="val 10000"/>
+              <a:gd name="adj2" fmla="val 8667"/>
+            </a:avLst>
+          </a:prstGeom>
+          <a:solidFill>
+            <a:schemeClr val="accent4">
+              <a:lumMod val="20000"/>
+              <a:lumOff val="80000"/>
+            </a:schemeClr>
+          </a:solidFill>
+          <a:ln>
+            <a:noFill/>
+          </a:ln>
+        </p:spPr>
+        <p:style>
+          <a:lnRef idx="2">
+            <a:schemeClr val="accent1">
+              <a:shade val="50000"/>
+            </a:schemeClr>
+          </a:lnRef>
+          <a:fillRef idx="1">
+            <a:schemeClr val="accent1"/>
+          </a:fillRef>
+          <a:effectRef idx="0">
+            <a:schemeClr val="accent1"/>
+          </a:effectRef>
+          <a:fontRef idx="minor">
+            <a:schemeClr val="lt1"/>
+          </a:fontRef>
+        </p:style>
+        <p:txBody>
+          <a:bodyPr rtlCol="0" anchor="ctr"/>
+          <a:lstStyle/>
+          <a:p>
+            <a:pPr algn="ctr"/>
             <a:endParaRPr lang="ko-KR" altLang="en-US"/>
           </a:p>
         </p:txBody>
@@ -4421,7 +6273,7 @@
 </p:sld>
 </file>
 
-<file path=ppt/slides/slide12.xml><?xml version="1.0" encoding="utf-8"?>
+<file path=ppt/slides/slide14.xml><?xml version="1.0" encoding="utf-8"?>
 <p:sld xmlns:a="http://schemas.openxmlformats.org/drawingml/2006/main" xmlns:r="http://schemas.openxmlformats.org/officeDocument/2006/relationships" xmlns:p="http://schemas.openxmlformats.org/presentationml/2006/main">
   <p:cSld>
     <p:spTree>
@@ -5320,10 +7172,9 @@
               <a:t>를 실행</a:t>
             </a:r>
             <a:r>
-              <a:rPr lang="en-US" altLang="ko-KR"/>
+              <a:rPr lang="en-US" altLang="ko-KR" dirty="0"/>
               <a:t>.</a:t>
             </a:r>
-            <a:endParaRPr lang="en-US" altLang="ko-KR" dirty="0"/>
           </a:p>
         </p:txBody>
       </p:sp>
@@ -5554,7 +7405,7 @@
           <p:cNvPr id="2" name="직사각형 1">
             <a:extLst>
               <a:ext uri="{FF2B5EF4-FFF2-40B4-BE49-F238E27FC236}">
-                <a16:creationId xmlns:a16="http://schemas.microsoft.com/office/drawing/2014/main" id="{A03741BF-0ED7-41AD-87A2-95631D18B70A}"/>
+                <a16:creationId xmlns:a16="http://schemas.microsoft.com/office/drawing/2014/main" id="{6323164C-9256-4D75-84A9-D40A65BE6D60}"/>
               </a:ext>
             </a:extLst>
           </p:cNvPr>
@@ -5563,19 +7414,19 @@
         </p:nvSpPr>
         <p:spPr>
           <a:xfrm>
-            <a:off x="955035" y="642218"/>
-            <a:ext cx="3177535" cy="6045200"/>
+            <a:off x="0" y="1514764"/>
+            <a:ext cx="12192000" cy="5343236"/>
           </a:xfrm>
           <a:prstGeom prst="rect">
             <a:avLst/>
           </a:prstGeom>
           <a:solidFill>
-            <a:schemeClr val="tx1">
-              <a:alpha val="44000"/>
-            </a:schemeClr>
+            <a:schemeClr val="bg1"/>
           </a:solidFill>
           <a:ln>
-            <a:noFill/>
+            <a:solidFill>
+              <a:schemeClr val="tx1"/>
+            </a:solidFill>
           </a:ln>
         </p:spPr>
         <p:style>
@@ -5608,7 +7459,7 @@
           <p:cNvPr id="3" name="TextBox 2">
             <a:extLst>
               <a:ext uri="{FF2B5EF4-FFF2-40B4-BE49-F238E27FC236}">
-                <a16:creationId xmlns:a16="http://schemas.microsoft.com/office/drawing/2014/main" id="{54864A9D-4DB4-48B5-8888-6B62293FB5B2}"/>
+                <a16:creationId xmlns:a16="http://schemas.microsoft.com/office/drawing/2014/main" id="{EADA109E-75E8-4233-9622-88615CD66F17}"/>
               </a:ext>
             </a:extLst>
           </p:cNvPr>
@@ -5617,8 +7468,8 @@
         </p:nvSpPr>
         <p:spPr>
           <a:xfrm>
-            <a:off x="7674957" y="642218"/>
-            <a:ext cx="2977803" cy="707886"/>
+            <a:off x="831272" y="2013527"/>
+            <a:ext cx="877163" cy="369332"/>
           </a:xfrm>
           <a:prstGeom prst="rect">
             <a:avLst/>
@@ -5631,493 +7482,18 @@
           </a:bodyPr>
           <a:lstStyle/>
           <a:p>
-            <a:pPr algn="r"/>
-            <a:r>
-              <a:rPr lang="en-US" altLang="ko-KR" sz="4000" dirty="0">
-                <a:solidFill>
-                  <a:schemeClr val="bg1"/>
-                </a:solidFill>
-                <a:latin typeface="경기천년바탕 Bold" panose="02020803020101020101" pitchFamily="18" charset="-127"/>
-                <a:ea typeface="경기천년바탕 Bold" panose="02020803020101020101" pitchFamily="18" charset="-127"/>
-              </a:rPr>
-              <a:t>Components</a:t>
-            </a:r>
-            <a:endParaRPr lang="ko-KR" altLang="en-US" sz="4000" dirty="0">
-              <a:solidFill>
-                <a:schemeClr val="bg1"/>
-              </a:solidFill>
-              <a:latin typeface="경기천년바탕 Bold" panose="02020803020101020101" pitchFamily="18" charset="-127"/>
-              <a:ea typeface="경기천년바탕 Bold" panose="02020803020101020101" pitchFamily="18" charset="-127"/>
-            </a:endParaRPr>
-          </a:p>
-        </p:txBody>
-      </p:sp>
-      <p:cxnSp>
-        <p:nvCxnSpPr>
-          <p:cNvPr id="7" name="직선 연결선 6">
-            <a:extLst>
-              <a:ext uri="{FF2B5EF4-FFF2-40B4-BE49-F238E27FC236}">
-                <a16:creationId xmlns:a16="http://schemas.microsoft.com/office/drawing/2014/main" id="{B2227533-9D88-454D-AC67-D68053A27CD7}"/>
-              </a:ext>
-            </a:extLst>
-          </p:cNvPr>
-          <p:cNvCxnSpPr>
-            <a:cxnSpLocks/>
-          </p:cNvCxnSpPr>
-          <p:nvPr/>
-        </p:nvCxnSpPr>
-        <p:spPr>
-          <a:xfrm>
-            <a:off x="10769600" y="690880"/>
-            <a:ext cx="0" cy="707886"/>
-          </a:xfrm>
-          <a:prstGeom prst="line">
-            <a:avLst/>
-          </a:prstGeom>
-          <a:ln w="28575">
-            <a:solidFill>
-              <a:schemeClr val="accent4">
-                <a:lumMod val="20000"/>
-                <a:lumOff val="80000"/>
-              </a:schemeClr>
-            </a:solidFill>
-          </a:ln>
-        </p:spPr>
-        <p:style>
-          <a:lnRef idx="1">
-            <a:schemeClr val="accent1"/>
-          </a:lnRef>
-          <a:fillRef idx="0">
-            <a:schemeClr val="accent1"/>
-          </a:fillRef>
-          <a:effectRef idx="0">
-            <a:schemeClr val="accent1"/>
-          </a:effectRef>
-          <a:fontRef idx="minor">
-            <a:schemeClr val="tx1"/>
-          </a:fontRef>
-        </p:style>
-      </p:cxnSp>
-      <p:sp>
-        <p:nvSpPr>
-          <p:cNvPr id="8" name="직사각형 7">
-            <a:extLst>
-              <a:ext uri="{FF2B5EF4-FFF2-40B4-BE49-F238E27FC236}">
-                <a16:creationId xmlns:a16="http://schemas.microsoft.com/office/drawing/2014/main" id="{7DEB157B-44B9-4EE4-953D-C895E6E13DBB}"/>
-              </a:ext>
-            </a:extLst>
-          </p:cNvPr>
-          <p:cNvSpPr/>
-          <p:nvPr/>
-        </p:nvSpPr>
-        <p:spPr>
-          <a:xfrm>
-            <a:off x="-375910" y="-254000"/>
-            <a:ext cx="4683746" cy="7112000"/>
-          </a:xfrm>
-          <a:prstGeom prst="rect">
-            <a:avLst/>
-          </a:prstGeom>
-          <a:solidFill>
-            <a:schemeClr val="bg1"/>
-          </a:solidFill>
-          <a:ln>
-            <a:solidFill>
-              <a:schemeClr val="tx1"/>
-            </a:solidFill>
-          </a:ln>
-        </p:spPr>
-        <p:style>
-          <a:lnRef idx="2">
-            <a:schemeClr val="accent1">
-              <a:shade val="50000"/>
-            </a:schemeClr>
-          </a:lnRef>
-          <a:fillRef idx="1">
-            <a:schemeClr val="accent1"/>
-          </a:fillRef>
-          <a:effectRef idx="0">
-            <a:schemeClr val="accent1"/>
-          </a:effectRef>
-          <a:fontRef idx="minor">
-            <a:schemeClr val="lt1"/>
-          </a:fontRef>
-        </p:style>
-        <p:txBody>
-          <a:bodyPr rtlCol="0" anchor="ctr"/>
-          <a:lstStyle/>
-          <a:p>
-            <a:pPr algn="ctr"/>
-            <a:endParaRPr lang="ko-KR" altLang="en-US" dirty="0"/>
-          </a:p>
-        </p:txBody>
-      </p:sp>
-      <p:pic>
-        <p:nvPicPr>
-          <p:cNvPr id="4" name="그림 3">
-            <a:extLst>
-              <a:ext uri="{FF2B5EF4-FFF2-40B4-BE49-F238E27FC236}">
-                <a16:creationId xmlns:a16="http://schemas.microsoft.com/office/drawing/2014/main" id="{7220B5E4-F5D6-49DA-9AA0-B8650ACAD1A1}"/>
-              </a:ext>
-            </a:extLst>
-          </p:cNvPr>
-          <p:cNvPicPr>
-            <a:picLocks noChangeAspect="1"/>
-          </p:cNvPicPr>
-          <p:nvPr/>
-        </p:nvPicPr>
-        <p:blipFill>
-          <a:blip r:embed="rId2">
-            <a:extLst>
-              <a:ext uri="{28A0092B-C50C-407E-A947-70E740481C1C}">
-                <a14:useLocalDpi xmlns:a14="http://schemas.microsoft.com/office/drawing/2010/main" val="0"/>
-              </a:ext>
-            </a:extLst>
-          </a:blip>
-          <a:stretch>
-            <a:fillRect/>
-          </a:stretch>
-        </p:blipFill>
-        <p:spPr>
-          <a:xfrm>
-            <a:off x="2509321" y="3521050"/>
-            <a:ext cx="1334494" cy="918056"/>
-          </a:xfrm>
-          <a:prstGeom prst="rect">
-            <a:avLst/>
-          </a:prstGeom>
-        </p:spPr>
-      </p:pic>
-      <p:pic>
-        <p:nvPicPr>
-          <p:cNvPr id="6" name="그림 5" descr="텍스트이(가) 표시된 사진&#10;&#10;자동 생성된 설명">
-            <a:extLst>
-              <a:ext uri="{FF2B5EF4-FFF2-40B4-BE49-F238E27FC236}">
-                <a16:creationId xmlns:a16="http://schemas.microsoft.com/office/drawing/2014/main" id="{6C5D2FB5-380F-4AA8-AF3E-E54CB159B7B0}"/>
-              </a:ext>
-            </a:extLst>
-          </p:cNvPr>
-          <p:cNvPicPr>
-            <a:picLocks noChangeAspect="1"/>
-          </p:cNvPicPr>
-          <p:nvPr/>
-        </p:nvPicPr>
-        <p:blipFill>
-          <a:blip r:embed="rId3">
-            <a:extLst>
-              <a:ext uri="{28A0092B-C50C-407E-A947-70E740481C1C}">
-                <a14:useLocalDpi xmlns:a14="http://schemas.microsoft.com/office/drawing/2010/main" val="0"/>
-              </a:ext>
-            </a:extLst>
-          </a:blip>
-          <a:stretch>
-            <a:fillRect/>
-          </a:stretch>
-        </p:blipFill>
-        <p:spPr>
-          <a:xfrm>
-            <a:off x="2807572" y="1398766"/>
-            <a:ext cx="579302" cy="1363965"/>
-          </a:xfrm>
-          <a:prstGeom prst="rect">
-            <a:avLst/>
-          </a:prstGeom>
-        </p:spPr>
-      </p:pic>
-      <p:pic>
-        <p:nvPicPr>
-          <p:cNvPr id="10" name="그림 9">
-            <a:extLst>
-              <a:ext uri="{FF2B5EF4-FFF2-40B4-BE49-F238E27FC236}">
-                <a16:creationId xmlns:a16="http://schemas.microsoft.com/office/drawing/2014/main" id="{7E44967B-F43A-42B8-A7B9-7F63946F1F0E}"/>
-              </a:ext>
-            </a:extLst>
-          </p:cNvPr>
-          <p:cNvPicPr>
-            <a:picLocks noChangeAspect="1"/>
-          </p:cNvPicPr>
-          <p:nvPr/>
-        </p:nvPicPr>
-        <p:blipFill>
-          <a:blip r:embed="rId4">
-            <a:extLst>
-              <a:ext uri="{28A0092B-C50C-407E-A947-70E740481C1C}">
-                <a14:useLocalDpi xmlns:a14="http://schemas.microsoft.com/office/drawing/2010/main" val="0"/>
-              </a:ext>
-            </a:extLst>
-          </a:blip>
-          <a:stretch>
-            <a:fillRect/>
-          </a:stretch>
-        </p:blipFill>
-        <p:spPr>
-          <a:xfrm>
-            <a:off x="2350631" y="5197425"/>
-            <a:ext cx="1493184" cy="983987"/>
-          </a:xfrm>
-          <a:prstGeom prst="rect">
-            <a:avLst/>
-          </a:prstGeom>
-        </p:spPr>
-      </p:pic>
-      <p:sp>
-        <p:nvSpPr>
-          <p:cNvPr id="11" name="TextBox 10">
-            <a:extLst>
-              <a:ext uri="{FF2B5EF4-FFF2-40B4-BE49-F238E27FC236}">
-                <a16:creationId xmlns:a16="http://schemas.microsoft.com/office/drawing/2014/main" id="{45FF138F-8CC9-4502-AA05-4731302E3102}"/>
-              </a:ext>
-            </a:extLst>
-          </p:cNvPr>
-          <p:cNvSpPr txBox="1"/>
-          <p:nvPr/>
-        </p:nvSpPr>
-        <p:spPr>
-          <a:xfrm>
-            <a:off x="4546600" y="2239511"/>
-            <a:ext cx="3505195" cy="523220"/>
-          </a:xfrm>
-          <a:prstGeom prst="rect">
-            <a:avLst/>
-          </a:prstGeom>
-          <a:noFill/>
-        </p:spPr>
-        <p:txBody>
-          <a:bodyPr wrap="square" rtlCol="0">
-            <a:spAutoFit/>
-          </a:bodyPr>
-          <a:lstStyle/>
-          <a:p>
-            <a:r>
-              <a:rPr lang="ko-KR" altLang="en-US" sz="2800" dirty="0">
-                <a:solidFill>
-                  <a:schemeClr val="bg1"/>
-                </a:solidFill>
-                <a:latin typeface="경기천년바탕 Regular" panose="02020503020101020101" pitchFamily="18" charset="-127"/>
-                <a:ea typeface="경기천년바탕 Regular" panose="02020503020101020101" pitchFamily="18" charset="-127"/>
-              </a:rPr>
-              <a:t>이동 및 공격 수행</a:t>
-            </a:r>
-          </a:p>
-        </p:txBody>
-      </p:sp>
-      <p:sp>
-        <p:nvSpPr>
-          <p:cNvPr id="13" name="TextBox 12">
-            <a:extLst>
-              <a:ext uri="{FF2B5EF4-FFF2-40B4-BE49-F238E27FC236}">
-                <a16:creationId xmlns:a16="http://schemas.microsoft.com/office/drawing/2014/main" id="{0DBACF02-8F7F-4C54-B976-1C7883B47754}"/>
-              </a:ext>
-            </a:extLst>
-          </p:cNvPr>
-          <p:cNvSpPr txBox="1"/>
-          <p:nvPr/>
-        </p:nvSpPr>
-        <p:spPr>
-          <a:xfrm>
-            <a:off x="4546600" y="3833660"/>
-            <a:ext cx="4876800" cy="523220"/>
-          </a:xfrm>
-          <a:prstGeom prst="rect">
-            <a:avLst/>
-          </a:prstGeom>
-          <a:noFill/>
-        </p:spPr>
-        <p:txBody>
-          <a:bodyPr wrap="square" rtlCol="0">
-            <a:spAutoFit/>
-          </a:bodyPr>
-          <a:lstStyle/>
-          <a:p>
-            <a:r>
-              <a:rPr lang="ko-KR" altLang="en-US" sz="2800" dirty="0">
-                <a:solidFill>
-                  <a:schemeClr val="bg1"/>
-                </a:solidFill>
-                <a:latin typeface="경기천년바탕 Regular" panose="02020503020101020101" pitchFamily="18" charset="-127"/>
-                <a:ea typeface="경기천년바탕 Regular" panose="02020503020101020101" pitchFamily="18" charset="-127"/>
-              </a:rPr>
-              <a:t>공격력 </a:t>
-            </a:r>
-            <a:r>
-              <a:rPr lang="ko-KR" altLang="en-US" sz="2800">
-                <a:solidFill>
-                  <a:schemeClr val="bg1"/>
-                </a:solidFill>
-                <a:latin typeface="경기천년바탕 Regular" panose="02020503020101020101" pitchFamily="18" charset="-127"/>
-                <a:ea typeface="경기천년바탕 Regular" panose="02020503020101020101" pitchFamily="18" charset="-127"/>
-              </a:rPr>
-              <a:t>결정 및 특수 효과 발동 </a:t>
-            </a:r>
-            <a:endParaRPr lang="ko-KR" altLang="en-US" sz="2800" dirty="0">
-              <a:solidFill>
-                <a:schemeClr val="bg1"/>
-              </a:solidFill>
-              <a:latin typeface="경기천년바탕 Regular" panose="02020503020101020101" pitchFamily="18" charset="-127"/>
-              <a:ea typeface="경기천년바탕 Regular" panose="02020503020101020101" pitchFamily="18" charset="-127"/>
-            </a:endParaRPr>
-          </a:p>
-        </p:txBody>
-      </p:sp>
-      <p:sp>
-        <p:nvSpPr>
-          <p:cNvPr id="15" name="TextBox 14">
-            <a:extLst>
-              <a:ext uri="{FF2B5EF4-FFF2-40B4-BE49-F238E27FC236}">
-                <a16:creationId xmlns:a16="http://schemas.microsoft.com/office/drawing/2014/main" id="{95BE4910-8BD2-41D4-B33B-F386A105C310}"/>
-              </a:ext>
-            </a:extLst>
-          </p:cNvPr>
-          <p:cNvSpPr txBox="1"/>
-          <p:nvPr/>
-        </p:nvSpPr>
-        <p:spPr>
-          <a:xfrm>
-            <a:off x="4546600" y="5427809"/>
-            <a:ext cx="3505195" cy="523220"/>
-          </a:xfrm>
-          <a:prstGeom prst="rect">
-            <a:avLst/>
-          </a:prstGeom>
-          <a:noFill/>
-        </p:spPr>
-        <p:txBody>
-          <a:bodyPr wrap="square" rtlCol="0">
-            <a:spAutoFit/>
-          </a:bodyPr>
-          <a:lstStyle/>
-          <a:p>
-            <a:r>
-              <a:rPr lang="ko-KR" altLang="en-US" sz="2800" dirty="0">
-                <a:solidFill>
-                  <a:schemeClr val="bg1"/>
-                </a:solidFill>
-                <a:latin typeface="경기천년바탕 Regular" panose="02020503020101020101" pitchFamily="18" charset="-127"/>
-                <a:ea typeface="경기천년바탕 Regular" panose="02020503020101020101" pitchFamily="18" charset="-127"/>
-              </a:rPr>
-              <a:t>유닛의 이동 범위 제한</a:t>
-            </a:r>
-          </a:p>
-        </p:txBody>
-      </p:sp>
-      <p:sp>
-        <p:nvSpPr>
-          <p:cNvPr id="17" name="TextBox 16">
-            <a:extLst>
-              <a:ext uri="{FF2B5EF4-FFF2-40B4-BE49-F238E27FC236}">
-                <a16:creationId xmlns:a16="http://schemas.microsoft.com/office/drawing/2014/main" id="{3BFE8FED-DA9B-4511-BC39-B9F2F0C76DF7}"/>
-              </a:ext>
-            </a:extLst>
-          </p:cNvPr>
-          <p:cNvSpPr txBox="1"/>
-          <p:nvPr/>
-        </p:nvSpPr>
-        <p:spPr>
-          <a:xfrm>
-            <a:off x="1684077" y="1468138"/>
-            <a:ext cx="939681" cy="584775"/>
-          </a:xfrm>
-          <a:prstGeom prst="rect">
-            <a:avLst/>
-          </a:prstGeom>
-          <a:noFill/>
-        </p:spPr>
-        <p:txBody>
-          <a:bodyPr wrap="none" rtlCol="0">
-            <a:spAutoFit/>
-          </a:bodyPr>
-          <a:lstStyle/>
-          <a:p>
-            <a:r>
-              <a:rPr lang="ko-KR" altLang="en-US" sz="3200" dirty="0">
-                <a:latin typeface="경기천년바탕 Bold" panose="02020803020101020101" pitchFamily="18" charset="-127"/>
-                <a:ea typeface="경기천년바탕 Bold" panose="02020803020101020101" pitchFamily="18" charset="-127"/>
-              </a:rPr>
-              <a:t>유닛</a:t>
-            </a:r>
-          </a:p>
-        </p:txBody>
-      </p:sp>
-      <p:sp>
-        <p:nvSpPr>
-          <p:cNvPr id="19" name="TextBox 18">
-            <a:extLst>
-              <a:ext uri="{FF2B5EF4-FFF2-40B4-BE49-F238E27FC236}">
-                <a16:creationId xmlns:a16="http://schemas.microsoft.com/office/drawing/2014/main" id="{37F1D6B4-1446-403A-83A7-E1C830764439}"/>
-              </a:ext>
-            </a:extLst>
-          </p:cNvPr>
-          <p:cNvSpPr txBox="1"/>
-          <p:nvPr/>
-        </p:nvSpPr>
-        <p:spPr>
-          <a:xfrm>
-            <a:off x="1666098" y="2936275"/>
-            <a:ext cx="1326004" cy="584775"/>
-          </a:xfrm>
-          <a:prstGeom prst="rect">
-            <a:avLst/>
-          </a:prstGeom>
-          <a:noFill/>
-        </p:spPr>
-        <p:txBody>
-          <a:bodyPr wrap="none" rtlCol="0">
-            <a:spAutoFit/>
-          </a:bodyPr>
-          <a:lstStyle/>
-          <a:p>
-            <a:r>
-              <a:rPr lang="ko-KR" altLang="en-US" sz="3200" dirty="0">
-                <a:latin typeface="경기천년바탕 Bold" panose="02020803020101020101" pitchFamily="18" charset="-127"/>
-                <a:ea typeface="경기천년바탕 Bold" panose="02020803020101020101" pitchFamily="18" charset="-127"/>
-              </a:rPr>
-              <a:t>아이템</a:t>
-            </a:r>
-          </a:p>
-        </p:txBody>
-      </p:sp>
-      <p:sp>
-        <p:nvSpPr>
-          <p:cNvPr id="23" name="TextBox 22">
-            <a:extLst>
-              <a:ext uri="{FF2B5EF4-FFF2-40B4-BE49-F238E27FC236}">
-                <a16:creationId xmlns:a16="http://schemas.microsoft.com/office/drawing/2014/main" id="{F49D1ED0-26E8-4396-946A-9E78055BA840}"/>
-              </a:ext>
-            </a:extLst>
-          </p:cNvPr>
-          <p:cNvSpPr txBox="1"/>
-          <p:nvPr/>
-        </p:nvSpPr>
-        <p:spPr>
-          <a:xfrm>
-            <a:off x="1700185" y="4604749"/>
-            <a:ext cx="570990" cy="584775"/>
-          </a:xfrm>
-          <a:prstGeom prst="rect">
-            <a:avLst/>
-          </a:prstGeom>
-          <a:noFill/>
-        </p:spPr>
-        <p:txBody>
-          <a:bodyPr wrap="none" rtlCol="0">
-            <a:spAutoFit/>
-          </a:bodyPr>
-          <a:lstStyle/>
-          <a:p>
-            <a:r>
-              <a:rPr lang="ko-KR" altLang="en-US" sz="3200" dirty="0">
-                <a:latin typeface="경기천년바탕 Bold" panose="02020803020101020101" pitchFamily="18" charset="-127"/>
-                <a:ea typeface="경기천년바탕 Bold" panose="02020803020101020101" pitchFamily="18" charset="-127"/>
-              </a:rPr>
-              <a:t>맵</a:t>
-            </a:r>
+            <a:r>
+              <a:rPr lang="ko-KR" altLang="en-US" dirty="0" err="1"/>
+              <a:t>ㄴㅇㄹ</a:t>
+            </a:r>
+            <a:endParaRPr lang="en-US" altLang="ko-KR" dirty="0"/>
           </a:p>
         </p:txBody>
       </p:sp>
     </p:spTree>
     <p:extLst>
       <p:ext uri="{BB962C8B-B14F-4D97-AF65-F5344CB8AC3E}">
-        <p14:creationId xmlns:p14="http://schemas.microsoft.com/office/powerpoint/2010/main" val="2242853402"/>
+        <p14:creationId xmlns:p14="http://schemas.microsoft.com/office/powerpoint/2010/main" val="3445454929"/>
       </p:ext>
     </p:extLst>
   </p:cSld>
@@ -6146,78 +7522,27 @@
       </p:grpSpPr>
       <p:sp>
         <p:nvSpPr>
-          <p:cNvPr id="3" name="TextBox 2">
-            <a:extLst>
-              <a:ext uri="{FF2B5EF4-FFF2-40B4-BE49-F238E27FC236}">
-                <a16:creationId xmlns:a16="http://schemas.microsoft.com/office/drawing/2014/main" id="{54864A9D-4DB4-48B5-8888-6B62293FB5B2}"/>
-              </a:ext>
-            </a:extLst>
-          </p:cNvPr>
-          <p:cNvSpPr txBox="1"/>
+          <p:cNvPr id="2" name="직사각형 1">
+            <a:extLst>
+              <a:ext uri="{FF2B5EF4-FFF2-40B4-BE49-F238E27FC236}">
+                <a16:creationId xmlns:a16="http://schemas.microsoft.com/office/drawing/2014/main" id="{A03741BF-0ED7-41AD-87A2-95631D18B70A}"/>
+              </a:ext>
+            </a:extLst>
+          </p:cNvPr>
+          <p:cNvSpPr/>
           <p:nvPr/>
         </p:nvSpPr>
         <p:spPr>
           <a:xfrm>
-            <a:off x="9683089" y="409877"/>
-            <a:ext cx="1630576" cy="1015663"/>
+            <a:off x="955035" y="642218"/>
+            <a:ext cx="3177535" cy="6045200"/>
           </a:xfrm>
           <a:prstGeom prst="rect">
             <a:avLst/>
           </a:prstGeom>
-          <a:noFill/>
-        </p:spPr>
-        <p:txBody>
-          <a:bodyPr wrap="none" rtlCol="0">
-            <a:spAutoFit/>
-          </a:bodyPr>
-          <a:lstStyle/>
-          <a:p>
-            <a:pPr algn="r"/>
-            <a:r>
-              <a:rPr lang="en-US" altLang="ko-KR" sz="6000" dirty="0">
-                <a:solidFill>
-                  <a:schemeClr val="bg1"/>
-                </a:solidFill>
-                <a:latin typeface="경기천년바탕 Bold" panose="02020803020101020101" pitchFamily="18" charset="-127"/>
-                <a:ea typeface="경기천년바탕 Bold" panose="02020803020101020101" pitchFamily="18" charset="-127"/>
-              </a:rPr>
-              <a:t>Map</a:t>
-            </a:r>
-            <a:endParaRPr lang="ko-KR" altLang="en-US" sz="6000" dirty="0">
-              <a:solidFill>
-                <a:schemeClr val="bg1"/>
-              </a:solidFill>
-              <a:latin typeface="경기천년바탕 Bold" panose="02020803020101020101" pitchFamily="18" charset="-127"/>
-              <a:ea typeface="경기천년바탕 Bold" panose="02020803020101020101" pitchFamily="18" charset="-127"/>
-            </a:endParaRPr>
-          </a:p>
-        </p:txBody>
-      </p:sp>
-      <p:sp>
-        <p:nvSpPr>
-          <p:cNvPr id="2" name="사각형: 둥근 모서리 1">
-            <a:extLst>
-              <a:ext uri="{FF2B5EF4-FFF2-40B4-BE49-F238E27FC236}">
-                <a16:creationId xmlns:a16="http://schemas.microsoft.com/office/drawing/2014/main" id="{77393A65-BBFF-4BAD-B931-8263D8928880}"/>
-              </a:ext>
-            </a:extLst>
-          </p:cNvPr>
-          <p:cNvSpPr/>
-          <p:nvPr/>
-        </p:nvSpPr>
-        <p:spPr>
-          <a:xfrm>
-            <a:off x="3511970" y="2003056"/>
-            <a:ext cx="7152640" cy="4145682"/>
-          </a:xfrm>
-          <a:prstGeom prst="roundRect">
-            <a:avLst>
-              <a:gd name="adj" fmla="val 124"/>
-            </a:avLst>
-          </a:prstGeom>
           <a:solidFill>
-            <a:schemeClr val="bg1">
-              <a:lumMod val="65000"/>
+            <a:schemeClr val="tx1">
+              <a:alpha val="44000"/>
             </a:schemeClr>
           </a:solidFill>
           <a:ln>
@@ -6251,10 +7576,105 @@
       </p:sp>
       <p:sp>
         <p:nvSpPr>
-          <p:cNvPr id="9" name="L 도형 8">
-            <a:extLst>
-              <a:ext uri="{FF2B5EF4-FFF2-40B4-BE49-F238E27FC236}">
-                <a16:creationId xmlns:a16="http://schemas.microsoft.com/office/drawing/2014/main" id="{84B1B958-581A-4B20-90C9-DF550356EE42}"/>
+          <p:cNvPr id="3" name="TextBox 2">
+            <a:extLst>
+              <a:ext uri="{FF2B5EF4-FFF2-40B4-BE49-F238E27FC236}">
+                <a16:creationId xmlns:a16="http://schemas.microsoft.com/office/drawing/2014/main" id="{54864A9D-4DB4-48B5-8888-6B62293FB5B2}"/>
+              </a:ext>
+            </a:extLst>
+          </p:cNvPr>
+          <p:cNvSpPr txBox="1"/>
+          <p:nvPr/>
+        </p:nvSpPr>
+        <p:spPr>
+          <a:xfrm>
+            <a:off x="7674957" y="642218"/>
+            <a:ext cx="2977803" cy="707886"/>
+          </a:xfrm>
+          <a:prstGeom prst="rect">
+            <a:avLst/>
+          </a:prstGeom>
+          <a:noFill/>
+        </p:spPr>
+        <p:txBody>
+          <a:bodyPr wrap="none" rtlCol="0">
+            <a:spAutoFit/>
+          </a:bodyPr>
+          <a:lstStyle/>
+          <a:p>
+            <a:pPr algn="r"/>
+            <a:r>
+              <a:rPr lang="en-US" altLang="ko-KR" sz="4000" dirty="0">
+                <a:solidFill>
+                  <a:schemeClr val="bg1"/>
+                </a:solidFill>
+                <a:latin typeface="경기천년바탕 Bold" panose="02020803020101020101" pitchFamily="18" charset="-127"/>
+                <a:ea typeface="경기천년바탕 Bold" panose="02020803020101020101" pitchFamily="18" charset="-127"/>
+              </a:rPr>
+              <a:t>Components</a:t>
+            </a:r>
+            <a:endParaRPr lang="ko-KR" altLang="en-US" sz="4000" dirty="0">
+              <a:solidFill>
+                <a:schemeClr val="bg1"/>
+              </a:solidFill>
+              <a:latin typeface="경기천년바탕 Bold" panose="02020803020101020101" pitchFamily="18" charset="-127"/>
+              <a:ea typeface="경기천년바탕 Bold" panose="02020803020101020101" pitchFamily="18" charset="-127"/>
+            </a:endParaRPr>
+          </a:p>
+        </p:txBody>
+      </p:sp>
+      <p:cxnSp>
+        <p:nvCxnSpPr>
+          <p:cNvPr id="7" name="직선 연결선 6">
+            <a:extLst>
+              <a:ext uri="{FF2B5EF4-FFF2-40B4-BE49-F238E27FC236}">
+                <a16:creationId xmlns:a16="http://schemas.microsoft.com/office/drawing/2014/main" id="{B2227533-9D88-454D-AC67-D68053A27CD7}"/>
+              </a:ext>
+            </a:extLst>
+          </p:cNvPr>
+          <p:cNvCxnSpPr>
+            <a:cxnSpLocks/>
+          </p:cNvCxnSpPr>
+          <p:nvPr/>
+        </p:nvCxnSpPr>
+        <p:spPr>
+          <a:xfrm>
+            <a:off x="10769600" y="690880"/>
+            <a:ext cx="0" cy="707886"/>
+          </a:xfrm>
+          <a:prstGeom prst="line">
+            <a:avLst/>
+          </a:prstGeom>
+          <a:ln w="28575">
+            <a:solidFill>
+              <a:schemeClr val="accent4">
+                <a:lumMod val="20000"/>
+                <a:lumOff val="80000"/>
+              </a:schemeClr>
+            </a:solidFill>
+          </a:ln>
+        </p:spPr>
+        <p:style>
+          <a:lnRef idx="1">
+            <a:schemeClr val="accent1"/>
+          </a:lnRef>
+          <a:fillRef idx="0">
+            <a:schemeClr val="accent1"/>
+          </a:fillRef>
+          <a:effectRef idx="0">
+            <a:schemeClr val="accent1"/>
+          </a:effectRef>
+          <a:fontRef idx="minor">
+            <a:schemeClr val="tx1"/>
+          </a:fontRef>
+        </p:style>
+      </p:cxnSp>
+      <p:sp>
+        <p:nvSpPr>
+          <p:cNvPr id="8" name="직사각형 7">
+            <a:extLst>
+              <a:ext uri="{FF2B5EF4-FFF2-40B4-BE49-F238E27FC236}">
+                <a16:creationId xmlns:a16="http://schemas.microsoft.com/office/drawing/2014/main" id="{7DEB157B-44B9-4EE4-953D-C895E6E13DBB}"/>
               </a:ext>
             </a:extLst>
           </p:cNvPr>
@@ -6262,24 +7682,20 @@
           <p:nvPr/>
         </p:nvSpPr>
         <p:spPr>
-          <a:xfrm rot="10800000">
-            <a:off x="11145873" y="340996"/>
-            <a:ext cx="680318" cy="680318"/>
-          </a:xfrm>
-          <a:prstGeom prst="corner">
-            <a:avLst>
-              <a:gd name="adj1" fmla="val 10000"/>
-              <a:gd name="adj2" fmla="val 8667"/>
-            </a:avLst>
+          <a:xfrm>
+            <a:off x="-375910" y="-254000"/>
+            <a:ext cx="4683746" cy="7112000"/>
+          </a:xfrm>
+          <a:prstGeom prst="rect">
+            <a:avLst/>
           </a:prstGeom>
           <a:solidFill>
-            <a:schemeClr val="accent4">
-              <a:lumMod val="20000"/>
-              <a:lumOff val="80000"/>
-            </a:schemeClr>
+            <a:schemeClr val="bg1"/>
           </a:solidFill>
           <a:ln>
-            <a:noFill/>
+            <a:solidFill>
+              <a:schemeClr val="tx1"/>
+            </a:solidFill>
           </a:ln>
         </p:spPr>
         <p:style>
@@ -6303,70 +7719,124 @@
           <a:lstStyle/>
           <a:p>
             <a:pPr algn="ctr"/>
-            <a:endParaRPr lang="ko-KR" altLang="en-US"/>
-          </a:p>
-        </p:txBody>
-      </p:sp>
-      <p:sp>
-        <p:nvSpPr>
-          <p:cNvPr id="12" name="타원 11">
-            <a:extLst>
-              <a:ext uri="{FF2B5EF4-FFF2-40B4-BE49-F238E27FC236}">
-                <a16:creationId xmlns:a16="http://schemas.microsoft.com/office/drawing/2014/main" id="{89A454A3-FF7C-42FE-83F7-84A7ABE1BD3D}"/>
-              </a:ext>
-            </a:extLst>
-          </p:cNvPr>
-          <p:cNvSpPr/>
+            <a:endParaRPr lang="ko-KR" altLang="en-US" dirty="0"/>
+          </a:p>
+        </p:txBody>
+      </p:sp>
+      <p:pic>
+        <p:nvPicPr>
+          <p:cNvPr id="4" name="그림 3">
+            <a:extLst>
+              <a:ext uri="{FF2B5EF4-FFF2-40B4-BE49-F238E27FC236}">
+                <a16:creationId xmlns:a16="http://schemas.microsoft.com/office/drawing/2014/main" id="{7220B5E4-F5D6-49DA-9AA0-B8650ACAD1A1}"/>
+              </a:ext>
+            </a:extLst>
+          </p:cNvPr>
+          <p:cNvPicPr>
+            <a:picLocks noChangeAspect="1"/>
+          </p:cNvPicPr>
           <p:nvPr/>
-        </p:nvSpPr>
-        <p:spPr>
-          <a:xfrm>
-            <a:off x="5036399" y="2564266"/>
-            <a:ext cx="3060700" cy="3060700"/>
-          </a:xfrm>
-          <a:prstGeom prst="ellipse">
+        </p:nvPicPr>
+        <p:blipFill>
+          <a:blip r:embed="rId2">
+            <a:extLst>
+              <a:ext uri="{28A0092B-C50C-407E-A947-70E740481C1C}">
+                <a14:useLocalDpi xmlns:a14="http://schemas.microsoft.com/office/drawing/2010/main" val="0"/>
+              </a:ext>
+            </a:extLst>
+          </a:blip>
+          <a:stretch>
+            <a:fillRect/>
+          </a:stretch>
+        </p:blipFill>
+        <p:spPr>
+          <a:xfrm>
+            <a:off x="2509321" y="3521050"/>
+            <a:ext cx="1334494" cy="918056"/>
+          </a:xfrm>
+          <a:prstGeom prst="rect">
             <a:avLst/>
           </a:prstGeom>
-          <a:solidFill>
-            <a:srgbClr val="D7FBFD">
-              <a:alpha val="58824"/>
-            </a:srgbClr>
-          </a:solidFill>
-          <a:ln>
-            <a:noFill/>
-          </a:ln>
-        </p:spPr>
-        <p:style>
-          <a:lnRef idx="2">
-            <a:schemeClr val="accent1">
-              <a:shade val="50000"/>
-            </a:schemeClr>
-          </a:lnRef>
-          <a:fillRef idx="1">
-            <a:schemeClr val="accent1"/>
-          </a:fillRef>
-          <a:effectRef idx="0">
-            <a:schemeClr val="accent1"/>
-          </a:effectRef>
-          <a:fontRef idx="minor">
-            <a:schemeClr val="lt1"/>
-          </a:fontRef>
-        </p:style>
-        <p:txBody>
-          <a:bodyPr rtlCol="0" anchor="ctr"/>
-          <a:lstStyle/>
-          <a:p>
-            <a:pPr algn="ctr"/>
-            <a:endParaRPr lang="ko-KR" altLang="en-US"/>
-          </a:p>
-        </p:txBody>
-      </p:sp>
-      <p:sp>
-        <p:nvSpPr>
-          <p:cNvPr id="18" name="TextBox 17">
-            <a:extLst>
-              <a:ext uri="{FF2B5EF4-FFF2-40B4-BE49-F238E27FC236}">
-                <a16:creationId xmlns:a16="http://schemas.microsoft.com/office/drawing/2014/main" id="{AA5E5774-F284-4376-AF83-0ED364F9701C}"/>
+        </p:spPr>
+      </p:pic>
+      <p:pic>
+        <p:nvPicPr>
+          <p:cNvPr id="6" name="그림 5" descr="텍스트이(가) 표시된 사진&#10;&#10;자동 생성된 설명">
+            <a:extLst>
+              <a:ext uri="{FF2B5EF4-FFF2-40B4-BE49-F238E27FC236}">
+                <a16:creationId xmlns:a16="http://schemas.microsoft.com/office/drawing/2014/main" id="{6C5D2FB5-380F-4AA8-AF3E-E54CB159B7B0}"/>
+              </a:ext>
+            </a:extLst>
+          </p:cNvPr>
+          <p:cNvPicPr>
+            <a:picLocks noChangeAspect="1"/>
+          </p:cNvPicPr>
+          <p:nvPr/>
+        </p:nvPicPr>
+        <p:blipFill>
+          <a:blip r:embed="rId3">
+            <a:extLst>
+              <a:ext uri="{28A0092B-C50C-407E-A947-70E740481C1C}">
+                <a14:useLocalDpi xmlns:a14="http://schemas.microsoft.com/office/drawing/2010/main" val="0"/>
+              </a:ext>
+            </a:extLst>
+          </a:blip>
+          <a:stretch>
+            <a:fillRect/>
+          </a:stretch>
+        </p:blipFill>
+        <p:spPr>
+          <a:xfrm>
+            <a:off x="2807572" y="1398766"/>
+            <a:ext cx="579302" cy="1363965"/>
+          </a:xfrm>
+          <a:prstGeom prst="rect">
+            <a:avLst/>
+          </a:prstGeom>
+        </p:spPr>
+      </p:pic>
+      <p:pic>
+        <p:nvPicPr>
+          <p:cNvPr id="10" name="그림 9">
+            <a:extLst>
+              <a:ext uri="{FF2B5EF4-FFF2-40B4-BE49-F238E27FC236}">
+                <a16:creationId xmlns:a16="http://schemas.microsoft.com/office/drawing/2014/main" id="{7E44967B-F43A-42B8-A7B9-7F63946F1F0E}"/>
+              </a:ext>
+            </a:extLst>
+          </p:cNvPr>
+          <p:cNvPicPr>
+            <a:picLocks noChangeAspect="1"/>
+          </p:cNvPicPr>
+          <p:nvPr/>
+        </p:nvPicPr>
+        <p:blipFill>
+          <a:blip r:embed="rId4">
+            <a:extLst>
+              <a:ext uri="{28A0092B-C50C-407E-A947-70E740481C1C}">
+                <a14:useLocalDpi xmlns:a14="http://schemas.microsoft.com/office/drawing/2010/main" val="0"/>
+              </a:ext>
+            </a:extLst>
+          </a:blip>
+          <a:stretch>
+            <a:fillRect/>
+          </a:stretch>
+        </p:blipFill>
+        <p:spPr>
+          <a:xfrm>
+            <a:off x="2350631" y="5197425"/>
+            <a:ext cx="1493184" cy="983987"/>
+          </a:xfrm>
+          <a:prstGeom prst="rect">
+            <a:avLst/>
+          </a:prstGeom>
+        </p:spPr>
+      </p:pic>
+      <p:sp>
+        <p:nvSpPr>
+          <p:cNvPr id="11" name="TextBox 10">
+            <a:extLst>
+              <a:ext uri="{FF2B5EF4-FFF2-40B4-BE49-F238E27FC236}">
+                <a16:creationId xmlns:a16="http://schemas.microsoft.com/office/drawing/2014/main" id="{45FF138F-8CC9-4502-AA05-4731302E3102}"/>
               </a:ext>
             </a:extLst>
           </p:cNvPr>
@@ -6375,8 +7845,8 @@
         </p:nvSpPr>
         <p:spPr>
           <a:xfrm>
-            <a:off x="7936095" y="1988820"/>
-            <a:ext cx="2531462" cy="1323439"/>
+            <a:off x="4546600" y="2239511"/>
+            <a:ext cx="3505195" cy="523220"/>
           </a:xfrm>
           <a:prstGeom prst="rect">
             <a:avLst/>
@@ -6384,191 +7854,71 @@
           <a:noFill/>
         </p:spPr>
         <p:txBody>
-          <a:bodyPr wrap="none" rtlCol="0">
+          <a:bodyPr wrap="square" rtlCol="0">
             <a:spAutoFit/>
           </a:bodyPr>
           <a:lstStyle/>
           <a:p>
-            <a:pPr algn="r"/>
-            <a:r>
-              <a:rPr lang="en-US" altLang="ko-KR" sz="4000" dirty="0">
+            <a:r>
+              <a:rPr lang="ko-KR" altLang="en-US" sz="2800" dirty="0">
+                <a:solidFill>
+                  <a:schemeClr val="bg1"/>
+                </a:solidFill>
                 <a:latin typeface="경기천년바탕 Regular" panose="02020503020101020101" pitchFamily="18" charset="-127"/>
                 <a:ea typeface="경기천년바탕 Regular" panose="02020503020101020101" pitchFamily="18" charset="-127"/>
               </a:rPr>
-              <a:t>Dangerous</a:t>
-            </a:r>
-          </a:p>
-          <a:p>
-            <a:pPr algn="r"/>
-            <a:r>
-              <a:rPr lang="en-US" altLang="ko-KR" sz="4000" dirty="0">
+              <a:t>이동 및 공격 수행</a:t>
+            </a:r>
+          </a:p>
+        </p:txBody>
+      </p:sp>
+      <p:sp>
+        <p:nvSpPr>
+          <p:cNvPr id="13" name="TextBox 12">
+            <a:extLst>
+              <a:ext uri="{FF2B5EF4-FFF2-40B4-BE49-F238E27FC236}">
+                <a16:creationId xmlns:a16="http://schemas.microsoft.com/office/drawing/2014/main" id="{0DBACF02-8F7F-4C54-B976-1C7883B47754}"/>
+              </a:ext>
+            </a:extLst>
+          </p:cNvPr>
+          <p:cNvSpPr txBox="1"/>
+          <p:nvPr/>
+        </p:nvSpPr>
+        <p:spPr>
+          <a:xfrm>
+            <a:off x="4546600" y="3833660"/>
+            <a:ext cx="4876800" cy="523220"/>
+          </a:xfrm>
+          <a:prstGeom prst="rect">
+            <a:avLst/>
+          </a:prstGeom>
+          <a:noFill/>
+        </p:spPr>
+        <p:txBody>
+          <a:bodyPr wrap="square" rtlCol="0">
+            <a:spAutoFit/>
+          </a:bodyPr>
+          <a:lstStyle/>
+          <a:p>
+            <a:r>
+              <a:rPr lang="ko-KR" altLang="en-US" sz="2800" dirty="0">
+                <a:solidFill>
+                  <a:schemeClr val="bg1"/>
+                </a:solidFill>
                 <a:latin typeface="경기천년바탕 Regular" panose="02020503020101020101" pitchFamily="18" charset="-127"/>
                 <a:ea typeface="경기천년바탕 Regular" panose="02020503020101020101" pitchFamily="18" charset="-127"/>
               </a:rPr>
-              <a:t>Zone</a:t>
-            </a:r>
-            <a:endParaRPr lang="ko-KR" altLang="en-US" sz="4000" dirty="0">
-              <a:latin typeface="경기천년바탕 Regular" panose="02020503020101020101" pitchFamily="18" charset="-127"/>
-              <a:ea typeface="경기천년바탕 Regular" panose="02020503020101020101" pitchFamily="18" charset="-127"/>
-            </a:endParaRPr>
-          </a:p>
-        </p:txBody>
-      </p:sp>
-      <p:sp>
-        <p:nvSpPr>
-          <p:cNvPr id="20" name="TextBox 19">
-            <a:extLst>
-              <a:ext uri="{FF2B5EF4-FFF2-40B4-BE49-F238E27FC236}">
-                <a16:creationId xmlns:a16="http://schemas.microsoft.com/office/drawing/2014/main" id="{A5294EBA-1FCE-41B1-BCE9-C6110CDD1AD5}"/>
-              </a:ext>
-            </a:extLst>
-          </p:cNvPr>
-          <p:cNvSpPr txBox="1"/>
-          <p:nvPr/>
-        </p:nvSpPr>
-        <p:spPr>
-          <a:xfrm>
-            <a:off x="5980691" y="3617562"/>
-            <a:ext cx="1172116" cy="954107"/>
-          </a:xfrm>
-          <a:prstGeom prst="rect">
-            <a:avLst/>
-          </a:prstGeom>
-          <a:noFill/>
-        </p:spPr>
-        <p:txBody>
-          <a:bodyPr wrap="none" rtlCol="0">
-            <a:spAutoFit/>
-          </a:bodyPr>
-          <a:lstStyle/>
-          <a:p>
-            <a:pPr algn="ctr"/>
-            <a:r>
-              <a:rPr lang="en-US" altLang="ko-KR" sz="2800" dirty="0">
-                <a:solidFill>
-                  <a:schemeClr val="accent1">
-                    <a:lumMod val="50000"/>
-                  </a:schemeClr>
-                </a:solidFill>
-              </a:rPr>
-              <a:t>Safety</a:t>
-            </a:r>
-          </a:p>
-          <a:p>
-            <a:pPr algn="ctr"/>
-            <a:r>
-              <a:rPr lang="en-US" altLang="ko-KR" sz="2800" dirty="0">
-                <a:solidFill>
-                  <a:schemeClr val="accent1">
-                    <a:lumMod val="50000"/>
-                  </a:schemeClr>
-                </a:solidFill>
-              </a:rPr>
-              <a:t>Zone</a:t>
-            </a:r>
-            <a:endParaRPr lang="ko-KR" altLang="en-US" sz="2800" dirty="0">
-              <a:solidFill>
-                <a:schemeClr val="accent1">
-                  <a:lumMod val="50000"/>
-                </a:schemeClr>
-              </a:solidFill>
-            </a:endParaRPr>
-          </a:p>
-        </p:txBody>
-      </p:sp>
-      <p:cxnSp>
-        <p:nvCxnSpPr>
-          <p:cNvPr id="22" name="직선 연결선 21">
-            <a:extLst>
-              <a:ext uri="{FF2B5EF4-FFF2-40B4-BE49-F238E27FC236}">
-                <a16:creationId xmlns:a16="http://schemas.microsoft.com/office/drawing/2014/main" id="{80EC22E9-480F-481E-AA01-6569411C6818}"/>
-              </a:ext>
-            </a:extLst>
-          </p:cNvPr>
-          <p:cNvCxnSpPr/>
-          <p:nvPr/>
-        </p:nvCxnSpPr>
-        <p:spPr>
-          <a:xfrm>
-            <a:off x="2935037" y="4055311"/>
-            <a:ext cx="2438400" cy="0"/>
-          </a:xfrm>
-          <a:prstGeom prst="line">
-            <a:avLst/>
-          </a:prstGeom>
-          <a:ln w="28575">
-            <a:solidFill>
-              <a:schemeClr val="bg1"/>
-            </a:solidFill>
-            <a:prstDash val="dash"/>
-          </a:ln>
-        </p:spPr>
-        <p:style>
-          <a:lnRef idx="1">
-            <a:schemeClr val="accent1"/>
-          </a:lnRef>
-          <a:fillRef idx="0">
-            <a:schemeClr val="accent1"/>
-          </a:fillRef>
-          <a:effectRef idx="0">
-            <a:schemeClr val="accent1"/>
-          </a:effectRef>
-          <a:fontRef idx="minor">
-            <a:schemeClr val="tx1"/>
-          </a:fontRef>
-        </p:style>
-      </p:cxnSp>
-      <p:sp>
-        <p:nvSpPr>
-          <p:cNvPr id="24" name="TextBox 23">
-            <a:extLst>
-              <a:ext uri="{FF2B5EF4-FFF2-40B4-BE49-F238E27FC236}">
-                <a16:creationId xmlns:a16="http://schemas.microsoft.com/office/drawing/2014/main" id="{39B7041C-EA14-4C2A-BBFE-C1336951AF0A}"/>
-              </a:ext>
-            </a:extLst>
-          </p:cNvPr>
-          <p:cNvSpPr txBox="1"/>
-          <p:nvPr/>
-        </p:nvSpPr>
-        <p:spPr>
-          <a:xfrm>
-            <a:off x="543702" y="3617562"/>
-            <a:ext cx="2206053" cy="954107"/>
-          </a:xfrm>
-          <a:prstGeom prst="rect">
-            <a:avLst/>
-          </a:prstGeom>
-          <a:noFill/>
-        </p:spPr>
-        <p:txBody>
-          <a:bodyPr wrap="none" rtlCol="0">
-            <a:spAutoFit/>
-          </a:bodyPr>
-          <a:lstStyle/>
-          <a:p>
-            <a:pPr algn="ctr"/>
-            <a:r>
-              <a:rPr lang="en-US" altLang="ko-KR" sz="2800" dirty="0">
+              <a:t>공격력 </a:t>
+            </a:r>
+            <a:r>
+              <a:rPr lang="ko-KR" altLang="en-US" sz="2800">
                 <a:solidFill>
                   <a:schemeClr val="bg1"/>
                 </a:solidFill>
                 <a:latin typeface="경기천년바탕 Regular" panose="02020503020101020101" pitchFamily="18" charset="-127"/>
                 <a:ea typeface="경기천년바탕 Regular" panose="02020503020101020101" pitchFamily="18" charset="-127"/>
               </a:rPr>
-              <a:t>Shrinking</a:t>
-            </a:r>
-          </a:p>
-          <a:p>
-            <a:pPr algn="ctr"/>
-            <a:r>
-              <a:rPr lang="en-US" altLang="ko-KR" sz="2800" dirty="0">
-                <a:solidFill>
-                  <a:schemeClr val="bg1"/>
-                </a:solidFill>
-                <a:latin typeface="경기천년바탕 Regular" panose="02020503020101020101" pitchFamily="18" charset="-127"/>
-                <a:ea typeface="경기천년바탕 Regular" panose="02020503020101020101" pitchFamily="18" charset="-127"/>
-              </a:rPr>
-              <a:t>Continuously</a:t>
+              <a:t>결정 및 특수 효과 발동 </a:t>
             </a:r>
             <a:endParaRPr lang="ko-KR" altLang="en-US" sz="2800" dirty="0">
               <a:solidFill>
@@ -6580,10 +7930,165 @@
           </a:p>
         </p:txBody>
       </p:sp>
+      <p:sp>
+        <p:nvSpPr>
+          <p:cNvPr id="15" name="TextBox 14">
+            <a:extLst>
+              <a:ext uri="{FF2B5EF4-FFF2-40B4-BE49-F238E27FC236}">
+                <a16:creationId xmlns:a16="http://schemas.microsoft.com/office/drawing/2014/main" id="{95BE4910-8BD2-41D4-B33B-F386A105C310}"/>
+              </a:ext>
+            </a:extLst>
+          </p:cNvPr>
+          <p:cNvSpPr txBox="1"/>
+          <p:nvPr/>
+        </p:nvSpPr>
+        <p:spPr>
+          <a:xfrm>
+            <a:off x="4546600" y="5427809"/>
+            <a:ext cx="3505195" cy="523220"/>
+          </a:xfrm>
+          <a:prstGeom prst="rect">
+            <a:avLst/>
+          </a:prstGeom>
+          <a:noFill/>
+        </p:spPr>
+        <p:txBody>
+          <a:bodyPr wrap="square" rtlCol="0">
+            <a:spAutoFit/>
+          </a:bodyPr>
+          <a:lstStyle/>
+          <a:p>
+            <a:r>
+              <a:rPr lang="ko-KR" altLang="en-US" sz="2800" dirty="0">
+                <a:solidFill>
+                  <a:schemeClr val="bg1"/>
+                </a:solidFill>
+                <a:latin typeface="경기천년바탕 Regular" panose="02020503020101020101" pitchFamily="18" charset="-127"/>
+                <a:ea typeface="경기천년바탕 Regular" panose="02020503020101020101" pitchFamily="18" charset="-127"/>
+              </a:rPr>
+              <a:t>유닛의 이동 범위 제한</a:t>
+            </a:r>
+          </a:p>
+        </p:txBody>
+      </p:sp>
+      <p:sp>
+        <p:nvSpPr>
+          <p:cNvPr id="17" name="TextBox 16">
+            <a:extLst>
+              <a:ext uri="{FF2B5EF4-FFF2-40B4-BE49-F238E27FC236}">
+                <a16:creationId xmlns:a16="http://schemas.microsoft.com/office/drawing/2014/main" id="{3BFE8FED-DA9B-4511-BC39-B9F2F0C76DF7}"/>
+              </a:ext>
+            </a:extLst>
+          </p:cNvPr>
+          <p:cNvSpPr txBox="1"/>
+          <p:nvPr/>
+        </p:nvSpPr>
+        <p:spPr>
+          <a:xfrm>
+            <a:off x="1684077" y="1468138"/>
+            <a:ext cx="939681" cy="584775"/>
+          </a:xfrm>
+          <a:prstGeom prst="rect">
+            <a:avLst/>
+          </a:prstGeom>
+          <a:noFill/>
+        </p:spPr>
+        <p:txBody>
+          <a:bodyPr wrap="none" rtlCol="0">
+            <a:spAutoFit/>
+          </a:bodyPr>
+          <a:lstStyle/>
+          <a:p>
+            <a:r>
+              <a:rPr lang="ko-KR" altLang="en-US" sz="3200" dirty="0">
+                <a:latin typeface="경기천년바탕 Bold" panose="02020803020101020101" pitchFamily="18" charset="-127"/>
+                <a:ea typeface="경기천년바탕 Bold" panose="02020803020101020101" pitchFamily="18" charset="-127"/>
+              </a:rPr>
+              <a:t>유닛</a:t>
+            </a:r>
+          </a:p>
+        </p:txBody>
+      </p:sp>
+      <p:sp>
+        <p:nvSpPr>
+          <p:cNvPr id="19" name="TextBox 18">
+            <a:extLst>
+              <a:ext uri="{FF2B5EF4-FFF2-40B4-BE49-F238E27FC236}">
+                <a16:creationId xmlns:a16="http://schemas.microsoft.com/office/drawing/2014/main" id="{37F1D6B4-1446-403A-83A7-E1C830764439}"/>
+              </a:ext>
+            </a:extLst>
+          </p:cNvPr>
+          <p:cNvSpPr txBox="1"/>
+          <p:nvPr/>
+        </p:nvSpPr>
+        <p:spPr>
+          <a:xfrm>
+            <a:off x="1666098" y="2936275"/>
+            <a:ext cx="1326004" cy="584775"/>
+          </a:xfrm>
+          <a:prstGeom prst="rect">
+            <a:avLst/>
+          </a:prstGeom>
+          <a:noFill/>
+        </p:spPr>
+        <p:txBody>
+          <a:bodyPr wrap="none" rtlCol="0">
+            <a:spAutoFit/>
+          </a:bodyPr>
+          <a:lstStyle/>
+          <a:p>
+            <a:r>
+              <a:rPr lang="ko-KR" altLang="en-US" sz="3200" dirty="0">
+                <a:latin typeface="경기천년바탕 Bold" panose="02020803020101020101" pitchFamily="18" charset="-127"/>
+                <a:ea typeface="경기천년바탕 Bold" panose="02020803020101020101" pitchFamily="18" charset="-127"/>
+              </a:rPr>
+              <a:t>아이템</a:t>
+            </a:r>
+          </a:p>
+        </p:txBody>
+      </p:sp>
+      <p:sp>
+        <p:nvSpPr>
+          <p:cNvPr id="23" name="TextBox 22">
+            <a:extLst>
+              <a:ext uri="{FF2B5EF4-FFF2-40B4-BE49-F238E27FC236}">
+                <a16:creationId xmlns:a16="http://schemas.microsoft.com/office/drawing/2014/main" id="{F49D1ED0-26E8-4396-946A-9E78055BA840}"/>
+              </a:ext>
+            </a:extLst>
+          </p:cNvPr>
+          <p:cNvSpPr txBox="1"/>
+          <p:nvPr/>
+        </p:nvSpPr>
+        <p:spPr>
+          <a:xfrm>
+            <a:off x="1700185" y="4604749"/>
+            <a:ext cx="570990" cy="584775"/>
+          </a:xfrm>
+          <a:prstGeom prst="rect">
+            <a:avLst/>
+          </a:prstGeom>
+          <a:noFill/>
+        </p:spPr>
+        <p:txBody>
+          <a:bodyPr wrap="none" rtlCol="0">
+            <a:spAutoFit/>
+          </a:bodyPr>
+          <a:lstStyle/>
+          <a:p>
+            <a:r>
+              <a:rPr lang="ko-KR" altLang="en-US" sz="3200" dirty="0">
+                <a:latin typeface="경기천년바탕 Bold" panose="02020803020101020101" pitchFamily="18" charset="-127"/>
+                <a:ea typeface="경기천년바탕 Bold" panose="02020803020101020101" pitchFamily="18" charset="-127"/>
+              </a:rPr>
+              <a:t>맵</a:t>
+            </a:r>
+          </a:p>
+        </p:txBody>
+      </p:sp>
     </p:spTree>
     <p:extLst>
       <p:ext uri="{BB962C8B-B14F-4D97-AF65-F5344CB8AC3E}">
-        <p14:creationId xmlns:p14="http://schemas.microsoft.com/office/powerpoint/2010/main" val="3924349251"/>
+        <p14:creationId xmlns:p14="http://schemas.microsoft.com/office/powerpoint/2010/main" val="2242853402"/>
       </p:ext>
     </p:extLst>
   </p:cSld>
@@ -6612,10 +8117,59 @@
       </p:grpSpPr>
       <p:sp>
         <p:nvSpPr>
-          <p:cNvPr id="39" name="직사각형 38">
-            <a:extLst>
-              <a:ext uri="{FF2B5EF4-FFF2-40B4-BE49-F238E27FC236}">
-                <a16:creationId xmlns:a16="http://schemas.microsoft.com/office/drawing/2014/main" id="{431B6FBD-CE86-40BA-83F9-8518690E9963}"/>
+          <p:cNvPr id="3" name="TextBox 2">
+            <a:extLst>
+              <a:ext uri="{FF2B5EF4-FFF2-40B4-BE49-F238E27FC236}">
+                <a16:creationId xmlns:a16="http://schemas.microsoft.com/office/drawing/2014/main" id="{54864A9D-4DB4-48B5-8888-6B62293FB5B2}"/>
+              </a:ext>
+            </a:extLst>
+          </p:cNvPr>
+          <p:cNvSpPr txBox="1"/>
+          <p:nvPr/>
+        </p:nvSpPr>
+        <p:spPr>
+          <a:xfrm>
+            <a:off x="9683089" y="409877"/>
+            <a:ext cx="1630576" cy="1015663"/>
+          </a:xfrm>
+          <a:prstGeom prst="rect">
+            <a:avLst/>
+          </a:prstGeom>
+          <a:noFill/>
+        </p:spPr>
+        <p:txBody>
+          <a:bodyPr wrap="none" rtlCol="0">
+            <a:spAutoFit/>
+          </a:bodyPr>
+          <a:lstStyle/>
+          <a:p>
+            <a:pPr algn="r"/>
+            <a:r>
+              <a:rPr lang="en-US" altLang="ko-KR" sz="6000" dirty="0">
+                <a:solidFill>
+                  <a:schemeClr val="bg1"/>
+                </a:solidFill>
+                <a:latin typeface="경기천년바탕 Bold" panose="02020803020101020101" pitchFamily="18" charset="-127"/>
+                <a:ea typeface="경기천년바탕 Bold" panose="02020803020101020101" pitchFamily="18" charset="-127"/>
+              </a:rPr>
+              <a:t>Map</a:t>
+            </a:r>
+            <a:endParaRPr lang="ko-KR" altLang="en-US" sz="6000" dirty="0">
+              <a:solidFill>
+                <a:schemeClr val="bg1"/>
+              </a:solidFill>
+              <a:latin typeface="경기천년바탕 Bold" panose="02020803020101020101" pitchFamily="18" charset="-127"/>
+              <a:ea typeface="경기천년바탕 Bold" panose="02020803020101020101" pitchFamily="18" charset="-127"/>
+            </a:endParaRPr>
+          </a:p>
+        </p:txBody>
+      </p:sp>
+      <p:sp>
+        <p:nvSpPr>
+          <p:cNvPr id="2" name="사각형: 둥근 모서리 1">
+            <a:extLst>
+              <a:ext uri="{FF2B5EF4-FFF2-40B4-BE49-F238E27FC236}">
+                <a16:creationId xmlns:a16="http://schemas.microsoft.com/office/drawing/2014/main" id="{77393A65-BBFF-4BAD-B931-8263D8928880}"/>
               </a:ext>
             </a:extLst>
           </p:cNvPr>
@@ -6624,15 +8178,17 @@
         </p:nvSpPr>
         <p:spPr>
           <a:xfrm>
-            <a:off x="851806" y="1196690"/>
-            <a:ext cx="3177535" cy="5182845"/>
-          </a:xfrm>
-          <a:prstGeom prst="rect">
-            <a:avLst/>
+            <a:off x="3511970" y="2003056"/>
+            <a:ext cx="7152640" cy="4145682"/>
+          </a:xfrm>
+          <a:prstGeom prst="roundRect">
+            <a:avLst>
+              <a:gd name="adj" fmla="val 124"/>
+            </a:avLst>
           </a:prstGeom>
           <a:solidFill>
-            <a:schemeClr val="tx1">
-              <a:alpha val="44000"/>
+            <a:schemeClr val="bg1">
+              <a:lumMod val="65000"/>
             </a:schemeClr>
           </a:solidFill>
           <a:ln>
@@ -6666,10 +8222,10 @@
       </p:sp>
       <p:sp>
         <p:nvSpPr>
-          <p:cNvPr id="16" name="직사각형 15">
-            <a:extLst>
-              <a:ext uri="{FF2B5EF4-FFF2-40B4-BE49-F238E27FC236}">
-                <a16:creationId xmlns:a16="http://schemas.microsoft.com/office/drawing/2014/main" id="{EE139C5A-0E66-45D6-BE19-DF9714CAAFBF}"/>
+          <p:cNvPr id="9" name="L 도형 8">
+            <a:extLst>
+              <a:ext uri="{FF2B5EF4-FFF2-40B4-BE49-F238E27FC236}">
+                <a16:creationId xmlns:a16="http://schemas.microsoft.com/office/drawing/2014/main" id="{84B1B958-581A-4B20-90C9-DF550356EE42}"/>
               </a:ext>
             </a:extLst>
           </p:cNvPr>
@@ -6677,20 +8233,24 @@
           <p:nvPr/>
         </p:nvSpPr>
         <p:spPr>
-          <a:xfrm>
-            <a:off x="1034047" y="1425540"/>
-            <a:ext cx="3177535" cy="5042637"/>
-          </a:xfrm>
-          <a:prstGeom prst="rect">
-            <a:avLst/>
+          <a:xfrm rot="10800000">
+            <a:off x="11145873" y="340996"/>
+            <a:ext cx="680318" cy="680318"/>
+          </a:xfrm>
+          <a:prstGeom prst="corner">
+            <a:avLst>
+              <a:gd name="adj1" fmla="val 10000"/>
+              <a:gd name="adj2" fmla="val 8667"/>
+            </a:avLst>
           </a:prstGeom>
           <a:solidFill>
-            <a:schemeClr val="bg1"/>
+            <a:schemeClr val="accent4">
+              <a:lumMod val="20000"/>
+              <a:lumOff val="80000"/>
+            </a:schemeClr>
           </a:solidFill>
           <a:ln>
-            <a:solidFill>
-              <a:schemeClr val="tx1"/>
-            </a:solidFill>
+            <a:noFill/>
           </a:ln>
         </p:spPr>
         <p:style>
@@ -6714,16 +8274,16 @@
           <a:lstStyle/>
           <a:p>
             <a:pPr algn="ctr"/>
-            <a:endParaRPr lang="ko-KR" altLang="en-US" dirty="0"/>
-          </a:p>
-        </p:txBody>
-      </p:sp>
-      <p:sp>
-        <p:nvSpPr>
-          <p:cNvPr id="14" name="직사각형 13">
-            <a:extLst>
-              <a:ext uri="{FF2B5EF4-FFF2-40B4-BE49-F238E27FC236}">
-                <a16:creationId xmlns:a16="http://schemas.microsoft.com/office/drawing/2014/main" id="{A7184F2A-D2D1-42C1-BDD5-57500BC97FB7}"/>
+            <a:endParaRPr lang="ko-KR" altLang="en-US"/>
+          </a:p>
+        </p:txBody>
+      </p:sp>
+      <p:sp>
+        <p:nvSpPr>
+          <p:cNvPr id="12" name="타원 11">
+            <a:extLst>
+              <a:ext uri="{FF2B5EF4-FFF2-40B4-BE49-F238E27FC236}">
+                <a16:creationId xmlns:a16="http://schemas.microsoft.com/office/drawing/2014/main" id="{89A454A3-FF7C-42FE-83F7-84A7ABE1BD3D}"/>
               </a:ext>
             </a:extLst>
           </p:cNvPr>
@@ -6731,15 +8291,17 @@
           <p:nvPr/>
         </p:nvSpPr>
         <p:spPr>
-          <a:xfrm rot="16200000">
-            <a:off x="2366210" y="2820202"/>
-            <a:ext cx="1694046" cy="952901"/>
-          </a:xfrm>
-          <a:prstGeom prst="rect">
+          <a:xfrm>
+            <a:off x="5036399" y="2564266"/>
+            <a:ext cx="3060700" cy="3060700"/>
+          </a:xfrm>
+          <a:prstGeom prst="ellipse">
             <a:avLst/>
           </a:prstGeom>
           <a:solidFill>
-            <a:schemeClr val="bg1"/>
+            <a:srgbClr val="D7FBFD">
+              <a:alpha val="58824"/>
+            </a:srgbClr>
           </a:solidFill>
           <a:ln>
             <a:noFill/>
@@ -6772,62 +8334,167 @@
       </p:sp>
       <p:sp>
         <p:nvSpPr>
-          <p:cNvPr id="13" name="직사각형 12">
-            <a:extLst>
-              <a:ext uri="{FF2B5EF4-FFF2-40B4-BE49-F238E27FC236}">
-                <a16:creationId xmlns:a16="http://schemas.microsoft.com/office/drawing/2014/main" id="{5CAFCFA8-2806-40F5-8164-9496CC6B7B64}"/>
-              </a:ext>
-            </a:extLst>
-          </p:cNvPr>
-          <p:cNvSpPr/>
+          <p:cNvPr id="18" name="TextBox 17">
+            <a:extLst>
+              <a:ext uri="{FF2B5EF4-FFF2-40B4-BE49-F238E27FC236}">
+                <a16:creationId xmlns:a16="http://schemas.microsoft.com/office/drawing/2014/main" id="{AA5E5774-F284-4376-AF83-0ED364F9701C}"/>
+              </a:ext>
+            </a:extLst>
+          </p:cNvPr>
+          <p:cNvSpPr txBox="1"/>
           <p:nvPr/>
         </p:nvSpPr>
         <p:spPr>
-          <a:xfrm rot="5400000">
-            <a:off x="1300393" y="2820202"/>
-            <a:ext cx="1694046" cy="952901"/>
+          <a:xfrm>
+            <a:off x="7936095" y="1988820"/>
+            <a:ext cx="2531462" cy="1323439"/>
           </a:xfrm>
           <a:prstGeom prst="rect">
             <a:avLst/>
           </a:prstGeom>
-          <a:solidFill>
-            <a:schemeClr val="bg1"/>
-          </a:solidFill>
-          <a:ln>
-            <a:noFill/>
+          <a:noFill/>
+        </p:spPr>
+        <p:txBody>
+          <a:bodyPr wrap="none" rtlCol="0">
+            <a:spAutoFit/>
+          </a:bodyPr>
+          <a:lstStyle/>
+          <a:p>
+            <a:pPr algn="r"/>
+            <a:r>
+              <a:rPr lang="en-US" altLang="ko-KR" sz="4000" dirty="0">
+                <a:latin typeface="경기천년바탕 Regular" panose="02020503020101020101" pitchFamily="18" charset="-127"/>
+                <a:ea typeface="경기천년바탕 Regular" panose="02020503020101020101" pitchFamily="18" charset="-127"/>
+              </a:rPr>
+              <a:t>Dangerous</a:t>
+            </a:r>
+          </a:p>
+          <a:p>
+            <a:pPr algn="r"/>
+            <a:r>
+              <a:rPr lang="en-US" altLang="ko-KR" sz="4000" dirty="0">
+                <a:latin typeface="경기천년바탕 Regular" panose="02020503020101020101" pitchFamily="18" charset="-127"/>
+                <a:ea typeface="경기천년바탕 Regular" panose="02020503020101020101" pitchFamily="18" charset="-127"/>
+              </a:rPr>
+              <a:t>Zone</a:t>
+            </a:r>
+            <a:endParaRPr lang="ko-KR" altLang="en-US" sz="4000" dirty="0">
+              <a:latin typeface="경기천년바탕 Regular" panose="02020503020101020101" pitchFamily="18" charset="-127"/>
+              <a:ea typeface="경기천년바탕 Regular" panose="02020503020101020101" pitchFamily="18" charset="-127"/>
+            </a:endParaRPr>
+          </a:p>
+        </p:txBody>
+      </p:sp>
+      <p:sp>
+        <p:nvSpPr>
+          <p:cNvPr id="20" name="TextBox 19">
+            <a:extLst>
+              <a:ext uri="{FF2B5EF4-FFF2-40B4-BE49-F238E27FC236}">
+                <a16:creationId xmlns:a16="http://schemas.microsoft.com/office/drawing/2014/main" id="{A5294EBA-1FCE-41B1-BCE9-C6110CDD1AD5}"/>
+              </a:ext>
+            </a:extLst>
+          </p:cNvPr>
+          <p:cNvSpPr txBox="1"/>
+          <p:nvPr/>
+        </p:nvSpPr>
+        <p:spPr>
+          <a:xfrm>
+            <a:off x="5980691" y="3617562"/>
+            <a:ext cx="1172116" cy="954107"/>
+          </a:xfrm>
+          <a:prstGeom prst="rect">
+            <a:avLst/>
+          </a:prstGeom>
+          <a:noFill/>
+        </p:spPr>
+        <p:txBody>
+          <a:bodyPr wrap="none" rtlCol="0">
+            <a:spAutoFit/>
+          </a:bodyPr>
+          <a:lstStyle/>
+          <a:p>
+            <a:pPr algn="ctr"/>
+            <a:r>
+              <a:rPr lang="en-US" altLang="ko-KR" sz="2800" dirty="0">
+                <a:solidFill>
+                  <a:schemeClr val="accent1">
+                    <a:lumMod val="50000"/>
+                  </a:schemeClr>
+                </a:solidFill>
+              </a:rPr>
+              <a:t>Safety</a:t>
+            </a:r>
+          </a:p>
+          <a:p>
+            <a:pPr algn="ctr"/>
+            <a:r>
+              <a:rPr lang="en-US" altLang="ko-KR" sz="2800" dirty="0">
+                <a:solidFill>
+                  <a:schemeClr val="accent1">
+                    <a:lumMod val="50000"/>
+                  </a:schemeClr>
+                </a:solidFill>
+              </a:rPr>
+              <a:t>Zone</a:t>
+            </a:r>
+            <a:endParaRPr lang="ko-KR" altLang="en-US" sz="2800" dirty="0">
+              <a:solidFill>
+                <a:schemeClr val="accent1">
+                  <a:lumMod val="50000"/>
+                </a:schemeClr>
+              </a:solidFill>
+            </a:endParaRPr>
+          </a:p>
+        </p:txBody>
+      </p:sp>
+      <p:cxnSp>
+        <p:nvCxnSpPr>
+          <p:cNvPr id="22" name="직선 연결선 21">
+            <a:extLst>
+              <a:ext uri="{FF2B5EF4-FFF2-40B4-BE49-F238E27FC236}">
+                <a16:creationId xmlns:a16="http://schemas.microsoft.com/office/drawing/2014/main" id="{80EC22E9-480F-481E-AA01-6569411C6818}"/>
+              </a:ext>
+            </a:extLst>
+          </p:cNvPr>
+          <p:cNvCxnSpPr/>
+          <p:nvPr/>
+        </p:nvCxnSpPr>
+        <p:spPr>
+          <a:xfrm>
+            <a:off x="2935037" y="4055311"/>
+            <a:ext cx="2438400" cy="0"/>
+          </a:xfrm>
+          <a:prstGeom prst="line">
+            <a:avLst/>
+          </a:prstGeom>
+          <a:ln w="28575">
+            <a:solidFill>
+              <a:schemeClr val="bg1"/>
+            </a:solidFill>
+            <a:prstDash val="dash"/>
           </a:ln>
         </p:spPr>
         <p:style>
-          <a:lnRef idx="2">
-            <a:schemeClr val="accent1">
-              <a:shade val="50000"/>
-            </a:schemeClr>
+          <a:lnRef idx="1">
+            <a:schemeClr val="accent1"/>
           </a:lnRef>
-          <a:fillRef idx="1">
+          <a:fillRef idx="0">
             <a:schemeClr val="accent1"/>
           </a:fillRef>
           <a:effectRef idx="0">
             <a:schemeClr val="accent1"/>
           </a:effectRef>
           <a:fontRef idx="minor">
-            <a:schemeClr val="lt1"/>
+            <a:schemeClr val="tx1"/>
           </a:fontRef>
         </p:style>
-        <p:txBody>
-          <a:bodyPr rtlCol="0" anchor="ctr"/>
-          <a:lstStyle/>
-          <a:p>
-            <a:pPr algn="ctr"/>
-            <a:endParaRPr lang="ko-KR" altLang="en-US"/>
-          </a:p>
-        </p:txBody>
-      </p:sp>
-      <p:sp>
-        <p:nvSpPr>
-          <p:cNvPr id="3" name="TextBox 2">
-            <a:extLst>
-              <a:ext uri="{FF2B5EF4-FFF2-40B4-BE49-F238E27FC236}">
-                <a16:creationId xmlns:a16="http://schemas.microsoft.com/office/drawing/2014/main" id="{54864A9D-4DB4-48B5-8888-6B62293FB5B2}"/>
+      </p:cxnSp>
+      <p:sp>
+        <p:nvSpPr>
+          <p:cNvPr id="24" name="TextBox 23">
+            <a:extLst>
+              <a:ext uri="{FF2B5EF4-FFF2-40B4-BE49-F238E27FC236}">
+                <a16:creationId xmlns:a16="http://schemas.microsoft.com/office/drawing/2014/main" id="{39B7041C-EA14-4C2A-BBFE-C1336951AF0A}"/>
               </a:ext>
             </a:extLst>
           </p:cNvPr>
@@ -6836,8 +8503,8 @@
         </p:nvSpPr>
         <p:spPr>
           <a:xfrm>
-            <a:off x="9670266" y="409877"/>
-            <a:ext cx="1643399" cy="1015663"/>
+            <a:off x="543702" y="3617562"/>
+            <a:ext cx="2206053" cy="954107"/>
           </a:xfrm>
           <a:prstGeom prst="rect">
             <a:avLst/>
@@ -6850,307 +8517,31 @@
           </a:bodyPr>
           <a:lstStyle/>
           <a:p>
-            <a:pPr algn="r"/>
-            <a:r>
-              <a:rPr lang="en-US" altLang="ko-KR" sz="6000" dirty="0">
-                <a:solidFill>
-                  <a:schemeClr val="bg1"/>
-                </a:solidFill>
-                <a:latin typeface="경기천년바탕 Bold" panose="02020803020101020101" pitchFamily="18" charset="-127"/>
-                <a:ea typeface="경기천년바탕 Bold" panose="02020803020101020101" pitchFamily="18" charset="-127"/>
-              </a:rPr>
-              <a:t>Unit</a:t>
-            </a:r>
-            <a:endParaRPr lang="ko-KR" altLang="en-US" sz="6000" dirty="0">
-              <a:solidFill>
-                <a:schemeClr val="bg1"/>
-              </a:solidFill>
-              <a:latin typeface="경기천년바탕 Bold" panose="02020803020101020101" pitchFamily="18" charset="-127"/>
-              <a:ea typeface="경기천년바탕 Bold" panose="02020803020101020101" pitchFamily="18" charset="-127"/>
-            </a:endParaRPr>
-          </a:p>
-        </p:txBody>
-      </p:sp>
-      <p:sp>
-        <p:nvSpPr>
-          <p:cNvPr id="9" name="L 도형 8">
-            <a:extLst>
-              <a:ext uri="{FF2B5EF4-FFF2-40B4-BE49-F238E27FC236}">
-                <a16:creationId xmlns:a16="http://schemas.microsoft.com/office/drawing/2014/main" id="{84B1B958-581A-4B20-90C9-DF550356EE42}"/>
-              </a:ext>
-            </a:extLst>
-          </p:cNvPr>
-          <p:cNvSpPr/>
-          <p:nvPr/>
-        </p:nvSpPr>
-        <p:spPr>
-          <a:xfrm rot="10800000">
-            <a:off x="11145873" y="340996"/>
-            <a:ext cx="680318" cy="680318"/>
-          </a:xfrm>
-          <a:prstGeom prst="corner">
-            <a:avLst>
-              <a:gd name="adj1" fmla="val 10000"/>
-              <a:gd name="adj2" fmla="val 8667"/>
-            </a:avLst>
-          </a:prstGeom>
-          <a:solidFill>
-            <a:schemeClr val="accent4">
-              <a:lumMod val="20000"/>
-              <a:lumOff val="80000"/>
-            </a:schemeClr>
-          </a:solidFill>
-          <a:ln>
-            <a:noFill/>
-          </a:ln>
-        </p:spPr>
-        <p:style>
-          <a:lnRef idx="2">
-            <a:schemeClr val="accent1">
-              <a:shade val="50000"/>
-            </a:schemeClr>
-          </a:lnRef>
-          <a:fillRef idx="1">
-            <a:schemeClr val="accent1"/>
-          </a:fillRef>
-          <a:effectRef idx="0">
-            <a:schemeClr val="accent1"/>
-          </a:effectRef>
-          <a:fontRef idx="minor">
-            <a:schemeClr val="lt1"/>
-          </a:fontRef>
-        </p:style>
-        <p:txBody>
-          <a:bodyPr rtlCol="0" anchor="ctr"/>
-          <a:lstStyle/>
-          <a:p>
             <a:pPr algn="ctr"/>
-            <a:endParaRPr lang="ko-KR" altLang="en-US"/>
-          </a:p>
-        </p:txBody>
-      </p:sp>
-      <p:pic>
-        <p:nvPicPr>
-          <p:cNvPr id="7" name="그림 6" descr="그리기, 옅은이(가) 표시된 사진&#10;&#10;자동 생성된 설명">
-            <a:extLst>
-              <a:ext uri="{FF2B5EF4-FFF2-40B4-BE49-F238E27FC236}">
-                <a16:creationId xmlns:a16="http://schemas.microsoft.com/office/drawing/2014/main" id="{1054F2A4-7C39-40FE-95DB-1F82ECB8F24B}"/>
-              </a:ext>
-            </a:extLst>
-          </p:cNvPr>
-          <p:cNvPicPr>
-            <a:picLocks noChangeAspect="1"/>
-          </p:cNvPicPr>
-          <p:nvPr/>
-        </p:nvPicPr>
-        <p:blipFill>
-          <a:blip r:embed="rId2">
-            <a:extLst>
-              <a:ext uri="{28A0092B-C50C-407E-A947-70E740481C1C}">
-                <a14:useLocalDpi xmlns:a14="http://schemas.microsoft.com/office/drawing/2010/main" val="0"/>
-              </a:ext>
-            </a:extLst>
-          </a:blip>
-          <a:stretch>
-            <a:fillRect/>
-          </a:stretch>
-        </p:blipFill>
-        <p:spPr>
-          <a:xfrm>
-            <a:off x="1737725" y="2599890"/>
-            <a:ext cx="787302" cy="1371429"/>
-          </a:xfrm>
-          <a:prstGeom prst="rect">
-            <a:avLst/>
-          </a:prstGeom>
-        </p:spPr>
-      </p:pic>
-      <p:sp>
-        <p:nvSpPr>
-          <p:cNvPr id="15" name="TextBox 14">
-            <a:extLst>
-              <a:ext uri="{FF2B5EF4-FFF2-40B4-BE49-F238E27FC236}">
-                <a16:creationId xmlns:a16="http://schemas.microsoft.com/office/drawing/2014/main" id="{70716103-A98A-4B2B-A5DF-965F601D51AB}"/>
-              </a:ext>
-            </a:extLst>
-          </p:cNvPr>
-          <p:cNvSpPr txBox="1"/>
-          <p:nvPr/>
-        </p:nvSpPr>
-        <p:spPr>
-          <a:xfrm>
-            <a:off x="1547132" y="4342064"/>
-            <a:ext cx="2153470" cy="1569660"/>
-          </a:xfrm>
-          <a:prstGeom prst="rect">
-            <a:avLst/>
-          </a:prstGeom>
-          <a:noFill/>
-        </p:spPr>
-        <p:txBody>
-          <a:bodyPr wrap="square" rtlCol="0">
-            <a:spAutoFit/>
-          </a:bodyPr>
-          <a:lstStyle/>
-          <a:p>
-            <a:pPr algn="ctr"/>
-            <a:r>
-              <a:rPr lang="en-US" altLang="ko-KR" sz="3200" dirty="0">
-                <a:latin typeface="경기천년바탕 Bold" panose="02020803020101020101" pitchFamily="18" charset="-127"/>
-                <a:ea typeface="경기천년바탕 Bold" panose="02020803020101020101" pitchFamily="18" charset="-127"/>
-              </a:rPr>
-              <a:t>Blue </a:t>
-            </a:r>
-          </a:p>
-          <a:p>
-            <a:pPr algn="ctr"/>
-            <a:r>
-              <a:rPr lang="en-US" altLang="ko-KR" sz="3200" dirty="0">
-                <a:latin typeface="경기천년바탕 Bold" panose="02020803020101020101" pitchFamily="18" charset="-127"/>
-                <a:ea typeface="경기천년바탕 Bold" panose="02020803020101020101" pitchFamily="18" charset="-127"/>
-              </a:rPr>
-              <a:t>vs </a:t>
-            </a:r>
-          </a:p>
-          <a:p>
-            <a:pPr algn="ctr"/>
-            <a:r>
-              <a:rPr lang="en-US" altLang="ko-KR" sz="3200" dirty="0">
-                <a:latin typeface="경기천년바탕 Bold" panose="02020803020101020101" pitchFamily="18" charset="-127"/>
-                <a:ea typeface="경기천년바탕 Bold" panose="02020803020101020101" pitchFamily="18" charset="-127"/>
-              </a:rPr>
-              <a:t>Red</a:t>
-            </a:r>
-            <a:endParaRPr lang="ko-KR" altLang="en-US" sz="3200" dirty="0">
-              <a:latin typeface="경기천년바탕 Bold" panose="02020803020101020101" pitchFamily="18" charset="-127"/>
-              <a:ea typeface="경기천년바탕 Bold" panose="02020803020101020101" pitchFamily="18" charset="-127"/>
-            </a:endParaRPr>
-          </a:p>
-        </p:txBody>
-      </p:sp>
-      <p:sp>
-        <p:nvSpPr>
-          <p:cNvPr id="25" name="TextBox 24">
-            <a:extLst>
-              <a:ext uri="{FF2B5EF4-FFF2-40B4-BE49-F238E27FC236}">
-                <a16:creationId xmlns:a16="http://schemas.microsoft.com/office/drawing/2014/main" id="{D89795FE-DBCF-476D-9181-40AA68BE846F}"/>
-              </a:ext>
-            </a:extLst>
-          </p:cNvPr>
-          <p:cNvSpPr txBox="1"/>
-          <p:nvPr/>
-        </p:nvSpPr>
-        <p:spPr>
-          <a:xfrm>
-            <a:off x="5771256" y="2245947"/>
-            <a:ext cx="5958682" cy="707886"/>
-          </a:xfrm>
-          <a:prstGeom prst="rect">
-            <a:avLst/>
-          </a:prstGeom>
-          <a:noFill/>
-        </p:spPr>
-        <p:txBody>
-          <a:bodyPr wrap="none" rtlCol="0">
-            <a:spAutoFit/>
-          </a:bodyPr>
-          <a:lstStyle/>
-          <a:p>
-            <a:r>
-              <a:rPr lang="en-US" altLang="ko-KR" sz="4000" dirty="0">
+            <a:r>
+              <a:rPr lang="en-US" altLang="ko-KR" sz="2800" dirty="0">
                 <a:solidFill>
                   <a:schemeClr val="bg1"/>
                 </a:solidFill>
                 <a:latin typeface="경기천년바탕 Regular" panose="02020503020101020101" pitchFamily="18" charset="-127"/>
                 <a:ea typeface="경기천년바탕 Regular" panose="02020503020101020101" pitchFamily="18" charset="-127"/>
               </a:rPr>
-              <a:t>: </a:t>
-            </a:r>
-            <a:r>
-              <a:rPr lang="ko-KR" altLang="ko-KR" sz="2400" dirty="0">
+              <a:t>Shrinking</a:t>
+            </a:r>
+          </a:p>
+          <a:p>
+            <a:pPr algn="ctr"/>
+            <a:r>
+              <a:rPr lang="en-US" altLang="ko-KR" sz="2800" dirty="0">
                 <a:solidFill>
                   <a:schemeClr val="bg1"/>
                 </a:solidFill>
-                <a:effectLst/>
                 <a:latin typeface="경기천년바탕 Regular" panose="02020503020101020101" pitchFamily="18" charset="-127"/>
                 <a:ea typeface="경기천년바탕 Regular" panose="02020503020101020101" pitchFamily="18" charset="-127"/>
-                <a:cs typeface="Times New Roman" panose="02020603050405020304" pitchFamily="18" charset="0"/>
-              </a:rPr>
-              <a:t>안전지대 범위</a:t>
-            </a:r>
-            <a:r>
-              <a:rPr lang="en-GB" altLang="ko-KR" sz="2400" dirty="0">
-                <a:solidFill>
-                  <a:schemeClr val="bg1"/>
-                </a:solidFill>
-                <a:effectLst/>
-                <a:latin typeface="경기천년바탕 Regular" panose="02020503020101020101" pitchFamily="18" charset="-127"/>
-                <a:ea typeface="경기천년바탕 Regular" panose="02020503020101020101" pitchFamily="18" charset="-127"/>
-                <a:cs typeface="Times New Roman" panose="02020603050405020304" pitchFamily="18" charset="0"/>
-              </a:rPr>
-              <a:t>, </a:t>
-            </a:r>
-            <a:r>
-              <a:rPr lang="ko-KR" altLang="ko-KR" sz="2400" dirty="0">
-                <a:solidFill>
-                  <a:schemeClr val="bg1"/>
-                </a:solidFill>
-                <a:effectLst/>
-                <a:latin typeface="경기천년바탕 Regular" panose="02020503020101020101" pitchFamily="18" charset="-127"/>
-                <a:ea typeface="경기천년바탕 Regular" panose="02020503020101020101" pitchFamily="18" charset="-127"/>
-                <a:cs typeface="Times New Roman" panose="02020603050405020304" pitchFamily="18" charset="0"/>
-              </a:rPr>
-              <a:t>보이는 적</a:t>
-            </a:r>
-            <a:r>
-              <a:rPr lang="en-GB" altLang="ko-KR" sz="2400" dirty="0">
-                <a:solidFill>
-                  <a:schemeClr val="bg1"/>
-                </a:solidFill>
-                <a:effectLst/>
-                <a:latin typeface="경기천년바탕 Regular" panose="02020503020101020101" pitchFamily="18" charset="-127"/>
-                <a:ea typeface="경기천년바탕 Regular" panose="02020503020101020101" pitchFamily="18" charset="-127"/>
-                <a:cs typeface="Times New Roman" panose="02020603050405020304" pitchFamily="18" charset="0"/>
-              </a:rPr>
-              <a:t>, </a:t>
-            </a:r>
-            <a:r>
-              <a:rPr lang="ko-KR" altLang="ko-KR" sz="2400" dirty="0">
-                <a:solidFill>
-                  <a:schemeClr val="bg1"/>
-                </a:solidFill>
-                <a:effectLst/>
-                <a:latin typeface="경기천년바탕 Regular" panose="02020503020101020101" pitchFamily="18" charset="-127"/>
-                <a:ea typeface="경기천년바탕 Regular" panose="02020503020101020101" pitchFamily="18" charset="-127"/>
-                <a:cs typeface="Times New Roman" panose="02020603050405020304" pitchFamily="18" charset="0"/>
-              </a:rPr>
-              <a:t>전체 아군</a:t>
-            </a:r>
-            <a:r>
-              <a:rPr lang="en-GB" altLang="ko-KR" sz="2400" dirty="0">
-                <a:solidFill>
-                  <a:schemeClr val="bg1"/>
-                </a:solidFill>
-                <a:effectLst/>
-                <a:latin typeface="경기천년바탕 Regular" panose="02020503020101020101" pitchFamily="18" charset="-127"/>
-                <a:ea typeface="경기천년바탕 Regular" panose="02020503020101020101" pitchFamily="18" charset="-127"/>
-                <a:cs typeface="Times New Roman" panose="02020603050405020304" pitchFamily="18" charset="0"/>
-              </a:rPr>
-              <a:t>, </a:t>
-            </a:r>
-            <a:r>
-              <a:rPr lang="ko-KR" altLang="ko-KR" sz="2400" dirty="0">
-                <a:solidFill>
-                  <a:schemeClr val="bg1"/>
-                </a:solidFill>
-                <a:effectLst/>
-                <a:latin typeface="경기천년바탕 Regular" panose="02020503020101020101" pitchFamily="18" charset="-127"/>
-                <a:ea typeface="경기천년바탕 Regular" panose="02020503020101020101" pitchFamily="18" charset="-127"/>
-                <a:cs typeface="Times New Roman" panose="02020603050405020304" pitchFamily="18" charset="0"/>
-              </a:rPr>
-              <a:t>아이템</a:t>
-            </a:r>
-            <a:endParaRPr lang="ko-KR" altLang="en-US" sz="4000" dirty="0">
+              </a:rPr>
+              <a:t>Continuously</a:t>
+            </a:r>
+            <a:endParaRPr lang="ko-KR" altLang="en-US" sz="2800" dirty="0">
               <a:solidFill>
                 <a:schemeClr val="bg1"/>
               </a:solidFill>
@@ -7160,687 +8551,16 @@
           </a:p>
         </p:txBody>
       </p:sp>
-      <p:pic>
-        <p:nvPicPr>
-          <p:cNvPr id="27" name="그림 26">
-            <a:extLst>
-              <a:ext uri="{FF2B5EF4-FFF2-40B4-BE49-F238E27FC236}">
-                <a16:creationId xmlns:a16="http://schemas.microsoft.com/office/drawing/2014/main" id="{58B7C862-B621-4ACD-A02C-3707883190ED}"/>
-              </a:ext>
-            </a:extLst>
-          </p:cNvPr>
-          <p:cNvPicPr>
-            <a:picLocks noChangeAspect="1"/>
-          </p:cNvPicPr>
-          <p:nvPr/>
-        </p:nvPicPr>
-        <p:blipFill>
-          <a:blip r:embed="rId3">
-            <a:extLst>
-              <a:ext uri="{28A0092B-C50C-407E-A947-70E740481C1C}">
-                <a14:useLocalDpi xmlns:a14="http://schemas.microsoft.com/office/drawing/2010/main" val="0"/>
-              </a:ext>
-            </a:extLst>
-          </a:blip>
-          <a:stretch>
-            <a:fillRect/>
-          </a:stretch>
-        </p:blipFill>
-        <p:spPr>
-          <a:xfrm>
-            <a:off x="4506811" y="2336599"/>
-            <a:ext cx="1082204" cy="574283"/>
-          </a:xfrm>
-          <a:prstGeom prst="rect">
-            <a:avLst/>
-          </a:prstGeom>
-        </p:spPr>
-      </p:pic>
-      <p:pic>
-        <p:nvPicPr>
-          <p:cNvPr id="29" name="그림 28">
-            <a:extLst>
-              <a:ext uri="{FF2B5EF4-FFF2-40B4-BE49-F238E27FC236}">
-                <a16:creationId xmlns:a16="http://schemas.microsoft.com/office/drawing/2014/main" id="{1DDC151A-2A28-4C5A-9048-9E566EA1A209}"/>
-              </a:ext>
-            </a:extLst>
-          </p:cNvPr>
-          <p:cNvPicPr>
-            <a:picLocks noChangeAspect="1"/>
-          </p:cNvPicPr>
-          <p:nvPr/>
-        </p:nvPicPr>
-        <p:blipFill>
-          <a:blip r:embed="rId4">
-            <a:extLst>
-              <a:ext uri="{28A0092B-C50C-407E-A947-70E740481C1C}">
-                <a14:useLocalDpi xmlns:a14="http://schemas.microsoft.com/office/drawing/2010/main" val="0"/>
-              </a:ext>
-            </a:extLst>
-          </a:blip>
-          <a:stretch>
-            <a:fillRect/>
-          </a:stretch>
-        </p:blipFill>
-        <p:spPr>
-          <a:xfrm>
-            <a:off x="4615739" y="3477716"/>
-            <a:ext cx="864348" cy="864348"/>
-          </a:xfrm>
-          <a:prstGeom prst="rect">
-            <a:avLst/>
-          </a:prstGeom>
-        </p:spPr>
-      </p:pic>
-      <p:sp>
-        <p:nvSpPr>
-          <p:cNvPr id="31" name="TextBox 30">
-            <a:extLst>
-              <a:ext uri="{FF2B5EF4-FFF2-40B4-BE49-F238E27FC236}">
-                <a16:creationId xmlns:a16="http://schemas.microsoft.com/office/drawing/2014/main" id="{042A34AB-FD27-45F9-9DB0-88BC948AC8C1}"/>
-              </a:ext>
-            </a:extLst>
-          </p:cNvPr>
-          <p:cNvSpPr txBox="1"/>
-          <p:nvPr/>
-        </p:nvSpPr>
-        <p:spPr>
-          <a:xfrm>
-            <a:off x="5771256" y="3511404"/>
-            <a:ext cx="2488182" cy="707886"/>
-          </a:xfrm>
-          <a:prstGeom prst="rect">
-            <a:avLst/>
-          </a:prstGeom>
-          <a:noFill/>
-        </p:spPr>
-        <p:txBody>
-          <a:bodyPr wrap="none" rtlCol="0">
-            <a:spAutoFit/>
-          </a:bodyPr>
-          <a:lstStyle/>
-          <a:p>
-            <a:r>
-              <a:rPr lang="en-US" altLang="ko-KR" sz="4000" dirty="0">
-                <a:solidFill>
-                  <a:schemeClr val="bg1"/>
-                </a:solidFill>
-                <a:latin typeface="경기천년바탕 Regular" panose="02020503020101020101" pitchFamily="18" charset="-127"/>
-                <a:ea typeface="경기천년바탕 Regular" panose="02020503020101020101" pitchFamily="18" charset="-127"/>
-              </a:rPr>
-              <a:t>: </a:t>
-            </a:r>
-            <a:r>
-              <a:rPr lang="ko-KR" altLang="en-US" sz="2400" dirty="0">
-                <a:solidFill>
-                  <a:schemeClr val="bg1"/>
-                </a:solidFill>
-                <a:latin typeface="경기천년바탕 Regular" panose="02020503020101020101" pitchFamily="18" charset="-127"/>
-                <a:ea typeface="경기천년바탕 Regular" panose="02020503020101020101" pitchFamily="18" charset="-127"/>
-                <a:cs typeface="Times New Roman" panose="02020603050405020304" pitchFamily="18" charset="0"/>
-              </a:rPr>
-              <a:t>체력</a:t>
-            </a:r>
-            <a:r>
-              <a:rPr lang="en-US" altLang="ko-KR" sz="2400" dirty="0">
-                <a:solidFill>
-                  <a:schemeClr val="bg1"/>
-                </a:solidFill>
-                <a:latin typeface="경기천년바탕 Regular" panose="02020503020101020101" pitchFamily="18" charset="-127"/>
-                <a:ea typeface="경기천년바탕 Regular" panose="02020503020101020101" pitchFamily="18" charset="-127"/>
-                <a:cs typeface="Times New Roman" panose="02020603050405020304" pitchFamily="18" charset="0"/>
-              </a:rPr>
-              <a:t>, </a:t>
-            </a:r>
-            <a:r>
-              <a:rPr lang="ko-KR" altLang="en-US" sz="2400" dirty="0">
-                <a:solidFill>
-                  <a:schemeClr val="bg1"/>
-                </a:solidFill>
-                <a:latin typeface="경기천년바탕 Regular" panose="02020503020101020101" pitchFamily="18" charset="-127"/>
-                <a:ea typeface="경기천년바탕 Regular" panose="02020503020101020101" pitchFamily="18" charset="-127"/>
-                <a:cs typeface="Times New Roman" panose="02020603050405020304" pitchFamily="18" charset="0"/>
-              </a:rPr>
-              <a:t>위치</a:t>
-            </a:r>
-            <a:r>
-              <a:rPr lang="en-US" altLang="ko-KR" sz="2400" dirty="0">
-                <a:solidFill>
-                  <a:schemeClr val="bg1"/>
-                </a:solidFill>
-                <a:latin typeface="경기천년바탕 Regular" panose="02020503020101020101" pitchFamily="18" charset="-127"/>
-                <a:ea typeface="경기천년바탕 Regular" panose="02020503020101020101" pitchFamily="18" charset="-127"/>
-                <a:cs typeface="Times New Roman" panose="02020603050405020304" pitchFamily="18" charset="0"/>
-              </a:rPr>
-              <a:t>, </a:t>
-            </a:r>
-            <a:r>
-              <a:rPr lang="ko-KR" altLang="en-US" sz="2400" dirty="0">
-                <a:solidFill>
-                  <a:schemeClr val="bg1"/>
-                </a:solidFill>
-                <a:latin typeface="경기천년바탕 Regular" panose="02020503020101020101" pitchFamily="18" charset="-127"/>
-                <a:ea typeface="경기천년바탕 Regular" panose="02020503020101020101" pitchFamily="18" charset="-127"/>
-                <a:cs typeface="Times New Roman" panose="02020603050405020304" pitchFamily="18" charset="0"/>
-              </a:rPr>
-              <a:t>방향</a:t>
-            </a:r>
-            <a:endParaRPr lang="ko-KR" altLang="en-US" sz="4000" dirty="0">
-              <a:solidFill>
-                <a:schemeClr val="bg1"/>
-              </a:solidFill>
-              <a:latin typeface="경기천년바탕 Regular" panose="02020503020101020101" pitchFamily="18" charset="-127"/>
-              <a:ea typeface="경기천년바탕 Regular" panose="02020503020101020101" pitchFamily="18" charset="-127"/>
-            </a:endParaRPr>
-          </a:p>
-        </p:txBody>
-      </p:sp>
-      <p:pic>
-        <p:nvPicPr>
-          <p:cNvPr id="33" name="그림 32">
-            <a:extLst>
-              <a:ext uri="{FF2B5EF4-FFF2-40B4-BE49-F238E27FC236}">
-                <a16:creationId xmlns:a16="http://schemas.microsoft.com/office/drawing/2014/main" id="{1B667C1B-0604-4B34-8B86-BE352DA57FA3}"/>
-              </a:ext>
-            </a:extLst>
-          </p:cNvPr>
-          <p:cNvPicPr>
-            <a:picLocks noChangeAspect="1"/>
-          </p:cNvPicPr>
-          <p:nvPr/>
-        </p:nvPicPr>
-        <p:blipFill>
-          <a:blip r:embed="rId5">
-            <a:extLst>
-              <a:ext uri="{28A0092B-C50C-407E-A947-70E740481C1C}">
-                <a14:useLocalDpi xmlns:a14="http://schemas.microsoft.com/office/drawing/2010/main" val="0"/>
-              </a:ext>
-            </a:extLst>
-          </a:blip>
-          <a:stretch>
-            <a:fillRect/>
-          </a:stretch>
-        </p:blipFill>
-        <p:spPr>
-          <a:xfrm>
-            <a:off x="4602157" y="4627576"/>
-            <a:ext cx="986858" cy="998635"/>
-          </a:xfrm>
-          <a:prstGeom prst="rect">
-            <a:avLst/>
-          </a:prstGeom>
-        </p:spPr>
-      </p:pic>
-      <p:sp>
-        <p:nvSpPr>
-          <p:cNvPr id="35" name="TextBox 34">
-            <a:extLst>
-              <a:ext uri="{FF2B5EF4-FFF2-40B4-BE49-F238E27FC236}">
-                <a16:creationId xmlns:a16="http://schemas.microsoft.com/office/drawing/2014/main" id="{8300528D-C158-43F6-8466-A9367A287C9F}"/>
-              </a:ext>
-            </a:extLst>
-          </p:cNvPr>
-          <p:cNvSpPr txBox="1"/>
-          <p:nvPr/>
-        </p:nvSpPr>
-        <p:spPr>
-          <a:xfrm>
-            <a:off x="5771256" y="4913020"/>
-            <a:ext cx="3409908" cy="707886"/>
-          </a:xfrm>
-          <a:prstGeom prst="rect">
-            <a:avLst/>
-          </a:prstGeom>
-          <a:noFill/>
-        </p:spPr>
-        <p:txBody>
-          <a:bodyPr wrap="none" rtlCol="0">
-            <a:spAutoFit/>
-          </a:bodyPr>
-          <a:lstStyle/>
-          <a:p>
-            <a:r>
-              <a:rPr lang="en-US" altLang="ko-KR" sz="4000" dirty="0">
-                <a:solidFill>
-                  <a:schemeClr val="bg1"/>
-                </a:solidFill>
-                <a:latin typeface="경기천년바탕 Regular" panose="02020503020101020101" pitchFamily="18" charset="-127"/>
-                <a:ea typeface="경기천년바탕 Regular" panose="02020503020101020101" pitchFamily="18" charset="-127"/>
-              </a:rPr>
-              <a:t>: </a:t>
-            </a:r>
-            <a:r>
-              <a:rPr lang="ko-KR" altLang="en-US" sz="2400" dirty="0">
-                <a:solidFill>
-                  <a:schemeClr val="bg1"/>
-                </a:solidFill>
-                <a:latin typeface="경기천년바탕 Regular" panose="02020503020101020101" pitchFamily="18" charset="-127"/>
-                <a:ea typeface="경기천년바탕 Regular" panose="02020503020101020101" pitchFamily="18" charset="-127"/>
-                <a:cs typeface="Times New Roman" panose="02020603050405020304" pitchFamily="18" charset="0"/>
-              </a:rPr>
-              <a:t>이동</a:t>
-            </a:r>
-            <a:r>
-              <a:rPr lang="en-US" altLang="ko-KR" sz="2400" dirty="0">
-                <a:solidFill>
-                  <a:schemeClr val="bg1"/>
-                </a:solidFill>
-                <a:latin typeface="경기천년바탕 Regular" panose="02020503020101020101" pitchFamily="18" charset="-127"/>
-                <a:ea typeface="경기천년바탕 Regular" panose="02020503020101020101" pitchFamily="18" charset="-127"/>
-                <a:cs typeface="Times New Roman" panose="02020603050405020304" pitchFamily="18" charset="0"/>
-              </a:rPr>
-              <a:t>, </a:t>
-            </a:r>
-            <a:r>
-              <a:rPr lang="ko-KR" altLang="en-US" sz="2400" dirty="0">
-                <a:solidFill>
-                  <a:schemeClr val="bg1"/>
-                </a:solidFill>
-                <a:latin typeface="경기천년바탕 Regular" panose="02020503020101020101" pitchFamily="18" charset="-127"/>
-                <a:ea typeface="경기천년바탕 Regular" panose="02020503020101020101" pitchFamily="18" charset="-127"/>
-                <a:cs typeface="Times New Roman" panose="02020603050405020304" pitchFamily="18" charset="0"/>
-              </a:rPr>
-              <a:t>회전</a:t>
-            </a:r>
-            <a:r>
-              <a:rPr lang="en-US" altLang="ko-KR" sz="2400" dirty="0">
-                <a:solidFill>
-                  <a:schemeClr val="bg1"/>
-                </a:solidFill>
-                <a:latin typeface="경기천년바탕 Regular" panose="02020503020101020101" pitchFamily="18" charset="-127"/>
-                <a:ea typeface="경기천년바탕 Regular" panose="02020503020101020101" pitchFamily="18" charset="-127"/>
-                <a:cs typeface="Times New Roman" panose="02020603050405020304" pitchFamily="18" charset="0"/>
-              </a:rPr>
-              <a:t>, </a:t>
-            </a:r>
-            <a:r>
-              <a:rPr lang="ko-KR" altLang="en-US" sz="2400" dirty="0">
-                <a:solidFill>
-                  <a:schemeClr val="bg1"/>
-                </a:solidFill>
-                <a:latin typeface="경기천년바탕 Regular" panose="02020503020101020101" pitchFamily="18" charset="-127"/>
-                <a:ea typeface="경기천년바탕 Regular" panose="02020503020101020101" pitchFamily="18" charset="-127"/>
-                <a:cs typeface="Times New Roman" panose="02020603050405020304" pitchFamily="18" charset="0"/>
-              </a:rPr>
-              <a:t>아이템 사용</a:t>
-            </a:r>
-            <a:endParaRPr lang="ko-KR" altLang="en-US" sz="4000" dirty="0">
-              <a:solidFill>
-                <a:schemeClr val="bg1"/>
-              </a:solidFill>
-              <a:latin typeface="경기천년바탕 Regular" panose="02020503020101020101" pitchFamily="18" charset="-127"/>
-              <a:ea typeface="경기천년바탕 Regular" panose="02020503020101020101" pitchFamily="18" charset="-127"/>
-            </a:endParaRPr>
-          </a:p>
-        </p:txBody>
-      </p:sp>
-      <p:pic>
-        <p:nvPicPr>
-          <p:cNvPr id="41" name="그림 40">
-            <a:extLst>
-              <a:ext uri="{FF2B5EF4-FFF2-40B4-BE49-F238E27FC236}">
-                <a16:creationId xmlns:a16="http://schemas.microsoft.com/office/drawing/2014/main" id="{B9FA92A1-2362-4B64-8BDE-7D522BBC4E55}"/>
-              </a:ext>
-            </a:extLst>
-          </p:cNvPr>
-          <p:cNvPicPr>
-            <a:picLocks noChangeAspect="1"/>
-          </p:cNvPicPr>
-          <p:nvPr/>
-        </p:nvPicPr>
-        <p:blipFill>
-          <a:blip r:embed="rId6">
-            <a:extLst>
-              <a:ext uri="{28A0092B-C50C-407E-A947-70E740481C1C}">
-                <a14:useLocalDpi xmlns:a14="http://schemas.microsoft.com/office/drawing/2010/main" val="0"/>
-              </a:ext>
-            </a:extLst>
-          </a:blip>
-          <a:stretch>
-            <a:fillRect/>
-          </a:stretch>
-        </p:blipFill>
-        <p:spPr>
-          <a:xfrm rot="5400000">
-            <a:off x="2862589" y="3287785"/>
-            <a:ext cx="150167" cy="600666"/>
-          </a:xfrm>
-          <a:prstGeom prst="rect">
-            <a:avLst/>
-          </a:prstGeom>
-        </p:spPr>
-      </p:pic>
-      <p:pic>
-        <p:nvPicPr>
-          <p:cNvPr id="11" name="그림 10" descr="옅은, 그리기이(가) 표시된 사진&#10;&#10;자동 생성된 설명">
-            <a:extLst>
-              <a:ext uri="{FF2B5EF4-FFF2-40B4-BE49-F238E27FC236}">
-                <a16:creationId xmlns:a16="http://schemas.microsoft.com/office/drawing/2014/main" id="{7ADEA54B-5422-4AC7-A1B1-953CEB90BDC6}"/>
-              </a:ext>
-            </a:extLst>
-          </p:cNvPr>
-          <p:cNvPicPr>
-            <a:picLocks noChangeAspect="1"/>
-          </p:cNvPicPr>
-          <p:nvPr/>
-        </p:nvPicPr>
-        <p:blipFill>
-          <a:blip r:embed="rId7">
-            <a:extLst>
-              <a:ext uri="{28A0092B-C50C-407E-A947-70E740481C1C}">
-                <a14:useLocalDpi xmlns:a14="http://schemas.microsoft.com/office/drawing/2010/main" val="0"/>
-              </a:ext>
-            </a:extLst>
-          </a:blip>
-          <a:stretch>
-            <a:fillRect/>
-          </a:stretch>
-        </p:blipFill>
-        <p:spPr>
-          <a:xfrm rot="10800000">
-            <a:off x="2819582" y="2621986"/>
-            <a:ext cx="787302" cy="1371429"/>
-          </a:xfrm>
-          <a:prstGeom prst="rect">
-            <a:avLst/>
-          </a:prstGeom>
-        </p:spPr>
-      </p:pic>
-      <p:sp>
-        <p:nvSpPr>
-          <p:cNvPr id="43" name="TextBox 42">
-            <a:extLst>
-              <a:ext uri="{FF2B5EF4-FFF2-40B4-BE49-F238E27FC236}">
-                <a16:creationId xmlns:a16="http://schemas.microsoft.com/office/drawing/2014/main" id="{D88D76A6-E04F-49A3-B2E7-88CFA83712DE}"/>
-              </a:ext>
-            </a:extLst>
-          </p:cNvPr>
-          <p:cNvSpPr txBox="1"/>
-          <p:nvPr/>
-        </p:nvSpPr>
-        <p:spPr>
-          <a:xfrm>
-            <a:off x="1536214" y="4629156"/>
-            <a:ext cx="2153470" cy="1077218"/>
-          </a:xfrm>
-          <a:prstGeom prst="rect">
-            <a:avLst/>
-          </a:prstGeom>
-          <a:noFill/>
-        </p:spPr>
-        <p:txBody>
-          <a:bodyPr wrap="square" rtlCol="0">
-            <a:spAutoFit/>
-          </a:bodyPr>
-          <a:lstStyle/>
-          <a:p>
-            <a:pPr algn="ctr"/>
-            <a:r>
-              <a:rPr lang="en-US" altLang="ko-KR" sz="3200" dirty="0">
-                <a:latin typeface="경기천년바탕 Bold" panose="02020803020101020101" pitchFamily="18" charset="-127"/>
-                <a:ea typeface="경기천년바탕 Bold" panose="02020803020101020101" pitchFamily="18" charset="-127"/>
-              </a:rPr>
-              <a:t>Red with</a:t>
-            </a:r>
-          </a:p>
-          <a:p>
-            <a:pPr algn="ctr"/>
-            <a:r>
-              <a:rPr lang="en-US" altLang="ko-KR" sz="3200" dirty="0">
-                <a:latin typeface="경기천년바탕 Bold" panose="02020803020101020101" pitchFamily="18" charset="-127"/>
-                <a:ea typeface="경기천년바탕 Bold" panose="02020803020101020101" pitchFamily="18" charset="-127"/>
-              </a:rPr>
-              <a:t>Pistol</a:t>
-            </a:r>
-            <a:endParaRPr lang="ko-KR" altLang="en-US" sz="3200" dirty="0">
-              <a:latin typeface="경기천년바탕 Bold" panose="02020803020101020101" pitchFamily="18" charset="-127"/>
-              <a:ea typeface="경기천년바탕 Bold" panose="02020803020101020101" pitchFamily="18" charset="-127"/>
-            </a:endParaRPr>
-          </a:p>
-        </p:txBody>
-      </p:sp>
     </p:spTree>
     <p:extLst>
       <p:ext uri="{BB962C8B-B14F-4D97-AF65-F5344CB8AC3E}">
-        <p14:creationId xmlns:p14="http://schemas.microsoft.com/office/powerpoint/2010/main" val="3388670824"/>
+        <p14:creationId xmlns:p14="http://schemas.microsoft.com/office/powerpoint/2010/main" val="3924349251"/>
       </p:ext>
     </p:extLst>
   </p:cSld>
   <p:clrMapOvr>
     <a:masterClrMapping/>
   </p:clrMapOvr>
-  <p:timing>
-    <p:tnLst>
-      <p:par>
-        <p:cTn id="1" dur="indefinite" restart="never" nodeType="tmRoot">
-          <p:childTnLst>
-            <p:seq concurrent="1" nextAc="seek">
-              <p:cTn id="2" dur="indefinite" nodeType="mainSeq">
-                <p:childTnLst>
-                  <p:par>
-                    <p:cTn id="3" fill="hold">
-                      <p:stCondLst>
-                        <p:cond delay="indefinite"/>
-                      </p:stCondLst>
-                      <p:childTnLst>
-                        <p:par>
-                          <p:cTn id="4" fill="hold">
-                            <p:stCondLst>
-                              <p:cond delay="0"/>
-                            </p:stCondLst>
-                            <p:childTnLst>
-                              <p:par>
-                                <p:cTn id="5" presetID="10" presetClass="exit" presetSubtype="0" fill="hold" nodeType="clickEffect">
-                                  <p:stCondLst>
-                                    <p:cond delay="0"/>
-                                  </p:stCondLst>
-                                  <p:childTnLst>
-                                    <p:animEffect transition="out" filter="fade">
-                                      <p:cBhvr>
-                                        <p:cTn id="6" dur="500"/>
-                                        <p:tgtEl>
-                                          <p:spTgt spid="7"/>
-                                        </p:tgtEl>
-                                      </p:cBhvr>
-                                    </p:animEffect>
-                                    <p:set>
-                                      <p:cBhvr>
-                                        <p:cTn id="7" dur="1" fill="hold">
-                                          <p:stCondLst>
-                                            <p:cond delay="499"/>
-                                          </p:stCondLst>
-                                        </p:cTn>
-                                        <p:tgtEl>
-                                          <p:spTgt spid="7"/>
-                                        </p:tgtEl>
-                                        <p:attrNameLst>
-                                          <p:attrName>style.visibility</p:attrName>
-                                        </p:attrNameLst>
-                                      </p:cBhvr>
-                                      <p:to>
-                                        <p:strVal val="hidden"/>
-                                      </p:to>
-                                    </p:set>
-                                  </p:childTnLst>
-                                </p:cTn>
-                              </p:par>
-                            </p:childTnLst>
-                          </p:cTn>
-                        </p:par>
-                        <p:par>
-                          <p:cTn id="8" fill="hold">
-                            <p:stCondLst>
-                              <p:cond delay="500"/>
-                            </p:stCondLst>
-                            <p:childTnLst>
-                              <p:par>
-                                <p:cTn id="9" presetID="42" presetClass="path" presetSubtype="0" accel="50000" decel="50000" fill="hold" nodeType="afterEffect">
-                                  <p:stCondLst>
-                                    <p:cond delay="0"/>
-                                  </p:stCondLst>
-                                  <p:childTnLst>
-                                    <p:animMotion origin="layout" path="M -1.66667E-6 2.59259E-6 L -0.06015 -0.00093 " pathEditMode="relative" rAng="0" ptsTypes="AA">
-                                      <p:cBhvr>
-                                        <p:cTn id="10" dur="2000" fill="hold"/>
-                                        <p:tgtEl>
-                                          <p:spTgt spid="11"/>
-                                        </p:tgtEl>
-                                        <p:attrNameLst>
-                                          <p:attrName>ppt_x</p:attrName>
-                                          <p:attrName>ppt_y</p:attrName>
-                                        </p:attrNameLst>
-                                      </p:cBhvr>
-                                      <p:rCtr x="-3008" y="-46"/>
-                                    </p:animMotion>
-                                  </p:childTnLst>
-                                </p:cTn>
-                              </p:par>
-                            </p:childTnLst>
-                          </p:cTn>
-                        </p:par>
-                        <p:par>
-                          <p:cTn id="11" fill="hold">
-                            <p:stCondLst>
-                              <p:cond delay="2500"/>
-                            </p:stCondLst>
-                            <p:childTnLst>
-                              <p:par>
-                                <p:cTn id="12" presetID="10" presetClass="entr" presetSubtype="0" fill="hold" nodeType="afterEffect">
-                                  <p:stCondLst>
-                                    <p:cond delay="0"/>
-                                  </p:stCondLst>
-                                  <p:childTnLst>
-                                    <p:set>
-                                      <p:cBhvr>
-                                        <p:cTn id="13" dur="1" fill="hold">
-                                          <p:stCondLst>
-                                            <p:cond delay="0"/>
-                                          </p:stCondLst>
-                                        </p:cTn>
-                                        <p:tgtEl>
-                                          <p:spTgt spid="41"/>
-                                        </p:tgtEl>
-                                        <p:attrNameLst>
-                                          <p:attrName>style.visibility</p:attrName>
-                                        </p:attrNameLst>
-                                      </p:cBhvr>
-                                      <p:to>
-                                        <p:strVal val="visible"/>
-                                      </p:to>
-                                    </p:set>
-                                    <p:animEffect transition="in" filter="fade">
-                                      <p:cBhvr>
-                                        <p:cTn id="14" dur="500"/>
-                                        <p:tgtEl>
-                                          <p:spTgt spid="41"/>
-                                        </p:tgtEl>
-                                      </p:cBhvr>
-                                    </p:animEffect>
-                                  </p:childTnLst>
-                                </p:cTn>
-                              </p:par>
-                              <p:par>
-                                <p:cTn id="15" presetID="10" presetClass="exit" presetSubtype="0" fill="hold" grpId="0" nodeType="withEffect">
-                                  <p:stCondLst>
-                                    <p:cond delay="0"/>
-                                  </p:stCondLst>
-                                  <p:childTnLst>
-                                    <p:animEffect transition="out" filter="fade">
-                                      <p:cBhvr>
-                                        <p:cTn id="16" dur="500"/>
-                                        <p:tgtEl>
-                                          <p:spTgt spid="15"/>
-                                        </p:tgtEl>
-                                      </p:cBhvr>
-                                    </p:animEffect>
-                                    <p:set>
-                                      <p:cBhvr>
-                                        <p:cTn id="17" dur="1" fill="hold">
-                                          <p:stCondLst>
-                                            <p:cond delay="499"/>
-                                          </p:stCondLst>
-                                        </p:cTn>
-                                        <p:tgtEl>
-                                          <p:spTgt spid="15"/>
-                                        </p:tgtEl>
-                                        <p:attrNameLst>
-                                          <p:attrName>style.visibility</p:attrName>
-                                        </p:attrNameLst>
-                                      </p:cBhvr>
-                                      <p:to>
-                                        <p:strVal val="hidden"/>
-                                      </p:to>
-                                    </p:set>
-                                  </p:childTnLst>
-                                </p:cTn>
-                              </p:par>
-                              <p:par>
-                                <p:cTn id="18" presetID="10" presetClass="entr" presetSubtype="0" fill="hold" grpId="0" nodeType="withEffect">
-                                  <p:stCondLst>
-                                    <p:cond delay="0"/>
-                                  </p:stCondLst>
-                                  <p:childTnLst>
-                                    <p:set>
-                                      <p:cBhvr>
-                                        <p:cTn id="19" dur="1" fill="hold">
-                                          <p:stCondLst>
-                                            <p:cond delay="0"/>
-                                          </p:stCondLst>
-                                        </p:cTn>
-                                        <p:tgtEl>
-                                          <p:spTgt spid="43"/>
-                                        </p:tgtEl>
-                                        <p:attrNameLst>
-                                          <p:attrName>style.visibility</p:attrName>
-                                        </p:attrNameLst>
-                                      </p:cBhvr>
-                                      <p:to>
-                                        <p:strVal val="visible"/>
-                                      </p:to>
-                                    </p:set>
-                                    <p:animEffect transition="in" filter="fade">
-                                      <p:cBhvr>
-                                        <p:cTn id="20" dur="500"/>
-                                        <p:tgtEl>
-                                          <p:spTgt spid="43"/>
-                                        </p:tgtEl>
-                                      </p:cBhvr>
-                                    </p:animEffect>
-                                  </p:childTnLst>
-                                </p:cTn>
-                              </p:par>
-                            </p:childTnLst>
-                          </p:cTn>
-                        </p:par>
-                      </p:childTnLst>
-                    </p:cTn>
-                  </p:par>
-                </p:childTnLst>
-              </p:cTn>
-              <p:prevCondLst>
-                <p:cond evt="onPrev" delay="0">
-                  <p:tgtEl>
-                    <p:sldTgt/>
-                  </p:tgtEl>
-                </p:cond>
-              </p:prevCondLst>
-              <p:nextCondLst>
-                <p:cond evt="onNext" delay="0">
-                  <p:tgtEl>
-                    <p:sldTgt/>
-                  </p:tgtEl>
-                </p:cond>
-              </p:nextCondLst>
-            </p:seq>
-          </p:childTnLst>
-        </p:cTn>
-      </p:par>
-    </p:tnLst>
-    <p:bldLst>
-      <p:bldP spid="15" grpId="0"/>
-      <p:bldP spid="43" grpId="0"/>
-    </p:bldLst>
-  </p:timing>
 </p:sld>
 </file>
 

--- a/ABneBA_Presentation.pptx
+++ b/ABneBA_Presentation.pptx
@@ -7,18 +7,15 @@
   <p:sldIdLst>
     <p:sldId id="256" r:id="rId2"/>
     <p:sldId id="257" r:id="rId3"/>
-    <p:sldId id="266" r:id="rId4"/>
-    <p:sldId id="258" r:id="rId5"/>
-    <p:sldId id="267" r:id="rId6"/>
-    <p:sldId id="261" r:id="rId7"/>
-    <p:sldId id="268" r:id="rId8"/>
-    <p:sldId id="259" r:id="rId9"/>
-    <p:sldId id="262" r:id="rId10"/>
-    <p:sldId id="263" r:id="rId11"/>
-    <p:sldId id="269" r:id="rId12"/>
-    <p:sldId id="264" r:id="rId13"/>
-    <p:sldId id="265" r:id="rId14"/>
-    <p:sldId id="260" r:id="rId15"/>
+    <p:sldId id="258" r:id="rId4"/>
+    <p:sldId id="261" r:id="rId5"/>
+    <p:sldId id="259" r:id="rId6"/>
+    <p:sldId id="262" r:id="rId7"/>
+    <p:sldId id="263" r:id="rId8"/>
+    <p:sldId id="269" r:id="rId9"/>
+    <p:sldId id="264" r:id="rId10"/>
+    <p:sldId id="265" r:id="rId11"/>
+    <p:sldId id="260" r:id="rId12"/>
   </p:sldIdLst>
   <p:sldSz cx="12192000" cy="6858000"/>
   <p:notesSz cx="6858000" cy="9144000"/>
@@ -3661,10 +3658,59 @@
       </p:grpSpPr>
       <p:sp>
         <p:nvSpPr>
-          <p:cNvPr id="39" name="직사각형 38">
-            <a:extLst>
-              <a:ext uri="{FF2B5EF4-FFF2-40B4-BE49-F238E27FC236}">
-                <a16:creationId xmlns:a16="http://schemas.microsoft.com/office/drawing/2014/main" id="{431B6FBD-CE86-40BA-83F9-8518690E9963}"/>
+          <p:cNvPr id="3" name="TextBox 2">
+            <a:extLst>
+              <a:ext uri="{FF2B5EF4-FFF2-40B4-BE49-F238E27FC236}">
+                <a16:creationId xmlns:a16="http://schemas.microsoft.com/office/drawing/2014/main" id="{54864A9D-4DB4-48B5-8888-6B62293FB5B2}"/>
+              </a:ext>
+            </a:extLst>
+          </p:cNvPr>
+          <p:cNvSpPr txBox="1"/>
+          <p:nvPr/>
+        </p:nvSpPr>
+        <p:spPr>
+          <a:xfrm>
+            <a:off x="9606146" y="409877"/>
+            <a:ext cx="1707519" cy="1015663"/>
+          </a:xfrm>
+          <a:prstGeom prst="rect">
+            <a:avLst/>
+          </a:prstGeom>
+          <a:noFill/>
+        </p:spPr>
+        <p:txBody>
+          <a:bodyPr wrap="none" rtlCol="0">
+            <a:spAutoFit/>
+          </a:bodyPr>
+          <a:lstStyle/>
+          <a:p>
+            <a:pPr algn="r"/>
+            <a:r>
+              <a:rPr lang="en-US" altLang="ko-KR" sz="6000" dirty="0">
+                <a:solidFill>
+                  <a:schemeClr val="bg1"/>
+                </a:solidFill>
+                <a:latin typeface="경기천년바탕 Bold" panose="02020803020101020101" pitchFamily="18" charset="-127"/>
+                <a:ea typeface="경기천년바탕 Bold" panose="02020803020101020101" pitchFamily="18" charset="-127"/>
+              </a:rPr>
+              <a:t>Item</a:t>
+            </a:r>
+            <a:endParaRPr lang="ko-KR" altLang="en-US" sz="6000" dirty="0">
+              <a:solidFill>
+                <a:schemeClr val="bg1"/>
+              </a:solidFill>
+              <a:latin typeface="경기천년바탕 Bold" panose="02020803020101020101" pitchFamily="18" charset="-127"/>
+              <a:ea typeface="경기천년바탕 Bold" panose="02020803020101020101" pitchFamily="18" charset="-127"/>
+            </a:endParaRPr>
+          </a:p>
+        </p:txBody>
+      </p:sp>
+      <p:sp>
+        <p:nvSpPr>
+          <p:cNvPr id="9" name="L 도형 8">
+            <a:extLst>
+              <a:ext uri="{FF2B5EF4-FFF2-40B4-BE49-F238E27FC236}">
+                <a16:creationId xmlns:a16="http://schemas.microsoft.com/office/drawing/2014/main" id="{84B1B958-581A-4B20-90C9-DF550356EE42}"/>
               </a:ext>
             </a:extLst>
           </p:cNvPr>
@@ -3672,16 +3718,20 @@
           <p:nvPr/>
         </p:nvSpPr>
         <p:spPr>
-          <a:xfrm>
-            <a:off x="851806" y="1196690"/>
-            <a:ext cx="3177535" cy="5182845"/>
-          </a:xfrm>
-          <a:prstGeom prst="rect">
-            <a:avLst/>
+          <a:xfrm rot="10800000">
+            <a:off x="11145873" y="340996"/>
+            <a:ext cx="680318" cy="680318"/>
+          </a:xfrm>
+          <a:prstGeom prst="corner">
+            <a:avLst>
+              <a:gd name="adj1" fmla="val 10000"/>
+              <a:gd name="adj2" fmla="val 8667"/>
+            </a:avLst>
           </a:prstGeom>
           <a:solidFill>
-            <a:schemeClr val="tx1">
-              <a:alpha val="44000"/>
+            <a:schemeClr val="accent4">
+              <a:lumMod val="20000"/>
+              <a:lumOff val="80000"/>
             </a:schemeClr>
           </a:solidFill>
           <a:ln>
@@ -3709,281 +3759,16 @@
           <a:lstStyle/>
           <a:p>
             <a:pPr algn="ctr"/>
-            <a:endParaRPr lang="ko-KR" altLang="en-US" dirty="0"/>
-          </a:p>
-        </p:txBody>
-      </p:sp>
-      <p:sp>
-        <p:nvSpPr>
-          <p:cNvPr id="16" name="직사각형 15">
-            <a:extLst>
-              <a:ext uri="{FF2B5EF4-FFF2-40B4-BE49-F238E27FC236}">
-                <a16:creationId xmlns:a16="http://schemas.microsoft.com/office/drawing/2014/main" id="{EE139C5A-0E66-45D6-BE19-DF9714CAAFBF}"/>
-              </a:ext>
-            </a:extLst>
-          </p:cNvPr>
-          <p:cNvSpPr/>
-          <p:nvPr/>
-        </p:nvSpPr>
-        <p:spPr>
-          <a:xfrm>
-            <a:off x="1034047" y="1425540"/>
-            <a:ext cx="3177535" cy="5042637"/>
-          </a:xfrm>
-          <a:prstGeom prst="rect">
-            <a:avLst/>
-          </a:prstGeom>
-          <a:solidFill>
-            <a:schemeClr val="bg1"/>
-          </a:solidFill>
-          <a:ln>
-            <a:solidFill>
-              <a:schemeClr val="tx1"/>
-            </a:solidFill>
-          </a:ln>
-        </p:spPr>
-        <p:style>
-          <a:lnRef idx="2">
-            <a:schemeClr val="accent1">
-              <a:shade val="50000"/>
-            </a:schemeClr>
-          </a:lnRef>
-          <a:fillRef idx="1">
-            <a:schemeClr val="accent1"/>
-          </a:fillRef>
-          <a:effectRef idx="0">
-            <a:schemeClr val="accent1"/>
-          </a:effectRef>
-          <a:fontRef idx="minor">
-            <a:schemeClr val="lt1"/>
-          </a:fontRef>
-        </p:style>
-        <p:txBody>
-          <a:bodyPr rtlCol="0" anchor="ctr"/>
-          <a:lstStyle/>
-          <a:p>
-            <a:pPr algn="ctr"/>
-            <a:endParaRPr lang="ko-KR" altLang="en-US" dirty="0"/>
-          </a:p>
-        </p:txBody>
-      </p:sp>
-      <p:sp>
-        <p:nvSpPr>
-          <p:cNvPr id="14" name="직사각형 13">
-            <a:extLst>
-              <a:ext uri="{FF2B5EF4-FFF2-40B4-BE49-F238E27FC236}">
-                <a16:creationId xmlns:a16="http://schemas.microsoft.com/office/drawing/2014/main" id="{A7184F2A-D2D1-42C1-BDD5-57500BC97FB7}"/>
-              </a:ext>
-            </a:extLst>
-          </p:cNvPr>
-          <p:cNvSpPr/>
-          <p:nvPr/>
-        </p:nvSpPr>
-        <p:spPr>
-          <a:xfrm rot="16200000">
-            <a:off x="2366210" y="2820202"/>
-            <a:ext cx="1694046" cy="952901"/>
-          </a:xfrm>
-          <a:prstGeom prst="rect">
-            <a:avLst/>
-          </a:prstGeom>
-          <a:solidFill>
-            <a:schemeClr val="bg1"/>
-          </a:solidFill>
-          <a:ln>
-            <a:noFill/>
-          </a:ln>
-        </p:spPr>
-        <p:style>
-          <a:lnRef idx="2">
-            <a:schemeClr val="accent1">
-              <a:shade val="50000"/>
-            </a:schemeClr>
-          </a:lnRef>
-          <a:fillRef idx="1">
-            <a:schemeClr val="accent1"/>
-          </a:fillRef>
-          <a:effectRef idx="0">
-            <a:schemeClr val="accent1"/>
-          </a:effectRef>
-          <a:fontRef idx="minor">
-            <a:schemeClr val="lt1"/>
-          </a:fontRef>
-        </p:style>
-        <p:txBody>
-          <a:bodyPr rtlCol="0" anchor="ctr"/>
-          <a:lstStyle/>
-          <a:p>
-            <a:pPr algn="ctr"/>
-            <a:endParaRPr lang="ko-KR" altLang="en-US"/>
-          </a:p>
-        </p:txBody>
-      </p:sp>
-      <p:sp>
-        <p:nvSpPr>
-          <p:cNvPr id="13" name="직사각형 12">
-            <a:extLst>
-              <a:ext uri="{FF2B5EF4-FFF2-40B4-BE49-F238E27FC236}">
-                <a16:creationId xmlns:a16="http://schemas.microsoft.com/office/drawing/2014/main" id="{5CAFCFA8-2806-40F5-8164-9496CC6B7B64}"/>
-              </a:ext>
-            </a:extLst>
-          </p:cNvPr>
-          <p:cNvSpPr/>
-          <p:nvPr/>
-        </p:nvSpPr>
-        <p:spPr>
-          <a:xfrm rot="5400000">
-            <a:off x="1300393" y="2820202"/>
-            <a:ext cx="1694046" cy="952901"/>
-          </a:xfrm>
-          <a:prstGeom prst="rect">
-            <a:avLst/>
-          </a:prstGeom>
-          <a:solidFill>
-            <a:schemeClr val="bg1"/>
-          </a:solidFill>
-          <a:ln>
-            <a:noFill/>
-          </a:ln>
-        </p:spPr>
-        <p:style>
-          <a:lnRef idx="2">
-            <a:schemeClr val="accent1">
-              <a:shade val="50000"/>
-            </a:schemeClr>
-          </a:lnRef>
-          <a:fillRef idx="1">
-            <a:schemeClr val="accent1"/>
-          </a:fillRef>
-          <a:effectRef idx="0">
-            <a:schemeClr val="accent1"/>
-          </a:effectRef>
-          <a:fontRef idx="minor">
-            <a:schemeClr val="lt1"/>
-          </a:fontRef>
-        </p:style>
-        <p:txBody>
-          <a:bodyPr rtlCol="0" anchor="ctr"/>
-          <a:lstStyle/>
-          <a:p>
-            <a:pPr algn="ctr"/>
-            <a:endParaRPr lang="ko-KR" altLang="en-US"/>
-          </a:p>
-        </p:txBody>
-      </p:sp>
-      <p:sp>
-        <p:nvSpPr>
-          <p:cNvPr id="3" name="TextBox 2">
-            <a:extLst>
-              <a:ext uri="{FF2B5EF4-FFF2-40B4-BE49-F238E27FC236}">
-                <a16:creationId xmlns:a16="http://schemas.microsoft.com/office/drawing/2014/main" id="{54864A9D-4DB4-48B5-8888-6B62293FB5B2}"/>
-              </a:ext>
-            </a:extLst>
-          </p:cNvPr>
-          <p:cNvSpPr txBox="1"/>
-          <p:nvPr/>
-        </p:nvSpPr>
-        <p:spPr>
-          <a:xfrm>
-            <a:off x="9670266" y="409877"/>
-            <a:ext cx="1643399" cy="1015663"/>
-          </a:xfrm>
-          <a:prstGeom prst="rect">
-            <a:avLst/>
-          </a:prstGeom>
-          <a:noFill/>
-        </p:spPr>
-        <p:txBody>
-          <a:bodyPr wrap="none" rtlCol="0">
-            <a:spAutoFit/>
-          </a:bodyPr>
-          <a:lstStyle/>
-          <a:p>
-            <a:pPr algn="r"/>
-            <a:r>
-              <a:rPr lang="en-US" altLang="ko-KR" sz="6000" dirty="0">
-                <a:solidFill>
-                  <a:schemeClr val="bg1"/>
-                </a:solidFill>
-                <a:latin typeface="경기천년바탕 Bold" panose="02020803020101020101" pitchFamily="18" charset="-127"/>
-                <a:ea typeface="경기천년바탕 Bold" panose="02020803020101020101" pitchFamily="18" charset="-127"/>
-              </a:rPr>
-              <a:t>Unit</a:t>
-            </a:r>
-            <a:endParaRPr lang="ko-KR" altLang="en-US" sz="6000" dirty="0">
-              <a:solidFill>
-                <a:schemeClr val="bg1"/>
-              </a:solidFill>
-              <a:latin typeface="경기천년바탕 Bold" panose="02020803020101020101" pitchFamily="18" charset="-127"/>
-              <a:ea typeface="경기천년바탕 Bold" panose="02020803020101020101" pitchFamily="18" charset="-127"/>
-            </a:endParaRPr>
-          </a:p>
-        </p:txBody>
-      </p:sp>
-      <p:sp>
-        <p:nvSpPr>
-          <p:cNvPr id="9" name="L 도형 8">
-            <a:extLst>
-              <a:ext uri="{FF2B5EF4-FFF2-40B4-BE49-F238E27FC236}">
-                <a16:creationId xmlns:a16="http://schemas.microsoft.com/office/drawing/2014/main" id="{84B1B958-581A-4B20-90C9-DF550356EE42}"/>
-              </a:ext>
-            </a:extLst>
-          </p:cNvPr>
-          <p:cNvSpPr/>
-          <p:nvPr/>
-        </p:nvSpPr>
-        <p:spPr>
-          <a:xfrm rot="10800000">
-            <a:off x="11145873" y="340996"/>
-            <a:ext cx="680318" cy="680318"/>
-          </a:xfrm>
-          <a:prstGeom prst="corner">
-            <a:avLst>
-              <a:gd name="adj1" fmla="val 10000"/>
-              <a:gd name="adj2" fmla="val 8667"/>
-            </a:avLst>
-          </a:prstGeom>
-          <a:solidFill>
-            <a:schemeClr val="accent4">
-              <a:lumMod val="20000"/>
-              <a:lumOff val="80000"/>
-            </a:schemeClr>
-          </a:solidFill>
-          <a:ln>
-            <a:noFill/>
-          </a:ln>
-        </p:spPr>
-        <p:style>
-          <a:lnRef idx="2">
-            <a:schemeClr val="accent1">
-              <a:shade val="50000"/>
-            </a:schemeClr>
-          </a:lnRef>
-          <a:fillRef idx="1">
-            <a:schemeClr val="accent1"/>
-          </a:fillRef>
-          <a:effectRef idx="0">
-            <a:schemeClr val="accent1"/>
-          </a:effectRef>
-          <a:fontRef idx="minor">
-            <a:schemeClr val="lt1"/>
-          </a:fontRef>
-        </p:style>
-        <p:txBody>
-          <a:bodyPr rtlCol="0" anchor="ctr"/>
-          <a:lstStyle/>
-          <a:p>
-            <a:pPr algn="ctr"/>
             <a:endParaRPr lang="ko-KR" altLang="en-US"/>
           </a:p>
         </p:txBody>
       </p:sp>
       <p:pic>
         <p:nvPicPr>
-          <p:cNvPr id="7" name="그림 6" descr="그리기, 옅은이(가) 표시된 사진&#10;&#10;자동 생성된 설명">
-            <a:extLst>
-              <a:ext uri="{FF2B5EF4-FFF2-40B4-BE49-F238E27FC236}">
-                <a16:creationId xmlns:a16="http://schemas.microsoft.com/office/drawing/2014/main" id="{1054F2A4-7C39-40FE-95DB-1F82ECB8F24B}"/>
+          <p:cNvPr id="10" name="그림 9">
+            <a:extLst>
+              <a:ext uri="{FF2B5EF4-FFF2-40B4-BE49-F238E27FC236}">
+                <a16:creationId xmlns:a16="http://schemas.microsoft.com/office/drawing/2014/main" id="{B7B00ED8-8226-477E-9209-AE49381139BA}"/>
               </a:ext>
             </a:extLst>
           </p:cNvPr>
@@ -4006,20 +3791,27 @@
         </p:blipFill>
         <p:spPr>
           <a:xfrm>
-            <a:off x="1737725" y="2599890"/>
-            <a:ext cx="787302" cy="1371429"/>
+            <a:off x="3352792" y="2274975"/>
+            <a:ext cx="1307936" cy="888889"/>
           </a:xfrm>
           <a:prstGeom prst="rect">
             <a:avLst/>
           </a:prstGeom>
+          <a:effectLst>
+            <a:outerShdw blurRad="50800" dist="38100" algn="l" rotWithShape="0">
+              <a:prstClr val="black">
+                <a:alpha val="40000"/>
+              </a:prstClr>
+            </a:outerShdw>
+          </a:effectLst>
         </p:spPr>
       </p:pic>
       <p:sp>
         <p:nvSpPr>
-          <p:cNvPr id="15" name="TextBox 14">
-            <a:extLst>
-              <a:ext uri="{FF2B5EF4-FFF2-40B4-BE49-F238E27FC236}">
-                <a16:creationId xmlns:a16="http://schemas.microsoft.com/office/drawing/2014/main" id="{70716103-A98A-4B2B-A5DF-965F601D51AB}"/>
+          <p:cNvPr id="18" name="TextBox 17">
+            <a:extLst>
+              <a:ext uri="{FF2B5EF4-FFF2-40B4-BE49-F238E27FC236}">
+                <a16:creationId xmlns:a16="http://schemas.microsoft.com/office/drawing/2014/main" id="{A3F3BD14-B60A-45F1-8692-9F43A08D304C}"/>
               </a:ext>
             </a:extLst>
           </p:cNvPr>
@@ -4028,8 +3820,8 @@
         </p:nvSpPr>
         <p:spPr>
           <a:xfrm>
-            <a:off x="1547132" y="4342064"/>
-            <a:ext cx="2153470" cy="1569660"/>
+            <a:off x="4769668" y="2210975"/>
+            <a:ext cx="5451802" cy="707886"/>
           </a:xfrm>
           <a:prstGeom prst="rect">
             <a:avLst/>
@@ -4042,69 +3834,6 @@
           </a:bodyPr>
           <a:lstStyle/>
           <a:p>
-            <a:pPr algn="ctr"/>
-            <a:r>
-              <a:rPr lang="en-US" altLang="ko-KR" sz="3200" dirty="0">
-                <a:latin typeface="경기천년바탕 Bold" panose="02020803020101020101" pitchFamily="18" charset="-127"/>
-                <a:ea typeface="경기천년바탕 Bold" panose="02020803020101020101" pitchFamily="18" charset="-127"/>
-              </a:rPr>
-              <a:t>Blue </a:t>
-            </a:r>
-          </a:p>
-          <a:p>
-            <a:pPr algn="ctr"/>
-            <a:r>
-              <a:rPr lang="en-US" altLang="ko-KR" sz="3200" dirty="0">
-                <a:latin typeface="경기천년바탕 Bold" panose="02020803020101020101" pitchFamily="18" charset="-127"/>
-                <a:ea typeface="경기천년바탕 Bold" panose="02020803020101020101" pitchFamily="18" charset="-127"/>
-              </a:rPr>
-              <a:t>vs </a:t>
-            </a:r>
-          </a:p>
-          <a:p>
-            <a:pPr algn="ctr"/>
-            <a:r>
-              <a:rPr lang="en-US" altLang="ko-KR" sz="3200" dirty="0">
-                <a:latin typeface="경기천년바탕 Bold" panose="02020803020101020101" pitchFamily="18" charset="-127"/>
-                <a:ea typeface="경기천년바탕 Bold" panose="02020803020101020101" pitchFamily="18" charset="-127"/>
-              </a:rPr>
-              <a:t>Red</a:t>
-            </a:r>
-            <a:endParaRPr lang="ko-KR" altLang="en-US" sz="3200" dirty="0">
-              <a:latin typeface="경기천년바탕 Bold" panose="02020803020101020101" pitchFamily="18" charset="-127"/>
-              <a:ea typeface="경기천년바탕 Bold" panose="02020803020101020101" pitchFamily="18" charset="-127"/>
-            </a:endParaRPr>
-          </a:p>
-        </p:txBody>
-      </p:sp>
-      <p:sp>
-        <p:nvSpPr>
-          <p:cNvPr id="25" name="TextBox 24">
-            <a:extLst>
-              <a:ext uri="{FF2B5EF4-FFF2-40B4-BE49-F238E27FC236}">
-                <a16:creationId xmlns:a16="http://schemas.microsoft.com/office/drawing/2014/main" id="{D89795FE-DBCF-476D-9181-40AA68BE846F}"/>
-              </a:ext>
-            </a:extLst>
-          </p:cNvPr>
-          <p:cNvSpPr txBox="1"/>
-          <p:nvPr/>
-        </p:nvSpPr>
-        <p:spPr>
-          <a:xfrm>
-            <a:off x="5771256" y="2245947"/>
-            <a:ext cx="5958682" cy="707886"/>
-          </a:xfrm>
-          <a:prstGeom prst="rect">
-            <a:avLst/>
-          </a:prstGeom>
-          <a:noFill/>
-        </p:spPr>
-        <p:txBody>
-          <a:bodyPr wrap="none" rtlCol="0">
-            <a:spAutoFit/>
-          </a:bodyPr>
-          <a:lstStyle/>
-          <a:p>
             <a:r>
               <a:rPr lang="en-US" altLang="ko-KR" sz="4000" dirty="0">
                 <a:solidFill>
@@ -4116,88 +3845,59 @@
               <a:t>: </a:t>
             </a:r>
             <a:r>
-              <a:rPr lang="ko-KR" altLang="ko-KR" sz="2400" dirty="0">
-                <a:solidFill>
-                  <a:schemeClr val="bg1"/>
-                </a:solidFill>
-                <a:effectLst/>
+              <a:rPr lang="ko-KR" altLang="en-US" sz="2400" dirty="0">
+                <a:solidFill>
+                  <a:schemeClr val="bg1"/>
+                </a:solidFill>
                 <a:latin typeface="경기천년바탕 Regular" panose="02020503020101020101" pitchFamily="18" charset="-127"/>
                 <a:ea typeface="경기천년바탕 Regular" panose="02020503020101020101" pitchFamily="18" charset="-127"/>
                 <a:cs typeface="Times New Roman" panose="02020603050405020304" pitchFamily="18" charset="0"/>
               </a:rPr>
-              <a:t>안전지대 범위</a:t>
-            </a:r>
-            <a:r>
-              <a:rPr lang="en-GB" altLang="ko-KR" sz="2400" dirty="0">
-                <a:solidFill>
-                  <a:schemeClr val="bg1"/>
-                </a:solidFill>
-                <a:effectLst/>
+              <a:t>권총 </a:t>
+            </a:r>
+            <a:r>
+              <a:rPr lang="en-US" altLang="ko-KR" sz="2400" dirty="0">
+                <a:solidFill>
+                  <a:schemeClr val="bg1"/>
+                </a:solidFill>
                 <a:latin typeface="경기천년바탕 Regular" panose="02020503020101020101" pitchFamily="18" charset="-127"/>
                 <a:ea typeface="경기천년바탕 Regular" panose="02020503020101020101" pitchFamily="18" charset="-127"/>
                 <a:cs typeface="Times New Roman" panose="02020603050405020304" pitchFamily="18" charset="0"/>
               </a:rPr>
+              <a:t>– </a:t>
+            </a:r>
+            <a:r>
+              <a:rPr lang="ko-KR" altLang="en-US" sz="2400" dirty="0">
+                <a:solidFill>
+                  <a:schemeClr val="bg1"/>
+                </a:solidFill>
+                <a:latin typeface="경기천년바탕 Regular" panose="02020503020101020101" pitchFamily="18" charset="-127"/>
+                <a:ea typeface="경기천년바탕 Regular" panose="02020503020101020101" pitchFamily="18" charset="-127"/>
+                <a:cs typeface="Times New Roman" panose="02020603050405020304" pitchFamily="18" charset="0"/>
+              </a:rPr>
+              <a:t>탄창 무한</a:t>
+            </a:r>
+            <a:r>
+              <a:rPr lang="en-US" altLang="ko-KR" sz="2400" dirty="0">
+                <a:solidFill>
+                  <a:schemeClr val="bg1"/>
+                </a:solidFill>
+                <a:latin typeface="경기천년바탕 Regular" panose="02020503020101020101" pitchFamily="18" charset="-127"/>
+                <a:ea typeface="경기천년바탕 Regular" panose="02020503020101020101" pitchFamily="18" charset="-127"/>
+                <a:cs typeface="Times New Roman" panose="02020603050405020304" pitchFamily="18" charset="0"/>
+              </a:rPr>
               <a:t>, </a:t>
             </a:r>
             <a:r>
-              <a:rPr lang="ko-KR" altLang="ko-KR" sz="2400" dirty="0">
-                <a:solidFill>
-                  <a:schemeClr val="bg1"/>
-                </a:solidFill>
-                <a:effectLst/>
+              <a:rPr lang="ko-KR" altLang="en-US" sz="2400" dirty="0">
+                <a:solidFill>
+                  <a:schemeClr val="bg1"/>
+                </a:solidFill>
                 <a:latin typeface="경기천년바탕 Regular" panose="02020503020101020101" pitchFamily="18" charset="-127"/>
                 <a:ea typeface="경기천년바탕 Regular" panose="02020503020101020101" pitchFamily="18" charset="-127"/>
                 <a:cs typeface="Times New Roman" panose="02020603050405020304" pitchFamily="18" charset="0"/>
               </a:rPr>
-              <a:t>보이는 적</a:t>
-            </a:r>
-            <a:r>
-              <a:rPr lang="en-GB" altLang="ko-KR" sz="2400" dirty="0">
-                <a:solidFill>
-                  <a:schemeClr val="bg1"/>
-                </a:solidFill>
-                <a:effectLst/>
-                <a:latin typeface="경기천년바탕 Regular" panose="02020503020101020101" pitchFamily="18" charset="-127"/>
-                <a:ea typeface="경기천년바탕 Regular" panose="02020503020101020101" pitchFamily="18" charset="-127"/>
-                <a:cs typeface="Times New Roman" panose="02020603050405020304" pitchFamily="18" charset="0"/>
-              </a:rPr>
-              <a:t>, </a:t>
-            </a:r>
-            <a:r>
-              <a:rPr lang="ko-KR" altLang="ko-KR" sz="2400" dirty="0">
-                <a:solidFill>
-                  <a:schemeClr val="bg1"/>
-                </a:solidFill>
-                <a:effectLst/>
-                <a:latin typeface="경기천년바탕 Regular" panose="02020503020101020101" pitchFamily="18" charset="-127"/>
-                <a:ea typeface="경기천년바탕 Regular" panose="02020503020101020101" pitchFamily="18" charset="-127"/>
-                <a:cs typeface="Times New Roman" panose="02020603050405020304" pitchFamily="18" charset="0"/>
-              </a:rPr>
-              <a:t>전체 아군</a:t>
-            </a:r>
-            <a:r>
-              <a:rPr lang="en-GB" altLang="ko-KR" sz="2400" dirty="0">
-                <a:solidFill>
-                  <a:schemeClr val="bg1"/>
-                </a:solidFill>
-                <a:effectLst/>
-                <a:latin typeface="경기천년바탕 Regular" panose="02020503020101020101" pitchFamily="18" charset="-127"/>
-                <a:ea typeface="경기천년바탕 Regular" panose="02020503020101020101" pitchFamily="18" charset="-127"/>
-                <a:cs typeface="Times New Roman" panose="02020603050405020304" pitchFamily="18" charset="0"/>
-              </a:rPr>
-              <a:t>, </a:t>
-            </a:r>
-            <a:r>
-              <a:rPr lang="ko-KR" altLang="ko-KR" sz="2400" dirty="0">
-                <a:solidFill>
-                  <a:schemeClr val="bg1"/>
-                </a:solidFill>
-                <a:effectLst/>
-                <a:latin typeface="경기천년바탕 Regular" panose="02020503020101020101" pitchFamily="18" charset="-127"/>
-                <a:ea typeface="경기천년바탕 Regular" panose="02020503020101020101" pitchFamily="18" charset="-127"/>
-                <a:cs typeface="Times New Roman" panose="02020603050405020304" pitchFamily="18" charset="0"/>
-              </a:rPr>
-              <a:t>아이템</a:t>
+              <a:t>장전 시간 有</a:t>
             </a:r>
             <a:endParaRPr lang="ko-KR" altLang="en-US" sz="4000" dirty="0">
               <a:solidFill>
@@ -4211,10 +3911,10 @@
       </p:sp>
       <p:pic>
         <p:nvPicPr>
-          <p:cNvPr id="27" name="그림 26">
-            <a:extLst>
-              <a:ext uri="{FF2B5EF4-FFF2-40B4-BE49-F238E27FC236}">
-                <a16:creationId xmlns:a16="http://schemas.microsoft.com/office/drawing/2014/main" id="{58B7C862-B621-4ACD-A02C-3707883190ED}"/>
+          <p:cNvPr id="4" name="그림 3" descr="텍스트이(가) 표시된 사진&#10;&#10;자동 생성된 설명">
+            <a:extLst>
+              <a:ext uri="{FF2B5EF4-FFF2-40B4-BE49-F238E27FC236}">
+                <a16:creationId xmlns:a16="http://schemas.microsoft.com/office/drawing/2014/main" id="{044AA4F0-0FDA-4EBD-927A-56F4439FF5C1}"/>
               </a:ext>
             </a:extLst>
           </p:cNvPr>
@@ -4237,56 +3937,20 @@
         </p:blipFill>
         <p:spPr>
           <a:xfrm>
-            <a:off x="4506811" y="2336599"/>
-            <a:ext cx="1082204" cy="574283"/>
+            <a:off x="2483954" y="3526232"/>
+            <a:ext cx="2285714" cy="711111"/>
           </a:xfrm>
           <a:prstGeom prst="rect">
             <a:avLst/>
           </a:prstGeom>
         </p:spPr>
       </p:pic>
-      <p:pic>
-        <p:nvPicPr>
-          <p:cNvPr id="29" name="그림 28">
-            <a:extLst>
-              <a:ext uri="{FF2B5EF4-FFF2-40B4-BE49-F238E27FC236}">
-                <a16:creationId xmlns:a16="http://schemas.microsoft.com/office/drawing/2014/main" id="{1DDC151A-2A28-4C5A-9048-9E566EA1A209}"/>
-              </a:ext>
-            </a:extLst>
-          </p:cNvPr>
-          <p:cNvPicPr>
-            <a:picLocks noChangeAspect="1"/>
-          </p:cNvPicPr>
-          <p:nvPr/>
-        </p:nvPicPr>
-        <p:blipFill>
-          <a:blip r:embed="rId4">
-            <a:extLst>
-              <a:ext uri="{28A0092B-C50C-407E-A947-70E740481C1C}">
-                <a14:useLocalDpi xmlns:a14="http://schemas.microsoft.com/office/drawing/2010/main" val="0"/>
-              </a:ext>
-            </a:extLst>
-          </a:blip>
-          <a:stretch>
-            <a:fillRect/>
-          </a:stretch>
-        </p:blipFill>
-        <p:spPr>
-          <a:xfrm>
-            <a:off x="4615739" y="3477716"/>
-            <a:ext cx="864348" cy="864348"/>
-          </a:xfrm>
-          <a:prstGeom prst="rect">
-            <a:avLst/>
-          </a:prstGeom>
-        </p:spPr>
-      </p:pic>
-      <p:sp>
-        <p:nvSpPr>
-          <p:cNvPr id="31" name="TextBox 30">
-            <a:extLst>
-              <a:ext uri="{FF2B5EF4-FFF2-40B4-BE49-F238E27FC236}">
-                <a16:creationId xmlns:a16="http://schemas.microsoft.com/office/drawing/2014/main" id="{042A34AB-FD27-45F9-9DB0-88BC948AC8C1}"/>
+      <p:sp>
+        <p:nvSpPr>
+          <p:cNvPr id="5" name="TextBox 4">
+            <a:extLst>
+              <a:ext uri="{FF2B5EF4-FFF2-40B4-BE49-F238E27FC236}">
+                <a16:creationId xmlns:a16="http://schemas.microsoft.com/office/drawing/2014/main" id="{5B6A1265-FF53-4CDA-B918-4BAC6F462F82}"/>
               </a:ext>
             </a:extLst>
           </p:cNvPr>
@@ -4295,1153 +3959,8 @@
         </p:nvSpPr>
         <p:spPr>
           <a:xfrm>
-            <a:off x="5771256" y="3511404"/>
-            <a:ext cx="2488182" cy="707886"/>
-          </a:xfrm>
-          <a:prstGeom prst="rect">
-            <a:avLst/>
-          </a:prstGeom>
-          <a:noFill/>
-        </p:spPr>
-        <p:txBody>
-          <a:bodyPr wrap="none" rtlCol="0">
-            <a:spAutoFit/>
-          </a:bodyPr>
-          <a:lstStyle/>
-          <a:p>
-            <a:r>
-              <a:rPr lang="en-US" altLang="ko-KR" sz="4000" dirty="0">
-                <a:solidFill>
-                  <a:schemeClr val="bg1"/>
-                </a:solidFill>
-                <a:latin typeface="경기천년바탕 Regular" panose="02020503020101020101" pitchFamily="18" charset="-127"/>
-                <a:ea typeface="경기천년바탕 Regular" panose="02020503020101020101" pitchFamily="18" charset="-127"/>
-              </a:rPr>
-              <a:t>: </a:t>
-            </a:r>
-            <a:r>
-              <a:rPr lang="ko-KR" altLang="en-US" sz="2400" dirty="0">
-                <a:solidFill>
-                  <a:schemeClr val="bg1"/>
-                </a:solidFill>
-                <a:latin typeface="경기천년바탕 Regular" panose="02020503020101020101" pitchFamily="18" charset="-127"/>
-                <a:ea typeface="경기천년바탕 Regular" panose="02020503020101020101" pitchFamily="18" charset="-127"/>
-                <a:cs typeface="Times New Roman" panose="02020603050405020304" pitchFamily="18" charset="0"/>
-              </a:rPr>
-              <a:t>체력</a:t>
-            </a:r>
-            <a:r>
-              <a:rPr lang="en-US" altLang="ko-KR" sz="2400" dirty="0">
-                <a:solidFill>
-                  <a:schemeClr val="bg1"/>
-                </a:solidFill>
-                <a:latin typeface="경기천년바탕 Regular" panose="02020503020101020101" pitchFamily="18" charset="-127"/>
-                <a:ea typeface="경기천년바탕 Regular" panose="02020503020101020101" pitchFamily="18" charset="-127"/>
-                <a:cs typeface="Times New Roman" panose="02020603050405020304" pitchFamily="18" charset="0"/>
-              </a:rPr>
-              <a:t>, </a:t>
-            </a:r>
-            <a:r>
-              <a:rPr lang="ko-KR" altLang="en-US" sz="2400" dirty="0">
-                <a:solidFill>
-                  <a:schemeClr val="bg1"/>
-                </a:solidFill>
-                <a:latin typeface="경기천년바탕 Regular" panose="02020503020101020101" pitchFamily="18" charset="-127"/>
-                <a:ea typeface="경기천년바탕 Regular" panose="02020503020101020101" pitchFamily="18" charset="-127"/>
-                <a:cs typeface="Times New Roman" panose="02020603050405020304" pitchFamily="18" charset="0"/>
-              </a:rPr>
-              <a:t>위치</a:t>
-            </a:r>
-            <a:r>
-              <a:rPr lang="en-US" altLang="ko-KR" sz="2400" dirty="0">
-                <a:solidFill>
-                  <a:schemeClr val="bg1"/>
-                </a:solidFill>
-                <a:latin typeface="경기천년바탕 Regular" panose="02020503020101020101" pitchFamily="18" charset="-127"/>
-                <a:ea typeface="경기천년바탕 Regular" panose="02020503020101020101" pitchFamily="18" charset="-127"/>
-                <a:cs typeface="Times New Roman" panose="02020603050405020304" pitchFamily="18" charset="0"/>
-              </a:rPr>
-              <a:t>, </a:t>
-            </a:r>
-            <a:r>
-              <a:rPr lang="ko-KR" altLang="en-US" sz="2400" dirty="0">
-                <a:solidFill>
-                  <a:schemeClr val="bg1"/>
-                </a:solidFill>
-                <a:latin typeface="경기천년바탕 Regular" panose="02020503020101020101" pitchFamily="18" charset="-127"/>
-                <a:ea typeface="경기천년바탕 Regular" panose="02020503020101020101" pitchFamily="18" charset="-127"/>
-                <a:cs typeface="Times New Roman" panose="02020603050405020304" pitchFamily="18" charset="0"/>
-              </a:rPr>
-              <a:t>방향</a:t>
-            </a:r>
-            <a:endParaRPr lang="ko-KR" altLang="en-US" sz="4000" dirty="0">
-              <a:solidFill>
-                <a:schemeClr val="bg1"/>
-              </a:solidFill>
-              <a:latin typeface="경기천년바탕 Regular" panose="02020503020101020101" pitchFamily="18" charset="-127"/>
-              <a:ea typeface="경기천년바탕 Regular" panose="02020503020101020101" pitchFamily="18" charset="-127"/>
-            </a:endParaRPr>
-          </a:p>
-        </p:txBody>
-      </p:sp>
-      <p:pic>
-        <p:nvPicPr>
-          <p:cNvPr id="33" name="그림 32">
-            <a:extLst>
-              <a:ext uri="{FF2B5EF4-FFF2-40B4-BE49-F238E27FC236}">
-                <a16:creationId xmlns:a16="http://schemas.microsoft.com/office/drawing/2014/main" id="{1B667C1B-0604-4B34-8B86-BE352DA57FA3}"/>
-              </a:ext>
-            </a:extLst>
-          </p:cNvPr>
-          <p:cNvPicPr>
-            <a:picLocks noChangeAspect="1"/>
-          </p:cNvPicPr>
-          <p:nvPr/>
-        </p:nvPicPr>
-        <p:blipFill>
-          <a:blip r:embed="rId5">
-            <a:extLst>
-              <a:ext uri="{28A0092B-C50C-407E-A947-70E740481C1C}">
-                <a14:useLocalDpi xmlns:a14="http://schemas.microsoft.com/office/drawing/2010/main" val="0"/>
-              </a:ext>
-            </a:extLst>
-          </a:blip>
-          <a:stretch>
-            <a:fillRect/>
-          </a:stretch>
-        </p:blipFill>
-        <p:spPr>
-          <a:xfrm>
-            <a:off x="4602157" y="4627576"/>
-            <a:ext cx="986858" cy="998635"/>
-          </a:xfrm>
-          <a:prstGeom prst="rect">
-            <a:avLst/>
-          </a:prstGeom>
-        </p:spPr>
-      </p:pic>
-      <p:sp>
-        <p:nvSpPr>
-          <p:cNvPr id="35" name="TextBox 34">
-            <a:extLst>
-              <a:ext uri="{FF2B5EF4-FFF2-40B4-BE49-F238E27FC236}">
-                <a16:creationId xmlns:a16="http://schemas.microsoft.com/office/drawing/2014/main" id="{8300528D-C158-43F6-8466-A9367A287C9F}"/>
-              </a:ext>
-            </a:extLst>
-          </p:cNvPr>
-          <p:cNvSpPr txBox="1"/>
-          <p:nvPr/>
-        </p:nvSpPr>
-        <p:spPr>
-          <a:xfrm>
-            <a:off x="5771256" y="4913020"/>
-            <a:ext cx="3409908" cy="707886"/>
-          </a:xfrm>
-          <a:prstGeom prst="rect">
-            <a:avLst/>
-          </a:prstGeom>
-          <a:noFill/>
-        </p:spPr>
-        <p:txBody>
-          <a:bodyPr wrap="none" rtlCol="0">
-            <a:spAutoFit/>
-          </a:bodyPr>
-          <a:lstStyle/>
-          <a:p>
-            <a:r>
-              <a:rPr lang="en-US" altLang="ko-KR" sz="4000" dirty="0">
-                <a:solidFill>
-                  <a:schemeClr val="bg1"/>
-                </a:solidFill>
-                <a:latin typeface="경기천년바탕 Regular" panose="02020503020101020101" pitchFamily="18" charset="-127"/>
-                <a:ea typeface="경기천년바탕 Regular" panose="02020503020101020101" pitchFamily="18" charset="-127"/>
-              </a:rPr>
-              <a:t>: </a:t>
-            </a:r>
-            <a:r>
-              <a:rPr lang="ko-KR" altLang="en-US" sz="2400" dirty="0">
-                <a:solidFill>
-                  <a:schemeClr val="bg1"/>
-                </a:solidFill>
-                <a:latin typeface="경기천년바탕 Regular" panose="02020503020101020101" pitchFamily="18" charset="-127"/>
-                <a:ea typeface="경기천년바탕 Regular" panose="02020503020101020101" pitchFamily="18" charset="-127"/>
-                <a:cs typeface="Times New Roman" panose="02020603050405020304" pitchFamily="18" charset="0"/>
-              </a:rPr>
-              <a:t>이동</a:t>
-            </a:r>
-            <a:r>
-              <a:rPr lang="en-US" altLang="ko-KR" sz="2400" dirty="0">
-                <a:solidFill>
-                  <a:schemeClr val="bg1"/>
-                </a:solidFill>
-                <a:latin typeface="경기천년바탕 Regular" panose="02020503020101020101" pitchFamily="18" charset="-127"/>
-                <a:ea typeface="경기천년바탕 Regular" panose="02020503020101020101" pitchFamily="18" charset="-127"/>
-                <a:cs typeface="Times New Roman" panose="02020603050405020304" pitchFamily="18" charset="0"/>
-              </a:rPr>
-              <a:t>, </a:t>
-            </a:r>
-            <a:r>
-              <a:rPr lang="ko-KR" altLang="en-US" sz="2400" dirty="0">
-                <a:solidFill>
-                  <a:schemeClr val="bg1"/>
-                </a:solidFill>
-                <a:latin typeface="경기천년바탕 Regular" panose="02020503020101020101" pitchFamily="18" charset="-127"/>
-                <a:ea typeface="경기천년바탕 Regular" panose="02020503020101020101" pitchFamily="18" charset="-127"/>
-                <a:cs typeface="Times New Roman" panose="02020603050405020304" pitchFamily="18" charset="0"/>
-              </a:rPr>
-              <a:t>회전</a:t>
-            </a:r>
-            <a:r>
-              <a:rPr lang="en-US" altLang="ko-KR" sz="2400" dirty="0">
-                <a:solidFill>
-                  <a:schemeClr val="bg1"/>
-                </a:solidFill>
-                <a:latin typeface="경기천년바탕 Regular" panose="02020503020101020101" pitchFamily="18" charset="-127"/>
-                <a:ea typeface="경기천년바탕 Regular" panose="02020503020101020101" pitchFamily="18" charset="-127"/>
-                <a:cs typeface="Times New Roman" panose="02020603050405020304" pitchFamily="18" charset="0"/>
-              </a:rPr>
-              <a:t>, </a:t>
-            </a:r>
-            <a:r>
-              <a:rPr lang="ko-KR" altLang="en-US" sz="2400" dirty="0">
-                <a:solidFill>
-                  <a:schemeClr val="bg1"/>
-                </a:solidFill>
-                <a:latin typeface="경기천년바탕 Regular" panose="02020503020101020101" pitchFamily="18" charset="-127"/>
-                <a:ea typeface="경기천년바탕 Regular" panose="02020503020101020101" pitchFamily="18" charset="-127"/>
-                <a:cs typeface="Times New Roman" panose="02020603050405020304" pitchFamily="18" charset="0"/>
-              </a:rPr>
-              <a:t>아이템 사용</a:t>
-            </a:r>
-            <a:endParaRPr lang="ko-KR" altLang="en-US" sz="4000" dirty="0">
-              <a:solidFill>
-                <a:schemeClr val="bg1"/>
-              </a:solidFill>
-              <a:latin typeface="경기천년바탕 Regular" panose="02020503020101020101" pitchFamily="18" charset="-127"/>
-              <a:ea typeface="경기천년바탕 Regular" panose="02020503020101020101" pitchFamily="18" charset="-127"/>
-            </a:endParaRPr>
-          </a:p>
-        </p:txBody>
-      </p:sp>
-      <p:pic>
-        <p:nvPicPr>
-          <p:cNvPr id="11" name="그림 10" descr="옅은, 그리기이(가) 표시된 사진&#10;&#10;자동 생성된 설명">
-            <a:extLst>
-              <a:ext uri="{FF2B5EF4-FFF2-40B4-BE49-F238E27FC236}">
-                <a16:creationId xmlns:a16="http://schemas.microsoft.com/office/drawing/2014/main" id="{7ADEA54B-5422-4AC7-A1B1-953CEB90BDC6}"/>
-              </a:ext>
-            </a:extLst>
-          </p:cNvPr>
-          <p:cNvPicPr>
-            <a:picLocks noChangeAspect="1"/>
-          </p:cNvPicPr>
-          <p:nvPr/>
-        </p:nvPicPr>
-        <p:blipFill>
-          <a:blip r:embed="rId6">
-            <a:extLst>
-              <a:ext uri="{28A0092B-C50C-407E-A947-70E740481C1C}">
-                <a14:useLocalDpi xmlns:a14="http://schemas.microsoft.com/office/drawing/2010/main" val="0"/>
-              </a:ext>
-            </a:extLst>
-          </a:blip>
-          <a:stretch>
-            <a:fillRect/>
-          </a:stretch>
-        </p:blipFill>
-        <p:spPr>
-          <a:xfrm rot="10800000">
-            <a:off x="2819582" y="2621986"/>
-            <a:ext cx="787302" cy="1371429"/>
-          </a:xfrm>
-          <a:prstGeom prst="rect">
-            <a:avLst/>
-          </a:prstGeom>
-        </p:spPr>
-      </p:pic>
-    </p:spTree>
-    <p:extLst>
-      <p:ext uri="{BB962C8B-B14F-4D97-AF65-F5344CB8AC3E}">
-        <p14:creationId xmlns:p14="http://schemas.microsoft.com/office/powerpoint/2010/main" val="3388670824"/>
-      </p:ext>
-    </p:extLst>
-  </p:cSld>
-  <p:clrMapOvr>
-    <a:masterClrMapping/>
-  </p:clrMapOvr>
-</p:sld>
-</file>
-
-<file path=ppt/slides/slide11.xml><?xml version="1.0" encoding="utf-8"?>
-<p:sld xmlns:a="http://schemas.openxmlformats.org/drawingml/2006/main" xmlns:r="http://schemas.openxmlformats.org/officeDocument/2006/relationships" xmlns:p="http://schemas.openxmlformats.org/presentationml/2006/main">
-  <p:cSld>
-    <p:spTree>
-      <p:nvGrpSpPr>
-        <p:cNvPr id="1" name=""/>
-        <p:cNvGrpSpPr/>
-        <p:nvPr/>
-      </p:nvGrpSpPr>
-      <p:grpSpPr>
-        <a:xfrm>
-          <a:off x="0" y="0"/>
-          <a:ext cx="0" cy="0"/>
-          <a:chOff x="0" y="0"/>
-          <a:chExt cx="0" cy="0"/>
-        </a:xfrm>
-      </p:grpSpPr>
-      <p:sp>
-        <p:nvSpPr>
-          <p:cNvPr id="39" name="직사각형 38">
-            <a:extLst>
-              <a:ext uri="{FF2B5EF4-FFF2-40B4-BE49-F238E27FC236}">
-                <a16:creationId xmlns:a16="http://schemas.microsoft.com/office/drawing/2014/main" id="{431B6FBD-CE86-40BA-83F9-8518690E9963}"/>
-              </a:ext>
-            </a:extLst>
-          </p:cNvPr>
-          <p:cNvSpPr/>
-          <p:nvPr/>
-        </p:nvSpPr>
-        <p:spPr>
-          <a:xfrm>
-            <a:off x="851806" y="1196690"/>
-            <a:ext cx="3177535" cy="5182845"/>
-          </a:xfrm>
-          <a:prstGeom prst="rect">
-            <a:avLst/>
-          </a:prstGeom>
-          <a:solidFill>
-            <a:schemeClr val="tx1">
-              <a:alpha val="44000"/>
-            </a:schemeClr>
-          </a:solidFill>
-          <a:ln>
-            <a:noFill/>
-          </a:ln>
-        </p:spPr>
-        <p:style>
-          <a:lnRef idx="2">
-            <a:schemeClr val="accent1">
-              <a:shade val="50000"/>
-            </a:schemeClr>
-          </a:lnRef>
-          <a:fillRef idx="1">
-            <a:schemeClr val="accent1"/>
-          </a:fillRef>
-          <a:effectRef idx="0">
-            <a:schemeClr val="accent1"/>
-          </a:effectRef>
-          <a:fontRef idx="minor">
-            <a:schemeClr val="lt1"/>
-          </a:fontRef>
-        </p:style>
-        <p:txBody>
-          <a:bodyPr rtlCol="0" anchor="ctr"/>
-          <a:lstStyle/>
-          <a:p>
-            <a:pPr algn="ctr"/>
-            <a:endParaRPr lang="ko-KR" altLang="en-US" dirty="0"/>
-          </a:p>
-        </p:txBody>
-      </p:sp>
-      <p:sp>
-        <p:nvSpPr>
-          <p:cNvPr id="16" name="직사각형 15">
-            <a:extLst>
-              <a:ext uri="{FF2B5EF4-FFF2-40B4-BE49-F238E27FC236}">
-                <a16:creationId xmlns:a16="http://schemas.microsoft.com/office/drawing/2014/main" id="{EE139C5A-0E66-45D6-BE19-DF9714CAAFBF}"/>
-              </a:ext>
-            </a:extLst>
-          </p:cNvPr>
-          <p:cNvSpPr/>
-          <p:nvPr/>
-        </p:nvSpPr>
-        <p:spPr>
-          <a:xfrm>
-            <a:off x="1034047" y="1425540"/>
-            <a:ext cx="3177535" cy="5042637"/>
-          </a:xfrm>
-          <a:prstGeom prst="rect">
-            <a:avLst/>
-          </a:prstGeom>
-          <a:solidFill>
-            <a:schemeClr val="bg1"/>
-          </a:solidFill>
-          <a:ln>
-            <a:solidFill>
-              <a:schemeClr val="tx1"/>
-            </a:solidFill>
-          </a:ln>
-        </p:spPr>
-        <p:style>
-          <a:lnRef idx="2">
-            <a:schemeClr val="accent1">
-              <a:shade val="50000"/>
-            </a:schemeClr>
-          </a:lnRef>
-          <a:fillRef idx="1">
-            <a:schemeClr val="accent1"/>
-          </a:fillRef>
-          <a:effectRef idx="0">
-            <a:schemeClr val="accent1"/>
-          </a:effectRef>
-          <a:fontRef idx="minor">
-            <a:schemeClr val="lt1"/>
-          </a:fontRef>
-        </p:style>
-        <p:txBody>
-          <a:bodyPr rtlCol="0" anchor="ctr"/>
-          <a:lstStyle/>
-          <a:p>
-            <a:pPr algn="ctr"/>
-            <a:endParaRPr lang="ko-KR" altLang="en-US" dirty="0"/>
-          </a:p>
-        </p:txBody>
-      </p:sp>
-      <p:sp>
-        <p:nvSpPr>
-          <p:cNvPr id="14" name="직사각형 13">
-            <a:extLst>
-              <a:ext uri="{FF2B5EF4-FFF2-40B4-BE49-F238E27FC236}">
-                <a16:creationId xmlns:a16="http://schemas.microsoft.com/office/drawing/2014/main" id="{A7184F2A-D2D1-42C1-BDD5-57500BC97FB7}"/>
-              </a:ext>
-            </a:extLst>
-          </p:cNvPr>
-          <p:cNvSpPr/>
-          <p:nvPr/>
-        </p:nvSpPr>
-        <p:spPr>
-          <a:xfrm rot="16200000">
-            <a:off x="2366210" y="2820202"/>
-            <a:ext cx="1694046" cy="952901"/>
-          </a:xfrm>
-          <a:prstGeom prst="rect">
-            <a:avLst/>
-          </a:prstGeom>
-          <a:solidFill>
-            <a:schemeClr val="bg1"/>
-          </a:solidFill>
-          <a:ln>
-            <a:noFill/>
-          </a:ln>
-        </p:spPr>
-        <p:style>
-          <a:lnRef idx="2">
-            <a:schemeClr val="accent1">
-              <a:shade val="50000"/>
-            </a:schemeClr>
-          </a:lnRef>
-          <a:fillRef idx="1">
-            <a:schemeClr val="accent1"/>
-          </a:fillRef>
-          <a:effectRef idx="0">
-            <a:schemeClr val="accent1"/>
-          </a:effectRef>
-          <a:fontRef idx="minor">
-            <a:schemeClr val="lt1"/>
-          </a:fontRef>
-        </p:style>
-        <p:txBody>
-          <a:bodyPr rtlCol="0" anchor="ctr"/>
-          <a:lstStyle/>
-          <a:p>
-            <a:pPr algn="ctr"/>
-            <a:endParaRPr lang="ko-KR" altLang="en-US"/>
-          </a:p>
-        </p:txBody>
-      </p:sp>
-      <p:sp>
-        <p:nvSpPr>
-          <p:cNvPr id="13" name="직사각형 12">
-            <a:extLst>
-              <a:ext uri="{FF2B5EF4-FFF2-40B4-BE49-F238E27FC236}">
-                <a16:creationId xmlns:a16="http://schemas.microsoft.com/office/drawing/2014/main" id="{5CAFCFA8-2806-40F5-8164-9496CC6B7B64}"/>
-              </a:ext>
-            </a:extLst>
-          </p:cNvPr>
-          <p:cNvSpPr/>
-          <p:nvPr/>
-        </p:nvSpPr>
-        <p:spPr>
-          <a:xfrm rot="5400000">
-            <a:off x="1300393" y="2820202"/>
-            <a:ext cx="1694046" cy="952901"/>
-          </a:xfrm>
-          <a:prstGeom prst="rect">
-            <a:avLst/>
-          </a:prstGeom>
-          <a:solidFill>
-            <a:schemeClr val="bg1"/>
-          </a:solidFill>
-          <a:ln>
-            <a:noFill/>
-          </a:ln>
-        </p:spPr>
-        <p:style>
-          <a:lnRef idx="2">
-            <a:schemeClr val="accent1">
-              <a:shade val="50000"/>
-            </a:schemeClr>
-          </a:lnRef>
-          <a:fillRef idx="1">
-            <a:schemeClr val="accent1"/>
-          </a:fillRef>
-          <a:effectRef idx="0">
-            <a:schemeClr val="accent1"/>
-          </a:effectRef>
-          <a:fontRef idx="minor">
-            <a:schemeClr val="lt1"/>
-          </a:fontRef>
-        </p:style>
-        <p:txBody>
-          <a:bodyPr rtlCol="0" anchor="ctr"/>
-          <a:lstStyle/>
-          <a:p>
-            <a:pPr algn="ctr"/>
-            <a:endParaRPr lang="ko-KR" altLang="en-US"/>
-          </a:p>
-        </p:txBody>
-      </p:sp>
-      <p:sp>
-        <p:nvSpPr>
-          <p:cNvPr id="3" name="TextBox 2">
-            <a:extLst>
-              <a:ext uri="{FF2B5EF4-FFF2-40B4-BE49-F238E27FC236}">
-                <a16:creationId xmlns:a16="http://schemas.microsoft.com/office/drawing/2014/main" id="{54864A9D-4DB4-48B5-8888-6B62293FB5B2}"/>
-              </a:ext>
-            </a:extLst>
-          </p:cNvPr>
-          <p:cNvSpPr txBox="1"/>
-          <p:nvPr/>
-        </p:nvSpPr>
-        <p:spPr>
-          <a:xfrm>
-            <a:off x="9670266" y="409877"/>
-            <a:ext cx="1643399" cy="1015663"/>
-          </a:xfrm>
-          <a:prstGeom prst="rect">
-            <a:avLst/>
-          </a:prstGeom>
-          <a:noFill/>
-        </p:spPr>
-        <p:txBody>
-          <a:bodyPr wrap="none" rtlCol="0">
-            <a:spAutoFit/>
-          </a:bodyPr>
-          <a:lstStyle/>
-          <a:p>
-            <a:pPr algn="r"/>
-            <a:r>
-              <a:rPr lang="en-US" altLang="ko-KR" sz="6000" dirty="0">
-                <a:solidFill>
-                  <a:schemeClr val="bg1"/>
-                </a:solidFill>
-                <a:latin typeface="경기천년바탕 Bold" panose="02020803020101020101" pitchFamily="18" charset="-127"/>
-                <a:ea typeface="경기천년바탕 Bold" panose="02020803020101020101" pitchFamily="18" charset="-127"/>
-              </a:rPr>
-              <a:t>Unit</a:t>
-            </a:r>
-            <a:endParaRPr lang="ko-KR" altLang="en-US" sz="6000" dirty="0">
-              <a:solidFill>
-                <a:schemeClr val="bg1"/>
-              </a:solidFill>
-              <a:latin typeface="경기천년바탕 Bold" panose="02020803020101020101" pitchFamily="18" charset="-127"/>
-              <a:ea typeface="경기천년바탕 Bold" panose="02020803020101020101" pitchFamily="18" charset="-127"/>
-            </a:endParaRPr>
-          </a:p>
-        </p:txBody>
-      </p:sp>
-      <p:sp>
-        <p:nvSpPr>
-          <p:cNvPr id="9" name="L 도형 8">
-            <a:extLst>
-              <a:ext uri="{FF2B5EF4-FFF2-40B4-BE49-F238E27FC236}">
-                <a16:creationId xmlns:a16="http://schemas.microsoft.com/office/drawing/2014/main" id="{84B1B958-581A-4B20-90C9-DF550356EE42}"/>
-              </a:ext>
-            </a:extLst>
-          </p:cNvPr>
-          <p:cNvSpPr/>
-          <p:nvPr/>
-        </p:nvSpPr>
-        <p:spPr>
-          <a:xfrm rot="10800000">
-            <a:off x="11145873" y="340996"/>
-            <a:ext cx="680318" cy="680318"/>
-          </a:xfrm>
-          <a:prstGeom prst="corner">
-            <a:avLst>
-              <a:gd name="adj1" fmla="val 10000"/>
-              <a:gd name="adj2" fmla="val 8667"/>
-            </a:avLst>
-          </a:prstGeom>
-          <a:solidFill>
-            <a:schemeClr val="accent4">
-              <a:lumMod val="20000"/>
-              <a:lumOff val="80000"/>
-            </a:schemeClr>
-          </a:solidFill>
-          <a:ln>
-            <a:noFill/>
-          </a:ln>
-        </p:spPr>
-        <p:style>
-          <a:lnRef idx="2">
-            <a:schemeClr val="accent1">
-              <a:shade val="50000"/>
-            </a:schemeClr>
-          </a:lnRef>
-          <a:fillRef idx="1">
-            <a:schemeClr val="accent1"/>
-          </a:fillRef>
-          <a:effectRef idx="0">
-            <a:schemeClr val="accent1"/>
-          </a:effectRef>
-          <a:fontRef idx="minor">
-            <a:schemeClr val="lt1"/>
-          </a:fontRef>
-        </p:style>
-        <p:txBody>
-          <a:bodyPr rtlCol="0" anchor="ctr"/>
-          <a:lstStyle/>
-          <a:p>
-            <a:pPr algn="ctr"/>
-            <a:endParaRPr lang="ko-KR" altLang="en-US"/>
-          </a:p>
-        </p:txBody>
-      </p:sp>
-      <p:sp>
-        <p:nvSpPr>
-          <p:cNvPr id="25" name="TextBox 24">
-            <a:extLst>
-              <a:ext uri="{FF2B5EF4-FFF2-40B4-BE49-F238E27FC236}">
-                <a16:creationId xmlns:a16="http://schemas.microsoft.com/office/drawing/2014/main" id="{D89795FE-DBCF-476D-9181-40AA68BE846F}"/>
-              </a:ext>
-            </a:extLst>
-          </p:cNvPr>
-          <p:cNvSpPr txBox="1"/>
-          <p:nvPr/>
-        </p:nvSpPr>
-        <p:spPr>
-          <a:xfrm>
-            <a:off x="5771256" y="2245947"/>
-            <a:ext cx="5958682" cy="707886"/>
-          </a:xfrm>
-          <a:prstGeom prst="rect">
-            <a:avLst/>
-          </a:prstGeom>
-          <a:noFill/>
-        </p:spPr>
-        <p:txBody>
-          <a:bodyPr wrap="none" rtlCol="0">
-            <a:spAutoFit/>
-          </a:bodyPr>
-          <a:lstStyle/>
-          <a:p>
-            <a:r>
-              <a:rPr lang="en-US" altLang="ko-KR" sz="4000" dirty="0">
-                <a:solidFill>
-                  <a:schemeClr val="bg1"/>
-                </a:solidFill>
-                <a:latin typeface="경기천년바탕 Regular" panose="02020503020101020101" pitchFamily="18" charset="-127"/>
-                <a:ea typeface="경기천년바탕 Regular" panose="02020503020101020101" pitchFamily="18" charset="-127"/>
-              </a:rPr>
-              <a:t>: </a:t>
-            </a:r>
-            <a:r>
-              <a:rPr lang="ko-KR" altLang="ko-KR" sz="2400" dirty="0">
-                <a:solidFill>
-                  <a:schemeClr val="bg1"/>
-                </a:solidFill>
-                <a:effectLst/>
-                <a:latin typeface="경기천년바탕 Regular" panose="02020503020101020101" pitchFamily="18" charset="-127"/>
-                <a:ea typeface="경기천년바탕 Regular" panose="02020503020101020101" pitchFamily="18" charset="-127"/>
-                <a:cs typeface="Times New Roman" panose="02020603050405020304" pitchFamily="18" charset="0"/>
-              </a:rPr>
-              <a:t>안전지대 범위</a:t>
-            </a:r>
-            <a:r>
-              <a:rPr lang="en-GB" altLang="ko-KR" sz="2400" dirty="0">
-                <a:solidFill>
-                  <a:schemeClr val="bg1"/>
-                </a:solidFill>
-                <a:effectLst/>
-                <a:latin typeface="경기천년바탕 Regular" panose="02020503020101020101" pitchFamily="18" charset="-127"/>
-                <a:ea typeface="경기천년바탕 Regular" panose="02020503020101020101" pitchFamily="18" charset="-127"/>
-                <a:cs typeface="Times New Roman" panose="02020603050405020304" pitchFamily="18" charset="0"/>
-              </a:rPr>
-              <a:t>, </a:t>
-            </a:r>
-            <a:r>
-              <a:rPr lang="ko-KR" altLang="ko-KR" sz="2400" dirty="0">
-                <a:solidFill>
-                  <a:schemeClr val="bg1"/>
-                </a:solidFill>
-                <a:effectLst/>
-                <a:latin typeface="경기천년바탕 Regular" panose="02020503020101020101" pitchFamily="18" charset="-127"/>
-                <a:ea typeface="경기천년바탕 Regular" panose="02020503020101020101" pitchFamily="18" charset="-127"/>
-                <a:cs typeface="Times New Roman" panose="02020603050405020304" pitchFamily="18" charset="0"/>
-              </a:rPr>
-              <a:t>보이는 적</a:t>
-            </a:r>
-            <a:r>
-              <a:rPr lang="en-GB" altLang="ko-KR" sz="2400" dirty="0">
-                <a:solidFill>
-                  <a:schemeClr val="bg1"/>
-                </a:solidFill>
-                <a:effectLst/>
-                <a:latin typeface="경기천년바탕 Regular" panose="02020503020101020101" pitchFamily="18" charset="-127"/>
-                <a:ea typeface="경기천년바탕 Regular" panose="02020503020101020101" pitchFamily="18" charset="-127"/>
-                <a:cs typeface="Times New Roman" panose="02020603050405020304" pitchFamily="18" charset="0"/>
-              </a:rPr>
-              <a:t>, </a:t>
-            </a:r>
-            <a:r>
-              <a:rPr lang="ko-KR" altLang="ko-KR" sz="2400" dirty="0">
-                <a:solidFill>
-                  <a:schemeClr val="bg1"/>
-                </a:solidFill>
-                <a:effectLst/>
-                <a:latin typeface="경기천년바탕 Regular" panose="02020503020101020101" pitchFamily="18" charset="-127"/>
-                <a:ea typeface="경기천년바탕 Regular" panose="02020503020101020101" pitchFamily="18" charset="-127"/>
-                <a:cs typeface="Times New Roman" panose="02020603050405020304" pitchFamily="18" charset="0"/>
-              </a:rPr>
-              <a:t>전체 아군</a:t>
-            </a:r>
-            <a:r>
-              <a:rPr lang="en-GB" altLang="ko-KR" sz="2400" dirty="0">
-                <a:solidFill>
-                  <a:schemeClr val="bg1"/>
-                </a:solidFill>
-                <a:effectLst/>
-                <a:latin typeface="경기천년바탕 Regular" panose="02020503020101020101" pitchFamily="18" charset="-127"/>
-                <a:ea typeface="경기천년바탕 Regular" panose="02020503020101020101" pitchFamily="18" charset="-127"/>
-                <a:cs typeface="Times New Roman" panose="02020603050405020304" pitchFamily="18" charset="0"/>
-              </a:rPr>
-              <a:t>, </a:t>
-            </a:r>
-            <a:r>
-              <a:rPr lang="ko-KR" altLang="ko-KR" sz="2400" dirty="0">
-                <a:solidFill>
-                  <a:schemeClr val="bg1"/>
-                </a:solidFill>
-                <a:effectLst/>
-                <a:latin typeface="경기천년바탕 Regular" panose="02020503020101020101" pitchFamily="18" charset="-127"/>
-                <a:ea typeface="경기천년바탕 Regular" panose="02020503020101020101" pitchFamily="18" charset="-127"/>
-                <a:cs typeface="Times New Roman" panose="02020603050405020304" pitchFamily="18" charset="0"/>
-              </a:rPr>
-              <a:t>아이템</a:t>
-            </a:r>
-            <a:endParaRPr lang="ko-KR" altLang="en-US" sz="4000" dirty="0">
-              <a:solidFill>
-                <a:schemeClr val="bg1"/>
-              </a:solidFill>
-              <a:latin typeface="경기천년바탕 Regular" panose="02020503020101020101" pitchFamily="18" charset="-127"/>
-              <a:ea typeface="경기천년바탕 Regular" panose="02020503020101020101" pitchFamily="18" charset="-127"/>
-            </a:endParaRPr>
-          </a:p>
-        </p:txBody>
-      </p:sp>
-      <p:pic>
-        <p:nvPicPr>
-          <p:cNvPr id="27" name="그림 26">
-            <a:extLst>
-              <a:ext uri="{FF2B5EF4-FFF2-40B4-BE49-F238E27FC236}">
-                <a16:creationId xmlns:a16="http://schemas.microsoft.com/office/drawing/2014/main" id="{58B7C862-B621-4ACD-A02C-3707883190ED}"/>
-              </a:ext>
-            </a:extLst>
-          </p:cNvPr>
-          <p:cNvPicPr>
-            <a:picLocks noChangeAspect="1"/>
-          </p:cNvPicPr>
-          <p:nvPr/>
-        </p:nvPicPr>
-        <p:blipFill>
-          <a:blip r:embed="rId2">
-            <a:extLst>
-              <a:ext uri="{28A0092B-C50C-407E-A947-70E740481C1C}">
-                <a14:useLocalDpi xmlns:a14="http://schemas.microsoft.com/office/drawing/2010/main" val="0"/>
-              </a:ext>
-            </a:extLst>
-          </a:blip>
-          <a:stretch>
-            <a:fillRect/>
-          </a:stretch>
-        </p:blipFill>
-        <p:spPr>
-          <a:xfrm>
-            <a:off x="4506811" y="2336599"/>
-            <a:ext cx="1082204" cy="574283"/>
-          </a:xfrm>
-          <a:prstGeom prst="rect">
-            <a:avLst/>
-          </a:prstGeom>
-        </p:spPr>
-      </p:pic>
-      <p:pic>
-        <p:nvPicPr>
-          <p:cNvPr id="29" name="그림 28">
-            <a:extLst>
-              <a:ext uri="{FF2B5EF4-FFF2-40B4-BE49-F238E27FC236}">
-                <a16:creationId xmlns:a16="http://schemas.microsoft.com/office/drawing/2014/main" id="{1DDC151A-2A28-4C5A-9048-9E566EA1A209}"/>
-              </a:ext>
-            </a:extLst>
-          </p:cNvPr>
-          <p:cNvPicPr>
-            <a:picLocks noChangeAspect="1"/>
-          </p:cNvPicPr>
-          <p:nvPr/>
-        </p:nvPicPr>
-        <p:blipFill>
-          <a:blip r:embed="rId3">
-            <a:extLst>
-              <a:ext uri="{28A0092B-C50C-407E-A947-70E740481C1C}">
-                <a14:useLocalDpi xmlns:a14="http://schemas.microsoft.com/office/drawing/2010/main" val="0"/>
-              </a:ext>
-            </a:extLst>
-          </a:blip>
-          <a:stretch>
-            <a:fillRect/>
-          </a:stretch>
-        </p:blipFill>
-        <p:spPr>
-          <a:xfrm>
-            <a:off x="4615739" y="3477716"/>
-            <a:ext cx="864348" cy="864348"/>
-          </a:xfrm>
-          <a:prstGeom prst="rect">
-            <a:avLst/>
-          </a:prstGeom>
-        </p:spPr>
-      </p:pic>
-      <p:sp>
-        <p:nvSpPr>
-          <p:cNvPr id="31" name="TextBox 30">
-            <a:extLst>
-              <a:ext uri="{FF2B5EF4-FFF2-40B4-BE49-F238E27FC236}">
-                <a16:creationId xmlns:a16="http://schemas.microsoft.com/office/drawing/2014/main" id="{042A34AB-FD27-45F9-9DB0-88BC948AC8C1}"/>
-              </a:ext>
-            </a:extLst>
-          </p:cNvPr>
-          <p:cNvSpPr txBox="1"/>
-          <p:nvPr/>
-        </p:nvSpPr>
-        <p:spPr>
-          <a:xfrm>
-            <a:off x="5771256" y="3511404"/>
-            <a:ext cx="2488182" cy="707886"/>
-          </a:xfrm>
-          <a:prstGeom prst="rect">
-            <a:avLst/>
-          </a:prstGeom>
-          <a:noFill/>
-        </p:spPr>
-        <p:txBody>
-          <a:bodyPr wrap="none" rtlCol="0">
-            <a:spAutoFit/>
-          </a:bodyPr>
-          <a:lstStyle/>
-          <a:p>
-            <a:r>
-              <a:rPr lang="en-US" altLang="ko-KR" sz="4000" dirty="0">
-                <a:solidFill>
-                  <a:schemeClr val="bg1"/>
-                </a:solidFill>
-                <a:latin typeface="경기천년바탕 Regular" panose="02020503020101020101" pitchFamily="18" charset="-127"/>
-                <a:ea typeface="경기천년바탕 Regular" panose="02020503020101020101" pitchFamily="18" charset="-127"/>
-              </a:rPr>
-              <a:t>: </a:t>
-            </a:r>
-            <a:r>
-              <a:rPr lang="ko-KR" altLang="en-US" sz="2400" dirty="0">
-                <a:solidFill>
-                  <a:schemeClr val="bg1"/>
-                </a:solidFill>
-                <a:latin typeface="경기천년바탕 Regular" panose="02020503020101020101" pitchFamily="18" charset="-127"/>
-                <a:ea typeface="경기천년바탕 Regular" panose="02020503020101020101" pitchFamily="18" charset="-127"/>
-                <a:cs typeface="Times New Roman" panose="02020603050405020304" pitchFamily="18" charset="0"/>
-              </a:rPr>
-              <a:t>체력</a:t>
-            </a:r>
-            <a:r>
-              <a:rPr lang="en-US" altLang="ko-KR" sz="2400" dirty="0">
-                <a:solidFill>
-                  <a:schemeClr val="bg1"/>
-                </a:solidFill>
-                <a:latin typeface="경기천년바탕 Regular" panose="02020503020101020101" pitchFamily="18" charset="-127"/>
-                <a:ea typeface="경기천년바탕 Regular" panose="02020503020101020101" pitchFamily="18" charset="-127"/>
-                <a:cs typeface="Times New Roman" panose="02020603050405020304" pitchFamily="18" charset="0"/>
-              </a:rPr>
-              <a:t>, </a:t>
-            </a:r>
-            <a:r>
-              <a:rPr lang="ko-KR" altLang="en-US" sz="2400" dirty="0">
-                <a:solidFill>
-                  <a:schemeClr val="bg1"/>
-                </a:solidFill>
-                <a:latin typeface="경기천년바탕 Regular" panose="02020503020101020101" pitchFamily="18" charset="-127"/>
-                <a:ea typeface="경기천년바탕 Regular" panose="02020503020101020101" pitchFamily="18" charset="-127"/>
-                <a:cs typeface="Times New Roman" panose="02020603050405020304" pitchFamily="18" charset="0"/>
-              </a:rPr>
-              <a:t>위치</a:t>
-            </a:r>
-            <a:r>
-              <a:rPr lang="en-US" altLang="ko-KR" sz="2400" dirty="0">
-                <a:solidFill>
-                  <a:schemeClr val="bg1"/>
-                </a:solidFill>
-                <a:latin typeface="경기천년바탕 Regular" panose="02020503020101020101" pitchFamily="18" charset="-127"/>
-                <a:ea typeface="경기천년바탕 Regular" panose="02020503020101020101" pitchFamily="18" charset="-127"/>
-                <a:cs typeface="Times New Roman" panose="02020603050405020304" pitchFamily="18" charset="0"/>
-              </a:rPr>
-              <a:t>, </a:t>
-            </a:r>
-            <a:r>
-              <a:rPr lang="ko-KR" altLang="en-US" sz="2400" dirty="0">
-                <a:solidFill>
-                  <a:schemeClr val="bg1"/>
-                </a:solidFill>
-                <a:latin typeface="경기천년바탕 Regular" panose="02020503020101020101" pitchFamily="18" charset="-127"/>
-                <a:ea typeface="경기천년바탕 Regular" panose="02020503020101020101" pitchFamily="18" charset="-127"/>
-                <a:cs typeface="Times New Roman" panose="02020603050405020304" pitchFamily="18" charset="0"/>
-              </a:rPr>
-              <a:t>방향</a:t>
-            </a:r>
-            <a:endParaRPr lang="ko-KR" altLang="en-US" sz="4000" dirty="0">
-              <a:solidFill>
-                <a:schemeClr val="bg1"/>
-              </a:solidFill>
-              <a:latin typeface="경기천년바탕 Regular" panose="02020503020101020101" pitchFamily="18" charset="-127"/>
-              <a:ea typeface="경기천년바탕 Regular" panose="02020503020101020101" pitchFamily="18" charset="-127"/>
-            </a:endParaRPr>
-          </a:p>
-        </p:txBody>
-      </p:sp>
-      <p:pic>
-        <p:nvPicPr>
-          <p:cNvPr id="33" name="그림 32">
-            <a:extLst>
-              <a:ext uri="{FF2B5EF4-FFF2-40B4-BE49-F238E27FC236}">
-                <a16:creationId xmlns:a16="http://schemas.microsoft.com/office/drawing/2014/main" id="{1B667C1B-0604-4B34-8B86-BE352DA57FA3}"/>
-              </a:ext>
-            </a:extLst>
-          </p:cNvPr>
-          <p:cNvPicPr>
-            <a:picLocks noChangeAspect="1"/>
-          </p:cNvPicPr>
-          <p:nvPr/>
-        </p:nvPicPr>
-        <p:blipFill>
-          <a:blip r:embed="rId4">
-            <a:extLst>
-              <a:ext uri="{28A0092B-C50C-407E-A947-70E740481C1C}">
-                <a14:useLocalDpi xmlns:a14="http://schemas.microsoft.com/office/drawing/2010/main" val="0"/>
-              </a:ext>
-            </a:extLst>
-          </a:blip>
-          <a:stretch>
-            <a:fillRect/>
-          </a:stretch>
-        </p:blipFill>
-        <p:spPr>
-          <a:xfrm>
-            <a:off x="4602157" y="4627576"/>
-            <a:ext cx="986858" cy="998635"/>
-          </a:xfrm>
-          <a:prstGeom prst="rect">
-            <a:avLst/>
-          </a:prstGeom>
-        </p:spPr>
-      </p:pic>
-      <p:sp>
-        <p:nvSpPr>
-          <p:cNvPr id="35" name="TextBox 34">
-            <a:extLst>
-              <a:ext uri="{FF2B5EF4-FFF2-40B4-BE49-F238E27FC236}">
-                <a16:creationId xmlns:a16="http://schemas.microsoft.com/office/drawing/2014/main" id="{8300528D-C158-43F6-8466-A9367A287C9F}"/>
-              </a:ext>
-            </a:extLst>
-          </p:cNvPr>
-          <p:cNvSpPr txBox="1"/>
-          <p:nvPr/>
-        </p:nvSpPr>
-        <p:spPr>
-          <a:xfrm>
-            <a:off x="5771256" y="4913020"/>
-            <a:ext cx="3409908" cy="707886"/>
-          </a:xfrm>
-          <a:prstGeom prst="rect">
-            <a:avLst/>
-          </a:prstGeom>
-          <a:noFill/>
-        </p:spPr>
-        <p:txBody>
-          <a:bodyPr wrap="none" rtlCol="0">
-            <a:spAutoFit/>
-          </a:bodyPr>
-          <a:lstStyle/>
-          <a:p>
-            <a:r>
-              <a:rPr lang="en-US" altLang="ko-KR" sz="4000" dirty="0">
-                <a:solidFill>
-                  <a:schemeClr val="bg1"/>
-                </a:solidFill>
-                <a:latin typeface="경기천년바탕 Regular" panose="02020503020101020101" pitchFamily="18" charset="-127"/>
-                <a:ea typeface="경기천년바탕 Regular" panose="02020503020101020101" pitchFamily="18" charset="-127"/>
-              </a:rPr>
-              <a:t>: </a:t>
-            </a:r>
-            <a:r>
-              <a:rPr lang="ko-KR" altLang="en-US" sz="2400" dirty="0">
-                <a:solidFill>
-                  <a:schemeClr val="bg1"/>
-                </a:solidFill>
-                <a:latin typeface="경기천년바탕 Regular" panose="02020503020101020101" pitchFamily="18" charset="-127"/>
-                <a:ea typeface="경기천년바탕 Regular" panose="02020503020101020101" pitchFamily="18" charset="-127"/>
-                <a:cs typeface="Times New Roman" panose="02020603050405020304" pitchFamily="18" charset="0"/>
-              </a:rPr>
-              <a:t>이동</a:t>
-            </a:r>
-            <a:r>
-              <a:rPr lang="en-US" altLang="ko-KR" sz="2400" dirty="0">
-                <a:solidFill>
-                  <a:schemeClr val="bg1"/>
-                </a:solidFill>
-                <a:latin typeface="경기천년바탕 Regular" panose="02020503020101020101" pitchFamily="18" charset="-127"/>
-                <a:ea typeface="경기천년바탕 Regular" panose="02020503020101020101" pitchFamily="18" charset="-127"/>
-                <a:cs typeface="Times New Roman" panose="02020603050405020304" pitchFamily="18" charset="0"/>
-              </a:rPr>
-              <a:t>, </a:t>
-            </a:r>
-            <a:r>
-              <a:rPr lang="ko-KR" altLang="en-US" sz="2400" dirty="0">
-                <a:solidFill>
-                  <a:schemeClr val="bg1"/>
-                </a:solidFill>
-                <a:latin typeface="경기천년바탕 Regular" panose="02020503020101020101" pitchFamily="18" charset="-127"/>
-                <a:ea typeface="경기천년바탕 Regular" panose="02020503020101020101" pitchFamily="18" charset="-127"/>
-                <a:cs typeface="Times New Roman" panose="02020603050405020304" pitchFamily="18" charset="0"/>
-              </a:rPr>
-              <a:t>회전</a:t>
-            </a:r>
-            <a:r>
-              <a:rPr lang="en-US" altLang="ko-KR" sz="2400" dirty="0">
-                <a:solidFill>
-                  <a:schemeClr val="bg1"/>
-                </a:solidFill>
-                <a:latin typeface="경기천년바탕 Regular" panose="02020503020101020101" pitchFamily="18" charset="-127"/>
-                <a:ea typeface="경기천년바탕 Regular" panose="02020503020101020101" pitchFamily="18" charset="-127"/>
-                <a:cs typeface="Times New Roman" panose="02020603050405020304" pitchFamily="18" charset="0"/>
-              </a:rPr>
-              <a:t>, </a:t>
-            </a:r>
-            <a:r>
-              <a:rPr lang="ko-KR" altLang="en-US" sz="2400" dirty="0">
-                <a:solidFill>
-                  <a:schemeClr val="bg1"/>
-                </a:solidFill>
-                <a:latin typeface="경기천년바탕 Regular" panose="02020503020101020101" pitchFamily="18" charset="-127"/>
-                <a:ea typeface="경기천년바탕 Regular" panose="02020503020101020101" pitchFamily="18" charset="-127"/>
-                <a:cs typeface="Times New Roman" panose="02020603050405020304" pitchFamily="18" charset="0"/>
-              </a:rPr>
-              <a:t>아이템 사용</a:t>
-            </a:r>
-            <a:endParaRPr lang="ko-KR" altLang="en-US" sz="4000" dirty="0">
-              <a:solidFill>
-                <a:schemeClr val="bg1"/>
-              </a:solidFill>
-              <a:latin typeface="경기천년바탕 Regular" panose="02020503020101020101" pitchFamily="18" charset="-127"/>
-              <a:ea typeface="경기천년바탕 Regular" panose="02020503020101020101" pitchFamily="18" charset="-127"/>
-            </a:endParaRPr>
-          </a:p>
-        </p:txBody>
-      </p:sp>
-      <p:pic>
-        <p:nvPicPr>
-          <p:cNvPr id="41" name="그림 40">
-            <a:extLst>
-              <a:ext uri="{FF2B5EF4-FFF2-40B4-BE49-F238E27FC236}">
-                <a16:creationId xmlns:a16="http://schemas.microsoft.com/office/drawing/2014/main" id="{B9FA92A1-2362-4B64-8BDE-7D522BBC4E55}"/>
-              </a:ext>
-            </a:extLst>
-          </p:cNvPr>
-          <p:cNvPicPr>
-            <a:picLocks noChangeAspect="1"/>
-          </p:cNvPicPr>
-          <p:nvPr/>
-        </p:nvPicPr>
-        <p:blipFill>
-          <a:blip r:embed="rId5">
-            <a:extLst>
-              <a:ext uri="{28A0092B-C50C-407E-A947-70E740481C1C}">
-                <a14:useLocalDpi xmlns:a14="http://schemas.microsoft.com/office/drawing/2010/main" val="0"/>
-              </a:ext>
-            </a:extLst>
-          </a:blip>
-          <a:stretch>
-            <a:fillRect/>
-          </a:stretch>
-        </p:blipFill>
-        <p:spPr>
-          <a:xfrm rot="5400000">
-            <a:off x="2862589" y="3287785"/>
-            <a:ext cx="150167" cy="600666"/>
-          </a:xfrm>
-          <a:prstGeom prst="rect">
-            <a:avLst/>
-          </a:prstGeom>
-        </p:spPr>
-      </p:pic>
-      <p:pic>
-        <p:nvPicPr>
-          <p:cNvPr id="11" name="그림 10" descr="옅은, 그리기이(가) 표시된 사진&#10;&#10;자동 생성된 설명">
-            <a:extLst>
-              <a:ext uri="{FF2B5EF4-FFF2-40B4-BE49-F238E27FC236}">
-                <a16:creationId xmlns:a16="http://schemas.microsoft.com/office/drawing/2014/main" id="{7ADEA54B-5422-4AC7-A1B1-953CEB90BDC6}"/>
-              </a:ext>
-            </a:extLst>
-          </p:cNvPr>
-          <p:cNvPicPr>
-            <a:picLocks noChangeAspect="1"/>
-          </p:cNvPicPr>
-          <p:nvPr/>
-        </p:nvPicPr>
-        <p:blipFill>
-          <a:blip r:embed="rId6">
-            <a:extLst>
-              <a:ext uri="{28A0092B-C50C-407E-A947-70E740481C1C}">
-                <a14:useLocalDpi xmlns:a14="http://schemas.microsoft.com/office/drawing/2010/main" val="0"/>
-              </a:ext>
-            </a:extLst>
-          </a:blip>
-          <a:stretch>
-            <a:fillRect/>
-          </a:stretch>
-        </p:blipFill>
-        <p:spPr>
-          <a:xfrm rot="10800000">
-            <a:off x="2031853" y="2621986"/>
-            <a:ext cx="787302" cy="1371429"/>
-          </a:xfrm>
-          <a:prstGeom prst="rect">
-            <a:avLst/>
-          </a:prstGeom>
-        </p:spPr>
-      </p:pic>
-      <p:sp>
-        <p:nvSpPr>
-          <p:cNvPr id="43" name="TextBox 42">
-            <a:extLst>
-              <a:ext uri="{FF2B5EF4-FFF2-40B4-BE49-F238E27FC236}">
-                <a16:creationId xmlns:a16="http://schemas.microsoft.com/office/drawing/2014/main" id="{D88D76A6-E04F-49A3-B2E7-88CFA83712DE}"/>
-              </a:ext>
-            </a:extLst>
-          </p:cNvPr>
-          <p:cNvSpPr txBox="1"/>
-          <p:nvPr/>
-        </p:nvSpPr>
-        <p:spPr>
-          <a:xfrm>
-            <a:off x="1536214" y="4629156"/>
-            <a:ext cx="2153470" cy="1077218"/>
+            <a:off x="4769668" y="3394733"/>
+            <a:ext cx="5451802" cy="1077218"/>
           </a:xfrm>
           <a:prstGeom prst="rect">
             <a:avLst/>
@@ -5454,325 +3973,6 @@
           </a:bodyPr>
           <a:lstStyle/>
           <a:p>
-            <a:pPr algn="ctr"/>
-            <a:r>
-              <a:rPr lang="en-US" altLang="ko-KR" sz="3200" dirty="0">
-                <a:latin typeface="경기천년바탕 Bold" panose="02020803020101020101" pitchFamily="18" charset="-127"/>
-                <a:ea typeface="경기천년바탕 Bold" panose="02020803020101020101" pitchFamily="18" charset="-127"/>
-              </a:rPr>
-              <a:t>Red with</a:t>
-            </a:r>
-          </a:p>
-          <a:p>
-            <a:pPr algn="ctr"/>
-            <a:r>
-              <a:rPr lang="en-US" altLang="ko-KR" sz="3200" dirty="0">
-                <a:latin typeface="경기천년바탕 Bold" panose="02020803020101020101" pitchFamily="18" charset="-127"/>
-                <a:ea typeface="경기천년바탕 Bold" panose="02020803020101020101" pitchFamily="18" charset="-127"/>
-              </a:rPr>
-              <a:t>Pistol</a:t>
-            </a:r>
-            <a:endParaRPr lang="ko-KR" altLang="en-US" sz="3200" dirty="0">
-              <a:latin typeface="경기천년바탕 Bold" panose="02020803020101020101" pitchFamily="18" charset="-127"/>
-              <a:ea typeface="경기천년바탕 Bold" panose="02020803020101020101" pitchFamily="18" charset="-127"/>
-            </a:endParaRPr>
-          </a:p>
-        </p:txBody>
-      </p:sp>
-    </p:spTree>
-    <p:extLst>
-      <p:ext uri="{BB962C8B-B14F-4D97-AF65-F5344CB8AC3E}">
-        <p14:creationId xmlns:p14="http://schemas.microsoft.com/office/powerpoint/2010/main" val="774141447"/>
-      </p:ext>
-    </p:extLst>
-  </p:cSld>
-  <p:clrMapOvr>
-    <a:masterClrMapping/>
-  </p:clrMapOvr>
-</p:sld>
-</file>
-
-<file path=ppt/slides/slide12.xml><?xml version="1.0" encoding="utf-8"?>
-<p:sld xmlns:a="http://schemas.openxmlformats.org/drawingml/2006/main" xmlns:r="http://schemas.openxmlformats.org/officeDocument/2006/relationships" xmlns:p="http://schemas.openxmlformats.org/presentationml/2006/main">
-  <p:cSld>
-    <p:spTree>
-      <p:nvGrpSpPr>
-        <p:cNvPr id="1" name=""/>
-        <p:cNvGrpSpPr/>
-        <p:nvPr/>
-      </p:nvGrpSpPr>
-      <p:grpSpPr>
-        <a:xfrm>
-          <a:off x="0" y="0"/>
-          <a:ext cx="0" cy="0"/>
-          <a:chOff x="0" y="0"/>
-          <a:chExt cx="0" cy="0"/>
-        </a:xfrm>
-      </p:grpSpPr>
-      <p:sp>
-        <p:nvSpPr>
-          <p:cNvPr id="3" name="TextBox 2">
-            <a:extLst>
-              <a:ext uri="{FF2B5EF4-FFF2-40B4-BE49-F238E27FC236}">
-                <a16:creationId xmlns:a16="http://schemas.microsoft.com/office/drawing/2014/main" id="{54864A9D-4DB4-48B5-8888-6B62293FB5B2}"/>
-              </a:ext>
-            </a:extLst>
-          </p:cNvPr>
-          <p:cNvSpPr txBox="1"/>
-          <p:nvPr/>
-        </p:nvSpPr>
-        <p:spPr>
-          <a:xfrm>
-            <a:off x="9606146" y="409877"/>
-            <a:ext cx="1707519" cy="1015663"/>
-          </a:xfrm>
-          <a:prstGeom prst="rect">
-            <a:avLst/>
-          </a:prstGeom>
-          <a:noFill/>
-        </p:spPr>
-        <p:txBody>
-          <a:bodyPr wrap="none" rtlCol="0">
-            <a:spAutoFit/>
-          </a:bodyPr>
-          <a:lstStyle/>
-          <a:p>
-            <a:pPr algn="r"/>
-            <a:r>
-              <a:rPr lang="en-US" altLang="ko-KR" sz="6000" dirty="0">
-                <a:solidFill>
-                  <a:schemeClr val="bg1"/>
-                </a:solidFill>
-                <a:latin typeface="경기천년바탕 Bold" panose="02020803020101020101" pitchFamily="18" charset="-127"/>
-                <a:ea typeface="경기천년바탕 Bold" panose="02020803020101020101" pitchFamily="18" charset="-127"/>
-              </a:rPr>
-              <a:t>Item</a:t>
-            </a:r>
-            <a:endParaRPr lang="ko-KR" altLang="en-US" sz="6000" dirty="0">
-              <a:solidFill>
-                <a:schemeClr val="bg1"/>
-              </a:solidFill>
-              <a:latin typeface="경기천년바탕 Bold" panose="02020803020101020101" pitchFamily="18" charset="-127"/>
-              <a:ea typeface="경기천년바탕 Bold" panose="02020803020101020101" pitchFamily="18" charset="-127"/>
-            </a:endParaRPr>
-          </a:p>
-        </p:txBody>
-      </p:sp>
-      <p:sp>
-        <p:nvSpPr>
-          <p:cNvPr id="9" name="L 도형 8">
-            <a:extLst>
-              <a:ext uri="{FF2B5EF4-FFF2-40B4-BE49-F238E27FC236}">
-                <a16:creationId xmlns:a16="http://schemas.microsoft.com/office/drawing/2014/main" id="{84B1B958-581A-4B20-90C9-DF550356EE42}"/>
-              </a:ext>
-            </a:extLst>
-          </p:cNvPr>
-          <p:cNvSpPr/>
-          <p:nvPr/>
-        </p:nvSpPr>
-        <p:spPr>
-          <a:xfrm rot="10800000">
-            <a:off x="11145873" y="340996"/>
-            <a:ext cx="680318" cy="680318"/>
-          </a:xfrm>
-          <a:prstGeom prst="corner">
-            <a:avLst>
-              <a:gd name="adj1" fmla="val 10000"/>
-              <a:gd name="adj2" fmla="val 8667"/>
-            </a:avLst>
-          </a:prstGeom>
-          <a:solidFill>
-            <a:schemeClr val="accent4">
-              <a:lumMod val="20000"/>
-              <a:lumOff val="80000"/>
-            </a:schemeClr>
-          </a:solidFill>
-          <a:ln>
-            <a:noFill/>
-          </a:ln>
-        </p:spPr>
-        <p:style>
-          <a:lnRef idx="2">
-            <a:schemeClr val="accent1">
-              <a:shade val="50000"/>
-            </a:schemeClr>
-          </a:lnRef>
-          <a:fillRef idx="1">
-            <a:schemeClr val="accent1"/>
-          </a:fillRef>
-          <a:effectRef idx="0">
-            <a:schemeClr val="accent1"/>
-          </a:effectRef>
-          <a:fontRef idx="minor">
-            <a:schemeClr val="lt1"/>
-          </a:fontRef>
-        </p:style>
-        <p:txBody>
-          <a:bodyPr rtlCol="0" anchor="ctr"/>
-          <a:lstStyle/>
-          <a:p>
-            <a:pPr algn="ctr"/>
-            <a:endParaRPr lang="ko-KR" altLang="en-US"/>
-          </a:p>
-        </p:txBody>
-      </p:sp>
-      <p:pic>
-        <p:nvPicPr>
-          <p:cNvPr id="4" name="그림 3">
-            <a:extLst>
-              <a:ext uri="{FF2B5EF4-FFF2-40B4-BE49-F238E27FC236}">
-                <a16:creationId xmlns:a16="http://schemas.microsoft.com/office/drawing/2014/main" id="{2B8D24F6-E464-48E9-8180-9D474EB3C0BC}"/>
-              </a:ext>
-            </a:extLst>
-          </p:cNvPr>
-          <p:cNvPicPr>
-            <a:picLocks noChangeAspect="1"/>
-          </p:cNvPicPr>
-          <p:nvPr/>
-        </p:nvPicPr>
-        <p:blipFill>
-          <a:blip r:embed="rId2">
-            <a:extLst>
-              <a:ext uri="{28A0092B-C50C-407E-A947-70E740481C1C}">
-                <a14:useLocalDpi xmlns:a14="http://schemas.microsoft.com/office/drawing/2010/main" val="0"/>
-              </a:ext>
-            </a:extLst>
-          </a:blip>
-          <a:stretch>
-            <a:fillRect/>
-          </a:stretch>
-        </p:blipFill>
-        <p:spPr>
-          <a:xfrm>
-            <a:off x="2864452" y="2055399"/>
-            <a:ext cx="1053968" cy="1130159"/>
-          </a:xfrm>
-          <a:prstGeom prst="rect">
-            <a:avLst/>
-          </a:prstGeom>
-          <a:effectLst>
-            <a:outerShdw blurRad="50800" dist="38100" algn="l" rotWithShape="0">
-              <a:prstClr val="black">
-                <a:alpha val="40000"/>
-              </a:prstClr>
-            </a:outerShdw>
-          </a:effectLst>
-        </p:spPr>
-      </p:pic>
-      <p:pic>
-        <p:nvPicPr>
-          <p:cNvPr id="6" name="그림 5" descr="옅은이(가) 표시된 사진&#10;&#10;자동 생성된 설명">
-            <a:extLst>
-              <a:ext uri="{FF2B5EF4-FFF2-40B4-BE49-F238E27FC236}">
-                <a16:creationId xmlns:a16="http://schemas.microsoft.com/office/drawing/2014/main" id="{E3A49390-A601-4693-8484-9B10C6F83C9F}"/>
-              </a:ext>
-            </a:extLst>
-          </p:cNvPr>
-          <p:cNvPicPr>
-            <a:picLocks noChangeAspect="1"/>
-          </p:cNvPicPr>
-          <p:nvPr/>
-        </p:nvPicPr>
-        <p:blipFill>
-          <a:blip r:embed="rId3">
-            <a:extLst>
-              <a:ext uri="{28A0092B-C50C-407E-A947-70E740481C1C}">
-                <a14:useLocalDpi xmlns:a14="http://schemas.microsoft.com/office/drawing/2010/main" val="0"/>
-              </a:ext>
-            </a:extLst>
-          </a:blip>
-          <a:stretch>
-            <a:fillRect/>
-          </a:stretch>
-        </p:blipFill>
-        <p:spPr>
-          <a:xfrm>
-            <a:off x="2864452" y="4441994"/>
-            <a:ext cx="1053968" cy="1130159"/>
-          </a:xfrm>
-          <a:prstGeom prst="rect">
-            <a:avLst/>
-          </a:prstGeom>
-          <a:effectLst>
-            <a:outerShdw blurRad="50800" dist="38100" algn="l" rotWithShape="0">
-              <a:prstClr val="black">
-                <a:alpha val="40000"/>
-              </a:prstClr>
-            </a:outerShdw>
-          </a:effectLst>
-        </p:spPr>
-      </p:pic>
-      <p:pic>
-        <p:nvPicPr>
-          <p:cNvPr id="17" name="그림 16" descr="게임이(가) 표시된 사진&#10;&#10;자동 생성된 설명">
-            <a:extLst>
-              <a:ext uri="{FF2B5EF4-FFF2-40B4-BE49-F238E27FC236}">
-                <a16:creationId xmlns:a16="http://schemas.microsoft.com/office/drawing/2014/main" id="{0F50BAEE-FB7C-47EB-ABA7-3C6B7CC11BF3}"/>
-              </a:ext>
-            </a:extLst>
-          </p:cNvPr>
-          <p:cNvPicPr>
-            <a:picLocks noChangeAspect="1"/>
-          </p:cNvPicPr>
-          <p:nvPr/>
-        </p:nvPicPr>
-        <p:blipFill>
-          <a:blip r:embed="rId4">
-            <a:extLst>
-              <a:ext uri="{28A0092B-C50C-407E-A947-70E740481C1C}">
-                <a14:useLocalDpi xmlns:a14="http://schemas.microsoft.com/office/drawing/2010/main" val="0"/>
-              </a:ext>
-            </a:extLst>
-          </a:blip>
-          <a:stretch>
-            <a:fillRect/>
-          </a:stretch>
-        </p:blipFill>
-        <p:spPr>
-          <a:xfrm>
-            <a:off x="2864452" y="3185558"/>
-            <a:ext cx="1053968" cy="1130159"/>
-          </a:xfrm>
-          <a:prstGeom prst="rect">
-            <a:avLst/>
-          </a:prstGeom>
-          <a:effectLst>
-            <a:outerShdw blurRad="50800" dist="38100" algn="l" rotWithShape="0">
-              <a:prstClr val="black">
-                <a:alpha val="40000"/>
-              </a:prstClr>
-            </a:outerShdw>
-          </a:effectLst>
-        </p:spPr>
-      </p:pic>
-      <p:sp>
-        <p:nvSpPr>
-          <p:cNvPr id="18" name="TextBox 17">
-            <a:extLst>
-              <a:ext uri="{FF2B5EF4-FFF2-40B4-BE49-F238E27FC236}">
-                <a16:creationId xmlns:a16="http://schemas.microsoft.com/office/drawing/2014/main" id="{A3F3BD14-B60A-45F1-8692-9F43A08D304C}"/>
-              </a:ext>
-            </a:extLst>
-          </p:cNvPr>
-          <p:cNvSpPr txBox="1"/>
-          <p:nvPr/>
-        </p:nvSpPr>
-        <p:spPr>
-          <a:xfrm>
-            <a:off x="4154344" y="2266535"/>
-            <a:ext cx="5451802" cy="707886"/>
-          </a:xfrm>
-          <a:prstGeom prst="rect">
-            <a:avLst/>
-          </a:prstGeom>
-          <a:noFill/>
-        </p:spPr>
-        <p:txBody>
-          <a:bodyPr wrap="square" rtlCol="0">
-            <a:spAutoFit/>
-          </a:bodyPr>
-          <a:lstStyle/>
-          <a:p>
             <a:r>
               <a:rPr lang="en-US" altLang="ko-KR" sz="4000" dirty="0">
                 <a:solidFill>
@@ -5792,7 +3992,7 @@
                 <a:ea typeface="경기천년바탕 Regular" panose="02020503020101020101" pitchFamily="18" charset="-127"/>
                 <a:cs typeface="Times New Roman" panose="02020603050405020304" pitchFamily="18" charset="0"/>
               </a:rPr>
-              <a:t>섬광탄 </a:t>
+              <a:t>저격총</a:t>
             </a:r>
             <a:r>
               <a:rPr lang="en-US" altLang="ko-KR" sz="2400" dirty="0">
@@ -5814,55 +4014,18 @@
                 <a:ea typeface="경기천년바탕 Regular" panose="02020503020101020101" pitchFamily="18" charset="-127"/>
                 <a:cs typeface="Times New Roman" panose="02020603050405020304" pitchFamily="18" charset="0"/>
               </a:rPr>
-              <a:t>피격  적 유닛의 시야 제한</a:t>
-            </a:r>
-            <a:endParaRPr lang="ko-KR" altLang="en-US" sz="4000" dirty="0">
-              <a:solidFill>
-                <a:schemeClr val="bg1"/>
-              </a:solidFill>
-              <a:latin typeface="경기천년바탕 Regular" panose="02020503020101020101" pitchFamily="18" charset="-127"/>
-              <a:ea typeface="경기천년바탕 Regular" panose="02020503020101020101" pitchFamily="18" charset="-127"/>
-            </a:endParaRPr>
-          </a:p>
-        </p:txBody>
-      </p:sp>
-      <p:sp>
-        <p:nvSpPr>
-          <p:cNvPr id="19" name="TextBox 18">
-            <a:extLst>
-              <a:ext uri="{FF2B5EF4-FFF2-40B4-BE49-F238E27FC236}">
-                <a16:creationId xmlns:a16="http://schemas.microsoft.com/office/drawing/2014/main" id="{69F40EAE-D42F-4CFB-9B82-20DAC56FC3B9}"/>
-              </a:ext>
-            </a:extLst>
-          </p:cNvPr>
-          <p:cNvSpPr txBox="1"/>
-          <p:nvPr/>
-        </p:nvSpPr>
-        <p:spPr>
-          <a:xfrm>
-            <a:off x="4154344" y="3443843"/>
-            <a:ext cx="5451802" cy="707886"/>
-          </a:xfrm>
-          <a:prstGeom prst="rect">
-            <a:avLst/>
-          </a:prstGeom>
-          <a:noFill/>
-        </p:spPr>
-        <p:txBody>
-          <a:bodyPr wrap="square" rtlCol="0">
-            <a:spAutoFit/>
-          </a:bodyPr>
-          <a:lstStyle/>
-          <a:p>
-            <a:r>
-              <a:rPr lang="en-US" altLang="ko-KR" sz="4000" dirty="0">
-                <a:solidFill>
-                  <a:schemeClr val="bg1"/>
-                </a:solidFill>
-                <a:latin typeface="경기천년바탕 Regular" panose="02020503020101020101" pitchFamily="18" charset="-127"/>
-                <a:ea typeface="경기천년바탕 Regular" panose="02020503020101020101" pitchFamily="18" charset="-127"/>
-              </a:rPr>
-              <a:t>: </a:t>
+              <a:t>사거리 길고</a:t>
+            </a:r>
+            <a:r>
+              <a:rPr lang="en-US" altLang="ko-KR" sz="2400" dirty="0">
+                <a:solidFill>
+                  <a:schemeClr val="bg1"/>
+                </a:solidFill>
+                <a:latin typeface="경기천년바탕 Regular" panose="02020503020101020101" pitchFamily="18" charset="-127"/>
+                <a:ea typeface="경기천년바탕 Regular" panose="02020503020101020101" pitchFamily="18" charset="-127"/>
+                <a:cs typeface="Times New Roman" panose="02020603050405020304" pitchFamily="18" charset="0"/>
+              </a:rPr>
+              <a:t>, </a:t>
             </a:r>
             <a:r>
               <a:rPr lang="ko-KR" altLang="en-US" sz="2400" dirty="0">
@@ -5873,7 +4036,7 @@
                 <a:ea typeface="경기천년바탕 Regular" panose="02020503020101020101" pitchFamily="18" charset="-127"/>
                 <a:cs typeface="Times New Roman" panose="02020603050405020304" pitchFamily="18" charset="0"/>
               </a:rPr>
-              <a:t>연막탄 </a:t>
+              <a:t>데미지 강함</a:t>
             </a:r>
             <a:r>
               <a:rPr lang="en-US" altLang="ko-KR" sz="2400" dirty="0">
@@ -5884,7 +4047,31 @@
                 <a:ea typeface="경기천년바탕 Regular" panose="02020503020101020101" pitchFamily="18" charset="-127"/>
                 <a:cs typeface="Times New Roman" panose="02020603050405020304" pitchFamily="18" charset="0"/>
               </a:rPr>
-              <a:t>– </a:t>
+              <a:t>.</a:t>
+            </a:r>
+          </a:p>
+          <a:p>
+            <a:r>
+              <a:rPr lang="en-US" altLang="ko-KR" sz="2400" dirty="0">
+                <a:solidFill>
+                  <a:schemeClr val="bg1"/>
+                </a:solidFill>
+                <a:latin typeface="경기천년바탕 Regular" panose="02020503020101020101" pitchFamily="18" charset="-127"/>
+                <a:ea typeface="경기천년바탕 Regular" panose="02020503020101020101" pitchFamily="18" charset="-127"/>
+                <a:cs typeface="Times New Roman" panose="02020603050405020304" pitchFamily="18" charset="0"/>
+              </a:rPr>
+              <a:t>               </a:t>
+            </a:r>
+            <a:r>
+              <a:rPr lang="ko-KR" altLang="en-US" sz="2400" dirty="0" err="1">
+                <a:solidFill>
+                  <a:schemeClr val="bg1"/>
+                </a:solidFill>
+                <a:latin typeface="경기천년바탕 Regular" panose="02020503020101020101" pitchFamily="18" charset="-127"/>
+                <a:ea typeface="경기천년바탕 Regular" panose="02020503020101020101" pitchFamily="18" charset="-127"/>
+                <a:cs typeface="Times New Roman" panose="02020603050405020304" pitchFamily="18" charset="0"/>
+              </a:rPr>
+              <a:t>쿨타임</a:t>
             </a:r>
             <a:r>
               <a:rPr lang="ko-KR" altLang="en-US" sz="2400" dirty="0">
@@ -5895,7 +4082,7 @@
                 <a:ea typeface="경기천년바탕 Regular" panose="02020503020101020101" pitchFamily="18" charset="-127"/>
                 <a:cs typeface="Times New Roman" panose="02020603050405020304" pitchFamily="18" charset="0"/>
               </a:rPr>
-              <a:t>피격 범위 내 유닛의 시야 제한</a:t>
+              <a:t> 길고</a:t>
             </a:r>
             <a:r>
               <a:rPr lang="en-US" altLang="ko-KR" sz="2400" dirty="0">
@@ -5906,55 +4093,7 @@
                 <a:ea typeface="경기천년바탕 Regular" panose="02020503020101020101" pitchFamily="18" charset="-127"/>
                 <a:cs typeface="Times New Roman" panose="02020603050405020304" pitchFamily="18" charset="0"/>
               </a:rPr>
-              <a:t>  </a:t>
-            </a:r>
-            <a:endParaRPr lang="ko-KR" altLang="en-US" sz="4000" dirty="0">
-              <a:solidFill>
-                <a:schemeClr val="bg1"/>
-              </a:solidFill>
-              <a:latin typeface="경기천년바탕 Regular" panose="02020503020101020101" pitchFamily="18" charset="-127"/>
-              <a:ea typeface="경기천년바탕 Regular" panose="02020503020101020101" pitchFamily="18" charset="-127"/>
-            </a:endParaRPr>
-          </a:p>
-        </p:txBody>
-      </p:sp>
-      <p:sp>
-        <p:nvSpPr>
-          <p:cNvPr id="20" name="TextBox 19">
-            <a:extLst>
-              <a:ext uri="{FF2B5EF4-FFF2-40B4-BE49-F238E27FC236}">
-                <a16:creationId xmlns:a16="http://schemas.microsoft.com/office/drawing/2014/main" id="{DC03AA0E-28A2-40C9-A6A8-BF867CB23A63}"/>
-              </a:ext>
-            </a:extLst>
-          </p:cNvPr>
-          <p:cNvSpPr txBox="1"/>
-          <p:nvPr/>
-        </p:nvSpPr>
-        <p:spPr>
-          <a:xfrm>
-            <a:off x="4154345" y="4621151"/>
-            <a:ext cx="4398961" cy="707886"/>
-          </a:xfrm>
-          <a:prstGeom prst="rect">
-            <a:avLst/>
-          </a:prstGeom>
-          <a:noFill/>
-        </p:spPr>
-        <p:txBody>
-          <a:bodyPr wrap="none" rtlCol="0">
-            <a:spAutoFit/>
-          </a:bodyPr>
-          <a:lstStyle/>
-          <a:p>
-            <a:r>
-              <a:rPr lang="en-US" altLang="ko-KR" sz="4000" dirty="0">
-                <a:solidFill>
-                  <a:schemeClr val="bg1"/>
-                </a:solidFill>
-                <a:latin typeface="경기천년바탕 Regular" panose="02020503020101020101" pitchFamily="18" charset="-127"/>
-                <a:ea typeface="경기천년바탕 Regular" panose="02020503020101020101" pitchFamily="18" charset="-127"/>
-              </a:rPr>
-              <a:t>: </a:t>
+              <a:t>, </a:t>
             </a:r>
             <a:r>
               <a:rPr lang="ko-KR" altLang="en-US" sz="2400" dirty="0">
@@ -5965,10 +4104,10 @@
                 <a:ea typeface="경기천년바탕 Regular" panose="02020503020101020101" pitchFamily="18" charset="-127"/>
                 <a:cs typeface="Times New Roman" panose="02020603050405020304" pitchFamily="18" charset="0"/>
               </a:rPr>
-              <a:t>수류탄 </a:t>
-            </a:r>
-            <a:r>
-              <a:rPr lang="en-US" altLang="ko-KR" sz="2400" dirty="0">
+              <a:t>탄창 </a:t>
+            </a:r>
+            <a:r>
+              <a:rPr lang="ko-KR" altLang="en-US" sz="2400" dirty="0" err="1">
                 <a:solidFill>
                   <a:schemeClr val="bg1"/>
                 </a:solidFill>
@@ -5976,7 +4115,7 @@
                 <a:ea typeface="경기천년바탕 Regular" panose="02020503020101020101" pitchFamily="18" charset="-127"/>
                 <a:cs typeface="Times New Roman" panose="02020603050405020304" pitchFamily="18" charset="0"/>
               </a:rPr>
-              <a:t>– </a:t>
+              <a:t>소모시</a:t>
             </a:r>
             <a:r>
               <a:rPr lang="ko-KR" altLang="en-US" sz="2400" dirty="0">
@@ -5987,268 +4126,7 @@
                 <a:ea typeface="경기천년바탕 Regular" panose="02020503020101020101" pitchFamily="18" charset="-127"/>
                 <a:cs typeface="Times New Roman" panose="02020603050405020304" pitchFamily="18" charset="0"/>
               </a:rPr>
-              <a:t>피격 적 유닛에 데미지</a:t>
-            </a:r>
-            <a:endParaRPr lang="ko-KR" altLang="en-US" sz="4000" dirty="0">
-              <a:solidFill>
-                <a:schemeClr val="bg1"/>
-              </a:solidFill>
-              <a:latin typeface="경기천년바탕 Regular" panose="02020503020101020101" pitchFamily="18" charset="-127"/>
-              <a:ea typeface="경기천년바탕 Regular" panose="02020503020101020101" pitchFamily="18" charset="-127"/>
-            </a:endParaRPr>
-          </a:p>
-        </p:txBody>
-      </p:sp>
-    </p:spTree>
-    <p:extLst>
-      <p:ext uri="{BB962C8B-B14F-4D97-AF65-F5344CB8AC3E}">
-        <p14:creationId xmlns:p14="http://schemas.microsoft.com/office/powerpoint/2010/main" val="2590619000"/>
-      </p:ext>
-    </p:extLst>
-  </p:cSld>
-  <p:clrMapOvr>
-    <a:masterClrMapping/>
-  </p:clrMapOvr>
-</p:sld>
-</file>
-
-<file path=ppt/slides/slide13.xml><?xml version="1.0" encoding="utf-8"?>
-<p:sld xmlns:a="http://schemas.openxmlformats.org/drawingml/2006/main" xmlns:r="http://schemas.openxmlformats.org/officeDocument/2006/relationships" xmlns:p="http://schemas.openxmlformats.org/presentationml/2006/main">
-  <p:cSld>
-    <p:spTree>
-      <p:nvGrpSpPr>
-        <p:cNvPr id="1" name=""/>
-        <p:cNvGrpSpPr/>
-        <p:nvPr/>
-      </p:nvGrpSpPr>
-      <p:grpSpPr>
-        <a:xfrm>
-          <a:off x="0" y="0"/>
-          <a:ext cx="0" cy="0"/>
-          <a:chOff x="0" y="0"/>
-          <a:chExt cx="0" cy="0"/>
-        </a:xfrm>
-      </p:grpSpPr>
-      <p:sp>
-        <p:nvSpPr>
-          <p:cNvPr id="3" name="TextBox 2">
-            <a:extLst>
-              <a:ext uri="{FF2B5EF4-FFF2-40B4-BE49-F238E27FC236}">
-                <a16:creationId xmlns:a16="http://schemas.microsoft.com/office/drawing/2014/main" id="{54864A9D-4DB4-48B5-8888-6B62293FB5B2}"/>
-              </a:ext>
-            </a:extLst>
-          </p:cNvPr>
-          <p:cNvSpPr txBox="1"/>
-          <p:nvPr/>
-        </p:nvSpPr>
-        <p:spPr>
-          <a:xfrm>
-            <a:off x="9606146" y="409877"/>
-            <a:ext cx="1707519" cy="1015663"/>
-          </a:xfrm>
-          <a:prstGeom prst="rect">
-            <a:avLst/>
-          </a:prstGeom>
-          <a:noFill/>
-        </p:spPr>
-        <p:txBody>
-          <a:bodyPr wrap="none" rtlCol="0">
-            <a:spAutoFit/>
-          </a:bodyPr>
-          <a:lstStyle/>
-          <a:p>
-            <a:pPr algn="r"/>
-            <a:r>
-              <a:rPr lang="en-US" altLang="ko-KR" sz="6000" dirty="0">
-                <a:solidFill>
-                  <a:schemeClr val="bg1"/>
-                </a:solidFill>
-                <a:latin typeface="경기천년바탕 Bold" panose="02020803020101020101" pitchFamily="18" charset="-127"/>
-                <a:ea typeface="경기천년바탕 Bold" panose="02020803020101020101" pitchFamily="18" charset="-127"/>
-              </a:rPr>
-              <a:t>Item</a:t>
-            </a:r>
-            <a:endParaRPr lang="ko-KR" altLang="en-US" sz="6000" dirty="0">
-              <a:solidFill>
-                <a:schemeClr val="bg1"/>
-              </a:solidFill>
-              <a:latin typeface="경기천년바탕 Bold" panose="02020803020101020101" pitchFamily="18" charset="-127"/>
-              <a:ea typeface="경기천년바탕 Bold" panose="02020803020101020101" pitchFamily="18" charset="-127"/>
-            </a:endParaRPr>
-          </a:p>
-        </p:txBody>
-      </p:sp>
-      <p:sp>
-        <p:nvSpPr>
-          <p:cNvPr id="9" name="L 도형 8">
-            <a:extLst>
-              <a:ext uri="{FF2B5EF4-FFF2-40B4-BE49-F238E27FC236}">
-                <a16:creationId xmlns:a16="http://schemas.microsoft.com/office/drawing/2014/main" id="{84B1B958-581A-4B20-90C9-DF550356EE42}"/>
-              </a:ext>
-            </a:extLst>
-          </p:cNvPr>
-          <p:cNvSpPr/>
-          <p:nvPr/>
-        </p:nvSpPr>
-        <p:spPr>
-          <a:xfrm rot="10800000">
-            <a:off x="11145873" y="340996"/>
-            <a:ext cx="680318" cy="680318"/>
-          </a:xfrm>
-          <a:prstGeom prst="corner">
-            <a:avLst>
-              <a:gd name="adj1" fmla="val 10000"/>
-              <a:gd name="adj2" fmla="val 8667"/>
-            </a:avLst>
-          </a:prstGeom>
-          <a:solidFill>
-            <a:schemeClr val="accent4">
-              <a:lumMod val="20000"/>
-              <a:lumOff val="80000"/>
-            </a:schemeClr>
-          </a:solidFill>
-          <a:ln>
-            <a:noFill/>
-          </a:ln>
-        </p:spPr>
-        <p:style>
-          <a:lnRef idx="2">
-            <a:schemeClr val="accent1">
-              <a:shade val="50000"/>
-            </a:schemeClr>
-          </a:lnRef>
-          <a:fillRef idx="1">
-            <a:schemeClr val="accent1"/>
-          </a:fillRef>
-          <a:effectRef idx="0">
-            <a:schemeClr val="accent1"/>
-          </a:effectRef>
-          <a:fontRef idx="minor">
-            <a:schemeClr val="lt1"/>
-          </a:fontRef>
-        </p:style>
-        <p:txBody>
-          <a:bodyPr rtlCol="0" anchor="ctr"/>
-          <a:lstStyle/>
-          <a:p>
-            <a:pPr algn="ctr"/>
-            <a:endParaRPr lang="ko-KR" altLang="en-US"/>
-          </a:p>
-        </p:txBody>
-      </p:sp>
-      <p:pic>
-        <p:nvPicPr>
-          <p:cNvPr id="10" name="그림 9">
-            <a:extLst>
-              <a:ext uri="{FF2B5EF4-FFF2-40B4-BE49-F238E27FC236}">
-                <a16:creationId xmlns:a16="http://schemas.microsoft.com/office/drawing/2014/main" id="{B7B00ED8-8226-477E-9209-AE49381139BA}"/>
-              </a:ext>
-            </a:extLst>
-          </p:cNvPr>
-          <p:cNvPicPr>
-            <a:picLocks noChangeAspect="1"/>
-          </p:cNvPicPr>
-          <p:nvPr/>
-        </p:nvPicPr>
-        <p:blipFill>
-          <a:blip r:embed="rId2">
-            <a:extLst>
-              <a:ext uri="{28A0092B-C50C-407E-A947-70E740481C1C}">
-                <a14:useLocalDpi xmlns:a14="http://schemas.microsoft.com/office/drawing/2010/main" val="0"/>
-              </a:ext>
-            </a:extLst>
-          </a:blip>
-          <a:stretch>
-            <a:fillRect/>
-          </a:stretch>
-        </p:blipFill>
-        <p:spPr>
-          <a:xfrm>
-            <a:off x="3767238" y="3225685"/>
-            <a:ext cx="1307936" cy="888889"/>
-          </a:xfrm>
-          <a:prstGeom prst="rect">
-            <a:avLst/>
-          </a:prstGeom>
-          <a:effectLst>
-            <a:outerShdw blurRad="50800" dist="38100" algn="l" rotWithShape="0">
-              <a:prstClr val="black">
-                <a:alpha val="40000"/>
-              </a:prstClr>
-            </a:outerShdw>
-          </a:effectLst>
-        </p:spPr>
-      </p:pic>
-      <p:sp>
-        <p:nvSpPr>
-          <p:cNvPr id="18" name="TextBox 17">
-            <a:extLst>
-              <a:ext uri="{FF2B5EF4-FFF2-40B4-BE49-F238E27FC236}">
-                <a16:creationId xmlns:a16="http://schemas.microsoft.com/office/drawing/2014/main" id="{A3F3BD14-B60A-45F1-8692-9F43A08D304C}"/>
-              </a:ext>
-            </a:extLst>
-          </p:cNvPr>
-          <p:cNvSpPr txBox="1"/>
-          <p:nvPr/>
-        </p:nvSpPr>
-        <p:spPr>
-          <a:xfrm>
-            <a:off x="5184114" y="3161685"/>
-            <a:ext cx="5451802" cy="707886"/>
-          </a:xfrm>
-          <a:prstGeom prst="rect">
-            <a:avLst/>
-          </a:prstGeom>
-          <a:noFill/>
-        </p:spPr>
-        <p:txBody>
-          <a:bodyPr wrap="square" rtlCol="0">
-            <a:spAutoFit/>
-          </a:bodyPr>
-          <a:lstStyle/>
-          <a:p>
-            <a:r>
-              <a:rPr lang="en-US" altLang="ko-KR" sz="4000" dirty="0">
-                <a:solidFill>
-                  <a:schemeClr val="bg1"/>
-                </a:solidFill>
-                <a:latin typeface="경기천년바탕 Regular" panose="02020503020101020101" pitchFamily="18" charset="-127"/>
-                <a:ea typeface="경기천년바탕 Regular" panose="02020503020101020101" pitchFamily="18" charset="-127"/>
-              </a:rPr>
-              <a:t>: </a:t>
-            </a:r>
-            <a:r>
-              <a:rPr lang="ko-KR" altLang="en-US" sz="2400" dirty="0">
-                <a:solidFill>
-                  <a:schemeClr val="bg1"/>
-                </a:solidFill>
-                <a:latin typeface="경기천년바탕 Regular" panose="02020503020101020101" pitchFamily="18" charset="-127"/>
-                <a:ea typeface="경기천년바탕 Regular" panose="02020503020101020101" pitchFamily="18" charset="-127"/>
-                <a:cs typeface="Times New Roman" panose="02020603050405020304" pitchFamily="18" charset="0"/>
-              </a:rPr>
-              <a:t>권총 </a:t>
-            </a:r>
-            <a:r>
-              <a:rPr lang="en-US" altLang="ko-KR" sz="2400" dirty="0">
-                <a:solidFill>
-                  <a:schemeClr val="bg1"/>
-                </a:solidFill>
-                <a:latin typeface="경기천년바탕 Regular" panose="02020503020101020101" pitchFamily="18" charset="-127"/>
-                <a:ea typeface="경기천년바탕 Regular" panose="02020503020101020101" pitchFamily="18" charset="-127"/>
-                <a:cs typeface="Times New Roman" panose="02020603050405020304" pitchFamily="18" charset="0"/>
-              </a:rPr>
-              <a:t>– </a:t>
-            </a:r>
-            <a:r>
-              <a:rPr lang="ko-KR" altLang="en-US" sz="2400" dirty="0" err="1">
-                <a:solidFill>
-                  <a:schemeClr val="bg1"/>
-                </a:solidFill>
-                <a:latin typeface="경기천년바탕 Regular" panose="02020503020101020101" pitchFamily="18" charset="-127"/>
-                <a:ea typeface="경기천년바탕 Regular" panose="02020503020101020101" pitchFamily="18" charset="-127"/>
-                <a:cs typeface="Times New Roman" panose="02020603050405020304" pitchFamily="18" charset="0"/>
-              </a:rPr>
-              <a:t>어쩌구저쩌구</a:t>
+              <a:t> 파괴</a:t>
             </a:r>
             <a:endParaRPr lang="ko-KR" altLang="en-US" sz="4000" dirty="0">
               <a:solidFill>
@@ -6273,7 +4151,7 @@
 </p:sld>
 </file>
 
-<file path=ppt/slides/slide14.xml><?xml version="1.0" encoding="utf-8"?>
+<file path=ppt/slides/slide11.xml><?xml version="1.0" encoding="utf-8"?>
 <p:sld xmlns:a="http://schemas.openxmlformats.org/drawingml/2006/main" xmlns:r="http://schemas.openxmlformats.org/officeDocument/2006/relationships" xmlns:p="http://schemas.openxmlformats.org/presentationml/2006/main">
   <p:cSld>
     <p:spTree>
@@ -6676,10 +4554,118 @@
       </p:grpSpPr>
       <p:sp>
         <p:nvSpPr>
-          <p:cNvPr id="2" name="직사각형 1">
-            <a:extLst>
-              <a:ext uri="{FF2B5EF4-FFF2-40B4-BE49-F238E27FC236}">
-                <a16:creationId xmlns:a16="http://schemas.microsoft.com/office/drawing/2014/main" id="{6323164C-9256-4D75-84A9-D40A65BE6D60}"/>
+          <p:cNvPr id="3" name="TextBox 2">
+            <a:extLst>
+              <a:ext uri="{FF2B5EF4-FFF2-40B4-BE49-F238E27FC236}">
+                <a16:creationId xmlns:a16="http://schemas.microsoft.com/office/drawing/2014/main" id="{54864A9D-4DB4-48B5-8888-6B62293FB5B2}"/>
+              </a:ext>
+            </a:extLst>
+          </p:cNvPr>
+          <p:cNvSpPr txBox="1"/>
+          <p:nvPr/>
+        </p:nvSpPr>
+        <p:spPr>
+          <a:xfrm>
+            <a:off x="8816753" y="690880"/>
+            <a:ext cx="1861407" cy="1323439"/>
+          </a:xfrm>
+          <a:prstGeom prst="rect">
+            <a:avLst/>
+          </a:prstGeom>
+          <a:noFill/>
+        </p:spPr>
+        <p:txBody>
+          <a:bodyPr wrap="none" rtlCol="0">
+            <a:spAutoFit/>
+          </a:bodyPr>
+          <a:lstStyle/>
+          <a:p>
+            <a:pPr algn="r"/>
+            <a:r>
+              <a:rPr lang="en-US" altLang="ko-KR" sz="4000" dirty="0">
+                <a:solidFill>
+                  <a:schemeClr val="bg1"/>
+                </a:solidFill>
+                <a:latin typeface="경기천년바탕 Bold" panose="02020803020101020101" pitchFamily="18" charset="-127"/>
+                <a:ea typeface="경기천년바탕 Bold" panose="02020803020101020101" pitchFamily="18" charset="-127"/>
+              </a:rPr>
+              <a:t>About</a:t>
+            </a:r>
+          </a:p>
+          <a:p>
+            <a:pPr algn="r"/>
+            <a:r>
+              <a:rPr lang="en-US" altLang="ko-KR" sz="4000" dirty="0">
+                <a:solidFill>
+                  <a:schemeClr val="bg1"/>
+                </a:solidFill>
+                <a:latin typeface="경기천년바탕 Bold" panose="02020803020101020101" pitchFamily="18" charset="-127"/>
+                <a:ea typeface="경기천년바탕 Bold" panose="02020803020101020101" pitchFamily="18" charset="-127"/>
+              </a:rPr>
+              <a:t>Service</a:t>
+            </a:r>
+            <a:endParaRPr lang="ko-KR" altLang="en-US" sz="4000" dirty="0">
+              <a:solidFill>
+                <a:schemeClr val="bg1"/>
+              </a:solidFill>
+              <a:latin typeface="경기천년바탕 Bold" panose="02020803020101020101" pitchFamily="18" charset="-127"/>
+              <a:ea typeface="경기천년바탕 Bold" panose="02020803020101020101" pitchFamily="18" charset="-127"/>
+            </a:endParaRPr>
+          </a:p>
+        </p:txBody>
+      </p:sp>
+      <p:cxnSp>
+        <p:nvCxnSpPr>
+          <p:cNvPr id="7" name="직선 연결선 6">
+            <a:extLst>
+              <a:ext uri="{FF2B5EF4-FFF2-40B4-BE49-F238E27FC236}">
+                <a16:creationId xmlns:a16="http://schemas.microsoft.com/office/drawing/2014/main" id="{B2227533-9D88-454D-AC67-D68053A27CD7}"/>
+              </a:ext>
+            </a:extLst>
+          </p:cNvPr>
+          <p:cNvCxnSpPr>
+            <a:cxnSpLocks/>
+          </p:cNvCxnSpPr>
+          <p:nvPr/>
+        </p:nvCxnSpPr>
+        <p:spPr>
+          <a:xfrm>
+            <a:off x="10769600" y="690880"/>
+            <a:ext cx="0" cy="1361440"/>
+          </a:xfrm>
+          <a:prstGeom prst="line">
+            <a:avLst/>
+          </a:prstGeom>
+          <a:ln w="28575">
+            <a:solidFill>
+              <a:schemeClr val="accent4">
+                <a:lumMod val="20000"/>
+                <a:lumOff val="80000"/>
+              </a:schemeClr>
+            </a:solidFill>
+          </a:ln>
+        </p:spPr>
+        <p:style>
+          <a:lnRef idx="1">
+            <a:schemeClr val="accent1"/>
+          </a:lnRef>
+          <a:fillRef idx="0">
+            <a:schemeClr val="accent1"/>
+          </a:fillRef>
+          <a:effectRef idx="0">
+            <a:schemeClr val="accent1"/>
+          </a:effectRef>
+          <a:fontRef idx="minor">
+            <a:schemeClr val="tx1"/>
+          </a:fontRef>
+        </p:style>
+      </p:cxnSp>
+      <p:sp>
+        <p:nvSpPr>
+          <p:cNvPr id="8" name="직사각형 7">
+            <a:extLst>
+              <a:ext uri="{FF2B5EF4-FFF2-40B4-BE49-F238E27FC236}">
+                <a16:creationId xmlns:a16="http://schemas.microsoft.com/office/drawing/2014/main" id="{7DEB157B-44B9-4EE4-953D-C895E6E13DBB}"/>
               </a:ext>
             </a:extLst>
           </p:cNvPr>
@@ -6688,8 +4674,8 @@
         </p:nvSpPr>
         <p:spPr>
           <a:xfrm>
-            <a:off x="0" y="1514764"/>
-            <a:ext cx="12192000" cy="5343236"/>
+            <a:off x="0" y="0"/>
+            <a:ext cx="4307836" cy="6858000"/>
           </a:xfrm>
           <a:prstGeom prst="rect">
             <a:avLst/>
@@ -6724,16 +4710,16 @@
           <a:lstStyle/>
           <a:p>
             <a:pPr algn="ctr"/>
-            <a:endParaRPr lang="ko-KR" altLang="en-US" dirty="0"/>
-          </a:p>
-        </p:txBody>
-      </p:sp>
-      <p:sp>
-        <p:nvSpPr>
-          <p:cNvPr id="3" name="TextBox 2">
-            <a:extLst>
-              <a:ext uri="{FF2B5EF4-FFF2-40B4-BE49-F238E27FC236}">
-                <a16:creationId xmlns:a16="http://schemas.microsoft.com/office/drawing/2014/main" id="{EADA109E-75E8-4233-9622-88615CD66F17}"/>
+            <a:endParaRPr lang="ko-KR" altLang="en-US"/>
+          </a:p>
+        </p:txBody>
+      </p:sp>
+      <p:sp>
+        <p:nvSpPr>
+          <p:cNvPr id="2" name="TextBox 1">
+            <a:extLst>
+              <a:ext uri="{FF2B5EF4-FFF2-40B4-BE49-F238E27FC236}">
+                <a16:creationId xmlns:a16="http://schemas.microsoft.com/office/drawing/2014/main" id="{033EB6C7-4820-4D3D-A162-47F94EF5163C}"/>
               </a:ext>
             </a:extLst>
           </p:cNvPr>
@@ -6742,8 +4728,8 @@
         </p:nvSpPr>
         <p:spPr>
           <a:xfrm>
-            <a:off x="831272" y="2013527"/>
-            <a:ext cx="646331" cy="923330"/>
+            <a:off x="250690" y="4016943"/>
+            <a:ext cx="3976577" cy="2862322"/>
           </a:xfrm>
           <a:prstGeom prst="rect">
             <a:avLst/>
@@ -6751,29 +4737,79 @@
           <a:noFill/>
         </p:spPr>
         <p:txBody>
-          <a:bodyPr wrap="none" rtlCol="0">
+          <a:bodyPr wrap="square" rtlCol="0">
             <a:spAutoFit/>
           </a:bodyPr>
           <a:lstStyle/>
           <a:p>
-            <a:r>
-              <a:rPr lang="ko-KR" altLang="en-US" dirty="0"/>
-              <a:t>배경</a:t>
-            </a:r>
-            <a:endParaRPr lang="en-US" altLang="ko-KR" dirty="0"/>
-          </a:p>
-          <a:p>
-            <a:endParaRPr lang="en-US" altLang="ko-KR" dirty="0"/>
-          </a:p>
-          <a:p>
-            <a:endParaRPr lang="ko-KR" altLang="en-US" dirty="0"/>
+            <a:pPr algn="r"/>
+            <a:r>
+              <a:rPr lang="ko-KR" altLang="en-US" sz="3600" dirty="0">
+                <a:latin typeface="경기천년바탕 Regular" panose="02020503020101020101" pitchFamily="18" charset="-127"/>
+                <a:ea typeface="경기천년바탕 Regular" panose="02020503020101020101" pitchFamily="18" charset="-127"/>
+              </a:rPr>
+              <a:t>다수 유닛의 군단을 </a:t>
+            </a:r>
+            <a:r>
+              <a:rPr lang="en-US" altLang="ko-KR" sz="3600" dirty="0">
+                <a:latin typeface="경기천년바탕 Regular" panose="02020503020101020101" pitchFamily="18" charset="-127"/>
+                <a:ea typeface="경기천년바탕 Regular" panose="02020503020101020101" pitchFamily="18" charset="-127"/>
+              </a:rPr>
+              <a:t>AI</a:t>
+            </a:r>
+            <a:r>
+              <a:rPr lang="ko-KR" altLang="en-US" sz="3600" dirty="0">
+                <a:latin typeface="경기천년바탕 Regular" panose="02020503020101020101" pitchFamily="18" charset="-127"/>
+                <a:ea typeface="경기천년바탕 Regular" panose="02020503020101020101" pitchFamily="18" charset="-127"/>
+              </a:rPr>
+              <a:t>가 제어하는 </a:t>
+            </a:r>
+            <a:endParaRPr lang="en-US" altLang="ko-KR" sz="3600" dirty="0">
+              <a:latin typeface="경기천년바탕 Regular" panose="02020503020101020101" pitchFamily="18" charset="-127"/>
+              <a:ea typeface="경기천년바탕 Regular" panose="02020503020101020101" pitchFamily="18" charset="-127"/>
+            </a:endParaRPr>
+          </a:p>
+          <a:p>
+            <a:pPr algn="r"/>
+            <a:r>
+              <a:rPr lang="ko-KR" altLang="en-US" sz="3600" dirty="0">
+                <a:latin typeface="경기천년바탕 Regular" panose="02020503020101020101" pitchFamily="18" charset="-127"/>
+                <a:ea typeface="경기천년바탕 Regular" panose="02020503020101020101" pitchFamily="18" charset="-127"/>
+              </a:rPr>
+              <a:t>실시간 전략 </a:t>
+            </a:r>
+            <a:endParaRPr lang="en-US" altLang="ko-KR" sz="3600" dirty="0">
+              <a:latin typeface="경기천년바탕 Regular" panose="02020503020101020101" pitchFamily="18" charset="-127"/>
+              <a:ea typeface="경기천년바탕 Regular" panose="02020503020101020101" pitchFamily="18" charset="-127"/>
+            </a:endParaRPr>
+          </a:p>
+          <a:p>
+            <a:pPr algn="r"/>
+            <a:r>
+              <a:rPr lang="ko-KR" altLang="en-US" sz="3600" dirty="0">
+                <a:latin typeface="경기천년바탕 Regular" panose="02020503020101020101" pitchFamily="18" charset="-127"/>
+                <a:ea typeface="경기천년바탕 Regular" panose="02020503020101020101" pitchFamily="18" charset="-127"/>
+              </a:rPr>
+              <a:t>배틀로얄 슈팅게임</a:t>
+            </a:r>
+            <a:endParaRPr lang="en-US" altLang="ko-KR" sz="3600" dirty="0">
+              <a:latin typeface="경기천년바탕 Regular" panose="02020503020101020101" pitchFamily="18" charset="-127"/>
+              <a:ea typeface="경기천년바탕 Regular" panose="02020503020101020101" pitchFamily="18" charset="-127"/>
+            </a:endParaRPr>
+          </a:p>
+          <a:p>
+            <a:pPr algn="r"/>
+            <a:endParaRPr lang="ko-KR" altLang="en-US" sz="3600" dirty="0">
+              <a:latin typeface="경기천년바탕 Regular" panose="02020503020101020101" pitchFamily="18" charset="-127"/>
+              <a:ea typeface="경기천년바탕 Regular" panose="02020503020101020101" pitchFamily="18" charset="-127"/>
+            </a:endParaRPr>
           </a:p>
         </p:txBody>
       </p:sp>
     </p:spTree>
     <p:extLst>
       <p:ext uri="{BB962C8B-B14F-4D97-AF65-F5344CB8AC3E}">
-        <p14:creationId xmlns:p14="http://schemas.microsoft.com/office/powerpoint/2010/main" val="2142321764"/>
+        <p14:creationId xmlns:p14="http://schemas.microsoft.com/office/powerpoint/2010/main" val="2863498691"/>
       </p:ext>
     </p:extLst>
   </p:cSld>
@@ -6814,8 +4850,8 @@
         </p:nvSpPr>
         <p:spPr>
           <a:xfrm>
-            <a:off x="8816753" y="690880"/>
-            <a:ext cx="1861407" cy="1323439"/>
+            <a:off x="8779435" y="690880"/>
+            <a:ext cx="1898725" cy="1323439"/>
           </a:xfrm>
           <a:prstGeom prst="rect">
             <a:avLst/>
@@ -6837,7 +4873,7 @@
                 <a:latin typeface="경기천년바탕 Bold" panose="02020803020101020101" pitchFamily="18" charset="-127"/>
                 <a:ea typeface="경기천년바탕 Bold" panose="02020803020101020101" pitchFamily="18" charset="-127"/>
               </a:rPr>
-              <a:t>About</a:t>
+              <a:t>AI</a:t>
             </a:r>
           </a:p>
           <a:p>
@@ -6850,7 +4886,7 @@
                 <a:latin typeface="경기천년바탕 Bold" panose="02020803020101020101" pitchFamily="18" charset="-127"/>
                 <a:ea typeface="경기천년바탕 Bold" panose="02020803020101020101" pitchFamily="18" charset="-127"/>
               </a:rPr>
-              <a:t>Service</a:t>
+              <a:t>Feature</a:t>
             </a:r>
             <a:endParaRPr lang="ko-KR" altLang="en-US" sz="4000" dirty="0">
               <a:solidFill>
@@ -6922,8 +4958,8 @@
         </p:nvSpPr>
         <p:spPr>
           <a:xfrm>
-            <a:off x="0" y="0"/>
-            <a:ext cx="4307836" cy="6858000"/>
+            <a:off x="-1" y="0"/>
+            <a:ext cx="5518295" cy="6858000"/>
           </a:xfrm>
           <a:prstGeom prst="rect">
             <a:avLst/>
@@ -6962,10 +4998,243 @@
           </a:p>
         </p:txBody>
       </p:sp>
+      <p:sp>
+        <p:nvSpPr>
+          <p:cNvPr id="4" name="TextBox 3">
+            <a:extLst>
+              <a:ext uri="{FF2B5EF4-FFF2-40B4-BE49-F238E27FC236}">
+                <a16:creationId xmlns:a16="http://schemas.microsoft.com/office/drawing/2014/main" id="{B8F8C7D9-D8BA-4228-A83C-467A5ED02C8C}"/>
+              </a:ext>
+            </a:extLst>
+          </p:cNvPr>
+          <p:cNvSpPr txBox="1"/>
+          <p:nvPr/>
+        </p:nvSpPr>
+        <p:spPr>
+          <a:xfrm>
+            <a:off x="50093" y="3523988"/>
+            <a:ext cx="5102679" cy="954107"/>
+          </a:xfrm>
+          <a:prstGeom prst="rect">
+            <a:avLst/>
+          </a:prstGeom>
+          <a:noFill/>
+        </p:spPr>
+        <p:txBody>
+          <a:bodyPr wrap="square" rtlCol="0">
+            <a:spAutoFit/>
+          </a:bodyPr>
+          <a:lstStyle/>
+          <a:p>
+            <a:pPr algn="r"/>
+            <a:r>
+              <a:rPr lang="ko-KR" altLang="en-US" sz="2800" dirty="0">
+                <a:latin typeface="경기천년바탕 Regular" panose="02020503020101020101" pitchFamily="18" charset="-127"/>
+                <a:ea typeface="경기천년바탕 Regular" panose="02020503020101020101" pitchFamily="18" charset="-127"/>
+              </a:rPr>
+              <a:t>유저가 빨간 팀과 파란 팀의 </a:t>
+            </a:r>
+            <a:endParaRPr lang="en-US" altLang="ko-KR" sz="2800" dirty="0">
+              <a:latin typeface="경기천년바탕 Regular" panose="02020503020101020101" pitchFamily="18" charset="-127"/>
+              <a:ea typeface="경기천년바탕 Regular" panose="02020503020101020101" pitchFamily="18" charset="-127"/>
+            </a:endParaRPr>
+          </a:p>
+          <a:p>
+            <a:pPr algn="r"/>
+            <a:r>
+              <a:rPr lang="en-US" altLang="ko-KR" sz="2800" dirty="0">
+                <a:latin typeface="경기천년바탕 Regular" panose="02020503020101020101" pitchFamily="18" charset="-127"/>
+                <a:ea typeface="경기천년바탕 Regular" panose="02020503020101020101" pitchFamily="18" charset="-127"/>
+              </a:rPr>
+              <a:t>AI</a:t>
+            </a:r>
+            <a:r>
+              <a:rPr lang="ko-KR" altLang="en-US" sz="2800" dirty="0">
+                <a:latin typeface="경기천년바탕 Regular" panose="02020503020101020101" pitchFamily="18" charset="-127"/>
+                <a:ea typeface="경기천년바탕 Regular" panose="02020503020101020101" pitchFamily="18" charset="-127"/>
+              </a:rPr>
+              <a:t>를 </a:t>
+            </a:r>
+            <a:r>
+              <a:rPr lang="en-US" altLang="ko-KR" sz="2800" dirty="0" err="1">
+                <a:latin typeface="경기천년바탕 Regular" panose="02020503020101020101" pitchFamily="18" charset="-127"/>
+                <a:ea typeface="경기천년바탕 Regular" panose="02020503020101020101" pitchFamily="18" charset="-127"/>
+              </a:rPr>
+              <a:t>js</a:t>
+            </a:r>
+            <a:r>
+              <a:rPr lang="ko-KR" altLang="en-US" sz="2800" dirty="0">
+                <a:latin typeface="경기천년바탕 Regular" panose="02020503020101020101" pitchFamily="18" charset="-127"/>
+                <a:ea typeface="경기천년바탕 Regular" panose="02020503020101020101" pitchFamily="18" charset="-127"/>
+              </a:rPr>
+              <a:t>파일로 입력</a:t>
+            </a:r>
+            <a:r>
+              <a:rPr lang="en-US" altLang="ko-KR" sz="2800" dirty="0">
+                <a:latin typeface="경기천년바탕 Regular" panose="02020503020101020101" pitchFamily="18" charset="-127"/>
+                <a:ea typeface="경기천년바탕 Regular" panose="02020503020101020101" pitchFamily="18" charset="-127"/>
+              </a:rPr>
+              <a:t>.</a:t>
+            </a:r>
+          </a:p>
+        </p:txBody>
+      </p:sp>
+      <p:sp>
+        <p:nvSpPr>
+          <p:cNvPr id="10" name="TextBox 9">
+            <a:extLst>
+              <a:ext uri="{FF2B5EF4-FFF2-40B4-BE49-F238E27FC236}">
+                <a16:creationId xmlns:a16="http://schemas.microsoft.com/office/drawing/2014/main" id="{2911AB58-9184-4C8F-84E0-A58BC44F3C5E}"/>
+              </a:ext>
+            </a:extLst>
+          </p:cNvPr>
+          <p:cNvSpPr txBox="1"/>
+          <p:nvPr/>
+        </p:nvSpPr>
+        <p:spPr>
+          <a:xfrm>
+            <a:off x="6857600" y="3434317"/>
+            <a:ext cx="6097772" cy="954107"/>
+          </a:xfrm>
+          <a:prstGeom prst="rect">
+            <a:avLst/>
+          </a:prstGeom>
+          <a:noFill/>
+        </p:spPr>
+        <p:txBody>
+          <a:bodyPr wrap="square">
+            <a:spAutoFit/>
+          </a:bodyPr>
+          <a:lstStyle/>
+          <a:p>
+            <a:r>
+              <a:rPr lang="en-US" altLang="ko-KR" sz="2800" dirty="0">
+                <a:solidFill>
+                  <a:schemeClr val="bg1"/>
+                </a:solidFill>
+                <a:latin typeface="경기천년바탕 Regular" panose="02020503020101020101" pitchFamily="18" charset="-127"/>
+                <a:ea typeface="경기천년바탕 Regular" panose="02020503020101020101" pitchFamily="18" charset="-127"/>
+              </a:rPr>
+              <a:t>PixiJS</a:t>
+            </a:r>
+            <a:r>
+              <a:rPr lang="ko-KR" altLang="en-US" sz="2800" dirty="0">
+                <a:solidFill>
+                  <a:schemeClr val="bg1"/>
+                </a:solidFill>
+                <a:latin typeface="경기천년바탕 Regular" panose="02020503020101020101" pitchFamily="18" charset="-127"/>
+                <a:ea typeface="경기천년바탕 Regular" panose="02020503020101020101" pitchFamily="18" charset="-127"/>
+              </a:rPr>
+              <a:t> 기반 인터페이스에서 </a:t>
+            </a:r>
+            <a:endParaRPr lang="en-US" altLang="ko-KR" sz="2800" dirty="0">
+              <a:solidFill>
+                <a:schemeClr val="bg1"/>
+              </a:solidFill>
+              <a:latin typeface="경기천년바탕 Regular" panose="02020503020101020101" pitchFamily="18" charset="-127"/>
+              <a:ea typeface="경기천년바탕 Regular" panose="02020503020101020101" pitchFamily="18" charset="-127"/>
+            </a:endParaRPr>
+          </a:p>
+          <a:p>
+            <a:r>
+              <a:rPr lang="ko-KR" altLang="en-US" sz="2800" dirty="0">
+                <a:solidFill>
+                  <a:schemeClr val="bg1"/>
+                </a:solidFill>
+                <a:latin typeface="경기천년바탕 Regular" panose="02020503020101020101" pitchFamily="18" charset="-127"/>
+                <a:ea typeface="경기천년바탕 Regular" panose="02020503020101020101" pitchFamily="18" charset="-127"/>
+              </a:rPr>
+              <a:t>입력된 </a:t>
+            </a:r>
+            <a:r>
+              <a:rPr lang="en-US" altLang="ko-KR" sz="2800" dirty="0">
+                <a:solidFill>
+                  <a:schemeClr val="bg1"/>
+                </a:solidFill>
+                <a:latin typeface="경기천년바탕 Regular" panose="02020503020101020101" pitchFamily="18" charset="-127"/>
+                <a:ea typeface="경기천년바탕 Regular" panose="02020503020101020101" pitchFamily="18" charset="-127"/>
+              </a:rPr>
+              <a:t>AI</a:t>
+            </a:r>
+            <a:r>
+              <a:rPr lang="ko-KR" altLang="en-US" sz="2800" dirty="0">
+                <a:solidFill>
+                  <a:schemeClr val="bg1"/>
+                </a:solidFill>
+                <a:latin typeface="경기천년바탕 Regular" panose="02020503020101020101" pitchFamily="18" charset="-127"/>
+                <a:ea typeface="경기천년바탕 Regular" panose="02020503020101020101" pitchFamily="18" charset="-127"/>
+              </a:rPr>
+              <a:t>를 실행</a:t>
+            </a:r>
+            <a:r>
+              <a:rPr lang="en-US" altLang="ko-KR" sz="2800" dirty="0">
+                <a:solidFill>
+                  <a:schemeClr val="bg1"/>
+                </a:solidFill>
+                <a:latin typeface="경기천년바탕 Regular" panose="02020503020101020101" pitchFamily="18" charset="-127"/>
+                <a:ea typeface="경기천년바탕 Regular" panose="02020503020101020101" pitchFamily="18" charset="-127"/>
+              </a:rPr>
+              <a:t>.</a:t>
+            </a:r>
+          </a:p>
+        </p:txBody>
+      </p:sp>
+      <p:sp>
+        <p:nvSpPr>
+          <p:cNvPr id="11" name="화살표: 오른쪽 10">
+            <a:extLst>
+              <a:ext uri="{FF2B5EF4-FFF2-40B4-BE49-F238E27FC236}">
+                <a16:creationId xmlns:a16="http://schemas.microsoft.com/office/drawing/2014/main" id="{F531CB28-2922-4F55-B341-4315D3511105}"/>
+              </a:ext>
+            </a:extLst>
+          </p:cNvPr>
+          <p:cNvSpPr/>
+          <p:nvPr/>
+        </p:nvSpPr>
+        <p:spPr>
+          <a:xfrm>
+            <a:off x="5822425" y="3762515"/>
+            <a:ext cx="647637" cy="477054"/>
+          </a:xfrm>
+          <a:prstGeom prst="rightArrow">
+            <a:avLst/>
+          </a:prstGeom>
+          <a:solidFill>
+            <a:schemeClr val="bg1"/>
+          </a:solidFill>
+          <a:ln>
+            <a:noFill/>
+          </a:ln>
+        </p:spPr>
+        <p:style>
+          <a:lnRef idx="2">
+            <a:schemeClr val="accent1">
+              <a:shade val="50000"/>
+            </a:schemeClr>
+          </a:lnRef>
+          <a:fillRef idx="1">
+            <a:schemeClr val="accent1"/>
+          </a:fillRef>
+          <a:effectRef idx="0">
+            <a:schemeClr val="accent1"/>
+          </a:effectRef>
+          <a:fontRef idx="minor">
+            <a:schemeClr val="lt1"/>
+          </a:fontRef>
+        </p:style>
+        <p:txBody>
+          <a:bodyPr rtlCol="0" anchor="ctr"/>
+          <a:lstStyle/>
+          <a:p>
+            <a:pPr algn="ctr"/>
+            <a:endParaRPr lang="ko-KR" altLang="en-US"/>
+          </a:p>
+        </p:txBody>
+      </p:sp>
     </p:spTree>
     <p:extLst>
       <p:ext uri="{BB962C8B-B14F-4D97-AF65-F5344CB8AC3E}">
-        <p14:creationId xmlns:p14="http://schemas.microsoft.com/office/powerpoint/2010/main" val="2863498691"/>
+        <p14:creationId xmlns:p14="http://schemas.microsoft.com/office/powerpoint/2010/main" val="989949219"/>
       </p:ext>
     </p:extLst>
   </p:cSld>
@@ -6997,7 +5266,7 @@
           <p:cNvPr id="2" name="직사각형 1">
             <a:extLst>
               <a:ext uri="{FF2B5EF4-FFF2-40B4-BE49-F238E27FC236}">
-                <a16:creationId xmlns:a16="http://schemas.microsoft.com/office/drawing/2014/main" id="{6323164C-9256-4D75-84A9-D40A65BE6D60}"/>
+                <a16:creationId xmlns:a16="http://schemas.microsoft.com/office/drawing/2014/main" id="{A03741BF-0ED7-41AD-87A2-95631D18B70A}"/>
               </a:ext>
             </a:extLst>
           </p:cNvPr>
@@ -7006,19 +5275,19 @@
         </p:nvSpPr>
         <p:spPr>
           <a:xfrm>
-            <a:off x="0" y="1514764"/>
-            <a:ext cx="12192000" cy="5343236"/>
+            <a:off x="955035" y="642218"/>
+            <a:ext cx="3177535" cy="6045200"/>
           </a:xfrm>
           <a:prstGeom prst="rect">
             <a:avLst/>
           </a:prstGeom>
           <a:solidFill>
-            <a:schemeClr val="bg1"/>
+            <a:schemeClr val="tx1">
+              <a:alpha val="44000"/>
+            </a:schemeClr>
           </a:solidFill>
           <a:ln>
-            <a:solidFill>
-              <a:schemeClr val="tx1"/>
-            </a:solidFill>
+            <a:noFill/>
           </a:ln>
         </p:spPr>
         <p:style>
@@ -7051,7 +5320,7 @@
           <p:cNvPr id="3" name="TextBox 2">
             <a:extLst>
               <a:ext uri="{FF2B5EF4-FFF2-40B4-BE49-F238E27FC236}">
-                <a16:creationId xmlns:a16="http://schemas.microsoft.com/office/drawing/2014/main" id="{EADA109E-75E8-4233-9622-88615CD66F17}"/>
+                <a16:creationId xmlns:a16="http://schemas.microsoft.com/office/drawing/2014/main" id="{54864A9D-4DB4-48B5-8888-6B62293FB5B2}"/>
               </a:ext>
             </a:extLst>
           </p:cNvPr>
@@ -7060,8 +5329,8 @@
         </p:nvSpPr>
         <p:spPr>
           <a:xfrm>
-            <a:off x="831272" y="2013527"/>
-            <a:ext cx="5870518" cy="1754326"/>
+            <a:off x="7674957" y="642218"/>
+            <a:ext cx="2977803" cy="707886"/>
           </a:xfrm>
           <a:prstGeom prst="rect">
             <a:avLst/>
@@ -7074,106 +5343,485 @@
           </a:bodyPr>
           <a:lstStyle/>
           <a:p>
-            <a:r>
-              <a:rPr lang="ko-KR" altLang="en-US" dirty="0"/>
-              <a:t>콘셉트</a:t>
-            </a:r>
-            <a:r>
-              <a:rPr lang="en-US" altLang="ko-KR" dirty="0"/>
-              <a:t>: </a:t>
-            </a:r>
-            <a:r>
-              <a:rPr lang="ko-KR" altLang="en-US" dirty="0"/>
-              <a:t>다수 유닛의 군단을 유저가 만든 </a:t>
-            </a:r>
-            <a:r>
-              <a:rPr lang="en-US" altLang="ko-KR" dirty="0"/>
-              <a:t>AI</a:t>
-            </a:r>
-            <a:r>
-              <a:rPr lang="ko-KR" altLang="en-US" dirty="0"/>
-              <a:t>가 제어하는</a:t>
-            </a:r>
-            <a:endParaRPr lang="en-US" altLang="ko-KR" dirty="0"/>
-          </a:p>
-          <a:p>
-            <a:r>
-              <a:rPr lang="en-US" altLang="ko-KR" dirty="0"/>
-              <a:t>	</a:t>
-            </a:r>
-            <a:r>
-              <a:rPr lang="ko-KR" altLang="en-US" dirty="0"/>
-              <a:t>실시간 전략 </a:t>
-            </a:r>
-            <a:r>
-              <a:rPr lang="ko-KR" altLang="en-US" dirty="0" err="1"/>
-              <a:t>배틀로얄</a:t>
-            </a:r>
-            <a:r>
-              <a:rPr lang="ko-KR" altLang="en-US" dirty="0"/>
-              <a:t> 슈팅게임</a:t>
-            </a:r>
-            <a:endParaRPr lang="en-US" altLang="ko-KR" dirty="0"/>
-          </a:p>
-          <a:p>
-            <a:endParaRPr lang="en-US" altLang="ko-KR" dirty="0"/>
-          </a:p>
-          <a:p>
-            <a:r>
-              <a:rPr lang="ko-KR" altLang="en-US" dirty="0"/>
-              <a:t>환경 및 인터페이스</a:t>
-            </a:r>
-            <a:r>
-              <a:rPr lang="en-US" altLang="ko-KR" dirty="0"/>
-              <a:t>:</a:t>
-            </a:r>
-          </a:p>
-          <a:p>
-            <a:r>
-              <a:rPr lang="ko-KR" altLang="en-US" dirty="0"/>
-              <a:t>유저가 빨간 팀과 파란 팀의 </a:t>
-            </a:r>
-            <a:r>
-              <a:rPr lang="en-US" altLang="ko-KR" dirty="0"/>
-              <a:t>AI</a:t>
-            </a:r>
-            <a:r>
-              <a:rPr lang="ko-KR" altLang="en-US" dirty="0"/>
-              <a:t>를 </a:t>
-            </a:r>
-            <a:r>
-              <a:rPr lang="en-US" altLang="ko-KR" dirty="0" err="1"/>
-              <a:t>js</a:t>
-            </a:r>
-            <a:r>
-              <a:rPr lang="ko-KR" altLang="en-US" dirty="0"/>
-              <a:t>파일로 입력</a:t>
-            </a:r>
-            <a:r>
-              <a:rPr lang="en-US" altLang="ko-KR" dirty="0"/>
-              <a:t>.</a:t>
-            </a:r>
-          </a:p>
-          <a:p>
-            <a:r>
-              <a:rPr lang="en-US" altLang="ko-KR" dirty="0" err="1"/>
-              <a:t>PixiJS</a:t>
-            </a:r>
-            <a:r>
-              <a:rPr lang="ko-KR" altLang="en-US" dirty="0"/>
-              <a:t> 기반 인터페이스에서 입력된 </a:t>
-            </a:r>
-            <a:r>
-              <a:rPr lang="en-US" altLang="ko-KR" dirty="0"/>
-              <a:t>AI</a:t>
-            </a:r>
-            <a:r>
-              <a:rPr lang="ko-KR" altLang="en-US" dirty="0"/>
-              <a:t>를 실행</a:t>
-            </a:r>
-            <a:r>
-              <a:rPr lang="en-US" altLang="ko-KR" dirty="0"/>
-              <a:t>.</a:t>
+            <a:pPr algn="r"/>
+            <a:r>
+              <a:rPr lang="en-US" altLang="ko-KR" sz="4000" dirty="0">
+                <a:solidFill>
+                  <a:schemeClr val="bg1"/>
+                </a:solidFill>
+                <a:latin typeface="경기천년바탕 Bold" panose="02020803020101020101" pitchFamily="18" charset="-127"/>
+                <a:ea typeface="경기천년바탕 Bold" panose="02020803020101020101" pitchFamily="18" charset="-127"/>
+              </a:rPr>
+              <a:t>Components</a:t>
+            </a:r>
+            <a:endParaRPr lang="ko-KR" altLang="en-US" sz="4000" dirty="0">
+              <a:solidFill>
+                <a:schemeClr val="bg1"/>
+              </a:solidFill>
+              <a:latin typeface="경기천년바탕 Bold" panose="02020803020101020101" pitchFamily="18" charset="-127"/>
+              <a:ea typeface="경기천년바탕 Bold" panose="02020803020101020101" pitchFamily="18" charset="-127"/>
+            </a:endParaRPr>
+          </a:p>
+        </p:txBody>
+      </p:sp>
+      <p:cxnSp>
+        <p:nvCxnSpPr>
+          <p:cNvPr id="7" name="직선 연결선 6">
+            <a:extLst>
+              <a:ext uri="{FF2B5EF4-FFF2-40B4-BE49-F238E27FC236}">
+                <a16:creationId xmlns:a16="http://schemas.microsoft.com/office/drawing/2014/main" id="{B2227533-9D88-454D-AC67-D68053A27CD7}"/>
+              </a:ext>
+            </a:extLst>
+          </p:cNvPr>
+          <p:cNvCxnSpPr>
+            <a:cxnSpLocks/>
+          </p:cNvCxnSpPr>
+          <p:nvPr/>
+        </p:nvCxnSpPr>
+        <p:spPr>
+          <a:xfrm>
+            <a:off x="10769600" y="690880"/>
+            <a:ext cx="0" cy="707886"/>
+          </a:xfrm>
+          <a:prstGeom prst="line">
+            <a:avLst/>
+          </a:prstGeom>
+          <a:ln w="28575">
+            <a:solidFill>
+              <a:schemeClr val="accent4">
+                <a:lumMod val="20000"/>
+                <a:lumOff val="80000"/>
+              </a:schemeClr>
+            </a:solidFill>
+          </a:ln>
+        </p:spPr>
+        <p:style>
+          <a:lnRef idx="1">
+            <a:schemeClr val="accent1"/>
+          </a:lnRef>
+          <a:fillRef idx="0">
+            <a:schemeClr val="accent1"/>
+          </a:fillRef>
+          <a:effectRef idx="0">
+            <a:schemeClr val="accent1"/>
+          </a:effectRef>
+          <a:fontRef idx="minor">
+            <a:schemeClr val="tx1"/>
+          </a:fontRef>
+        </p:style>
+      </p:cxnSp>
+      <p:sp>
+        <p:nvSpPr>
+          <p:cNvPr id="8" name="직사각형 7">
+            <a:extLst>
+              <a:ext uri="{FF2B5EF4-FFF2-40B4-BE49-F238E27FC236}">
+                <a16:creationId xmlns:a16="http://schemas.microsoft.com/office/drawing/2014/main" id="{7DEB157B-44B9-4EE4-953D-C895E6E13DBB}"/>
+              </a:ext>
+            </a:extLst>
+          </p:cNvPr>
+          <p:cNvSpPr/>
+          <p:nvPr/>
+        </p:nvSpPr>
+        <p:spPr>
+          <a:xfrm>
+            <a:off x="-375910" y="-254000"/>
+            <a:ext cx="4683746" cy="7112000"/>
+          </a:xfrm>
+          <a:prstGeom prst="rect">
+            <a:avLst/>
+          </a:prstGeom>
+          <a:solidFill>
+            <a:schemeClr val="bg1"/>
+          </a:solidFill>
+          <a:ln>
+            <a:solidFill>
+              <a:schemeClr val="tx1"/>
+            </a:solidFill>
+          </a:ln>
+        </p:spPr>
+        <p:style>
+          <a:lnRef idx="2">
+            <a:schemeClr val="accent1">
+              <a:shade val="50000"/>
+            </a:schemeClr>
+          </a:lnRef>
+          <a:fillRef idx="1">
+            <a:schemeClr val="accent1"/>
+          </a:fillRef>
+          <a:effectRef idx="0">
+            <a:schemeClr val="accent1"/>
+          </a:effectRef>
+          <a:fontRef idx="minor">
+            <a:schemeClr val="lt1"/>
+          </a:fontRef>
+        </p:style>
+        <p:txBody>
+          <a:bodyPr rtlCol="0" anchor="ctr"/>
+          <a:lstStyle/>
+          <a:p>
+            <a:pPr algn="ctr"/>
+            <a:endParaRPr lang="ko-KR" altLang="en-US" dirty="0"/>
+          </a:p>
+        </p:txBody>
+      </p:sp>
+      <p:pic>
+        <p:nvPicPr>
+          <p:cNvPr id="4" name="그림 3">
+            <a:extLst>
+              <a:ext uri="{FF2B5EF4-FFF2-40B4-BE49-F238E27FC236}">
+                <a16:creationId xmlns:a16="http://schemas.microsoft.com/office/drawing/2014/main" id="{7220B5E4-F5D6-49DA-9AA0-B8650ACAD1A1}"/>
+              </a:ext>
+            </a:extLst>
+          </p:cNvPr>
+          <p:cNvPicPr>
+            <a:picLocks noChangeAspect="1"/>
+          </p:cNvPicPr>
+          <p:nvPr/>
+        </p:nvPicPr>
+        <p:blipFill>
+          <a:blip r:embed="rId2">
+            <a:extLst>
+              <a:ext uri="{28A0092B-C50C-407E-A947-70E740481C1C}">
+                <a14:useLocalDpi xmlns:a14="http://schemas.microsoft.com/office/drawing/2010/main" val="0"/>
+              </a:ext>
+            </a:extLst>
+          </a:blip>
+          <a:stretch>
+            <a:fillRect/>
+          </a:stretch>
+        </p:blipFill>
+        <p:spPr>
+          <a:xfrm>
+            <a:off x="2509321" y="3521050"/>
+            <a:ext cx="1334494" cy="918056"/>
+          </a:xfrm>
+          <a:prstGeom prst="rect">
+            <a:avLst/>
+          </a:prstGeom>
+        </p:spPr>
+      </p:pic>
+      <p:pic>
+        <p:nvPicPr>
+          <p:cNvPr id="6" name="그림 5" descr="텍스트이(가) 표시된 사진&#10;&#10;자동 생성된 설명">
+            <a:extLst>
+              <a:ext uri="{FF2B5EF4-FFF2-40B4-BE49-F238E27FC236}">
+                <a16:creationId xmlns:a16="http://schemas.microsoft.com/office/drawing/2014/main" id="{6C5D2FB5-380F-4AA8-AF3E-E54CB159B7B0}"/>
+              </a:ext>
+            </a:extLst>
+          </p:cNvPr>
+          <p:cNvPicPr>
+            <a:picLocks noChangeAspect="1"/>
+          </p:cNvPicPr>
+          <p:nvPr/>
+        </p:nvPicPr>
+        <p:blipFill>
+          <a:blip r:embed="rId3">
+            <a:extLst>
+              <a:ext uri="{28A0092B-C50C-407E-A947-70E740481C1C}">
+                <a14:useLocalDpi xmlns:a14="http://schemas.microsoft.com/office/drawing/2010/main" val="0"/>
+              </a:ext>
+            </a:extLst>
+          </a:blip>
+          <a:stretch>
+            <a:fillRect/>
+          </a:stretch>
+        </p:blipFill>
+        <p:spPr>
+          <a:xfrm>
+            <a:off x="2807572" y="1398766"/>
+            <a:ext cx="579302" cy="1363965"/>
+          </a:xfrm>
+          <a:prstGeom prst="rect">
+            <a:avLst/>
+          </a:prstGeom>
+        </p:spPr>
+      </p:pic>
+      <p:pic>
+        <p:nvPicPr>
+          <p:cNvPr id="10" name="그림 9">
+            <a:extLst>
+              <a:ext uri="{FF2B5EF4-FFF2-40B4-BE49-F238E27FC236}">
+                <a16:creationId xmlns:a16="http://schemas.microsoft.com/office/drawing/2014/main" id="{7E44967B-F43A-42B8-A7B9-7F63946F1F0E}"/>
+              </a:ext>
+            </a:extLst>
+          </p:cNvPr>
+          <p:cNvPicPr>
+            <a:picLocks noChangeAspect="1"/>
+          </p:cNvPicPr>
+          <p:nvPr/>
+        </p:nvPicPr>
+        <p:blipFill>
+          <a:blip r:embed="rId4">
+            <a:extLst>
+              <a:ext uri="{28A0092B-C50C-407E-A947-70E740481C1C}">
+                <a14:useLocalDpi xmlns:a14="http://schemas.microsoft.com/office/drawing/2010/main" val="0"/>
+              </a:ext>
+            </a:extLst>
+          </a:blip>
+          <a:stretch>
+            <a:fillRect/>
+          </a:stretch>
+        </p:blipFill>
+        <p:spPr>
+          <a:xfrm>
+            <a:off x="2350631" y="5197425"/>
+            <a:ext cx="1493184" cy="983987"/>
+          </a:xfrm>
+          <a:prstGeom prst="rect">
+            <a:avLst/>
+          </a:prstGeom>
+        </p:spPr>
+      </p:pic>
+      <p:sp>
+        <p:nvSpPr>
+          <p:cNvPr id="11" name="TextBox 10">
+            <a:extLst>
+              <a:ext uri="{FF2B5EF4-FFF2-40B4-BE49-F238E27FC236}">
+                <a16:creationId xmlns:a16="http://schemas.microsoft.com/office/drawing/2014/main" id="{45FF138F-8CC9-4502-AA05-4731302E3102}"/>
+              </a:ext>
+            </a:extLst>
+          </p:cNvPr>
+          <p:cNvSpPr txBox="1"/>
+          <p:nvPr/>
+        </p:nvSpPr>
+        <p:spPr>
+          <a:xfrm>
+            <a:off x="4546600" y="2239511"/>
+            <a:ext cx="3505195" cy="523220"/>
+          </a:xfrm>
+          <a:prstGeom prst="rect">
+            <a:avLst/>
+          </a:prstGeom>
+          <a:noFill/>
+        </p:spPr>
+        <p:txBody>
+          <a:bodyPr wrap="square" rtlCol="0">
+            <a:spAutoFit/>
+          </a:bodyPr>
+          <a:lstStyle/>
+          <a:p>
+            <a:r>
+              <a:rPr lang="ko-KR" altLang="en-US" sz="2800" dirty="0">
+                <a:solidFill>
+                  <a:schemeClr val="bg1"/>
+                </a:solidFill>
+                <a:latin typeface="경기천년바탕 Regular" panose="02020503020101020101" pitchFamily="18" charset="-127"/>
+                <a:ea typeface="경기천년바탕 Regular" panose="02020503020101020101" pitchFamily="18" charset="-127"/>
+              </a:rPr>
+              <a:t>이동 및 공격 수행</a:t>
+            </a:r>
+          </a:p>
+        </p:txBody>
+      </p:sp>
+      <p:sp>
+        <p:nvSpPr>
+          <p:cNvPr id="13" name="TextBox 12">
+            <a:extLst>
+              <a:ext uri="{FF2B5EF4-FFF2-40B4-BE49-F238E27FC236}">
+                <a16:creationId xmlns:a16="http://schemas.microsoft.com/office/drawing/2014/main" id="{0DBACF02-8F7F-4C54-B976-1C7883B47754}"/>
+              </a:ext>
+            </a:extLst>
+          </p:cNvPr>
+          <p:cNvSpPr txBox="1"/>
+          <p:nvPr/>
+        </p:nvSpPr>
+        <p:spPr>
+          <a:xfrm>
+            <a:off x="4546600" y="3833660"/>
+            <a:ext cx="4876800" cy="523220"/>
+          </a:xfrm>
+          <a:prstGeom prst="rect">
+            <a:avLst/>
+          </a:prstGeom>
+          <a:noFill/>
+        </p:spPr>
+        <p:txBody>
+          <a:bodyPr wrap="square" rtlCol="0">
+            <a:spAutoFit/>
+          </a:bodyPr>
+          <a:lstStyle/>
+          <a:p>
+            <a:r>
+              <a:rPr lang="ko-KR" altLang="en-US" sz="2800" dirty="0">
+                <a:solidFill>
+                  <a:schemeClr val="bg1"/>
+                </a:solidFill>
+                <a:latin typeface="경기천년바탕 Regular" panose="02020503020101020101" pitchFamily="18" charset="-127"/>
+                <a:ea typeface="경기천년바탕 Regular" panose="02020503020101020101" pitchFamily="18" charset="-127"/>
+              </a:rPr>
+              <a:t>공격력 </a:t>
+            </a:r>
+            <a:r>
+              <a:rPr lang="ko-KR" altLang="en-US" sz="2800">
+                <a:solidFill>
+                  <a:schemeClr val="bg1"/>
+                </a:solidFill>
+                <a:latin typeface="경기천년바탕 Regular" panose="02020503020101020101" pitchFamily="18" charset="-127"/>
+                <a:ea typeface="경기천년바탕 Regular" panose="02020503020101020101" pitchFamily="18" charset="-127"/>
+              </a:rPr>
+              <a:t>결정 및 특수 효과 발동 </a:t>
+            </a:r>
+            <a:endParaRPr lang="ko-KR" altLang="en-US" sz="2800" dirty="0">
+              <a:solidFill>
+                <a:schemeClr val="bg1"/>
+              </a:solidFill>
+              <a:latin typeface="경기천년바탕 Regular" panose="02020503020101020101" pitchFamily="18" charset="-127"/>
+              <a:ea typeface="경기천년바탕 Regular" panose="02020503020101020101" pitchFamily="18" charset="-127"/>
+            </a:endParaRPr>
+          </a:p>
+        </p:txBody>
+      </p:sp>
+      <p:sp>
+        <p:nvSpPr>
+          <p:cNvPr id="15" name="TextBox 14">
+            <a:extLst>
+              <a:ext uri="{FF2B5EF4-FFF2-40B4-BE49-F238E27FC236}">
+                <a16:creationId xmlns:a16="http://schemas.microsoft.com/office/drawing/2014/main" id="{95BE4910-8BD2-41D4-B33B-F386A105C310}"/>
+              </a:ext>
+            </a:extLst>
+          </p:cNvPr>
+          <p:cNvSpPr txBox="1"/>
+          <p:nvPr/>
+        </p:nvSpPr>
+        <p:spPr>
+          <a:xfrm>
+            <a:off x="4546600" y="5427809"/>
+            <a:ext cx="3505195" cy="523220"/>
+          </a:xfrm>
+          <a:prstGeom prst="rect">
+            <a:avLst/>
+          </a:prstGeom>
+          <a:noFill/>
+        </p:spPr>
+        <p:txBody>
+          <a:bodyPr wrap="square" rtlCol="0">
+            <a:spAutoFit/>
+          </a:bodyPr>
+          <a:lstStyle/>
+          <a:p>
+            <a:r>
+              <a:rPr lang="ko-KR" altLang="en-US" sz="2800" dirty="0">
+                <a:solidFill>
+                  <a:schemeClr val="bg1"/>
+                </a:solidFill>
+                <a:latin typeface="경기천년바탕 Regular" panose="02020503020101020101" pitchFamily="18" charset="-127"/>
+                <a:ea typeface="경기천년바탕 Regular" panose="02020503020101020101" pitchFamily="18" charset="-127"/>
+              </a:rPr>
+              <a:t>유닛의 이동 범위 제한</a:t>
+            </a:r>
+          </a:p>
+        </p:txBody>
+      </p:sp>
+      <p:sp>
+        <p:nvSpPr>
+          <p:cNvPr id="17" name="TextBox 16">
+            <a:extLst>
+              <a:ext uri="{FF2B5EF4-FFF2-40B4-BE49-F238E27FC236}">
+                <a16:creationId xmlns:a16="http://schemas.microsoft.com/office/drawing/2014/main" id="{3BFE8FED-DA9B-4511-BC39-B9F2F0C76DF7}"/>
+              </a:ext>
+            </a:extLst>
+          </p:cNvPr>
+          <p:cNvSpPr txBox="1"/>
+          <p:nvPr/>
+        </p:nvSpPr>
+        <p:spPr>
+          <a:xfrm>
+            <a:off x="1684077" y="1468138"/>
+            <a:ext cx="939681" cy="584775"/>
+          </a:xfrm>
+          <a:prstGeom prst="rect">
+            <a:avLst/>
+          </a:prstGeom>
+          <a:noFill/>
+        </p:spPr>
+        <p:txBody>
+          <a:bodyPr wrap="none" rtlCol="0">
+            <a:spAutoFit/>
+          </a:bodyPr>
+          <a:lstStyle/>
+          <a:p>
+            <a:r>
+              <a:rPr lang="ko-KR" altLang="en-US" sz="3200" dirty="0">
+                <a:latin typeface="경기천년바탕 Bold" panose="02020803020101020101" pitchFamily="18" charset="-127"/>
+                <a:ea typeface="경기천년바탕 Bold" panose="02020803020101020101" pitchFamily="18" charset="-127"/>
+              </a:rPr>
+              <a:t>유닛</a:t>
+            </a:r>
+          </a:p>
+        </p:txBody>
+      </p:sp>
+      <p:sp>
+        <p:nvSpPr>
+          <p:cNvPr id="19" name="TextBox 18">
+            <a:extLst>
+              <a:ext uri="{FF2B5EF4-FFF2-40B4-BE49-F238E27FC236}">
+                <a16:creationId xmlns:a16="http://schemas.microsoft.com/office/drawing/2014/main" id="{37F1D6B4-1446-403A-83A7-E1C830764439}"/>
+              </a:ext>
+            </a:extLst>
+          </p:cNvPr>
+          <p:cNvSpPr txBox="1"/>
+          <p:nvPr/>
+        </p:nvSpPr>
+        <p:spPr>
+          <a:xfrm>
+            <a:off x="1666098" y="2936275"/>
+            <a:ext cx="1326004" cy="584775"/>
+          </a:xfrm>
+          <a:prstGeom prst="rect">
+            <a:avLst/>
+          </a:prstGeom>
+          <a:noFill/>
+        </p:spPr>
+        <p:txBody>
+          <a:bodyPr wrap="none" rtlCol="0">
+            <a:spAutoFit/>
+          </a:bodyPr>
+          <a:lstStyle/>
+          <a:p>
+            <a:r>
+              <a:rPr lang="ko-KR" altLang="en-US" sz="3200" dirty="0">
+                <a:latin typeface="경기천년바탕 Bold" panose="02020803020101020101" pitchFamily="18" charset="-127"/>
+                <a:ea typeface="경기천년바탕 Bold" panose="02020803020101020101" pitchFamily="18" charset="-127"/>
+              </a:rPr>
+              <a:t>아이템</a:t>
+            </a:r>
+          </a:p>
+        </p:txBody>
+      </p:sp>
+      <p:sp>
+        <p:nvSpPr>
+          <p:cNvPr id="23" name="TextBox 22">
+            <a:extLst>
+              <a:ext uri="{FF2B5EF4-FFF2-40B4-BE49-F238E27FC236}">
+                <a16:creationId xmlns:a16="http://schemas.microsoft.com/office/drawing/2014/main" id="{F49D1ED0-26E8-4396-946A-9E78055BA840}"/>
+              </a:ext>
+            </a:extLst>
+          </p:cNvPr>
+          <p:cNvSpPr txBox="1"/>
+          <p:nvPr/>
+        </p:nvSpPr>
+        <p:spPr>
+          <a:xfrm>
+            <a:off x="1700185" y="4604749"/>
+            <a:ext cx="570990" cy="584775"/>
+          </a:xfrm>
+          <a:prstGeom prst="rect">
+            <a:avLst/>
+          </a:prstGeom>
+          <a:noFill/>
+        </p:spPr>
+        <p:txBody>
+          <a:bodyPr wrap="none" rtlCol="0">
+            <a:spAutoFit/>
+          </a:bodyPr>
+          <a:lstStyle/>
+          <a:p>
+            <a:r>
+              <a:rPr lang="ko-KR" altLang="en-US" sz="3200" dirty="0">
+                <a:latin typeface="경기천년바탕 Bold" panose="02020803020101020101" pitchFamily="18" charset="-127"/>
+                <a:ea typeface="경기천년바탕 Bold" panose="02020803020101020101" pitchFamily="18" charset="-127"/>
+              </a:rPr>
+              <a:t>맵</a:t>
             </a:r>
           </a:p>
         </p:txBody>
@@ -7181,7 +5829,7 @@
     </p:spTree>
     <p:extLst>
       <p:ext uri="{BB962C8B-B14F-4D97-AF65-F5344CB8AC3E}">
-        <p14:creationId xmlns:p14="http://schemas.microsoft.com/office/powerpoint/2010/main" val="351795209"/>
+        <p14:creationId xmlns:p14="http://schemas.microsoft.com/office/powerpoint/2010/main" val="2242853402"/>
       </p:ext>
     </p:extLst>
   </p:cSld>
@@ -7222,8 +5870,8 @@
         </p:nvSpPr>
         <p:spPr>
           <a:xfrm>
-            <a:off x="8779435" y="690880"/>
-            <a:ext cx="1898725" cy="1323439"/>
+            <a:off x="9683089" y="409877"/>
+            <a:ext cx="1630576" cy="1015663"/>
           </a:xfrm>
           <a:prstGeom prst="rect">
             <a:avLst/>
@@ -7238,29 +5886,16 @@
           <a:p>
             <a:pPr algn="r"/>
             <a:r>
-              <a:rPr lang="en-US" altLang="ko-KR" sz="4000" dirty="0">
+              <a:rPr lang="en-US" altLang="ko-KR" sz="6000" dirty="0">
                 <a:solidFill>
                   <a:schemeClr val="bg1"/>
                 </a:solidFill>
                 <a:latin typeface="경기천년바탕 Bold" panose="02020803020101020101" pitchFamily="18" charset="-127"/>
                 <a:ea typeface="경기천년바탕 Bold" panose="02020803020101020101" pitchFamily="18" charset="-127"/>
               </a:rPr>
-              <a:t>AI</a:t>
-            </a:r>
-          </a:p>
-          <a:p>
-            <a:pPr algn="r"/>
-            <a:r>
-              <a:rPr lang="en-US" altLang="ko-KR" sz="4000" dirty="0">
-                <a:solidFill>
-                  <a:schemeClr val="bg1"/>
-                </a:solidFill>
-                <a:latin typeface="경기천년바탕 Bold" panose="02020803020101020101" pitchFamily="18" charset="-127"/>
-                <a:ea typeface="경기천년바탕 Bold" panose="02020803020101020101" pitchFamily="18" charset="-127"/>
-              </a:rPr>
-              <a:t>Feature</a:t>
-            </a:r>
-            <a:endParaRPr lang="ko-KR" altLang="en-US" sz="4000" dirty="0">
+              <a:t>Map</a:t>
+            </a:r>
+            <a:endParaRPr lang="ko-KR" altLang="en-US" sz="6000" dirty="0">
               <a:solidFill>
                 <a:schemeClr val="bg1"/>
               </a:solidFill>
@@ -7270,58 +5905,12 @@
           </a:p>
         </p:txBody>
       </p:sp>
-      <p:cxnSp>
-        <p:nvCxnSpPr>
-          <p:cNvPr id="7" name="직선 연결선 6">
-            <a:extLst>
-              <a:ext uri="{FF2B5EF4-FFF2-40B4-BE49-F238E27FC236}">
-                <a16:creationId xmlns:a16="http://schemas.microsoft.com/office/drawing/2014/main" id="{B2227533-9D88-454D-AC67-D68053A27CD7}"/>
-              </a:ext>
-            </a:extLst>
-          </p:cNvPr>
-          <p:cNvCxnSpPr>
-            <a:cxnSpLocks/>
-          </p:cNvCxnSpPr>
-          <p:nvPr/>
-        </p:nvCxnSpPr>
-        <p:spPr>
-          <a:xfrm>
-            <a:off x="10769600" y="690880"/>
-            <a:ext cx="0" cy="1361440"/>
-          </a:xfrm>
-          <a:prstGeom prst="line">
-            <a:avLst/>
-          </a:prstGeom>
-          <a:ln w="28575">
-            <a:solidFill>
-              <a:schemeClr val="accent4">
-                <a:lumMod val="20000"/>
-                <a:lumOff val="80000"/>
-              </a:schemeClr>
-            </a:solidFill>
-          </a:ln>
-        </p:spPr>
-        <p:style>
-          <a:lnRef idx="1">
-            <a:schemeClr val="accent1"/>
-          </a:lnRef>
-          <a:fillRef idx="0">
-            <a:schemeClr val="accent1"/>
-          </a:fillRef>
-          <a:effectRef idx="0">
-            <a:schemeClr val="accent1"/>
-          </a:effectRef>
-          <a:fontRef idx="minor">
-            <a:schemeClr val="tx1"/>
-          </a:fontRef>
-        </p:style>
-      </p:cxnSp>
-      <p:sp>
-        <p:nvSpPr>
-          <p:cNvPr id="8" name="직사각형 7">
-            <a:extLst>
-              <a:ext uri="{FF2B5EF4-FFF2-40B4-BE49-F238E27FC236}">
-                <a16:creationId xmlns:a16="http://schemas.microsoft.com/office/drawing/2014/main" id="{7DEB157B-44B9-4EE4-953D-C895E6E13DBB}"/>
+      <p:sp>
+        <p:nvSpPr>
+          <p:cNvPr id="2" name="사각형: 둥근 모서리 1">
+            <a:extLst>
+              <a:ext uri="{FF2B5EF4-FFF2-40B4-BE49-F238E27FC236}">
+                <a16:creationId xmlns:a16="http://schemas.microsoft.com/office/drawing/2014/main" id="{77393A65-BBFF-4BAD-B931-8263D8928880}"/>
               </a:ext>
             </a:extLst>
           </p:cNvPr>
@@ -7330,19 +5919,21 @@
         </p:nvSpPr>
         <p:spPr>
           <a:xfrm>
-            <a:off x="0" y="0"/>
-            <a:ext cx="4307836" cy="6858000"/>
-          </a:xfrm>
-          <a:prstGeom prst="rect">
-            <a:avLst/>
+            <a:off x="3511970" y="2003056"/>
+            <a:ext cx="7152640" cy="4145682"/>
+          </a:xfrm>
+          <a:prstGeom prst="roundRect">
+            <a:avLst>
+              <a:gd name="adj" fmla="val 124"/>
+            </a:avLst>
           </a:prstGeom>
           <a:solidFill>
-            <a:schemeClr val="bg1"/>
+            <a:schemeClr val="bg1">
+              <a:lumMod val="65000"/>
+            </a:schemeClr>
           </a:solidFill>
           <a:ln>
-            <a:solidFill>
-              <a:schemeClr val="tx1"/>
-            </a:solidFill>
+            <a:noFill/>
           </a:ln>
         </p:spPr>
         <p:style>
@@ -7366,14 +5957,345 @@
           <a:lstStyle/>
           <a:p>
             <a:pPr algn="ctr"/>
+            <a:endParaRPr lang="ko-KR" altLang="en-US" dirty="0"/>
+          </a:p>
+        </p:txBody>
+      </p:sp>
+      <p:sp>
+        <p:nvSpPr>
+          <p:cNvPr id="9" name="L 도형 8">
+            <a:extLst>
+              <a:ext uri="{FF2B5EF4-FFF2-40B4-BE49-F238E27FC236}">
+                <a16:creationId xmlns:a16="http://schemas.microsoft.com/office/drawing/2014/main" id="{84B1B958-581A-4B20-90C9-DF550356EE42}"/>
+              </a:ext>
+            </a:extLst>
+          </p:cNvPr>
+          <p:cNvSpPr/>
+          <p:nvPr/>
+        </p:nvSpPr>
+        <p:spPr>
+          <a:xfrm rot="10800000">
+            <a:off x="11145873" y="340996"/>
+            <a:ext cx="680318" cy="680318"/>
+          </a:xfrm>
+          <a:prstGeom prst="corner">
+            <a:avLst>
+              <a:gd name="adj1" fmla="val 10000"/>
+              <a:gd name="adj2" fmla="val 8667"/>
+            </a:avLst>
+          </a:prstGeom>
+          <a:solidFill>
+            <a:schemeClr val="accent4">
+              <a:lumMod val="20000"/>
+              <a:lumOff val="80000"/>
+            </a:schemeClr>
+          </a:solidFill>
+          <a:ln>
+            <a:noFill/>
+          </a:ln>
+        </p:spPr>
+        <p:style>
+          <a:lnRef idx="2">
+            <a:schemeClr val="accent1">
+              <a:shade val="50000"/>
+            </a:schemeClr>
+          </a:lnRef>
+          <a:fillRef idx="1">
+            <a:schemeClr val="accent1"/>
+          </a:fillRef>
+          <a:effectRef idx="0">
+            <a:schemeClr val="accent1"/>
+          </a:effectRef>
+          <a:fontRef idx="minor">
+            <a:schemeClr val="lt1"/>
+          </a:fontRef>
+        </p:style>
+        <p:txBody>
+          <a:bodyPr rtlCol="0" anchor="ctr"/>
+          <a:lstStyle/>
+          <a:p>
+            <a:pPr algn="ctr"/>
             <a:endParaRPr lang="ko-KR" altLang="en-US"/>
+          </a:p>
+        </p:txBody>
+      </p:sp>
+      <p:sp>
+        <p:nvSpPr>
+          <p:cNvPr id="12" name="타원 11">
+            <a:extLst>
+              <a:ext uri="{FF2B5EF4-FFF2-40B4-BE49-F238E27FC236}">
+                <a16:creationId xmlns:a16="http://schemas.microsoft.com/office/drawing/2014/main" id="{89A454A3-FF7C-42FE-83F7-84A7ABE1BD3D}"/>
+              </a:ext>
+            </a:extLst>
+          </p:cNvPr>
+          <p:cNvSpPr/>
+          <p:nvPr/>
+        </p:nvSpPr>
+        <p:spPr>
+          <a:xfrm>
+            <a:off x="5036399" y="2564266"/>
+            <a:ext cx="3060700" cy="3060700"/>
+          </a:xfrm>
+          <a:prstGeom prst="ellipse">
+            <a:avLst/>
+          </a:prstGeom>
+          <a:solidFill>
+            <a:srgbClr val="D7FBFD">
+              <a:alpha val="58824"/>
+            </a:srgbClr>
+          </a:solidFill>
+          <a:ln>
+            <a:noFill/>
+          </a:ln>
+        </p:spPr>
+        <p:style>
+          <a:lnRef idx="2">
+            <a:schemeClr val="accent1">
+              <a:shade val="50000"/>
+            </a:schemeClr>
+          </a:lnRef>
+          <a:fillRef idx="1">
+            <a:schemeClr val="accent1"/>
+          </a:fillRef>
+          <a:effectRef idx="0">
+            <a:schemeClr val="accent1"/>
+          </a:effectRef>
+          <a:fontRef idx="minor">
+            <a:schemeClr val="lt1"/>
+          </a:fontRef>
+        </p:style>
+        <p:txBody>
+          <a:bodyPr rtlCol="0" anchor="ctr"/>
+          <a:lstStyle/>
+          <a:p>
+            <a:pPr algn="ctr"/>
+            <a:endParaRPr lang="ko-KR" altLang="en-US"/>
+          </a:p>
+        </p:txBody>
+      </p:sp>
+      <p:sp>
+        <p:nvSpPr>
+          <p:cNvPr id="18" name="TextBox 17">
+            <a:extLst>
+              <a:ext uri="{FF2B5EF4-FFF2-40B4-BE49-F238E27FC236}">
+                <a16:creationId xmlns:a16="http://schemas.microsoft.com/office/drawing/2014/main" id="{AA5E5774-F284-4376-AF83-0ED364F9701C}"/>
+              </a:ext>
+            </a:extLst>
+          </p:cNvPr>
+          <p:cNvSpPr txBox="1"/>
+          <p:nvPr/>
+        </p:nvSpPr>
+        <p:spPr>
+          <a:xfrm>
+            <a:off x="7936095" y="1988820"/>
+            <a:ext cx="2531462" cy="1323439"/>
+          </a:xfrm>
+          <a:prstGeom prst="rect">
+            <a:avLst/>
+          </a:prstGeom>
+          <a:noFill/>
+        </p:spPr>
+        <p:txBody>
+          <a:bodyPr wrap="none" rtlCol="0">
+            <a:spAutoFit/>
+          </a:bodyPr>
+          <a:lstStyle/>
+          <a:p>
+            <a:pPr algn="r"/>
+            <a:r>
+              <a:rPr lang="en-US" altLang="ko-KR" sz="4000" dirty="0">
+                <a:latin typeface="경기천년바탕 Regular" panose="02020503020101020101" pitchFamily="18" charset="-127"/>
+                <a:ea typeface="경기천년바탕 Regular" panose="02020503020101020101" pitchFamily="18" charset="-127"/>
+              </a:rPr>
+              <a:t>Dangerous</a:t>
+            </a:r>
+          </a:p>
+          <a:p>
+            <a:pPr algn="r"/>
+            <a:r>
+              <a:rPr lang="en-US" altLang="ko-KR" sz="4000" dirty="0">
+                <a:latin typeface="경기천년바탕 Regular" panose="02020503020101020101" pitchFamily="18" charset="-127"/>
+                <a:ea typeface="경기천년바탕 Regular" panose="02020503020101020101" pitchFamily="18" charset="-127"/>
+              </a:rPr>
+              <a:t>Zone</a:t>
+            </a:r>
+            <a:endParaRPr lang="ko-KR" altLang="en-US" sz="4000" dirty="0">
+              <a:latin typeface="경기천년바탕 Regular" panose="02020503020101020101" pitchFamily="18" charset="-127"/>
+              <a:ea typeface="경기천년바탕 Regular" panose="02020503020101020101" pitchFamily="18" charset="-127"/>
+            </a:endParaRPr>
+          </a:p>
+        </p:txBody>
+      </p:sp>
+      <p:sp>
+        <p:nvSpPr>
+          <p:cNvPr id="20" name="TextBox 19">
+            <a:extLst>
+              <a:ext uri="{FF2B5EF4-FFF2-40B4-BE49-F238E27FC236}">
+                <a16:creationId xmlns:a16="http://schemas.microsoft.com/office/drawing/2014/main" id="{A5294EBA-1FCE-41B1-BCE9-C6110CDD1AD5}"/>
+              </a:ext>
+            </a:extLst>
+          </p:cNvPr>
+          <p:cNvSpPr txBox="1"/>
+          <p:nvPr/>
+        </p:nvSpPr>
+        <p:spPr>
+          <a:xfrm>
+            <a:off x="5980691" y="3617562"/>
+            <a:ext cx="1172116" cy="954107"/>
+          </a:xfrm>
+          <a:prstGeom prst="rect">
+            <a:avLst/>
+          </a:prstGeom>
+          <a:noFill/>
+        </p:spPr>
+        <p:txBody>
+          <a:bodyPr wrap="none" rtlCol="0">
+            <a:spAutoFit/>
+          </a:bodyPr>
+          <a:lstStyle/>
+          <a:p>
+            <a:pPr algn="ctr"/>
+            <a:r>
+              <a:rPr lang="en-US" altLang="ko-KR" sz="2800" dirty="0">
+                <a:solidFill>
+                  <a:schemeClr val="accent1">
+                    <a:lumMod val="50000"/>
+                  </a:schemeClr>
+                </a:solidFill>
+              </a:rPr>
+              <a:t>Safety</a:t>
+            </a:r>
+          </a:p>
+          <a:p>
+            <a:pPr algn="ctr"/>
+            <a:r>
+              <a:rPr lang="en-US" altLang="ko-KR" sz="2800" dirty="0">
+                <a:solidFill>
+                  <a:schemeClr val="accent1">
+                    <a:lumMod val="50000"/>
+                  </a:schemeClr>
+                </a:solidFill>
+              </a:rPr>
+              <a:t>Zone</a:t>
+            </a:r>
+            <a:endParaRPr lang="ko-KR" altLang="en-US" sz="2800" dirty="0">
+              <a:solidFill>
+                <a:schemeClr val="accent1">
+                  <a:lumMod val="50000"/>
+                </a:schemeClr>
+              </a:solidFill>
+            </a:endParaRPr>
+          </a:p>
+        </p:txBody>
+      </p:sp>
+      <p:cxnSp>
+        <p:nvCxnSpPr>
+          <p:cNvPr id="22" name="직선 연결선 21">
+            <a:extLst>
+              <a:ext uri="{FF2B5EF4-FFF2-40B4-BE49-F238E27FC236}">
+                <a16:creationId xmlns:a16="http://schemas.microsoft.com/office/drawing/2014/main" id="{80EC22E9-480F-481E-AA01-6569411C6818}"/>
+              </a:ext>
+            </a:extLst>
+          </p:cNvPr>
+          <p:cNvCxnSpPr/>
+          <p:nvPr/>
+        </p:nvCxnSpPr>
+        <p:spPr>
+          <a:xfrm>
+            <a:off x="2935037" y="4055311"/>
+            <a:ext cx="2438400" cy="0"/>
+          </a:xfrm>
+          <a:prstGeom prst="line">
+            <a:avLst/>
+          </a:prstGeom>
+          <a:ln w="28575">
+            <a:solidFill>
+              <a:schemeClr val="bg1"/>
+            </a:solidFill>
+            <a:prstDash val="dash"/>
+          </a:ln>
+        </p:spPr>
+        <p:style>
+          <a:lnRef idx="1">
+            <a:schemeClr val="accent1"/>
+          </a:lnRef>
+          <a:fillRef idx="0">
+            <a:schemeClr val="accent1"/>
+          </a:fillRef>
+          <a:effectRef idx="0">
+            <a:schemeClr val="accent1"/>
+          </a:effectRef>
+          <a:fontRef idx="minor">
+            <a:schemeClr val="tx1"/>
+          </a:fontRef>
+        </p:style>
+      </p:cxnSp>
+      <p:sp>
+        <p:nvSpPr>
+          <p:cNvPr id="24" name="TextBox 23">
+            <a:extLst>
+              <a:ext uri="{FF2B5EF4-FFF2-40B4-BE49-F238E27FC236}">
+                <a16:creationId xmlns:a16="http://schemas.microsoft.com/office/drawing/2014/main" id="{39B7041C-EA14-4C2A-BBFE-C1336951AF0A}"/>
+              </a:ext>
+            </a:extLst>
+          </p:cNvPr>
+          <p:cNvSpPr txBox="1"/>
+          <p:nvPr/>
+        </p:nvSpPr>
+        <p:spPr>
+          <a:xfrm>
+            <a:off x="543702" y="3617562"/>
+            <a:ext cx="2206053" cy="954107"/>
+          </a:xfrm>
+          <a:prstGeom prst="rect">
+            <a:avLst/>
+          </a:prstGeom>
+          <a:noFill/>
+        </p:spPr>
+        <p:txBody>
+          <a:bodyPr wrap="none" rtlCol="0">
+            <a:spAutoFit/>
+          </a:bodyPr>
+          <a:lstStyle/>
+          <a:p>
+            <a:pPr algn="ctr"/>
+            <a:r>
+              <a:rPr lang="en-US" altLang="ko-KR" sz="2800" dirty="0">
+                <a:solidFill>
+                  <a:schemeClr val="bg1"/>
+                </a:solidFill>
+                <a:latin typeface="경기천년바탕 Regular" panose="02020503020101020101" pitchFamily="18" charset="-127"/>
+                <a:ea typeface="경기천년바탕 Regular" panose="02020503020101020101" pitchFamily="18" charset="-127"/>
+              </a:rPr>
+              <a:t>Shrinking</a:t>
+            </a:r>
+          </a:p>
+          <a:p>
+            <a:pPr algn="ctr"/>
+            <a:r>
+              <a:rPr lang="en-US" altLang="ko-KR" sz="2800" dirty="0">
+                <a:solidFill>
+                  <a:schemeClr val="bg1"/>
+                </a:solidFill>
+                <a:latin typeface="경기천년바탕 Regular" panose="02020503020101020101" pitchFamily="18" charset="-127"/>
+                <a:ea typeface="경기천년바탕 Regular" panose="02020503020101020101" pitchFamily="18" charset="-127"/>
+              </a:rPr>
+              <a:t>Continuously</a:t>
+            </a:r>
+            <a:endParaRPr lang="ko-KR" altLang="en-US" sz="2800" dirty="0">
+              <a:solidFill>
+                <a:schemeClr val="bg1"/>
+              </a:solidFill>
+              <a:latin typeface="경기천년바탕 Regular" panose="02020503020101020101" pitchFamily="18" charset="-127"/>
+              <a:ea typeface="경기천년바탕 Regular" panose="02020503020101020101" pitchFamily="18" charset="-127"/>
+            </a:endParaRPr>
           </a:p>
         </p:txBody>
       </p:sp>
     </p:spTree>
     <p:extLst>
       <p:ext uri="{BB962C8B-B14F-4D97-AF65-F5344CB8AC3E}">
-        <p14:creationId xmlns:p14="http://schemas.microsoft.com/office/powerpoint/2010/main" val="989949219"/>
+        <p14:creationId xmlns:p14="http://schemas.microsoft.com/office/powerpoint/2010/main" val="3924349251"/>
       </p:ext>
     </p:extLst>
   </p:cSld>
@@ -7402,10 +6324,10 @@
       </p:grpSpPr>
       <p:sp>
         <p:nvSpPr>
-          <p:cNvPr id="2" name="직사각형 1">
-            <a:extLst>
-              <a:ext uri="{FF2B5EF4-FFF2-40B4-BE49-F238E27FC236}">
-                <a16:creationId xmlns:a16="http://schemas.microsoft.com/office/drawing/2014/main" id="{6323164C-9256-4D75-84A9-D40A65BE6D60}"/>
+          <p:cNvPr id="39" name="직사각형 38">
+            <a:extLst>
+              <a:ext uri="{FF2B5EF4-FFF2-40B4-BE49-F238E27FC236}">
+                <a16:creationId xmlns:a16="http://schemas.microsoft.com/office/drawing/2014/main" id="{431B6FBD-CE86-40BA-83F9-8518690E9963}"/>
               </a:ext>
             </a:extLst>
           </p:cNvPr>
@@ -7414,19 +6336,19 @@
         </p:nvSpPr>
         <p:spPr>
           <a:xfrm>
-            <a:off x="0" y="1514764"/>
-            <a:ext cx="12192000" cy="5343236"/>
+            <a:off x="851806" y="1196690"/>
+            <a:ext cx="3177535" cy="5182845"/>
           </a:xfrm>
           <a:prstGeom prst="rect">
             <a:avLst/>
           </a:prstGeom>
           <a:solidFill>
-            <a:schemeClr val="bg1"/>
+            <a:schemeClr val="tx1">
+              <a:alpha val="44000"/>
+            </a:schemeClr>
           </a:solidFill>
           <a:ln>
-            <a:solidFill>
-              <a:schemeClr val="tx1"/>
-            </a:solidFill>
+            <a:noFill/>
           </a:ln>
         </p:spPr>
         <p:style>
@@ -7456,10 +6378,168 @@
       </p:sp>
       <p:sp>
         <p:nvSpPr>
+          <p:cNvPr id="16" name="직사각형 15">
+            <a:extLst>
+              <a:ext uri="{FF2B5EF4-FFF2-40B4-BE49-F238E27FC236}">
+                <a16:creationId xmlns:a16="http://schemas.microsoft.com/office/drawing/2014/main" id="{EE139C5A-0E66-45D6-BE19-DF9714CAAFBF}"/>
+              </a:ext>
+            </a:extLst>
+          </p:cNvPr>
+          <p:cNvSpPr/>
+          <p:nvPr/>
+        </p:nvSpPr>
+        <p:spPr>
+          <a:xfrm>
+            <a:off x="1034047" y="1425540"/>
+            <a:ext cx="3177535" cy="5042637"/>
+          </a:xfrm>
+          <a:prstGeom prst="rect">
+            <a:avLst/>
+          </a:prstGeom>
+          <a:solidFill>
+            <a:schemeClr val="bg1"/>
+          </a:solidFill>
+          <a:ln>
+            <a:solidFill>
+              <a:schemeClr val="tx1"/>
+            </a:solidFill>
+          </a:ln>
+        </p:spPr>
+        <p:style>
+          <a:lnRef idx="2">
+            <a:schemeClr val="accent1">
+              <a:shade val="50000"/>
+            </a:schemeClr>
+          </a:lnRef>
+          <a:fillRef idx="1">
+            <a:schemeClr val="accent1"/>
+          </a:fillRef>
+          <a:effectRef idx="0">
+            <a:schemeClr val="accent1"/>
+          </a:effectRef>
+          <a:fontRef idx="minor">
+            <a:schemeClr val="lt1"/>
+          </a:fontRef>
+        </p:style>
+        <p:txBody>
+          <a:bodyPr rtlCol="0" anchor="ctr"/>
+          <a:lstStyle/>
+          <a:p>
+            <a:pPr algn="ctr"/>
+            <a:endParaRPr lang="ko-KR" altLang="en-US" dirty="0"/>
+          </a:p>
+        </p:txBody>
+      </p:sp>
+      <p:sp>
+        <p:nvSpPr>
+          <p:cNvPr id="14" name="직사각형 13">
+            <a:extLst>
+              <a:ext uri="{FF2B5EF4-FFF2-40B4-BE49-F238E27FC236}">
+                <a16:creationId xmlns:a16="http://schemas.microsoft.com/office/drawing/2014/main" id="{A7184F2A-D2D1-42C1-BDD5-57500BC97FB7}"/>
+              </a:ext>
+            </a:extLst>
+          </p:cNvPr>
+          <p:cNvSpPr/>
+          <p:nvPr/>
+        </p:nvSpPr>
+        <p:spPr>
+          <a:xfrm rot="16200000">
+            <a:off x="2366210" y="2820202"/>
+            <a:ext cx="1694046" cy="952901"/>
+          </a:xfrm>
+          <a:prstGeom prst="rect">
+            <a:avLst/>
+          </a:prstGeom>
+          <a:solidFill>
+            <a:schemeClr val="bg1"/>
+          </a:solidFill>
+          <a:ln>
+            <a:noFill/>
+          </a:ln>
+        </p:spPr>
+        <p:style>
+          <a:lnRef idx="2">
+            <a:schemeClr val="accent1">
+              <a:shade val="50000"/>
+            </a:schemeClr>
+          </a:lnRef>
+          <a:fillRef idx="1">
+            <a:schemeClr val="accent1"/>
+          </a:fillRef>
+          <a:effectRef idx="0">
+            <a:schemeClr val="accent1"/>
+          </a:effectRef>
+          <a:fontRef idx="minor">
+            <a:schemeClr val="lt1"/>
+          </a:fontRef>
+        </p:style>
+        <p:txBody>
+          <a:bodyPr rtlCol="0" anchor="ctr"/>
+          <a:lstStyle/>
+          <a:p>
+            <a:pPr algn="ctr"/>
+            <a:endParaRPr lang="ko-KR" altLang="en-US"/>
+          </a:p>
+        </p:txBody>
+      </p:sp>
+      <p:sp>
+        <p:nvSpPr>
+          <p:cNvPr id="13" name="직사각형 12">
+            <a:extLst>
+              <a:ext uri="{FF2B5EF4-FFF2-40B4-BE49-F238E27FC236}">
+                <a16:creationId xmlns:a16="http://schemas.microsoft.com/office/drawing/2014/main" id="{5CAFCFA8-2806-40F5-8164-9496CC6B7B64}"/>
+              </a:ext>
+            </a:extLst>
+          </p:cNvPr>
+          <p:cNvSpPr/>
+          <p:nvPr/>
+        </p:nvSpPr>
+        <p:spPr>
+          <a:xfrm rot="5400000">
+            <a:off x="1300393" y="2820202"/>
+            <a:ext cx="1694046" cy="952901"/>
+          </a:xfrm>
+          <a:prstGeom prst="rect">
+            <a:avLst/>
+          </a:prstGeom>
+          <a:solidFill>
+            <a:schemeClr val="bg1"/>
+          </a:solidFill>
+          <a:ln>
+            <a:noFill/>
+          </a:ln>
+        </p:spPr>
+        <p:style>
+          <a:lnRef idx="2">
+            <a:schemeClr val="accent1">
+              <a:shade val="50000"/>
+            </a:schemeClr>
+          </a:lnRef>
+          <a:fillRef idx="1">
+            <a:schemeClr val="accent1"/>
+          </a:fillRef>
+          <a:effectRef idx="0">
+            <a:schemeClr val="accent1"/>
+          </a:effectRef>
+          <a:fontRef idx="minor">
+            <a:schemeClr val="lt1"/>
+          </a:fontRef>
+        </p:style>
+        <p:txBody>
+          <a:bodyPr rtlCol="0" anchor="ctr"/>
+          <a:lstStyle/>
+          <a:p>
+            <a:pPr algn="ctr"/>
+            <a:endParaRPr lang="ko-KR" altLang="en-US"/>
+          </a:p>
+        </p:txBody>
+      </p:sp>
+      <p:sp>
+        <p:nvSpPr>
           <p:cNvPr id="3" name="TextBox 2">
             <a:extLst>
               <a:ext uri="{FF2B5EF4-FFF2-40B4-BE49-F238E27FC236}">
-                <a16:creationId xmlns:a16="http://schemas.microsoft.com/office/drawing/2014/main" id="{EADA109E-75E8-4233-9622-88615CD66F17}"/>
+                <a16:creationId xmlns:a16="http://schemas.microsoft.com/office/drawing/2014/main" id="{54864A9D-4DB4-48B5-8888-6B62293FB5B2}"/>
               </a:ext>
             </a:extLst>
           </p:cNvPr>
@@ -7468,8 +6548,8 @@
         </p:nvSpPr>
         <p:spPr>
           <a:xfrm>
-            <a:off x="831272" y="2013527"/>
-            <a:ext cx="877163" cy="369332"/>
+            <a:off x="9670266" y="409877"/>
+            <a:ext cx="1643399" cy="1015663"/>
           </a:xfrm>
           <a:prstGeom prst="rect">
             <a:avLst/>
@@ -7482,18 +6562,670 @@
           </a:bodyPr>
           <a:lstStyle/>
           <a:p>
-            <a:r>
-              <a:rPr lang="ko-KR" altLang="en-US" dirty="0" err="1"/>
-              <a:t>ㄴㅇㄹ</a:t>
-            </a:r>
-            <a:endParaRPr lang="en-US" altLang="ko-KR" dirty="0"/>
-          </a:p>
-        </p:txBody>
-      </p:sp>
+            <a:pPr algn="r"/>
+            <a:r>
+              <a:rPr lang="en-US" altLang="ko-KR" sz="6000" dirty="0">
+                <a:solidFill>
+                  <a:schemeClr val="bg1"/>
+                </a:solidFill>
+                <a:latin typeface="경기천년바탕 Bold" panose="02020803020101020101" pitchFamily="18" charset="-127"/>
+                <a:ea typeface="경기천년바탕 Bold" panose="02020803020101020101" pitchFamily="18" charset="-127"/>
+              </a:rPr>
+              <a:t>Unit</a:t>
+            </a:r>
+            <a:endParaRPr lang="ko-KR" altLang="en-US" sz="6000" dirty="0">
+              <a:solidFill>
+                <a:schemeClr val="bg1"/>
+              </a:solidFill>
+              <a:latin typeface="경기천년바탕 Bold" panose="02020803020101020101" pitchFamily="18" charset="-127"/>
+              <a:ea typeface="경기천년바탕 Bold" panose="02020803020101020101" pitchFamily="18" charset="-127"/>
+            </a:endParaRPr>
+          </a:p>
+        </p:txBody>
+      </p:sp>
+      <p:sp>
+        <p:nvSpPr>
+          <p:cNvPr id="9" name="L 도형 8">
+            <a:extLst>
+              <a:ext uri="{FF2B5EF4-FFF2-40B4-BE49-F238E27FC236}">
+                <a16:creationId xmlns:a16="http://schemas.microsoft.com/office/drawing/2014/main" id="{84B1B958-581A-4B20-90C9-DF550356EE42}"/>
+              </a:ext>
+            </a:extLst>
+          </p:cNvPr>
+          <p:cNvSpPr/>
+          <p:nvPr/>
+        </p:nvSpPr>
+        <p:spPr>
+          <a:xfrm rot="10800000">
+            <a:off x="11145873" y="340996"/>
+            <a:ext cx="680318" cy="680318"/>
+          </a:xfrm>
+          <a:prstGeom prst="corner">
+            <a:avLst>
+              <a:gd name="adj1" fmla="val 10000"/>
+              <a:gd name="adj2" fmla="val 8667"/>
+            </a:avLst>
+          </a:prstGeom>
+          <a:solidFill>
+            <a:schemeClr val="accent4">
+              <a:lumMod val="20000"/>
+              <a:lumOff val="80000"/>
+            </a:schemeClr>
+          </a:solidFill>
+          <a:ln>
+            <a:noFill/>
+          </a:ln>
+        </p:spPr>
+        <p:style>
+          <a:lnRef idx="2">
+            <a:schemeClr val="accent1">
+              <a:shade val="50000"/>
+            </a:schemeClr>
+          </a:lnRef>
+          <a:fillRef idx="1">
+            <a:schemeClr val="accent1"/>
+          </a:fillRef>
+          <a:effectRef idx="0">
+            <a:schemeClr val="accent1"/>
+          </a:effectRef>
+          <a:fontRef idx="minor">
+            <a:schemeClr val="lt1"/>
+          </a:fontRef>
+        </p:style>
+        <p:txBody>
+          <a:bodyPr rtlCol="0" anchor="ctr"/>
+          <a:lstStyle/>
+          <a:p>
+            <a:pPr algn="ctr"/>
+            <a:endParaRPr lang="ko-KR" altLang="en-US"/>
+          </a:p>
+        </p:txBody>
+      </p:sp>
+      <p:pic>
+        <p:nvPicPr>
+          <p:cNvPr id="7" name="그림 6" descr="그리기, 옅은이(가) 표시된 사진&#10;&#10;자동 생성된 설명">
+            <a:extLst>
+              <a:ext uri="{FF2B5EF4-FFF2-40B4-BE49-F238E27FC236}">
+                <a16:creationId xmlns:a16="http://schemas.microsoft.com/office/drawing/2014/main" id="{1054F2A4-7C39-40FE-95DB-1F82ECB8F24B}"/>
+              </a:ext>
+            </a:extLst>
+          </p:cNvPr>
+          <p:cNvPicPr>
+            <a:picLocks noChangeAspect="1"/>
+          </p:cNvPicPr>
+          <p:nvPr/>
+        </p:nvPicPr>
+        <p:blipFill>
+          <a:blip r:embed="rId2">
+            <a:extLst>
+              <a:ext uri="{28A0092B-C50C-407E-A947-70E740481C1C}">
+                <a14:useLocalDpi xmlns:a14="http://schemas.microsoft.com/office/drawing/2010/main" val="0"/>
+              </a:ext>
+            </a:extLst>
+          </a:blip>
+          <a:stretch>
+            <a:fillRect/>
+          </a:stretch>
+        </p:blipFill>
+        <p:spPr>
+          <a:xfrm>
+            <a:off x="1737725" y="2599890"/>
+            <a:ext cx="787302" cy="1371429"/>
+          </a:xfrm>
+          <a:prstGeom prst="rect">
+            <a:avLst/>
+          </a:prstGeom>
+        </p:spPr>
+      </p:pic>
+      <p:sp>
+        <p:nvSpPr>
+          <p:cNvPr id="15" name="TextBox 14">
+            <a:extLst>
+              <a:ext uri="{FF2B5EF4-FFF2-40B4-BE49-F238E27FC236}">
+                <a16:creationId xmlns:a16="http://schemas.microsoft.com/office/drawing/2014/main" id="{70716103-A98A-4B2B-A5DF-965F601D51AB}"/>
+              </a:ext>
+            </a:extLst>
+          </p:cNvPr>
+          <p:cNvSpPr txBox="1"/>
+          <p:nvPr/>
+        </p:nvSpPr>
+        <p:spPr>
+          <a:xfrm>
+            <a:off x="1547132" y="4342064"/>
+            <a:ext cx="2153470" cy="1569660"/>
+          </a:xfrm>
+          <a:prstGeom prst="rect">
+            <a:avLst/>
+          </a:prstGeom>
+          <a:noFill/>
+        </p:spPr>
+        <p:txBody>
+          <a:bodyPr wrap="square" rtlCol="0">
+            <a:spAutoFit/>
+          </a:bodyPr>
+          <a:lstStyle/>
+          <a:p>
+            <a:pPr algn="ctr"/>
+            <a:r>
+              <a:rPr lang="en-US" altLang="ko-KR" sz="3200" dirty="0">
+                <a:latin typeface="경기천년바탕 Bold" panose="02020803020101020101" pitchFamily="18" charset="-127"/>
+                <a:ea typeface="경기천년바탕 Bold" panose="02020803020101020101" pitchFamily="18" charset="-127"/>
+              </a:rPr>
+              <a:t>Blue </a:t>
+            </a:r>
+          </a:p>
+          <a:p>
+            <a:pPr algn="ctr"/>
+            <a:r>
+              <a:rPr lang="en-US" altLang="ko-KR" sz="3200" dirty="0">
+                <a:latin typeface="경기천년바탕 Bold" panose="02020803020101020101" pitchFamily="18" charset="-127"/>
+                <a:ea typeface="경기천년바탕 Bold" panose="02020803020101020101" pitchFamily="18" charset="-127"/>
+              </a:rPr>
+              <a:t>vs </a:t>
+            </a:r>
+          </a:p>
+          <a:p>
+            <a:pPr algn="ctr"/>
+            <a:r>
+              <a:rPr lang="en-US" altLang="ko-KR" sz="3200" dirty="0">
+                <a:latin typeface="경기천년바탕 Bold" panose="02020803020101020101" pitchFamily="18" charset="-127"/>
+                <a:ea typeface="경기천년바탕 Bold" panose="02020803020101020101" pitchFamily="18" charset="-127"/>
+              </a:rPr>
+              <a:t>Red</a:t>
+            </a:r>
+            <a:endParaRPr lang="ko-KR" altLang="en-US" sz="3200" dirty="0">
+              <a:latin typeface="경기천년바탕 Bold" panose="02020803020101020101" pitchFamily="18" charset="-127"/>
+              <a:ea typeface="경기천년바탕 Bold" panose="02020803020101020101" pitchFamily="18" charset="-127"/>
+            </a:endParaRPr>
+          </a:p>
+        </p:txBody>
+      </p:sp>
+      <p:sp>
+        <p:nvSpPr>
+          <p:cNvPr id="25" name="TextBox 24">
+            <a:extLst>
+              <a:ext uri="{FF2B5EF4-FFF2-40B4-BE49-F238E27FC236}">
+                <a16:creationId xmlns:a16="http://schemas.microsoft.com/office/drawing/2014/main" id="{D89795FE-DBCF-476D-9181-40AA68BE846F}"/>
+              </a:ext>
+            </a:extLst>
+          </p:cNvPr>
+          <p:cNvSpPr txBox="1"/>
+          <p:nvPr/>
+        </p:nvSpPr>
+        <p:spPr>
+          <a:xfrm>
+            <a:off x="5771256" y="2245947"/>
+            <a:ext cx="5958682" cy="707886"/>
+          </a:xfrm>
+          <a:prstGeom prst="rect">
+            <a:avLst/>
+          </a:prstGeom>
+          <a:noFill/>
+        </p:spPr>
+        <p:txBody>
+          <a:bodyPr wrap="none" rtlCol="0">
+            <a:spAutoFit/>
+          </a:bodyPr>
+          <a:lstStyle/>
+          <a:p>
+            <a:r>
+              <a:rPr lang="en-US" altLang="ko-KR" sz="4000" dirty="0">
+                <a:solidFill>
+                  <a:schemeClr val="bg1"/>
+                </a:solidFill>
+                <a:latin typeface="경기천년바탕 Regular" panose="02020503020101020101" pitchFamily="18" charset="-127"/>
+                <a:ea typeface="경기천년바탕 Regular" panose="02020503020101020101" pitchFamily="18" charset="-127"/>
+              </a:rPr>
+              <a:t>: </a:t>
+            </a:r>
+            <a:r>
+              <a:rPr lang="ko-KR" altLang="ko-KR" sz="2400" dirty="0">
+                <a:solidFill>
+                  <a:schemeClr val="bg1"/>
+                </a:solidFill>
+                <a:effectLst/>
+                <a:latin typeface="경기천년바탕 Regular" panose="02020503020101020101" pitchFamily="18" charset="-127"/>
+                <a:ea typeface="경기천년바탕 Regular" panose="02020503020101020101" pitchFamily="18" charset="-127"/>
+                <a:cs typeface="Times New Roman" panose="02020603050405020304" pitchFamily="18" charset="0"/>
+              </a:rPr>
+              <a:t>안전지대 범위</a:t>
+            </a:r>
+            <a:r>
+              <a:rPr lang="en-GB" altLang="ko-KR" sz="2400" dirty="0">
+                <a:solidFill>
+                  <a:schemeClr val="bg1"/>
+                </a:solidFill>
+                <a:effectLst/>
+                <a:latin typeface="경기천년바탕 Regular" panose="02020503020101020101" pitchFamily="18" charset="-127"/>
+                <a:ea typeface="경기천년바탕 Regular" panose="02020503020101020101" pitchFamily="18" charset="-127"/>
+                <a:cs typeface="Times New Roman" panose="02020603050405020304" pitchFamily="18" charset="0"/>
+              </a:rPr>
+              <a:t>, </a:t>
+            </a:r>
+            <a:r>
+              <a:rPr lang="ko-KR" altLang="ko-KR" sz="2400" dirty="0">
+                <a:solidFill>
+                  <a:schemeClr val="bg1"/>
+                </a:solidFill>
+                <a:effectLst/>
+                <a:latin typeface="경기천년바탕 Regular" panose="02020503020101020101" pitchFamily="18" charset="-127"/>
+                <a:ea typeface="경기천년바탕 Regular" panose="02020503020101020101" pitchFamily="18" charset="-127"/>
+                <a:cs typeface="Times New Roman" panose="02020603050405020304" pitchFamily="18" charset="0"/>
+              </a:rPr>
+              <a:t>보이는 적</a:t>
+            </a:r>
+            <a:r>
+              <a:rPr lang="en-GB" altLang="ko-KR" sz="2400" dirty="0">
+                <a:solidFill>
+                  <a:schemeClr val="bg1"/>
+                </a:solidFill>
+                <a:effectLst/>
+                <a:latin typeface="경기천년바탕 Regular" panose="02020503020101020101" pitchFamily="18" charset="-127"/>
+                <a:ea typeface="경기천년바탕 Regular" panose="02020503020101020101" pitchFamily="18" charset="-127"/>
+                <a:cs typeface="Times New Roman" panose="02020603050405020304" pitchFamily="18" charset="0"/>
+              </a:rPr>
+              <a:t>, </a:t>
+            </a:r>
+            <a:r>
+              <a:rPr lang="ko-KR" altLang="ko-KR" sz="2400" dirty="0">
+                <a:solidFill>
+                  <a:schemeClr val="bg1"/>
+                </a:solidFill>
+                <a:effectLst/>
+                <a:latin typeface="경기천년바탕 Regular" panose="02020503020101020101" pitchFamily="18" charset="-127"/>
+                <a:ea typeface="경기천년바탕 Regular" panose="02020503020101020101" pitchFamily="18" charset="-127"/>
+                <a:cs typeface="Times New Roman" panose="02020603050405020304" pitchFamily="18" charset="0"/>
+              </a:rPr>
+              <a:t>전체 아군</a:t>
+            </a:r>
+            <a:r>
+              <a:rPr lang="en-GB" altLang="ko-KR" sz="2400" dirty="0">
+                <a:solidFill>
+                  <a:schemeClr val="bg1"/>
+                </a:solidFill>
+                <a:effectLst/>
+                <a:latin typeface="경기천년바탕 Regular" panose="02020503020101020101" pitchFamily="18" charset="-127"/>
+                <a:ea typeface="경기천년바탕 Regular" panose="02020503020101020101" pitchFamily="18" charset="-127"/>
+                <a:cs typeface="Times New Roman" panose="02020603050405020304" pitchFamily="18" charset="0"/>
+              </a:rPr>
+              <a:t>, </a:t>
+            </a:r>
+            <a:r>
+              <a:rPr lang="ko-KR" altLang="ko-KR" sz="2400" dirty="0">
+                <a:solidFill>
+                  <a:schemeClr val="bg1"/>
+                </a:solidFill>
+                <a:effectLst/>
+                <a:latin typeface="경기천년바탕 Regular" panose="02020503020101020101" pitchFamily="18" charset="-127"/>
+                <a:ea typeface="경기천년바탕 Regular" panose="02020503020101020101" pitchFamily="18" charset="-127"/>
+                <a:cs typeface="Times New Roman" panose="02020603050405020304" pitchFamily="18" charset="0"/>
+              </a:rPr>
+              <a:t>아이템</a:t>
+            </a:r>
+            <a:endParaRPr lang="ko-KR" altLang="en-US" sz="4000" dirty="0">
+              <a:solidFill>
+                <a:schemeClr val="bg1"/>
+              </a:solidFill>
+              <a:latin typeface="경기천년바탕 Regular" panose="02020503020101020101" pitchFamily="18" charset="-127"/>
+              <a:ea typeface="경기천년바탕 Regular" panose="02020503020101020101" pitchFamily="18" charset="-127"/>
+            </a:endParaRPr>
+          </a:p>
+        </p:txBody>
+      </p:sp>
+      <p:pic>
+        <p:nvPicPr>
+          <p:cNvPr id="27" name="그림 26">
+            <a:extLst>
+              <a:ext uri="{FF2B5EF4-FFF2-40B4-BE49-F238E27FC236}">
+                <a16:creationId xmlns:a16="http://schemas.microsoft.com/office/drawing/2014/main" id="{58B7C862-B621-4ACD-A02C-3707883190ED}"/>
+              </a:ext>
+            </a:extLst>
+          </p:cNvPr>
+          <p:cNvPicPr>
+            <a:picLocks noChangeAspect="1"/>
+          </p:cNvPicPr>
+          <p:nvPr/>
+        </p:nvPicPr>
+        <p:blipFill>
+          <a:blip r:embed="rId3">
+            <a:extLst>
+              <a:ext uri="{28A0092B-C50C-407E-A947-70E740481C1C}">
+                <a14:useLocalDpi xmlns:a14="http://schemas.microsoft.com/office/drawing/2010/main" val="0"/>
+              </a:ext>
+            </a:extLst>
+          </a:blip>
+          <a:stretch>
+            <a:fillRect/>
+          </a:stretch>
+        </p:blipFill>
+        <p:spPr>
+          <a:xfrm>
+            <a:off x="4506811" y="2336599"/>
+            <a:ext cx="1082204" cy="574283"/>
+          </a:xfrm>
+          <a:prstGeom prst="rect">
+            <a:avLst/>
+          </a:prstGeom>
+        </p:spPr>
+      </p:pic>
+      <p:pic>
+        <p:nvPicPr>
+          <p:cNvPr id="29" name="그림 28">
+            <a:extLst>
+              <a:ext uri="{FF2B5EF4-FFF2-40B4-BE49-F238E27FC236}">
+                <a16:creationId xmlns:a16="http://schemas.microsoft.com/office/drawing/2014/main" id="{1DDC151A-2A28-4C5A-9048-9E566EA1A209}"/>
+              </a:ext>
+            </a:extLst>
+          </p:cNvPr>
+          <p:cNvPicPr>
+            <a:picLocks noChangeAspect="1"/>
+          </p:cNvPicPr>
+          <p:nvPr/>
+        </p:nvPicPr>
+        <p:blipFill>
+          <a:blip r:embed="rId4">
+            <a:extLst>
+              <a:ext uri="{28A0092B-C50C-407E-A947-70E740481C1C}">
+                <a14:useLocalDpi xmlns:a14="http://schemas.microsoft.com/office/drawing/2010/main" val="0"/>
+              </a:ext>
+            </a:extLst>
+          </a:blip>
+          <a:stretch>
+            <a:fillRect/>
+          </a:stretch>
+        </p:blipFill>
+        <p:spPr>
+          <a:xfrm>
+            <a:off x="4615739" y="3477716"/>
+            <a:ext cx="864348" cy="864348"/>
+          </a:xfrm>
+          <a:prstGeom prst="rect">
+            <a:avLst/>
+          </a:prstGeom>
+        </p:spPr>
+      </p:pic>
+      <p:sp>
+        <p:nvSpPr>
+          <p:cNvPr id="31" name="TextBox 30">
+            <a:extLst>
+              <a:ext uri="{FF2B5EF4-FFF2-40B4-BE49-F238E27FC236}">
+                <a16:creationId xmlns:a16="http://schemas.microsoft.com/office/drawing/2014/main" id="{042A34AB-FD27-45F9-9DB0-88BC948AC8C1}"/>
+              </a:ext>
+            </a:extLst>
+          </p:cNvPr>
+          <p:cNvSpPr txBox="1"/>
+          <p:nvPr/>
+        </p:nvSpPr>
+        <p:spPr>
+          <a:xfrm>
+            <a:off x="5771256" y="3511404"/>
+            <a:ext cx="2488182" cy="707886"/>
+          </a:xfrm>
+          <a:prstGeom prst="rect">
+            <a:avLst/>
+          </a:prstGeom>
+          <a:noFill/>
+        </p:spPr>
+        <p:txBody>
+          <a:bodyPr wrap="none" rtlCol="0">
+            <a:spAutoFit/>
+          </a:bodyPr>
+          <a:lstStyle/>
+          <a:p>
+            <a:r>
+              <a:rPr lang="en-US" altLang="ko-KR" sz="4000" dirty="0">
+                <a:solidFill>
+                  <a:schemeClr val="bg1"/>
+                </a:solidFill>
+                <a:latin typeface="경기천년바탕 Regular" panose="02020503020101020101" pitchFamily="18" charset="-127"/>
+                <a:ea typeface="경기천년바탕 Regular" panose="02020503020101020101" pitchFamily="18" charset="-127"/>
+              </a:rPr>
+              <a:t>: </a:t>
+            </a:r>
+            <a:r>
+              <a:rPr lang="ko-KR" altLang="en-US" sz="2400" dirty="0">
+                <a:solidFill>
+                  <a:schemeClr val="bg1"/>
+                </a:solidFill>
+                <a:latin typeface="경기천년바탕 Regular" panose="02020503020101020101" pitchFamily="18" charset="-127"/>
+                <a:ea typeface="경기천년바탕 Regular" panose="02020503020101020101" pitchFamily="18" charset="-127"/>
+                <a:cs typeface="Times New Roman" panose="02020603050405020304" pitchFamily="18" charset="0"/>
+              </a:rPr>
+              <a:t>체력</a:t>
+            </a:r>
+            <a:r>
+              <a:rPr lang="en-US" altLang="ko-KR" sz="2400" dirty="0">
+                <a:solidFill>
+                  <a:schemeClr val="bg1"/>
+                </a:solidFill>
+                <a:latin typeface="경기천년바탕 Regular" panose="02020503020101020101" pitchFamily="18" charset="-127"/>
+                <a:ea typeface="경기천년바탕 Regular" panose="02020503020101020101" pitchFamily="18" charset="-127"/>
+                <a:cs typeface="Times New Roman" panose="02020603050405020304" pitchFamily="18" charset="0"/>
+              </a:rPr>
+              <a:t>, </a:t>
+            </a:r>
+            <a:r>
+              <a:rPr lang="ko-KR" altLang="en-US" sz="2400" dirty="0">
+                <a:solidFill>
+                  <a:schemeClr val="bg1"/>
+                </a:solidFill>
+                <a:latin typeface="경기천년바탕 Regular" panose="02020503020101020101" pitchFamily="18" charset="-127"/>
+                <a:ea typeface="경기천년바탕 Regular" panose="02020503020101020101" pitchFamily="18" charset="-127"/>
+                <a:cs typeface="Times New Roman" panose="02020603050405020304" pitchFamily="18" charset="0"/>
+              </a:rPr>
+              <a:t>위치</a:t>
+            </a:r>
+            <a:r>
+              <a:rPr lang="en-US" altLang="ko-KR" sz="2400" dirty="0">
+                <a:solidFill>
+                  <a:schemeClr val="bg1"/>
+                </a:solidFill>
+                <a:latin typeface="경기천년바탕 Regular" panose="02020503020101020101" pitchFamily="18" charset="-127"/>
+                <a:ea typeface="경기천년바탕 Regular" panose="02020503020101020101" pitchFamily="18" charset="-127"/>
+                <a:cs typeface="Times New Roman" panose="02020603050405020304" pitchFamily="18" charset="0"/>
+              </a:rPr>
+              <a:t>, </a:t>
+            </a:r>
+            <a:r>
+              <a:rPr lang="ko-KR" altLang="en-US" sz="2400" dirty="0">
+                <a:solidFill>
+                  <a:schemeClr val="bg1"/>
+                </a:solidFill>
+                <a:latin typeface="경기천년바탕 Regular" panose="02020503020101020101" pitchFamily="18" charset="-127"/>
+                <a:ea typeface="경기천년바탕 Regular" panose="02020503020101020101" pitchFamily="18" charset="-127"/>
+                <a:cs typeface="Times New Roman" panose="02020603050405020304" pitchFamily="18" charset="0"/>
+              </a:rPr>
+              <a:t>방향</a:t>
+            </a:r>
+            <a:endParaRPr lang="ko-KR" altLang="en-US" sz="4000" dirty="0">
+              <a:solidFill>
+                <a:schemeClr val="bg1"/>
+              </a:solidFill>
+              <a:latin typeface="경기천년바탕 Regular" panose="02020503020101020101" pitchFamily="18" charset="-127"/>
+              <a:ea typeface="경기천년바탕 Regular" panose="02020503020101020101" pitchFamily="18" charset="-127"/>
+            </a:endParaRPr>
+          </a:p>
+        </p:txBody>
+      </p:sp>
+      <p:pic>
+        <p:nvPicPr>
+          <p:cNvPr id="33" name="그림 32">
+            <a:extLst>
+              <a:ext uri="{FF2B5EF4-FFF2-40B4-BE49-F238E27FC236}">
+                <a16:creationId xmlns:a16="http://schemas.microsoft.com/office/drawing/2014/main" id="{1B667C1B-0604-4B34-8B86-BE352DA57FA3}"/>
+              </a:ext>
+            </a:extLst>
+          </p:cNvPr>
+          <p:cNvPicPr>
+            <a:picLocks noChangeAspect="1"/>
+          </p:cNvPicPr>
+          <p:nvPr/>
+        </p:nvPicPr>
+        <p:blipFill>
+          <a:blip r:embed="rId5">
+            <a:extLst>
+              <a:ext uri="{28A0092B-C50C-407E-A947-70E740481C1C}">
+                <a14:useLocalDpi xmlns:a14="http://schemas.microsoft.com/office/drawing/2010/main" val="0"/>
+              </a:ext>
+            </a:extLst>
+          </a:blip>
+          <a:stretch>
+            <a:fillRect/>
+          </a:stretch>
+        </p:blipFill>
+        <p:spPr>
+          <a:xfrm>
+            <a:off x="4602157" y="4627576"/>
+            <a:ext cx="986858" cy="998635"/>
+          </a:xfrm>
+          <a:prstGeom prst="rect">
+            <a:avLst/>
+          </a:prstGeom>
+        </p:spPr>
+      </p:pic>
+      <p:sp>
+        <p:nvSpPr>
+          <p:cNvPr id="35" name="TextBox 34">
+            <a:extLst>
+              <a:ext uri="{FF2B5EF4-FFF2-40B4-BE49-F238E27FC236}">
+                <a16:creationId xmlns:a16="http://schemas.microsoft.com/office/drawing/2014/main" id="{8300528D-C158-43F6-8466-A9367A287C9F}"/>
+              </a:ext>
+            </a:extLst>
+          </p:cNvPr>
+          <p:cNvSpPr txBox="1"/>
+          <p:nvPr/>
+        </p:nvSpPr>
+        <p:spPr>
+          <a:xfrm>
+            <a:off x="5771256" y="4913020"/>
+            <a:ext cx="3409908" cy="707886"/>
+          </a:xfrm>
+          <a:prstGeom prst="rect">
+            <a:avLst/>
+          </a:prstGeom>
+          <a:noFill/>
+        </p:spPr>
+        <p:txBody>
+          <a:bodyPr wrap="none" rtlCol="0">
+            <a:spAutoFit/>
+          </a:bodyPr>
+          <a:lstStyle/>
+          <a:p>
+            <a:r>
+              <a:rPr lang="en-US" altLang="ko-KR" sz="4000" dirty="0">
+                <a:solidFill>
+                  <a:schemeClr val="bg1"/>
+                </a:solidFill>
+                <a:latin typeface="경기천년바탕 Regular" panose="02020503020101020101" pitchFamily="18" charset="-127"/>
+                <a:ea typeface="경기천년바탕 Regular" panose="02020503020101020101" pitchFamily="18" charset="-127"/>
+              </a:rPr>
+              <a:t>: </a:t>
+            </a:r>
+            <a:r>
+              <a:rPr lang="ko-KR" altLang="en-US" sz="2400" dirty="0">
+                <a:solidFill>
+                  <a:schemeClr val="bg1"/>
+                </a:solidFill>
+                <a:latin typeface="경기천년바탕 Regular" panose="02020503020101020101" pitchFamily="18" charset="-127"/>
+                <a:ea typeface="경기천년바탕 Regular" panose="02020503020101020101" pitchFamily="18" charset="-127"/>
+                <a:cs typeface="Times New Roman" panose="02020603050405020304" pitchFamily="18" charset="0"/>
+              </a:rPr>
+              <a:t>이동</a:t>
+            </a:r>
+            <a:r>
+              <a:rPr lang="en-US" altLang="ko-KR" sz="2400" dirty="0">
+                <a:solidFill>
+                  <a:schemeClr val="bg1"/>
+                </a:solidFill>
+                <a:latin typeface="경기천년바탕 Regular" panose="02020503020101020101" pitchFamily="18" charset="-127"/>
+                <a:ea typeface="경기천년바탕 Regular" panose="02020503020101020101" pitchFamily="18" charset="-127"/>
+                <a:cs typeface="Times New Roman" panose="02020603050405020304" pitchFamily="18" charset="0"/>
+              </a:rPr>
+              <a:t>, </a:t>
+            </a:r>
+            <a:r>
+              <a:rPr lang="ko-KR" altLang="en-US" sz="2400" dirty="0">
+                <a:solidFill>
+                  <a:schemeClr val="bg1"/>
+                </a:solidFill>
+                <a:latin typeface="경기천년바탕 Regular" panose="02020503020101020101" pitchFamily="18" charset="-127"/>
+                <a:ea typeface="경기천년바탕 Regular" panose="02020503020101020101" pitchFamily="18" charset="-127"/>
+                <a:cs typeface="Times New Roman" panose="02020603050405020304" pitchFamily="18" charset="0"/>
+              </a:rPr>
+              <a:t>회전</a:t>
+            </a:r>
+            <a:r>
+              <a:rPr lang="en-US" altLang="ko-KR" sz="2400" dirty="0">
+                <a:solidFill>
+                  <a:schemeClr val="bg1"/>
+                </a:solidFill>
+                <a:latin typeface="경기천년바탕 Regular" panose="02020503020101020101" pitchFamily="18" charset="-127"/>
+                <a:ea typeface="경기천년바탕 Regular" panose="02020503020101020101" pitchFamily="18" charset="-127"/>
+                <a:cs typeface="Times New Roman" panose="02020603050405020304" pitchFamily="18" charset="0"/>
+              </a:rPr>
+              <a:t>, </a:t>
+            </a:r>
+            <a:r>
+              <a:rPr lang="ko-KR" altLang="en-US" sz="2400" dirty="0">
+                <a:solidFill>
+                  <a:schemeClr val="bg1"/>
+                </a:solidFill>
+                <a:latin typeface="경기천년바탕 Regular" panose="02020503020101020101" pitchFamily="18" charset="-127"/>
+                <a:ea typeface="경기천년바탕 Regular" panose="02020503020101020101" pitchFamily="18" charset="-127"/>
+                <a:cs typeface="Times New Roman" panose="02020603050405020304" pitchFamily="18" charset="0"/>
+              </a:rPr>
+              <a:t>아이템 사용</a:t>
+            </a:r>
+            <a:endParaRPr lang="ko-KR" altLang="en-US" sz="4000" dirty="0">
+              <a:solidFill>
+                <a:schemeClr val="bg1"/>
+              </a:solidFill>
+              <a:latin typeface="경기천년바탕 Regular" panose="02020503020101020101" pitchFamily="18" charset="-127"/>
+              <a:ea typeface="경기천년바탕 Regular" panose="02020503020101020101" pitchFamily="18" charset="-127"/>
+            </a:endParaRPr>
+          </a:p>
+        </p:txBody>
+      </p:sp>
+      <p:pic>
+        <p:nvPicPr>
+          <p:cNvPr id="11" name="그림 10" descr="옅은, 그리기이(가) 표시된 사진&#10;&#10;자동 생성된 설명">
+            <a:extLst>
+              <a:ext uri="{FF2B5EF4-FFF2-40B4-BE49-F238E27FC236}">
+                <a16:creationId xmlns:a16="http://schemas.microsoft.com/office/drawing/2014/main" id="{7ADEA54B-5422-4AC7-A1B1-953CEB90BDC6}"/>
+              </a:ext>
+            </a:extLst>
+          </p:cNvPr>
+          <p:cNvPicPr>
+            <a:picLocks noChangeAspect="1"/>
+          </p:cNvPicPr>
+          <p:nvPr/>
+        </p:nvPicPr>
+        <p:blipFill>
+          <a:blip r:embed="rId6">
+            <a:extLst>
+              <a:ext uri="{28A0092B-C50C-407E-A947-70E740481C1C}">
+                <a14:useLocalDpi xmlns:a14="http://schemas.microsoft.com/office/drawing/2010/main" val="0"/>
+              </a:ext>
+            </a:extLst>
+          </a:blip>
+          <a:stretch>
+            <a:fillRect/>
+          </a:stretch>
+        </p:blipFill>
+        <p:spPr>
+          <a:xfrm rot="10800000">
+            <a:off x="2819582" y="2621986"/>
+            <a:ext cx="787302" cy="1371429"/>
+          </a:xfrm>
+          <a:prstGeom prst="rect">
+            <a:avLst/>
+          </a:prstGeom>
+        </p:spPr>
+      </p:pic>
     </p:spTree>
     <p:extLst>
       <p:ext uri="{BB962C8B-B14F-4D97-AF65-F5344CB8AC3E}">
-        <p14:creationId xmlns:p14="http://schemas.microsoft.com/office/powerpoint/2010/main" val="3445454929"/>
+        <p14:creationId xmlns:p14="http://schemas.microsoft.com/office/powerpoint/2010/main" val="3388670824"/>
       </p:ext>
     </p:extLst>
   </p:cSld>
@@ -7522,10 +7254,10 @@
       </p:grpSpPr>
       <p:sp>
         <p:nvSpPr>
-          <p:cNvPr id="2" name="직사각형 1">
-            <a:extLst>
-              <a:ext uri="{FF2B5EF4-FFF2-40B4-BE49-F238E27FC236}">
-                <a16:creationId xmlns:a16="http://schemas.microsoft.com/office/drawing/2014/main" id="{A03741BF-0ED7-41AD-87A2-95631D18B70A}"/>
+          <p:cNvPr id="39" name="직사각형 38">
+            <a:extLst>
+              <a:ext uri="{FF2B5EF4-FFF2-40B4-BE49-F238E27FC236}">
+                <a16:creationId xmlns:a16="http://schemas.microsoft.com/office/drawing/2014/main" id="{431B6FBD-CE86-40BA-83F9-8518690E9963}"/>
               </a:ext>
             </a:extLst>
           </p:cNvPr>
@@ -7534,8 +7266,8 @@
         </p:nvSpPr>
         <p:spPr>
           <a:xfrm>
-            <a:off x="955035" y="642218"/>
-            <a:ext cx="3177535" cy="6045200"/>
+            <a:off x="851806" y="1196690"/>
+            <a:ext cx="3177535" cy="5182845"/>
           </a:xfrm>
           <a:prstGeom prst="rect">
             <a:avLst/>
@@ -7576,105 +7308,10 @@
       </p:sp>
       <p:sp>
         <p:nvSpPr>
-          <p:cNvPr id="3" name="TextBox 2">
-            <a:extLst>
-              <a:ext uri="{FF2B5EF4-FFF2-40B4-BE49-F238E27FC236}">
-                <a16:creationId xmlns:a16="http://schemas.microsoft.com/office/drawing/2014/main" id="{54864A9D-4DB4-48B5-8888-6B62293FB5B2}"/>
-              </a:ext>
-            </a:extLst>
-          </p:cNvPr>
-          <p:cNvSpPr txBox="1"/>
-          <p:nvPr/>
-        </p:nvSpPr>
-        <p:spPr>
-          <a:xfrm>
-            <a:off x="7674957" y="642218"/>
-            <a:ext cx="2977803" cy="707886"/>
-          </a:xfrm>
-          <a:prstGeom prst="rect">
-            <a:avLst/>
-          </a:prstGeom>
-          <a:noFill/>
-        </p:spPr>
-        <p:txBody>
-          <a:bodyPr wrap="none" rtlCol="0">
-            <a:spAutoFit/>
-          </a:bodyPr>
-          <a:lstStyle/>
-          <a:p>
-            <a:pPr algn="r"/>
-            <a:r>
-              <a:rPr lang="en-US" altLang="ko-KR" sz="4000" dirty="0">
-                <a:solidFill>
-                  <a:schemeClr val="bg1"/>
-                </a:solidFill>
-                <a:latin typeface="경기천년바탕 Bold" panose="02020803020101020101" pitchFamily="18" charset="-127"/>
-                <a:ea typeface="경기천년바탕 Bold" panose="02020803020101020101" pitchFamily="18" charset="-127"/>
-              </a:rPr>
-              <a:t>Components</a:t>
-            </a:r>
-            <a:endParaRPr lang="ko-KR" altLang="en-US" sz="4000" dirty="0">
-              <a:solidFill>
-                <a:schemeClr val="bg1"/>
-              </a:solidFill>
-              <a:latin typeface="경기천년바탕 Bold" panose="02020803020101020101" pitchFamily="18" charset="-127"/>
-              <a:ea typeface="경기천년바탕 Bold" panose="02020803020101020101" pitchFamily="18" charset="-127"/>
-            </a:endParaRPr>
-          </a:p>
-        </p:txBody>
-      </p:sp>
-      <p:cxnSp>
-        <p:nvCxnSpPr>
-          <p:cNvPr id="7" name="직선 연결선 6">
-            <a:extLst>
-              <a:ext uri="{FF2B5EF4-FFF2-40B4-BE49-F238E27FC236}">
-                <a16:creationId xmlns:a16="http://schemas.microsoft.com/office/drawing/2014/main" id="{B2227533-9D88-454D-AC67-D68053A27CD7}"/>
-              </a:ext>
-            </a:extLst>
-          </p:cNvPr>
-          <p:cNvCxnSpPr>
-            <a:cxnSpLocks/>
-          </p:cNvCxnSpPr>
-          <p:nvPr/>
-        </p:nvCxnSpPr>
-        <p:spPr>
-          <a:xfrm>
-            <a:off x="10769600" y="690880"/>
-            <a:ext cx="0" cy="707886"/>
-          </a:xfrm>
-          <a:prstGeom prst="line">
-            <a:avLst/>
-          </a:prstGeom>
-          <a:ln w="28575">
-            <a:solidFill>
-              <a:schemeClr val="accent4">
-                <a:lumMod val="20000"/>
-                <a:lumOff val="80000"/>
-              </a:schemeClr>
-            </a:solidFill>
-          </a:ln>
-        </p:spPr>
-        <p:style>
-          <a:lnRef idx="1">
-            <a:schemeClr val="accent1"/>
-          </a:lnRef>
-          <a:fillRef idx="0">
-            <a:schemeClr val="accent1"/>
-          </a:fillRef>
-          <a:effectRef idx="0">
-            <a:schemeClr val="accent1"/>
-          </a:effectRef>
-          <a:fontRef idx="minor">
-            <a:schemeClr val="tx1"/>
-          </a:fontRef>
-        </p:style>
-      </p:cxnSp>
-      <p:sp>
-        <p:nvSpPr>
-          <p:cNvPr id="8" name="직사각형 7">
-            <a:extLst>
-              <a:ext uri="{FF2B5EF4-FFF2-40B4-BE49-F238E27FC236}">
-                <a16:creationId xmlns:a16="http://schemas.microsoft.com/office/drawing/2014/main" id="{7DEB157B-44B9-4EE4-953D-C895E6E13DBB}"/>
+          <p:cNvPr id="16" name="직사각형 15">
+            <a:extLst>
+              <a:ext uri="{FF2B5EF4-FFF2-40B4-BE49-F238E27FC236}">
+                <a16:creationId xmlns:a16="http://schemas.microsoft.com/office/drawing/2014/main" id="{EE139C5A-0E66-45D6-BE19-DF9714CAAFBF}"/>
               </a:ext>
             </a:extLst>
           </p:cNvPr>
@@ -7683,8 +7320,8 @@
         </p:nvSpPr>
         <p:spPr>
           <a:xfrm>
-            <a:off x="-375910" y="-254000"/>
-            <a:ext cx="4683746" cy="7112000"/>
+            <a:off x="1034047" y="1425540"/>
+            <a:ext cx="3177535" cy="5042637"/>
           </a:xfrm>
           <a:prstGeom prst="rect">
             <a:avLst/>
@@ -7723,12 +7360,355 @@
           </a:p>
         </p:txBody>
       </p:sp>
+      <p:sp>
+        <p:nvSpPr>
+          <p:cNvPr id="14" name="직사각형 13">
+            <a:extLst>
+              <a:ext uri="{FF2B5EF4-FFF2-40B4-BE49-F238E27FC236}">
+                <a16:creationId xmlns:a16="http://schemas.microsoft.com/office/drawing/2014/main" id="{A7184F2A-D2D1-42C1-BDD5-57500BC97FB7}"/>
+              </a:ext>
+            </a:extLst>
+          </p:cNvPr>
+          <p:cNvSpPr/>
+          <p:nvPr/>
+        </p:nvSpPr>
+        <p:spPr>
+          <a:xfrm rot="16200000">
+            <a:off x="2366210" y="2820202"/>
+            <a:ext cx="1694046" cy="952901"/>
+          </a:xfrm>
+          <a:prstGeom prst="rect">
+            <a:avLst/>
+          </a:prstGeom>
+          <a:solidFill>
+            <a:schemeClr val="bg1"/>
+          </a:solidFill>
+          <a:ln>
+            <a:noFill/>
+          </a:ln>
+        </p:spPr>
+        <p:style>
+          <a:lnRef idx="2">
+            <a:schemeClr val="accent1">
+              <a:shade val="50000"/>
+            </a:schemeClr>
+          </a:lnRef>
+          <a:fillRef idx="1">
+            <a:schemeClr val="accent1"/>
+          </a:fillRef>
+          <a:effectRef idx="0">
+            <a:schemeClr val="accent1"/>
+          </a:effectRef>
+          <a:fontRef idx="minor">
+            <a:schemeClr val="lt1"/>
+          </a:fontRef>
+        </p:style>
+        <p:txBody>
+          <a:bodyPr rtlCol="0" anchor="ctr"/>
+          <a:lstStyle/>
+          <a:p>
+            <a:pPr algn="ctr"/>
+            <a:endParaRPr lang="ko-KR" altLang="en-US"/>
+          </a:p>
+        </p:txBody>
+      </p:sp>
+      <p:sp>
+        <p:nvSpPr>
+          <p:cNvPr id="13" name="직사각형 12">
+            <a:extLst>
+              <a:ext uri="{FF2B5EF4-FFF2-40B4-BE49-F238E27FC236}">
+                <a16:creationId xmlns:a16="http://schemas.microsoft.com/office/drawing/2014/main" id="{5CAFCFA8-2806-40F5-8164-9496CC6B7B64}"/>
+              </a:ext>
+            </a:extLst>
+          </p:cNvPr>
+          <p:cNvSpPr/>
+          <p:nvPr/>
+        </p:nvSpPr>
+        <p:spPr>
+          <a:xfrm rot="5400000">
+            <a:off x="1300393" y="2820202"/>
+            <a:ext cx="1694046" cy="952901"/>
+          </a:xfrm>
+          <a:prstGeom prst="rect">
+            <a:avLst/>
+          </a:prstGeom>
+          <a:solidFill>
+            <a:schemeClr val="bg1"/>
+          </a:solidFill>
+          <a:ln>
+            <a:noFill/>
+          </a:ln>
+        </p:spPr>
+        <p:style>
+          <a:lnRef idx="2">
+            <a:schemeClr val="accent1">
+              <a:shade val="50000"/>
+            </a:schemeClr>
+          </a:lnRef>
+          <a:fillRef idx="1">
+            <a:schemeClr val="accent1"/>
+          </a:fillRef>
+          <a:effectRef idx="0">
+            <a:schemeClr val="accent1"/>
+          </a:effectRef>
+          <a:fontRef idx="minor">
+            <a:schemeClr val="lt1"/>
+          </a:fontRef>
+        </p:style>
+        <p:txBody>
+          <a:bodyPr rtlCol="0" anchor="ctr"/>
+          <a:lstStyle/>
+          <a:p>
+            <a:pPr algn="ctr"/>
+            <a:endParaRPr lang="ko-KR" altLang="en-US"/>
+          </a:p>
+        </p:txBody>
+      </p:sp>
+      <p:sp>
+        <p:nvSpPr>
+          <p:cNvPr id="3" name="TextBox 2">
+            <a:extLst>
+              <a:ext uri="{FF2B5EF4-FFF2-40B4-BE49-F238E27FC236}">
+                <a16:creationId xmlns:a16="http://schemas.microsoft.com/office/drawing/2014/main" id="{54864A9D-4DB4-48B5-8888-6B62293FB5B2}"/>
+              </a:ext>
+            </a:extLst>
+          </p:cNvPr>
+          <p:cNvSpPr txBox="1"/>
+          <p:nvPr/>
+        </p:nvSpPr>
+        <p:spPr>
+          <a:xfrm>
+            <a:off x="9670266" y="409877"/>
+            <a:ext cx="1643399" cy="1015663"/>
+          </a:xfrm>
+          <a:prstGeom prst="rect">
+            <a:avLst/>
+          </a:prstGeom>
+          <a:noFill/>
+        </p:spPr>
+        <p:txBody>
+          <a:bodyPr wrap="none" rtlCol="0">
+            <a:spAutoFit/>
+          </a:bodyPr>
+          <a:lstStyle/>
+          <a:p>
+            <a:pPr algn="r"/>
+            <a:r>
+              <a:rPr lang="en-US" altLang="ko-KR" sz="6000" dirty="0">
+                <a:solidFill>
+                  <a:schemeClr val="bg1"/>
+                </a:solidFill>
+                <a:latin typeface="경기천년바탕 Bold" panose="02020803020101020101" pitchFamily="18" charset="-127"/>
+                <a:ea typeface="경기천년바탕 Bold" panose="02020803020101020101" pitchFamily="18" charset="-127"/>
+              </a:rPr>
+              <a:t>Unit</a:t>
+            </a:r>
+            <a:endParaRPr lang="ko-KR" altLang="en-US" sz="6000" dirty="0">
+              <a:solidFill>
+                <a:schemeClr val="bg1"/>
+              </a:solidFill>
+              <a:latin typeface="경기천년바탕 Bold" panose="02020803020101020101" pitchFamily="18" charset="-127"/>
+              <a:ea typeface="경기천년바탕 Bold" panose="02020803020101020101" pitchFamily="18" charset="-127"/>
+            </a:endParaRPr>
+          </a:p>
+        </p:txBody>
+      </p:sp>
+      <p:sp>
+        <p:nvSpPr>
+          <p:cNvPr id="9" name="L 도형 8">
+            <a:extLst>
+              <a:ext uri="{FF2B5EF4-FFF2-40B4-BE49-F238E27FC236}">
+                <a16:creationId xmlns:a16="http://schemas.microsoft.com/office/drawing/2014/main" id="{84B1B958-581A-4B20-90C9-DF550356EE42}"/>
+              </a:ext>
+            </a:extLst>
+          </p:cNvPr>
+          <p:cNvSpPr/>
+          <p:nvPr/>
+        </p:nvSpPr>
+        <p:spPr>
+          <a:xfrm rot="10800000">
+            <a:off x="11145873" y="340996"/>
+            <a:ext cx="680318" cy="680318"/>
+          </a:xfrm>
+          <a:prstGeom prst="corner">
+            <a:avLst>
+              <a:gd name="adj1" fmla="val 10000"/>
+              <a:gd name="adj2" fmla="val 8667"/>
+            </a:avLst>
+          </a:prstGeom>
+          <a:solidFill>
+            <a:schemeClr val="accent4">
+              <a:lumMod val="20000"/>
+              <a:lumOff val="80000"/>
+            </a:schemeClr>
+          </a:solidFill>
+          <a:ln>
+            <a:noFill/>
+          </a:ln>
+        </p:spPr>
+        <p:style>
+          <a:lnRef idx="2">
+            <a:schemeClr val="accent1">
+              <a:shade val="50000"/>
+            </a:schemeClr>
+          </a:lnRef>
+          <a:fillRef idx="1">
+            <a:schemeClr val="accent1"/>
+          </a:fillRef>
+          <a:effectRef idx="0">
+            <a:schemeClr val="accent1"/>
+          </a:effectRef>
+          <a:fontRef idx="minor">
+            <a:schemeClr val="lt1"/>
+          </a:fontRef>
+        </p:style>
+        <p:txBody>
+          <a:bodyPr rtlCol="0" anchor="ctr"/>
+          <a:lstStyle/>
+          <a:p>
+            <a:pPr algn="ctr"/>
+            <a:endParaRPr lang="ko-KR" altLang="en-US"/>
+          </a:p>
+        </p:txBody>
+      </p:sp>
+      <p:sp>
+        <p:nvSpPr>
+          <p:cNvPr id="25" name="TextBox 24">
+            <a:extLst>
+              <a:ext uri="{FF2B5EF4-FFF2-40B4-BE49-F238E27FC236}">
+                <a16:creationId xmlns:a16="http://schemas.microsoft.com/office/drawing/2014/main" id="{D89795FE-DBCF-476D-9181-40AA68BE846F}"/>
+              </a:ext>
+            </a:extLst>
+          </p:cNvPr>
+          <p:cNvSpPr txBox="1"/>
+          <p:nvPr/>
+        </p:nvSpPr>
+        <p:spPr>
+          <a:xfrm>
+            <a:off x="5771256" y="2245947"/>
+            <a:ext cx="5958682" cy="707886"/>
+          </a:xfrm>
+          <a:prstGeom prst="rect">
+            <a:avLst/>
+          </a:prstGeom>
+          <a:noFill/>
+        </p:spPr>
+        <p:txBody>
+          <a:bodyPr wrap="none" rtlCol="0">
+            <a:spAutoFit/>
+          </a:bodyPr>
+          <a:lstStyle/>
+          <a:p>
+            <a:r>
+              <a:rPr lang="en-US" altLang="ko-KR" sz="4000" dirty="0">
+                <a:solidFill>
+                  <a:schemeClr val="bg1"/>
+                </a:solidFill>
+                <a:latin typeface="경기천년바탕 Regular" panose="02020503020101020101" pitchFamily="18" charset="-127"/>
+                <a:ea typeface="경기천년바탕 Regular" panose="02020503020101020101" pitchFamily="18" charset="-127"/>
+              </a:rPr>
+              <a:t>: </a:t>
+            </a:r>
+            <a:r>
+              <a:rPr lang="ko-KR" altLang="ko-KR" sz="2400" dirty="0">
+                <a:solidFill>
+                  <a:schemeClr val="bg1"/>
+                </a:solidFill>
+                <a:effectLst/>
+                <a:latin typeface="경기천년바탕 Regular" panose="02020503020101020101" pitchFamily="18" charset="-127"/>
+                <a:ea typeface="경기천년바탕 Regular" panose="02020503020101020101" pitchFamily="18" charset="-127"/>
+                <a:cs typeface="Times New Roman" panose="02020603050405020304" pitchFamily="18" charset="0"/>
+              </a:rPr>
+              <a:t>안전지대 범위</a:t>
+            </a:r>
+            <a:r>
+              <a:rPr lang="en-GB" altLang="ko-KR" sz="2400" dirty="0">
+                <a:solidFill>
+                  <a:schemeClr val="bg1"/>
+                </a:solidFill>
+                <a:effectLst/>
+                <a:latin typeface="경기천년바탕 Regular" panose="02020503020101020101" pitchFamily="18" charset="-127"/>
+                <a:ea typeface="경기천년바탕 Regular" panose="02020503020101020101" pitchFamily="18" charset="-127"/>
+                <a:cs typeface="Times New Roman" panose="02020603050405020304" pitchFamily="18" charset="0"/>
+              </a:rPr>
+              <a:t>, </a:t>
+            </a:r>
+            <a:r>
+              <a:rPr lang="ko-KR" altLang="ko-KR" sz="2400" dirty="0">
+                <a:solidFill>
+                  <a:schemeClr val="bg1"/>
+                </a:solidFill>
+                <a:effectLst/>
+                <a:latin typeface="경기천년바탕 Regular" panose="02020503020101020101" pitchFamily="18" charset="-127"/>
+                <a:ea typeface="경기천년바탕 Regular" panose="02020503020101020101" pitchFamily="18" charset="-127"/>
+                <a:cs typeface="Times New Roman" panose="02020603050405020304" pitchFamily="18" charset="0"/>
+              </a:rPr>
+              <a:t>보이는 적</a:t>
+            </a:r>
+            <a:r>
+              <a:rPr lang="en-GB" altLang="ko-KR" sz="2400" dirty="0">
+                <a:solidFill>
+                  <a:schemeClr val="bg1"/>
+                </a:solidFill>
+                <a:effectLst/>
+                <a:latin typeface="경기천년바탕 Regular" panose="02020503020101020101" pitchFamily="18" charset="-127"/>
+                <a:ea typeface="경기천년바탕 Regular" panose="02020503020101020101" pitchFamily="18" charset="-127"/>
+                <a:cs typeface="Times New Roman" panose="02020603050405020304" pitchFamily="18" charset="0"/>
+              </a:rPr>
+              <a:t>, </a:t>
+            </a:r>
+            <a:r>
+              <a:rPr lang="ko-KR" altLang="ko-KR" sz="2400" dirty="0">
+                <a:solidFill>
+                  <a:schemeClr val="bg1"/>
+                </a:solidFill>
+                <a:effectLst/>
+                <a:latin typeface="경기천년바탕 Regular" panose="02020503020101020101" pitchFamily="18" charset="-127"/>
+                <a:ea typeface="경기천년바탕 Regular" panose="02020503020101020101" pitchFamily="18" charset="-127"/>
+                <a:cs typeface="Times New Roman" panose="02020603050405020304" pitchFamily="18" charset="0"/>
+              </a:rPr>
+              <a:t>전체 아군</a:t>
+            </a:r>
+            <a:r>
+              <a:rPr lang="en-GB" altLang="ko-KR" sz="2400" dirty="0">
+                <a:solidFill>
+                  <a:schemeClr val="bg1"/>
+                </a:solidFill>
+                <a:effectLst/>
+                <a:latin typeface="경기천년바탕 Regular" panose="02020503020101020101" pitchFamily="18" charset="-127"/>
+                <a:ea typeface="경기천년바탕 Regular" panose="02020503020101020101" pitchFamily="18" charset="-127"/>
+                <a:cs typeface="Times New Roman" panose="02020603050405020304" pitchFamily="18" charset="0"/>
+              </a:rPr>
+              <a:t>, </a:t>
+            </a:r>
+            <a:r>
+              <a:rPr lang="ko-KR" altLang="ko-KR" sz="2400" dirty="0">
+                <a:solidFill>
+                  <a:schemeClr val="bg1"/>
+                </a:solidFill>
+                <a:effectLst/>
+                <a:latin typeface="경기천년바탕 Regular" panose="02020503020101020101" pitchFamily="18" charset="-127"/>
+                <a:ea typeface="경기천년바탕 Regular" panose="02020503020101020101" pitchFamily="18" charset="-127"/>
+                <a:cs typeface="Times New Roman" panose="02020603050405020304" pitchFamily="18" charset="0"/>
+              </a:rPr>
+              <a:t>아이템</a:t>
+            </a:r>
+            <a:endParaRPr lang="ko-KR" altLang="en-US" sz="4000" dirty="0">
+              <a:solidFill>
+                <a:schemeClr val="bg1"/>
+              </a:solidFill>
+              <a:latin typeface="경기천년바탕 Regular" panose="02020503020101020101" pitchFamily="18" charset="-127"/>
+              <a:ea typeface="경기천년바탕 Regular" panose="02020503020101020101" pitchFamily="18" charset="-127"/>
+            </a:endParaRPr>
+          </a:p>
+        </p:txBody>
+      </p:sp>
       <p:pic>
         <p:nvPicPr>
-          <p:cNvPr id="4" name="그림 3">
-            <a:extLst>
-              <a:ext uri="{FF2B5EF4-FFF2-40B4-BE49-F238E27FC236}">
-                <a16:creationId xmlns:a16="http://schemas.microsoft.com/office/drawing/2014/main" id="{7220B5E4-F5D6-49DA-9AA0-B8650ACAD1A1}"/>
+          <p:cNvPr id="27" name="그림 26">
+            <a:extLst>
+              <a:ext uri="{FF2B5EF4-FFF2-40B4-BE49-F238E27FC236}">
+                <a16:creationId xmlns:a16="http://schemas.microsoft.com/office/drawing/2014/main" id="{58B7C862-B621-4ACD-A02C-3707883190ED}"/>
               </a:ext>
             </a:extLst>
           </p:cNvPr>
@@ -7751,8 +7731,8 @@
         </p:blipFill>
         <p:spPr>
           <a:xfrm>
-            <a:off x="2509321" y="3521050"/>
-            <a:ext cx="1334494" cy="918056"/>
+            <a:off x="4506811" y="2336599"/>
+            <a:ext cx="1082204" cy="574283"/>
           </a:xfrm>
           <a:prstGeom prst="rect">
             <a:avLst/>
@@ -7761,10 +7741,10 @@
       </p:pic>
       <p:pic>
         <p:nvPicPr>
-          <p:cNvPr id="6" name="그림 5" descr="텍스트이(가) 표시된 사진&#10;&#10;자동 생성된 설명">
-            <a:extLst>
-              <a:ext uri="{FF2B5EF4-FFF2-40B4-BE49-F238E27FC236}">
-                <a16:creationId xmlns:a16="http://schemas.microsoft.com/office/drawing/2014/main" id="{6C5D2FB5-380F-4AA8-AF3E-E54CB159B7B0}"/>
+          <p:cNvPr id="29" name="그림 28">
+            <a:extLst>
+              <a:ext uri="{FF2B5EF4-FFF2-40B4-BE49-F238E27FC236}">
+                <a16:creationId xmlns:a16="http://schemas.microsoft.com/office/drawing/2014/main" id="{1DDC151A-2A28-4C5A-9048-9E566EA1A209}"/>
               </a:ext>
             </a:extLst>
           </p:cNvPr>
@@ -7787,20 +7767,123 @@
         </p:blipFill>
         <p:spPr>
           <a:xfrm>
-            <a:off x="2807572" y="1398766"/>
-            <a:ext cx="579302" cy="1363965"/>
+            <a:off x="4615739" y="3477716"/>
+            <a:ext cx="864348" cy="864348"/>
           </a:xfrm>
           <a:prstGeom prst="rect">
             <a:avLst/>
           </a:prstGeom>
         </p:spPr>
       </p:pic>
+      <p:sp>
+        <p:nvSpPr>
+          <p:cNvPr id="31" name="TextBox 30">
+            <a:extLst>
+              <a:ext uri="{FF2B5EF4-FFF2-40B4-BE49-F238E27FC236}">
+                <a16:creationId xmlns:a16="http://schemas.microsoft.com/office/drawing/2014/main" id="{042A34AB-FD27-45F9-9DB0-88BC948AC8C1}"/>
+              </a:ext>
+            </a:extLst>
+          </p:cNvPr>
+          <p:cNvSpPr txBox="1"/>
+          <p:nvPr/>
+        </p:nvSpPr>
+        <p:spPr>
+          <a:xfrm>
+            <a:off x="5771256" y="3511404"/>
+            <a:ext cx="2488182" cy="707886"/>
+          </a:xfrm>
+          <a:prstGeom prst="rect">
+            <a:avLst/>
+          </a:prstGeom>
+          <a:noFill/>
+        </p:spPr>
+        <p:txBody>
+          <a:bodyPr wrap="none" rtlCol="0">
+            <a:spAutoFit/>
+          </a:bodyPr>
+          <a:lstStyle/>
+          <a:p>
+            <a:r>
+              <a:rPr lang="en-US" altLang="ko-KR" sz="4000" dirty="0">
+                <a:solidFill>
+                  <a:schemeClr val="bg1"/>
+                </a:solidFill>
+                <a:latin typeface="경기천년바탕 Regular" panose="02020503020101020101" pitchFamily="18" charset="-127"/>
+                <a:ea typeface="경기천년바탕 Regular" panose="02020503020101020101" pitchFamily="18" charset="-127"/>
+              </a:rPr>
+              <a:t>: </a:t>
+            </a:r>
+            <a:r>
+              <a:rPr lang="ko-KR" altLang="en-US" sz="2400" dirty="0">
+                <a:solidFill>
+                  <a:schemeClr val="bg1"/>
+                </a:solidFill>
+                <a:latin typeface="경기천년바탕 Regular" panose="02020503020101020101" pitchFamily="18" charset="-127"/>
+                <a:ea typeface="경기천년바탕 Regular" panose="02020503020101020101" pitchFamily="18" charset="-127"/>
+                <a:cs typeface="Times New Roman" panose="02020603050405020304" pitchFamily="18" charset="0"/>
+              </a:rPr>
+              <a:t>체력</a:t>
+            </a:r>
+            <a:r>
+              <a:rPr lang="en-US" altLang="ko-KR" sz="2400" dirty="0">
+                <a:solidFill>
+                  <a:schemeClr val="bg1"/>
+                </a:solidFill>
+                <a:latin typeface="경기천년바탕 Regular" panose="02020503020101020101" pitchFamily="18" charset="-127"/>
+                <a:ea typeface="경기천년바탕 Regular" panose="02020503020101020101" pitchFamily="18" charset="-127"/>
+                <a:cs typeface="Times New Roman" panose="02020603050405020304" pitchFamily="18" charset="0"/>
+              </a:rPr>
+              <a:t>, </a:t>
+            </a:r>
+            <a:r>
+              <a:rPr lang="ko-KR" altLang="en-US" sz="2400" dirty="0">
+                <a:solidFill>
+                  <a:schemeClr val="bg1"/>
+                </a:solidFill>
+                <a:latin typeface="경기천년바탕 Regular" panose="02020503020101020101" pitchFamily="18" charset="-127"/>
+                <a:ea typeface="경기천년바탕 Regular" panose="02020503020101020101" pitchFamily="18" charset="-127"/>
+                <a:cs typeface="Times New Roman" panose="02020603050405020304" pitchFamily="18" charset="0"/>
+              </a:rPr>
+              <a:t>위치</a:t>
+            </a:r>
+            <a:r>
+              <a:rPr lang="en-US" altLang="ko-KR" sz="2400" dirty="0">
+                <a:solidFill>
+                  <a:schemeClr val="bg1"/>
+                </a:solidFill>
+                <a:latin typeface="경기천년바탕 Regular" panose="02020503020101020101" pitchFamily="18" charset="-127"/>
+                <a:ea typeface="경기천년바탕 Regular" panose="02020503020101020101" pitchFamily="18" charset="-127"/>
+                <a:cs typeface="Times New Roman" panose="02020603050405020304" pitchFamily="18" charset="0"/>
+              </a:rPr>
+              <a:t>, </a:t>
+            </a:r>
+            <a:r>
+              <a:rPr lang="ko-KR" altLang="en-US" sz="2400" dirty="0">
+                <a:solidFill>
+                  <a:schemeClr val="bg1"/>
+                </a:solidFill>
+                <a:latin typeface="경기천년바탕 Regular" panose="02020503020101020101" pitchFamily="18" charset="-127"/>
+                <a:ea typeface="경기천년바탕 Regular" panose="02020503020101020101" pitchFamily="18" charset="-127"/>
+                <a:cs typeface="Times New Roman" panose="02020603050405020304" pitchFamily="18" charset="0"/>
+              </a:rPr>
+              <a:t>방향</a:t>
+            </a:r>
+            <a:endParaRPr lang="ko-KR" altLang="en-US" sz="4000" dirty="0">
+              <a:solidFill>
+                <a:schemeClr val="bg1"/>
+              </a:solidFill>
+              <a:latin typeface="경기천년바탕 Regular" panose="02020503020101020101" pitchFamily="18" charset="-127"/>
+              <a:ea typeface="경기천년바탕 Regular" panose="02020503020101020101" pitchFamily="18" charset="-127"/>
+            </a:endParaRPr>
+          </a:p>
+        </p:txBody>
+      </p:sp>
       <p:pic>
         <p:nvPicPr>
-          <p:cNvPr id="10" name="그림 9">
-            <a:extLst>
-              <a:ext uri="{FF2B5EF4-FFF2-40B4-BE49-F238E27FC236}">
-                <a16:creationId xmlns:a16="http://schemas.microsoft.com/office/drawing/2014/main" id="{7E44967B-F43A-42B8-A7B9-7F63946F1F0E}"/>
+          <p:cNvPr id="33" name="그림 32">
+            <a:extLst>
+              <a:ext uri="{FF2B5EF4-FFF2-40B4-BE49-F238E27FC236}">
+                <a16:creationId xmlns:a16="http://schemas.microsoft.com/office/drawing/2014/main" id="{1B667C1B-0604-4B34-8B86-BE352DA57FA3}"/>
               </a:ext>
             </a:extLst>
           </p:cNvPr>
@@ -7823,8 +7906,8 @@
         </p:blipFill>
         <p:spPr>
           <a:xfrm>
-            <a:off x="2350631" y="5197425"/>
-            <a:ext cx="1493184" cy="983987"/>
+            <a:off x="4602157" y="4627576"/>
+            <a:ext cx="986858" cy="998635"/>
           </a:xfrm>
           <a:prstGeom prst="rect">
             <a:avLst/>
@@ -7833,10 +7916,10 @@
       </p:pic>
       <p:sp>
         <p:nvSpPr>
-          <p:cNvPr id="11" name="TextBox 10">
-            <a:extLst>
-              <a:ext uri="{FF2B5EF4-FFF2-40B4-BE49-F238E27FC236}">
-                <a16:creationId xmlns:a16="http://schemas.microsoft.com/office/drawing/2014/main" id="{45FF138F-8CC9-4502-AA05-4731302E3102}"/>
+          <p:cNvPr id="35" name="TextBox 34">
+            <a:extLst>
+              <a:ext uri="{FF2B5EF4-FFF2-40B4-BE49-F238E27FC236}">
+                <a16:creationId xmlns:a16="http://schemas.microsoft.com/office/drawing/2014/main" id="{8300528D-C158-43F6-8466-A9367A287C9F}"/>
               </a:ext>
             </a:extLst>
           </p:cNvPr>
@@ -7845,8 +7928,8 @@
         </p:nvSpPr>
         <p:spPr>
           <a:xfrm>
-            <a:off x="4546600" y="2239511"/>
-            <a:ext cx="3505195" cy="523220"/>
+            <a:off x="5771256" y="4913020"/>
+            <a:ext cx="3409908" cy="707886"/>
           </a:xfrm>
           <a:prstGeom prst="rect">
             <a:avLst/>
@@ -7854,73 +7937,77 @@
           <a:noFill/>
         </p:spPr>
         <p:txBody>
-          <a:bodyPr wrap="square" rtlCol="0">
+          <a:bodyPr wrap="none" rtlCol="0">
             <a:spAutoFit/>
           </a:bodyPr>
           <a:lstStyle/>
           <a:p>
             <a:r>
-              <a:rPr lang="ko-KR" altLang="en-US" sz="2800" dirty="0">
-                <a:solidFill>
-                  <a:schemeClr val="bg1"/>
-                </a:solidFill>
-                <a:latin typeface="경기천년바탕 Regular" panose="02020503020101020101" pitchFamily="18" charset="-127"/>
-                <a:ea typeface="경기천년바탕 Regular" panose="02020503020101020101" pitchFamily="18" charset="-127"/>
-              </a:rPr>
-              <a:t>이동 및 공격 수행</a:t>
-            </a:r>
-          </a:p>
-        </p:txBody>
-      </p:sp>
-      <p:sp>
-        <p:nvSpPr>
-          <p:cNvPr id="13" name="TextBox 12">
-            <a:extLst>
-              <a:ext uri="{FF2B5EF4-FFF2-40B4-BE49-F238E27FC236}">
-                <a16:creationId xmlns:a16="http://schemas.microsoft.com/office/drawing/2014/main" id="{0DBACF02-8F7F-4C54-B976-1C7883B47754}"/>
-              </a:ext>
-            </a:extLst>
-          </p:cNvPr>
-          <p:cNvSpPr txBox="1"/>
-          <p:nvPr/>
-        </p:nvSpPr>
-        <p:spPr>
-          <a:xfrm>
-            <a:off x="4546600" y="3833660"/>
-            <a:ext cx="4876800" cy="523220"/>
-          </a:xfrm>
-          <a:prstGeom prst="rect">
-            <a:avLst/>
-          </a:prstGeom>
-          <a:noFill/>
-        </p:spPr>
-        <p:txBody>
-          <a:bodyPr wrap="square" rtlCol="0">
-            <a:spAutoFit/>
-          </a:bodyPr>
-          <a:lstStyle/>
-          <a:p>
-            <a:r>
-              <a:rPr lang="ko-KR" altLang="en-US" sz="2800" dirty="0">
-                <a:solidFill>
-                  <a:schemeClr val="bg1"/>
-                </a:solidFill>
-                <a:latin typeface="경기천년바탕 Regular" panose="02020503020101020101" pitchFamily="18" charset="-127"/>
-                <a:ea typeface="경기천년바탕 Regular" panose="02020503020101020101" pitchFamily="18" charset="-127"/>
-              </a:rPr>
-              <a:t>공격력 </a:t>
-            </a:r>
-            <a:r>
-              <a:rPr lang="ko-KR" altLang="en-US" sz="2800">
-                <a:solidFill>
-                  <a:schemeClr val="bg1"/>
-                </a:solidFill>
-                <a:latin typeface="경기천년바탕 Regular" panose="02020503020101020101" pitchFamily="18" charset="-127"/>
-                <a:ea typeface="경기천년바탕 Regular" panose="02020503020101020101" pitchFamily="18" charset="-127"/>
-              </a:rPr>
-              <a:t>결정 및 특수 효과 발동 </a:t>
-            </a:r>
-            <a:endParaRPr lang="ko-KR" altLang="en-US" sz="2800" dirty="0">
+              <a:rPr lang="en-US" altLang="ko-KR" sz="4000" dirty="0">
+                <a:solidFill>
+                  <a:schemeClr val="bg1"/>
+                </a:solidFill>
+                <a:latin typeface="경기천년바탕 Regular" panose="02020503020101020101" pitchFamily="18" charset="-127"/>
+                <a:ea typeface="경기천년바탕 Regular" panose="02020503020101020101" pitchFamily="18" charset="-127"/>
+              </a:rPr>
+              <a:t>: </a:t>
+            </a:r>
+            <a:r>
+              <a:rPr lang="ko-KR" altLang="en-US" sz="2400" dirty="0">
+                <a:solidFill>
+                  <a:schemeClr val="bg1"/>
+                </a:solidFill>
+                <a:latin typeface="경기천년바탕 Regular" panose="02020503020101020101" pitchFamily="18" charset="-127"/>
+                <a:ea typeface="경기천년바탕 Regular" panose="02020503020101020101" pitchFamily="18" charset="-127"/>
+                <a:cs typeface="Times New Roman" panose="02020603050405020304" pitchFamily="18" charset="0"/>
+              </a:rPr>
+              <a:t>이동</a:t>
+            </a:r>
+            <a:r>
+              <a:rPr lang="en-US" altLang="ko-KR" sz="2400" dirty="0">
+                <a:solidFill>
+                  <a:schemeClr val="bg1"/>
+                </a:solidFill>
+                <a:latin typeface="경기천년바탕 Regular" panose="02020503020101020101" pitchFamily="18" charset="-127"/>
+                <a:ea typeface="경기천년바탕 Regular" panose="02020503020101020101" pitchFamily="18" charset="-127"/>
+                <a:cs typeface="Times New Roman" panose="02020603050405020304" pitchFamily="18" charset="0"/>
+              </a:rPr>
+              <a:t>, </a:t>
+            </a:r>
+            <a:r>
+              <a:rPr lang="ko-KR" altLang="en-US" sz="2400" dirty="0">
+                <a:solidFill>
+                  <a:schemeClr val="bg1"/>
+                </a:solidFill>
+                <a:latin typeface="경기천년바탕 Regular" panose="02020503020101020101" pitchFamily="18" charset="-127"/>
+                <a:ea typeface="경기천년바탕 Regular" panose="02020503020101020101" pitchFamily="18" charset="-127"/>
+                <a:cs typeface="Times New Roman" panose="02020603050405020304" pitchFamily="18" charset="0"/>
+              </a:rPr>
+              <a:t>회전</a:t>
+            </a:r>
+            <a:r>
+              <a:rPr lang="en-US" altLang="ko-KR" sz="2400" dirty="0">
+                <a:solidFill>
+                  <a:schemeClr val="bg1"/>
+                </a:solidFill>
+                <a:latin typeface="경기천년바탕 Regular" panose="02020503020101020101" pitchFamily="18" charset="-127"/>
+                <a:ea typeface="경기천년바탕 Regular" panose="02020503020101020101" pitchFamily="18" charset="-127"/>
+                <a:cs typeface="Times New Roman" panose="02020603050405020304" pitchFamily="18" charset="0"/>
+              </a:rPr>
+              <a:t>, </a:t>
+            </a:r>
+            <a:r>
+              <a:rPr lang="ko-KR" altLang="en-US" sz="2400" dirty="0">
+                <a:solidFill>
+                  <a:schemeClr val="bg1"/>
+                </a:solidFill>
+                <a:latin typeface="경기천년바탕 Regular" panose="02020503020101020101" pitchFamily="18" charset="-127"/>
+                <a:ea typeface="경기천년바탕 Regular" panose="02020503020101020101" pitchFamily="18" charset="-127"/>
+                <a:cs typeface="Times New Roman" panose="02020603050405020304" pitchFamily="18" charset="0"/>
+              </a:rPr>
+              <a:t>아이템 사용</a:t>
+            </a:r>
+            <a:endParaRPr lang="ko-KR" altLang="en-US" sz="4000" dirty="0">
               <a:solidFill>
                 <a:schemeClr val="bg1"/>
               </a:solidFill>
@@ -7930,12 +8017,84 @@
           </a:p>
         </p:txBody>
       </p:sp>
-      <p:sp>
-        <p:nvSpPr>
-          <p:cNvPr id="15" name="TextBox 14">
-            <a:extLst>
-              <a:ext uri="{FF2B5EF4-FFF2-40B4-BE49-F238E27FC236}">
-                <a16:creationId xmlns:a16="http://schemas.microsoft.com/office/drawing/2014/main" id="{95BE4910-8BD2-41D4-B33B-F386A105C310}"/>
+      <p:pic>
+        <p:nvPicPr>
+          <p:cNvPr id="41" name="그림 40">
+            <a:extLst>
+              <a:ext uri="{FF2B5EF4-FFF2-40B4-BE49-F238E27FC236}">
+                <a16:creationId xmlns:a16="http://schemas.microsoft.com/office/drawing/2014/main" id="{B9FA92A1-2362-4B64-8BDE-7D522BBC4E55}"/>
+              </a:ext>
+            </a:extLst>
+          </p:cNvPr>
+          <p:cNvPicPr>
+            <a:picLocks noChangeAspect="1"/>
+          </p:cNvPicPr>
+          <p:nvPr/>
+        </p:nvPicPr>
+        <p:blipFill>
+          <a:blip r:embed="rId5">
+            <a:extLst>
+              <a:ext uri="{28A0092B-C50C-407E-A947-70E740481C1C}">
+                <a14:useLocalDpi xmlns:a14="http://schemas.microsoft.com/office/drawing/2010/main" val="0"/>
+              </a:ext>
+            </a:extLst>
+          </a:blip>
+          <a:stretch>
+            <a:fillRect/>
+          </a:stretch>
+        </p:blipFill>
+        <p:spPr>
+          <a:xfrm rot="5400000">
+            <a:off x="2862589" y="3287785"/>
+            <a:ext cx="150167" cy="600666"/>
+          </a:xfrm>
+          <a:prstGeom prst="rect">
+            <a:avLst/>
+          </a:prstGeom>
+        </p:spPr>
+      </p:pic>
+      <p:pic>
+        <p:nvPicPr>
+          <p:cNvPr id="11" name="그림 10" descr="옅은, 그리기이(가) 표시된 사진&#10;&#10;자동 생성된 설명">
+            <a:extLst>
+              <a:ext uri="{FF2B5EF4-FFF2-40B4-BE49-F238E27FC236}">
+                <a16:creationId xmlns:a16="http://schemas.microsoft.com/office/drawing/2014/main" id="{7ADEA54B-5422-4AC7-A1B1-953CEB90BDC6}"/>
+              </a:ext>
+            </a:extLst>
+          </p:cNvPr>
+          <p:cNvPicPr>
+            <a:picLocks noChangeAspect="1"/>
+          </p:cNvPicPr>
+          <p:nvPr/>
+        </p:nvPicPr>
+        <p:blipFill>
+          <a:blip r:embed="rId6">
+            <a:extLst>
+              <a:ext uri="{28A0092B-C50C-407E-A947-70E740481C1C}">
+                <a14:useLocalDpi xmlns:a14="http://schemas.microsoft.com/office/drawing/2010/main" val="0"/>
+              </a:ext>
+            </a:extLst>
+          </a:blip>
+          <a:stretch>
+            <a:fillRect/>
+          </a:stretch>
+        </p:blipFill>
+        <p:spPr>
+          <a:xfrm rot="10800000">
+            <a:off x="2031853" y="2621986"/>
+            <a:ext cx="787302" cy="1371429"/>
+          </a:xfrm>
+          <a:prstGeom prst="rect">
+            <a:avLst/>
+          </a:prstGeom>
+        </p:spPr>
+      </p:pic>
+      <p:sp>
+        <p:nvSpPr>
+          <p:cNvPr id="43" name="TextBox 42">
+            <a:extLst>
+              <a:ext uri="{FF2B5EF4-FFF2-40B4-BE49-F238E27FC236}">
+                <a16:creationId xmlns:a16="http://schemas.microsoft.com/office/drawing/2014/main" id="{D88D76A6-E04F-49A3-B2E7-88CFA83712DE}"/>
               </a:ext>
             </a:extLst>
           </p:cNvPr>
@@ -7944,8 +8103,8 @@
         </p:nvSpPr>
         <p:spPr>
           <a:xfrm>
-            <a:off x="4546600" y="5427809"/>
-            <a:ext cx="3505195" cy="523220"/>
+            <a:off x="1536214" y="4629156"/>
+            <a:ext cx="2153470" cy="1077218"/>
           </a:xfrm>
           <a:prstGeom prst="rect">
             <a:avLst/>
@@ -7958,137 +8117,35 @@
           </a:bodyPr>
           <a:lstStyle/>
           <a:p>
-            <a:r>
-              <a:rPr lang="ko-KR" altLang="en-US" sz="2800" dirty="0">
-                <a:solidFill>
-                  <a:schemeClr val="bg1"/>
-                </a:solidFill>
-                <a:latin typeface="경기천년바탕 Regular" panose="02020503020101020101" pitchFamily="18" charset="-127"/>
-                <a:ea typeface="경기천년바탕 Regular" panose="02020503020101020101" pitchFamily="18" charset="-127"/>
-              </a:rPr>
-              <a:t>유닛의 이동 범위 제한</a:t>
-            </a:r>
-          </a:p>
-        </p:txBody>
-      </p:sp>
-      <p:sp>
-        <p:nvSpPr>
-          <p:cNvPr id="17" name="TextBox 16">
-            <a:extLst>
-              <a:ext uri="{FF2B5EF4-FFF2-40B4-BE49-F238E27FC236}">
-                <a16:creationId xmlns:a16="http://schemas.microsoft.com/office/drawing/2014/main" id="{3BFE8FED-DA9B-4511-BC39-B9F2F0C76DF7}"/>
-              </a:ext>
-            </a:extLst>
-          </p:cNvPr>
-          <p:cNvSpPr txBox="1"/>
-          <p:nvPr/>
-        </p:nvSpPr>
-        <p:spPr>
-          <a:xfrm>
-            <a:off x="1684077" y="1468138"/>
-            <a:ext cx="939681" cy="584775"/>
-          </a:xfrm>
-          <a:prstGeom prst="rect">
-            <a:avLst/>
-          </a:prstGeom>
-          <a:noFill/>
-        </p:spPr>
-        <p:txBody>
-          <a:bodyPr wrap="none" rtlCol="0">
-            <a:spAutoFit/>
-          </a:bodyPr>
-          <a:lstStyle/>
-          <a:p>
-            <a:r>
-              <a:rPr lang="ko-KR" altLang="en-US" sz="3200" dirty="0">
+            <a:pPr algn="ctr"/>
+            <a:r>
+              <a:rPr lang="en-US" altLang="ko-KR" sz="3200" dirty="0">
                 <a:latin typeface="경기천년바탕 Bold" panose="02020803020101020101" pitchFamily="18" charset="-127"/>
                 <a:ea typeface="경기천년바탕 Bold" panose="02020803020101020101" pitchFamily="18" charset="-127"/>
               </a:rPr>
-              <a:t>유닛</a:t>
-            </a:r>
-          </a:p>
-        </p:txBody>
-      </p:sp>
-      <p:sp>
-        <p:nvSpPr>
-          <p:cNvPr id="19" name="TextBox 18">
-            <a:extLst>
-              <a:ext uri="{FF2B5EF4-FFF2-40B4-BE49-F238E27FC236}">
-                <a16:creationId xmlns:a16="http://schemas.microsoft.com/office/drawing/2014/main" id="{37F1D6B4-1446-403A-83A7-E1C830764439}"/>
-              </a:ext>
-            </a:extLst>
-          </p:cNvPr>
-          <p:cNvSpPr txBox="1"/>
-          <p:nvPr/>
-        </p:nvSpPr>
-        <p:spPr>
-          <a:xfrm>
-            <a:off x="1666098" y="2936275"/>
-            <a:ext cx="1326004" cy="584775"/>
-          </a:xfrm>
-          <a:prstGeom prst="rect">
-            <a:avLst/>
-          </a:prstGeom>
-          <a:noFill/>
-        </p:spPr>
-        <p:txBody>
-          <a:bodyPr wrap="none" rtlCol="0">
-            <a:spAutoFit/>
-          </a:bodyPr>
-          <a:lstStyle/>
-          <a:p>
-            <a:r>
-              <a:rPr lang="ko-KR" altLang="en-US" sz="3200" dirty="0">
+              <a:t>Red with</a:t>
+            </a:r>
+          </a:p>
+          <a:p>
+            <a:pPr algn="ctr"/>
+            <a:r>
+              <a:rPr lang="en-US" altLang="ko-KR" sz="3200" dirty="0">
                 <a:latin typeface="경기천년바탕 Bold" panose="02020803020101020101" pitchFamily="18" charset="-127"/>
                 <a:ea typeface="경기천년바탕 Bold" panose="02020803020101020101" pitchFamily="18" charset="-127"/>
               </a:rPr>
-              <a:t>아이템</a:t>
-            </a:r>
-          </a:p>
-        </p:txBody>
-      </p:sp>
-      <p:sp>
-        <p:nvSpPr>
-          <p:cNvPr id="23" name="TextBox 22">
-            <a:extLst>
-              <a:ext uri="{FF2B5EF4-FFF2-40B4-BE49-F238E27FC236}">
-                <a16:creationId xmlns:a16="http://schemas.microsoft.com/office/drawing/2014/main" id="{F49D1ED0-26E8-4396-946A-9E78055BA840}"/>
-              </a:ext>
-            </a:extLst>
-          </p:cNvPr>
-          <p:cNvSpPr txBox="1"/>
-          <p:nvPr/>
-        </p:nvSpPr>
-        <p:spPr>
-          <a:xfrm>
-            <a:off x="1700185" y="4604749"/>
-            <a:ext cx="570990" cy="584775"/>
-          </a:xfrm>
-          <a:prstGeom prst="rect">
-            <a:avLst/>
-          </a:prstGeom>
-          <a:noFill/>
-        </p:spPr>
-        <p:txBody>
-          <a:bodyPr wrap="none" rtlCol="0">
-            <a:spAutoFit/>
-          </a:bodyPr>
-          <a:lstStyle/>
-          <a:p>
-            <a:r>
-              <a:rPr lang="ko-KR" altLang="en-US" sz="3200" dirty="0">
-                <a:latin typeface="경기천년바탕 Bold" panose="02020803020101020101" pitchFamily="18" charset="-127"/>
-                <a:ea typeface="경기천년바탕 Bold" panose="02020803020101020101" pitchFamily="18" charset="-127"/>
-              </a:rPr>
-              <a:t>맵</a:t>
-            </a:r>
+              <a:t>Pistol</a:t>
+            </a:r>
+            <a:endParaRPr lang="ko-KR" altLang="en-US" sz="3200" dirty="0">
+              <a:latin typeface="경기천년바탕 Bold" panose="02020803020101020101" pitchFamily="18" charset="-127"/>
+              <a:ea typeface="경기천년바탕 Bold" panose="02020803020101020101" pitchFamily="18" charset="-127"/>
+            </a:endParaRPr>
           </a:p>
         </p:txBody>
       </p:sp>
     </p:spTree>
     <p:extLst>
       <p:ext uri="{BB962C8B-B14F-4D97-AF65-F5344CB8AC3E}">
-        <p14:creationId xmlns:p14="http://schemas.microsoft.com/office/powerpoint/2010/main" val="2242853402"/>
+        <p14:creationId xmlns:p14="http://schemas.microsoft.com/office/powerpoint/2010/main" val="774141447"/>
       </p:ext>
     </p:extLst>
   </p:cSld>
@@ -8129,8 +8186,8 @@
         </p:nvSpPr>
         <p:spPr>
           <a:xfrm>
-            <a:off x="9683089" y="409877"/>
-            <a:ext cx="1630576" cy="1015663"/>
+            <a:off x="9606146" y="409877"/>
+            <a:ext cx="1707519" cy="1015663"/>
           </a:xfrm>
           <a:prstGeom prst="rect">
             <a:avLst/>
@@ -8152,7 +8209,7 @@
                 <a:latin typeface="경기천년바탕 Bold" panose="02020803020101020101" pitchFamily="18" charset="-127"/>
                 <a:ea typeface="경기천년바탕 Bold" panose="02020803020101020101" pitchFamily="18" charset="-127"/>
               </a:rPr>
-              <a:t>Map</a:t>
+              <a:t>Item</a:t>
             </a:r>
             <a:endParaRPr lang="ko-KR" altLang="en-US" sz="6000" dirty="0">
               <a:solidFill>
@@ -8166,10 +8223,10 @@
       </p:sp>
       <p:sp>
         <p:nvSpPr>
-          <p:cNvPr id="2" name="사각형: 둥근 모서리 1">
-            <a:extLst>
-              <a:ext uri="{FF2B5EF4-FFF2-40B4-BE49-F238E27FC236}">
-                <a16:creationId xmlns:a16="http://schemas.microsoft.com/office/drawing/2014/main" id="{77393A65-BBFF-4BAD-B931-8263D8928880}"/>
+          <p:cNvPr id="9" name="L 도형 8">
+            <a:extLst>
+              <a:ext uri="{FF2B5EF4-FFF2-40B4-BE49-F238E27FC236}">
+                <a16:creationId xmlns:a16="http://schemas.microsoft.com/office/drawing/2014/main" id="{84B1B958-581A-4B20-90C9-DF550356EE42}"/>
               </a:ext>
             </a:extLst>
           </p:cNvPr>
@@ -8177,18 +8234,20 @@
           <p:nvPr/>
         </p:nvSpPr>
         <p:spPr>
-          <a:xfrm>
-            <a:off x="3511970" y="2003056"/>
-            <a:ext cx="7152640" cy="4145682"/>
-          </a:xfrm>
-          <a:prstGeom prst="roundRect">
+          <a:xfrm rot="10800000">
+            <a:off x="11145873" y="340996"/>
+            <a:ext cx="680318" cy="680318"/>
+          </a:xfrm>
+          <a:prstGeom prst="corner">
             <a:avLst>
-              <a:gd name="adj" fmla="val 124"/>
+              <a:gd name="adj1" fmla="val 10000"/>
+              <a:gd name="adj2" fmla="val 8667"/>
             </a:avLst>
           </a:prstGeom>
           <a:solidFill>
-            <a:schemeClr val="bg1">
-              <a:lumMod val="65000"/>
+            <a:schemeClr val="accent4">
+              <a:lumMod val="20000"/>
+              <a:lumOff val="80000"/>
             </a:schemeClr>
           </a:solidFill>
           <a:ln>
@@ -8216,128 +8275,145 @@
           <a:lstStyle/>
           <a:p>
             <a:pPr algn="ctr"/>
-            <a:endParaRPr lang="ko-KR" altLang="en-US" dirty="0"/>
-          </a:p>
-        </p:txBody>
-      </p:sp>
-      <p:sp>
-        <p:nvSpPr>
-          <p:cNvPr id="9" name="L 도형 8">
-            <a:extLst>
-              <a:ext uri="{FF2B5EF4-FFF2-40B4-BE49-F238E27FC236}">
-                <a16:creationId xmlns:a16="http://schemas.microsoft.com/office/drawing/2014/main" id="{84B1B958-581A-4B20-90C9-DF550356EE42}"/>
-              </a:ext>
-            </a:extLst>
-          </p:cNvPr>
-          <p:cNvSpPr/>
+            <a:endParaRPr lang="ko-KR" altLang="en-US"/>
+          </a:p>
+        </p:txBody>
+      </p:sp>
+      <p:pic>
+        <p:nvPicPr>
+          <p:cNvPr id="4" name="그림 3">
+            <a:extLst>
+              <a:ext uri="{FF2B5EF4-FFF2-40B4-BE49-F238E27FC236}">
+                <a16:creationId xmlns:a16="http://schemas.microsoft.com/office/drawing/2014/main" id="{2B8D24F6-E464-48E9-8180-9D474EB3C0BC}"/>
+              </a:ext>
+            </a:extLst>
+          </p:cNvPr>
+          <p:cNvPicPr>
+            <a:picLocks noChangeAspect="1"/>
+          </p:cNvPicPr>
           <p:nvPr/>
-        </p:nvSpPr>
-        <p:spPr>
-          <a:xfrm rot="10800000">
-            <a:off x="11145873" y="340996"/>
-            <a:ext cx="680318" cy="680318"/>
-          </a:xfrm>
-          <a:prstGeom prst="corner">
-            <a:avLst>
-              <a:gd name="adj1" fmla="val 10000"/>
-              <a:gd name="adj2" fmla="val 8667"/>
-            </a:avLst>
-          </a:prstGeom>
-          <a:solidFill>
-            <a:schemeClr val="accent4">
-              <a:lumMod val="20000"/>
-              <a:lumOff val="80000"/>
-            </a:schemeClr>
-          </a:solidFill>
-          <a:ln>
-            <a:noFill/>
-          </a:ln>
-        </p:spPr>
-        <p:style>
-          <a:lnRef idx="2">
-            <a:schemeClr val="accent1">
-              <a:shade val="50000"/>
-            </a:schemeClr>
-          </a:lnRef>
-          <a:fillRef idx="1">
-            <a:schemeClr val="accent1"/>
-          </a:fillRef>
-          <a:effectRef idx="0">
-            <a:schemeClr val="accent1"/>
-          </a:effectRef>
-          <a:fontRef idx="minor">
-            <a:schemeClr val="lt1"/>
-          </a:fontRef>
-        </p:style>
-        <p:txBody>
-          <a:bodyPr rtlCol="0" anchor="ctr"/>
-          <a:lstStyle/>
-          <a:p>
-            <a:pPr algn="ctr"/>
-            <a:endParaRPr lang="ko-KR" altLang="en-US"/>
-          </a:p>
-        </p:txBody>
-      </p:sp>
-      <p:sp>
-        <p:nvSpPr>
-          <p:cNvPr id="12" name="타원 11">
-            <a:extLst>
-              <a:ext uri="{FF2B5EF4-FFF2-40B4-BE49-F238E27FC236}">
-                <a16:creationId xmlns:a16="http://schemas.microsoft.com/office/drawing/2014/main" id="{89A454A3-FF7C-42FE-83F7-84A7ABE1BD3D}"/>
-              </a:ext>
-            </a:extLst>
-          </p:cNvPr>
-          <p:cNvSpPr/>
+        </p:nvPicPr>
+        <p:blipFill>
+          <a:blip r:embed="rId2">
+            <a:extLst>
+              <a:ext uri="{28A0092B-C50C-407E-A947-70E740481C1C}">
+                <a14:useLocalDpi xmlns:a14="http://schemas.microsoft.com/office/drawing/2010/main" val="0"/>
+              </a:ext>
+            </a:extLst>
+          </a:blip>
+          <a:stretch>
+            <a:fillRect/>
+          </a:stretch>
+        </p:blipFill>
+        <p:spPr>
+          <a:xfrm>
+            <a:off x="2864452" y="2055399"/>
+            <a:ext cx="1053968" cy="1130159"/>
+          </a:xfrm>
+          <a:prstGeom prst="rect">
+            <a:avLst/>
+          </a:prstGeom>
+          <a:effectLst>
+            <a:outerShdw blurRad="50800" dist="38100" algn="l" rotWithShape="0">
+              <a:prstClr val="black">
+                <a:alpha val="40000"/>
+              </a:prstClr>
+            </a:outerShdw>
+          </a:effectLst>
+        </p:spPr>
+      </p:pic>
+      <p:pic>
+        <p:nvPicPr>
+          <p:cNvPr id="6" name="그림 5" descr="옅은이(가) 표시된 사진&#10;&#10;자동 생성된 설명">
+            <a:extLst>
+              <a:ext uri="{FF2B5EF4-FFF2-40B4-BE49-F238E27FC236}">
+                <a16:creationId xmlns:a16="http://schemas.microsoft.com/office/drawing/2014/main" id="{E3A49390-A601-4693-8484-9B10C6F83C9F}"/>
+              </a:ext>
+            </a:extLst>
+          </p:cNvPr>
+          <p:cNvPicPr>
+            <a:picLocks noChangeAspect="1"/>
+          </p:cNvPicPr>
           <p:nvPr/>
-        </p:nvSpPr>
-        <p:spPr>
-          <a:xfrm>
-            <a:off x="5036399" y="2564266"/>
-            <a:ext cx="3060700" cy="3060700"/>
-          </a:xfrm>
-          <a:prstGeom prst="ellipse">
+        </p:nvPicPr>
+        <p:blipFill>
+          <a:blip r:embed="rId3">
+            <a:extLst>
+              <a:ext uri="{28A0092B-C50C-407E-A947-70E740481C1C}">
+                <a14:useLocalDpi xmlns:a14="http://schemas.microsoft.com/office/drawing/2010/main" val="0"/>
+              </a:ext>
+            </a:extLst>
+          </a:blip>
+          <a:stretch>
+            <a:fillRect/>
+          </a:stretch>
+        </p:blipFill>
+        <p:spPr>
+          <a:xfrm>
+            <a:off x="2864452" y="4441994"/>
+            <a:ext cx="1053968" cy="1130159"/>
+          </a:xfrm>
+          <a:prstGeom prst="rect">
             <a:avLst/>
           </a:prstGeom>
-          <a:solidFill>
-            <a:srgbClr val="D7FBFD">
-              <a:alpha val="58824"/>
-            </a:srgbClr>
-          </a:solidFill>
-          <a:ln>
-            <a:noFill/>
-          </a:ln>
-        </p:spPr>
-        <p:style>
-          <a:lnRef idx="2">
-            <a:schemeClr val="accent1">
-              <a:shade val="50000"/>
-            </a:schemeClr>
-          </a:lnRef>
-          <a:fillRef idx="1">
-            <a:schemeClr val="accent1"/>
-          </a:fillRef>
-          <a:effectRef idx="0">
-            <a:schemeClr val="accent1"/>
-          </a:effectRef>
-          <a:fontRef idx="minor">
-            <a:schemeClr val="lt1"/>
-          </a:fontRef>
-        </p:style>
-        <p:txBody>
-          <a:bodyPr rtlCol="0" anchor="ctr"/>
-          <a:lstStyle/>
-          <a:p>
-            <a:pPr algn="ctr"/>
-            <a:endParaRPr lang="ko-KR" altLang="en-US"/>
-          </a:p>
-        </p:txBody>
-      </p:sp>
+          <a:effectLst>
+            <a:outerShdw blurRad="50800" dist="38100" algn="l" rotWithShape="0">
+              <a:prstClr val="black">
+                <a:alpha val="40000"/>
+              </a:prstClr>
+            </a:outerShdw>
+          </a:effectLst>
+        </p:spPr>
+      </p:pic>
+      <p:pic>
+        <p:nvPicPr>
+          <p:cNvPr id="17" name="그림 16" descr="게임이(가) 표시된 사진&#10;&#10;자동 생성된 설명">
+            <a:extLst>
+              <a:ext uri="{FF2B5EF4-FFF2-40B4-BE49-F238E27FC236}">
+                <a16:creationId xmlns:a16="http://schemas.microsoft.com/office/drawing/2014/main" id="{0F50BAEE-FB7C-47EB-ABA7-3C6B7CC11BF3}"/>
+              </a:ext>
+            </a:extLst>
+          </p:cNvPr>
+          <p:cNvPicPr>
+            <a:picLocks noChangeAspect="1"/>
+          </p:cNvPicPr>
+          <p:nvPr/>
+        </p:nvPicPr>
+        <p:blipFill>
+          <a:blip r:embed="rId4">
+            <a:extLst>
+              <a:ext uri="{28A0092B-C50C-407E-A947-70E740481C1C}">
+                <a14:useLocalDpi xmlns:a14="http://schemas.microsoft.com/office/drawing/2010/main" val="0"/>
+              </a:ext>
+            </a:extLst>
+          </a:blip>
+          <a:stretch>
+            <a:fillRect/>
+          </a:stretch>
+        </p:blipFill>
+        <p:spPr>
+          <a:xfrm>
+            <a:off x="2864452" y="3185558"/>
+            <a:ext cx="1053968" cy="1130159"/>
+          </a:xfrm>
+          <a:prstGeom prst="rect">
+            <a:avLst/>
+          </a:prstGeom>
+          <a:effectLst>
+            <a:outerShdw blurRad="50800" dist="38100" algn="l" rotWithShape="0">
+              <a:prstClr val="black">
+                <a:alpha val="40000"/>
+              </a:prstClr>
+            </a:outerShdw>
+          </a:effectLst>
+        </p:spPr>
+      </p:pic>
       <p:sp>
         <p:nvSpPr>
           <p:cNvPr id="18" name="TextBox 17">
             <a:extLst>
               <a:ext uri="{FF2B5EF4-FFF2-40B4-BE49-F238E27FC236}">
-                <a16:creationId xmlns:a16="http://schemas.microsoft.com/office/drawing/2014/main" id="{AA5E5774-F284-4376-AF83-0ED364F9701C}"/>
+                <a16:creationId xmlns:a16="http://schemas.microsoft.com/office/drawing/2014/main" id="{A3F3BD14-B60A-45F1-8692-9F43A08D304C}"/>
               </a:ext>
             </a:extLst>
           </p:cNvPr>
@@ -8346,8 +8422,8 @@
         </p:nvSpPr>
         <p:spPr>
           <a:xfrm>
-            <a:off x="7936095" y="1988820"/>
-            <a:ext cx="2531462" cy="1323439"/>
+            <a:off x="4154344" y="2266535"/>
+            <a:ext cx="5451802" cy="707886"/>
           </a:xfrm>
           <a:prstGeom prst="rect">
             <a:avLst/>
@@ -8355,193 +8431,55 @@
           <a:noFill/>
         </p:spPr>
         <p:txBody>
-          <a:bodyPr wrap="none" rtlCol="0">
+          <a:bodyPr wrap="square" rtlCol="0">
             <a:spAutoFit/>
           </a:bodyPr>
           <a:lstStyle/>
           <a:p>
-            <a:pPr algn="r"/>
             <a:r>
               <a:rPr lang="en-US" altLang="ko-KR" sz="4000" dirty="0">
-                <a:latin typeface="경기천년바탕 Regular" panose="02020503020101020101" pitchFamily="18" charset="-127"/>
-                <a:ea typeface="경기천년바탕 Regular" panose="02020503020101020101" pitchFamily="18" charset="-127"/>
-              </a:rPr>
-              <a:t>Dangerous</a:t>
-            </a:r>
-          </a:p>
-          <a:p>
-            <a:pPr algn="r"/>
-            <a:r>
-              <a:rPr lang="en-US" altLang="ko-KR" sz="4000" dirty="0">
-                <a:latin typeface="경기천년바탕 Regular" panose="02020503020101020101" pitchFamily="18" charset="-127"/>
-                <a:ea typeface="경기천년바탕 Regular" panose="02020503020101020101" pitchFamily="18" charset="-127"/>
-              </a:rPr>
-              <a:t>Zone</a:t>
+                <a:solidFill>
+                  <a:schemeClr val="bg1"/>
+                </a:solidFill>
+                <a:latin typeface="경기천년바탕 Regular" panose="02020503020101020101" pitchFamily="18" charset="-127"/>
+                <a:ea typeface="경기천년바탕 Regular" panose="02020503020101020101" pitchFamily="18" charset="-127"/>
+              </a:rPr>
+              <a:t>: </a:t>
+            </a:r>
+            <a:r>
+              <a:rPr lang="ko-KR" altLang="en-US" sz="2400" dirty="0">
+                <a:solidFill>
+                  <a:schemeClr val="bg1"/>
+                </a:solidFill>
+                <a:latin typeface="경기천년바탕 Regular" panose="02020503020101020101" pitchFamily="18" charset="-127"/>
+                <a:ea typeface="경기천년바탕 Regular" panose="02020503020101020101" pitchFamily="18" charset="-127"/>
+                <a:cs typeface="Times New Roman" panose="02020603050405020304" pitchFamily="18" charset="0"/>
+              </a:rPr>
+              <a:t>섬광탄 </a:t>
+            </a:r>
+            <a:r>
+              <a:rPr lang="en-US" altLang="ko-KR" sz="2400" dirty="0">
+                <a:solidFill>
+                  <a:schemeClr val="bg1"/>
+                </a:solidFill>
+                <a:latin typeface="경기천년바탕 Regular" panose="02020503020101020101" pitchFamily="18" charset="-127"/>
+                <a:ea typeface="경기천년바탕 Regular" panose="02020503020101020101" pitchFamily="18" charset="-127"/>
+                <a:cs typeface="Times New Roman" panose="02020603050405020304" pitchFamily="18" charset="0"/>
+              </a:rPr>
+              <a:t>– </a:t>
+            </a:r>
+            <a:r>
+              <a:rPr lang="ko-KR" altLang="en-US" sz="2400" dirty="0">
+                <a:solidFill>
+                  <a:schemeClr val="bg1"/>
+                </a:solidFill>
+                <a:latin typeface="경기천년바탕 Regular" panose="02020503020101020101" pitchFamily="18" charset="-127"/>
+                <a:ea typeface="경기천년바탕 Regular" panose="02020503020101020101" pitchFamily="18" charset="-127"/>
+                <a:cs typeface="Times New Roman" panose="02020603050405020304" pitchFamily="18" charset="0"/>
+              </a:rPr>
+              <a:t>피격  적 유닛의 시야 제한</a:t>
             </a:r>
             <a:endParaRPr lang="ko-KR" altLang="en-US" sz="4000" dirty="0">
-              <a:latin typeface="경기천년바탕 Regular" panose="02020503020101020101" pitchFamily="18" charset="-127"/>
-              <a:ea typeface="경기천년바탕 Regular" panose="02020503020101020101" pitchFamily="18" charset="-127"/>
-            </a:endParaRPr>
-          </a:p>
-        </p:txBody>
-      </p:sp>
-      <p:sp>
-        <p:nvSpPr>
-          <p:cNvPr id="20" name="TextBox 19">
-            <a:extLst>
-              <a:ext uri="{FF2B5EF4-FFF2-40B4-BE49-F238E27FC236}">
-                <a16:creationId xmlns:a16="http://schemas.microsoft.com/office/drawing/2014/main" id="{A5294EBA-1FCE-41B1-BCE9-C6110CDD1AD5}"/>
-              </a:ext>
-            </a:extLst>
-          </p:cNvPr>
-          <p:cNvSpPr txBox="1"/>
-          <p:nvPr/>
-        </p:nvSpPr>
-        <p:spPr>
-          <a:xfrm>
-            <a:off x="5980691" y="3617562"/>
-            <a:ext cx="1172116" cy="954107"/>
-          </a:xfrm>
-          <a:prstGeom prst="rect">
-            <a:avLst/>
-          </a:prstGeom>
-          <a:noFill/>
-        </p:spPr>
-        <p:txBody>
-          <a:bodyPr wrap="none" rtlCol="0">
-            <a:spAutoFit/>
-          </a:bodyPr>
-          <a:lstStyle/>
-          <a:p>
-            <a:pPr algn="ctr"/>
-            <a:r>
-              <a:rPr lang="en-US" altLang="ko-KR" sz="2800" dirty="0">
-                <a:solidFill>
-                  <a:schemeClr val="accent1">
-                    <a:lumMod val="50000"/>
-                  </a:schemeClr>
-                </a:solidFill>
-              </a:rPr>
-              <a:t>Safety</a:t>
-            </a:r>
-          </a:p>
-          <a:p>
-            <a:pPr algn="ctr"/>
-            <a:r>
-              <a:rPr lang="en-US" altLang="ko-KR" sz="2800" dirty="0">
-                <a:solidFill>
-                  <a:schemeClr val="accent1">
-                    <a:lumMod val="50000"/>
-                  </a:schemeClr>
-                </a:solidFill>
-              </a:rPr>
-              <a:t>Zone</a:t>
-            </a:r>
-            <a:endParaRPr lang="ko-KR" altLang="en-US" sz="2800" dirty="0">
-              <a:solidFill>
-                <a:schemeClr val="accent1">
-                  <a:lumMod val="50000"/>
-                </a:schemeClr>
-              </a:solidFill>
-            </a:endParaRPr>
-          </a:p>
-        </p:txBody>
-      </p:sp>
-      <p:cxnSp>
-        <p:nvCxnSpPr>
-          <p:cNvPr id="22" name="직선 연결선 21">
-            <a:extLst>
-              <a:ext uri="{FF2B5EF4-FFF2-40B4-BE49-F238E27FC236}">
-                <a16:creationId xmlns:a16="http://schemas.microsoft.com/office/drawing/2014/main" id="{80EC22E9-480F-481E-AA01-6569411C6818}"/>
-              </a:ext>
-            </a:extLst>
-          </p:cNvPr>
-          <p:cNvCxnSpPr/>
-          <p:nvPr/>
-        </p:nvCxnSpPr>
-        <p:spPr>
-          <a:xfrm>
-            <a:off x="2935037" y="4055311"/>
-            <a:ext cx="2438400" cy="0"/>
-          </a:xfrm>
-          <a:prstGeom prst="line">
-            <a:avLst/>
-          </a:prstGeom>
-          <a:ln w="28575">
-            <a:solidFill>
-              <a:schemeClr val="bg1"/>
-            </a:solidFill>
-            <a:prstDash val="dash"/>
-          </a:ln>
-        </p:spPr>
-        <p:style>
-          <a:lnRef idx="1">
-            <a:schemeClr val="accent1"/>
-          </a:lnRef>
-          <a:fillRef idx="0">
-            <a:schemeClr val="accent1"/>
-          </a:fillRef>
-          <a:effectRef idx="0">
-            <a:schemeClr val="accent1"/>
-          </a:effectRef>
-          <a:fontRef idx="minor">
-            <a:schemeClr val="tx1"/>
-          </a:fontRef>
-        </p:style>
-      </p:cxnSp>
-      <p:sp>
-        <p:nvSpPr>
-          <p:cNvPr id="24" name="TextBox 23">
-            <a:extLst>
-              <a:ext uri="{FF2B5EF4-FFF2-40B4-BE49-F238E27FC236}">
-                <a16:creationId xmlns:a16="http://schemas.microsoft.com/office/drawing/2014/main" id="{39B7041C-EA14-4C2A-BBFE-C1336951AF0A}"/>
-              </a:ext>
-            </a:extLst>
-          </p:cNvPr>
-          <p:cNvSpPr txBox="1"/>
-          <p:nvPr/>
-        </p:nvSpPr>
-        <p:spPr>
-          <a:xfrm>
-            <a:off x="543702" y="3617562"/>
-            <a:ext cx="2206053" cy="954107"/>
-          </a:xfrm>
-          <a:prstGeom prst="rect">
-            <a:avLst/>
-          </a:prstGeom>
-          <a:noFill/>
-        </p:spPr>
-        <p:txBody>
-          <a:bodyPr wrap="none" rtlCol="0">
-            <a:spAutoFit/>
-          </a:bodyPr>
-          <a:lstStyle/>
-          <a:p>
-            <a:pPr algn="ctr"/>
-            <a:r>
-              <a:rPr lang="en-US" altLang="ko-KR" sz="2800" dirty="0">
-                <a:solidFill>
-                  <a:schemeClr val="bg1"/>
-                </a:solidFill>
-                <a:latin typeface="경기천년바탕 Regular" panose="02020503020101020101" pitchFamily="18" charset="-127"/>
-                <a:ea typeface="경기천년바탕 Regular" panose="02020503020101020101" pitchFamily="18" charset="-127"/>
-              </a:rPr>
-              <a:t>Shrinking</a:t>
-            </a:r>
-          </a:p>
-          <a:p>
-            <a:pPr algn="ctr"/>
-            <a:r>
-              <a:rPr lang="en-US" altLang="ko-KR" sz="2800" dirty="0">
-                <a:solidFill>
-                  <a:schemeClr val="bg1"/>
-                </a:solidFill>
-                <a:latin typeface="경기천년바탕 Regular" panose="02020503020101020101" pitchFamily="18" charset="-127"/>
-                <a:ea typeface="경기천년바탕 Regular" panose="02020503020101020101" pitchFamily="18" charset="-127"/>
-              </a:rPr>
-              <a:t>Continuously</a:t>
-            </a:r>
-            <a:endParaRPr lang="ko-KR" altLang="en-US" sz="2800" dirty="0">
               <a:solidFill>
                 <a:schemeClr val="bg1"/>
               </a:solidFill>
@@ -8551,10 +8489,183 @@
           </a:p>
         </p:txBody>
       </p:sp>
+      <p:sp>
+        <p:nvSpPr>
+          <p:cNvPr id="19" name="TextBox 18">
+            <a:extLst>
+              <a:ext uri="{FF2B5EF4-FFF2-40B4-BE49-F238E27FC236}">
+                <a16:creationId xmlns:a16="http://schemas.microsoft.com/office/drawing/2014/main" id="{69F40EAE-D42F-4CFB-9B82-20DAC56FC3B9}"/>
+              </a:ext>
+            </a:extLst>
+          </p:cNvPr>
+          <p:cNvSpPr txBox="1"/>
+          <p:nvPr/>
+        </p:nvSpPr>
+        <p:spPr>
+          <a:xfrm>
+            <a:off x="4154344" y="3443843"/>
+            <a:ext cx="5451802" cy="707886"/>
+          </a:xfrm>
+          <a:prstGeom prst="rect">
+            <a:avLst/>
+          </a:prstGeom>
+          <a:noFill/>
+        </p:spPr>
+        <p:txBody>
+          <a:bodyPr wrap="square" rtlCol="0">
+            <a:spAutoFit/>
+          </a:bodyPr>
+          <a:lstStyle/>
+          <a:p>
+            <a:r>
+              <a:rPr lang="en-US" altLang="ko-KR" sz="4000" dirty="0">
+                <a:solidFill>
+                  <a:schemeClr val="bg1"/>
+                </a:solidFill>
+                <a:latin typeface="경기천년바탕 Regular" panose="02020503020101020101" pitchFamily="18" charset="-127"/>
+                <a:ea typeface="경기천년바탕 Regular" panose="02020503020101020101" pitchFamily="18" charset="-127"/>
+              </a:rPr>
+              <a:t>: </a:t>
+            </a:r>
+            <a:r>
+              <a:rPr lang="ko-KR" altLang="en-US" sz="2400" dirty="0">
+                <a:solidFill>
+                  <a:schemeClr val="bg1"/>
+                </a:solidFill>
+                <a:latin typeface="경기천년바탕 Regular" panose="02020503020101020101" pitchFamily="18" charset="-127"/>
+                <a:ea typeface="경기천년바탕 Regular" panose="02020503020101020101" pitchFamily="18" charset="-127"/>
+                <a:cs typeface="Times New Roman" panose="02020603050405020304" pitchFamily="18" charset="0"/>
+              </a:rPr>
+              <a:t>연막탄 </a:t>
+            </a:r>
+            <a:r>
+              <a:rPr lang="en-US" altLang="ko-KR" sz="2400" dirty="0">
+                <a:solidFill>
+                  <a:schemeClr val="bg1"/>
+                </a:solidFill>
+                <a:latin typeface="경기천년바탕 Regular" panose="02020503020101020101" pitchFamily="18" charset="-127"/>
+                <a:ea typeface="경기천년바탕 Regular" panose="02020503020101020101" pitchFamily="18" charset="-127"/>
+                <a:cs typeface="Times New Roman" panose="02020603050405020304" pitchFamily="18" charset="0"/>
+              </a:rPr>
+              <a:t>– </a:t>
+            </a:r>
+            <a:r>
+              <a:rPr lang="ko-KR" altLang="en-US" sz="2400" dirty="0">
+                <a:solidFill>
+                  <a:schemeClr val="bg1"/>
+                </a:solidFill>
+                <a:latin typeface="경기천년바탕 Regular" panose="02020503020101020101" pitchFamily="18" charset="-127"/>
+                <a:ea typeface="경기천년바탕 Regular" panose="02020503020101020101" pitchFamily="18" charset="-127"/>
+                <a:cs typeface="Times New Roman" panose="02020603050405020304" pitchFamily="18" charset="0"/>
+              </a:rPr>
+              <a:t>피격 범위 내 유닛의 시야 제한</a:t>
+            </a:r>
+            <a:r>
+              <a:rPr lang="en-US" altLang="ko-KR" sz="2400" dirty="0">
+                <a:solidFill>
+                  <a:schemeClr val="bg1"/>
+                </a:solidFill>
+                <a:latin typeface="경기천년바탕 Regular" panose="02020503020101020101" pitchFamily="18" charset="-127"/>
+                <a:ea typeface="경기천년바탕 Regular" panose="02020503020101020101" pitchFamily="18" charset="-127"/>
+                <a:cs typeface="Times New Roman" panose="02020603050405020304" pitchFamily="18" charset="0"/>
+              </a:rPr>
+              <a:t>  </a:t>
+            </a:r>
+            <a:endParaRPr lang="ko-KR" altLang="en-US" sz="4000" dirty="0">
+              <a:solidFill>
+                <a:schemeClr val="bg1"/>
+              </a:solidFill>
+              <a:latin typeface="경기천년바탕 Regular" panose="02020503020101020101" pitchFamily="18" charset="-127"/>
+              <a:ea typeface="경기천년바탕 Regular" panose="02020503020101020101" pitchFamily="18" charset="-127"/>
+            </a:endParaRPr>
+          </a:p>
+        </p:txBody>
+      </p:sp>
+      <p:sp>
+        <p:nvSpPr>
+          <p:cNvPr id="20" name="TextBox 19">
+            <a:extLst>
+              <a:ext uri="{FF2B5EF4-FFF2-40B4-BE49-F238E27FC236}">
+                <a16:creationId xmlns:a16="http://schemas.microsoft.com/office/drawing/2014/main" id="{DC03AA0E-28A2-40C9-A6A8-BF867CB23A63}"/>
+              </a:ext>
+            </a:extLst>
+          </p:cNvPr>
+          <p:cNvSpPr txBox="1"/>
+          <p:nvPr/>
+        </p:nvSpPr>
+        <p:spPr>
+          <a:xfrm>
+            <a:off x="4154345" y="4621151"/>
+            <a:ext cx="4398961" cy="707886"/>
+          </a:xfrm>
+          <a:prstGeom prst="rect">
+            <a:avLst/>
+          </a:prstGeom>
+          <a:noFill/>
+        </p:spPr>
+        <p:txBody>
+          <a:bodyPr wrap="none" rtlCol="0">
+            <a:spAutoFit/>
+          </a:bodyPr>
+          <a:lstStyle/>
+          <a:p>
+            <a:r>
+              <a:rPr lang="en-US" altLang="ko-KR" sz="4000" dirty="0">
+                <a:solidFill>
+                  <a:schemeClr val="bg1"/>
+                </a:solidFill>
+                <a:latin typeface="경기천년바탕 Regular" panose="02020503020101020101" pitchFamily="18" charset="-127"/>
+                <a:ea typeface="경기천년바탕 Regular" panose="02020503020101020101" pitchFamily="18" charset="-127"/>
+              </a:rPr>
+              <a:t>: </a:t>
+            </a:r>
+            <a:r>
+              <a:rPr lang="ko-KR" altLang="en-US" sz="2400" dirty="0">
+                <a:solidFill>
+                  <a:schemeClr val="bg1"/>
+                </a:solidFill>
+                <a:latin typeface="경기천년바탕 Regular" panose="02020503020101020101" pitchFamily="18" charset="-127"/>
+                <a:ea typeface="경기천년바탕 Regular" panose="02020503020101020101" pitchFamily="18" charset="-127"/>
+                <a:cs typeface="Times New Roman" panose="02020603050405020304" pitchFamily="18" charset="0"/>
+              </a:rPr>
+              <a:t>수류탄 </a:t>
+            </a:r>
+            <a:r>
+              <a:rPr lang="en-US" altLang="ko-KR" sz="2400" dirty="0">
+                <a:solidFill>
+                  <a:schemeClr val="bg1"/>
+                </a:solidFill>
+                <a:latin typeface="경기천년바탕 Regular" panose="02020503020101020101" pitchFamily="18" charset="-127"/>
+                <a:ea typeface="경기천년바탕 Regular" panose="02020503020101020101" pitchFamily="18" charset="-127"/>
+                <a:cs typeface="Times New Roman" panose="02020603050405020304" pitchFamily="18" charset="0"/>
+              </a:rPr>
+              <a:t>– </a:t>
+            </a:r>
+            <a:r>
+              <a:rPr lang="ko-KR" altLang="en-US" sz="2400" dirty="0">
+                <a:solidFill>
+                  <a:schemeClr val="bg1"/>
+                </a:solidFill>
+                <a:latin typeface="경기천년바탕 Regular" panose="02020503020101020101" pitchFamily="18" charset="-127"/>
+                <a:ea typeface="경기천년바탕 Regular" panose="02020503020101020101" pitchFamily="18" charset="-127"/>
+                <a:cs typeface="Times New Roman" panose="02020603050405020304" pitchFamily="18" charset="0"/>
+              </a:rPr>
+              <a:t>피격 적 유닛에 데미지</a:t>
+            </a:r>
+            <a:endParaRPr lang="ko-KR" altLang="en-US" sz="4000" dirty="0">
+              <a:solidFill>
+                <a:schemeClr val="bg1"/>
+              </a:solidFill>
+              <a:latin typeface="경기천년바탕 Regular" panose="02020503020101020101" pitchFamily="18" charset="-127"/>
+              <a:ea typeface="경기천년바탕 Regular" panose="02020503020101020101" pitchFamily="18" charset="-127"/>
+            </a:endParaRPr>
+          </a:p>
+        </p:txBody>
+      </p:sp>
     </p:spTree>
     <p:extLst>
       <p:ext uri="{BB962C8B-B14F-4D97-AF65-F5344CB8AC3E}">
-        <p14:creationId xmlns:p14="http://schemas.microsoft.com/office/powerpoint/2010/main" val="3924349251"/>
+        <p14:creationId xmlns:p14="http://schemas.microsoft.com/office/powerpoint/2010/main" val="2590619000"/>
       </p:ext>
     </p:extLst>
   </p:cSld>

--- a/ABneBA_Presentation.pptx
+++ b/ABneBA_Presentation.pptx
@@ -10,10 +10,10 @@
     <p:sldId id="266" r:id="rId4"/>
     <p:sldId id="258" r:id="rId5"/>
     <p:sldId id="267" r:id="rId6"/>
-    <p:sldId id="261" r:id="rId7"/>
-    <p:sldId id="259" r:id="rId8"/>
-    <p:sldId id="262" r:id="rId9"/>
-    <p:sldId id="263" r:id="rId10"/>
+    <p:sldId id="259" r:id="rId7"/>
+    <p:sldId id="262" r:id="rId8"/>
+    <p:sldId id="263" r:id="rId9"/>
+    <p:sldId id="269" r:id="rId10"/>
     <p:sldId id="264" r:id="rId11"/>
     <p:sldId id="265" r:id="rId12"/>
     <p:sldId id="260" r:id="rId13"/>
@@ -5320,10 +5320,9 @@
               <a:t>를 실행</a:t>
             </a:r>
             <a:r>
-              <a:rPr lang="en-US" altLang="ko-KR"/>
+              <a:rPr lang="en-US" altLang="ko-KR" dirty="0"/>
               <a:t>.</a:t>
             </a:r>
-            <a:endParaRPr lang="en-US" altLang="ko-KR" dirty="0"/>
           </a:p>
         </p:txBody>
       </p:sp>
@@ -5359,118 +5358,10 @@
       </p:grpSpPr>
       <p:sp>
         <p:nvSpPr>
-          <p:cNvPr id="3" name="TextBox 2">
-            <a:extLst>
-              <a:ext uri="{FF2B5EF4-FFF2-40B4-BE49-F238E27FC236}">
-                <a16:creationId xmlns:a16="http://schemas.microsoft.com/office/drawing/2014/main" id="{54864A9D-4DB4-48B5-8888-6B62293FB5B2}"/>
-              </a:ext>
-            </a:extLst>
-          </p:cNvPr>
-          <p:cNvSpPr txBox="1"/>
-          <p:nvPr/>
-        </p:nvSpPr>
-        <p:spPr>
-          <a:xfrm>
-            <a:off x="8779435" y="690880"/>
-            <a:ext cx="1898725" cy="1323439"/>
-          </a:xfrm>
-          <a:prstGeom prst="rect">
-            <a:avLst/>
-          </a:prstGeom>
-          <a:noFill/>
-        </p:spPr>
-        <p:txBody>
-          <a:bodyPr wrap="none" rtlCol="0">
-            <a:spAutoFit/>
-          </a:bodyPr>
-          <a:lstStyle/>
-          <a:p>
-            <a:pPr algn="r"/>
-            <a:r>
-              <a:rPr lang="en-US" altLang="ko-KR" sz="4000" dirty="0">
-                <a:solidFill>
-                  <a:schemeClr val="bg1"/>
-                </a:solidFill>
-                <a:latin typeface="경기천년바탕 Bold" panose="02020803020101020101" pitchFamily="18" charset="-127"/>
-                <a:ea typeface="경기천년바탕 Bold" panose="02020803020101020101" pitchFamily="18" charset="-127"/>
-              </a:rPr>
-              <a:t>AI</a:t>
-            </a:r>
-          </a:p>
-          <a:p>
-            <a:pPr algn="r"/>
-            <a:r>
-              <a:rPr lang="en-US" altLang="ko-KR" sz="4000" dirty="0">
-                <a:solidFill>
-                  <a:schemeClr val="bg1"/>
-                </a:solidFill>
-                <a:latin typeface="경기천년바탕 Bold" panose="02020803020101020101" pitchFamily="18" charset="-127"/>
-                <a:ea typeface="경기천년바탕 Bold" panose="02020803020101020101" pitchFamily="18" charset="-127"/>
-              </a:rPr>
-              <a:t>Feature</a:t>
-            </a:r>
-            <a:endParaRPr lang="ko-KR" altLang="en-US" sz="4000" dirty="0">
-              <a:solidFill>
-                <a:schemeClr val="bg1"/>
-              </a:solidFill>
-              <a:latin typeface="경기천년바탕 Bold" panose="02020803020101020101" pitchFamily="18" charset="-127"/>
-              <a:ea typeface="경기천년바탕 Bold" panose="02020803020101020101" pitchFamily="18" charset="-127"/>
-            </a:endParaRPr>
-          </a:p>
-        </p:txBody>
-      </p:sp>
-      <p:cxnSp>
-        <p:nvCxnSpPr>
-          <p:cNvPr id="7" name="직선 연결선 6">
-            <a:extLst>
-              <a:ext uri="{FF2B5EF4-FFF2-40B4-BE49-F238E27FC236}">
-                <a16:creationId xmlns:a16="http://schemas.microsoft.com/office/drawing/2014/main" id="{B2227533-9D88-454D-AC67-D68053A27CD7}"/>
-              </a:ext>
-            </a:extLst>
-          </p:cNvPr>
-          <p:cNvCxnSpPr>
-            <a:cxnSpLocks/>
-          </p:cNvCxnSpPr>
-          <p:nvPr/>
-        </p:nvCxnSpPr>
-        <p:spPr>
-          <a:xfrm>
-            <a:off x="10769600" y="690880"/>
-            <a:ext cx="0" cy="1361440"/>
-          </a:xfrm>
-          <a:prstGeom prst="line">
-            <a:avLst/>
-          </a:prstGeom>
-          <a:ln w="28575">
-            <a:solidFill>
-              <a:schemeClr val="accent4">
-                <a:lumMod val="20000"/>
-                <a:lumOff val="80000"/>
-              </a:schemeClr>
-            </a:solidFill>
-          </a:ln>
-        </p:spPr>
-        <p:style>
-          <a:lnRef idx="1">
-            <a:schemeClr val="accent1"/>
-          </a:lnRef>
-          <a:fillRef idx="0">
-            <a:schemeClr val="accent1"/>
-          </a:fillRef>
-          <a:effectRef idx="0">
-            <a:schemeClr val="accent1"/>
-          </a:effectRef>
-          <a:fontRef idx="minor">
-            <a:schemeClr val="tx1"/>
-          </a:fontRef>
-        </p:style>
-      </p:cxnSp>
-      <p:sp>
-        <p:nvSpPr>
-          <p:cNvPr id="8" name="직사각형 7">
-            <a:extLst>
-              <a:ext uri="{FF2B5EF4-FFF2-40B4-BE49-F238E27FC236}">
-                <a16:creationId xmlns:a16="http://schemas.microsoft.com/office/drawing/2014/main" id="{7DEB157B-44B9-4EE4-953D-C895E6E13DBB}"/>
+          <p:cNvPr id="2" name="직사각형 1">
+            <a:extLst>
+              <a:ext uri="{FF2B5EF4-FFF2-40B4-BE49-F238E27FC236}">
+                <a16:creationId xmlns:a16="http://schemas.microsoft.com/office/drawing/2014/main" id="{A03741BF-0ED7-41AD-87A2-95631D18B70A}"/>
               </a:ext>
             </a:extLst>
           </p:cNvPr>
@@ -5479,19 +5370,19 @@
         </p:nvSpPr>
         <p:spPr>
           <a:xfrm>
-            <a:off x="0" y="0"/>
-            <a:ext cx="4307836" cy="6858000"/>
+            <a:off x="955035" y="642218"/>
+            <a:ext cx="3177535" cy="6045200"/>
           </a:xfrm>
           <a:prstGeom prst="rect">
             <a:avLst/>
           </a:prstGeom>
           <a:solidFill>
-            <a:schemeClr val="bg1"/>
+            <a:schemeClr val="tx1">
+              <a:alpha val="44000"/>
+            </a:schemeClr>
           </a:solidFill>
           <a:ln>
-            <a:solidFill>
-              <a:schemeClr val="tx1"/>
-            </a:solidFill>
+            <a:noFill/>
           </a:ln>
         </p:spPr>
         <p:style>
@@ -5515,14 +5406,525 @@
           <a:lstStyle/>
           <a:p>
             <a:pPr algn="ctr"/>
-            <a:endParaRPr lang="ko-KR" altLang="en-US"/>
+            <a:endParaRPr lang="ko-KR" altLang="en-US" dirty="0"/>
+          </a:p>
+        </p:txBody>
+      </p:sp>
+      <p:sp>
+        <p:nvSpPr>
+          <p:cNvPr id="3" name="TextBox 2">
+            <a:extLst>
+              <a:ext uri="{FF2B5EF4-FFF2-40B4-BE49-F238E27FC236}">
+                <a16:creationId xmlns:a16="http://schemas.microsoft.com/office/drawing/2014/main" id="{54864A9D-4DB4-48B5-8888-6B62293FB5B2}"/>
+              </a:ext>
+            </a:extLst>
+          </p:cNvPr>
+          <p:cNvSpPr txBox="1"/>
+          <p:nvPr/>
+        </p:nvSpPr>
+        <p:spPr>
+          <a:xfrm>
+            <a:off x="7674957" y="642218"/>
+            <a:ext cx="2977803" cy="707886"/>
+          </a:xfrm>
+          <a:prstGeom prst="rect">
+            <a:avLst/>
+          </a:prstGeom>
+          <a:noFill/>
+        </p:spPr>
+        <p:txBody>
+          <a:bodyPr wrap="none" rtlCol="0">
+            <a:spAutoFit/>
+          </a:bodyPr>
+          <a:lstStyle/>
+          <a:p>
+            <a:pPr algn="r"/>
+            <a:r>
+              <a:rPr lang="en-US" altLang="ko-KR" sz="4000" dirty="0">
+                <a:solidFill>
+                  <a:schemeClr val="bg1"/>
+                </a:solidFill>
+                <a:latin typeface="경기천년바탕 Bold" panose="02020803020101020101" pitchFamily="18" charset="-127"/>
+                <a:ea typeface="경기천년바탕 Bold" panose="02020803020101020101" pitchFamily="18" charset="-127"/>
+              </a:rPr>
+              <a:t>Components</a:t>
+            </a:r>
+            <a:endParaRPr lang="ko-KR" altLang="en-US" sz="4000" dirty="0">
+              <a:solidFill>
+                <a:schemeClr val="bg1"/>
+              </a:solidFill>
+              <a:latin typeface="경기천년바탕 Bold" panose="02020803020101020101" pitchFamily="18" charset="-127"/>
+              <a:ea typeface="경기천년바탕 Bold" panose="02020803020101020101" pitchFamily="18" charset="-127"/>
+            </a:endParaRPr>
+          </a:p>
+        </p:txBody>
+      </p:sp>
+      <p:cxnSp>
+        <p:nvCxnSpPr>
+          <p:cNvPr id="7" name="직선 연결선 6">
+            <a:extLst>
+              <a:ext uri="{FF2B5EF4-FFF2-40B4-BE49-F238E27FC236}">
+                <a16:creationId xmlns:a16="http://schemas.microsoft.com/office/drawing/2014/main" id="{B2227533-9D88-454D-AC67-D68053A27CD7}"/>
+              </a:ext>
+            </a:extLst>
+          </p:cNvPr>
+          <p:cNvCxnSpPr>
+            <a:cxnSpLocks/>
+          </p:cNvCxnSpPr>
+          <p:nvPr/>
+        </p:nvCxnSpPr>
+        <p:spPr>
+          <a:xfrm>
+            <a:off x="10769600" y="690880"/>
+            <a:ext cx="0" cy="707886"/>
+          </a:xfrm>
+          <a:prstGeom prst="line">
+            <a:avLst/>
+          </a:prstGeom>
+          <a:ln w="28575">
+            <a:solidFill>
+              <a:schemeClr val="accent4">
+                <a:lumMod val="20000"/>
+                <a:lumOff val="80000"/>
+              </a:schemeClr>
+            </a:solidFill>
+          </a:ln>
+        </p:spPr>
+        <p:style>
+          <a:lnRef idx="1">
+            <a:schemeClr val="accent1"/>
+          </a:lnRef>
+          <a:fillRef idx="0">
+            <a:schemeClr val="accent1"/>
+          </a:fillRef>
+          <a:effectRef idx="0">
+            <a:schemeClr val="accent1"/>
+          </a:effectRef>
+          <a:fontRef idx="minor">
+            <a:schemeClr val="tx1"/>
+          </a:fontRef>
+        </p:style>
+      </p:cxnSp>
+      <p:sp>
+        <p:nvSpPr>
+          <p:cNvPr id="8" name="직사각형 7">
+            <a:extLst>
+              <a:ext uri="{FF2B5EF4-FFF2-40B4-BE49-F238E27FC236}">
+                <a16:creationId xmlns:a16="http://schemas.microsoft.com/office/drawing/2014/main" id="{7DEB157B-44B9-4EE4-953D-C895E6E13DBB}"/>
+              </a:ext>
+            </a:extLst>
+          </p:cNvPr>
+          <p:cNvSpPr/>
+          <p:nvPr/>
+        </p:nvSpPr>
+        <p:spPr>
+          <a:xfrm>
+            <a:off x="-375910" y="-254000"/>
+            <a:ext cx="4683746" cy="7112000"/>
+          </a:xfrm>
+          <a:prstGeom prst="rect">
+            <a:avLst/>
+          </a:prstGeom>
+          <a:solidFill>
+            <a:schemeClr val="bg1"/>
+          </a:solidFill>
+          <a:ln>
+            <a:solidFill>
+              <a:schemeClr val="tx1"/>
+            </a:solidFill>
+          </a:ln>
+        </p:spPr>
+        <p:style>
+          <a:lnRef idx="2">
+            <a:schemeClr val="accent1">
+              <a:shade val="50000"/>
+            </a:schemeClr>
+          </a:lnRef>
+          <a:fillRef idx="1">
+            <a:schemeClr val="accent1"/>
+          </a:fillRef>
+          <a:effectRef idx="0">
+            <a:schemeClr val="accent1"/>
+          </a:effectRef>
+          <a:fontRef idx="minor">
+            <a:schemeClr val="lt1"/>
+          </a:fontRef>
+        </p:style>
+        <p:txBody>
+          <a:bodyPr rtlCol="0" anchor="ctr"/>
+          <a:lstStyle/>
+          <a:p>
+            <a:pPr algn="ctr"/>
+            <a:endParaRPr lang="ko-KR" altLang="en-US" dirty="0"/>
+          </a:p>
+        </p:txBody>
+      </p:sp>
+      <p:pic>
+        <p:nvPicPr>
+          <p:cNvPr id="4" name="그림 3">
+            <a:extLst>
+              <a:ext uri="{FF2B5EF4-FFF2-40B4-BE49-F238E27FC236}">
+                <a16:creationId xmlns:a16="http://schemas.microsoft.com/office/drawing/2014/main" id="{7220B5E4-F5D6-49DA-9AA0-B8650ACAD1A1}"/>
+              </a:ext>
+            </a:extLst>
+          </p:cNvPr>
+          <p:cNvPicPr>
+            <a:picLocks noChangeAspect="1"/>
+          </p:cNvPicPr>
+          <p:nvPr/>
+        </p:nvPicPr>
+        <p:blipFill>
+          <a:blip r:embed="rId2">
+            <a:extLst>
+              <a:ext uri="{28A0092B-C50C-407E-A947-70E740481C1C}">
+                <a14:useLocalDpi xmlns:a14="http://schemas.microsoft.com/office/drawing/2010/main" val="0"/>
+              </a:ext>
+            </a:extLst>
+          </a:blip>
+          <a:stretch>
+            <a:fillRect/>
+          </a:stretch>
+        </p:blipFill>
+        <p:spPr>
+          <a:xfrm>
+            <a:off x="2509321" y="3521050"/>
+            <a:ext cx="1334494" cy="918056"/>
+          </a:xfrm>
+          <a:prstGeom prst="rect">
+            <a:avLst/>
+          </a:prstGeom>
+        </p:spPr>
+      </p:pic>
+      <p:pic>
+        <p:nvPicPr>
+          <p:cNvPr id="6" name="그림 5" descr="텍스트이(가) 표시된 사진&#10;&#10;자동 생성된 설명">
+            <a:extLst>
+              <a:ext uri="{FF2B5EF4-FFF2-40B4-BE49-F238E27FC236}">
+                <a16:creationId xmlns:a16="http://schemas.microsoft.com/office/drawing/2014/main" id="{6C5D2FB5-380F-4AA8-AF3E-E54CB159B7B0}"/>
+              </a:ext>
+            </a:extLst>
+          </p:cNvPr>
+          <p:cNvPicPr>
+            <a:picLocks noChangeAspect="1"/>
+          </p:cNvPicPr>
+          <p:nvPr/>
+        </p:nvPicPr>
+        <p:blipFill>
+          <a:blip r:embed="rId3">
+            <a:extLst>
+              <a:ext uri="{28A0092B-C50C-407E-A947-70E740481C1C}">
+                <a14:useLocalDpi xmlns:a14="http://schemas.microsoft.com/office/drawing/2010/main" val="0"/>
+              </a:ext>
+            </a:extLst>
+          </a:blip>
+          <a:stretch>
+            <a:fillRect/>
+          </a:stretch>
+        </p:blipFill>
+        <p:spPr>
+          <a:xfrm>
+            <a:off x="2807572" y="1398766"/>
+            <a:ext cx="579302" cy="1363965"/>
+          </a:xfrm>
+          <a:prstGeom prst="rect">
+            <a:avLst/>
+          </a:prstGeom>
+        </p:spPr>
+      </p:pic>
+      <p:pic>
+        <p:nvPicPr>
+          <p:cNvPr id="10" name="그림 9">
+            <a:extLst>
+              <a:ext uri="{FF2B5EF4-FFF2-40B4-BE49-F238E27FC236}">
+                <a16:creationId xmlns:a16="http://schemas.microsoft.com/office/drawing/2014/main" id="{7E44967B-F43A-42B8-A7B9-7F63946F1F0E}"/>
+              </a:ext>
+            </a:extLst>
+          </p:cNvPr>
+          <p:cNvPicPr>
+            <a:picLocks noChangeAspect="1"/>
+          </p:cNvPicPr>
+          <p:nvPr/>
+        </p:nvPicPr>
+        <p:blipFill>
+          <a:blip r:embed="rId4">
+            <a:extLst>
+              <a:ext uri="{28A0092B-C50C-407E-A947-70E740481C1C}">
+                <a14:useLocalDpi xmlns:a14="http://schemas.microsoft.com/office/drawing/2010/main" val="0"/>
+              </a:ext>
+            </a:extLst>
+          </a:blip>
+          <a:stretch>
+            <a:fillRect/>
+          </a:stretch>
+        </p:blipFill>
+        <p:spPr>
+          <a:xfrm>
+            <a:off x="2350631" y="5197425"/>
+            <a:ext cx="1493184" cy="983987"/>
+          </a:xfrm>
+          <a:prstGeom prst="rect">
+            <a:avLst/>
+          </a:prstGeom>
+        </p:spPr>
+      </p:pic>
+      <p:sp>
+        <p:nvSpPr>
+          <p:cNvPr id="11" name="TextBox 10">
+            <a:extLst>
+              <a:ext uri="{FF2B5EF4-FFF2-40B4-BE49-F238E27FC236}">
+                <a16:creationId xmlns:a16="http://schemas.microsoft.com/office/drawing/2014/main" id="{45FF138F-8CC9-4502-AA05-4731302E3102}"/>
+              </a:ext>
+            </a:extLst>
+          </p:cNvPr>
+          <p:cNvSpPr txBox="1"/>
+          <p:nvPr/>
+        </p:nvSpPr>
+        <p:spPr>
+          <a:xfrm>
+            <a:off x="4546600" y="2239511"/>
+            <a:ext cx="3505195" cy="523220"/>
+          </a:xfrm>
+          <a:prstGeom prst="rect">
+            <a:avLst/>
+          </a:prstGeom>
+          <a:noFill/>
+        </p:spPr>
+        <p:txBody>
+          <a:bodyPr wrap="square" rtlCol="0">
+            <a:spAutoFit/>
+          </a:bodyPr>
+          <a:lstStyle/>
+          <a:p>
+            <a:r>
+              <a:rPr lang="ko-KR" altLang="en-US" sz="2800" dirty="0">
+                <a:solidFill>
+                  <a:schemeClr val="bg1"/>
+                </a:solidFill>
+                <a:latin typeface="경기천년바탕 Regular" panose="02020503020101020101" pitchFamily="18" charset="-127"/>
+                <a:ea typeface="경기천년바탕 Regular" panose="02020503020101020101" pitchFamily="18" charset="-127"/>
+              </a:rPr>
+              <a:t>이동 및 공격 수행</a:t>
+            </a:r>
+          </a:p>
+        </p:txBody>
+      </p:sp>
+      <p:sp>
+        <p:nvSpPr>
+          <p:cNvPr id="13" name="TextBox 12">
+            <a:extLst>
+              <a:ext uri="{FF2B5EF4-FFF2-40B4-BE49-F238E27FC236}">
+                <a16:creationId xmlns:a16="http://schemas.microsoft.com/office/drawing/2014/main" id="{0DBACF02-8F7F-4C54-B976-1C7883B47754}"/>
+              </a:ext>
+            </a:extLst>
+          </p:cNvPr>
+          <p:cNvSpPr txBox="1"/>
+          <p:nvPr/>
+        </p:nvSpPr>
+        <p:spPr>
+          <a:xfrm>
+            <a:off x="4546600" y="3833660"/>
+            <a:ext cx="4876800" cy="523220"/>
+          </a:xfrm>
+          <a:prstGeom prst="rect">
+            <a:avLst/>
+          </a:prstGeom>
+          <a:noFill/>
+        </p:spPr>
+        <p:txBody>
+          <a:bodyPr wrap="square" rtlCol="0">
+            <a:spAutoFit/>
+          </a:bodyPr>
+          <a:lstStyle/>
+          <a:p>
+            <a:r>
+              <a:rPr lang="ko-KR" altLang="en-US" sz="2800" dirty="0">
+                <a:solidFill>
+                  <a:schemeClr val="bg1"/>
+                </a:solidFill>
+                <a:latin typeface="경기천년바탕 Regular" panose="02020503020101020101" pitchFamily="18" charset="-127"/>
+                <a:ea typeface="경기천년바탕 Regular" panose="02020503020101020101" pitchFamily="18" charset="-127"/>
+              </a:rPr>
+              <a:t>공격력 </a:t>
+            </a:r>
+            <a:r>
+              <a:rPr lang="ko-KR" altLang="en-US" sz="2800">
+                <a:solidFill>
+                  <a:schemeClr val="bg1"/>
+                </a:solidFill>
+                <a:latin typeface="경기천년바탕 Regular" panose="02020503020101020101" pitchFamily="18" charset="-127"/>
+                <a:ea typeface="경기천년바탕 Regular" panose="02020503020101020101" pitchFamily="18" charset="-127"/>
+              </a:rPr>
+              <a:t>결정 및 특수 효과 발동 </a:t>
+            </a:r>
+            <a:endParaRPr lang="ko-KR" altLang="en-US" sz="2800" dirty="0">
+              <a:solidFill>
+                <a:schemeClr val="bg1"/>
+              </a:solidFill>
+              <a:latin typeface="경기천년바탕 Regular" panose="02020503020101020101" pitchFamily="18" charset="-127"/>
+              <a:ea typeface="경기천년바탕 Regular" panose="02020503020101020101" pitchFamily="18" charset="-127"/>
+            </a:endParaRPr>
+          </a:p>
+        </p:txBody>
+      </p:sp>
+      <p:sp>
+        <p:nvSpPr>
+          <p:cNvPr id="15" name="TextBox 14">
+            <a:extLst>
+              <a:ext uri="{FF2B5EF4-FFF2-40B4-BE49-F238E27FC236}">
+                <a16:creationId xmlns:a16="http://schemas.microsoft.com/office/drawing/2014/main" id="{95BE4910-8BD2-41D4-B33B-F386A105C310}"/>
+              </a:ext>
+            </a:extLst>
+          </p:cNvPr>
+          <p:cNvSpPr txBox="1"/>
+          <p:nvPr/>
+        </p:nvSpPr>
+        <p:spPr>
+          <a:xfrm>
+            <a:off x="4546600" y="5427809"/>
+            <a:ext cx="3505195" cy="523220"/>
+          </a:xfrm>
+          <a:prstGeom prst="rect">
+            <a:avLst/>
+          </a:prstGeom>
+          <a:noFill/>
+        </p:spPr>
+        <p:txBody>
+          <a:bodyPr wrap="square" rtlCol="0">
+            <a:spAutoFit/>
+          </a:bodyPr>
+          <a:lstStyle/>
+          <a:p>
+            <a:r>
+              <a:rPr lang="ko-KR" altLang="en-US" sz="2800" dirty="0">
+                <a:solidFill>
+                  <a:schemeClr val="bg1"/>
+                </a:solidFill>
+                <a:latin typeface="경기천년바탕 Regular" panose="02020503020101020101" pitchFamily="18" charset="-127"/>
+                <a:ea typeface="경기천년바탕 Regular" panose="02020503020101020101" pitchFamily="18" charset="-127"/>
+              </a:rPr>
+              <a:t>유닛의 이동 범위 제한</a:t>
+            </a:r>
+          </a:p>
+        </p:txBody>
+      </p:sp>
+      <p:sp>
+        <p:nvSpPr>
+          <p:cNvPr id="17" name="TextBox 16">
+            <a:extLst>
+              <a:ext uri="{FF2B5EF4-FFF2-40B4-BE49-F238E27FC236}">
+                <a16:creationId xmlns:a16="http://schemas.microsoft.com/office/drawing/2014/main" id="{3BFE8FED-DA9B-4511-BC39-B9F2F0C76DF7}"/>
+              </a:ext>
+            </a:extLst>
+          </p:cNvPr>
+          <p:cNvSpPr txBox="1"/>
+          <p:nvPr/>
+        </p:nvSpPr>
+        <p:spPr>
+          <a:xfrm>
+            <a:off x="1684077" y="1468138"/>
+            <a:ext cx="939681" cy="584775"/>
+          </a:xfrm>
+          <a:prstGeom prst="rect">
+            <a:avLst/>
+          </a:prstGeom>
+          <a:noFill/>
+        </p:spPr>
+        <p:txBody>
+          <a:bodyPr wrap="none" rtlCol="0">
+            <a:spAutoFit/>
+          </a:bodyPr>
+          <a:lstStyle/>
+          <a:p>
+            <a:r>
+              <a:rPr lang="ko-KR" altLang="en-US" sz="3200" dirty="0">
+                <a:latin typeface="경기천년바탕 Bold" panose="02020803020101020101" pitchFamily="18" charset="-127"/>
+                <a:ea typeface="경기천년바탕 Bold" panose="02020803020101020101" pitchFamily="18" charset="-127"/>
+              </a:rPr>
+              <a:t>유닛</a:t>
+            </a:r>
+          </a:p>
+        </p:txBody>
+      </p:sp>
+      <p:sp>
+        <p:nvSpPr>
+          <p:cNvPr id="19" name="TextBox 18">
+            <a:extLst>
+              <a:ext uri="{FF2B5EF4-FFF2-40B4-BE49-F238E27FC236}">
+                <a16:creationId xmlns:a16="http://schemas.microsoft.com/office/drawing/2014/main" id="{37F1D6B4-1446-403A-83A7-E1C830764439}"/>
+              </a:ext>
+            </a:extLst>
+          </p:cNvPr>
+          <p:cNvSpPr txBox="1"/>
+          <p:nvPr/>
+        </p:nvSpPr>
+        <p:spPr>
+          <a:xfrm>
+            <a:off x="1666098" y="2936275"/>
+            <a:ext cx="1326004" cy="584775"/>
+          </a:xfrm>
+          <a:prstGeom prst="rect">
+            <a:avLst/>
+          </a:prstGeom>
+          <a:noFill/>
+        </p:spPr>
+        <p:txBody>
+          <a:bodyPr wrap="none" rtlCol="0">
+            <a:spAutoFit/>
+          </a:bodyPr>
+          <a:lstStyle/>
+          <a:p>
+            <a:r>
+              <a:rPr lang="ko-KR" altLang="en-US" sz="3200" dirty="0">
+                <a:latin typeface="경기천년바탕 Bold" panose="02020803020101020101" pitchFamily="18" charset="-127"/>
+                <a:ea typeface="경기천년바탕 Bold" panose="02020803020101020101" pitchFamily="18" charset="-127"/>
+              </a:rPr>
+              <a:t>아이템</a:t>
+            </a:r>
+          </a:p>
+        </p:txBody>
+      </p:sp>
+      <p:sp>
+        <p:nvSpPr>
+          <p:cNvPr id="23" name="TextBox 22">
+            <a:extLst>
+              <a:ext uri="{FF2B5EF4-FFF2-40B4-BE49-F238E27FC236}">
+                <a16:creationId xmlns:a16="http://schemas.microsoft.com/office/drawing/2014/main" id="{F49D1ED0-26E8-4396-946A-9E78055BA840}"/>
+              </a:ext>
+            </a:extLst>
+          </p:cNvPr>
+          <p:cNvSpPr txBox="1"/>
+          <p:nvPr/>
+        </p:nvSpPr>
+        <p:spPr>
+          <a:xfrm>
+            <a:off x="1700185" y="4604749"/>
+            <a:ext cx="570990" cy="584775"/>
+          </a:xfrm>
+          <a:prstGeom prst="rect">
+            <a:avLst/>
+          </a:prstGeom>
+          <a:noFill/>
+        </p:spPr>
+        <p:txBody>
+          <a:bodyPr wrap="none" rtlCol="0">
+            <a:spAutoFit/>
+          </a:bodyPr>
+          <a:lstStyle/>
+          <a:p>
+            <a:r>
+              <a:rPr lang="ko-KR" altLang="en-US" sz="3200" dirty="0">
+                <a:latin typeface="경기천년바탕 Bold" panose="02020803020101020101" pitchFamily="18" charset="-127"/>
+                <a:ea typeface="경기천년바탕 Bold" panose="02020803020101020101" pitchFamily="18" charset="-127"/>
+              </a:rPr>
+              <a:t>맵</a:t>
+            </a:r>
           </a:p>
         </p:txBody>
       </p:sp>
     </p:spTree>
     <p:extLst>
       <p:ext uri="{BB962C8B-B14F-4D97-AF65-F5344CB8AC3E}">
-        <p14:creationId xmlns:p14="http://schemas.microsoft.com/office/powerpoint/2010/main" val="989949219"/>
+        <p14:creationId xmlns:p14="http://schemas.microsoft.com/office/powerpoint/2010/main" val="2242853402"/>
       </p:ext>
     </p:extLst>
   </p:cSld>
@@ -5551,27 +5953,78 @@
       </p:grpSpPr>
       <p:sp>
         <p:nvSpPr>
-          <p:cNvPr id="2" name="직사각형 1">
-            <a:extLst>
-              <a:ext uri="{FF2B5EF4-FFF2-40B4-BE49-F238E27FC236}">
-                <a16:creationId xmlns:a16="http://schemas.microsoft.com/office/drawing/2014/main" id="{A03741BF-0ED7-41AD-87A2-95631D18B70A}"/>
-              </a:ext>
-            </a:extLst>
-          </p:cNvPr>
-          <p:cNvSpPr/>
+          <p:cNvPr id="3" name="TextBox 2">
+            <a:extLst>
+              <a:ext uri="{FF2B5EF4-FFF2-40B4-BE49-F238E27FC236}">
+                <a16:creationId xmlns:a16="http://schemas.microsoft.com/office/drawing/2014/main" id="{54864A9D-4DB4-48B5-8888-6B62293FB5B2}"/>
+              </a:ext>
+            </a:extLst>
+          </p:cNvPr>
+          <p:cNvSpPr txBox="1"/>
           <p:nvPr/>
         </p:nvSpPr>
         <p:spPr>
           <a:xfrm>
-            <a:off x="955035" y="642218"/>
-            <a:ext cx="3177535" cy="6045200"/>
+            <a:off x="9683089" y="409877"/>
+            <a:ext cx="1630576" cy="1015663"/>
           </a:xfrm>
           <a:prstGeom prst="rect">
             <a:avLst/>
           </a:prstGeom>
+          <a:noFill/>
+        </p:spPr>
+        <p:txBody>
+          <a:bodyPr wrap="none" rtlCol="0">
+            <a:spAutoFit/>
+          </a:bodyPr>
+          <a:lstStyle/>
+          <a:p>
+            <a:pPr algn="r"/>
+            <a:r>
+              <a:rPr lang="en-US" altLang="ko-KR" sz="6000" dirty="0">
+                <a:solidFill>
+                  <a:schemeClr val="bg1"/>
+                </a:solidFill>
+                <a:latin typeface="경기천년바탕 Bold" panose="02020803020101020101" pitchFamily="18" charset="-127"/>
+                <a:ea typeface="경기천년바탕 Bold" panose="02020803020101020101" pitchFamily="18" charset="-127"/>
+              </a:rPr>
+              <a:t>Map</a:t>
+            </a:r>
+            <a:endParaRPr lang="ko-KR" altLang="en-US" sz="6000" dirty="0">
+              <a:solidFill>
+                <a:schemeClr val="bg1"/>
+              </a:solidFill>
+              <a:latin typeface="경기천년바탕 Bold" panose="02020803020101020101" pitchFamily="18" charset="-127"/>
+              <a:ea typeface="경기천년바탕 Bold" panose="02020803020101020101" pitchFamily="18" charset="-127"/>
+            </a:endParaRPr>
+          </a:p>
+        </p:txBody>
+      </p:sp>
+      <p:sp>
+        <p:nvSpPr>
+          <p:cNvPr id="2" name="사각형: 둥근 모서리 1">
+            <a:extLst>
+              <a:ext uri="{FF2B5EF4-FFF2-40B4-BE49-F238E27FC236}">
+                <a16:creationId xmlns:a16="http://schemas.microsoft.com/office/drawing/2014/main" id="{77393A65-BBFF-4BAD-B931-8263D8928880}"/>
+              </a:ext>
+            </a:extLst>
+          </p:cNvPr>
+          <p:cNvSpPr/>
+          <p:nvPr/>
+        </p:nvSpPr>
+        <p:spPr>
+          <a:xfrm>
+            <a:off x="3511970" y="2003056"/>
+            <a:ext cx="7152640" cy="4145682"/>
+          </a:xfrm>
+          <a:prstGeom prst="roundRect">
+            <a:avLst>
+              <a:gd name="adj" fmla="val 124"/>
+            </a:avLst>
+          </a:prstGeom>
           <a:solidFill>
-            <a:schemeClr val="tx1">
-              <a:alpha val="44000"/>
+            <a:schemeClr val="bg1">
+              <a:lumMod val="65000"/>
             </a:schemeClr>
           </a:solidFill>
           <a:ln>
@@ -5605,105 +6058,10 @@
       </p:sp>
       <p:sp>
         <p:nvSpPr>
-          <p:cNvPr id="3" name="TextBox 2">
-            <a:extLst>
-              <a:ext uri="{FF2B5EF4-FFF2-40B4-BE49-F238E27FC236}">
-                <a16:creationId xmlns:a16="http://schemas.microsoft.com/office/drawing/2014/main" id="{54864A9D-4DB4-48B5-8888-6B62293FB5B2}"/>
-              </a:ext>
-            </a:extLst>
-          </p:cNvPr>
-          <p:cNvSpPr txBox="1"/>
-          <p:nvPr/>
-        </p:nvSpPr>
-        <p:spPr>
-          <a:xfrm>
-            <a:off x="7674957" y="642218"/>
-            <a:ext cx="2977803" cy="707886"/>
-          </a:xfrm>
-          <a:prstGeom prst="rect">
-            <a:avLst/>
-          </a:prstGeom>
-          <a:noFill/>
-        </p:spPr>
-        <p:txBody>
-          <a:bodyPr wrap="none" rtlCol="0">
-            <a:spAutoFit/>
-          </a:bodyPr>
-          <a:lstStyle/>
-          <a:p>
-            <a:pPr algn="r"/>
-            <a:r>
-              <a:rPr lang="en-US" altLang="ko-KR" sz="4000" dirty="0">
-                <a:solidFill>
-                  <a:schemeClr val="bg1"/>
-                </a:solidFill>
-                <a:latin typeface="경기천년바탕 Bold" panose="02020803020101020101" pitchFamily="18" charset="-127"/>
-                <a:ea typeface="경기천년바탕 Bold" panose="02020803020101020101" pitchFamily="18" charset="-127"/>
-              </a:rPr>
-              <a:t>Components</a:t>
-            </a:r>
-            <a:endParaRPr lang="ko-KR" altLang="en-US" sz="4000" dirty="0">
-              <a:solidFill>
-                <a:schemeClr val="bg1"/>
-              </a:solidFill>
-              <a:latin typeface="경기천년바탕 Bold" panose="02020803020101020101" pitchFamily="18" charset="-127"/>
-              <a:ea typeface="경기천년바탕 Bold" panose="02020803020101020101" pitchFamily="18" charset="-127"/>
-            </a:endParaRPr>
-          </a:p>
-        </p:txBody>
-      </p:sp>
-      <p:cxnSp>
-        <p:nvCxnSpPr>
-          <p:cNvPr id="7" name="직선 연결선 6">
-            <a:extLst>
-              <a:ext uri="{FF2B5EF4-FFF2-40B4-BE49-F238E27FC236}">
-                <a16:creationId xmlns:a16="http://schemas.microsoft.com/office/drawing/2014/main" id="{B2227533-9D88-454D-AC67-D68053A27CD7}"/>
-              </a:ext>
-            </a:extLst>
-          </p:cNvPr>
-          <p:cNvCxnSpPr>
-            <a:cxnSpLocks/>
-          </p:cNvCxnSpPr>
-          <p:nvPr/>
-        </p:nvCxnSpPr>
-        <p:spPr>
-          <a:xfrm>
-            <a:off x="10769600" y="690880"/>
-            <a:ext cx="0" cy="707886"/>
-          </a:xfrm>
-          <a:prstGeom prst="line">
-            <a:avLst/>
-          </a:prstGeom>
-          <a:ln w="28575">
-            <a:solidFill>
-              <a:schemeClr val="accent4">
-                <a:lumMod val="20000"/>
-                <a:lumOff val="80000"/>
-              </a:schemeClr>
-            </a:solidFill>
-          </a:ln>
-        </p:spPr>
-        <p:style>
-          <a:lnRef idx="1">
-            <a:schemeClr val="accent1"/>
-          </a:lnRef>
-          <a:fillRef idx="0">
-            <a:schemeClr val="accent1"/>
-          </a:fillRef>
-          <a:effectRef idx="0">
-            <a:schemeClr val="accent1"/>
-          </a:effectRef>
-          <a:fontRef idx="minor">
-            <a:schemeClr val="tx1"/>
-          </a:fontRef>
-        </p:style>
-      </p:cxnSp>
-      <p:sp>
-        <p:nvSpPr>
-          <p:cNvPr id="8" name="직사각형 7">
-            <a:extLst>
-              <a:ext uri="{FF2B5EF4-FFF2-40B4-BE49-F238E27FC236}">
-                <a16:creationId xmlns:a16="http://schemas.microsoft.com/office/drawing/2014/main" id="{7DEB157B-44B9-4EE4-953D-C895E6E13DBB}"/>
+          <p:cNvPr id="9" name="L 도형 8">
+            <a:extLst>
+              <a:ext uri="{FF2B5EF4-FFF2-40B4-BE49-F238E27FC236}">
+                <a16:creationId xmlns:a16="http://schemas.microsoft.com/office/drawing/2014/main" id="{84B1B958-581A-4B20-90C9-DF550356EE42}"/>
               </a:ext>
             </a:extLst>
           </p:cNvPr>
@@ -5711,20 +6069,24 @@
           <p:nvPr/>
         </p:nvSpPr>
         <p:spPr>
-          <a:xfrm>
-            <a:off x="-375910" y="-254000"/>
-            <a:ext cx="4683746" cy="7112000"/>
-          </a:xfrm>
-          <a:prstGeom prst="rect">
-            <a:avLst/>
+          <a:xfrm rot="10800000">
+            <a:off x="11145873" y="340996"/>
+            <a:ext cx="680318" cy="680318"/>
+          </a:xfrm>
+          <a:prstGeom prst="corner">
+            <a:avLst>
+              <a:gd name="adj1" fmla="val 10000"/>
+              <a:gd name="adj2" fmla="val 8667"/>
+            </a:avLst>
           </a:prstGeom>
           <a:solidFill>
-            <a:schemeClr val="bg1"/>
+            <a:schemeClr val="accent4">
+              <a:lumMod val="20000"/>
+              <a:lumOff val="80000"/>
+            </a:schemeClr>
           </a:solidFill>
           <a:ln>
-            <a:solidFill>
-              <a:schemeClr val="tx1"/>
-            </a:solidFill>
+            <a:noFill/>
           </a:ln>
         </p:spPr>
         <p:style>
@@ -5748,124 +6110,70 @@
           <a:lstStyle/>
           <a:p>
             <a:pPr algn="ctr"/>
-            <a:endParaRPr lang="ko-KR" altLang="en-US" dirty="0"/>
-          </a:p>
-        </p:txBody>
-      </p:sp>
-      <p:pic>
-        <p:nvPicPr>
-          <p:cNvPr id="4" name="그림 3">
-            <a:extLst>
-              <a:ext uri="{FF2B5EF4-FFF2-40B4-BE49-F238E27FC236}">
-                <a16:creationId xmlns:a16="http://schemas.microsoft.com/office/drawing/2014/main" id="{7220B5E4-F5D6-49DA-9AA0-B8650ACAD1A1}"/>
-              </a:ext>
-            </a:extLst>
-          </p:cNvPr>
-          <p:cNvPicPr>
-            <a:picLocks noChangeAspect="1"/>
-          </p:cNvPicPr>
+            <a:endParaRPr lang="ko-KR" altLang="en-US"/>
+          </a:p>
+        </p:txBody>
+      </p:sp>
+      <p:sp>
+        <p:nvSpPr>
+          <p:cNvPr id="12" name="타원 11">
+            <a:extLst>
+              <a:ext uri="{FF2B5EF4-FFF2-40B4-BE49-F238E27FC236}">
+                <a16:creationId xmlns:a16="http://schemas.microsoft.com/office/drawing/2014/main" id="{89A454A3-FF7C-42FE-83F7-84A7ABE1BD3D}"/>
+              </a:ext>
+            </a:extLst>
+          </p:cNvPr>
+          <p:cNvSpPr/>
           <p:nvPr/>
-        </p:nvPicPr>
-        <p:blipFill>
-          <a:blip r:embed="rId2">
-            <a:extLst>
-              <a:ext uri="{28A0092B-C50C-407E-A947-70E740481C1C}">
-                <a14:useLocalDpi xmlns:a14="http://schemas.microsoft.com/office/drawing/2010/main" val="0"/>
-              </a:ext>
-            </a:extLst>
-          </a:blip>
-          <a:stretch>
-            <a:fillRect/>
-          </a:stretch>
-        </p:blipFill>
-        <p:spPr>
-          <a:xfrm>
-            <a:off x="2509321" y="3521050"/>
-            <a:ext cx="1334494" cy="918056"/>
-          </a:xfrm>
-          <a:prstGeom prst="rect">
+        </p:nvSpPr>
+        <p:spPr>
+          <a:xfrm>
+            <a:off x="5036399" y="2564266"/>
+            <a:ext cx="3060700" cy="3060700"/>
+          </a:xfrm>
+          <a:prstGeom prst="ellipse">
             <a:avLst/>
           </a:prstGeom>
-        </p:spPr>
-      </p:pic>
-      <p:pic>
-        <p:nvPicPr>
-          <p:cNvPr id="6" name="그림 5" descr="텍스트이(가) 표시된 사진&#10;&#10;자동 생성된 설명">
-            <a:extLst>
-              <a:ext uri="{FF2B5EF4-FFF2-40B4-BE49-F238E27FC236}">
-                <a16:creationId xmlns:a16="http://schemas.microsoft.com/office/drawing/2014/main" id="{6C5D2FB5-380F-4AA8-AF3E-E54CB159B7B0}"/>
-              </a:ext>
-            </a:extLst>
-          </p:cNvPr>
-          <p:cNvPicPr>
-            <a:picLocks noChangeAspect="1"/>
-          </p:cNvPicPr>
-          <p:nvPr/>
-        </p:nvPicPr>
-        <p:blipFill>
-          <a:blip r:embed="rId3">
-            <a:extLst>
-              <a:ext uri="{28A0092B-C50C-407E-A947-70E740481C1C}">
-                <a14:useLocalDpi xmlns:a14="http://schemas.microsoft.com/office/drawing/2010/main" val="0"/>
-              </a:ext>
-            </a:extLst>
-          </a:blip>
-          <a:stretch>
-            <a:fillRect/>
-          </a:stretch>
-        </p:blipFill>
-        <p:spPr>
-          <a:xfrm>
-            <a:off x="2807572" y="1398766"/>
-            <a:ext cx="579302" cy="1363965"/>
-          </a:xfrm>
-          <a:prstGeom prst="rect">
-            <a:avLst/>
-          </a:prstGeom>
-        </p:spPr>
-      </p:pic>
-      <p:pic>
-        <p:nvPicPr>
-          <p:cNvPr id="10" name="그림 9">
-            <a:extLst>
-              <a:ext uri="{FF2B5EF4-FFF2-40B4-BE49-F238E27FC236}">
-                <a16:creationId xmlns:a16="http://schemas.microsoft.com/office/drawing/2014/main" id="{7E44967B-F43A-42B8-A7B9-7F63946F1F0E}"/>
-              </a:ext>
-            </a:extLst>
-          </p:cNvPr>
-          <p:cNvPicPr>
-            <a:picLocks noChangeAspect="1"/>
-          </p:cNvPicPr>
-          <p:nvPr/>
-        </p:nvPicPr>
-        <p:blipFill>
-          <a:blip r:embed="rId4">
-            <a:extLst>
-              <a:ext uri="{28A0092B-C50C-407E-A947-70E740481C1C}">
-                <a14:useLocalDpi xmlns:a14="http://schemas.microsoft.com/office/drawing/2010/main" val="0"/>
-              </a:ext>
-            </a:extLst>
-          </a:blip>
-          <a:stretch>
-            <a:fillRect/>
-          </a:stretch>
-        </p:blipFill>
-        <p:spPr>
-          <a:xfrm>
-            <a:off x="2350631" y="5197425"/>
-            <a:ext cx="1493184" cy="983987"/>
-          </a:xfrm>
-          <a:prstGeom prst="rect">
-            <a:avLst/>
-          </a:prstGeom>
-        </p:spPr>
-      </p:pic>
-      <p:sp>
-        <p:nvSpPr>
-          <p:cNvPr id="11" name="TextBox 10">
-            <a:extLst>
-              <a:ext uri="{FF2B5EF4-FFF2-40B4-BE49-F238E27FC236}">
-                <a16:creationId xmlns:a16="http://schemas.microsoft.com/office/drawing/2014/main" id="{45FF138F-8CC9-4502-AA05-4731302E3102}"/>
+          <a:solidFill>
+            <a:srgbClr val="D7FBFD">
+              <a:alpha val="58824"/>
+            </a:srgbClr>
+          </a:solidFill>
+          <a:ln>
+            <a:noFill/>
+          </a:ln>
+        </p:spPr>
+        <p:style>
+          <a:lnRef idx="2">
+            <a:schemeClr val="accent1">
+              <a:shade val="50000"/>
+            </a:schemeClr>
+          </a:lnRef>
+          <a:fillRef idx="1">
+            <a:schemeClr val="accent1"/>
+          </a:fillRef>
+          <a:effectRef idx="0">
+            <a:schemeClr val="accent1"/>
+          </a:effectRef>
+          <a:fontRef idx="minor">
+            <a:schemeClr val="lt1"/>
+          </a:fontRef>
+        </p:style>
+        <p:txBody>
+          <a:bodyPr rtlCol="0" anchor="ctr"/>
+          <a:lstStyle/>
+          <a:p>
+            <a:pPr algn="ctr"/>
+            <a:endParaRPr lang="ko-KR" altLang="en-US"/>
+          </a:p>
+        </p:txBody>
+      </p:sp>
+      <p:sp>
+        <p:nvSpPr>
+          <p:cNvPr id="18" name="TextBox 17">
+            <a:extLst>
+              <a:ext uri="{FF2B5EF4-FFF2-40B4-BE49-F238E27FC236}">
+                <a16:creationId xmlns:a16="http://schemas.microsoft.com/office/drawing/2014/main" id="{AA5E5774-F284-4376-AF83-0ED364F9701C}"/>
               </a:ext>
             </a:extLst>
           </p:cNvPr>
@@ -5874,8 +6182,8 @@
         </p:nvSpPr>
         <p:spPr>
           <a:xfrm>
-            <a:off x="4546600" y="2239511"/>
-            <a:ext cx="3505195" cy="523220"/>
+            <a:off x="7936095" y="1988820"/>
+            <a:ext cx="2531462" cy="1323439"/>
           </a:xfrm>
           <a:prstGeom prst="rect">
             <a:avLst/>
@@ -5883,30 +6191,42 @@
           <a:noFill/>
         </p:spPr>
         <p:txBody>
-          <a:bodyPr wrap="square" rtlCol="0">
+          <a:bodyPr wrap="none" rtlCol="0">
             <a:spAutoFit/>
           </a:bodyPr>
           <a:lstStyle/>
           <a:p>
-            <a:r>
-              <a:rPr lang="ko-KR" altLang="en-US" sz="2800" dirty="0">
-                <a:solidFill>
-                  <a:schemeClr val="bg1"/>
-                </a:solidFill>
+            <a:pPr algn="r"/>
+            <a:r>
+              <a:rPr lang="en-US" altLang="ko-KR" sz="4000" dirty="0">
                 <a:latin typeface="경기천년바탕 Regular" panose="02020503020101020101" pitchFamily="18" charset="-127"/>
                 <a:ea typeface="경기천년바탕 Regular" panose="02020503020101020101" pitchFamily="18" charset="-127"/>
               </a:rPr>
-              <a:t>이동 및 공격 수행</a:t>
-            </a:r>
-          </a:p>
-        </p:txBody>
-      </p:sp>
-      <p:sp>
-        <p:nvSpPr>
-          <p:cNvPr id="13" name="TextBox 12">
-            <a:extLst>
-              <a:ext uri="{FF2B5EF4-FFF2-40B4-BE49-F238E27FC236}">
-                <a16:creationId xmlns:a16="http://schemas.microsoft.com/office/drawing/2014/main" id="{0DBACF02-8F7F-4C54-B976-1C7883B47754}"/>
+              <a:t>Dangerous</a:t>
+            </a:r>
+          </a:p>
+          <a:p>
+            <a:pPr algn="r"/>
+            <a:r>
+              <a:rPr lang="en-US" altLang="ko-KR" sz="4000" dirty="0">
+                <a:latin typeface="경기천년바탕 Regular" panose="02020503020101020101" pitchFamily="18" charset="-127"/>
+                <a:ea typeface="경기천년바탕 Regular" panose="02020503020101020101" pitchFamily="18" charset="-127"/>
+              </a:rPr>
+              <a:t>Zone</a:t>
+            </a:r>
+            <a:endParaRPr lang="ko-KR" altLang="en-US" sz="4000" dirty="0">
+              <a:latin typeface="경기천년바탕 Regular" panose="02020503020101020101" pitchFamily="18" charset="-127"/>
+              <a:ea typeface="경기천년바탕 Regular" panose="02020503020101020101" pitchFamily="18" charset="-127"/>
+            </a:endParaRPr>
+          </a:p>
+        </p:txBody>
+      </p:sp>
+      <p:sp>
+        <p:nvSpPr>
+          <p:cNvPr id="20" name="TextBox 19">
+            <a:extLst>
+              <a:ext uri="{FF2B5EF4-FFF2-40B4-BE49-F238E27FC236}">
+                <a16:creationId xmlns:a16="http://schemas.microsoft.com/office/drawing/2014/main" id="{A5294EBA-1FCE-41B1-BCE9-C6110CDD1AD5}"/>
               </a:ext>
             </a:extLst>
           </p:cNvPr>
@@ -5915,8 +6235,8 @@
         </p:nvSpPr>
         <p:spPr>
           <a:xfrm>
-            <a:off x="4546600" y="3833660"/>
-            <a:ext cx="4876800" cy="523220"/>
+            <a:off x="5980691" y="3617562"/>
+            <a:ext cx="1172116" cy="954107"/>
           </a:xfrm>
           <a:prstGeom prst="rect">
             <a:avLst/>
@@ -5924,30 +6244,138 @@
           <a:noFill/>
         </p:spPr>
         <p:txBody>
-          <a:bodyPr wrap="square" rtlCol="0">
+          <a:bodyPr wrap="none" rtlCol="0">
             <a:spAutoFit/>
           </a:bodyPr>
           <a:lstStyle/>
           <a:p>
-            <a:r>
-              <a:rPr lang="ko-KR" altLang="en-US" sz="2800" dirty="0">
+            <a:pPr algn="ctr"/>
+            <a:r>
+              <a:rPr lang="en-US" altLang="ko-KR" sz="2800" dirty="0">
+                <a:solidFill>
+                  <a:schemeClr val="accent1">
+                    <a:lumMod val="50000"/>
+                  </a:schemeClr>
+                </a:solidFill>
+              </a:rPr>
+              <a:t>Safety</a:t>
+            </a:r>
+          </a:p>
+          <a:p>
+            <a:pPr algn="ctr"/>
+            <a:r>
+              <a:rPr lang="en-US" altLang="ko-KR" sz="2800" dirty="0">
+                <a:solidFill>
+                  <a:schemeClr val="accent1">
+                    <a:lumMod val="50000"/>
+                  </a:schemeClr>
+                </a:solidFill>
+              </a:rPr>
+              <a:t>Zone</a:t>
+            </a:r>
+            <a:endParaRPr lang="ko-KR" altLang="en-US" sz="2800" dirty="0">
+              <a:solidFill>
+                <a:schemeClr val="accent1">
+                  <a:lumMod val="50000"/>
+                </a:schemeClr>
+              </a:solidFill>
+            </a:endParaRPr>
+          </a:p>
+        </p:txBody>
+      </p:sp>
+      <p:cxnSp>
+        <p:nvCxnSpPr>
+          <p:cNvPr id="22" name="직선 연결선 21">
+            <a:extLst>
+              <a:ext uri="{FF2B5EF4-FFF2-40B4-BE49-F238E27FC236}">
+                <a16:creationId xmlns:a16="http://schemas.microsoft.com/office/drawing/2014/main" id="{80EC22E9-480F-481E-AA01-6569411C6818}"/>
+              </a:ext>
+            </a:extLst>
+          </p:cNvPr>
+          <p:cNvCxnSpPr/>
+          <p:nvPr/>
+        </p:nvCxnSpPr>
+        <p:spPr>
+          <a:xfrm>
+            <a:off x="2935037" y="4055311"/>
+            <a:ext cx="2438400" cy="0"/>
+          </a:xfrm>
+          <a:prstGeom prst="line">
+            <a:avLst/>
+          </a:prstGeom>
+          <a:ln w="28575">
+            <a:solidFill>
+              <a:schemeClr val="bg1"/>
+            </a:solidFill>
+            <a:prstDash val="dash"/>
+          </a:ln>
+        </p:spPr>
+        <p:style>
+          <a:lnRef idx="1">
+            <a:schemeClr val="accent1"/>
+          </a:lnRef>
+          <a:fillRef idx="0">
+            <a:schemeClr val="accent1"/>
+          </a:fillRef>
+          <a:effectRef idx="0">
+            <a:schemeClr val="accent1"/>
+          </a:effectRef>
+          <a:fontRef idx="minor">
+            <a:schemeClr val="tx1"/>
+          </a:fontRef>
+        </p:style>
+      </p:cxnSp>
+      <p:sp>
+        <p:nvSpPr>
+          <p:cNvPr id="24" name="TextBox 23">
+            <a:extLst>
+              <a:ext uri="{FF2B5EF4-FFF2-40B4-BE49-F238E27FC236}">
+                <a16:creationId xmlns:a16="http://schemas.microsoft.com/office/drawing/2014/main" id="{39B7041C-EA14-4C2A-BBFE-C1336951AF0A}"/>
+              </a:ext>
+            </a:extLst>
+          </p:cNvPr>
+          <p:cNvSpPr txBox="1"/>
+          <p:nvPr/>
+        </p:nvSpPr>
+        <p:spPr>
+          <a:xfrm>
+            <a:off x="543702" y="3617562"/>
+            <a:ext cx="2206053" cy="954107"/>
+          </a:xfrm>
+          <a:prstGeom prst="rect">
+            <a:avLst/>
+          </a:prstGeom>
+          <a:noFill/>
+        </p:spPr>
+        <p:txBody>
+          <a:bodyPr wrap="none" rtlCol="0">
+            <a:spAutoFit/>
+          </a:bodyPr>
+          <a:lstStyle/>
+          <a:p>
+            <a:pPr algn="ctr"/>
+            <a:r>
+              <a:rPr lang="en-US" altLang="ko-KR" sz="2800" dirty="0">
                 <a:solidFill>
                   <a:schemeClr val="bg1"/>
                 </a:solidFill>
                 <a:latin typeface="경기천년바탕 Regular" panose="02020503020101020101" pitchFamily="18" charset="-127"/>
                 <a:ea typeface="경기천년바탕 Regular" panose="02020503020101020101" pitchFamily="18" charset="-127"/>
               </a:rPr>
-              <a:t>공격력 </a:t>
-            </a:r>
-            <a:r>
-              <a:rPr lang="ko-KR" altLang="en-US" sz="2800">
+              <a:t>Shrinking</a:t>
+            </a:r>
+          </a:p>
+          <a:p>
+            <a:pPr algn="ctr"/>
+            <a:r>
+              <a:rPr lang="en-US" altLang="ko-KR" sz="2800" dirty="0">
                 <a:solidFill>
                   <a:schemeClr val="bg1"/>
                 </a:solidFill>
                 <a:latin typeface="경기천년바탕 Regular" panose="02020503020101020101" pitchFamily="18" charset="-127"/>
                 <a:ea typeface="경기천년바탕 Regular" panose="02020503020101020101" pitchFamily="18" charset="-127"/>
               </a:rPr>
-              <a:t>결정 및 특수 효과 발동 </a:t>
+              <a:t>Continuously</a:t>
             </a:r>
             <a:endParaRPr lang="ko-KR" altLang="en-US" sz="2800" dirty="0">
               <a:solidFill>
@@ -5959,165 +6387,10 @@
           </a:p>
         </p:txBody>
       </p:sp>
-      <p:sp>
-        <p:nvSpPr>
-          <p:cNvPr id="15" name="TextBox 14">
-            <a:extLst>
-              <a:ext uri="{FF2B5EF4-FFF2-40B4-BE49-F238E27FC236}">
-                <a16:creationId xmlns:a16="http://schemas.microsoft.com/office/drawing/2014/main" id="{95BE4910-8BD2-41D4-B33B-F386A105C310}"/>
-              </a:ext>
-            </a:extLst>
-          </p:cNvPr>
-          <p:cNvSpPr txBox="1"/>
-          <p:nvPr/>
-        </p:nvSpPr>
-        <p:spPr>
-          <a:xfrm>
-            <a:off x="4546600" y="5427809"/>
-            <a:ext cx="3505195" cy="523220"/>
-          </a:xfrm>
-          <a:prstGeom prst="rect">
-            <a:avLst/>
-          </a:prstGeom>
-          <a:noFill/>
-        </p:spPr>
-        <p:txBody>
-          <a:bodyPr wrap="square" rtlCol="0">
-            <a:spAutoFit/>
-          </a:bodyPr>
-          <a:lstStyle/>
-          <a:p>
-            <a:r>
-              <a:rPr lang="ko-KR" altLang="en-US" sz="2800" dirty="0">
-                <a:solidFill>
-                  <a:schemeClr val="bg1"/>
-                </a:solidFill>
-                <a:latin typeface="경기천년바탕 Regular" panose="02020503020101020101" pitchFamily="18" charset="-127"/>
-                <a:ea typeface="경기천년바탕 Regular" panose="02020503020101020101" pitchFamily="18" charset="-127"/>
-              </a:rPr>
-              <a:t>유닛의 이동 범위 제한</a:t>
-            </a:r>
-          </a:p>
-        </p:txBody>
-      </p:sp>
-      <p:sp>
-        <p:nvSpPr>
-          <p:cNvPr id="17" name="TextBox 16">
-            <a:extLst>
-              <a:ext uri="{FF2B5EF4-FFF2-40B4-BE49-F238E27FC236}">
-                <a16:creationId xmlns:a16="http://schemas.microsoft.com/office/drawing/2014/main" id="{3BFE8FED-DA9B-4511-BC39-B9F2F0C76DF7}"/>
-              </a:ext>
-            </a:extLst>
-          </p:cNvPr>
-          <p:cNvSpPr txBox="1"/>
-          <p:nvPr/>
-        </p:nvSpPr>
-        <p:spPr>
-          <a:xfrm>
-            <a:off x="1684077" y="1468138"/>
-            <a:ext cx="939681" cy="584775"/>
-          </a:xfrm>
-          <a:prstGeom prst="rect">
-            <a:avLst/>
-          </a:prstGeom>
-          <a:noFill/>
-        </p:spPr>
-        <p:txBody>
-          <a:bodyPr wrap="none" rtlCol="0">
-            <a:spAutoFit/>
-          </a:bodyPr>
-          <a:lstStyle/>
-          <a:p>
-            <a:r>
-              <a:rPr lang="ko-KR" altLang="en-US" sz="3200" dirty="0">
-                <a:latin typeface="경기천년바탕 Bold" panose="02020803020101020101" pitchFamily="18" charset="-127"/>
-                <a:ea typeface="경기천년바탕 Bold" panose="02020803020101020101" pitchFamily="18" charset="-127"/>
-              </a:rPr>
-              <a:t>유닛</a:t>
-            </a:r>
-          </a:p>
-        </p:txBody>
-      </p:sp>
-      <p:sp>
-        <p:nvSpPr>
-          <p:cNvPr id="19" name="TextBox 18">
-            <a:extLst>
-              <a:ext uri="{FF2B5EF4-FFF2-40B4-BE49-F238E27FC236}">
-                <a16:creationId xmlns:a16="http://schemas.microsoft.com/office/drawing/2014/main" id="{37F1D6B4-1446-403A-83A7-E1C830764439}"/>
-              </a:ext>
-            </a:extLst>
-          </p:cNvPr>
-          <p:cNvSpPr txBox="1"/>
-          <p:nvPr/>
-        </p:nvSpPr>
-        <p:spPr>
-          <a:xfrm>
-            <a:off x="1666098" y="2936275"/>
-            <a:ext cx="1326004" cy="584775"/>
-          </a:xfrm>
-          <a:prstGeom prst="rect">
-            <a:avLst/>
-          </a:prstGeom>
-          <a:noFill/>
-        </p:spPr>
-        <p:txBody>
-          <a:bodyPr wrap="none" rtlCol="0">
-            <a:spAutoFit/>
-          </a:bodyPr>
-          <a:lstStyle/>
-          <a:p>
-            <a:r>
-              <a:rPr lang="ko-KR" altLang="en-US" sz="3200" dirty="0">
-                <a:latin typeface="경기천년바탕 Bold" panose="02020803020101020101" pitchFamily="18" charset="-127"/>
-                <a:ea typeface="경기천년바탕 Bold" panose="02020803020101020101" pitchFamily="18" charset="-127"/>
-              </a:rPr>
-              <a:t>아이템</a:t>
-            </a:r>
-          </a:p>
-        </p:txBody>
-      </p:sp>
-      <p:sp>
-        <p:nvSpPr>
-          <p:cNvPr id="23" name="TextBox 22">
-            <a:extLst>
-              <a:ext uri="{FF2B5EF4-FFF2-40B4-BE49-F238E27FC236}">
-                <a16:creationId xmlns:a16="http://schemas.microsoft.com/office/drawing/2014/main" id="{F49D1ED0-26E8-4396-946A-9E78055BA840}"/>
-              </a:ext>
-            </a:extLst>
-          </p:cNvPr>
-          <p:cNvSpPr txBox="1"/>
-          <p:nvPr/>
-        </p:nvSpPr>
-        <p:spPr>
-          <a:xfrm>
-            <a:off x="1700185" y="4604749"/>
-            <a:ext cx="570990" cy="584775"/>
-          </a:xfrm>
-          <a:prstGeom prst="rect">
-            <a:avLst/>
-          </a:prstGeom>
-          <a:noFill/>
-        </p:spPr>
-        <p:txBody>
-          <a:bodyPr wrap="none" rtlCol="0">
-            <a:spAutoFit/>
-          </a:bodyPr>
-          <a:lstStyle/>
-          <a:p>
-            <a:r>
-              <a:rPr lang="ko-KR" altLang="en-US" sz="3200" dirty="0">
-                <a:latin typeface="경기천년바탕 Bold" panose="02020803020101020101" pitchFamily="18" charset="-127"/>
-                <a:ea typeface="경기천년바탕 Bold" panose="02020803020101020101" pitchFamily="18" charset="-127"/>
-              </a:rPr>
-              <a:t>맵</a:t>
-            </a:r>
-          </a:p>
-        </p:txBody>
-      </p:sp>
     </p:spTree>
     <p:extLst>
       <p:ext uri="{BB962C8B-B14F-4D97-AF65-F5344CB8AC3E}">
-        <p14:creationId xmlns:p14="http://schemas.microsoft.com/office/powerpoint/2010/main" val="2242853402"/>
+        <p14:creationId xmlns:p14="http://schemas.microsoft.com/office/powerpoint/2010/main" val="3924349251"/>
       </p:ext>
     </p:extLst>
   </p:cSld>
@@ -6146,78 +6419,27 @@
       </p:grpSpPr>
       <p:sp>
         <p:nvSpPr>
-          <p:cNvPr id="3" name="TextBox 2">
-            <a:extLst>
-              <a:ext uri="{FF2B5EF4-FFF2-40B4-BE49-F238E27FC236}">
-                <a16:creationId xmlns:a16="http://schemas.microsoft.com/office/drawing/2014/main" id="{54864A9D-4DB4-48B5-8888-6B62293FB5B2}"/>
-              </a:ext>
-            </a:extLst>
-          </p:cNvPr>
-          <p:cNvSpPr txBox="1"/>
+          <p:cNvPr id="39" name="직사각형 38">
+            <a:extLst>
+              <a:ext uri="{FF2B5EF4-FFF2-40B4-BE49-F238E27FC236}">
+                <a16:creationId xmlns:a16="http://schemas.microsoft.com/office/drawing/2014/main" id="{431B6FBD-CE86-40BA-83F9-8518690E9963}"/>
+              </a:ext>
+            </a:extLst>
+          </p:cNvPr>
+          <p:cNvSpPr/>
           <p:nvPr/>
         </p:nvSpPr>
         <p:spPr>
           <a:xfrm>
-            <a:off x="9683089" y="409877"/>
-            <a:ext cx="1630576" cy="1015663"/>
+            <a:off x="851806" y="1196690"/>
+            <a:ext cx="3177535" cy="5182845"/>
           </a:xfrm>
           <a:prstGeom prst="rect">
             <a:avLst/>
           </a:prstGeom>
-          <a:noFill/>
-        </p:spPr>
-        <p:txBody>
-          <a:bodyPr wrap="none" rtlCol="0">
-            <a:spAutoFit/>
-          </a:bodyPr>
-          <a:lstStyle/>
-          <a:p>
-            <a:pPr algn="r"/>
-            <a:r>
-              <a:rPr lang="en-US" altLang="ko-KR" sz="6000" dirty="0">
-                <a:solidFill>
-                  <a:schemeClr val="bg1"/>
-                </a:solidFill>
-                <a:latin typeface="경기천년바탕 Bold" panose="02020803020101020101" pitchFamily="18" charset="-127"/>
-                <a:ea typeface="경기천년바탕 Bold" panose="02020803020101020101" pitchFamily="18" charset="-127"/>
-              </a:rPr>
-              <a:t>Map</a:t>
-            </a:r>
-            <a:endParaRPr lang="ko-KR" altLang="en-US" sz="6000" dirty="0">
-              <a:solidFill>
-                <a:schemeClr val="bg1"/>
-              </a:solidFill>
-              <a:latin typeface="경기천년바탕 Bold" panose="02020803020101020101" pitchFamily="18" charset="-127"/>
-              <a:ea typeface="경기천년바탕 Bold" panose="02020803020101020101" pitchFamily="18" charset="-127"/>
-            </a:endParaRPr>
-          </a:p>
-        </p:txBody>
-      </p:sp>
-      <p:sp>
-        <p:nvSpPr>
-          <p:cNvPr id="2" name="사각형: 둥근 모서리 1">
-            <a:extLst>
-              <a:ext uri="{FF2B5EF4-FFF2-40B4-BE49-F238E27FC236}">
-                <a16:creationId xmlns:a16="http://schemas.microsoft.com/office/drawing/2014/main" id="{77393A65-BBFF-4BAD-B931-8263D8928880}"/>
-              </a:ext>
-            </a:extLst>
-          </p:cNvPr>
-          <p:cNvSpPr/>
-          <p:nvPr/>
-        </p:nvSpPr>
-        <p:spPr>
-          <a:xfrm>
-            <a:off x="3511970" y="2003056"/>
-            <a:ext cx="7152640" cy="4145682"/>
-          </a:xfrm>
-          <a:prstGeom prst="roundRect">
-            <a:avLst>
-              <a:gd name="adj" fmla="val 124"/>
-            </a:avLst>
-          </a:prstGeom>
           <a:solidFill>
-            <a:schemeClr val="bg1">
-              <a:lumMod val="65000"/>
+            <a:schemeClr val="tx1">
+              <a:alpha val="44000"/>
             </a:schemeClr>
           </a:solidFill>
           <a:ln>
@@ -6251,10 +6473,10 @@
       </p:sp>
       <p:sp>
         <p:nvSpPr>
-          <p:cNvPr id="9" name="L 도형 8">
-            <a:extLst>
-              <a:ext uri="{FF2B5EF4-FFF2-40B4-BE49-F238E27FC236}">
-                <a16:creationId xmlns:a16="http://schemas.microsoft.com/office/drawing/2014/main" id="{84B1B958-581A-4B20-90C9-DF550356EE42}"/>
+          <p:cNvPr id="16" name="직사각형 15">
+            <a:extLst>
+              <a:ext uri="{FF2B5EF4-FFF2-40B4-BE49-F238E27FC236}">
+                <a16:creationId xmlns:a16="http://schemas.microsoft.com/office/drawing/2014/main" id="{EE139C5A-0E66-45D6-BE19-DF9714CAAFBF}"/>
               </a:ext>
             </a:extLst>
           </p:cNvPr>
@@ -6262,24 +6484,20 @@
           <p:nvPr/>
         </p:nvSpPr>
         <p:spPr>
-          <a:xfrm rot="10800000">
-            <a:off x="11145873" y="340996"/>
-            <a:ext cx="680318" cy="680318"/>
-          </a:xfrm>
-          <a:prstGeom prst="corner">
-            <a:avLst>
-              <a:gd name="adj1" fmla="val 10000"/>
-              <a:gd name="adj2" fmla="val 8667"/>
-            </a:avLst>
+          <a:xfrm>
+            <a:off x="1034047" y="1425540"/>
+            <a:ext cx="3177535" cy="5042637"/>
+          </a:xfrm>
+          <a:prstGeom prst="rect">
+            <a:avLst/>
           </a:prstGeom>
           <a:solidFill>
-            <a:schemeClr val="accent4">
-              <a:lumMod val="20000"/>
-              <a:lumOff val="80000"/>
-            </a:schemeClr>
+            <a:schemeClr val="bg1"/>
           </a:solidFill>
           <a:ln>
-            <a:noFill/>
+            <a:solidFill>
+              <a:schemeClr val="tx1"/>
+            </a:solidFill>
           </a:ln>
         </p:spPr>
         <p:style>
@@ -6303,16 +6521,16 @@
           <a:lstStyle/>
           <a:p>
             <a:pPr algn="ctr"/>
-            <a:endParaRPr lang="ko-KR" altLang="en-US"/>
-          </a:p>
-        </p:txBody>
-      </p:sp>
-      <p:sp>
-        <p:nvSpPr>
-          <p:cNvPr id="12" name="타원 11">
-            <a:extLst>
-              <a:ext uri="{FF2B5EF4-FFF2-40B4-BE49-F238E27FC236}">
-                <a16:creationId xmlns:a16="http://schemas.microsoft.com/office/drawing/2014/main" id="{89A454A3-FF7C-42FE-83F7-84A7ABE1BD3D}"/>
+            <a:endParaRPr lang="ko-KR" altLang="en-US" dirty="0"/>
+          </a:p>
+        </p:txBody>
+      </p:sp>
+      <p:sp>
+        <p:nvSpPr>
+          <p:cNvPr id="14" name="직사각형 13">
+            <a:extLst>
+              <a:ext uri="{FF2B5EF4-FFF2-40B4-BE49-F238E27FC236}">
+                <a16:creationId xmlns:a16="http://schemas.microsoft.com/office/drawing/2014/main" id="{A7184F2A-D2D1-42C1-BDD5-57500BC97FB7}"/>
               </a:ext>
             </a:extLst>
           </p:cNvPr>
@@ -6320,17 +6538,15 @@
           <p:nvPr/>
         </p:nvSpPr>
         <p:spPr>
-          <a:xfrm>
-            <a:off x="5036399" y="2564266"/>
-            <a:ext cx="3060700" cy="3060700"/>
-          </a:xfrm>
-          <a:prstGeom prst="ellipse">
+          <a:xfrm rot="16200000">
+            <a:off x="2366210" y="2820202"/>
+            <a:ext cx="1694046" cy="952901"/>
+          </a:xfrm>
+          <a:prstGeom prst="rect">
             <a:avLst/>
           </a:prstGeom>
           <a:solidFill>
-            <a:srgbClr val="D7FBFD">
-              <a:alpha val="58824"/>
-            </a:srgbClr>
+            <a:schemeClr val="bg1"/>
           </a:solidFill>
           <a:ln>
             <a:noFill/>
@@ -6363,167 +6579,62 @@
       </p:sp>
       <p:sp>
         <p:nvSpPr>
-          <p:cNvPr id="18" name="TextBox 17">
-            <a:extLst>
-              <a:ext uri="{FF2B5EF4-FFF2-40B4-BE49-F238E27FC236}">
-                <a16:creationId xmlns:a16="http://schemas.microsoft.com/office/drawing/2014/main" id="{AA5E5774-F284-4376-AF83-0ED364F9701C}"/>
-              </a:ext>
-            </a:extLst>
-          </p:cNvPr>
-          <p:cNvSpPr txBox="1"/>
+          <p:cNvPr id="13" name="직사각형 12">
+            <a:extLst>
+              <a:ext uri="{FF2B5EF4-FFF2-40B4-BE49-F238E27FC236}">
+                <a16:creationId xmlns:a16="http://schemas.microsoft.com/office/drawing/2014/main" id="{5CAFCFA8-2806-40F5-8164-9496CC6B7B64}"/>
+              </a:ext>
+            </a:extLst>
+          </p:cNvPr>
+          <p:cNvSpPr/>
           <p:nvPr/>
         </p:nvSpPr>
         <p:spPr>
-          <a:xfrm>
-            <a:off x="7936095" y="1988820"/>
-            <a:ext cx="2531462" cy="1323439"/>
+          <a:xfrm rot="5400000">
+            <a:off x="1300393" y="2820202"/>
+            <a:ext cx="1694046" cy="952901"/>
           </a:xfrm>
           <a:prstGeom prst="rect">
             <a:avLst/>
           </a:prstGeom>
-          <a:noFill/>
-        </p:spPr>
-        <p:txBody>
-          <a:bodyPr wrap="none" rtlCol="0">
-            <a:spAutoFit/>
-          </a:bodyPr>
-          <a:lstStyle/>
-          <a:p>
-            <a:pPr algn="r"/>
-            <a:r>
-              <a:rPr lang="en-US" altLang="ko-KR" sz="4000" dirty="0">
-                <a:latin typeface="경기천년바탕 Regular" panose="02020503020101020101" pitchFamily="18" charset="-127"/>
-                <a:ea typeface="경기천년바탕 Regular" panose="02020503020101020101" pitchFamily="18" charset="-127"/>
-              </a:rPr>
-              <a:t>Dangerous</a:t>
-            </a:r>
-          </a:p>
-          <a:p>
-            <a:pPr algn="r"/>
-            <a:r>
-              <a:rPr lang="en-US" altLang="ko-KR" sz="4000" dirty="0">
-                <a:latin typeface="경기천년바탕 Regular" panose="02020503020101020101" pitchFamily="18" charset="-127"/>
-                <a:ea typeface="경기천년바탕 Regular" panose="02020503020101020101" pitchFamily="18" charset="-127"/>
-              </a:rPr>
-              <a:t>Zone</a:t>
-            </a:r>
-            <a:endParaRPr lang="ko-KR" altLang="en-US" sz="4000" dirty="0">
-              <a:latin typeface="경기천년바탕 Regular" panose="02020503020101020101" pitchFamily="18" charset="-127"/>
-              <a:ea typeface="경기천년바탕 Regular" panose="02020503020101020101" pitchFamily="18" charset="-127"/>
-            </a:endParaRPr>
-          </a:p>
-        </p:txBody>
-      </p:sp>
-      <p:sp>
-        <p:nvSpPr>
-          <p:cNvPr id="20" name="TextBox 19">
-            <a:extLst>
-              <a:ext uri="{FF2B5EF4-FFF2-40B4-BE49-F238E27FC236}">
-                <a16:creationId xmlns:a16="http://schemas.microsoft.com/office/drawing/2014/main" id="{A5294EBA-1FCE-41B1-BCE9-C6110CDD1AD5}"/>
-              </a:ext>
-            </a:extLst>
-          </p:cNvPr>
-          <p:cNvSpPr txBox="1"/>
-          <p:nvPr/>
-        </p:nvSpPr>
-        <p:spPr>
-          <a:xfrm>
-            <a:off x="5980691" y="3617562"/>
-            <a:ext cx="1172116" cy="954107"/>
-          </a:xfrm>
-          <a:prstGeom prst="rect">
-            <a:avLst/>
-          </a:prstGeom>
-          <a:noFill/>
-        </p:spPr>
-        <p:txBody>
-          <a:bodyPr wrap="none" rtlCol="0">
-            <a:spAutoFit/>
-          </a:bodyPr>
-          <a:lstStyle/>
-          <a:p>
-            <a:pPr algn="ctr"/>
-            <a:r>
-              <a:rPr lang="en-US" altLang="ko-KR" sz="2800" dirty="0">
-                <a:solidFill>
-                  <a:schemeClr val="accent1">
-                    <a:lumMod val="50000"/>
-                  </a:schemeClr>
-                </a:solidFill>
-              </a:rPr>
-              <a:t>Safety</a:t>
-            </a:r>
-          </a:p>
-          <a:p>
-            <a:pPr algn="ctr"/>
-            <a:r>
-              <a:rPr lang="en-US" altLang="ko-KR" sz="2800" dirty="0">
-                <a:solidFill>
-                  <a:schemeClr val="accent1">
-                    <a:lumMod val="50000"/>
-                  </a:schemeClr>
-                </a:solidFill>
-              </a:rPr>
-              <a:t>Zone</a:t>
-            </a:r>
-            <a:endParaRPr lang="ko-KR" altLang="en-US" sz="2800" dirty="0">
-              <a:solidFill>
-                <a:schemeClr val="accent1">
-                  <a:lumMod val="50000"/>
-                </a:schemeClr>
-              </a:solidFill>
-            </a:endParaRPr>
-          </a:p>
-        </p:txBody>
-      </p:sp>
-      <p:cxnSp>
-        <p:nvCxnSpPr>
-          <p:cNvPr id="22" name="직선 연결선 21">
-            <a:extLst>
-              <a:ext uri="{FF2B5EF4-FFF2-40B4-BE49-F238E27FC236}">
-                <a16:creationId xmlns:a16="http://schemas.microsoft.com/office/drawing/2014/main" id="{80EC22E9-480F-481E-AA01-6569411C6818}"/>
-              </a:ext>
-            </a:extLst>
-          </p:cNvPr>
-          <p:cNvCxnSpPr/>
-          <p:nvPr/>
-        </p:nvCxnSpPr>
-        <p:spPr>
-          <a:xfrm>
-            <a:off x="2935037" y="4055311"/>
-            <a:ext cx="2438400" cy="0"/>
-          </a:xfrm>
-          <a:prstGeom prst="line">
-            <a:avLst/>
-          </a:prstGeom>
-          <a:ln w="28575">
-            <a:solidFill>
-              <a:schemeClr val="bg1"/>
-            </a:solidFill>
-            <a:prstDash val="dash"/>
+          <a:solidFill>
+            <a:schemeClr val="bg1"/>
+          </a:solidFill>
+          <a:ln>
+            <a:noFill/>
           </a:ln>
         </p:spPr>
         <p:style>
-          <a:lnRef idx="1">
-            <a:schemeClr val="accent1"/>
+          <a:lnRef idx="2">
+            <a:schemeClr val="accent1">
+              <a:shade val="50000"/>
+            </a:schemeClr>
           </a:lnRef>
-          <a:fillRef idx="0">
+          <a:fillRef idx="1">
             <a:schemeClr val="accent1"/>
           </a:fillRef>
           <a:effectRef idx="0">
             <a:schemeClr val="accent1"/>
           </a:effectRef>
           <a:fontRef idx="minor">
-            <a:schemeClr val="tx1"/>
+            <a:schemeClr val="lt1"/>
           </a:fontRef>
         </p:style>
-      </p:cxnSp>
-      <p:sp>
-        <p:nvSpPr>
-          <p:cNvPr id="24" name="TextBox 23">
-            <a:extLst>
-              <a:ext uri="{FF2B5EF4-FFF2-40B4-BE49-F238E27FC236}">
-                <a16:creationId xmlns:a16="http://schemas.microsoft.com/office/drawing/2014/main" id="{39B7041C-EA14-4C2A-BBFE-C1336951AF0A}"/>
+        <p:txBody>
+          <a:bodyPr rtlCol="0" anchor="ctr"/>
+          <a:lstStyle/>
+          <a:p>
+            <a:pPr algn="ctr"/>
+            <a:endParaRPr lang="ko-KR" altLang="en-US"/>
+          </a:p>
+        </p:txBody>
+      </p:sp>
+      <p:sp>
+        <p:nvSpPr>
+          <p:cNvPr id="3" name="TextBox 2">
+            <a:extLst>
+              <a:ext uri="{FF2B5EF4-FFF2-40B4-BE49-F238E27FC236}">
+                <a16:creationId xmlns:a16="http://schemas.microsoft.com/office/drawing/2014/main" id="{54864A9D-4DB4-48B5-8888-6B62293FB5B2}"/>
               </a:ext>
             </a:extLst>
           </p:cNvPr>
@@ -6532,8 +6643,8 @@
         </p:nvSpPr>
         <p:spPr>
           <a:xfrm>
-            <a:off x="543702" y="3617562"/>
-            <a:ext cx="2206053" cy="954107"/>
+            <a:off x="9670266" y="409877"/>
+            <a:ext cx="1643399" cy="1015663"/>
           </a:xfrm>
           <a:prstGeom prst="rect">
             <a:avLst/>
@@ -6546,31 +6657,307 @@
           </a:bodyPr>
           <a:lstStyle/>
           <a:p>
+            <a:pPr algn="r"/>
+            <a:r>
+              <a:rPr lang="en-US" altLang="ko-KR" sz="6000" dirty="0">
+                <a:solidFill>
+                  <a:schemeClr val="bg1"/>
+                </a:solidFill>
+                <a:latin typeface="경기천년바탕 Bold" panose="02020803020101020101" pitchFamily="18" charset="-127"/>
+                <a:ea typeface="경기천년바탕 Bold" panose="02020803020101020101" pitchFamily="18" charset="-127"/>
+              </a:rPr>
+              <a:t>Unit</a:t>
+            </a:r>
+            <a:endParaRPr lang="ko-KR" altLang="en-US" sz="6000" dirty="0">
+              <a:solidFill>
+                <a:schemeClr val="bg1"/>
+              </a:solidFill>
+              <a:latin typeface="경기천년바탕 Bold" panose="02020803020101020101" pitchFamily="18" charset="-127"/>
+              <a:ea typeface="경기천년바탕 Bold" panose="02020803020101020101" pitchFamily="18" charset="-127"/>
+            </a:endParaRPr>
+          </a:p>
+        </p:txBody>
+      </p:sp>
+      <p:sp>
+        <p:nvSpPr>
+          <p:cNvPr id="9" name="L 도형 8">
+            <a:extLst>
+              <a:ext uri="{FF2B5EF4-FFF2-40B4-BE49-F238E27FC236}">
+                <a16:creationId xmlns:a16="http://schemas.microsoft.com/office/drawing/2014/main" id="{84B1B958-581A-4B20-90C9-DF550356EE42}"/>
+              </a:ext>
+            </a:extLst>
+          </p:cNvPr>
+          <p:cNvSpPr/>
+          <p:nvPr/>
+        </p:nvSpPr>
+        <p:spPr>
+          <a:xfrm rot="10800000">
+            <a:off x="11145873" y="340996"/>
+            <a:ext cx="680318" cy="680318"/>
+          </a:xfrm>
+          <a:prstGeom prst="corner">
+            <a:avLst>
+              <a:gd name="adj1" fmla="val 10000"/>
+              <a:gd name="adj2" fmla="val 8667"/>
+            </a:avLst>
+          </a:prstGeom>
+          <a:solidFill>
+            <a:schemeClr val="accent4">
+              <a:lumMod val="20000"/>
+              <a:lumOff val="80000"/>
+            </a:schemeClr>
+          </a:solidFill>
+          <a:ln>
+            <a:noFill/>
+          </a:ln>
+        </p:spPr>
+        <p:style>
+          <a:lnRef idx="2">
+            <a:schemeClr val="accent1">
+              <a:shade val="50000"/>
+            </a:schemeClr>
+          </a:lnRef>
+          <a:fillRef idx="1">
+            <a:schemeClr val="accent1"/>
+          </a:fillRef>
+          <a:effectRef idx="0">
+            <a:schemeClr val="accent1"/>
+          </a:effectRef>
+          <a:fontRef idx="minor">
+            <a:schemeClr val="lt1"/>
+          </a:fontRef>
+        </p:style>
+        <p:txBody>
+          <a:bodyPr rtlCol="0" anchor="ctr"/>
+          <a:lstStyle/>
+          <a:p>
             <a:pPr algn="ctr"/>
-            <a:r>
-              <a:rPr lang="en-US" altLang="ko-KR" sz="2800" dirty="0">
+            <a:endParaRPr lang="ko-KR" altLang="en-US"/>
+          </a:p>
+        </p:txBody>
+      </p:sp>
+      <p:pic>
+        <p:nvPicPr>
+          <p:cNvPr id="7" name="그림 6" descr="그리기, 옅은이(가) 표시된 사진&#10;&#10;자동 생성된 설명">
+            <a:extLst>
+              <a:ext uri="{FF2B5EF4-FFF2-40B4-BE49-F238E27FC236}">
+                <a16:creationId xmlns:a16="http://schemas.microsoft.com/office/drawing/2014/main" id="{1054F2A4-7C39-40FE-95DB-1F82ECB8F24B}"/>
+              </a:ext>
+            </a:extLst>
+          </p:cNvPr>
+          <p:cNvPicPr>
+            <a:picLocks noChangeAspect="1"/>
+          </p:cNvPicPr>
+          <p:nvPr/>
+        </p:nvPicPr>
+        <p:blipFill>
+          <a:blip r:embed="rId2">
+            <a:extLst>
+              <a:ext uri="{28A0092B-C50C-407E-A947-70E740481C1C}">
+                <a14:useLocalDpi xmlns:a14="http://schemas.microsoft.com/office/drawing/2010/main" val="0"/>
+              </a:ext>
+            </a:extLst>
+          </a:blip>
+          <a:stretch>
+            <a:fillRect/>
+          </a:stretch>
+        </p:blipFill>
+        <p:spPr>
+          <a:xfrm>
+            <a:off x="1737725" y="2599890"/>
+            <a:ext cx="787302" cy="1371429"/>
+          </a:xfrm>
+          <a:prstGeom prst="rect">
+            <a:avLst/>
+          </a:prstGeom>
+        </p:spPr>
+      </p:pic>
+      <p:sp>
+        <p:nvSpPr>
+          <p:cNvPr id="15" name="TextBox 14">
+            <a:extLst>
+              <a:ext uri="{FF2B5EF4-FFF2-40B4-BE49-F238E27FC236}">
+                <a16:creationId xmlns:a16="http://schemas.microsoft.com/office/drawing/2014/main" id="{70716103-A98A-4B2B-A5DF-965F601D51AB}"/>
+              </a:ext>
+            </a:extLst>
+          </p:cNvPr>
+          <p:cNvSpPr txBox="1"/>
+          <p:nvPr/>
+        </p:nvSpPr>
+        <p:spPr>
+          <a:xfrm>
+            <a:off x="1547132" y="4342064"/>
+            <a:ext cx="2153470" cy="1569660"/>
+          </a:xfrm>
+          <a:prstGeom prst="rect">
+            <a:avLst/>
+          </a:prstGeom>
+          <a:noFill/>
+        </p:spPr>
+        <p:txBody>
+          <a:bodyPr wrap="square" rtlCol="0">
+            <a:spAutoFit/>
+          </a:bodyPr>
+          <a:lstStyle/>
+          <a:p>
+            <a:pPr algn="ctr"/>
+            <a:r>
+              <a:rPr lang="en-US" altLang="ko-KR" sz="3200" dirty="0">
+                <a:latin typeface="경기천년바탕 Bold" panose="02020803020101020101" pitchFamily="18" charset="-127"/>
+                <a:ea typeface="경기천년바탕 Bold" panose="02020803020101020101" pitchFamily="18" charset="-127"/>
+              </a:rPr>
+              <a:t>Blue </a:t>
+            </a:r>
+          </a:p>
+          <a:p>
+            <a:pPr algn="ctr"/>
+            <a:r>
+              <a:rPr lang="en-US" altLang="ko-KR" sz="3200" dirty="0">
+                <a:latin typeface="경기천년바탕 Bold" panose="02020803020101020101" pitchFamily="18" charset="-127"/>
+                <a:ea typeface="경기천년바탕 Bold" panose="02020803020101020101" pitchFamily="18" charset="-127"/>
+              </a:rPr>
+              <a:t>vs </a:t>
+            </a:r>
+          </a:p>
+          <a:p>
+            <a:pPr algn="ctr"/>
+            <a:r>
+              <a:rPr lang="en-US" altLang="ko-KR" sz="3200" dirty="0">
+                <a:latin typeface="경기천년바탕 Bold" panose="02020803020101020101" pitchFamily="18" charset="-127"/>
+                <a:ea typeface="경기천년바탕 Bold" panose="02020803020101020101" pitchFamily="18" charset="-127"/>
+              </a:rPr>
+              <a:t>Red</a:t>
+            </a:r>
+            <a:endParaRPr lang="ko-KR" altLang="en-US" sz="3200" dirty="0">
+              <a:latin typeface="경기천년바탕 Bold" panose="02020803020101020101" pitchFamily="18" charset="-127"/>
+              <a:ea typeface="경기천년바탕 Bold" panose="02020803020101020101" pitchFamily="18" charset="-127"/>
+            </a:endParaRPr>
+          </a:p>
+        </p:txBody>
+      </p:sp>
+      <p:sp>
+        <p:nvSpPr>
+          <p:cNvPr id="25" name="TextBox 24">
+            <a:extLst>
+              <a:ext uri="{FF2B5EF4-FFF2-40B4-BE49-F238E27FC236}">
+                <a16:creationId xmlns:a16="http://schemas.microsoft.com/office/drawing/2014/main" id="{D89795FE-DBCF-476D-9181-40AA68BE846F}"/>
+              </a:ext>
+            </a:extLst>
+          </p:cNvPr>
+          <p:cNvSpPr txBox="1"/>
+          <p:nvPr/>
+        </p:nvSpPr>
+        <p:spPr>
+          <a:xfrm>
+            <a:off x="5771256" y="2245947"/>
+            <a:ext cx="5958682" cy="707886"/>
+          </a:xfrm>
+          <a:prstGeom prst="rect">
+            <a:avLst/>
+          </a:prstGeom>
+          <a:noFill/>
+        </p:spPr>
+        <p:txBody>
+          <a:bodyPr wrap="none" rtlCol="0">
+            <a:spAutoFit/>
+          </a:bodyPr>
+          <a:lstStyle/>
+          <a:p>
+            <a:r>
+              <a:rPr lang="en-US" altLang="ko-KR" sz="4000" dirty="0">
                 <a:solidFill>
                   <a:schemeClr val="bg1"/>
                 </a:solidFill>
                 <a:latin typeface="경기천년바탕 Regular" panose="02020503020101020101" pitchFamily="18" charset="-127"/>
                 <a:ea typeface="경기천년바탕 Regular" panose="02020503020101020101" pitchFamily="18" charset="-127"/>
               </a:rPr>
-              <a:t>Shrinking</a:t>
-            </a:r>
-          </a:p>
-          <a:p>
-            <a:pPr algn="ctr"/>
-            <a:r>
-              <a:rPr lang="en-US" altLang="ko-KR" sz="2800" dirty="0">
+              <a:t>: </a:t>
+            </a:r>
+            <a:r>
+              <a:rPr lang="ko-KR" altLang="ko-KR" sz="2400" dirty="0">
                 <a:solidFill>
                   <a:schemeClr val="bg1"/>
                 </a:solidFill>
+                <a:effectLst/>
                 <a:latin typeface="경기천년바탕 Regular" panose="02020503020101020101" pitchFamily="18" charset="-127"/>
                 <a:ea typeface="경기천년바탕 Regular" panose="02020503020101020101" pitchFamily="18" charset="-127"/>
-              </a:rPr>
-              <a:t>Continuously</a:t>
-            </a:r>
-            <a:endParaRPr lang="ko-KR" altLang="en-US" sz="2800" dirty="0">
+                <a:cs typeface="Times New Roman" panose="02020603050405020304" pitchFamily="18" charset="0"/>
+              </a:rPr>
+              <a:t>안전지대 범위</a:t>
+            </a:r>
+            <a:r>
+              <a:rPr lang="en-GB" altLang="ko-KR" sz="2400" dirty="0">
+                <a:solidFill>
+                  <a:schemeClr val="bg1"/>
+                </a:solidFill>
+                <a:effectLst/>
+                <a:latin typeface="경기천년바탕 Regular" panose="02020503020101020101" pitchFamily="18" charset="-127"/>
+                <a:ea typeface="경기천년바탕 Regular" panose="02020503020101020101" pitchFamily="18" charset="-127"/>
+                <a:cs typeface="Times New Roman" panose="02020603050405020304" pitchFamily="18" charset="0"/>
+              </a:rPr>
+              <a:t>, </a:t>
+            </a:r>
+            <a:r>
+              <a:rPr lang="ko-KR" altLang="ko-KR" sz="2400" dirty="0">
+                <a:solidFill>
+                  <a:schemeClr val="bg1"/>
+                </a:solidFill>
+                <a:effectLst/>
+                <a:latin typeface="경기천년바탕 Regular" panose="02020503020101020101" pitchFamily="18" charset="-127"/>
+                <a:ea typeface="경기천년바탕 Regular" panose="02020503020101020101" pitchFamily="18" charset="-127"/>
+                <a:cs typeface="Times New Roman" panose="02020603050405020304" pitchFamily="18" charset="0"/>
+              </a:rPr>
+              <a:t>보이는 적</a:t>
+            </a:r>
+            <a:r>
+              <a:rPr lang="en-GB" altLang="ko-KR" sz="2400" dirty="0">
+                <a:solidFill>
+                  <a:schemeClr val="bg1"/>
+                </a:solidFill>
+                <a:effectLst/>
+                <a:latin typeface="경기천년바탕 Regular" panose="02020503020101020101" pitchFamily="18" charset="-127"/>
+                <a:ea typeface="경기천년바탕 Regular" panose="02020503020101020101" pitchFamily="18" charset="-127"/>
+                <a:cs typeface="Times New Roman" panose="02020603050405020304" pitchFamily="18" charset="0"/>
+              </a:rPr>
+              <a:t>, </a:t>
+            </a:r>
+            <a:r>
+              <a:rPr lang="ko-KR" altLang="ko-KR" sz="2400" dirty="0">
+                <a:solidFill>
+                  <a:schemeClr val="bg1"/>
+                </a:solidFill>
+                <a:effectLst/>
+                <a:latin typeface="경기천년바탕 Regular" panose="02020503020101020101" pitchFamily="18" charset="-127"/>
+                <a:ea typeface="경기천년바탕 Regular" panose="02020503020101020101" pitchFamily="18" charset="-127"/>
+                <a:cs typeface="Times New Roman" panose="02020603050405020304" pitchFamily="18" charset="0"/>
+              </a:rPr>
+              <a:t>전체 아군</a:t>
+            </a:r>
+            <a:r>
+              <a:rPr lang="en-GB" altLang="ko-KR" sz="2400" dirty="0">
+                <a:solidFill>
+                  <a:schemeClr val="bg1"/>
+                </a:solidFill>
+                <a:effectLst/>
+                <a:latin typeface="경기천년바탕 Regular" panose="02020503020101020101" pitchFamily="18" charset="-127"/>
+                <a:ea typeface="경기천년바탕 Regular" panose="02020503020101020101" pitchFamily="18" charset="-127"/>
+                <a:cs typeface="Times New Roman" panose="02020603050405020304" pitchFamily="18" charset="0"/>
+              </a:rPr>
+              <a:t>, </a:t>
+            </a:r>
+            <a:r>
+              <a:rPr lang="ko-KR" altLang="ko-KR" sz="2400" dirty="0">
+                <a:solidFill>
+                  <a:schemeClr val="bg1"/>
+                </a:solidFill>
+                <a:effectLst/>
+                <a:latin typeface="경기천년바탕 Regular" panose="02020503020101020101" pitchFamily="18" charset="-127"/>
+                <a:ea typeface="경기천년바탕 Regular" panose="02020503020101020101" pitchFamily="18" charset="-127"/>
+                <a:cs typeface="Times New Roman" panose="02020603050405020304" pitchFamily="18" charset="0"/>
+              </a:rPr>
+              <a:t>아이템</a:t>
+            </a:r>
+            <a:endParaRPr lang="ko-KR" altLang="en-US" sz="4000" dirty="0">
               <a:solidFill>
                 <a:schemeClr val="bg1"/>
               </a:solidFill>
@@ -6580,10 +6967,360 @@
           </a:p>
         </p:txBody>
       </p:sp>
+      <p:pic>
+        <p:nvPicPr>
+          <p:cNvPr id="27" name="그림 26">
+            <a:extLst>
+              <a:ext uri="{FF2B5EF4-FFF2-40B4-BE49-F238E27FC236}">
+                <a16:creationId xmlns:a16="http://schemas.microsoft.com/office/drawing/2014/main" id="{58B7C862-B621-4ACD-A02C-3707883190ED}"/>
+              </a:ext>
+            </a:extLst>
+          </p:cNvPr>
+          <p:cNvPicPr>
+            <a:picLocks noChangeAspect="1"/>
+          </p:cNvPicPr>
+          <p:nvPr/>
+        </p:nvPicPr>
+        <p:blipFill>
+          <a:blip r:embed="rId3">
+            <a:extLst>
+              <a:ext uri="{28A0092B-C50C-407E-A947-70E740481C1C}">
+                <a14:useLocalDpi xmlns:a14="http://schemas.microsoft.com/office/drawing/2010/main" val="0"/>
+              </a:ext>
+            </a:extLst>
+          </a:blip>
+          <a:stretch>
+            <a:fillRect/>
+          </a:stretch>
+        </p:blipFill>
+        <p:spPr>
+          <a:xfrm>
+            <a:off x="4506811" y="2336599"/>
+            <a:ext cx="1082204" cy="574283"/>
+          </a:xfrm>
+          <a:prstGeom prst="rect">
+            <a:avLst/>
+          </a:prstGeom>
+        </p:spPr>
+      </p:pic>
+      <p:pic>
+        <p:nvPicPr>
+          <p:cNvPr id="29" name="그림 28">
+            <a:extLst>
+              <a:ext uri="{FF2B5EF4-FFF2-40B4-BE49-F238E27FC236}">
+                <a16:creationId xmlns:a16="http://schemas.microsoft.com/office/drawing/2014/main" id="{1DDC151A-2A28-4C5A-9048-9E566EA1A209}"/>
+              </a:ext>
+            </a:extLst>
+          </p:cNvPr>
+          <p:cNvPicPr>
+            <a:picLocks noChangeAspect="1"/>
+          </p:cNvPicPr>
+          <p:nvPr/>
+        </p:nvPicPr>
+        <p:blipFill>
+          <a:blip r:embed="rId4">
+            <a:extLst>
+              <a:ext uri="{28A0092B-C50C-407E-A947-70E740481C1C}">
+                <a14:useLocalDpi xmlns:a14="http://schemas.microsoft.com/office/drawing/2010/main" val="0"/>
+              </a:ext>
+            </a:extLst>
+          </a:blip>
+          <a:stretch>
+            <a:fillRect/>
+          </a:stretch>
+        </p:blipFill>
+        <p:spPr>
+          <a:xfrm>
+            <a:off x="4615739" y="3477716"/>
+            <a:ext cx="864348" cy="864348"/>
+          </a:xfrm>
+          <a:prstGeom prst="rect">
+            <a:avLst/>
+          </a:prstGeom>
+        </p:spPr>
+      </p:pic>
+      <p:sp>
+        <p:nvSpPr>
+          <p:cNvPr id="31" name="TextBox 30">
+            <a:extLst>
+              <a:ext uri="{FF2B5EF4-FFF2-40B4-BE49-F238E27FC236}">
+                <a16:creationId xmlns:a16="http://schemas.microsoft.com/office/drawing/2014/main" id="{042A34AB-FD27-45F9-9DB0-88BC948AC8C1}"/>
+              </a:ext>
+            </a:extLst>
+          </p:cNvPr>
+          <p:cNvSpPr txBox="1"/>
+          <p:nvPr/>
+        </p:nvSpPr>
+        <p:spPr>
+          <a:xfrm>
+            <a:off x="5771256" y="3511404"/>
+            <a:ext cx="2488182" cy="707886"/>
+          </a:xfrm>
+          <a:prstGeom prst="rect">
+            <a:avLst/>
+          </a:prstGeom>
+          <a:noFill/>
+        </p:spPr>
+        <p:txBody>
+          <a:bodyPr wrap="none" rtlCol="0">
+            <a:spAutoFit/>
+          </a:bodyPr>
+          <a:lstStyle/>
+          <a:p>
+            <a:r>
+              <a:rPr lang="en-US" altLang="ko-KR" sz="4000" dirty="0">
+                <a:solidFill>
+                  <a:schemeClr val="bg1"/>
+                </a:solidFill>
+                <a:latin typeface="경기천년바탕 Regular" panose="02020503020101020101" pitchFamily="18" charset="-127"/>
+                <a:ea typeface="경기천년바탕 Regular" panose="02020503020101020101" pitchFamily="18" charset="-127"/>
+              </a:rPr>
+              <a:t>: </a:t>
+            </a:r>
+            <a:r>
+              <a:rPr lang="ko-KR" altLang="en-US" sz="2400" dirty="0">
+                <a:solidFill>
+                  <a:schemeClr val="bg1"/>
+                </a:solidFill>
+                <a:latin typeface="경기천년바탕 Regular" panose="02020503020101020101" pitchFamily="18" charset="-127"/>
+                <a:ea typeface="경기천년바탕 Regular" panose="02020503020101020101" pitchFamily="18" charset="-127"/>
+                <a:cs typeface="Times New Roman" panose="02020603050405020304" pitchFamily="18" charset="0"/>
+              </a:rPr>
+              <a:t>체력</a:t>
+            </a:r>
+            <a:r>
+              <a:rPr lang="en-US" altLang="ko-KR" sz="2400" dirty="0">
+                <a:solidFill>
+                  <a:schemeClr val="bg1"/>
+                </a:solidFill>
+                <a:latin typeface="경기천년바탕 Regular" panose="02020503020101020101" pitchFamily="18" charset="-127"/>
+                <a:ea typeface="경기천년바탕 Regular" panose="02020503020101020101" pitchFamily="18" charset="-127"/>
+                <a:cs typeface="Times New Roman" panose="02020603050405020304" pitchFamily="18" charset="0"/>
+              </a:rPr>
+              <a:t>, </a:t>
+            </a:r>
+            <a:r>
+              <a:rPr lang="ko-KR" altLang="en-US" sz="2400" dirty="0">
+                <a:solidFill>
+                  <a:schemeClr val="bg1"/>
+                </a:solidFill>
+                <a:latin typeface="경기천년바탕 Regular" panose="02020503020101020101" pitchFamily="18" charset="-127"/>
+                <a:ea typeface="경기천년바탕 Regular" panose="02020503020101020101" pitchFamily="18" charset="-127"/>
+                <a:cs typeface="Times New Roman" panose="02020603050405020304" pitchFamily="18" charset="0"/>
+              </a:rPr>
+              <a:t>위치</a:t>
+            </a:r>
+            <a:r>
+              <a:rPr lang="en-US" altLang="ko-KR" sz="2400" dirty="0">
+                <a:solidFill>
+                  <a:schemeClr val="bg1"/>
+                </a:solidFill>
+                <a:latin typeface="경기천년바탕 Regular" panose="02020503020101020101" pitchFamily="18" charset="-127"/>
+                <a:ea typeface="경기천년바탕 Regular" panose="02020503020101020101" pitchFamily="18" charset="-127"/>
+                <a:cs typeface="Times New Roman" panose="02020603050405020304" pitchFamily="18" charset="0"/>
+              </a:rPr>
+              <a:t>, </a:t>
+            </a:r>
+            <a:r>
+              <a:rPr lang="ko-KR" altLang="en-US" sz="2400" dirty="0">
+                <a:solidFill>
+                  <a:schemeClr val="bg1"/>
+                </a:solidFill>
+                <a:latin typeface="경기천년바탕 Regular" panose="02020503020101020101" pitchFamily="18" charset="-127"/>
+                <a:ea typeface="경기천년바탕 Regular" panose="02020503020101020101" pitchFamily="18" charset="-127"/>
+                <a:cs typeface="Times New Roman" panose="02020603050405020304" pitchFamily="18" charset="0"/>
+              </a:rPr>
+              <a:t>방향</a:t>
+            </a:r>
+            <a:endParaRPr lang="ko-KR" altLang="en-US" sz="4000" dirty="0">
+              <a:solidFill>
+                <a:schemeClr val="bg1"/>
+              </a:solidFill>
+              <a:latin typeface="경기천년바탕 Regular" panose="02020503020101020101" pitchFamily="18" charset="-127"/>
+              <a:ea typeface="경기천년바탕 Regular" panose="02020503020101020101" pitchFamily="18" charset="-127"/>
+            </a:endParaRPr>
+          </a:p>
+        </p:txBody>
+      </p:sp>
+      <p:pic>
+        <p:nvPicPr>
+          <p:cNvPr id="33" name="그림 32">
+            <a:extLst>
+              <a:ext uri="{FF2B5EF4-FFF2-40B4-BE49-F238E27FC236}">
+                <a16:creationId xmlns:a16="http://schemas.microsoft.com/office/drawing/2014/main" id="{1B667C1B-0604-4B34-8B86-BE352DA57FA3}"/>
+              </a:ext>
+            </a:extLst>
+          </p:cNvPr>
+          <p:cNvPicPr>
+            <a:picLocks noChangeAspect="1"/>
+          </p:cNvPicPr>
+          <p:nvPr/>
+        </p:nvPicPr>
+        <p:blipFill>
+          <a:blip r:embed="rId5">
+            <a:extLst>
+              <a:ext uri="{28A0092B-C50C-407E-A947-70E740481C1C}">
+                <a14:useLocalDpi xmlns:a14="http://schemas.microsoft.com/office/drawing/2010/main" val="0"/>
+              </a:ext>
+            </a:extLst>
+          </a:blip>
+          <a:stretch>
+            <a:fillRect/>
+          </a:stretch>
+        </p:blipFill>
+        <p:spPr>
+          <a:xfrm>
+            <a:off x="4602157" y="4627576"/>
+            <a:ext cx="986858" cy="998635"/>
+          </a:xfrm>
+          <a:prstGeom prst="rect">
+            <a:avLst/>
+          </a:prstGeom>
+        </p:spPr>
+      </p:pic>
+      <p:sp>
+        <p:nvSpPr>
+          <p:cNvPr id="35" name="TextBox 34">
+            <a:extLst>
+              <a:ext uri="{FF2B5EF4-FFF2-40B4-BE49-F238E27FC236}">
+                <a16:creationId xmlns:a16="http://schemas.microsoft.com/office/drawing/2014/main" id="{8300528D-C158-43F6-8466-A9367A287C9F}"/>
+              </a:ext>
+            </a:extLst>
+          </p:cNvPr>
+          <p:cNvSpPr txBox="1"/>
+          <p:nvPr/>
+        </p:nvSpPr>
+        <p:spPr>
+          <a:xfrm>
+            <a:off x="5771256" y="4913020"/>
+            <a:ext cx="3409908" cy="707886"/>
+          </a:xfrm>
+          <a:prstGeom prst="rect">
+            <a:avLst/>
+          </a:prstGeom>
+          <a:noFill/>
+        </p:spPr>
+        <p:txBody>
+          <a:bodyPr wrap="none" rtlCol="0">
+            <a:spAutoFit/>
+          </a:bodyPr>
+          <a:lstStyle/>
+          <a:p>
+            <a:r>
+              <a:rPr lang="en-US" altLang="ko-KR" sz="4000" dirty="0">
+                <a:solidFill>
+                  <a:schemeClr val="bg1"/>
+                </a:solidFill>
+                <a:latin typeface="경기천년바탕 Regular" panose="02020503020101020101" pitchFamily="18" charset="-127"/>
+                <a:ea typeface="경기천년바탕 Regular" panose="02020503020101020101" pitchFamily="18" charset="-127"/>
+              </a:rPr>
+              <a:t>: </a:t>
+            </a:r>
+            <a:r>
+              <a:rPr lang="ko-KR" altLang="en-US" sz="2400" dirty="0">
+                <a:solidFill>
+                  <a:schemeClr val="bg1"/>
+                </a:solidFill>
+                <a:latin typeface="경기천년바탕 Regular" panose="02020503020101020101" pitchFamily="18" charset="-127"/>
+                <a:ea typeface="경기천년바탕 Regular" panose="02020503020101020101" pitchFamily="18" charset="-127"/>
+                <a:cs typeface="Times New Roman" panose="02020603050405020304" pitchFamily="18" charset="0"/>
+              </a:rPr>
+              <a:t>이동</a:t>
+            </a:r>
+            <a:r>
+              <a:rPr lang="en-US" altLang="ko-KR" sz="2400" dirty="0">
+                <a:solidFill>
+                  <a:schemeClr val="bg1"/>
+                </a:solidFill>
+                <a:latin typeface="경기천년바탕 Regular" panose="02020503020101020101" pitchFamily="18" charset="-127"/>
+                <a:ea typeface="경기천년바탕 Regular" panose="02020503020101020101" pitchFamily="18" charset="-127"/>
+                <a:cs typeface="Times New Roman" panose="02020603050405020304" pitchFamily="18" charset="0"/>
+              </a:rPr>
+              <a:t>, </a:t>
+            </a:r>
+            <a:r>
+              <a:rPr lang="ko-KR" altLang="en-US" sz="2400" dirty="0">
+                <a:solidFill>
+                  <a:schemeClr val="bg1"/>
+                </a:solidFill>
+                <a:latin typeface="경기천년바탕 Regular" panose="02020503020101020101" pitchFamily="18" charset="-127"/>
+                <a:ea typeface="경기천년바탕 Regular" panose="02020503020101020101" pitchFamily="18" charset="-127"/>
+                <a:cs typeface="Times New Roman" panose="02020603050405020304" pitchFamily="18" charset="0"/>
+              </a:rPr>
+              <a:t>회전</a:t>
+            </a:r>
+            <a:r>
+              <a:rPr lang="en-US" altLang="ko-KR" sz="2400" dirty="0">
+                <a:solidFill>
+                  <a:schemeClr val="bg1"/>
+                </a:solidFill>
+                <a:latin typeface="경기천년바탕 Regular" panose="02020503020101020101" pitchFamily="18" charset="-127"/>
+                <a:ea typeface="경기천년바탕 Regular" panose="02020503020101020101" pitchFamily="18" charset="-127"/>
+                <a:cs typeface="Times New Roman" panose="02020603050405020304" pitchFamily="18" charset="0"/>
+              </a:rPr>
+              <a:t>, </a:t>
+            </a:r>
+            <a:r>
+              <a:rPr lang="ko-KR" altLang="en-US" sz="2400" dirty="0">
+                <a:solidFill>
+                  <a:schemeClr val="bg1"/>
+                </a:solidFill>
+                <a:latin typeface="경기천년바탕 Regular" panose="02020503020101020101" pitchFamily="18" charset="-127"/>
+                <a:ea typeface="경기천년바탕 Regular" panose="02020503020101020101" pitchFamily="18" charset="-127"/>
+                <a:cs typeface="Times New Roman" panose="02020603050405020304" pitchFamily="18" charset="0"/>
+              </a:rPr>
+              <a:t>아이템 사용</a:t>
+            </a:r>
+            <a:endParaRPr lang="ko-KR" altLang="en-US" sz="4000" dirty="0">
+              <a:solidFill>
+                <a:schemeClr val="bg1"/>
+              </a:solidFill>
+              <a:latin typeface="경기천년바탕 Regular" panose="02020503020101020101" pitchFamily="18" charset="-127"/>
+              <a:ea typeface="경기천년바탕 Regular" panose="02020503020101020101" pitchFamily="18" charset="-127"/>
+            </a:endParaRPr>
+          </a:p>
+        </p:txBody>
+      </p:sp>
+      <p:pic>
+        <p:nvPicPr>
+          <p:cNvPr id="11" name="그림 10" descr="옅은, 그리기이(가) 표시된 사진&#10;&#10;자동 생성된 설명">
+            <a:extLst>
+              <a:ext uri="{FF2B5EF4-FFF2-40B4-BE49-F238E27FC236}">
+                <a16:creationId xmlns:a16="http://schemas.microsoft.com/office/drawing/2014/main" id="{7ADEA54B-5422-4AC7-A1B1-953CEB90BDC6}"/>
+              </a:ext>
+            </a:extLst>
+          </p:cNvPr>
+          <p:cNvPicPr>
+            <a:picLocks noChangeAspect="1"/>
+          </p:cNvPicPr>
+          <p:nvPr/>
+        </p:nvPicPr>
+        <p:blipFill>
+          <a:blip r:embed="rId6">
+            <a:extLst>
+              <a:ext uri="{28A0092B-C50C-407E-A947-70E740481C1C}">
+                <a14:useLocalDpi xmlns:a14="http://schemas.microsoft.com/office/drawing/2010/main" val="0"/>
+              </a:ext>
+            </a:extLst>
+          </a:blip>
+          <a:stretch>
+            <a:fillRect/>
+          </a:stretch>
+        </p:blipFill>
+        <p:spPr>
+          <a:xfrm rot="10800000">
+            <a:off x="2819582" y="2621986"/>
+            <a:ext cx="787302" cy="1371429"/>
+          </a:xfrm>
+          <a:prstGeom prst="rect">
+            <a:avLst/>
+          </a:prstGeom>
+        </p:spPr>
+      </p:pic>
     </p:spTree>
     <p:extLst>
       <p:ext uri="{BB962C8B-B14F-4D97-AF65-F5344CB8AC3E}">
-        <p14:creationId xmlns:p14="http://schemas.microsoft.com/office/powerpoint/2010/main" val="3924349251"/>
+        <p14:creationId xmlns:p14="http://schemas.microsoft.com/office/powerpoint/2010/main" val="3388670824"/>
       </p:ext>
     </p:extLst>
   </p:cSld>
@@ -6929,12 +7666,144 @@
           </a:p>
         </p:txBody>
       </p:sp>
+      <p:sp>
+        <p:nvSpPr>
+          <p:cNvPr id="25" name="TextBox 24">
+            <a:extLst>
+              <a:ext uri="{FF2B5EF4-FFF2-40B4-BE49-F238E27FC236}">
+                <a16:creationId xmlns:a16="http://schemas.microsoft.com/office/drawing/2014/main" id="{D89795FE-DBCF-476D-9181-40AA68BE846F}"/>
+              </a:ext>
+            </a:extLst>
+          </p:cNvPr>
+          <p:cNvSpPr txBox="1"/>
+          <p:nvPr/>
+        </p:nvSpPr>
+        <p:spPr>
+          <a:xfrm>
+            <a:off x="5771256" y="2245947"/>
+            <a:ext cx="5958682" cy="707886"/>
+          </a:xfrm>
+          <a:prstGeom prst="rect">
+            <a:avLst/>
+          </a:prstGeom>
+          <a:noFill/>
+        </p:spPr>
+        <p:txBody>
+          <a:bodyPr wrap="none" rtlCol="0">
+            <a:spAutoFit/>
+          </a:bodyPr>
+          <a:lstStyle/>
+          <a:p>
+            <a:r>
+              <a:rPr lang="en-US" altLang="ko-KR" sz="4000" dirty="0">
+                <a:solidFill>
+                  <a:schemeClr val="bg1"/>
+                </a:solidFill>
+                <a:latin typeface="경기천년바탕 Regular" panose="02020503020101020101" pitchFamily="18" charset="-127"/>
+                <a:ea typeface="경기천년바탕 Regular" panose="02020503020101020101" pitchFamily="18" charset="-127"/>
+              </a:rPr>
+              <a:t>: </a:t>
+            </a:r>
+            <a:r>
+              <a:rPr lang="ko-KR" altLang="ko-KR" sz="2400" dirty="0">
+                <a:solidFill>
+                  <a:schemeClr val="bg1"/>
+                </a:solidFill>
+                <a:effectLst/>
+                <a:latin typeface="경기천년바탕 Regular" panose="02020503020101020101" pitchFamily="18" charset="-127"/>
+                <a:ea typeface="경기천년바탕 Regular" panose="02020503020101020101" pitchFamily="18" charset="-127"/>
+                <a:cs typeface="Times New Roman" panose="02020603050405020304" pitchFamily="18" charset="0"/>
+              </a:rPr>
+              <a:t>안전지대 범위</a:t>
+            </a:r>
+            <a:r>
+              <a:rPr lang="en-GB" altLang="ko-KR" sz="2400" dirty="0">
+                <a:solidFill>
+                  <a:schemeClr val="bg1"/>
+                </a:solidFill>
+                <a:effectLst/>
+                <a:latin typeface="경기천년바탕 Regular" panose="02020503020101020101" pitchFamily="18" charset="-127"/>
+                <a:ea typeface="경기천년바탕 Regular" panose="02020503020101020101" pitchFamily="18" charset="-127"/>
+                <a:cs typeface="Times New Roman" panose="02020603050405020304" pitchFamily="18" charset="0"/>
+              </a:rPr>
+              <a:t>, </a:t>
+            </a:r>
+            <a:r>
+              <a:rPr lang="ko-KR" altLang="ko-KR" sz="2400" dirty="0">
+                <a:solidFill>
+                  <a:schemeClr val="bg1"/>
+                </a:solidFill>
+                <a:effectLst/>
+                <a:latin typeface="경기천년바탕 Regular" panose="02020503020101020101" pitchFamily="18" charset="-127"/>
+                <a:ea typeface="경기천년바탕 Regular" panose="02020503020101020101" pitchFamily="18" charset="-127"/>
+                <a:cs typeface="Times New Roman" panose="02020603050405020304" pitchFamily="18" charset="0"/>
+              </a:rPr>
+              <a:t>보이는 적</a:t>
+            </a:r>
+            <a:r>
+              <a:rPr lang="en-GB" altLang="ko-KR" sz="2400" dirty="0">
+                <a:solidFill>
+                  <a:schemeClr val="bg1"/>
+                </a:solidFill>
+                <a:effectLst/>
+                <a:latin typeface="경기천년바탕 Regular" panose="02020503020101020101" pitchFamily="18" charset="-127"/>
+                <a:ea typeface="경기천년바탕 Regular" panose="02020503020101020101" pitchFamily="18" charset="-127"/>
+                <a:cs typeface="Times New Roman" panose="02020603050405020304" pitchFamily="18" charset="0"/>
+              </a:rPr>
+              <a:t>, </a:t>
+            </a:r>
+            <a:r>
+              <a:rPr lang="ko-KR" altLang="ko-KR" sz="2400" dirty="0">
+                <a:solidFill>
+                  <a:schemeClr val="bg1"/>
+                </a:solidFill>
+                <a:effectLst/>
+                <a:latin typeface="경기천년바탕 Regular" panose="02020503020101020101" pitchFamily="18" charset="-127"/>
+                <a:ea typeface="경기천년바탕 Regular" panose="02020503020101020101" pitchFamily="18" charset="-127"/>
+                <a:cs typeface="Times New Roman" panose="02020603050405020304" pitchFamily="18" charset="0"/>
+              </a:rPr>
+              <a:t>전체 아군</a:t>
+            </a:r>
+            <a:r>
+              <a:rPr lang="en-GB" altLang="ko-KR" sz="2400" dirty="0">
+                <a:solidFill>
+                  <a:schemeClr val="bg1"/>
+                </a:solidFill>
+                <a:effectLst/>
+                <a:latin typeface="경기천년바탕 Regular" panose="02020503020101020101" pitchFamily="18" charset="-127"/>
+                <a:ea typeface="경기천년바탕 Regular" panose="02020503020101020101" pitchFamily="18" charset="-127"/>
+                <a:cs typeface="Times New Roman" panose="02020603050405020304" pitchFamily="18" charset="0"/>
+              </a:rPr>
+              <a:t>, </a:t>
+            </a:r>
+            <a:r>
+              <a:rPr lang="ko-KR" altLang="ko-KR" sz="2400" dirty="0">
+                <a:solidFill>
+                  <a:schemeClr val="bg1"/>
+                </a:solidFill>
+                <a:effectLst/>
+                <a:latin typeface="경기천년바탕 Regular" panose="02020503020101020101" pitchFamily="18" charset="-127"/>
+                <a:ea typeface="경기천년바탕 Regular" panose="02020503020101020101" pitchFamily="18" charset="-127"/>
+                <a:cs typeface="Times New Roman" panose="02020603050405020304" pitchFamily="18" charset="0"/>
+              </a:rPr>
+              <a:t>아이템</a:t>
+            </a:r>
+            <a:endParaRPr lang="ko-KR" altLang="en-US" sz="4000" dirty="0">
+              <a:solidFill>
+                <a:schemeClr val="bg1"/>
+              </a:solidFill>
+              <a:latin typeface="경기천년바탕 Regular" panose="02020503020101020101" pitchFamily="18" charset="-127"/>
+              <a:ea typeface="경기천년바탕 Regular" panose="02020503020101020101" pitchFamily="18" charset="-127"/>
+            </a:endParaRPr>
+          </a:p>
+        </p:txBody>
+      </p:sp>
       <p:pic>
         <p:nvPicPr>
-          <p:cNvPr id="7" name="그림 6" descr="그리기, 옅은이(가) 표시된 사진&#10;&#10;자동 생성된 설명">
-            <a:extLst>
-              <a:ext uri="{FF2B5EF4-FFF2-40B4-BE49-F238E27FC236}">
-                <a16:creationId xmlns:a16="http://schemas.microsoft.com/office/drawing/2014/main" id="{1054F2A4-7C39-40FE-95DB-1F82ECB8F24B}"/>
+          <p:cNvPr id="27" name="그림 26">
+            <a:extLst>
+              <a:ext uri="{FF2B5EF4-FFF2-40B4-BE49-F238E27FC236}">
+                <a16:creationId xmlns:a16="http://schemas.microsoft.com/office/drawing/2014/main" id="{58B7C862-B621-4ACD-A02C-3707883190ED}"/>
               </a:ext>
             </a:extLst>
           </p:cNvPr>
@@ -6957,20 +7826,56 @@
         </p:blipFill>
         <p:spPr>
           <a:xfrm>
-            <a:off x="1737725" y="2599890"/>
-            <a:ext cx="787302" cy="1371429"/>
+            <a:off x="4506811" y="2336599"/>
+            <a:ext cx="1082204" cy="574283"/>
           </a:xfrm>
           <a:prstGeom prst="rect">
             <a:avLst/>
           </a:prstGeom>
         </p:spPr>
       </p:pic>
-      <p:sp>
-        <p:nvSpPr>
-          <p:cNvPr id="15" name="TextBox 14">
-            <a:extLst>
-              <a:ext uri="{FF2B5EF4-FFF2-40B4-BE49-F238E27FC236}">
-                <a16:creationId xmlns:a16="http://schemas.microsoft.com/office/drawing/2014/main" id="{70716103-A98A-4B2B-A5DF-965F601D51AB}"/>
+      <p:pic>
+        <p:nvPicPr>
+          <p:cNvPr id="29" name="그림 28">
+            <a:extLst>
+              <a:ext uri="{FF2B5EF4-FFF2-40B4-BE49-F238E27FC236}">
+                <a16:creationId xmlns:a16="http://schemas.microsoft.com/office/drawing/2014/main" id="{1DDC151A-2A28-4C5A-9048-9E566EA1A209}"/>
+              </a:ext>
+            </a:extLst>
+          </p:cNvPr>
+          <p:cNvPicPr>
+            <a:picLocks noChangeAspect="1"/>
+          </p:cNvPicPr>
+          <p:nvPr/>
+        </p:nvPicPr>
+        <p:blipFill>
+          <a:blip r:embed="rId3">
+            <a:extLst>
+              <a:ext uri="{28A0092B-C50C-407E-A947-70E740481C1C}">
+                <a14:useLocalDpi xmlns:a14="http://schemas.microsoft.com/office/drawing/2010/main" val="0"/>
+              </a:ext>
+            </a:extLst>
+          </a:blip>
+          <a:stretch>
+            <a:fillRect/>
+          </a:stretch>
+        </p:blipFill>
+        <p:spPr>
+          <a:xfrm>
+            <a:off x="4615739" y="3477716"/>
+            <a:ext cx="864348" cy="864348"/>
+          </a:xfrm>
+          <a:prstGeom prst="rect">
+            <a:avLst/>
+          </a:prstGeom>
+        </p:spPr>
+      </p:pic>
+      <p:sp>
+        <p:nvSpPr>
+          <p:cNvPr id="31" name="TextBox 30">
+            <a:extLst>
+              <a:ext uri="{FF2B5EF4-FFF2-40B4-BE49-F238E27FC236}">
+                <a16:creationId xmlns:a16="http://schemas.microsoft.com/office/drawing/2014/main" id="{042A34AB-FD27-45F9-9DB0-88BC948AC8C1}"/>
               </a:ext>
             </a:extLst>
           </p:cNvPr>
@@ -6979,8 +7884,8 @@
         </p:nvSpPr>
         <p:spPr>
           <a:xfrm>
-            <a:off x="1547132" y="4342064"/>
-            <a:ext cx="2153470" cy="1569660"/>
+            <a:off x="5771256" y="3511404"/>
+            <a:ext cx="2488182" cy="707886"/>
           </a:xfrm>
           <a:prstGeom prst="rect">
             <a:avLst/>
@@ -6988,69 +7893,6 @@
           <a:noFill/>
         </p:spPr>
         <p:txBody>
-          <a:bodyPr wrap="square" rtlCol="0">
-            <a:spAutoFit/>
-          </a:bodyPr>
-          <a:lstStyle/>
-          <a:p>
-            <a:pPr algn="ctr"/>
-            <a:r>
-              <a:rPr lang="en-US" altLang="ko-KR" sz="3200" dirty="0">
-                <a:latin typeface="경기천년바탕 Bold" panose="02020803020101020101" pitchFamily="18" charset="-127"/>
-                <a:ea typeface="경기천년바탕 Bold" panose="02020803020101020101" pitchFamily="18" charset="-127"/>
-              </a:rPr>
-              <a:t>Blue </a:t>
-            </a:r>
-          </a:p>
-          <a:p>
-            <a:pPr algn="ctr"/>
-            <a:r>
-              <a:rPr lang="en-US" altLang="ko-KR" sz="3200" dirty="0">
-                <a:latin typeface="경기천년바탕 Bold" panose="02020803020101020101" pitchFamily="18" charset="-127"/>
-                <a:ea typeface="경기천년바탕 Bold" panose="02020803020101020101" pitchFamily="18" charset="-127"/>
-              </a:rPr>
-              <a:t>vs </a:t>
-            </a:r>
-          </a:p>
-          <a:p>
-            <a:pPr algn="ctr"/>
-            <a:r>
-              <a:rPr lang="en-US" altLang="ko-KR" sz="3200" dirty="0">
-                <a:latin typeface="경기천년바탕 Bold" panose="02020803020101020101" pitchFamily="18" charset="-127"/>
-                <a:ea typeface="경기천년바탕 Bold" panose="02020803020101020101" pitchFamily="18" charset="-127"/>
-              </a:rPr>
-              <a:t>Red</a:t>
-            </a:r>
-            <a:endParaRPr lang="ko-KR" altLang="en-US" sz="3200" dirty="0">
-              <a:latin typeface="경기천년바탕 Bold" panose="02020803020101020101" pitchFamily="18" charset="-127"/>
-              <a:ea typeface="경기천년바탕 Bold" panose="02020803020101020101" pitchFamily="18" charset="-127"/>
-            </a:endParaRPr>
-          </a:p>
-        </p:txBody>
-      </p:sp>
-      <p:sp>
-        <p:nvSpPr>
-          <p:cNvPr id="25" name="TextBox 24">
-            <a:extLst>
-              <a:ext uri="{FF2B5EF4-FFF2-40B4-BE49-F238E27FC236}">
-                <a16:creationId xmlns:a16="http://schemas.microsoft.com/office/drawing/2014/main" id="{D89795FE-DBCF-476D-9181-40AA68BE846F}"/>
-              </a:ext>
-            </a:extLst>
-          </p:cNvPr>
-          <p:cNvSpPr txBox="1"/>
-          <p:nvPr/>
-        </p:nvSpPr>
-        <p:spPr>
-          <a:xfrm>
-            <a:off x="5771256" y="2245947"/>
-            <a:ext cx="5958682" cy="707886"/>
-          </a:xfrm>
-          <a:prstGeom prst="rect">
-            <a:avLst/>
-          </a:prstGeom>
-          <a:noFill/>
-        </p:spPr>
-        <p:txBody>
           <a:bodyPr wrap="none" rtlCol="0">
             <a:spAutoFit/>
           </a:bodyPr>
@@ -7067,23 +7909,21 @@
               <a:t>: </a:t>
             </a:r>
             <a:r>
-              <a:rPr lang="ko-KR" altLang="ko-KR" sz="2400" dirty="0">
+              <a:rPr lang="ko-KR" altLang="en-US" sz="2400" dirty="0">
                 <a:solidFill>
                   <a:schemeClr val="bg1"/>
                 </a:solidFill>
-                <a:effectLst/>
                 <a:latin typeface="경기천년바탕 Regular" panose="02020503020101020101" pitchFamily="18" charset="-127"/>
                 <a:ea typeface="경기천년바탕 Regular" panose="02020503020101020101" pitchFamily="18" charset="-127"/>
                 <a:cs typeface="Times New Roman" panose="02020603050405020304" pitchFamily="18" charset="0"/>
               </a:rPr>
-              <a:t>안전지대 범위</a:t>
-            </a:r>
-            <a:r>
-              <a:rPr lang="en-GB" altLang="ko-KR" sz="2400" dirty="0">
+              <a:t>체력</a:t>
+            </a:r>
+            <a:r>
+              <a:rPr lang="en-US" altLang="ko-KR" sz="2400" dirty="0">
                 <a:solidFill>
                   <a:schemeClr val="bg1"/>
                 </a:solidFill>
-                <a:effectLst/>
                 <a:latin typeface="경기천년바탕 Regular" panose="02020503020101020101" pitchFamily="18" charset="-127"/>
                 <a:ea typeface="경기천년바탕 Regular" panose="02020503020101020101" pitchFamily="18" charset="-127"/>
                 <a:cs typeface="Times New Roman" panose="02020603050405020304" pitchFamily="18" charset="0"/>
@@ -7091,23 +7931,21 @@
               <a:t>, </a:t>
             </a:r>
             <a:r>
-              <a:rPr lang="ko-KR" altLang="ko-KR" sz="2400" dirty="0">
+              <a:rPr lang="ko-KR" altLang="en-US" sz="2400" dirty="0">
                 <a:solidFill>
                   <a:schemeClr val="bg1"/>
                 </a:solidFill>
-                <a:effectLst/>
                 <a:latin typeface="경기천년바탕 Regular" panose="02020503020101020101" pitchFamily="18" charset="-127"/>
                 <a:ea typeface="경기천년바탕 Regular" panose="02020503020101020101" pitchFamily="18" charset="-127"/>
                 <a:cs typeface="Times New Roman" panose="02020603050405020304" pitchFamily="18" charset="0"/>
               </a:rPr>
-              <a:t>보이는 적</a:t>
-            </a:r>
-            <a:r>
-              <a:rPr lang="en-GB" altLang="ko-KR" sz="2400" dirty="0">
+              <a:t>위치</a:t>
+            </a:r>
+            <a:r>
+              <a:rPr lang="en-US" altLang="ko-KR" sz="2400" dirty="0">
                 <a:solidFill>
                   <a:schemeClr val="bg1"/>
                 </a:solidFill>
-                <a:effectLst/>
                 <a:latin typeface="경기천년바탕 Regular" panose="02020503020101020101" pitchFamily="18" charset="-127"/>
                 <a:ea typeface="경기천년바탕 Regular" panose="02020503020101020101" pitchFamily="18" charset="-127"/>
                 <a:cs typeface="Times New Roman" panose="02020603050405020304" pitchFamily="18" charset="0"/>
@@ -7115,40 +7953,15 @@
               <a:t>, </a:t>
             </a:r>
             <a:r>
-              <a:rPr lang="ko-KR" altLang="ko-KR" sz="2400" dirty="0">
+              <a:rPr lang="ko-KR" altLang="en-US" sz="2400" dirty="0">
                 <a:solidFill>
                   <a:schemeClr val="bg1"/>
                 </a:solidFill>
-                <a:effectLst/>
                 <a:latin typeface="경기천년바탕 Regular" panose="02020503020101020101" pitchFamily="18" charset="-127"/>
                 <a:ea typeface="경기천년바탕 Regular" panose="02020503020101020101" pitchFamily="18" charset="-127"/>
                 <a:cs typeface="Times New Roman" panose="02020603050405020304" pitchFamily="18" charset="0"/>
               </a:rPr>
-              <a:t>전체 아군</a:t>
-            </a:r>
-            <a:r>
-              <a:rPr lang="en-GB" altLang="ko-KR" sz="2400" dirty="0">
-                <a:solidFill>
-                  <a:schemeClr val="bg1"/>
-                </a:solidFill>
-                <a:effectLst/>
-                <a:latin typeface="경기천년바탕 Regular" panose="02020503020101020101" pitchFamily="18" charset="-127"/>
-                <a:ea typeface="경기천년바탕 Regular" panose="02020503020101020101" pitchFamily="18" charset="-127"/>
-                <a:cs typeface="Times New Roman" panose="02020603050405020304" pitchFamily="18" charset="0"/>
-              </a:rPr>
-              <a:t>, </a:t>
-            </a:r>
-            <a:r>
-              <a:rPr lang="ko-KR" altLang="ko-KR" sz="2400" dirty="0">
-                <a:solidFill>
-                  <a:schemeClr val="bg1"/>
-                </a:solidFill>
-                <a:effectLst/>
-                <a:latin typeface="경기천년바탕 Regular" panose="02020503020101020101" pitchFamily="18" charset="-127"/>
-                <a:ea typeface="경기천년바탕 Regular" panose="02020503020101020101" pitchFamily="18" charset="-127"/>
-                <a:cs typeface="Times New Roman" panose="02020603050405020304" pitchFamily="18" charset="0"/>
-              </a:rPr>
-              <a:t>아이템</a:t>
+              <a:t>방향</a:t>
             </a:r>
             <a:endParaRPr lang="ko-KR" altLang="en-US" sz="4000" dirty="0">
               <a:solidFill>
@@ -7162,46 +7975,10 @@
       </p:sp>
       <p:pic>
         <p:nvPicPr>
-          <p:cNvPr id="27" name="그림 26">
-            <a:extLst>
-              <a:ext uri="{FF2B5EF4-FFF2-40B4-BE49-F238E27FC236}">
-                <a16:creationId xmlns:a16="http://schemas.microsoft.com/office/drawing/2014/main" id="{58B7C862-B621-4ACD-A02C-3707883190ED}"/>
-              </a:ext>
-            </a:extLst>
-          </p:cNvPr>
-          <p:cNvPicPr>
-            <a:picLocks noChangeAspect="1"/>
-          </p:cNvPicPr>
-          <p:nvPr/>
-        </p:nvPicPr>
-        <p:blipFill>
-          <a:blip r:embed="rId3">
-            <a:extLst>
-              <a:ext uri="{28A0092B-C50C-407E-A947-70E740481C1C}">
-                <a14:useLocalDpi xmlns:a14="http://schemas.microsoft.com/office/drawing/2010/main" val="0"/>
-              </a:ext>
-            </a:extLst>
-          </a:blip>
-          <a:stretch>
-            <a:fillRect/>
-          </a:stretch>
-        </p:blipFill>
-        <p:spPr>
-          <a:xfrm>
-            <a:off x="4506811" y="2336599"/>
-            <a:ext cx="1082204" cy="574283"/>
-          </a:xfrm>
-          <a:prstGeom prst="rect">
-            <a:avLst/>
-          </a:prstGeom>
-        </p:spPr>
-      </p:pic>
-      <p:pic>
-        <p:nvPicPr>
-          <p:cNvPr id="29" name="그림 28">
-            <a:extLst>
-              <a:ext uri="{FF2B5EF4-FFF2-40B4-BE49-F238E27FC236}">
-                <a16:creationId xmlns:a16="http://schemas.microsoft.com/office/drawing/2014/main" id="{1DDC151A-2A28-4C5A-9048-9E566EA1A209}"/>
+          <p:cNvPr id="33" name="그림 32">
+            <a:extLst>
+              <a:ext uri="{FF2B5EF4-FFF2-40B4-BE49-F238E27FC236}">
+                <a16:creationId xmlns:a16="http://schemas.microsoft.com/office/drawing/2014/main" id="{1B667C1B-0604-4B34-8B86-BE352DA57FA3}"/>
               </a:ext>
             </a:extLst>
           </p:cNvPr>
@@ -7224,8 +8001,8 @@
         </p:blipFill>
         <p:spPr>
           <a:xfrm>
-            <a:off x="4615739" y="3477716"/>
-            <a:ext cx="864348" cy="864348"/>
+            <a:off x="4602157" y="4627576"/>
+            <a:ext cx="986858" cy="998635"/>
           </a:xfrm>
           <a:prstGeom prst="rect">
             <a:avLst/>
@@ -7234,10 +8011,10 @@
       </p:pic>
       <p:sp>
         <p:nvSpPr>
-          <p:cNvPr id="31" name="TextBox 30">
-            <a:extLst>
-              <a:ext uri="{FF2B5EF4-FFF2-40B4-BE49-F238E27FC236}">
-                <a16:creationId xmlns:a16="http://schemas.microsoft.com/office/drawing/2014/main" id="{042A34AB-FD27-45F9-9DB0-88BC948AC8C1}"/>
+          <p:cNvPr id="35" name="TextBox 34">
+            <a:extLst>
+              <a:ext uri="{FF2B5EF4-FFF2-40B4-BE49-F238E27FC236}">
+                <a16:creationId xmlns:a16="http://schemas.microsoft.com/office/drawing/2014/main" id="{8300528D-C158-43F6-8466-A9367A287C9F}"/>
               </a:ext>
             </a:extLst>
           </p:cNvPr>
@@ -7246,8 +8023,8 @@
         </p:nvSpPr>
         <p:spPr>
           <a:xfrm>
-            <a:off x="5771256" y="3511404"/>
-            <a:ext cx="2488182" cy="707886"/>
+            <a:off x="5771256" y="4913020"/>
+            <a:ext cx="3409908" cy="707886"/>
           </a:xfrm>
           <a:prstGeom prst="rect">
             <a:avLst/>
@@ -7279,7 +8056,7 @@
                 <a:ea typeface="경기천년바탕 Regular" panose="02020503020101020101" pitchFamily="18" charset="-127"/>
                 <a:cs typeface="Times New Roman" panose="02020603050405020304" pitchFamily="18" charset="0"/>
               </a:rPr>
-              <a:t>체력</a:t>
+              <a:t>이동</a:t>
             </a:r>
             <a:r>
               <a:rPr lang="en-US" altLang="ko-KR" sz="2400" dirty="0">
@@ -7301,7 +8078,7 @@
                 <a:ea typeface="경기천년바탕 Regular" panose="02020503020101020101" pitchFamily="18" charset="-127"/>
                 <a:cs typeface="Times New Roman" panose="02020603050405020304" pitchFamily="18" charset="0"/>
               </a:rPr>
-              <a:t>위치</a:t>
+              <a:t>회전</a:t>
             </a:r>
             <a:r>
               <a:rPr lang="en-US" altLang="ko-KR" sz="2400" dirty="0">
@@ -7323,7 +8100,7 @@
                 <a:ea typeface="경기천년바탕 Regular" panose="02020503020101020101" pitchFamily="18" charset="-127"/>
                 <a:cs typeface="Times New Roman" panose="02020603050405020304" pitchFamily="18" charset="0"/>
               </a:rPr>
-              <a:t>방향</a:t>
+              <a:t>아이템 사용</a:t>
             </a:r>
             <a:endParaRPr lang="ko-KR" altLang="en-US" sz="4000" dirty="0">
               <a:solidFill>
@@ -7337,10 +8114,10 @@
       </p:sp>
       <p:pic>
         <p:nvPicPr>
-          <p:cNvPr id="33" name="그림 32">
-            <a:extLst>
-              <a:ext uri="{FF2B5EF4-FFF2-40B4-BE49-F238E27FC236}">
-                <a16:creationId xmlns:a16="http://schemas.microsoft.com/office/drawing/2014/main" id="{1B667C1B-0604-4B34-8B86-BE352DA57FA3}"/>
+          <p:cNvPr id="41" name="그림 40">
+            <a:extLst>
+              <a:ext uri="{FF2B5EF4-FFF2-40B4-BE49-F238E27FC236}">
+                <a16:creationId xmlns:a16="http://schemas.microsoft.com/office/drawing/2014/main" id="{B9FA92A1-2362-4B64-8BDE-7D522BBC4E55}"/>
               </a:ext>
             </a:extLst>
           </p:cNvPr>
@@ -7362,124 +8139,21 @@
           </a:stretch>
         </p:blipFill>
         <p:spPr>
-          <a:xfrm>
-            <a:off x="4602157" y="4627576"/>
-            <a:ext cx="986858" cy="998635"/>
+          <a:xfrm rot="5400000">
+            <a:off x="2862589" y="3287785"/>
+            <a:ext cx="150167" cy="600666"/>
           </a:xfrm>
           <a:prstGeom prst="rect">
             <a:avLst/>
           </a:prstGeom>
         </p:spPr>
       </p:pic>
-      <p:sp>
-        <p:nvSpPr>
-          <p:cNvPr id="35" name="TextBox 34">
-            <a:extLst>
-              <a:ext uri="{FF2B5EF4-FFF2-40B4-BE49-F238E27FC236}">
-                <a16:creationId xmlns:a16="http://schemas.microsoft.com/office/drawing/2014/main" id="{8300528D-C158-43F6-8466-A9367A287C9F}"/>
-              </a:ext>
-            </a:extLst>
-          </p:cNvPr>
-          <p:cNvSpPr txBox="1"/>
-          <p:nvPr/>
-        </p:nvSpPr>
-        <p:spPr>
-          <a:xfrm>
-            <a:off x="5771256" y="4913020"/>
-            <a:ext cx="3409908" cy="707886"/>
-          </a:xfrm>
-          <a:prstGeom prst="rect">
-            <a:avLst/>
-          </a:prstGeom>
-          <a:noFill/>
-        </p:spPr>
-        <p:txBody>
-          <a:bodyPr wrap="none" rtlCol="0">
-            <a:spAutoFit/>
-          </a:bodyPr>
-          <a:lstStyle/>
-          <a:p>
-            <a:r>
-              <a:rPr lang="en-US" altLang="ko-KR" sz="4000" dirty="0">
-                <a:solidFill>
-                  <a:schemeClr val="bg1"/>
-                </a:solidFill>
-                <a:latin typeface="경기천년바탕 Regular" panose="02020503020101020101" pitchFamily="18" charset="-127"/>
-                <a:ea typeface="경기천년바탕 Regular" panose="02020503020101020101" pitchFamily="18" charset="-127"/>
-              </a:rPr>
-              <a:t>: </a:t>
-            </a:r>
-            <a:r>
-              <a:rPr lang="ko-KR" altLang="en-US" sz="2400" dirty="0">
-                <a:solidFill>
-                  <a:schemeClr val="bg1"/>
-                </a:solidFill>
-                <a:latin typeface="경기천년바탕 Regular" panose="02020503020101020101" pitchFamily="18" charset="-127"/>
-                <a:ea typeface="경기천년바탕 Regular" panose="02020503020101020101" pitchFamily="18" charset="-127"/>
-                <a:cs typeface="Times New Roman" panose="02020603050405020304" pitchFamily="18" charset="0"/>
-              </a:rPr>
-              <a:t>이동</a:t>
-            </a:r>
-            <a:r>
-              <a:rPr lang="en-US" altLang="ko-KR" sz="2400" dirty="0">
-                <a:solidFill>
-                  <a:schemeClr val="bg1"/>
-                </a:solidFill>
-                <a:latin typeface="경기천년바탕 Regular" panose="02020503020101020101" pitchFamily="18" charset="-127"/>
-                <a:ea typeface="경기천년바탕 Regular" panose="02020503020101020101" pitchFamily="18" charset="-127"/>
-                <a:cs typeface="Times New Roman" panose="02020603050405020304" pitchFamily="18" charset="0"/>
-              </a:rPr>
-              <a:t>, </a:t>
-            </a:r>
-            <a:r>
-              <a:rPr lang="ko-KR" altLang="en-US" sz="2400" dirty="0">
-                <a:solidFill>
-                  <a:schemeClr val="bg1"/>
-                </a:solidFill>
-                <a:latin typeface="경기천년바탕 Regular" panose="02020503020101020101" pitchFamily="18" charset="-127"/>
-                <a:ea typeface="경기천년바탕 Regular" panose="02020503020101020101" pitchFamily="18" charset="-127"/>
-                <a:cs typeface="Times New Roman" panose="02020603050405020304" pitchFamily="18" charset="0"/>
-              </a:rPr>
-              <a:t>회전</a:t>
-            </a:r>
-            <a:r>
-              <a:rPr lang="en-US" altLang="ko-KR" sz="2400" dirty="0">
-                <a:solidFill>
-                  <a:schemeClr val="bg1"/>
-                </a:solidFill>
-                <a:latin typeface="경기천년바탕 Regular" panose="02020503020101020101" pitchFamily="18" charset="-127"/>
-                <a:ea typeface="경기천년바탕 Regular" panose="02020503020101020101" pitchFamily="18" charset="-127"/>
-                <a:cs typeface="Times New Roman" panose="02020603050405020304" pitchFamily="18" charset="0"/>
-              </a:rPr>
-              <a:t>, </a:t>
-            </a:r>
-            <a:r>
-              <a:rPr lang="ko-KR" altLang="en-US" sz="2400" dirty="0">
-                <a:solidFill>
-                  <a:schemeClr val="bg1"/>
-                </a:solidFill>
-                <a:latin typeface="경기천년바탕 Regular" panose="02020503020101020101" pitchFamily="18" charset="-127"/>
-                <a:ea typeface="경기천년바탕 Regular" panose="02020503020101020101" pitchFamily="18" charset="-127"/>
-                <a:cs typeface="Times New Roman" panose="02020603050405020304" pitchFamily="18" charset="0"/>
-              </a:rPr>
-              <a:t>아이템 사용</a:t>
-            </a:r>
-            <a:endParaRPr lang="ko-KR" altLang="en-US" sz="4000" dirty="0">
-              <a:solidFill>
-                <a:schemeClr val="bg1"/>
-              </a:solidFill>
-              <a:latin typeface="경기천년바탕 Regular" panose="02020503020101020101" pitchFamily="18" charset="-127"/>
-              <a:ea typeface="경기천년바탕 Regular" panose="02020503020101020101" pitchFamily="18" charset="-127"/>
-            </a:endParaRPr>
-          </a:p>
-        </p:txBody>
-      </p:sp>
       <p:pic>
         <p:nvPicPr>
-          <p:cNvPr id="41" name="그림 40">
-            <a:extLst>
-              <a:ext uri="{FF2B5EF4-FFF2-40B4-BE49-F238E27FC236}">
-                <a16:creationId xmlns:a16="http://schemas.microsoft.com/office/drawing/2014/main" id="{B9FA92A1-2362-4B64-8BDE-7D522BBC4E55}"/>
+          <p:cNvPr id="11" name="그림 10" descr="옅은, 그리기이(가) 표시된 사진&#10;&#10;자동 생성된 설명">
+            <a:extLst>
+              <a:ext uri="{FF2B5EF4-FFF2-40B4-BE49-F238E27FC236}">
+                <a16:creationId xmlns:a16="http://schemas.microsoft.com/office/drawing/2014/main" id="{7ADEA54B-5422-4AC7-A1B1-953CEB90BDC6}"/>
               </a:ext>
             </a:extLst>
           </p:cNvPr>
@@ -7501,44 +8175,8 @@
           </a:stretch>
         </p:blipFill>
         <p:spPr>
-          <a:xfrm rot="5400000">
-            <a:off x="2862589" y="3287785"/>
-            <a:ext cx="150167" cy="600666"/>
-          </a:xfrm>
-          <a:prstGeom prst="rect">
-            <a:avLst/>
-          </a:prstGeom>
-        </p:spPr>
-      </p:pic>
-      <p:pic>
-        <p:nvPicPr>
-          <p:cNvPr id="11" name="그림 10" descr="옅은, 그리기이(가) 표시된 사진&#10;&#10;자동 생성된 설명">
-            <a:extLst>
-              <a:ext uri="{FF2B5EF4-FFF2-40B4-BE49-F238E27FC236}">
-                <a16:creationId xmlns:a16="http://schemas.microsoft.com/office/drawing/2014/main" id="{7ADEA54B-5422-4AC7-A1B1-953CEB90BDC6}"/>
-              </a:ext>
-            </a:extLst>
-          </p:cNvPr>
-          <p:cNvPicPr>
-            <a:picLocks noChangeAspect="1"/>
-          </p:cNvPicPr>
-          <p:nvPr/>
-        </p:nvPicPr>
-        <p:blipFill>
-          <a:blip r:embed="rId7">
-            <a:extLst>
-              <a:ext uri="{28A0092B-C50C-407E-A947-70E740481C1C}">
-                <a14:useLocalDpi xmlns:a14="http://schemas.microsoft.com/office/drawing/2010/main" val="0"/>
-              </a:ext>
-            </a:extLst>
-          </a:blip>
-          <a:stretch>
-            <a:fillRect/>
-          </a:stretch>
-        </p:blipFill>
-        <p:spPr>
           <a:xfrm rot="10800000">
-            <a:off x="2819582" y="2621986"/>
+            <a:off x="2031853" y="2621986"/>
             <a:ext cx="787302" cy="1371429"/>
           </a:xfrm>
           <a:prstGeom prst="rect">
@@ -7602,245 +8240,13 @@
     </p:spTree>
     <p:extLst>
       <p:ext uri="{BB962C8B-B14F-4D97-AF65-F5344CB8AC3E}">
-        <p14:creationId xmlns:p14="http://schemas.microsoft.com/office/powerpoint/2010/main" val="3388670824"/>
+        <p14:creationId xmlns:p14="http://schemas.microsoft.com/office/powerpoint/2010/main" val="774141447"/>
       </p:ext>
     </p:extLst>
   </p:cSld>
   <p:clrMapOvr>
     <a:masterClrMapping/>
   </p:clrMapOvr>
-  <p:timing>
-    <p:tnLst>
-      <p:par>
-        <p:cTn id="1" dur="indefinite" restart="never" nodeType="tmRoot">
-          <p:childTnLst>
-            <p:seq concurrent="1" nextAc="seek">
-              <p:cTn id="2" dur="indefinite" nodeType="mainSeq">
-                <p:childTnLst>
-                  <p:par>
-                    <p:cTn id="3" fill="hold">
-                      <p:stCondLst>
-                        <p:cond delay="indefinite"/>
-                      </p:stCondLst>
-                      <p:childTnLst>
-                        <p:par>
-                          <p:cTn id="4" fill="hold">
-                            <p:stCondLst>
-                              <p:cond delay="0"/>
-                            </p:stCondLst>
-                            <p:childTnLst>
-                              <p:par>
-                                <p:cTn id="5" presetID="10" presetClass="exit" presetSubtype="0" fill="hold" nodeType="clickEffect">
-                                  <p:stCondLst>
-                                    <p:cond delay="0"/>
-                                  </p:stCondLst>
-                                  <p:childTnLst>
-                                    <p:animEffect transition="out" filter="fade">
-                                      <p:cBhvr>
-                                        <p:cTn id="6" dur="500"/>
-                                        <p:tgtEl>
-                                          <p:spTgt spid="7"/>
-                                        </p:tgtEl>
-                                      </p:cBhvr>
-                                    </p:animEffect>
-                                    <p:set>
-                                      <p:cBhvr>
-                                        <p:cTn id="7" dur="1" fill="hold">
-                                          <p:stCondLst>
-                                            <p:cond delay="499"/>
-                                          </p:stCondLst>
-                                        </p:cTn>
-                                        <p:tgtEl>
-                                          <p:spTgt spid="7"/>
-                                        </p:tgtEl>
-                                        <p:attrNameLst>
-                                          <p:attrName>style.visibility</p:attrName>
-                                        </p:attrNameLst>
-                                      </p:cBhvr>
-                                      <p:to>
-                                        <p:strVal val="hidden"/>
-                                      </p:to>
-                                    </p:set>
-                                  </p:childTnLst>
-                                </p:cTn>
-                              </p:par>
-                            </p:childTnLst>
-                          </p:cTn>
-                        </p:par>
-                        <p:par>
-                          <p:cTn id="8" fill="hold">
-                            <p:stCondLst>
-                              <p:cond delay="500"/>
-                            </p:stCondLst>
-                            <p:childTnLst>
-                              <p:par>
-                                <p:cTn id="9" presetID="42" presetClass="path" presetSubtype="0" accel="50000" decel="50000" fill="hold" nodeType="afterEffect">
-                                  <p:stCondLst>
-                                    <p:cond delay="0"/>
-                                  </p:stCondLst>
-                                  <p:childTnLst>
-                                    <p:animMotion origin="layout" path="M -1.66667E-6 2.59259E-6 L -0.06015 -0.00093 " pathEditMode="relative" rAng="0" ptsTypes="AA">
-                                      <p:cBhvr>
-                                        <p:cTn id="10" dur="2000" fill="hold"/>
-                                        <p:tgtEl>
-                                          <p:spTgt spid="11"/>
-                                        </p:tgtEl>
-                                        <p:attrNameLst>
-                                          <p:attrName>ppt_x</p:attrName>
-                                          <p:attrName>ppt_y</p:attrName>
-                                        </p:attrNameLst>
-                                      </p:cBhvr>
-                                      <p:rCtr x="-3008" y="-46"/>
-                                    </p:animMotion>
-                                  </p:childTnLst>
-                                </p:cTn>
-                              </p:par>
-                            </p:childTnLst>
-                          </p:cTn>
-                        </p:par>
-                        <p:par>
-                          <p:cTn id="11" fill="hold">
-                            <p:stCondLst>
-                              <p:cond delay="2500"/>
-                            </p:stCondLst>
-                            <p:childTnLst>
-                              <p:par>
-                                <p:cTn id="12" presetID="10" presetClass="entr" presetSubtype="0" fill="hold" nodeType="afterEffect">
-                                  <p:stCondLst>
-                                    <p:cond delay="0"/>
-                                  </p:stCondLst>
-                                  <p:childTnLst>
-                                    <p:set>
-                                      <p:cBhvr>
-                                        <p:cTn id="13" dur="1" fill="hold">
-                                          <p:stCondLst>
-                                            <p:cond delay="0"/>
-                                          </p:stCondLst>
-                                        </p:cTn>
-                                        <p:tgtEl>
-                                          <p:spTgt spid="41"/>
-                                        </p:tgtEl>
-                                        <p:attrNameLst>
-                                          <p:attrName>style.visibility</p:attrName>
-                                        </p:attrNameLst>
-                                      </p:cBhvr>
-                                      <p:to>
-                                        <p:strVal val="visible"/>
-                                      </p:to>
-                                    </p:set>
-                                    <p:animEffect transition="in" filter="fade">
-                                      <p:cBhvr>
-                                        <p:cTn id="14" dur="500"/>
-                                        <p:tgtEl>
-                                          <p:spTgt spid="41"/>
-                                        </p:tgtEl>
-                                      </p:cBhvr>
-                                    </p:animEffect>
-                                  </p:childTnLst>
-                                </p:cTn>
-                              </p:par>
-                              <p:par>
-                                <p:cTn id="15" presetID="10" presetClass="exit" presetSubtype="0" fill="hold" grpId="0" nodeType="withEffect">
-                                  <p:stCondLst>
-                                    <p:cond delay="0"/>
-                                  </p:stCondLst>
-                                  <p:childTnLst>
-                                    <p:animEffect transition="out" filter="fade">
-                                      <p:cBhvr>
-                                        <p:cTn id="16" dur="500"/>
-                                        <p:tgtEl>
-                                          <p:spTgt spid="15"/>
-                                        </p:tgtEl>
-                                      </p:cBhvr>
-                                    </p:animEffect>
-                                    <p:set>
-                                      <p:cBhvr>
-                                        <p:cTn id="17" dur="1" fill="hold">
-                                          <p:stCondLst>
-                                            <p:cond delay="499"/>
-                                          </p:stCondLst>
-                                        </p:cTn>
-                                        <p:tgtEl>
-                                          <p:spTgt spid="15"/>
-                                        </p:tgtEl>
-                                        <p:attrNameLst>
-                                          <p:attrName>style.visibility</p:attrName>
-                                        </p:attrNameLst>
-                                      </p:cBhvr>
-                                      <p:to>
-                                        <p:strVal val="hidden"/>
-                                      </p:to>
-                                    </p:set>
-                                  </p:childTnLst>
-                                </p:cTn>
-                              </p:par>
-                              <p:par>
-                                <p:cTn id="18" presetID="10" presetClass="entr" presetSubtype="0" fill="hold" grpId="0" nodeType="withEffect">
-                                  <p:stCondLst>
-                                    <p:cond delay="0"/>
-                                  </p:stCondLst>
-                                  <p:childTnLst>
-                                    <p:set>
-                                      <p:cBhvr>
-                                        <p:cTn id="19" dur="1" fill="hold">
-                                          <p:stCondLst>
-                                            <p:cond delay="0"/>
-                                          </p:stCondLst>
-                                        </p:cTn>
-                                        <p:tgtEl>
-                                          <p:spTgt spid="43"/>
-                                        </p:tgtEl>
-                                        <p:attrNameLst>
-                                          <p:attrName>style.visibility</p:attrName>
-                                        </p:attrNameLst>
-                                      </p:cBhvr>
-                                      <p:to>
-                                        <p:strVal val="visible"/>
-                                      </p:to>
-                                    </p:set>
-                                    <p:animEffect transition="in" filter="fade">
-                                      <p:cBhvr>
-                                        <p:cTn id="20" dur="500"/>
-                                        <p:tgtEl>
-                                          <p:spTgt spid="43"/>
-                                        </p:tgtEl>
-                                      </p:cBhvr>
-                                    </p:animEffect>
-                                  </p:childTnLst>
-                                </p:cTn>
-                              </p:par>
-                            </p:childTnLst>
-                          </p:cTn>
-                        </p:par>
-                      </p:childTnLst>
-                    </p:cTn>
-                  </p:par>
-                </p:childTnLst>
-              </p:cTn>
-              <p:prevCondLst>
-                <p:cond evt="onPrev" delay="0">
-                  <p:tgtEl>
-                    <p:sldTgt/>
-                  </p:tgtEl>
-                </p:cond>
-              </p:prevCondLst>
-              <p:nextCondLst>
-                <p:cond evt="onNext" delay="0">
-                  <p:tgtEl>
-                    <p:sldTgt/>
-                  </p:tgtEl>
-                </p:cond>
-              </p:nextCondLst>
-            </p:seq>
-          </p:childTnLst>
-        </p:cTn>
-      </p:par>
-    </p:tnLst>
-    <p:bldLst>
-      <p:bldP spid="15" grpId="0"/>
-      <p:bldP spid="43" grpId="0"/>
-    </p:bldLst>
-  </p:timing>
 </p:sld>
 </file>
 

--- a/ABneBA_Presentation.pptx
+++ b/ABneBA_Presentation.pptx
@@ -4482,8 +4482,8 @@
         </p:nvSpPr>
         <p:spPr>
           <a:xfrm>
-            <a:off x="0" y="0"/>
-            <a:ext cx="4307836" cy="6858000"/>
+            <a:off x="529389" y="-154003"/>
+            <a:ext cx="7093809" cy="6858000"/>
           </a:xfrm>
           <a:prstGeom prst="rect">
             <a:avLst/>
@@ -4496,6 +4496,13 @@
               <a:schemeClr val="tx1"/>
             </a:solidFill>
           </a:ln>
+          <a:effectLst>
+            <a:outerShdw blurRad="50800" dist="38100" dir="5400000" algn="t" rotWithShape="0">
+              <a:prstClr val="black">
+                <a:alpha val="40000"/>
+              </a:prstClr>
+            </a:outerShdw>
+          </a:effectLst>
         </p:spPr>
         <p:style>
           <a:lnRef idx="2">
@@ -4519,6 +4526,130 @@
           <a:p>
             <a:pPr algn="ctr"/>
             <a:endParaRPr lang="ko-KR" altLang="en-US"/>
+          </a:p>
+        </p:txBody>
+      </p:sp>
+      <p:pic>
+        <p:nvPicPr>
+          <p:cNvPr id="1026" name="Picture 2" descr="노비TV] 😎대회에서 핵을 사용한 '미친 레전드 핵쟁이 👍BEST 5' - YouTube">
+            <a:extLst>
+              <a:ext uri="{FF2B5EF4-FFF2-40B4-BE49-F238E27FC236}">
+                <a16:creationId xmlns:a16="http://schemas.microsoft.com/office/drawing/2014/main" id="{3E57BDBD-3E0C-4603-B82A-9CD94281B5CF}"/>
+              </a:ext>
+            </a:extLst>
+          </p:cNvPr>
+          <p:cNvPicPr>
+            <a:picLocks noChangeAspect="1" noChangeArrowheads="1"/>
+          </p:cNvPicPr>
+          <p:nvPr/>
+        </p:nvPicPr>
+        <p:blipFill>
+          <a:blip r:embed="rId2">
+            <a:extLst>
+              <a:ext uri="{28A0092B-C50C-407E-A947-70E740481C1C}">
+                <a14:useLocalDpi xmlns:a14="http://schemas.microsoft.com/office/drawing/2010/main" val="0"/>
+              </a:ext>
+            </a:extLst>
+          </a:blip>
+          <a:srcRect/>
+          <a:stretch>
+            <a:fillRect/>
+          </a:stretch>
+        </p:blipFill>
+        <p:spPr bwMode="auto">
+          <a:xfrm>
+            <a:off x="1021360" y="1797216"/>
+            <a:ext cx="6212574" cy="3494573"/>
+          </a:xfrm>
+          <a:prstGeom prst="rect">
+            <a:avLst/>
+          </a:prstGeom>
+          <a:noFill/>
+          <a:extLst>
+            <a:ext uri="{909E8E84-426E-40DD-AFC4-6F175D3DCCD1}">
+              <a14:hiddenFill xmlns:a14="http://schemas.microsoft.com/office/drawing/2010/main">
+                <a:solidFill>
+                  <a:srgbClr val="FFFFFF"/>
+                </a:solidFill>
+              </a14:hiddenFill>
+            </a:ext>
+          </a:extLst>
+        </p:spPr>
+      </p:pic>
+      <p:sp>
+        <p:nvSpPr>
+          <p:cNvPr id="2" name="TextBox 1">
+            <a:extLst>
+              <a:ext uri="{FF2B5EF4-FFF2-40B4-BE49-F238E27FC236}">
+                <a16:creationId xmlns:a16="http://schemas.microsoft.com/office/drawing/2014/main" id="{CF94B898-B0CD-49BA-87E6-06AD866D4940}"/>
+              </a:ext>
+            </a:extLst>
+          </p:cNvPr>
+          <p:cNvSpPr txBox="1"/>
+          <p:nvPr/>
+        </p:nvSpPr>
+        <p:spPr>
+          <a:xfrm>
+            <a:off x="7895105" y="4093142"/>
+            <a:ext cx="3626314" cy="954107"/>
+          </a:xfrm>
+          <a:prstGeom prst="rect">
+            <a:avLst/>
+          </a:prstGeom>
+          <a:noFill/>
+        </p:spPr>
+        <p:txBody>
+          <a:bodyPr wrap="none" rtlCol="0">
+            <a:spAutoFit/>
+          </a:bodyPr>
+          <a:lstStyle/>
+          <a:p>
+            <a:r>
+              <a:rPr lang="ko-KR" altLang="en-US" sz="2800" dirty="0">
+                <a:solidFill>
+                  <a:schemeClr val="bg1"/>
+                </a:solidFill>
+                <a:latin typeface="경기천년바탕 Regular" panose="02020503020101020101" pitchFamily="18" charset="-127"/>
+                <a:ea typeface="경기천년바탕 Regular" panose="02020503020101020101" pitchFamily="18" charset="-127"/>
+              </a:rPr>
+              <a:t>핵쟁이가 판치는 게임판</a:t>
+            </a:r>
+            <a:endParaRPr lang="en-US" altLang="ko-KR" sz="2800" dirty="0">
+              <a:solidFill>
+                <a:schemeClr val="bg1"/>
+              </a:solidFill>
+              <a:latin typeface="경기천년바탕 Regular" panose="02020503020101020101" pitchFamily="18" charset="-127"/>
+              <a:ea typeface="경기천년바탕 Regular" panose="02020503020101020101" pitchFamily="18" charset="-127"/>
+            </a:endParaRPr>
+          </a:p>
+          <a:p>
+            <a:r>
+              <a:rPr lang="ko-KR" altLang="en-US" sz="2800" dirty="0">
+                <a:solidFill>
+                  <a:schemeClr val="bg1"/>
+                </a:solidFill>
+                <a:latin typeface="경기천년바탕 Regular" panose="02020503020101020101" pitchFamily="18" charset="-127"/>
+                <a:ea typeface="경기천년바탕 Regular" panose="02020503020101020101" pitchFamily="18" charset="-127"/>
+              </a:rPr>
+              <a:t>최고의 핵을 가려 보자</a:t>
+            </a:r>
+            <a:r>
+              <a:rPr lang="en-US" altLang="ko-KR" sz="2800" dirty="0">
+                <a:solidFill>
+                  <a:schemeClr val="bg1"/>
+                </a:solidFill>
+                <a:latin typeface="경기천년바탕 Regular" panose="02020503020101020101" pitchFamily="18" charset="-127"/>
+                <a:ea typeface="경기천년바탕 Regular" panose="02020503020101020101" pitchFamily="18" charset="-127"/>
+              </a:rPr>
+              <a:t>!</a:t>
+            </a:r>
+            <a:endParaRPr lang="ko-KR" altLang="en-US" sz="2800" dirty="0">
+              <a:solidFill>
+                <a:schemeClr val="bg1"/>
+              </a:solidFill>
+              <a:latin typeface="경기천년바탕 Regular" panose="02020503020101020101" pitchFamily="18" charset="-127"/>
+              <a:ea typeface="경기천년바탕 Regular" panose="02020503020101020101" pitchFamily="18" charset="-127"/>
+            </a:endParaRPr>
           </a:p>
         </p:txBody>
       </p:sp>

--- a/ABneBA_Presentation.pptx
+++ b/ABneBA_Presentation.pptx
@@ -4482,8 +4482,8 @@
         </p:nvSpPr>
         <p:spPr>
           <a:xfrm>
-            <a:off x="529389" y="-154003"/>
-            <a:ext cx="7093809" cy="6858000"/>
+            <a:off x="470710" y="-175269"/>
+            <a:ext cx="7093809" cy="7203389"/>
           </a:xfrm>
           <a:prstGeom prst="rect">
             <a:avLst/>

--- a/ABneBA_Presentation.pptx
+++ b/ABneBA_Presentation.pptx
@@ -4653,6 +4653,53 @@
           </a:p>
         </p:txBody>
       </p:sp>
+      <p:pic>
+        <p:nvPicPr>
+          <p:cNvPr id="4" name="Picture 2" descr="미쳤습니까휴먼">
+            <a:extLst>
+              <a:ext uri="{FF2B5EF4-FFF2-40B4-BE49-F238E27FC236}">
+                <a16:creationId xmlns:a16="http://schemas.microsoft.com/office/drawing/2014/main" id="{B5C79FA2-B741-4055-9E60-7EECA5DFEE84}"/>
+              </a:ext>
+            </a:extLst>
+          </p:cNvPr>
+          <p:cNvPicPr>
+            <a:picLocks noChangeAspect="1" noChangeArrowheads="1"/>
+          </p:cNvPicPr>
+          <p:nvPr/>
+        </p:nvPicPr>
+        <p:blipFill>
+          <a:blip r:embed="rId3">
+            <a:extLst>
+              <a:ext uri="{28A0092B-C50C-407E-A947-70E740481C1C}">
+                <a14:useLocalDpi xmlns:a14="http://schemas.microsoft.com/office/drawing/2010/main" val="0"/>
+              </a:ext>
+            </a:extLst>
+          </a:blip>
+          <a:srcRect/>
+          <a:stretch>
+            <a:fillRect/>
+          </a:stretch>
+        </p:blipFill>
+        <p:spPr bwMode="auto">
+          <a:xfrm>
+            <a:off x="8692897" y="2218691"/>
+            <a:ext cx="2099500" cy="1851059"/>
+          </a:xfrm>
+          <a:prstGeom prst="rect">
+            <a:avLst/>
+          </a:prstGeom>
+          <a:noFill/>
+          <a:extLst>
+            <a:ext uri="{909E8E84-426E-40DD-AFC4-6F175D3DCCD1}">
+              <a14:hiddenFill xmlns:a14="http://schemas.microsoft.com/office/drawing/2010/main">
+                <a:solidFill>
+                  <a:srgbClr val="FFFFFF"/>
+                </a:solidFill>
+              </a14:hiddenFill>
+            </a:ext>
+          </a:extLst>
+        </p:spPr>
+      </p:pic>
     </p:spTree>
     <p:extLst>
       <p:ext uri="{BB962C8B-B14F-4D97-AF65-F5344CB8AC3E}">

--- a/ABneBA_Presentation.pptx
+++ b/ABneBA_Presentation.pptx
@@ -16,6 +16,7 @@
     <p:sldId id="264" r:id="rId10"/>
     <p:sldId id="265" r:id="rId11"/>
     <p:sldId id="260" r:id="rId12"/>
+    <p:sldId id="270" r:id="rId13"/>
   </p:sldIdLst>
   <p:sldSz cx="12192000" cy="6858000"/>
   <p:notesSz cx="6858000" cy="9144000"/>
@@ -4326,14 +4327,249 @@
           <a:lstStyle/>
           <a:p>
             <a:pPr algn="ctr"/>
+            <a:r>
+              <a:rPr lang="en-US" altLang="ko-KR"/>
+              <a:t>https://github.com/robin-maki/ABneBA</a:t>
+            </a:r>
             <a:endParaRPr lang="ko-KR" altLang="en-US"/>
           </a:p>
         </p:txBody>
       </p:sp>
+      <p:sp>
+        <p:nvSpPr>
+          <p:cNvPr id="9" name="TextBox 8">
+            <a:extLst>
+              <a:ext uri="{FF2B5EF4-FFF2-40B4-BE49-F238E27FC236}">
+                <a16:creationId xmlns:a16="http://schemas.microsoft.com/office/drawing/2014/main" id="{41DC830B-D50C-431F-B487-C97A5331F099}"/>
+              </a:ext>
+            </a:extLst>
+          </p:cNvPr>
+          <p:cNvSpPr txBox="1"/>
+          <p:nvPr/>
+        </p:nvSpPr>
+        <p:spPr>
+          <a:xfrm>
+            <a:off x="5042490" y="3738748"/>
+            <a:ext cx="7695295" cy="523220"/>
+          </a:xfrm>
+          <a:prstGeom prst="rect">
+            <a:avLst/>
+          </a:prstGeom>
+          <a:noFill/>
+        </p:spPr>
+        <p:txBody>
+          <a:bodyPr wrap="square">
+            <a:spAutoFit/>
+          </a:bodyPr>
+          <a:lstStyle/>
+          <a:p>
+            <a:r>
+              <a:rPr lang="ko-KR" altLang="en-US" sz="2800" dirty="0">
+                <a:solidFill>
+                  <a:schemeClr val="bg1"/>
+                </a:solidFill>
+                <a:latin typeface="경기천년바탕 Regular" panose="02020503020101020101" pitchFamily="18" charset="-127"/>
+                <a:ea typeface="경기천년바탕 Regular" panose="02020503020101020101" pitchFamily="18" charset="-127"/>
+              </a:rPr>
+              <a:t>https://github.com/robin-maki/ABneBA</a:t>
+            </a:r>
+          </a:p>
+        </p:txBody>
+      </p:sp>
+      <p:sp>
+        <p:nvSpPr>
+          <p:cNvPr id="4" name="TextBox 3">
+            <a:extLst>
+              <a:ext uri="{FF2B5EF4-FFF2-40B4-BE49-F238E27FC236}">
+                <a16:creationId xmlns:a16="http://schemas.microsoft.com/office/drawing/2014/main" id="{56102970-67F2-4BDC-B6EF-263E4425B4C7}"/>
+              </a:ext>
+            </a:extLst>
+          </p:cNvPr>
+          <p:cNvSpPr txBox="1"/>
+          <p:nvPr/>
+        </p:nvSpPr>
+        <p:spPr>
+          <a:xfrm>
+            <a:off x="1041991" y="5199060"/>
+            <a:ext cx="3040911" cy="1077218"/>
+          </a:xfrm>
+          <a:prstGeom prst="rect">
+            <a:avLst/>
+          </a:prstGeom>
+          <a:noFill/>
+        </p:spPr>
+        <p:txBody>
+          <a:bodyPr wrap="square" rtlCol="0">
+            <a:spAutoFit/>
+          </a:bodyPr>
+          <a:lstStyle/>
+          <a:p>
+            <a:pPr algn="r"/>
+            <a:r>
+              <a:rPr lang="ko-KR" altLang="en-US" sz="3200" dirty="0">
+                <a:latin typeface="경기천년바탕 Regular" panose="02020503020101020101" pitchFamily="18" charset="-127"/>
+                <a:ea typeface="경기천년바탕 Regular" panose="02020503020101020101" pitchFamily="18" charset="-127"/>
+              </a:rPr>
+              <a:t>당신의 </a:t>
+            </a:r>
+            <a:r>
+              <a:rPr lang="en-US" altLang="ko-KR" sz="3200" dirty="0">
+                <a:latin typeface="경기천년바탕 Regular" panose="02020503020101020101" pitchFamily="18" charset="-127"/>
+                <a:ea typeface="경기천년바탕 Regular" panose="02020503020101020101" pitchFamily="18" charset="-127"/>
+              </a:rPr>
+              <a:t>AI</a:t>
+            </a:r>
+            <a:r>
+              <a:rPr lang="ko-KR" altLang="en-US" sz="3200" dirty="0">
+                <a:latin typeface="경기천년바탕 Regular" panose="02020503020101020101" pitchFamily="18" charset="-127"/>
+                <a:ea typeface="경기천년바탕 Regular" panose="02020503020101020101" pitchFamily="18" charset="-127"/>
+              </a:rPr>
+              <a:t>로</a:t>
+            </a:r>
+            <a:endParaRPr lang="en-US" altLang="ko-KR" sz="3200" dirty="0">
+              <a:latin typeface="경기천년바탕 Regular" panose="02020503020101020101" pitchFamily="18" charset="-127"/>
+              <a:ea typeface="경기천년바탕 Regular" panose="02020503020101020101" pitchFamily="18" charset="-127"/>
+            </a:endParaRPr>
+          </a:p>
+          <a:p>
+            <a:pPr algn="r"/>
+            <a:r>
+              <a:rPr lang="ko-KR" altLang="en-US" sz="3200" dirty="0">
+                <a:latin typeface="경기천년바탕 Regular" panose="02020503020101020101" pitchFamily="18" charset="-127"/>
+                <a:ea typeface="경기천년바탕 Regular" panose="02020503020101020101" pitchFamily="18" charset="-127"/>
+              </a:rPr>
+              <a:t>플레이해보세요</a:t>
+            </a:r>
+            <a:r>
+              <a:rPr lang="en-US" altLang="ko-KR" sz="3200" dirty="0">
+                <a:latin typeface="경기천년바탕 Regular" panose="02020503020101020101" pitchFamily="18" charset="-127"/>
+                <a:ea typeface="경기천년바탕 Regular" panose="02020503020101020101" pitchFamily="18" charset="-127"/>
+              </a:rPr>
+              <a:t>!</a:t>
+            </a:r>
+            <a:endParaRPr lang="ko-KR" altLang="en-US" sz="3200" dirty="0">
+              <a:latin typeface="경기천년바탕 Regular" panose="02020503020101020101" pitchFamily="18" charset="-127"/>
+              <a:ea typeface="경기천년바탕 Regular" panose="02020503020101020101" pitchFamily="18" charset="-127"/>
+            </a:endParaRPr>
+          </a:p>
+        </p:txBody>
+      </p:sp>
+      <p:cxnSp>
+        <p:nvCxnSpPr>
+          <p:cNvPr id="6" name="직선 연결선 5">
+            <a:extLst>
+              <a:ext uri="{FF2B5EF4-FFF2-40B4-BE49-F238E27FC236}">
+                <a16:creationId xmlns:a16="http://schemas.microsoft.com/office/drawing/2014/main" id="{236D7F76-C1A5-4839-B57C-F52681638809}"/>
+              </a:ext>
+            </a:extLst>
+          </p:cNvPr>
+          <p:cNvCxnSpPr/>
+          <p:nvPr/>
+        </p:nvCxnSpPr>
+        <p:spPr>
+          <a:xfrm>
+            <a:off x="4922874" y="3783234"/>
+            <a:ext cx="0" cy="434247"/>
+          </a:xfrm>
+          <a:prstGeom prst="line">
+            <a:avLst/>
+          </a:prstGeom>
+          <a:ln w="12700">
+            <a:solidFill>
+              <a:schemeClr val="bg1"/>
+            </a:solidFill>
+          </a:ln>
+        </p:spPr>
+        <p:style>
+          <a:lnRef idx="1">
+            <a:schemeClr val="accent1"/>
+          </a:lnRef>
+          <a:fillRef idx="0">
+            <a:schemeClr val="accent1"/>
+          </a:fillRef>
+          <a:effectRef idx="0">
+            <a:schemeClr val="accent1"/>
+          </a:effectRef>
+          <a:fontRef idx="minor">
+            <a:schemeClr val="tx1"/>
+          </a:fontRef>
+        </p:style>
+      </p:cxnSp>
     </p:spTree>
     <p:extLst>
       <p:ext uri="{BB962C8B-B14F-4D97-AF65-F5344CB8AC3E}">
         <p14:creationId xmlns:p14="http://schemas.microsoft.com/office/powerpoint/2010/main" val="1944586640"/>
+      </p:ext>
+    </p:extLst>
+  </p:cSld>
+  <p:clrMapOvr>
+    <a:masterClrMapping/>
+  </p:clrMapOvr>
+</p:sld>
+</file>
+
+<file path=ppt/slides/slide12.xml><?xml version="1.0" encoding="utf-8"?>
+<p:sld xmlns:a="http://schemas.openxmlformats.org/drawingml/2006/main" xmlns:r="http://schemas.openxmlformats.org/officeDocument/2006/relationships" xmlns:p="http://schemas.openxmlformats.org/presentationml/2006/main">
+  <p:cSld>
+    <p:spTree>
+      <p:nvGrpSpPr>
+        <p:cNvPr id="1" name=""/>
+        <p:cNvGrpSpPr/>
+        <p:nvPr/>
+      </p:nvGrpSpPr>
+      <p:grpSpPr>
+        <a:xfrm>
+          <a:off x="0" y="0"/>
+          <a:ext cx="0" cy="0"/>
+          <a:chOff x="0" y="0"/>
+          <a:chExt cx="0" cy="0"/>
+        </a:xfrm>
+      </p:grpSpPr>
+      <p:sp>
+        <p:nvSpPr>
+          <p:cNvPr id="2" name="TextBox 1">
+            <a:extLst>
+              <a:ext uri="{FF2B5EF4-FFF2-40B4-BE49-F238E27FC236}">
+                <a16:creationId xmlns:a16="http://schemas.microsoft.com/office/drawing/2014/main" id="{785A56E5-3A4F-4AC0-ACDC-79787520E7D9}"/>
+              </a:ext>
+            </a:extLst>
+          </p:cNvPr>
+          <p:cNvSpPr txBox="1"/>
+          <p:nvPr/>
+        </p:nvSpPr>
+        <p:spPr>
+          <a:xfrm flipH="1">
+            <a:off x="4766575" y="3136612"/>
+            <a:ext cx="2474197" cy="584775"/>
+          </a:xfrm>
+          <a:prstGeom prst="rect">
+            <a:avLst/>
+          </a:prstGeom>
+          <a:noFill/>
+        </p:spPr>
+        <p:txBody>
+          <a:bodyPr wrap="square" rtlCol="0">
+            <a:spAutoFit/>
+          </a:bodyPr>
+          <a:lstStyle/>
+          <a:p>
+            <a:r>
+              <a:rPr lang="ko-KR" altLang="en-US" sz="3200">
+                <a:solidFill>
+                  <a:schemeClr val="bg1"/>
+                </a:solidFill>
+                <a:latin typeface="경기천년바탕 Regular" panose="02020503020101020101" pitchFamily="18" charset="-127"/>
+                <a:ea typeface="경기천년바탕 Regular" panose="02020503020101020101" pitchFamily="18" charset="-127"/>
+              </a:rPr>
+              <a:t>감사합니다</a:t>
+            </a:r>
+          </a:p>
+        </p:txBody>
+      </p:sp>
+    </p:spTree>
+    <p:extLst>
+      <p:ext uri="{BB962C8B-B14F-4D97-AF65-F5344CB8AC3E}">
+        <p14:creationId xmlns:p14="http://schemas.microsoft.com/office/powerpoint/2010/main" val="33466481"/>
       </p:ext>
     </p:extLst>
   </p:cSld>
